--- a/Assignment_4.pptx
+++ b/Assignment_4.pptx
@@ -9,19 +9,24 @@
     <p:sldId id="270" r:id="rId3"/>
     <p:sldId id="271" r:id="rId4"/>
     <p:sldId id="273" r:id="rId5"/>
-    <p:sldId id="257" r:id="rId6"/>
-    <p:sldId id="258" r:id="rId7"/>
-    <p:sldId id="259" r:id="rId8"/>
-    <p:sldId id="260" r:id="rId9"/>
-    <p:sldId id="261" r:id="rId10"/>
-    <p:sldId id="262" r:id="rId11"/>
-    <p:sldId id="263" r:id="rId12"/>
-    <p:sldId id="264" r:id="rId13"/>
-    <p:sldId id="265" r:id="rId14"/>
-    <p:sldId id="266" r:id="rId15"/>
-    <p:sldId id="267" r:id="rId16"/>
-    <p:sldId id="268" r:id="rId17"/>
-    <p:sldId id="269" r:id="rId18"/>
+    <p:sldId id="274" r:id="rId6"/>
+    <p:sldId id="275" r:id="rId7"/>
+    <p:sldId id="276" r:id="rId8"/>
+    <p:sldId id="277" r:id="rId9"/>
+    <p:sldId id="278" r:id="rId10"/>
+    <p:sldId id="257" r:id="rId11"/>
+    <p:sldId id="258" r:id="rId12"/>
+    <p:sldId id="259" r:id="rId13"/>
+    <p:sldId id="260" r:id="rId14"/>
+    <p:sldId id="261" r:id="rId15"/>
+    <p:sldId id="262" r:id="rId16"/>
+    <p:sldId id="263" r:id="rId17"/>
+    <p:sldId id="264" r:id="rId18"/>
+    <p:sldId id="265" r:id="rId19"/>
+    <p:sldId id="266" r:id="rId20"/>
+    <p:sldId id="267" r:id="rId21"/>
+    <p:sldId id="268" r:id="rId22"/>
+    <p:sldId id="269" r:id="rId23"/>
   </p:sldIdLst>
   <p:sldSz cx="9144000" cy="6858000" type="screen4x3"/>
   <p:notesSz cx="6858000" cy="9144000"/>
@@ -3791,11 +3796,11 @@
           <a:p>
             <a:r>
               <a:rPr lang="de-AT" dirty="0" err="1" smtClean="0"/>
-              <a:t>Flattening</a:t>
-            </a:r>
-            <a:r>
-              <a:rPr lang="de-AT" dirty="0" smtClean="0"/>
-              <a:t>(3/3)</a:t>
+              <a:t>Exercise</a:t>
+            </a:r>
+            <a:r>
+              <a:rPr lang="de-AT" dirty="0" smtClean="0"/>
+              <a:t> 4</a:t>
             </a:r>
             <a:endParaRPr lang="de-AT" dirty="0"/>
           </a:p>
@@ -3813,195 +3818,55 @@
         </p:nvSpPr>
         <p:spPr/>
         <p:txBody>
-          <a:bodyPr/>
-          <a:lstStyle/>
-          <a:p>
-            <a:r>
-              <a:rPr lang="de-AT" dirty="0" err="1" smtClean="0"/>
-              <a:t>Cohesion</a:t>
-            </a:r>
-            <a:endParaRPr lang="de-AT" dirty="0" smtClean="0"/>
-          </a:p>
-          <a:p>
-            <a:pPr lvl="1"/>
-            <a:r>
-              <a:rPr lang="de-AT" dirty="0" err="1" smtClean="0"/>
-              <a:t>each</a:t>
-            </a:r>
-            <a:r>
-              <a:rPr lang="de-AT" dirty="0" smtClean="0"/>
-              <a:t> </a:t>
-            </a:r>
-            <a:r>
-              <a:rPr lang="de-AT" dirty="0" err="1" smtClean="0"/>
-              <a:t>generalization</a:t>
-            </a:r>
-            <a:r>
-              <a:rPr lang="de-AT" dirty="0" smtClean="0"/>
-              <a:t> </a:t>
-            </a:r>
-            <a:r>
-              <a:rPr lang="de-AT" dirty="0" err="1" smtClean="0"/>
-              <a:t>is</a:t>
-            </a:r>
-            <a:r>
-              <a:rPr lang="de-AT" dirty="0" smtClean="0"/>
-              <a:t> </a:t>
-            </a:r>
-            <a:r>
-              <a:rPr lang="de-AT" dirty="0" err="1" smtClean="0"/>
-              <a:t>represented</a:t>
-            </a:r>
-            <a:r>
-              <a:rPr lang="de-AT" dirty="0" smtClean="0"/>
-              <a:t> </a:t>
-            </a:r>
-            <a:r>
-              <a:rPr lang="de-AT" dirty="0" err="1" smtClean="0"/>
-              <a:t>as</a:t>
-            </a:r>
-            <a:r>
-              <a:rPr lang="de-AT" dirty="0" smtClean="0"/>
-              <a:t> 1:1 </a:t>
-            </a:r>
-            <a:r>
-              <a:rPr lang="de-AT" dirty="0" err="1" smtClean="0"/>
-              <a:t>relation</a:t>
-            </a:r>
-            <a:endParaRPr lang="de-AT" dirty="0" smtClean="0"/>
-          </a:p>
-          <a:p>
-            <a:pPr lvl="1"/>
-            <a:endParaRPr lang="de-AT" dirty="0" smtClean="0"/>
-          </a:p>
-          <a:p>
-            <a:pPr lvl="1"/>
+          <a:bodyPr>
+            <a:normAutofit fontScale="92500" lnSpcReduction="10000"/>
+          </a:bodyPr>
+          <a:lstStyle/>
+          <a:p>
             <a:endParaRPr lang="de-AT" dirty="0"/>
           </a:p>
-        </p:txBody>
-      </p:sp>
-      <p:pic>
-        <p:nvPicPr>
-          <p:cNvPr id="4" name="Picture 2"/>
-          <p:cNvPicPr>
-            <a:picLocks noChangeAspect="1" noChangeArrowheads="1"/>
-          </p:cNvPicPr>
-          <p:nvPr/>
-        </p:nvPicPr>
-        <p:blipFill>
-          <a:blip r:embed="rId2">
-            <a:extLst>
-              <a:ext uri="{28A0092B-C50C-407E-A947-70E740481C1C}">
-                <a14:useLocalDpi xmlns:a14="http://schemas.microsoft.com/office/drawing/2010/main" val="0"/>
-              </a:ext>
-            </a:extLst>
-          </a:blip>
-          <a:srcRect/>
-          <a:stretch>
-            <a:fillRect/>
-          </a:stretch>
-        </p:blipFill>
-        <p:spPr bwMode="auto">
-          <a:xfrm>
-            <a:off x="393837" y="2954013"/>
-            <a:ext cx="3003514" cy="3511151"/>
-          </a:xfrm>
-          <a:prstGeom prst="rect">
-            <a:avLst/>
-          </a:prstGeom>
-          <a:noFill/>
-          <a:ln>
-            <a:noFill/>
-          </a:ln>
-          <a:effectLst/>
-          <a:extLst>
-            <a:ext uri="{909E8E84-426E-40DD-AFC4-6F175D3DCCD1}">
-              <a14:hiddenFill xmlns:a14="http://schemas.microsoft.com/office/drawing/2010/main">
-                <a:solidFill>
-                  <a:schemeClr val="accent1"/>
-                </a:solidFill>
-              </a14:hiddenFill>
-            </a:ext>
-            <a:ext uri="{91240B29-F687-4F45-9708-019B960494DF}">
-              <a14:hiddenLine xmlns:a14="http://schemas.microsoft.com/office/drawing/2010/main" w="9525">
-                <a:solidFill>
-                  <a:schemeClr val="tx1"/>
-                </a:solidFill>
-                <a:miter lim="800000"/>
-                <a:headEnd/>
-                <a:tailEnd/>
-              </a14:hiddenLine>
-            </a:ext>
-            <a:ext uri="{AF507438-7753-43E0-B8FC-AC1667EBCBE1}">
-              <a14:hiddenEffects xmlns:a14="http://schemas.microsoft.com/office/drawing/2010/main">
-                <a:effectLst>
-                  <a:outerShdw dist="35921" dir="2700000" algn="ctr" rotWithShape="0">
-                    <a:schemeClr val="bg2"/>
-                  </a:outerShdw>
-                </a:effectLst>
-              </a14:hiddenEffects>
-            </a:ext>
-          </a:extLst>
-        </p:spPr>
-      </p:pic>
-      <p:pic>
-        <p:nvPicPr>
-          <p:cNvPr id="4097" name="Picture 1"/>
-          <p:cNvPicPr>
-            <a:picLocks noChangeAspect="1" noChangeArrowheads="1"/>
-          </p:cNvPicPr>
-          <p:nvPr/>
-        </p:nvPicPr>
-        <p:blipFill>
-          <a:blip r:embed="rId3">
-            <a:extLst>
-              <a:ext uri="{28A0092B-C50C-407E-A947-70E740481C1C}">
-                <a14:useLocalDpi xmlns:a14="http://schemas.microsoft.com/office/drawing/2010/main" val="0"/>
-              </a:ext>
-            </a:extLst>
-          </a:blip>
-          <a:srcRect/>
-          <a:stretch>
-            <a:fillRect/>
-          </a:stretch>
-        </p:blipFill>
-        <p:spPr bwMode="auto">
-          <a:xfrm>
-            <a:off x="4716016" y="2695052"/>
-            <a:ext cx="3629025" cy="4029075"/>
-          </a:xfrm>
-          <a:prstGeom prst="rect">
-            <a:avLst/>
-          </a:prstGeom>
-          <a:noFill/>
-          <a:ln>
-            <a:noFill/>
-          </a:ln>
-          <a:extLst>
-            <a:ext uri="{909E8E84-426E-40DD-AFC4-6F175D3DCCD1}">
-              <a14:hiddenFill xmlns:a14="http://schemas.microsoft.com/office/drawing/2010/main">
-                <a:solidFill>
-                  <a:schemeClr val="accent1"/>
-                </a:solidFill>
-              </a14:hiddenFill>
-            </a:ext>
-            <a:ext uri="{91240B29-F687-4F45-9708-019B960494DF}">
-              <a14:hiddenLine xmlns:a14="http://schemas.microsoft.com/office/drawing/2010/main" w="9525">
-                <a:solidFill>
-                  <a:schemeClr val="tx1"/>
-                </a:solidFill>
-                <a:miter lim="800000"/>
-                <a:headEnd/>
-                <a:tailEnd/>
-              </a14:hiddenLine>
-            </a:ext>
-          </a:extLst>
-        </p:spPr>
-      </p:pic>
+          <a:p>
+            <a:endParaRPr lang="de-AT" dirty="0"/>
+          </a:p>
+          <a:p>
+            <a:r>
+              <a:rPr lang="en-US" dirty="0" smtClean="0"/>
+              <a:t>Explain </a:t>
+            </a:r>
+            <a:r>
+              <a:rPr lang="en-US" dirty="0"/>
+              <a:t>the notions total, partial, exclusive, and overlapping in the context of generalization. </a:t>
+            </a:r>
+          </a:p>
+          <a:p>
+            <a:r>
+              <a:rPr lang="en-US" dirty="0" smtClean="0"/>
+              <a:t>What </a:t>
+            </a:r>
+            <a:r>
+              <a:rPr lang="en-US" dirty="0"/>
+              <a:t>kind of flattening strategies exist for generalization hierarchies? Explain them with an example of your own. </a:t>
+            </a:r>
+          </a:p>
+          <a:p>
+            <a:r>
+              <a:rPr lang="en-US" dirty="0" smtClean="0"/>
+              <a:t>How </a:t>
+            </a:r>
+            <a:r>
+              <a:rPr lang="en-US" dirty="0"/>
+              <a:t>can you determine, which flattening strategy should be used? What data do you need for the decision? </a:t>
+            </a:r>
+          </a:p>
+          <a:p>
+            <a:endParaRPr lang="de-AT" dirty="0"/>
+          </a:p>
+        </p:txBody>
+      </p:sp>
     </p:spTree>
     <p:extLst>
       <p:ext uri="{BB962C8B-B14F-4D97-AF65-F5344CB8AC3E}">
-        <p14:creationId xmlns:p14="http://schemas.microsoft.com/office/powerpoint/2010/main" val="2285351819"/>
+        <p14:creationId xmlns:p14="http://schemas.microsoft.com/office/powerpoint/2010/main" val="1682494258"/>
       </p:ext>
     </p:extLst>
   </p:cSld>
@@ -4051,28 +3916,16 @@
           <a:lstStyle/>
           <a:p>
             <a:r>
-              <a:rPr lang="de-AT" dirty="0" err="1" smtClean="0"/>
-              <a:t>Which</a:t>
-            </a:r>
-            <a:r>
-              <a:rPr lang="de-AT" dirty="0" smtClean="0"/>
-              <a:t> </a:t>
-            </a:r>
-            <a:r>
-              <a:rPr lang="de-AT" dirty="0" err="1" smtClean="0"/>
-              <a:t>Flattening</a:t>
-            </a:r>
-            <a:r>
-              <a:rPr lang="de-AT" dirty="0" smtClean="0"/>
-              <a:t> </a:t>
-            </a:r>
-            <a:r>
-              <a:rPr lang="de-AT" dirty="0" err="1" smtClean="0"/>
-              <a:t>Strategy</a:t>
-            </a:r>
-            <a:r>
-              <a:rPr lang="de-AT" dirty="0" smtClean="0"/>
-              <a:t>?</a:t>
+              <a:rPr lang="de-AT" dirty="0" smtClean="0"/>
+              <a:t>total </a:t>
+            </a:r>
+            <a:r>
+              <a:rPr lang="de-AT" dirty="0" err="1" smtClean="0"/>
+              <a:t>vs</a:t>
+            </a:r>
+            <a:r>
+              <a:rPr lang="de-AT" dirty="0" smtClean="0"/>
+              <a:t> partial</a:t>
             </a:r>
             <a:endParaRPr lang="de-AT" dirty="0"/>
           </a:p>
@@ -4090,639 +3943,118 @@
         </p:nvSpPr>
         <p:spPr/>
         <p:txBody>
-          <a:bodyPr>
-            <a:normAutofit fontScale="92500" lnSpcReduction="20000"/>
-          </a:bodyPr>
-          <a:lstStyle/>
-          <a:p>
-            <a:pPr marL="514350" indent="-514350">
-              <a:buFont typeface="+mj-lt"/>
-              <a:buAutoNum type="arabicPeriod"/>
-            </a:pPr>
-            <a:r>
-              <a:rPr lang="de-AT" dirty="0" err="1" smtClean="0"/>
-              <a:t>Two</a:t>
-            </a:r>
-            <a:r>
-              <a:rPr lang="de-AT" dirty="0" smtClean="0"/>
-              <a:t> </a:t>
-            </a:r>
-            <a:r>
-              <a:rPr lang="de-AT" dirty="0" err="1" smtClean="0"/>
-              <a:t>operation</a:t>
-            </a:r>
-            <a:r>
-              <a:rPr lang="de-AT" dirty="0" smtClean="0"/>
-              <a:t> </a:t>
-            </a:r>
-            <a:r>
-              <a:rPr lang="de-AT" dirty="0" err="1" smtClean="0"/>
-              <a:t>sets</a:t>
+          <a:bodyPr/>
+          <a:lstStyle/>
+          <a:p>
+            <a:r>
+              <a:rPr lang="de-AT" dirty="0" smtClean="0"/>
+              <a:t>total</a:t>
+            </a:r>
+          </a:p>
+          <a:p>
+            <a:pPr lvl="1"/>
+            <a:r>
+              <a:rPr lang="de-AT" dirty="0" err="1" smtClean="0"/>
+              <a:t>every</a:t>
+            </a:r>
+            <a:r>
+              <a:rPr lang="de-AT" dirty="0" smtClean="0"/>
+              <a:t> </a:t>
+            </a:r>
+            <a:r>
+              <a:rPr lang="de-AT" dirty="0" err="1" smtClean="0"/>
+              <a:t>instance</a:t>
+            </a:r>
+            <a:r>
+              <a:rPr lang="de-AT" dirty="0" smtClean="0"/>
+              <a:t> </a:t>
+            </a:r>
+            <a:r>
+              <a:rPr lang="de-AT" dirty="0" err="1" smtClean="0"/>
+              <a:t>of</a:t>
+            </a:r>
+            <a:r>
+              <a:rPr lang="de-AT" dirty="0" smtClean="0"/>
+              <a:t> a super-</a:t>
+            </a:r>
+            <a:r>
+              <a:rPr lang="de-AT" dirty="0" err="1" smtClean="0"/>
+              <a:t>class</a:t>
+            </a:r>
+            <a:r>
+              <a:rPr lang="de-AT" dirty="0" smtClean="0"/>
+              <a:t> </a:t>
+            </a:r>
+            <a:r>
+              <a:rPr lang="de-AT" dirty="0" err="1" smtClean="0"/>
+              <a:t>is</a:t>
+            </a:r>
+            <a:r>
+              <a:rPr lang="de-AT" dirty="0" smtClean="0"/>
+              <a:t> also an </a:t>
+            </a:r>
+            <a:r>
+              <a:rPr lang="de-AT" dirty="0" err="1" smtClean="0"/>
+              <a:t>instance</a:t>
+            </a:r>
+            <a:r>
+              <a:rPr lang="de-AT" dirty="0" smtClean="0"/>
+              <a:t> </a:t>
+            </a:r>
+            <a:r>
+              <a:rPr lang="de-AT" dirty="0" err="1" smtClean="0"/>
+              <a:t>of</a:t>
+            </a:r>
+            <a:r>
+              <a:rPr lang="de-AT" dirty="0" smtClean="0"/>
+              <a:t> a (</a:t>
+            </a:r>
+            <a:r>
+              <a:rPr lang="de-AT" dirty="0" err="1" smtClean="0"/>
+              <a:t>direct</a:t>
+            </a:r>
+            <a:r>
+              <a:rPr lang="de-AT" dirty="0" smtClean="0"/>
+              <a:t>) sub-</a:t>
+            </a:r>
+            <a:r>
+              <a:rPr lang="de-AT" dirty="0" err="1" smtClean="0"/>
+              <a:t>class</a:t>
+            </a:r>
+            <a:r>
+              <a:rPr lang="de-AT" dirty="0" smtClean="0"/>
+              <a:t> </a:t>
+            </a:r>
+            <a:r>
+              <a:rPr lang="de-AT" dirty="0" err="1" smtClean="0"/>
+              <a:t>children</a:t>
             </a:r>
             <a:endParaRPr lang="de-AT" dirty="0" smtClean="0"/>
           </a:p>
           <a:p>
-            <a:pPr marL="914400" lvl="1" indent="-514350"/>
-            <a:r>
-              <a:rPr lang="de-AT" sz="1900" dirty="0" smtClean="0"/>
-              <a:t>S1 </a:t>
-            </a:r>
-            <a:r>
-              <a:rPr lang="de-AT" sz="1900" dirty="0" err="1" smtClean="0"/>
-              <a:t>set</a:t>
-            </a:r>
-            <a:r>
-              <a:rPr lang="de-AT" sz="1900" dirty="0" smtClean="0"/>
-              <a:t> </a:t>
-            </a:r>
-            <a:r>
-              <a:rPr lang="de-AT" sz="1900" dirty="0" err="1" smtClean="0"/>
-              <a:t>of</a:t>
-            </a:r>
-            <a:r>
-              <a:rPr lang="de-AT" sz="1900" dirty="0" smtClean="0"/>
-              <a:t> </a:t>
-            </a:r>
-            <a:r>
-              <a:rPr lang="de-AT" sz="1900" dirty="0" err="1" smtClean="0"/>
-              <a:t>operations</a:t>
-            </a:r>
-            <a:r>
-              <a:rPr lang="de-AT" sz="1900" dirty="0" smtClean="0"/>
-              <a:t>, </a:t>
-            </a:r>
-            <a:r>
-              <a:rPr lang="de-AT" sz="1900" dirty="0" err="1" smtClean="0"/>
-              <a:t>which</a:t>
-            </a:r>
-            <a:r>
-              <a:rPr lang="de-AT" sz="1900" dirty="0" smtClean="0"/>
-              <a:t> </a:t>
-            </a:r>
-            <a:r>
-              <a:rPr lang="de-AT" sz="1900" dirty="0" err="1" smtClean="0"/>
-              <a:t>access</a:t>
-            </a:r>
-            <a:r>
-              <a:rPr lang="de-AT" sz="1900" dirty="0" smtClean="0"/>
-              <a:t> </a:t>
-            </a:r>
-            <a:r>
-              <a:rPr lang="de-AT" sz="1900" dirty="0" err="1" smtClean="0"/>
-              <a:t>attributes</a:t>
-            </a:r>
-            <a:r>
-              <a:rPr lang="de-AT" sz="1900" dirty="0" smtClean="0"/>
-              <a:t> </a:t>
-            </a:r>
-            <a:r>
-              <a:rPr lang="de-AT" sz="1900" dirty="0" err="1" smtClean="0"/>
-              <a:t>of</a:t>
-            </a:r>
-            <a:r>
-              <a:rPr lang="de-AT" sz="1900" dirty="0" smtClean="0"/>
-              <a:t> </a:t>
-            </a:r>
-            <a:r>
-              <a:rPr lang="de-AT" sz="1900" dirty="0" err="1" smtClean="0"/>
-              <a:t>the</a:t>
-            </a:r>
-            <a:r>
-              <a:rPr lang="de-AT" sz="1900" dirty="0" smtClean="0"/>
-              <a:t> super-</a:t>
-            </a:r>
-            <a:r>
-              <a:rPr lang="de-AT" sz="1900" dirty="0" err="1" smtClean="0"/>
-              <a:t>class</a:t>
-            </a:r>
-            <a:endParaRPr lang="de-AT" sz="1900" dirty="0" smtClean="0"/>
-          </a:p>
-          <a:p>
-            <a:pPr marL="914400" lvl="1" indent="-514350"/>
-            <a:r>
-              <a:rPr lang="de-AT" sz="1900" dirty="0" smtClean="0"/>
-              <a:t>S2 </a:t>
-            </a:r>
-            <a:r>
-              <a:rPr lang="de-AT" sz="1900" dirty="0" err="1" smtClean="0"/>
-              <a:t>set</a:t>
-            </a:r>
-            <a:r>
-              <a:rPr lang="de-AT" sz="1900" dirty="0" smtClean="0"/>
-              <a:t> </a:t>
-            </a:r>
-            <a:r>
-              <a:rPr lang="de-AT" sz="1900" dirty="0" err="1" smtClean="0"/>
-              <a:t>of</a:t>
-            </a:r>
-            <a:r>
-              <a:rPr lang="de-AT" sz="1900" dirty="0" smtClean="0"/>
-              <a:t> </a:t>
-            </a:r>
-            <a:r>
-              <a:rPr lang="de-AT" sz="1900" dirty="0" err="1" smtClean="0"/>
-              <a:t>operations</a:t>
-            </a:r>
-            <a:r>
-              <a:rPr lang="de-AT" sz="1900" dirty="0" smtClean="0"/>
-              <a:t>, </a:t>
-            </a:r>
-            <a:r>
-              <a:rPr lang="de-AT" sz="1900" dirty="0" err="1" smtClean="0"/>
-              <a:t>which</a:t>
-            </a:r>
-            <a:r>
-              <a:rPr lang="de-AT" sz="1900" dirty="0" smtClean="0"/>
-              <a:t> </a:t>
-            </a:r>
-            <a:r>
-              <a:rPr lang="de-AT" sz="1900" dirty="0" err="1" smtClean="0"/>
-              <a:t>access</a:t>
-            </a:r>
-            <a:r>
-              <a:rPr lang="de-AT" sz="1900" dirty="0" smtClean="0"/>
-              <a:t> </a:t>
-            </a:r>
-            <a:r>
-              <a:rPr lang="de-AT" sz="1900" dirty="0" err="1" smtClean="0"/>
-              <a:t>attributes</a:t>
-            </a:r>
-            <a:r>
-              <a:rPr lang="de-AT" sz="1900" dirty="0" smtClean="0"/>
-              <a:t> </a:t>
-            </a:r>
-            <a:r>
-              <a:rPr lang="de-AT" sz="1900" dirty="0" err="1" smtClean="0"/>
-              <a:t>of</a:t>
-            </a:r>
-            <a:r>
-              <a:rPr lang="de-AT" sz="1900" dirty="0" smtClean="0"/>
-              <a:t> super-</a:t>
-            </a:r>
-            <a:r>
-              <a:rPr lang="de-AT" sz="1900" dirty="0" err="1" smtClean="0"/>
-              <a:t>class</a:t>
-            </a:r>
-            <a:r>
-              <a:rPr lang="de-AT" sz="1900" dirty="0" smtClean="0"/>
-              <a:t> </a:t>
-            </a:r>
-            <a:r>
-              <a:rPr lang="de-AT" sz="1900" dirty="0" err="1" smtClean="0"/>
-              <a:t>and</a:t>
-            </a:r>
-            <a:r>
-              <a:rPr lang="de-AT" sz="1900" dirty="0" smtClean="0"/>
-              <a:t> </a:t>
-            </a:r>
-            <a:r>
-              <a:rPr lang="de-AT" sz="1900" dirty="0" err="1" smtClean="0"/>
-              <a:t>one</a:t>
-            </a:r>
-            <a:r>
-              <a:rPr lang="de-AT" sz="1900" dirty="0" smtClean="0"/>
-              <a:t> sub-</a:t>
-            </a:r>
-            <a:r>
-              <a:rPr lang="de-AT" sz="1900" dirty="0" err="1" smtClean="0"/>
-              <a:t>class</a:t>
-            </a:r>
-            <a:endParaRPr lang="de-AT" sz="1900" dirty="0" smtClean="0"/>
-          </a:p>
-          <a:p>
-            <a:pPr marL="514350" indent="-514350">
-              <a:buFont typeface="+mj-lt"/>
-              <a:buAutoNum type="arabicPeriod"/>
-            </a:pPr>
-            <a:r>
-              <a:rPr lang="de-AT" dirty="0" err="1" smtClean="0"/>
-              <a:t>Calculate</a:t>
-            </a:r>
-            <a:r>
-              <a:rPr lang="de-AT" dirty="0" smtClean="0"/>
-              <a:t> </a:t>
-            </a:r>
-            <a:r>
-              <a:rPr lang="de-AT" dirty="0" err="1" smtClean="0"/>
-              <a:t>access</a:t>
-            </a:r>
-            <a:r>
-              <a:rPr lang="de-AT" dirty="0" smtClean="0"/>
-              <a:t> </a:t>
-            </a:r>
-            <a:r>
-              <a:rPr lang="de-AT" dirty="0" err="1" smtClean="0"/>
-              <a:t>counts</a:t>
-            </a:r>
-            <a:r>
-              <a:rPr lang="de-AT" dirty="0" smtClean="0"/>
-              <a:t> </a:t>
-            </a:r>
-            <a:r>
-              <a:rPr lang="de-AT" dirty="0" err="1" smtClean="0"/>
-              <a:t>for</a:t>
-            </a:r>
-            <a:r>
-              <a:rPr lang="de-AT" dirty="0" smtClean="0"/>
-              <a:t> S1 </a:t>
-            </a:r>
-            <a:r>
-              <a:rPr lang="de-AT" dirty="0" err="1" smtClean="0"/>
-              <a:t>and</a:t>
-            </a:r>
-            <a:r>
-              <a:rPr lang="de-AT" dirty="0" smtClean="0"/>
-              <a:t> S2</a:t>
-            </a:r>
-          </a:p>
-          <a:p>
-            <a:pPr marL="514350" indent="-514350">
-              <a:buFont typeface="+mj-lt"/>
-              <a:buAutoNum type="arabicPeriod"/>
-            </a:pPr>
-            <a:r>
-              <a:rPr lang="de-AT" dirty="0" err="1" smtClean="0"/>
-              <a:t>Decide</a:t>
+            <a:pPr lvl="1"/>
+            <a:endParaRPr lang="de-AT" dirty="0"/>
+          </a:p>
+          <a:p>
+            <a:r>
+              <a:rPr lang="de-AT" dirty="0" smtClean="0"/>
+              <a:t>partial</a:t>
+            </a:r>
+          </a:p>
+          <a:p>
+            <a:pPr lvl="1"/>
+            <a:r>
+              <a:rPr lang="de-AT" dirty="0" err="1" smtClean="0"/>
+              <a:t>otherwise</a:t>
             </a:r>
             <a:endParaRPr lang="de-AT" dirty="0" smtClean="0"/>
-          </a:p>
-          <a:p>
-            <a:pPr marL="400050" lvl="1" indent="0">
-              <a:buNone/>
-            </a:pPr>
-            <a:r>
-              <a:rPr lang="de-AT" dirty="0" err="1" smtClean="0"/>
-              <a:t>if</a:t>
-            </a:r>
-            <a:r>
-              <a:rPr lang="de-AT" dirty="0" smtClean="0"/>
-              <a:t> S2 </a:t>
-            </a:r>
-            <a:r>
-              <a:rPr lang="de-AT" dirty="0" err="1" smtClean="0"/>
-              <a:t>dominates</a:t>
-            </a:r>
-            <a:r>
-              <a:rPr lang="de-AT" dirty="0" smtClean="0"/>
-              <a:t> </a:t>
-            </a:r>
-            <a:r>
-              <a:rPr lang="de-AT" dirty="0" smtClean="0">
-                <a:sym typeface="Wingdings" panose="05000000000000000000" pitchFamily="2" charset="2"/>
-              </a:rPr>
-              <a:t> </a:t>
-            </a:r>
-            <a:r>
-              <a:rPr lang="de-AT" dirty="0" err="1" smtClean="0">
-                <a:sym typeface="Wingdings" panose="05000000000000000000" pitchFamily="2" charset="2"/>
-              </a:rPr>
-              <a:t>floor</a:t>
-            </a:r>
-            <a:endParaRPr lang="de-AT" dirty="0" smtClean="0">
-              <a:sym typeface="Wingdings" panose="05000000000000000000" pitchFamily="2" charset="2"/>
-            </a:endParaRPr>
-          </a:p>
-          <a:p>
-            <a:pPr marL="400050" lvl="1" indent="0">
-              <a:buNone/>
-            </a:pPr>
-            <a:r>
-              <a:rPr lang="de-AT" dirty="0" err="1" smtClean="0">
-                <a:sym typeface="Wingdings" panose="05000000000000000000" pitchFamily="2" charset="2"/>
-              </a:rPr>
-              <a:t>else</a:t>
-            </a:r>
-            <a:r>
-              <a:rPr lang="de-AT" dirty="0" smtClean="0">
-                <a:sym typeface="Wingdings" panose="05000000000000000000" pitchFamily="2" charset="2"/>
-              </a:rPr>
-              <a:t> </a:t>
-            </a:r>
-            <a:r>
-              <a:rPr lang="de-AT" dirty="0" err="1" smtClean="0">
-                <a:sym typeface="Wingdings" panose="05000000000000000000" pitchFamily="2" charset="2"/>
-              </a:rPr>
-              <a:t>analyse</a:t>
-            </a:r>
-            <a:r>
-              <a:rPr lang="de-AT" dirty="0" smtClean="0">
-                <a:sym typeface="Wingdings" panose="05000000000000000000" pitchFamily="2" charset="2"/>
-              </a:rPr>
-              <a:t> </a:t>
-            </a:r>
-            <a:r>
-              <a:rPr lang="de-AT" dirty="0" err="1" smtClean="0">
-                <a:sym typeface="Wingdings" panose="05000000000000000000" pitchFamily="2" charset="2"/>
-              </a:rPr>
-              <a:t>data</a:t>
-            </a:r>
-            <a:r>
-              <a:rPr lang="de-AT" dirty="0" smtClean="0">
-                <a:sym typeface="Wingdings" panose="05000000000000000000" pitchFamily="2" charset="2"/>
-              </a:rPr>
-              <a:t> </a:t>
-            </a:r>
-            <a:r>
-              <a:rPr lang="de-AT" dirty="0" err="1" smtClean="0">
-                <a:sym typeface="Wingdings" panose="05000000000000000000" pitchFamily="2" charset="2"/>
-              </a:rPr>
-              <a:t>manipulation</a:t>
-            </a:r>
-            <a:r>
-              <a:rPr lang="de-AT" dirty="0" smtClean="0">
-                <a:sym typeface="Wingdings" panose="05000000000000000000" pitchFamily="2" charset="2"/>
-              </a:rPr>
-              <a:t> </a:t>
-            </a:r>
-            <a:r>
-              <a:rPr lang="de-AT" dirty="0" err="1" smtClean="0">
-                <a:sym typeface="Wingdings" panose="05000000000000000000" pitchFamily="2" charset="2"/>
-              </a:rPr>
-              <a:t>operations</a:t>
-            </a:r>
-            <a:endParaRPr lang="de-AT" dirty="0" smtClean="0">
-              <a:sym typeface="Wingdings" panose="05000000000000000000" pitchFamily="2" charset="2"/>
-            </a:endParaRPr>
-          </a:p>
-          <a:p>
-            <a:pPr marL="400050" lvl="1" indent="0">
-              <a:buNone/>
-            </a:pPr>
-            <a:r>
-              <a:rPr lang="de-AT" dirty="0">
-                <a:sym typeface="Wingdings" panose="05000000000000000000" pitchFamily="2" charset="2"/>
-              </a:rPr>
-              <a:t>	</a:t>
-            </a:r>
-            <a:r>
-              <a:rPr lang="de-AT" dirty="0" err="1" smtClean="0">
-                <a:sym typeface="Wingdings" panose="05000000000000000000" pitchFamily="2" charset="2"/>
-              </a:rPr>
-              <a:t>if</a:t>
-            </a:r>
-            <a:r>
-              <a:rPr lang="de-AT" dirty="0" smtClean="0">
-                <a:sym typeface="Wingdings" panose="05000000000000000000" pitchFamily="2" charset="2"/>
-              </a:rPr>
-              <a:t> </a:t>
-            </a:r>
-            <a:r>
-              <a:rPr lang="de-AT" dirty="0" err="1" smtClean="0">
-                <a:sym typeface="Wingdings" panose="05000000000000000000" pitchFamily="2" charset="2"/>
-              </a:rPr>
-              <a:t>domination</a:t>
-            </a:r>
-            <a:r>
-              <a:rPr lang="de-AT" dirty="0" smtClean="0">
-                <a:sym typeface="Wingdings" panose="05000000000000000000" pitchFamily="2" charset="2"/>
-              </a:rPr>
-              <a:t> </a:t>
-            </a:r>
-            <a:r>
-              <a:rPr lang="de-AT" dirty="0" err="1" smtClean="0">
-                <a:sym typeface="Wingdings" panose="05000000000000000000" pitchFamily="2" charset="2"/>
-              </a:rPr>
-              <a:t>of</a:t>
-            </a:r>
-            <a:r>
-              <a:rPr lang="de-AT" dirty="0" smtClean="0">
-                <a:sym typeface="Wingdings" panose="05000000000000000000" pitchFamily="2" charset="2"/>
-              </a:rPr>
-              <a:t> </a:t>
-            </a:r>
-            <a:r>
-              <a:rPr lang="de-AT" dirty="0" err="1" smtClean="0">
-                <a:sym typeface="Wingdings" panose="05000000000000000000" pitchFamily="2" charset="2"/>
-              </a:rPr>
-              <a:t>operations</a:t>
-            </a:r>
-            <a:r>
-              <a:rPr lang="de-AT" dirty="0" smtClean="0">
-                <a:sym typeface="Wingdings" panose="05000000000000000000" pitchFamily="2" charset="2"/>
-              </a:rPr>
-              <a:t> </a:t>
-            </a:r>
-            <a:r>
-              <a:rPr lang="de-AT" dirty="0" err="1" smtClean="0">
-                <a:sym typeface="Wingdings" panose="05000000000000000000" pitchFamily="2" charset="2"/>
-              </a:rPr>
-              <a:t>that</a:t>
-            </a:r>
-            <a:r>
-              <a:rPr lang="de-AT" dirty="0" smtClean="0">
-                <a:sym typeface="Wingdings" panose="05000000000000000000" pitchFamily="2" charset="2"/>
-              </a:rPr>
-              <a:t> ..</a:t>
-            </a:r>
-          </a:p>
-          <a:p>
-            <a:pPr marL="400050" lvl="1" indent="0">
-              <a:buNone/>
-            </a:pPr>
-            <a:r>
-              <a:rPr lang="de-AT" dirty="0">
-                <a:sym typeface="Wingdings" panose="05000000000000000000" pitchFamily="2" charset="2"/>
-              </a:rPr>
-              <a:t>	</a:t>
-            </a:r>
-            <a:r>
-              <a:rPr lang="de-AT" dirty="0" smtClean="0">
-                <a:sym typeface="Wingdings" panose="05000000000000000000" pitchFamily="2" charset="2"/>
-              </a:rPr>
-              <a:t>    </a:t>
-            </a:r>
-            <a:r>
-              <a:rPr lang="de-AT" sz="2600" dirty="0" smtClean="0">
-                <a:sym typeface="Wingdings" panose="05000000000000000000" pitchFamily="2" charset="2"/>
-              </a:rPr>
-              <a:t>..</a:t>
-            </a:r>
-            <a:r>
-              <a:rPr lang="de-AT" sz="2600" dirty="0" err="1" smtClean="0">
-                <a:sym typeface="Wingdings" panose="05000000000000000000" pitchFamily="2" charset="2"/>
-              </a:rPr>
-              <a:t>access</a:t>
-            </a:r>
-            <a:r>
-              <a:rPr lang="de-AT" sz="2600" dirty="0" smtClean="0">
-                <a:sym typeface="Wingdings" panose="05000000000000000000" pitchFamily="2" charset="2"/>
-              </a:rPr>
-              <a:t> </a:t>
-            </a:r>
-            <a:r>
-              <a:rPr lang="de-AT" sz="2600" dirty="0" err="1" smtClean="0">
-                <a:sym typeface="Wingdings" panose="05000000000000000000" pitchFamily="2" charset="2"/>
-              </a:rPr>
-              <a:t>attributes</a:t>
-            </a:r>
-            <a:r>
-              <a:rPr lang="de-AT" sz="2600" dirty="0" smtClean="0">
-                <a:sym typeface="Wingdings" panose="05000000000000000000" pitchFamily="2" charset="2"/>
-              </a:rPr>
-              <a:t> </a:t>
-            </a:r>
-            <a:r>
-              <a:rPr lang="de-AT" sz="2600" dirty="0" err="1" smtClean="0">
-                <a:sym typeface="Wingdings" panose="05000000000000000000" pitchFamily="2" charset="2"/>
-              </a:rPr>
-              <a:t>of</a:t>
-            </a:r>
-            <a:r>
-              <a:rPr lang="de-AT" sz="2600" dirty="0" smtClean="0">
-                <a:sym typeface="Wingdings" panose="05000000000000000000" pitchFamily="2" charset="2"/>
-              </a:rPr>
-              <a:t> </a:t>
-            </a:r>
-            <a:r>
-              <a:rPr lang="de-AT" sz="2600" dirty="0" err="1" smtClean="0">
-                <a:sym typeface="Wingdings" panose="05000000000000000000" pitchFamily="2" charset="2"/>
-              </a:rPr>
-              <a:t>both</a:t>
-            </a:r>
-            <a:r>
-              <a:rPr lang="de-AT" sz="2600" dirty="0" smtClean="0">
-                <a:sym typeface="Wingdings" panose="05000000000000000000" pitchFamily="2" charset="2"/>
-              </a:rPr>
-              <a:t> super- </a:t>
-            </a:r>
-            <a:r>
-              <a:rPr lang="de-AT" sz="2600" dirty="0" err="1" smtClean="0">
-                <a:sym typeface="Wingdings" panose="05000000000000000000" pitchFamily="2" charset="2"/>
-              </a:rPr>
-              <a:t>and</a:t>
-            </a:r>
-            <a:r>
-              <a:rPr lang="de-AT" sz="2600" dirty="0" smtClean="0">
-                <a:sym typeface="Wingdings" panose="05000000000000000000" pitchFamily="2" charset="2"/>
-              </a:rPr>
-              <a:t> sub-</a:t>
-            </a:r>
-            <a:r>
-              <a:rPr lang="de-AT" sz="2600" dirty="0" err="1" smtClean="0">
-                <a:sym typeface="Wingdings" panose="05000000000000000000" pitchFamily="2" charset="2"/>
-              </a:rPr>
-              <a:t>class</a:t>
-            </a:r>
-            <a:r>
-              <a:rPr lang="de-AT" sz="2600" dirty="0" smtClean="0">
-                <a:sym typeface="Wingdings" panose="05000000000000000000" pitchFamily="2" charset="2"/>
-              </a:rPr>
-              <a:t>  </a:t>
-            </a:r>
-            <a:r>
-              <a:rPr lang="de-AT" sz="2600" dirty="0" err="1" smtClean="0">
-                <a:sym typeface="Wingdings" panose="05000000000000000000" pitchFamily="2" charset="2"/>
-              </a:rPr>
-              <a:t>ceiling</a:t>
-            </a:r>
-            <a:endParaRPr lang="de-AT" sz="2600" dirty="0" smtClean="0">
-              <a:sym typeface="Wingdings" panose="05000000000000000000" pitchFamily="2" charset="2"/>
-            </a:endParaRPr>
-          </a:p>
-          <a:p>
-            <a:pPr marL="400050" lvl="1" indent="0">
-              <a:buNone/>
-            </a:pPr>
-            <a:r>
-              <a:rPr lang="de-AT" sz="2600" dirty="0">
-                <a:sym typeface="Wingdings" panose="05000000000000000000" pitchFamily="2" charset="2"/>
-              </a:rPr>
-              <a:t>	 </a:t>
-            </a:r>
-            <a:r>
-              <a:rPr lang="de-AT" sz="2600" dirty="0" smtClean="0">
-                <a:sym typeface="Wingdings" panose="05000000000000000000" pitchFamily="2" charset="2"/>
-              </a:rPr>
-              <a:t>   ..</a:t>
-            </a:r>
-            <a:r>
-              <a:rPr lang="de-AT" sz="2600" dirty="0" err="1" smtClean="0">
-                <a:sym typeface="Wingdings" panose="05000000000000000000" pitchFamily="2" charset="2"/>
-              </a:rPr>
-              <a:t>access</a:t>
-            </a:r>
-            <a:r>
-              <a:rPr lang="de-AT" sz="2600" dirty="0" smtClean="0">
-                <a:sym typeface="Wingdings" panose="05000000000000000000" pitchFamily="2" charset="2"/>
-              </a:rPr>
-              <a:t> </a:t>
-            </a:r>
-            <a:r>
-              <a:rPr lang="de-AT" sz="2600" dirty="0" err="1" smtClean="0">
-                <a:sym typeface="Wingdings" panose="05000000000000000000" pitchFamily="2" charset="2"/>
-              </a:rPr>
-              <a:t>attributes</a:t>
-            </a:r>
-            <a:r>
-              <a:rPr lang="de-AT" sz="2600" dirty="0" smtClean="0">
-                <a:sym typeface="Wingdings" panose="05000000000000000000" pitchFamily="2" charset="2"/>
-              </a:rPr>
-              <a:t> </a:t>
-            </a:r>
-            <a:r>
-              <a:rPr lang="de-AT" sz="2600" dirty="0" err="1" smtClean="0">
-                <a:sym typeface="Wingdings" panose="05000000000000000000" pitchFamily="2" charset="2"/>
-              </a:rPr>
-              <a:t>of</a:t>
-            </a:r>
-            <a:r>
-              <a:rPr lang="de-AT" sz="2600" dirty="0" smtClean="0">
-                <a:sym typeface="Wingdings" panose="05000000000000000000" pitchFamily="2" charset="2"/>
-              </a:rPr>
-              <a:t> </a:t>
-            </a:r>
-            <a:r>
-              <a:rPr lang="de-AT" sz="2600" dirty="0" err="1" smtClean="0">
-                <a:sym typeface="Wingdings" panose="05000000000000000000" pitchFamily="2" charset="2"/>
-              </a:rPr>
-              <a:t>either</a:t>
-            </a:r>
-            <a:r>
-              <a:rPr lang="de-AT" sz="2600" dirty="0" smtClean="0">
-                <a:sym typeface="Wingdings" panose="05000000000000000000" pitchFamily="2" charset="2"/>
-              </a:rPr>
-              <a:t> super- </a:t>
-            </a:r>
-            <a:r>
-              <a:rPr lang="de-AT" sz="2600" dirty="0" err="1" smtClean="0">
-                <a:sym typeface="Wingdings" panose="05000000000000000000" pitchFamily="2" charset="2"/>
-              </a:rPr>
-              <a:t>or</a:t>
-            </a:r>
-            <a:r>
-              <a:rPr lang="de-AT" sz="2600" dirty="0" smtClean="0">
-                <a:sym typeface="Wingdings" panose="05000000000000000000" pitchFamily="2" charset="2"/>
-              </a:rPr>
-              <a:t> sub-</a:t>
-            </a:r>
-            <a:r>
-              <a:rPr lang="de-AT" sz="2600" dirty="0" err="1" smtClean="0">
-                <a:sym typeface="Wingdings" panose="05000000000000000000" pitchFamily="2" charset="2"/>
-              </a:rPr>
-              <a:t>class</a:t>
-            </a:r>
-            <a:r>
-              <a:rPr lang="de-AT" sz="2600" dirty="0" smtClean="0">
-                <a:sym typeface="Wingdings" panose="05000000000000000000" pitchFamily="2" charset="2"/>
-              </a:rPr>
-              <a:t>  </a:t>
-            </a:r>
-            <a:r>
-              <a:rPr lang="de-AT" sz="2600" dirty="0" err="1" smtClean="0">
-                <a:sym typeface="Wingdings" panose="05000000000000000000" pitchFamily="2" charset="2"/>
-              </a:rPr>
-              <a:t>cohesion</a:t>
-            </a:r>
-            <a:endParaRPr lang="de-AT" sz="2600" dirty="0" smtClean="0">
-              <a:sym typeface="Wingdings" panose="05000000000000000000" pitchFamily="2" charset="2"/>
-            </a:endParaRPr>
           </a:p>
         </p:txBody>
       </p:sp>
     </p:spTree>
     <p:extLst>
       <p:ext uri="{BB962C8B-B14F-4D97-AF65-F5344CB8AC3E}">
-        <p14:creationId xmlns:p14="http://schemas.microsoft.com/office/powerpoint/2010/main" val="1393091644"/>
+        <p14:creationId xmlns:p14="http://schemas.microsoft.com/office/powerpoint/2010/main" val="2415819026"/>
       </p:ext>
     </p:extLst>
   </p:cSld>
@@ -4773,1686 +4105,6 @@
           <a:p>
             <a:r>
               <a:rPr lang="de-AT" dirty="0" err="1" smtClean="0"/>
-              <a:t>Exercise</a:t>
-            </a:r>
-            <a:r>
-              <a:rPr lang="de-AT" dirty="0" smtClean="0"/>
-              <a:t> 5</a:t>
-            </a:r>
-            <a:endParaRPr lang="de-AT" dirty="0"/>
-          </a:p>
-        </p:txBody>
-      </p:sp>
-      <p:sp>
-        <p:nvSpPr>
-          <p:cNvPr id="3" name="Inhaltsplatzhalter 2"/>
-          <p:cNvSpPr>
-            <a:spLocks noGrp="1"/>
-          </p:cNvSpPr>
-          <p:nvPr>
-            <p:ph sz="quarter" idx="1"/>
-          </p:nvPr>
-        </p:nvSpPr>
-        <p:spPr/>
-        <p:txBody>
-          <a:bodyPr/>
-          <a:lstStyle/>
-          <a:p>
-            <a:r>
-              <a:rPr lang="en-US" dirty="0" smtClean="0"/>
-              <a:t>What </a:t>
-            </a:r>
-            <a:r>
-              <a:rPr lang="en-US" dirty="0"/>
-              <a:t>is vertical partitioning, what is horizontal partitioning? Explain it with an example of your own. </a:t>
-            </a:r>
-          </a:p>
-          <a:p>
-            <a:r>
-              <a:rPr lang="en-US" dirty="0" smtClean="0"/>
-              <a:t>Why </a:t>
-            </a:r>
-            <a:r>
-              <a:rPr lang="en-US" dirty="0"/>
-              <a:t>might partitioning be necessary? </a:t>
-            </a:r>
-          </a:p>
-          <a:p>
-            <a:r>
-              <a:rPr lang="en-US" dirty="0" smtClean="0"/>
-              <a:t>What </a:t>
-            </a:r>
-            <a:r>
-              <a:rPr lang="en-US" dirty="0"/>
-              <a:t>do you have to consider before partitioning – how do you decide? </a:t>
-            </a:r>
-          </a:p>
-          <a:p>
-            <a:endParaRPr lang="de-AT" dirty="0"/>
-          </a:p>
-        </p:txBody>
-      </p:sp>
-    </p:spTree>
-    <p:extLst>
-      <p:ext uri="{BB962C8B-B14F-4D97-AF65-F5344CB8AC3E}">
-        <p14:creationId xmlns:p14="http://schemas.microsoft.com/office/powerpoint/2010/main" val="4170754018"/>
-      </p:ext>
-    </p:extLst>
-  </p:cSld>
-  <p:clrMapOvr>
-    <a:masterClrMapping/>
-  </p:clrMapOvr>
-  <p:timing>
-    <p:tnLst>
-      <p:par>
-        <p:cTn id="1" dur="indefinite" restart="never" nodeType="tmRoot"/>
-      </p:par>
-    </p:tnLst>
-  </p:timing>
-</p:sld>
-</file>
-
-<file path=ppt/slides/slide13.xml><?xml version="1.0" encoding="utf-8"?>
-<p:sld xmlns:a="http://schemas.openxmlformats.org/drawingml/2006/main" xmlns:r="http://schemas.openxmlformats.org/officeDocument/2006/relationships" xmlns:p="http://schemas.openxmlformats.org/presentationml/2006/main">
-  <p:cSld>
-    <p:spTree>
-      <p:nvGrpSpPr>
-        <p:cNvPr id="1" name=""/>
-        <p:cNvGrpSpPr/>
-        <p:nvPr/>
-      </p:nvGrpSpPr>
-      <p:grpSpPr>
-        <a:xfrm>
-          <a:off x="0" y="0"/>
-          <a:ext cx="0" cy="0"/>
-          <a:chOff x="0" y="0"/>
-          <a:chExt cx="0" cy="0"/>
-        </a:xfrm>
-      </p:grpSpPr>
-      <p:sp>
-        <p:nvSpPr>
-          <p:cNvPr id="2" name="Titel 1"/>
-          <p:cNvSpPr>
-            <a:spLocks noGrp="1"/>
-          </p:cNvSpPr>
-          <p:nvPr>
-            <p:ph type="title"/>
-          </p:nvPr>
-        </p:nvSpPr>
-        <p:spPr/>
-        <p:txBody>
-          <a:bodyPr/>
-          <a:lstStyle/>
-          <a:p>
-            <a:r>
-              <a:rPr lang="de-AT" dirty="0" err="1" smtClean="0"/>
-              <a:t>Vertical</a:t>
-            </a:r>
-            <a:r>
-              <a:rPr lang="de-AT" dirty="0" smtClean="0"/>
-              <a:t> </a:t>
-            </a:r>
-            <a:r>
-              <a:rPr lang="de-AT" dirty="0" err="1" smtClean="0"/>
-              <a:t>partitioning</a:t>
-            </a:r>
-            <a:r>
-              <a:rPr lang="de-AT" dirty="0" smtClean="0"/>
-              <a:t>(1/2)</a:t>
-            </a:r>
-            <a:endParaRPr lang="de-AT" dirty="0"/>
-          </a:p>
-        </p:txBody>
-      </p:sp>
-      <p:sp>
-        <p:nvSpPr>
-          <p:cNvPr id="3" name="Inhaltsplatzhalter 2"/>
-          <p:cNvSpPr>
-            <a:spLocks noGrp="1"/>
-          </p:cNvSpPr>
-          <p:nvPr>
-            <p:ph sz="quarter" idx="1"/>
-          </p:nvPr>
-        </p:nvSpPr>
-        <p:spPr/>
-        <p:txBody>
-          <a:bodyPr/>
-          <a:lstStyle/>
-          <a:p>
-            <a:r>
-              <a:rPr lang="en-US" dirty="0"/>
-              <a:t>split class vertically </a:t>
-            </a:r>
-          </a:p>
-          <a:p>
-            <a:r>
-              <a:rPr lang="en-US" dirty="0" smtClean="0"/>
-              <a:t>new </a:t>
-            </a:r>
-            <a:r>
-              <a:rPr lang="en-US" dirty="0"/>
-              <a:t>classes have different set of attributes </a:t>
-            </a:r>
-          </a:p>
-          <a:p>
-            <a:r>
-              <a:rPr lang="en-US" dirty="0" smtClean="0"/>
-              <a:t>needs </a:t>
-            </a:r>
-            <a:r>
-              <a:rPr lang="en-US" dirty="0"/>
-              <a:t>join operation to retrieve original set of instances </a:t>
-            </a:r>
-            <a:endParaRPr lang="de-AT" dirty="0"/>
-          </a:p>
-        </p:txBody>
-      </p:sp>
-    </p:spTree>
-    <p:extLst>
-      <p:ext uri="{BB962C8B-B14F-4D97-AF65-F5344CB8AC3E}">
-        <p14:creationId xmlns:p14="http://schemas.microsoft.com/office/powerpoint/2010/main" val="1457252602"/>
-      </p:ext>
-    </p:extLst>
-  </p:cSld>
-  <p:clrMapOvr>
-    <a:masterClrMapping/>
-  </p:clrMapOvr>
-  <p:timing>
-    <p:tnLst>
-      <p:par>
-        <p:cTn id="1" dur="indefinite" restart="never" nodeType="tmRoot"/>
-      </p:par>
-    </p:tnLst>
-  </p:timing>
-</p:sld>
-</file>
-
-<file path=ppt/slides/slide14.xml><?xml version="1.0" encoding="utf-8"?>
-<p:sld xmlns:a="http://schemas.openxmlformats.org/drawingml/2006/main" xmlns:r="http://schemas.openxmlformats.org/officeDocument/2006/relationships" xmlns:p="http://schemas.openxmlformats.org/presentationml/2006/main">
-  <p:cSld>
-    <p:spTree>
-      <p:nvGrpSpPr>
-        <p:cNvPr id="1" name=""/>
-        <p:cNvGrpSpPr/>
-        <p:nvPr/>
-      </p:nvGrpSpPr>
-      <p:grpSpPr>
-        <a:xfrm>
-          <a:off x="0" y="0"/>
-          <a:ext cx="0" cy="0"/>
-          <a:chOff x="0" y="0"/>
-          <a:chExt cx="0" cy="0"/>
-        </a:xfrm>
-      </p:grpSpPr>
-      <p:sp>
-        <p:nvSpPr>
-          <p:cNvPr id="2" name="Titel 1"/>
-          <p:cNvSpPr>
-            <a:spLocks noGrp="1"/>
-          </p:cNvSpPr>
-          <p:nvPr>
-            <p:ph type="title"/>
-          </p:nvPr>
-        </p:nvSpPr>
-        <p:spPr/>
-        <p:txBody>
-          <a:bodyPr/>
-          <a:lstStyle/>
-          <a:p>
-            <a:r>
-              <a:rPr lang="de-AT" dirty="0" smtClean="0"/>
-              <a:t>Horizontal </a:t>
-            </a:r>
-            <a:r>
-              <a:rPr lang="de-AT" dirty="0" err="1" smtClean="0"/>
-              <a:t>partitioning</a:t>
-            </a:r>
-            <a:endParaRPr lang="de-AT" dirty="0"/>
-          </a:p>
-        </p:txBody>
-      </p:sp>
-      <p:sp>
-        <p:nvSpPr>
-          <p:cNvPr id="3" name="Inhaltsplatzhalter 2"/>
-          <p:cNvSpPr>
-            <a:spLocks noGrp="1"/>
-          </p:cNvSpPr>
-          <p:nvPr>
-            <p:ph sz="quarter" idx="1"/>
-          </p:nvPr>
-        </p:nvSpPr>
-        <p:spPr/>
-        <p:txBody>
-          <a:bodyPr/>
-          <a:lstStyle/>
-          <a:p>
-            <a:r>
-              <a:rPr lang="en-US" dirty="0"/>
-              <a:t>split class horizontally </a:t>
-            </a:r>
-            <a:endParaRPr lang="en-US" dirty="0" smtClean="0"/>
-          </a:p>
-          <a:p>
-            <a:r>
-              <a:rPr lang="en-US" dirty="0" smtClean="0"/>
-              <a:t>new </a:t>
-            </a:r>
-            <a:r>
-              <a:rPr lang="en-US" dirty="0"/>
-              <a:t>classes have same set of attributes </a:t>
-            </a:r>
-          </a:p>
-          <a:p>
-            <a:r>
-              <a:rPr lang="en-US" dirty="0" smtClean="0"/>
-              <a:t>multiplication </a:t>
-            </a:r>
-            <a:r>
-              <a:rPr lang="en-US" dirty="0"/>
-              <a:t>of original associations required </a:t>
-            </a:r>
-          </a:p>
-          <a:p>
-            <a:r>
-              <a:rPr lang="en-US" dirty="0" smtClean="0"/>
-              <a:t>needs </a:t>
-            </a:r>
-            <a:r>
-              <a:rPr lang="en-US" dirty="0"/>
-              <a:t>union operation to retrieve original set of instances </a:t>
-            </a:r>
-            <a:endParaRPr lang="de-AT" dirty="0"/>
-          </a:p>
-        </p:txBody>
-      </p:sp>
-    </p:spTree>
-    <p:extLst>
-      <p:ext uri="{BB962C8B-B14F-4D97-AF65-F5344CB8AC3E}">
-        <p14:creationId xmlns:p14="http://schemas.microsoft.com/office/powerpoint/2010/main" val="1628158091"/>
-      </p:ext>
-    </p:extLst>
-  </p:cSld>
-  <p:clrMapOvr>
-    <a:masterClrMapping/>
-  </p:clrMapOvr>
-  <p:timing>
-    <p:tnLst>
-      <p:par>
-        <p:cTn id="1" dur="indefinite" restart="never" nodeType="tmRoot"/>
-      </p:par>
-    </p:tnLst>
-  </p:timing>
-</p:sld>
-</file>
-
-<file path=ppt/slides/slide15.xml><?xml version="1.0" encoding="utf-8"?>
-<p:sld xmlns:a="http://schemas.openxmlformats.org/drawingml/2006/main" xmlns:r="http://schemas.openxmlformats.org/officeDocument/2006/relationships" xmlns:p="http://schemas.openxmlformats.org/presentationml/2006/main">
-  <p:cSld>
-    <p:spTree>
-      <p:nvGrpSpPr>
-        <p:cNvPr id="1" name=""/>
-        <p:cNvGrpSpPr/>
-        <p:nvPr/>
-      </p:nvGrpSpPr>
-      <p:grpSpPr>
-        <a:xfrm>
-          <a:off x="0" y="0"/>
-          <a:ext cx="0" cy="0"/>
-          <a:chOff x="0" y="0"/>
-          <a:chExt cx="0" cy="0"/>
-        </a:xfrm>
-      </p:grpSpPr>
-      <p:pic>
-        <p:nvPicPr>
-          <p:cNvPr id="3074" name="Picture 2"/>
-          <p:cNvPicPr>
-            <a:picLocks noChangeAspect="1" noChangeArrowheads="1"/>
-          </p:cNvPicPr>
-          <p:nvPr/>
-        </p:nvPicPr>
-        <p:blipFill>
-          <a:blip r:embed="rId2">
-            <a:extLst>
-              <a:ext uri="{28A0092B-C50C-407E-A947-70E740481C1C}">
-                <a14:useLocalDpi xmlns:a14="http://schemas.microsoft.com/office/drawing/2010/main" val="0"/>
-              </a:ext>
-            </a:extLst>
-          </a:blip>
-          <a:srcRect/>
-          <a:stretch>
-            <a:fillRect/>
-          </a:stretch>
-        </p:blipFill>
-        <p:spPr bwMode="auto">
-          <a:xfrm>
-            <a:off x="107504" y="1628800"/>
-            <a:ext cx="8887431" cy="4338414"/>
-          </a:xfrm>
-          <a:prstGeom prst="rect">
-            <a:avLst/>
-          </a:prstGeom>
-          <a:noFill/>
-          <a:ln>
-            <a:noFill/>
-          </a:ln>
-          <a:extLst>
-            <a:ext uri="{909E8E84-426E-40DD-AFC4-6F175D3DCCD1}">
-              <a14:hiddenFill xmlns:a14="http://schemas.microsoft.com/office/drawing/2010/main">
-                <a:solidFill>
-                  <a:schemeClr val="accent1"/>
-                </a:solidFill>
-              </a14:hiddenFill>
-            </a:ext>
-            <a:ext uri="{91240B29-F687-4F45-9708-019B960494DF}">
-              <a14:hiddenLine xmlns:a14="http://schemas.microsoft.com/office/drawing/2010/main" w="9525">
-                <a:solidFill>
-                  <a:schemeClr val="tx1"/>
-                </a:solidFill>
-                <a:miter lim="800000"/>
-                <a:headEnd/>
-                <a:tailEnd/>
-              </a14:hiddenLine>
-            </a:ext>
-          </a:extLst>
-        </p:spPr>
-      </p:pic>
-      <p:sp>
-        <p:nvSpPr>
-          <p:cNvPr id="3" name="Titel 1"/>
-          <p:cNvSpPr>
-            <a:spLocks noGrp="1"/>
-          </p:cNvSpPr>
-          <p:nvPr>
-            <p:ph type="title"/>
-          </p:nvPr>
-        </p:nvSpPr>
-        <p:spPr>
-          <a:xfrm>
-            <a:off x="612648" y="228600"/>
-            <a:ext cx="8153400" cy="990600"/>
-          </a:xfrm>
-        </p:spPr>
-        <p:txBody>
-          <a:bodyPr/>
-          <a:lstStyle/>
-          <a:p>
-            <a:r>
-              <a:rPr lang="de-AT" dirty="0" err="1" smtClean="0"/>
-              <a:t>vertical</a:t>
-            </a:r>
-            <a:r>
-              <a:rPr lang="de-AT" dirty="0" smtClean="0"/>
-              <a:t> / horizontal </a:t>
-            </a:r>
-            <a:r>
-              <a:rPr lang="de-AT" dirty="0" err="1" smtClean="0"/>
-              <a:t>example</a:t>
-            </a:r>
-            <a:endParaRPr lang="de-AT" dirty="0"/>
-          </a:p>
-        </p:txBody>
-      </p:sp>
-    </p:spTree>
-    <p:extLst>
-      <p:ext uri="{BB962C8B-B14F-4D97-AF65-F5344CB8AC3E}">
-        <p14:creationId xmlns:p14="http://schemas.microsoft.com/office/powerpoint/2010/main" val="2874500947"/>
-      </p:ext>
-    </p:extLst>
-  </p:cSld>
-  <p:clrMapOvr>
-    <a:masterClrMapping/>
-  </p:clrMapOvr>
-  <p:timing>
-    <p:tnLst>
-      <p:par>
-        <p:cTn id="1" dur="indefinite" restart="never" nodeType="tmRoot"/>
-      </p:par>
-    </p:tnLst>
-  </p:timing>
-</p:sld>
-</file>
-
-<file path=ppt/slides/slide16.xml><?xml version="1.0" encoding="utf-8"?>
-<p:sld xmlns:a="http://schemas.openxmlformats.org/drawingml/2006/main" xmlns:r="http://schemas.openxmlformats.org/officeDocument/2006/relationships" xmlns:p="http://schemas.openxmlformats.org/presentationml/2006/main">
-  <p:cSld>
-    <p:spTree>
-      <p:nvGrpSpPr>
-        <p:cNvPr id="1" name=""/>
-        <p:cNvGrpSpPr/>
-        <p:nvPr/>
-      </p:nvGrpSpPr>
-      <p:grpSpPr>
-        <a:xfrm>
-          <a:off x="0" y="0"/>
-          <a:ext cx="0" cy="0"/>
-          <a:chOff x="0" y="0"/>
-          <a:chExt cx="0" cy="0"/>
-        </a:xfrm>
-      </p:grpSpPr>
-      <p:sp>
-        <p:nvSpPr>
-          <p:cNvPr id="2" name="Titel 1"/>
-          <p:cNvSpPr>
-            <a:spLocks noGrp="1"/>
-          </p:cNvSpPr>
-          <p:nvPr>
-            <p:ph type="title"/>
-          </p:nvPr>
-        </p:nvSpPr>
-        <p:spPr/>
-        <p:txBody>
-          <a:bodyPr/>
-          <a:lstStyle/>
-          <a:p>
-            <a:r>
-              <a:rPr lang="de-AT" dirty="0" err="1" smtClean="0"/>
-              <a:t>why</a:t>
-            </a:r>
-            <a:r>
-              <a:rPr lang="de-AT" dirty="0" smtClean="0"/>
-              <a:t> </a:t>
-            </a:r>
-            <a:r>
-              <a:rPr lang="de-AT" dirty="0" err="1" smtClean="0"/>
-              <a:t>partitioning</a:t>
-            </a:r>
-            <a:r>
-              <a:rPr lang="de-AT" dirty="0" smtClean="0"/>
-              <a:t>?</a:t>
-            </a:r>
-            <a:endParaRPr lang="de-AT" dirty="0"/>
-          </a:p>
-        </p:txBody>
-      </p:sp>
-      <p:sp>
-        <p:nvSpPr>
-          <p:cNvPr id="3" name="Inhaltsplatzhalter 2"/>
-          <p:cNvSpPr>
-            <a:spLocks noGrp="1"/>
-          </p:cNvSpPr>
-          <p:nvPr>
-            <p:ph sz="quarter" idx="1"/>
-          </p:nvPr>
-        </p:nvSpPr>
-        <p:spPr/>
-        <p:txBody>
-          <a:bodyPr>
-            <a:normAutofit/>
-          </a:bodyPr>
-          <a:lstStyle/>
-          <a:p>
-            <a:r>
-              <a:rPr lang="de-AT" dirty="0" smtClean="0"/>
-              <a:t>horizontal </a:t>
-            </a:r>
-            <a:r>
-              <a:rPr lang="de-AT" dirty="0" err="1" smtClean="0"/>
-              <a:t>partitioning</a:t>
-            </a:r>
-            <a:endParaRPr lang="de-AT" dirty="0" smtClean="0"/>
-          </a:p>
-          <a:p>
-            <a:pPr lvl="1"/>
-            <a:r>
-              <a:rPr lang="en-US" dirty="0"/>
-              <a:t>many operations on different sets of </a:t>
-            </a:r>
-            <a:r>
-              <a:rPr lang="en-US" dirty="0" smtClean="0"/>
-              <a:t>instances</a:t>
-            </a:r>
-          </a:p>
-          <a:p>
-            <a:r>
-              <a:rPr lang="de-AT" dirty="0" err="1"/>
-              <a:t>vertical</a:t>
-            </a:r>
-            <a:r>
-              <a:rPr lang="de-AT" dirty="0"/>
-              <a:t> </a:t>
-            </a:r>
-            <a:r>
-              <a:rPr lang="de-AT" dirty="0" err="1" smtClean="0"/>
-              <a:t>partitioning</a:t>
-            </a:r>
-            <a:endParaRPr lang="de-AT" dirty="0" smtClean="0"/>
-          </a:p>
-          <a:p>
-            <a:pPr lvl="1"/>
-            <a:r>
-              <a:rPr lang="en-US" dirty="0"/>
-              <a:t>many operations on different sets of </a:t>
-            </a:r>
-            <a:r>
-              <a:rPr lang="en-US" dirty="0" smtClean="0"/>
-              <a:t>attributes</a:t>
-            </a:r>
-          </a:p>
-          <a:p>
-            <a:r>
-              <a:rPr lang="en-US" dirty="0"/>
-              <a:t>split huge attributes (BLOBs</a:t>
-            </a:r>
-            <a:r>
-              <a:rPr lang="en-US" dirty="0" smtClean="0"/>
-              <a:t>)</a:t>
-            </a:r>
-          </a:p>
-          <a:p>
-            <a:r>
-              <a:rPr lang="en-US" dirty="0" smtClean="0"/>
-              <a:t>security aspects</a:t>
-            </a:r>
-          </a:p>
-          <a:p>
-            <a:r>
-              <a:rPr lang="en-US" dirty="0" smtClean="0"/>
-              <a:t>reduce </a:t>
-            </a:r>
-            <a:r>
-              <a:rPr lang="en-US" dirty="0"/>
-              <a:t>networking traffic in distributed databases</a:t>
-            </a:r>
-            <a:endParaRPr lang="de-AT" dirty="0"/>
-          </a:p>
-        </p:txBody>
-      </p:sp>
-    </p:spTree>
-    <p:extLst>
-      <p:ext uri="{BB962C8B-B14F-4D97-AF65-F5344CB8AC3E}">
-        <p14:creationId xmlns:p14="http://schemas.microsoft.com/office/powerpoint/2010/main" val="532426802"/>
-      </p:ext>
-    </p:extLst>
-  </p:cSld>
-  <p:clrMapOvr>
-    <a:masterClrMapping/>
-  </p:clrMapOvr>
-  <p:timing>
-    <p:tnLst>
-      <p:par>
-        <p:cTn id="1" dur="indefinite" restart="never" nodeType="tmRoot"/>
-      </p:par>
-    </p:tnLst>
-  </p:timing>
-</p:sld>
-</file>
-
-<file path=ppt/slides/slide17.xml><?xml version="1.0" encoding="utf-8"?>
-<p:sld xmlns:a="http://schemas.openxmlformats.org/drawingml/2006/main" xmlns:r="http://schemas.openxmlformats.org/officeDocument/2006/relationships" xmlns:p="http://schemas.openxmlformats.org/presentationml/2006/main">
-  <p:cSld>
-    <p:spTree>
-      <p:nvGrpSpPr>
-        <p:cNvPr id="1" name=""/>
-        <p:cNvGrpSpPr/>
-        <p:nvPr/>
-      </p:nvGrpSpPr>
-      <p:grpSpPr>
-        <a:xfrm>
-          <a:off x="0" y="0"/>
-          <a:ext cx="0" cy="0"/>
-          <a:chOff x="0" y="0"/>
-          <a:chExt cx="0" cy="0"/>
-        </a:xfrm>
-      </p:grpSpPr>
-      <p:sp>
-        <p:nvSpPr>
-          <p:cNvPr id="2" name="Titel 1"/>
-          <p:cNvSpPr>
-            <a:spLocks noGrp="1"/>
-          </p:cNvSpPr>
-          <p:nvPr>
-            <p:ph type="title"/>
-          </p:nvPr>
-        </p:nvSpPr>
-        <p:spPr/>
-        <p:txBody>
-          <a:bodyPr/>
-          <a:lstStyle/>
-          <a:p>
-            <a:r>
-              <a:rPr lang="de-AT" dirty="0" err="1" smtClean="0"/>
-              <a:t>consider</a:t>
-            </a:r>
-            <a:r>
-              <a:rPr lang="de-AT" dirty="0" smtClean="0"/>
-              <a:t> </a:t>
-            </a:r>
-            <a:r>
-              <a:rPr lang="de-AT" dirty="0" err="1" smtClean="0"/>
-              <a:t>before</a:t>
-            </a:r>
-            <a:r>
-              <a:rPr lang="de-AT" dirty="0" smtClean="0"/>
-              <a:t> </a:t>
-            </a:r>
-            <a:r>
-              <a:rPr lang="de-AT" dirty="0" err="1" smtClean="0"/>
-              <a:t>partitioning</a:t>
-            </a:r>
-            <a:endParaRPr lang="de-AT" dirty="0"/>
-          </a:p>
-        </p:txBody>
-      </p:sp>
-      <p:sp>
-        <p:nvSpPr>
-          <p:cNvPr id="3" name="Inhaltsplatzhalter 2"/>
-          <p:cNvSpPr>
-            <a:spLocks noGrp="1"/>
-          </p:cNvSpPr>
-          <p:nvPr>
-            <p:ph sz="quarter" idx="1"/>
-          </p:nvPr>
-        </p:nvSpPr>
-        <p:spPr/>
-        <p:txBody>
-          <a:bodyPr/>
-          <a:lstStyle/>
-          <a:p>
-            <a:r>
-              <a:rPr lang="de-AT" dirty="0" err="1" smtClean="0"/>
-              <a:t>which</a:t>
-            </a:r>
-            <a:r>
-              <a:rPr lang="de-AT" dirty="0" smtClean="0"/>
-              <a:t> </a:t>
-            </a:r>
-            <a:r>
-              <a:rPr lang="de-AT" dirty="0" err="1" smtClean="0"/>
-              <a:t>sets</a:t>
-            </a:r>
-            <a:r>
-              <a:rPr lang="de-AT" dirty="0" smtClean="0"/>
-              <a:t> </a:t>
-            </a:r>
-            <a:r>
-              <a:rPr lang="de-AT" dirty="0" err="1" smtClean="0"/>
-              <a:t>of</a:t>
-            </a:r>
-            <a:r>
-              <a:rPr lang="de-AT" dirty="0" smtClean="0"/>
-              <a:t> </a:t>
-            </a:r>
-            <a:r>
-              <a:rPr lang="de-AT" dirty="0" err="1" smtClean="0"/>
-              <a:t>instances</a:t>
-            </a:r>
-            <a:r>
-              <a:rPr lang="de-AT" dirty="0" smtClean="0"/>
-              <a:t> </a:t>
-            </a:r>
-            <a:r>
-              <a:rPr lang="de-AT" dirty="0" err="1" smtClean="0"/>
-              <a:t>are</a:t>
-            </a:r>
-            <a:r>
-              <a:rPr lang="de-AT" dirty="0" smtClean="0"/>
-              <a:t> in </a:t>
-            </a:r>
-            <a:r>
-              <a:rPr lang="de-AT" dirty="0" err="1" smtClean="0"/>
-              <a:t>use</a:t>
-            </a:r>
-            <a:r>
-              <a:rPr lang="de-AT" dirty="0" smtClean="0"/>
-              <a:t>?</a:t>
-            </a:r>
-          </a:p>
-          <a:p>
-            <a:r>
-              <a:rPr lang="de-AT" dirty="0" err="1"/>
-              <a:t>which</a:t>
-            </a:r>
-            <a:r>
-              <a:rPr lang="de-AT" dirty="0"/>
-              <a:t> </a:t>
-            </a:r>
-            <a:r>
-              <a:rPr lang="de-AT" dirty="0" err="1"/>
-              <a:t>sets</a:t>
-            </a:r>
-            <a:r>
-              <a:rPr lang="de-AT" dirty="0"/>
-              <a:t> </a:t>
-            </a:r>
-            <a:r>
-              <a:rPr lang="de-AT" dirty="0" err="1"/>
-              <a:t>of</a:t>
-            </a:r>
-            <a:r>
-              <a:rPr lang="de-AT" dirty="0"/>
-              <a:t> </a:t>
-            </a:r>
-            <a:r>
-              <a:rPr lang="de-AT" dirty="0" err="1"/>
-              <a:t>attributes</a:t>
-            </a:r>
-            <a:r>
-              <a:rPr lang="de-AT" dirty="0"/>
-              <a:t> </a:t>
-            </a:r>
-            <a:r>
-              <a:rPr lang="de-AT" dirty="0" err="1"/>
-              <a:t>are</a:t>
-            </a:r>
-            <a:r>
-              <a:rPr lang="de-AT" dirty="0"/>
-              <a:t> in </a:t>
-            </a:r>
-            <a:r>
-              <a:rPr lang="de-AT" dirty="0" err="1" smtClean="0"/>
-              <a:t>use</a:t>
-            </a:r>
-            <a:r>
-              <a:rPr lang="de-AT" dirty="0" smtClean="0"/>
-              <a:t>?</a:t>
-            </a:r>
-            <a:endParaRPr lang="de-AT" dirty="0"/>
-          </a:p>
-          <a:p>
-            <a:endParaRPr lang="de-AT" dirty="0" smtClean="0"/>
-          </a:p>
-          <a:p>
-            <a:endParaRPr lang="de-AT" dirty="0" smtClean="0"/>
-          </a:p>
-          <a:p>
-            <a:pPr marL="365760" lvl="1" indent="0">
-              <a:buNone/>
-            </a:pPr>
-            <a:endParaRPr lang="de-AT" dirty="0" smtClean="0"/>
-          </a:p>
-          <a:p>
-            <a:pPr lvl="1"/>
-            <a:r>
-              <a:rPr lang="de-AT" smtClean="0"/>
-              <a:t>change</a:t>
-            </a:r>
-            <a:r>
-              <a:rPr lang="de-AT" dirty="0" smtClean="0"/>
-              <a:t> </a:t>
-            </a:r>
-            <a:r>
-              <a:rPr lang="de-AT" dirty="0" err="1" smtClean="0"/>
-              <a:t>programmaticaly</a:t>
-            </a:r>
-            <a:r>
-              <a:rPr lang="de-AT" dirty="0" smtClean="0"/>
-              <a:t> </a:t>
-            </a:r>
-            <a:r>
-              <a:rPr lang="de-AT" dirty="0" err="1" smtClean="0"/>
-              <a:t>access</a:t>
-            </a:r>
-            <a:r>
-              <a:rPr lang="de-AT" dirty="0" smtClean="0"/>
-              <a:t> </a:t>
-            </a:r>
-            <a:r>
-              <a:rPr lang="de-AT" dirty="0" err="1" smtClean="0"/>
-              <a:t>to</a:t>
-            </a:r>
-            <a:r>
-              <a:rPr lang="de-AT" dirty="0" smtClean="0"/>
-              <a:t> </a:t>
-            </a:r>
-            <a:r>
-              <a:rPr lang="de-AT" dirty="0" err="1" smtClean="0"/>
-              <a:t>db</a:t>
-            </a:r>
-            <a:endParaRPr lang="de-AT" dirty="0" smtClean="0"/>
-          </a:p>
-          <a:p>
-            <a:pPr lvl="1"/>
-            <a:endParaRPr lang="de-AT" dirty="0"/>
-          </a:p>
-        </p:txBody>
-      </p:sp>
-    </p:spTree>
-    <p:extLst>
-      <p:ext uri="{BB962C8B-B14F-4D97-AF65-F5344CB8AC3E}">
-        <p14:creationId xmlns:p14="http://schemas.microsoft.com/office/powerpoint/2010/main" val="1250229452"/>
-      </p:ext>
-    </p:extLst>
-  </p:cSld>
-  <p:clrMapOvr>
-    <a:masterClrMapping/>
-  </p:clrMapOvr>
-  <p:timing>
-    <p:tnLst>
-      <p:par>
-        <p:cTn id="1" dur="indefinite" restart="never" nodeType="tmRoot"/>
-      </p:par>
-    </p:tnLst>
-  </p:timing>
-</p:sld>
-</file>
-
-<file path=ppt/slides/slide2.xml><?xml version="1.0" encoding="utf-8"?>
-<p:sld xmlns:a="http://schemas.openxmlformats.org/drawingml/2006/main" xmlns:r="http://schemas.openxmlformats.org/officeDocument/2006/relationships" xmlns:p="http://schemas.openxmlformats.org/presentationml/2006/main">
-  <p:cSld>
-    <p:spTree>
-      <p:nvGrpSpPr>
-        <p:cNvPr id="1" name=""/>
-        <p:cNvGrpSpPr/>
-        <p:nvPr/>
-      </p:nvGrpSpPr>
-      <p:grpSpPr>
-        <a:xfrm>
-          <a:off x="0" y="0"/>
-          <a:ext cx="0" cy="0"/>
-          <a:chOff x="0" y="0"/>
-          <a:chExt cx="0" cy="0"/>
-        </a:xfrm>
-      </p:grpSpPr>
-      <p:sp>
-        <p:nvSpPr>
-          <p:cNvPr id="2" name="Titel 1"/>
-          <p:cNvSpPr>
-            <a:spLocks noGrp="1"/>
-          </p:cNvSpPr>
-          <p:nvPr>
-            <p:ph type="title"/>
-          </p:nvPr>
-        </p:nvSpPr>
-        <p:spPr/>
-        <p:txBody>
-          <a:bodyPr/>
-          <a:lstStyle/>
-          <a:p>
-            <a:r>
-              <a:rPr lang="de-AT" dirty="0" err="1" smtClean="0"/>
-              <a:t>Exercise</a:t>
-            </a:r>
-            <a:r>
-              <a:rPr lang="de-AT" dirty="0" smtClean="0"/>
-              <a:t> 1</a:t>
-            </a:r>
-            <a:endParaRPr lang="de-AT" dirty="0"/>
-          </a:p>
-        </p:txBody>
-      </p:sp>
-      <p:sp>
-        <p:nvSpPr>
-          <p:cNvPr id="3" name="Inhaltsplatzhalter 2"/>
-          <p:cNvSpPr>
-            <a:spLocks noGrp="1"/>
-          </p:cNvSpPr>
-          <p:nvPr>
-            <p:ph sz="quarter" idx="1"/>
-          </p:nvPr>
-        </p:nvSpPr>
-        <p:spPr/>
-        <p:txBody>
-          <a:bodyPr/>
-          <a:lstStyle/>
-          <a:p>
-            <a:r>
-              <a:rPr lang="de-AT" dirty="0" smtClean="0"/>
-              <a:t> </a:t>
-            </a:r>
-            <a:r>
-              <a:rPr lang="de-AT" dirty="0" err="1"/>
-              <a:t>Integrate</a:t>
-            </a:r>
-            <a:r>
-              <a:rPr lang="de-AT" dirty="0"/>
-              <a:t> </a:t>
-            </a:r>
-            <a:r>
-              <a:rPr lang="de-AT" dirty="0" err="1"/>
-              <a:t>these</a:t>
-            </a:r>
-            <a:r>
-              <a:rPr lang="de-AT" dirty="0"/>
-              <a:t> </a:t>
-            </a:r>
-            <a:r>
-              <a:rPr lang="de-AT" dirty="0" err="1"/>
-              <a:t>views</a:t>
-            </a:r>
-            <a:r>
-              <a:rPr lang="de-AT" dirty="0"/>
-              <a:t>: </a:t>
-            </a:r>
-          </a:p>
-          <a:p>
-            <a:pPr marL="914400" lvl="1" indent="-514350">
-              <a:buFont typeface="+mj-lt"/>
-              <a:buAutoNum type="alphaLcParenR"/>
-            </a:pPr>
-            <a:r>
-              <a:rPr lang="en-US" dirty="0" smtClean="0"/>
-              <a:t>identify </a:t>
-            </a:r>
-            <a:r>
-              <a:rPr lang="en-US" dirty="0"/>
-              <a:t>conflicts (and their conflict types) </a:t>
-            </a:r>
-          </a:p>
-          <a:p>
-            <a:pPr marL="914400" lvl="1" indent="-514350">
-              <a:buFont typeface="+mj-lt"/>
-              <a:buAutoNum type="alphaLcParenR"/>
-            </a:pPr>
-            <a:r>
-              <a:rPr lang="de-AT" dirty="0" err="1" smtClean="0"/>
-              <a:t>propose</a:t>
-            </a:r>
-            <a:r>
-              <a:rPr lang="de-AT" dirty="0" smtClean="0"/>
-              <a:t> </a:t>
-            </a:r>
-            <a:r>
-              <a:rPr lang="de-AT" dirty="0" err="1"/>
-              <a:t>scenarios</a:t>
-            </a:r>
-            <a:r>
-              <a:rPr lang="de-AT" dirty="0"/>
-              <a:t> </a:t>
-            </a:r>
-            <a:r>
-              <a:rPr lang="de-AT" dirty="0" err="1"/>
-              <a:t>and</a:t>
-            </a:r>
-            <a:r>
-              <a:rPr lang="de-AT" dirty="0"/>
-              <a:t> </a:t>
-            </a:r>
-            <a:r>
-              <a:rPr lang="de-AT" dirty="0" err="1"/>
-              <a:t>interschema</a:t>
-            </a:r>
-            <a:r>
-              <a:rPr lang="de-AT" dirty="0"/>
-              <a:t> </a:t>
-            </a:r>
-            <a:r>
-              <a:rPr lang="de-AT" dirty="0" err="1"/>
-              <a:t>properties</a:t>
-            </a:r>
-            <a:r>
-              <a:rPr lang="de-AT" dirty="0"/>
-              <a:t> </a:t>
-            </a:r>
-          </a:p>
-          <a:p>
-            <a:pPr marL="914400" lvl="1" indent="-514350">
-              <a:buFont typeface="+mj-lt"/>
-              <a:buAutoNum type="alphaLcParenR"/>
-            </a:pPr>
-            <a:r>
-              <a:rPr lang="en-US" dirty="0" smtClean="0"/>
-              <a:t>integrate </a:t>
-            </a:r>
-            <a:r>
-              <a:rPr lang="en-US" dirty="0"/>
-              <a:t>the schemas into one schema. </a:t>
-            </a:r>
-            <a:endParaRPr lang="de-AT" dirty="0"/>
-          </a:p>
-        </p:txBody>
-      </p:sp>
-    </p:spTree>
-    <p:extLst>
-      <p:ext uri="{BB962C8B-B14F-4D97-AF65-F5344CB8AC3E}">
-        <p14:creationId xmlns:p14="http://schemas.microsoft.com/office/powerpoint/2010/main" val="3160386597"/>
-      </p:ext>
-    </p:extLst>
-  </p:cSld>
-  <p:clrMapOvr>
-    <a:masterClrMapping/>
-  </p:clrMapOvr>
-</p:sld>
-</file>
-
-<file path=ppt/slides/slide3.xml><?xml version="1.0" encoding="utf-8"?>
-<p:sld xmlns:a="http://schemas.openxmlformats.org/drawingml/2006/main" xmlns:r="http://schemas.openxmlformats.org/officeDocument/2006/relationships" xmlns:p="http://schemas.openxmlformats.org/presentationml/2006/main">
-  <p:cSld>
-    <p:spTree>
-      <p:nvGrpSpPr>
-        <p:cNvPr id="1" name=""/>
-        <p:cNvGrpSpPr/>
-        <p:nvPr/>
-      </p:nvGrpSpPr>
-      <p:grpSpPr>
-        <a:xfrm>
-          <a:off x="0" y="0"/>
-          <a:ext cx="0" cy="0"/>
-          <a:chOff x="0" y="0"/>
-          <a:chExt cx="0" cy="0"/>
-        </a:xfrm>
-      </p:grpSpPr>
-      <p:sp>
-        <p:nvSpPr>
-          <p:cNvPr id="2" name="Titel 1"/>
-          <p:cNvSpPr>
-            <a:spLocks noGrp="1"/>
-          </p:cNvSpPr>
-          <p:nvPr>
-            <p:ph type="title"/>
-          </p:nvPr>
-        </p:nvSpPr>
-        <p:spPr/>
-        <p:txBody>
-          <a:bodyPr/>
-          <a:lstStyle/>
-          <a:p>
-            <a:r>
-              <a:rPr lang="en-US" dirty="0"/>
-              <a:t>identify conflicts</a:t>
-            </a:r>
-            <a:endParaRPr lang="de-AT" dirty="0"/>
-          </a:p>
-        </p:txBody>
-      </p:sp>
-      <p:sp>
-        <p:nvSpPr>
-          <p:cNvPr id="3" name="Inhaltsplatzhalter 2"/>
-          <p:cNvSpPr>
-            <a:spLocks noGrp="1"/>
-          </p:cNvSpPr>
-          <p:nvPr>
-            <p:ph sz="quarter" idx="1"/>
-          </p:nvPr>
-        </p:nvSpPr>
-        <p:spPr/>
-        <p:txBody>
-          <a:bodyPr/>
-          <a:lstStyle/>
-          <a:p>
-            <a:r>
-              <a:rPr lang="de-AT" dirty="0" err="1" smtClean="0"/>
-              <a:t>naming</a:t>
-            </a:r>
-            <a:r>
-              <a:rPr lang="de-AT" dirty="0" smtClean="0"/>
-              <a:t> </a:t>
-            </a:r>
-            <a:r>
-              <a:rPr lang="de-AT" dirty="0" err="1" smtClean="0"/>
-              <a:t>conflicts</a:t>
-            </a:r>
-            <a:endParaRPr lang="de-AT" dirty="0"/>
-          </a:p>
-          <a:p>
-            <a:pPr lvl="1"/>
-            <a:r>
-              <a:rPr lang="de-AT" dirty="0" err="1" smtClean="0"/>
-              <a:t>Injury</a:t>
-            </a:r>
-            <a:r>
-              <a:rPr lang="de-AT" dirty="0" smtClean="0"/>
-              <a:t> </a:t>
-            </a:r>
-            <a:r>
-              <a:rPr lang="de-AT" dirty="0" smtClean="0">
-                <a:sym typeface="Wingdings" panose="05000000000000000000" pitchFamily="2" charset="2"/>
-              </a:rPr>
-              <a:t> MT : </a:t>
-            </a:r>
-            <a:r>
-              <a:rPr lang="de-AT" dirty="0" err="1" smtClean="0">
-                <a:sym typeface="Wingdings" panose="05000000000000000000" pitchFamily="2" charset="2"/>
-              </a:rPr>
-              <a:t>needs</a:t>
-            </a:r>
-            <a:r>
-              <a:rPr lang="de-AT" dirty="0" smtClean="0">
-                <a:sym typeface="Wingdings" panose="05000000000000000000" pitchFamily="2" charset="2"/>
-              </a:rPr>
-              <a:t> / </a:t>
-            </a:r>
-            <a:r>
-              <a:rPr lang="de-AT" dirty="0" err="1" smtClean="0">
-                <a:sym typeface="Wingdings" panose="05000000000000000000" pitchFamily="2" charset="2"/>
-              </a:rPr>
-              <a:t>has</a:t>
-            </a:r>
-            <a:endParaRPr lang="de-AT" dirty="0"/>
-          </a:p>
-          <a:p>
-            <a:r>
-              <a:rPr lang="de-AT" dirty="0" err="1" smtClean="0"/>
-              <a:t>stuctural</a:t>
-            </a:r>
-            <a:r>
-              <a:rPr lang="de-AT" dirty="0" smtClean="0"/>
-              <a:t> </a:t>
-            </a:r>
-            <a:r>
-              <a:rPr lang="de-AT" dirty="0" err="1" smtClean="0"/>
-              <a:t>conflicts</a:t>
-            </a:r>
-            <a:endParaRPr lang="de-AT" dirty="0" smtClean="0"/>
-          </a:p>
-          <a:p>
-            <a:pPr lvl="1"/>
-            <a:r>
-              <a:rPr lang="de-AT" dirty="0"/>
-              <a:t>Stadium : </a:t>
-            </a:r>
-            <a:r>
-              <a:rPr lang="de-AT" dirty="0" err="1"/>
-              <a:t>capacity</a:t>
-            </a:r>
-            <a:r>
-              <a:rPr lang="de-AT" dirty="0"/>
-              <a:t> in </a:t>
-            </a:r>
-            <a:r>
-              <a:rPr lang="de-AT" dirty="0" smtClean="0"/>
-              <a:t>EV</a:t>
-            </a:r>
-          </a:p>
-          <a:p>
-            <a:pPr lvl="1"/>
-            <a:r>
-              <a:rPr lang="de-AT" dirty="0" smtClean="0"/>
-              <a:t>Player : </a:t>
-            </a:r>
-            <a:r>
-              <a:rPr lang="de-AT" dirty="0" err="1" smtClean="0"/>
-              <a:t>team</a:t>
-            </a:r>
-            <a:endParaRPr lang="de-AT" dirty="0" smtClean="0"/>
-          </a:p>
-          <a:p>
-            <a:pPr lvl="1"/>
-            <a:r>
-              <a:rPr lang="de-AT" dirty="0" err="1" smtClean="0"/>
-              <a:t>Competition</a:t>
-            </a:r>
-            <a:endParaRPr lang="de-AT" dirty="0" smtClean="0"/>
-          </a:p>
-          <a:p>
-            <a:pPr lvl="1"/>
-            <a:r>
-              <a:rPr lang="de-AT" dirty="0" err="1" smtClean="0"/>
-              <a:t>Injury</a:t>
-            </a:r>
-            <a:r>
-              <a:rPr lang="de-AT" dirty="0" smtClean="0"/>
-              <a:t> </a:t>
-            </a:r>
-            <a:r>
-              <a:rPr lang="de-AT" dirty="0" smtClean="0">
-                <a:sym typeface="Wingdings" panose="05000000000000000000" pitchFamily="2" charset="2"/>
-              </a:rPr>
-              <a:t> Player fehlt</a:t>
-            </a:r>
-            <a:endParaRPr lang="de-AT" dirty="0"/>
-          </a:p>
-        </p:txBody>
-      </p:sp>
-    </p:spTree>
-    <p:extLst>
-      <p:ext uri="{BB962C8B-B14F-4D97-AF65-F5344CB8AC3E}">
-        <p14:creationId xmlns:p14="http://schemas.microsoft.com/office/powerpoint/2010/main" val="3995392337"/>
-      </p:ext>
-    </p:extLst>
-  </p:cSld>
-  <p:clrMapOvr>
-    <a:masterClrMapping/>
-  </p:clrMapOvr>
-</p:sld>
-</file>
-
-<file path=ppt/slides/slide4.xml><?xml version="1.0" encoding="utf-8"?>
-<p:sld xmlns:a="http://schemas.openxmlformats.org/drawingml/2006/main" xmlns:r="http://schemas.openxmlformats.org/officeDocument/2006/relationships" xmlns:p="http://schemas.openxmlformats.org/presentationml/2006/main">
-  <p:cSld>
-    <p:spTree>
-      <p:nvGrpSpPr>
-        <p:cNvPr id="1" name=""/>
-        <p:cNvGrpSpPr/>
-        <p:nvPr/>
-      </p:nvGrpSpPr>
-      <p:grpSpPr>
-        <a:xfrm>
-          <a:off x="0" y="0"/>
-          <a:ext cx="0" cy="0"/>
-          <a:chOff x="0" y="0"/>
-          <a:chExt cx="0" cy="0"/>
-        </a:xfrm>
-      </p:grpSpPr>
-      <p:sp>
-        <p:nvSpPr>
-          <p:cNvPr id="2" name="Titel 1"/>
-          <p:cNvSpPr>
-            <a:spLocks noGrp="1"/>
-          </p:cNvSpPr>
-          <p:nvPr>
-            <p:ph type="title"/>
-          </p:nvPr>
-        </p:nvSpPr>
-        <p:spPr/>
-        <p:txBody>
-          <a:bodyPr/>
-          <a:lstStyle/>
-          <a:p>
-            <a:r>
-              <a:rPr lang="en-US" dirty="0"/>
-              <a:t>integrate the schemas</a:t>
-            </a:r>
-            <a:endParaRPr lang="de-AT" dirty="0"/>
-          </a:p>
-        </p:txBody>
-      </p:sp>
-      <p:pic>
-        <p:nvPicPr>
-          <p:cNvPr id="3" name="Picture 2"/>
-          <p:cNvPicPr>
-            <a:picLocks noChangeAspect="1" noChangeArrowheads="1"/>
-          </p:cNvPicPr>
-          <p:nvPr/>
-        </p:nvPicPr>
-        <p:blipFill>
-          <a:blip r:embed="rId2">
-            <a:extLst>
-              <a:ext uri="{28A0092B-C50C-407E-A947-70E740481C1C}">
-                <a14:useLocalDpi xmlns:a14="http://schemas.microsoft.com/office/drawing/2010/main" val="0"/>
-              </a:ext>
-            </a:extLst>
-          </a:blip>
-          <a:srcRect/>
-          <a:stretch>
-            <a:fillRect/>
-          </a:stretch>
-        </p:blipFill>
-        <p:spPr bwMode="auto">
-          <a:xfrm>
-            <a:off x="114300" y="1628800"/>
-            <a:ext cx="8928100" cy="4502150"/>
-          </a:xfrm>
-          <a:prstGeom prst="rect">
-            <a:avLst/>
-          </a:prstGeom>
-          <a:noFill/>
-          <a:ln>
-            <a:noFill/>
-          </a:ln>
-          <a:extLst>
-            <a:ext uri="{909E8E84-426E-40DD-AFC4-6F175D3DCCD1}">
-              <a14:hiddenFill xmlns:a14="http://schemas.microsoft.com/office/drawing/2010/main">
-                <a:solidFill>
-                  <a:schemeClr val="accent1"/>
-                </a:solidFill>
-              </a14:hiddenFill>
-            </a:ext>
-            <a:ext uri="{91240B29-F687-4F45-9708-019B960494DF}">
-              <a14:hiddenLine xmlns:a14="http://schemas.microsoft.com/office/drawing/2010/main" w="9525">
-                <a:solidFill>
-                  <a:schemeClr val="tx1"/>
-                </a:solidFill>
-                <a:miter lim="800000"/>
-                <a:headEnd/>
-                <a:tailEnd/>
-              </a14:hiddenLine>
-            </a:ext>
-          </a:extLst>
-        </p:spPr>
-      </p:pic>
-    </p:spTree>
-    <p:extLst>
-      <p:ext uri="{BB962C8B-B14F-4D97-AF65-F5344CB8AC3E}">
-        <p14:creationId xmlns:p14="http://schemas.microsoft.com/office/powerpoint/2010/main" val="1436579645"/>
-      </p:ext>
-    </p:extLst>
-  </p:cSld>
-  <p:clrMapOvr>
-    <a:masterClrMapping/>
-  </p:clrMapOvr>
-  <p:timing>
-    <p:tnLst>
-      <p:par>
-        <p:cTn id="1" dur="indefinite" restart="never" nodeType="tmRoot"/>
-      </p:par>
-    </p:tnLst>
-  </p:timing>
-</p:sld>
-</file>
-
-<file path=ppt/slides/slide5.xml><?xml version="1.0" encoding="utf-8"?>
-<p:sld xmlns:a="http://schemas.openxmlformats.org/drawingml/2006/main" xmlns:r="http://schemas.openxmlformats.org/officeDocument/2006/relationships" xmlns:p="http://schemas.openxmlformats.org/presentationml/2006/main">
-  <p:cSld>
-    <p:spTree>
-      <p:nvGrpSpPr>
-        <p:cNvPr id="1" name=""/>
-        <p:cNvGrpSpPr/>
-        <p:nvPr/>
-      </p:nvGrpSpPr>
-      <p:grpSpPr>
-        <a:xfrm>
-          <a:off x="0" y="0"/>
-          <a:ext cx="0" cy="0"/>
-          <a:chOff x="0" y="0"/>
-          <a:chExt cx="0" cy="0"/>
-        </a:xfrm>
-      </p:grpSpPr>
-      <p:sp>
-        <p:nvSpPr>
-          <p:cNvPr id="2" name="Titel 1"/>
-          <p:cNvSpPr>
-            <a:spLocks noGrp="1"/>
-          </p:cNvSpPr>
-          <p:nvPr>
-            <p:ph type="title"/>
-          </p:nvPr>
-        </p:nvSpPr>
-        <p:spPr/>
-        <p:txBody>
-          <a:bodyPr/>
-          <a:lstStyle/>
-          <a:p>
-            <a:r>
-              <a:rPr lang="de-AT" dirty="0" err="1" smtClean="0"/>
-              <a:t>Exercise</a:t>
-            </a:r>
-            <a:r>
-              <a:rPr lang="de-AT" dirty="0" smtClean="0"/>
-              <a:t> 4</a:t>
-            </a:r>
-            <a:endParaRPr lang="de-AT" dirty="0"/>
-          </a:p>
-        </p:txBody>
-      </p:sp>
-      <p:sp>
-        <p:nvSpPr>
-          <p:cNvPr id="3" name="Inhaltsplatzhalter 2"/>
-          <p:cNvSpPr>
-            <a:spLocks noGrp="1"/>
-          </p:cNvSpPr>
-          <p:nvPr>
-            <p:ph sz="quarter" idx="1"/>
-          </p:nvPr>
-        </p:nvSpPr>
-        <p:spPr/>
-        <p:txBody>
-          <a:bodyPr>
-            <a:normAutofit fontScale="92500" lnSpcReduction="10000"/>
-          </a:bodyPr>
-          <a:lstStyle/>
-          <a:p>
-            <a:endParaRPr lang="de-AT" dirty="0"/>
-          </a:p>
-          <a:p>
-            <a:endParaRPr lang="de-AT" dirty="0"/>
-          </a:p>
-          <a:p>
-            <a:r>
-              <a:rPr lang="en-US" dirty="0" smtClean="0"/>
-              <a:t>Explain </a:t>
-            </a:r>
-            <a:r>
-              <a:rPr lang="en-US" dirty="0"/>
-              <a:t>the notions total, partial, exclusive, and overlapping in the context of generalization. </a:t>
-            </a:r>
-          </a:p>
-          <a:p>
-            <a:r>
-              <a:rPr lang="en-US" dirty="0" smtClean="0"/>
-              <a:t>What </a:t>
-            </a:r>
-            <a:r>
-              <a:rPr lang="en-US" dirty="0"/>
-              <a:t>kind of flattening strategies exist for generalization hierarchies? Explain them with an example of your own. </a:t>
-            </a:r>
-          </a:p>
-          <a:p>
-            <a:r>
-              <a:rPr lang="en-US" dirty="0" smtClean="0"/>
-              <a:t>How </a:t>
-            </a:r>
-            <a:r>
-              <a:rPr lang="en-US" dirty="0"/>
-              <a:t>can you determine, which flattening strategy should be used? What data do you need for the decision? </a:t>
-            </a:r>
-          </a:p>
-          <a:p>
-            <a:endParaRPr lang="de-AT" dirty="0"/>
-          </a:p>
-        </p:txBody>
-      </p:sp>
-    </p:spTree>
-    <p:extLst>
-      <p:ext uri="{BB962C8B-B14F-4D97-AF65-F5344CB8AC3E}">
-        <p14:creationId xmlns:p14="http://schemas.microsoft.com/office/powerpoint/2010/main" val="1682494258"/>
-      </p:ext>
-    </p:extLst>
-  </p:cSld>
-  <p:clrMapOvr>
-    <a:masterClrMapping/>
-  </p:clrMapOvr>
-  <p:timing>
-    <p:tnLst>
-      <p:par>
-        <p:cTn id="1" dur="indefinite" restart="never" nodeType="tmRoot"/>
-      </p:par>
-    </p:tnLst>
-  </p:timing>
-</p:sld>
-</file>
-
-<file path=ppt/slides/slide6.xml><?xml version="1.0" encoding="utf-8"?>
-<p:sld xmlns:a="http://schemas.openxmlformats.org/drawingml/2006/main" xmlns:r="http://schemas.openxmlformats.org/officeDocument/2006/relationships" xmlns:p="http://schemas.openxmlformats.org/presentationml/2006/main">
-  <p:cSld>
-    <p:spTree>
-      <p:nvGrpSpPr>
-        <p:cNvPr id="1" name=""/>
-        <p:cNvGrpSpPr/>
-        <p:nvPr/>
-      </p:nvGrpSpPr>
-      <p:grpSpPr>
-        <a:xfrm>
-          <a:off x="0" y="0"/>
-          <a:ext cx="0" cy="0"/>
-          <a:chOff x="0" y="0"/>
-          <a:chExt cx="0" cy="0"/>
-        </a:xfrm>
-      </p:grpSpPr>
-      <p:sp>
-        <p:nvSpPr>
-          <p:cNvPr id="2" name="Titel 1"/>
-          <p:cNvSpPr>
-            <a:spLocks noGrp="1"/>
-          </p:cNvSpPr>
-          <p:nvPr>
-            <p:ph type="title"/>
-          </p:nvPr>
-        </p:nvSpPr>
-        <p:spPr/>
-        <p:txBody>
-          <a:bodyPr/>
-          <a:lstStyle/>
-          <a:p>
-            <a:r>
-              <a:rPr lang="de-AT" dirty="0" smtClean="0"/>
-              <a:t>total </a:t>
-            </a:r>
-            <a:r>
-              <a:rPr lang="de-AT" dirty="0" err="1" smtClean="0"/>
-              <a:t>vs</a:t>
-            </a:r>
-            <a:r>
-              <a:rPr lang="de-AT" dirty="0" smtClean="0"/>
-              <a:t> partial</a:t>
-            </a:r>
-            <a:endParaRPr lang="de-AT" dirty="0"/>
-          </a:p>
-        </p:txBody>
-      </p:sp>
-      <p:sp>
-        <p:nvSpPr>
-          <p:cNvPr id="3" name="Inhaltsplatzhalter 2"/>
-          <p:cNvSpPr>
-            <a:spLocks noGrp="1"/>
-          </p:cNvSpPr>
-          <p:nvPr>
-            <p:ph sz="quarter" idx="1"/>
-          </p:nvPr>
-        </p:nvSpPr>
-        <p:spPr/>
-        <p:txBody>
-          <a:bodyPr/>
-          <a:lstStyle/>
-          <a:p>
-            <a:r>
-              <a:rPr lang="de-AT" dirty="0" smtClean="0"/>
-              <a:t>total</a:t>
-            </a:r>
-          </a:p>
-          <a:p>
-            <a:pPr lvl="1"/>
-            <a:r>
-              <a:rPr lang="de-AT" dirty="0" err="1" smtClean="0"/>
-              <a:t>every</a:t>
-            </a:r>
-            <a:r>
-              <a:rPr lang="de-AT" dirty="0" smtClean="0"/>
-              <a:t> </a:t>
-            </a:r>
-            <a:r>
-              <a:rPr lang="de-AT" dirty="0" err="1" smtClean="0"/>
-              <a:t>instance</a:t>
-            </a:r>
-            <a:r>
-              <a:rPr lang="de-AT" dirty="0" smtClean="0"/>
-              <a:t> </a:t>
-            </a:r>
-            <a:r>
-              <a:rPr lang="de-AT" dirty="0" err="1" smtClean="0"/>
-              <a:t>of</a:t>
-            </a:r>
-            <a:r>
-              <a:rPr lang="de-AT" dirty="0" smtClean="0"/>
-              <a:t> a super-</a:t>
-            </a:r>
-            <a:r>
-              <a:rPr lang="de-AT" dirty="0" err="1" smtClean="0"/>
-              <a:t>class</a:t>
-            </a:r>
-            <a:r>
-              <a:rPr lang="de-AT" dirty="0" smtClean="0"/>
-              <a:t> </a:t>
-            </a:r>
-            <a:r>
-              <a:rPr lang="de-AT" dirty="0" err="1" smtClean="0"/>
-              <a:t>is</a:t>
-            </a:r>
-            <a:r>
-              <a:rPr lang="de-AT" dirty="0" smtClean="0"/>
-              <a:t> also an </a:t>
-            </a:r>
-            <a:r>
-              <a:rPr lang="de-AT" dirty="0" err="1" smtClean="0"/>
-              <a:t>instance</a:t>
-            </a:r>
-            <a:r>
-              <a:rPr lang="de-AT" dirty="0" smtClean="0"/>
-              <a:t> </a:t>
-            </a:r>
-            <a:r>
-              <a:rPr lang="de-AT" dirty="0" err="1" smtClean="0"/>
-              <a:t>of</a:t>
-            </a:r>
-            <a:r>
-              <a:rPr lang="de-AT" dirty="0" smtClean="0"/>
-              <a:t> a (</a:t>
-            </a:r>
-            <a:r>
-              <a:rPr lang="de-AT" dirty="0" err="1" smtClean="0"/>
-              <a:t>direct</a:t>
-            </a:r>
-            <a:r>
-              <a:rPr lang="de-AT" dirty="0" smtClean="0"/>
-              <a:t>) sub-</a:t>
-            </a:r>
-            <a:r>
-              <a:rPr lang="de-AT" dirty="0" err="1" smtClean="0"/>
-              <a:t>class</a:t>
-            </a:r>
-            <a:r>
-              <a:rPr lang="de-AT" dirty="0" smtClean="0"/>
-              <a:t> </a:t>
-            </a:r>
-            <a:r>
-              <a:rPr lang="de-AT" dirty="0" err="1" smtClean="0"/>
-              <a:t>children</a:t>
-            </a:r>
-            <a:endParaRPr lang="de-AT" dirty="0" smtClean="0"/>
-          </a:p>
-          <a:p>
-            <a:pPr lvl="1"/>
-            <a:endParaRPr lang="de-AT" dirty="0"/>
-          </a:p>
-          <a:p>
-            <a:r>
-              <a:rPr lang="de-AT" dirty="0" smtClean="0"/>
-              <a:t>partial</a:t>
-            </a:r>
-          </a:p>
-          <a:p>
-            <a:pPr lvl="1"/>
-            <a:r>
-              <a:rPr lang="de-AT" dirty="0" err="1" smtClean="0"/>
-              <a:t>otherwise</a:t>
-            </a:r>
-            <a:endParaRPr lang="de-AT" dirty="0" smtClean="0"/>
-          </a:p>
-        </p:txBody>
-      </p:sp>
-    </p:spTree>
-    <p:extLst>
-      <p:ext uri="{BB962C8B-B14F-4D97-AF65-F5344CB8AC3E}">
-        <p14:creationId xmlns:p14="http://schemas.microsoft.com/office/powerpoint/2010/main" val="2415819026"/>
-      </p:ext>
-    </p:extLst>
-  </p:cSld>
-  <p:clrMapOvr>
-    <a:masterClrMapping/>
-  </p:clrMapOvr>
-  <p:timing>
-    <p:tnLst>
-      <p:par>
-        <p:cTn id="1" dur="indefinite" restart="never" nodeType="tmRoot"/>
-      </p:par>
-    </p:tnLst>
-  </p:timing>
-</p:sld>
-</file>
-
-<file path=ppt/slides/slide7.xml><?xml version="1.0" encoding="utf-8"?>
-<p:sld xmlns:a="http://schemas.openxmlformats.org/drawingml/2006/main" xmlns:r="http://schemas.openxmlformats.org/officeDocument/2006/relationships" xmlns:p="http://schemas.openxmlformats.org/presentationml/2006/main">
-  <p:cSld>
-    <p:spTree>
-      <p:nvGrpSpPr>
-        <p:cNvPr id="1" name=""/>
-        <p:cNvGrpSpPr/>
-        <p:nvPr/>
-      </p:nvGrpSpPr>
-      <p:grpSpPr>
-        <a:xfrm>
-          <a:off x="0" y="0"/>
-          <a:ext cx="0" cy="0"/>
-          <a:chOff x="0" y="0"/>
-          <a:chExt cx="0" cy="0"/>
-        </a:xfrm>
-      </p:grpSpPr>
-      <p:sp>
-        <p:nvSpPr>
-          <p:cNvPr id="2" name="Titel 1"/>
-          <p:cNvSpPr>
-            <a:spLocks noGrp="1"/>
-          </p:cNvSpPr>
-          <p:nvPr>
-            <p:ph type="title"/>
-          </p:nvPr>
-        </p:nvSpPr>
-        <p:spPr/>
-        <p:txBody>
-          <a:bodyPr/>
-          <a:lstStyle/>
-          <a:p>
-            <a:r>
-              <a:rPr lang="de-AT" dirty="0" err="1" smtClean="0"/>
               <a:t>exclusive</a:t>
             </a:r>
             <a:r>
@@ -6628,7 +4280,7 @@
 </p:sld>
 </file>
 
-<file path=ppt/slides/slide8.xml><?xml version="1.0" encoding="utf-8"?>
+<file path=ppt/slides/slide13.xml><?xml version="1.0" encoding="utf-8"?>
 <p:sld xmlns:a="http://schemas.openxmlformats.org/drawingml/2006/main" xmlns:r="http://schemas.openxmlformats.org/officeDocument/2006/relationships" xmlns:p="http://schemas.openxmlformats.org/presentationml/2006/main">
   <p:cSld>
     <p:spTree>
@@ -6878,7 +4530,7 @@
 </p:sld>
 </file>
 
-<file path=ppt/slides/slide9.xml><?xml version="1.0" encoding="utf-8"?>
+<file path=ppt/slides/slide14.xml><?xml version="1.0" encoding="utf-8"?>
 <p:sld xmlns:a="http://schemas.openxmlformats.org/drawingml/2006/main" xmlns:r="http://schemas.openxmlformats.org/officeDocument/2006/relationships" xmlns:p="http://schemas.openxmlformats.org/presentationml/2006/main">
   <p:cSld>
     <p:spTree>
@@ -7119,6 +4771,3705 @@
       </p:par>
     </p:tnLst>
   </p:timing>
+</p:sld>
+</file>
+
+<file path=ppt/slides/slide15.xml><?xml version="1.0" encoding="utf-8"?>
+<p:sld xmlns:a="http://schemas.openxmlformats.org/drawingml/2006/main" xmlns:r="http://schemas.openxmlformats.org/officeDocument/2006/relationships" xmlns:p="http://schemas.openxmlformats.org/presentationml/2006/main">
+  <p:cSld>
+    <p:spTree>
+      <p:nvGrpSpPr>
+        <p:cNvPr id="1" name=""/>
+        <p:cNvGrpSpPr/>
+        <p:nvPr/>
+      </p:nvGrpSpPr>
+      <p:grpSpPr>
+        <a:xfrm>
+          <a:off x="0" y="0"/>
+          <a:ext cx="0" cy="0"/>
+          <a:chOff x="0" y="0"/>
+          <a:chExt cx="0" cy="0"/>
+        </a:xfrm>
+      </p:grpSpPr>
+      <p:sp>
+        <p:nvSpPr>
+          <p:cNvPr id="2" name="Titel 1"/>
+          <p:cNvSpPr>
+            <a:spLocks noGrp="1"/>
+          </p:cNvSpPr>
+          <p:nvPr>
+            <p:ph type="title"/>
+          </p:nvPr>
+        </p:nvSpPr>
+        <p:spPr/>
+        <p:txBody>
+          <a:bodyPr/>
+          <a:lstStyle/>
+          <a:p>
+            <a:r>
+              <a:rPr lang="de-AT" dirty="0" err="1" smtClean="0"/>
+              <a:t>Flattening</a:t>
+            </a:r>
+            <a:r>
+              <a:rPr lang="de-AT" dirty="0" smtClean="0"/>
+              <a:t>(3/3)</a:t>
+            </a:r>
+            <a:endParaRPr lang="de-AT" dirty="0"/>
+          </a:p>
+        </p:txBody>
+      </p:sp>
+      <p:sp>
+        <p:nvSpPr>
+          <p:cNvPr id="3" name="Inhaltsplatzhalter 2"/>
+          <p:cNvSpPr>
+            <a:spLocks noGrp="1"/>
+          </p:cNvSpPr>
+          <p:nvPr>
+            <p:ph sz="quarter" idx="1"/>
+          </p:nvPr>
+        </p:nvSpPr>
+        <p:spPr/>
+        <p:txBody>
+          <a:bodyPr/>
+          <a:lstStyle/>
+          <a:p>
+            <a:r>
+              <a:rPr lang="de-AT" dirty="0" err="1" smtClean="0"/>
+              <a:t>Cohesion</a:t>
+            </a:r>
+            <a:endParaRPr lang="de-AT" dirty="0" smtClean="0"/>
+          </a:p>
+          <a:p>
+            <a:pPr lvl="1"/>
+            <a:r>
+              <a:rPr lang="de-AT" dirty="0" err="1" smtClean="0"/>
+              <a:t>each</a:t>
+            </a:r>
+            <a:r>
+              <a:rPr lang="de-AT" dirty="0" smtClean="0"/>
+              <a:t> </a:t>
+            </a:r>
+            <a:r>
+              <a:rPr lang="de-AT" dirty="0" err="1" smtClean="0"/>
+              <a:t>generalization</a:t>
+            </a:r>
+            <a:r>
+              <a:rPr lang="de-AT" dirty="0" smtClean="0"/>
+              <a:t> </a:t>
+            </a:r>
+            <a:r>
+              <a:rPr lang="de-AT" dirty="0" err="1" smtClean="0"/>
+              <a:t>is</a:t>
+            </a:r>
+            <a:r>
+              <a:rPr lang="de-AT" dirty="0" smtClean="0"/>
+              <a:t> </a:t>
+            </a:r>
+            <a:r>
+              <a:rPr lang="de-AT" dirty="0" err="1" smtClean="0"/>
+              <a:t>represented</a:t>
+            </a:r>
+            <a:r>
+              <a:rPr lang="de-AT" dirty="0" smtClean="0"/>
+              <a:t> </a:t>
+            </a:r>
+            <a:r>
+              <a:rPr lang="de-AT" dirty="0" err="1" smtClean="0"/>
+              <a:t>as</a:t>
+            </a:r>
+            <a:r>
+              <a:rPr lang="de-AT" dirty="0" smtClean="0"/>
+              <a:t> 1:1 </a:t>
+            </a:r>
+            <a:r>
+              <a:rPr lang="de-AT" dirty="0" err="1" smtClean="0"/>
+              <a:t>relation</a:t>
+            </a:r>
+            <a:endParaRPr lang="de-AT" dirty="0" smtClean="0"/>
+          </a:p>
+          <a:p>
+            <a:pPr lvl="1"/>
+            <a:endParaRPr lang="de-AT" dirty="0" smtClean="0"/>
+          </a:p>
+          <a:p>
+            <a:pPr lvl="1"/>
+            <a:endParaRPr lang="de-AT" dirty="0"/>
+          </a:p>
+        </p:txBody>
+      </p:sp>
+      <p:pic>
+        <p:nvPicPr>
+          <p:cNvPr id="4" name="Picture 2"/>
+          <p:cNvPicPr>
+            <a:picLocks noChangeAspect="1" noChangeArrowheads="1"/>
+          </p:cNvPicPr>
+          <p:nvPr/>
+        </p:nvPicPr>
+        <p:blipFill>
+          <a:blip r:embed="rId2">
+            <a:extLst>
+              <a:ext uri="{28A0092B-C50C-407E-A947-70E740481C1C}">
+                <a14:useLocalDpi xmlns:a14="http://schemas.microsoft.com/office/drawing/2010/main" val="0"/>
+              </a:ext>
+            </a:extLst>
+          </a:blip>
+          <a:srcRect/>
+          <a:stretch>
+            <a:fillRect/>
+          </a:stretch>
+        </p:blipFill>
+        <p:spPr bwMode="auto">
+          <a:xfrm>
+            <a:off x="393837" y="2954013"/>
+            <a:ext cx="3003514" cy="3511151"/>
+          </a:xfrm>
+          <a:prstGeom prst="rect">
+            <a:avLst/>
+          </a:prstGeom>
+          <a:noFill/>
+          <a:ln>
+            <a:noFill/>
+          </a:ln>
+          <a:effectLst/>
+          <a:extLst>
+            <a:ext uri="{909E8E84-426E-40DD-AFC4-6F175D3DCCD1}">
+              <a14:hiddenFill xmlns:a14="http://schemas.microsoft.com/office/drawing/2010/main">
+                <a:solidFill>
+                  <a:schemeClr val="accent1"/>
+                </a:solidFill>
+              </a14:hiddenFill>
+            </a:ext>
+            <a:ext uri="{91240B29-F687-4F45-9708-019B960494DF}">
+              <a14:hiddenLine xmlns:a14="http://schemas.microsoft.com/office/drawing/2010/main" w="9525">
+                <a:solidFill>
+                  <a:schemeClr val="tx1"/>
+                </a:solidFill>
+                <a:miter lim="800000"/>
+                <a:headEnd/>
+                <a:tailEnd/>
+              </a14:hiddenLine>
+            </a:ext>
+            <a:ext uri="{AF507438-7753-43E0-B8FC-AC1667EBCBE1}">
+              <a14:hiddenEffects xmlns:a14="http://schemas.microsoft.com/office/drawing/2010/main">
+                <a:effectLst>
+                  <a:outerShdw dist="35921" dir="2700000" algn="ctr" rotWithShape="0">
+                    <a:schemeClr val="bg2"/>
+                  </a:outerShdw>
+                </a:effectLst>
+              </a14:hiddenEffects>
+            </a:ext>
+          </a:extLst>
+        </p:spPr>
+      </p:pic>
+      <p:pic>
+        <p:nvPicPr>
+          <p:cNvPr id="4097" name="Picture 1"/>
+          <p:cNvPicPr>
+            <a:picLocks noChangeAspect="1" noChangeArrowheads="1"/>
+          </p:cNvPicPr>
+          <p:nvPr/>
+        </p:nvPicPr>
+        <p:blipFill>
+          <a:blip r:embed="rId3">
+            <a:extLst>
+              <a:ext uri="{28A0092B-C50C-407E-A947-70E740481C1C}">
+                <a14:useLocalDpi xmlns:a14="http://schemas.microsoft.com/office/drawing/2010/main" val="0"/>
+              </a:ext>
+            </a:extLst>
+          </a:blip>
+          <a:srcRect/>
+          <a:stretch>
+            <a:fillRect/>
+          </a:stretch>
+        </p:blipFill>
+        <p:spPr bwMode="auto">
+          <a:xfrm>
+            <a:off x="4716016" y="2695052"/>
+            <a:ext cx="3629025" cy="4029075"/>
+          </a:xfrm>
+          <a:prstGeom prst="rect">
+            <a:avLst/>
+          </a:prstGeom>
+          <a:noFill/>
+          <a:ln>
+            <a:noFill/>
+          </a:ln>
+          <a:extLst>
+            <a:ext uri="{909E8E84-426E-40DD-AFC4-6F175D3DCCD1}">
+              <a14:hiddenFill xmlns:a14="http://schemas.microsoft.com/office/drawing/2010/main">
+                <a:solidFill>
+                  <a:schemeClr val="accent1"/>
+                </a:solidFill>
+              </a14:hiddenFill>
+            </a:ext>
+            <a:ext uri="{91240B29-F687-4F45-9708-019B960494DF}">
+              <a14:hiddenLine xmlns:a14="http://schemas.microsoft.com/office/drawing/2010/main" w="9525">
+                <a:solidFill>
+                  <a:schemeClr val="tx1"/>
+                </a:solidFill>
+                <a:miter lim="800000"/>
+                <a:headEnd/>
+                <a:tailEnd/>
+              </a14:hiddenLine>
+            </a:ext>
+          </a:extLst>
+        </p:spPr>
+      </p:pic>
+    </p:spTree>
+    <p:extLst>
+      <p:ext uri="{BB962C8B-B14F-4D97-AF65-F5344CB8AC3E}">
+        <p14:creationId xmlns:p14="http://schemas.microsoft.com/office/powerpoint/2010/main" val="2285351819"/>
+      </p:ext>
+    </p:extLst>
+  </p:cSld>
+  <p:clrMapOvr>
+    <a:masterClrMapping/>
+  </p:clrMapOvr>
+  <p:timing>
+    <p:tnLst>
+      <p:par>
+        <p:cTn id="1" dur="indefinite" restart="never" nodeType="tmRoot"/>
+      </p:par>
+    </p:tnLst>
+  </p:timing>
+</p:sld>
+</file>
+
+<file path=ppt/slides/slide16.xml><?xml version="1.0" encoding="utf-8"?>
+<p:sld xmlns:a="http://schemas.openxmlformats.org/drawingml/2006/main" xmlns:r="http://schemas.openxmlformats.org/officeDocument/2006/relationships" xmlns:p="http://schemas.openxmlformats.org/presentationml/2006/main">
+  <p:cSld>
+    <p:spTree>
+      <p:nvGrpSpPr>
+        <p:cNvPr id="1" name=""/>
+        <p:cNvGrpSpPr/>
+        <p:nvPr/>
+      </p:nvGrpSpPr>
+      <p:grpSpPr>
+        <a:xfrm>
+          <a:off x="0" y="0"/>
+          <a:ext cx="0" cy="0"/>
+          <a:chOff x="0" y="0"/>
+          <a:chExt cx="0" cy="0"/>
+        </a:xfrm>
+      </p:grpSpPr>
+      <p:sp>
+        <p:nvSpPr>
+          <p:cNvPr id="2" name="Titel 1"/>
+          <p:cNvSpPr>
+            <a:spLocks noGrp="1"/>
+          </p:cNvSpPr>
+          <p:nvPr>
+            <p:ph type="title"/>
+          </p:nvPr>
+        </p:nvSpPr>
+        <p:spPr/>
+        <p:txBody>
+          <a:bodyPr/>
+          <a:lstStyle/>
+          <a:p>
+            <a:r>
+              <a:rPr lang="de-AT" dirty="0" err="1" smtClean="0"/>
+              <a:t>Which</a:t>
+            </a:r>
+            <a:r>
+              <a:rPr lang="de-AT" dirty="0" smtClean="0"/>
+              <a:t> </a:t>
+            </a:r>
+            <a:r>
+              <a:rPr lang="de-AT" dirty="0" err="1" smtClean="0"/>
+              <a:t>Flattening</a:t>
+            </a:r>
+            <a:r>
+              <a:rPr lang="de-AT" dirty="0" smtClean="0"/>
+              <a:t> </a:t>
+            </a:r>
+            <a:r>
+              <a:rPr lang="de-AT" dirty="0" err="1" smtClean="0"/>
+              <a:t>Strategy</a:t>
+            </a:r>
+            <a:r>
+              <a:rPr lang="de-AT" dirty="0" smtClean="0"/>
+              <a:t>?</a:t>
+            </a:r>
+            <a:endParaRPr lang="de-AT" dirty="0"/>
+          </a:p>
+        </p:txBody>
+      </p:sp>
+      <p:sp>
+        <p:nvSpPr>
+          <p:cNvPr id="3" name="Inhaltsplatzhalter 2"/>
+          <p:cNvSpPr>
+            <a:spLocks noGrp="1"/>
+          </p:cNvSpPr>
+          <p:nvPr>
+            <p:ph sz="quarter" idx="1"/>
+          </p:nvPr>
+        </p:nvSpPr>
+        <p:spPr/>
+        <p:txBody>
+          <a:bodyPr>
+            <a:normAutofit fontScale="92500" lnSpcReduction="20000"/>
+          </a:bodyPr>
+          <a:lstStyle/>
+          <a:p>
+            <a:pPr marL="514350" indent="-514350">
+              <a:buFont typeface="+mj-lt"/>
+              <a:buAutoNum type="arabicPeriod"/>
+            </a:pPr>
+            <a:r>
+              <a:rPr lang="de-AT" dirty="0" err="1" smtClean="0"/>
+              <a:t>Two</a:t>
+            </a:r>
+            <a:r>
+              <a:rPr lang="de-AT" dirty="0" smtClean="0"/>
+              <a:t> </a:t>
+            </a:r>
+            <a:r>
+              <a:rPr lang="de-AT" dirty="0" err="1" smtClean="0"/>
+              <a:t>operation</a:t>
+            </a:r>
+            <a:r>
+              <a:rPr lang="de-AT" dirty="0" smtClean="0"/>
+              <a:t> </a:t>
+            </a:r>
+            <a:r>
+              <a:rPr lang="de-AT" dirty="0" err="1" smtClean="0"/>
+              <a:t>sets</a:t>
+            </a:r>
+            <a:endParaRPr lang="de-AT" dirty="0" smtClean="0"/>
+          </a:p>
+          <a:p>
+            <a:pPr marL="914400" lvl="1" indent="-514350"/>
+            <a:r>
+              <a:rPr lang="de-AT" sz="1900" dirty="0" smtClean="0"/>
+              <a:t>S1 </a:t>
+            </a:r>
+            <a:r>
+              <a:rPr lang="de-AT" sz="1900" dirty="0" err="1" smtClean="0"/>
+              <a:t>set</a:t>
+            </a:r>
+            <a:r>
+              <a:rPr lang="de-AT" sz="1900" dirty="0" smtClean="0"/>
+              <a:t> </a:t>
+            </a:r>
+            <a:r>
+              <a:rPr lang="de-AT" sz="1900" dirty="0" err="1" smtClean="0"/>
+              <a:t>of</a:t>
+            </a:r>
+            <a:r>
+              <a:rPr lang="de-AT" sz="1900" dirty="0" smtClean="0"/>
+              <a:t> </a:t>
+            </a:r>
+            <a:r>
+              <a:rPr lang="de-AT" sz="1900" dirty="0" err="1" smtClean="0"/>
+              <a:t>operations</a:t>
+            </a:r>
+            <a:r>
+              <a:rPr lang="de-AT" sz="1900" dirty="0" smtClean="0"/>
+              <a:t>, </a:t>
+            </a:r>
+            <a:r>
+              <a:rPr lang="de-AT" sz="1900" dirty="0" err="1" smtClean="0"/>
+              <a:t>which</a:t>
+            </a:r>
+            <a:r>
+              <a:rPr lang="de-AT" sz="1900" dirty="0" smtClean="0"/>
+              <a:t> </a:t>
+            </a:r>
+            <a:r>
+              <a:rPr lang="de-AT" sz="1900" dirty="0" err="1" smtClean="0"/>
+              <a:t>access</a:t>
+            </a:r>
+            <a:r>
+              <a:rPr lang="de-AT" sz="1900" dirty="0" smtClean="0"/>
+              <a:t> </a:t>
+            </a:r>
+            <a:r>
+              <a:rPr lang="de-AT" sz="1900" dirty="0" err="1" smtClean="0"/>
+              <a:t>attributes</a:t>
+            </a:r>
+            <a:r>
+              <a:rPr lang="de-AT" sz="1900" dirty="0" smtClean="0"/>
+              <a:t> </a:t>
+            </a:r>
+            <a:r>
+              <a:rPr lang="de-AT" sz="1900" dirty="0" err="1" smtClean="0"/>
+              <a:t>of</a:t>
+            </a:r>
+            <a:r>
+              <a:rPr lang="de-AT" sz="1900" dirty="0" smtClean="0"/>
+              <a:t> </a:t>
+            </a:r>
+            <a:r>
+              <a:rPr lang="de-AT" sz="1900" dirty="0" err="1" smtClean="0"/>
+              <a:t>the</a:t>
+            </a:r>
+            <a:r>
+              <a:rPr lang="de-AT" sz="1900" dirty="0" smtClean="0"/>
+              <a:t> super-</a:t>
+            </a:r>
+            <a:r>
+              <a:rPr lang="de-AT" sz="1900" dirty="0" err="1" smtClean="0"/>
+              <a:t>class</a:t>
+            </a:r>
+            <a:endParaRPr lang="de-AT" sz="1900" dirty="0" smtClean="0"/>
+          </a:p>
+          <a:p>
+            <a:pPr marL="914400" lvl="1" indent="-514350"/>
+            <a:r>
+              <a:rPr lang="de-AT" sz="1900" dirty="0" smtClean="0"/>
+              <a:t>S2 </a:t>
+            </a:r>
+            <a:r>
+              <a:rPr lang="de-AT" sz="1900" dirty="0" err="1" smtClean="0"/>
+              <a:t>set</a:t>
+            </a:r>
+            <a:r>
+              <a:rPr lang="de-AT" sz="1900" dirty="0" smtClean="0"/>
+              <a:t> </a:t>
+            </a:r>
+            <a:r>
+              <a:rPr lang="de-AT" sz="1900" dirty="0" err="1" smtClean="0"/>
+              <a:t>of</a:t>
+            </a:r>
+            <a:r>
+              <a:rPr lang="de-AT" sz="1900" dirty="0" smtClean="0"/>
+              <a:t> </a:t>
+            </a:r>
+            <a:r>
+              <a:rPr lang="de-AT" sz="1900" dirty="0" err="1" smtClean="0"/>
+              <a:t>operations</a:t>
+            </a:r>
+            <a:r>
+              <a:rPr lang="de-AT" sz="1900" dirty="0" smtClean="0"/>
+              <a:t>, </a:t>
+            </a:r>
+            <a:r>
+              <a:rPr lang="de-AT" sz="1900" dirty="0" err="1" smtClean="0"/>
+              <a:t>which</a:t>
+            </a:r>
+            <a:r>
+              <a:rPr lang="de-AT" sz="1900" dirty="0" smtClean="0"/>
+              <a:t> </a:t>
+            </a:r>
+            <a:r>
+              <a:rPr lang="de-AT" sz="1900" dirty="0" err="1" smtClean="0"/>
+              <a:t>access</a:t>
+            </a:r>
+            <a:r>
+              <a:rPr lang="de-AT" sz="1900" dirty="0" smtClean="0"/>
+              <a:t> </a:t>
+            </a:r>
+            <a:r>
+              <a:rPr lang="de-AT" sz="1900" dirty="0" err="1" smtClean="0"/>
+              <a:t>attributes</a:t>
+            </a:r>
+            <a:r>
+              <a:rPr lang="de-AT" sz="1900" dirty="0" smtClean="0"/>
+              <a:t> </a:t>
+            </a:r>
+            <a:r>
+              <a:rPr lang="de-AT" sz="1900" dirty="0" err="1" smtClean="0"/>
+              <a:t>of</a:t>
+            </a:r>
+            <a:r>
+              <a:rPr lang="de-AT" sz="1900" dirty="0" smtClean="0"/>
+              <a:t> super-</a:t>
+            </a:r>
+            <a:r>
+              <a:rPr lang="de-AT" sz="1900" dirty="0" err="1" smtClean="0"/>
+              <a:t>class</a:t>
+            </a:r>
+            <a:r>
+              <a:rPr lang="de-AT" sz="1900" dirty="0" smtClean="0"/>
+              <a:t> </a:t>
+            </a:r>
+            <a:r>
+              <a:rPr lang="de-AT" sz="1900" dirty="0" err="1" smtClean="0"/>
+              <a:t>and</a:t>
+            </a:r>
+            <a:r>
+              <a:rPr lang="de-AT" sz="1900" dirty="0" smtClean="0"/>
+              <a:t> </a:t>
+            </a:r>
+            <a:r>
+              <a:rPr lang="de-AT" sz="1900" dirty="0" err="1" smtClean="0"/>
+              <a:t>one</a:t>
+            </a:r>
+            <a:r>
+              <a:rPr lang="de-AT" sz="1900" dirty="0" smtClean="0"/>
+              <a:t> sub-</a:t>
+            </a:r>
+            <a:r>
+              <a:rPr lang="de-AT" sz="1900" dirty="0" err="1" smtClean="0"/>
+              <a:t>class</a:t>
+            </a:r>
+            <a:endParaRPr lang="de-AT" sz="1900" dirty="0" smtClean="0"/>
+          </a:p>
+          <a:p>
+            <a:pPr marL="514350" indent="-514350">
+              <a:buFont typeface="+mj-lt"/>
+              <a:buAutoNum type="arabicPeriod"/>
+            </a:pPr>
+            <a:r>
+              <a:rPr lang="de-AT" dirty="0" err="1" smtClean="0"/>
+              <a:t>Calculate</a:t>
+            </a:r>
+            <a:r>
+              <a:rPr lang="de-AT" dirty="0" smtClean="0"/>
+              <a:t> </a:t>
+            </a:r>
+            <a:r>
+              <a:rPr lang="de-AT" dirty="0" err="1" smtClean="0"/>
+              <a:t>access</a:t>
+            </a:r>
+            <a:r>
+              <a:rPr lang="de-AT" dirty="0" smtClean="0"/>
+              <a:t> </a:t>
+            </a:r>
+            <a:r>
+              <a:rPr lang="de-AT" dirty="0" err="1" smtClean="0"/>
+              <a:t>counts</a:t>
+            </a:r>
+            <a:r>
+              <a:rPr lang="de-AT" dirty="0" smtClean="0"/>
+              <a:t> </a:t>
+            </a:r>
+            <a:r>
+              <a:rPr lang="de-AT" dirty="0" err="1" smtClean="0"/>
+              <a:t>for</a:t>
+            </a:r>
+            <a:r>
+              <a:rPr lang="de-AT" dirty="0" smtClean="0"/>
+              <a:t> S1 </a:t>
+            </a:r>
+            <a:r>
+              <a:rPr lang="de-AT" dirty="0" err="1" smtClean="0"/>
+              <a:t>and</a:t>
+            </a:r>
+            <a:r>
+              <a:rPr lang="de-AT" dirty="0" smtClean="0"/>
+              <a:t> S2</a:t>
+            </a:r>
+          </a:p>
+          <a:p>
+            <a:pPr marL="514350" indent="-514350">
+              <a:buFont typeface="+mj-lt"/>
+              <a:buAutoNum type="arabicPeriod"/>
+            </a:pPr>
+            <a:r>
+              <a:rPr lang="de-AT" dirty="0" err="1" smtClean="0"/>
+              <a:t>Decide</a:t>
+            </a:r>
+            <a:endParaRPr lang="de-AT" dirty="0" smtClean="0"/>
+          </a:p>
+          <a:p>
+            <a:pPr marL="400050" lvl="1" indent="0">
+              <a:buNone/>
+            </a:pPr>
+            <a:r>
+              <a:rPr lang="de-AT" dirty="0" err="1" smtClean="0"/>
+              <a:t>if</a:t>
+            </a:r>
+            <a:r>
+              <a:rPr lang="de-AT" dirty="0" smtClean="0"/>
+              <a:t> S2 </a:t>
+            </a:r>
+            <a:r>
+              <a:rPr lang="de-AT" dirty="0" err="1" smtClean="0"/>
+              <a:t>dominates</a:t>
+            </a:r>
+            <a:r>
+              <a:rPr lang="de-AT" dirty="0" smtClean="0"/>
+              <a:t> </a:t>
+            </a:r>
+            <a:r>
+              <a:rPr lang="de-AT" dirty="0" smtClean="0">
+                <a:sym typeface="Wingdings" panose="05000000000000000000" pitchFamily="2" charset="2"/>
+              </a:rPr>
+              <a:t> </a:t>
+            </a:r>
+            <a:r>
+              <a:rPr lang="de-AT" dirty="0" err="1" smtClean="0">
+                <a:sym typeface="Wingdings" panose="05000000000000000000" pitchFamily="2" charset="2"/>
+              </a:rPr>
+              <a:t>floor</a:t>
+            </a:r>
+            <a:endParaRPr lang="de-AT" dirty="0" smtClean="0">
+              <a:sym typeface="Wingdings" panose="05000000000000000000" pitchFamily="2" charset="2"/>
+            </a:endParaRPr>
+          </a:p>
+          <a:p>
+            <a:pPr marL="400050" lvl="1" indent="0">
+              <a:buNone/>
+            </a:pPr>
+            <a:r>
+              <a:rPr lang="de-AT" dirty="0" err="1" smtClean="0">
+                <a:sym typeface="Wingdings" panose="05000000000000000000" pitchFamily="2" charset="2"/>
+              </a:rPr>
+              <a:t>else</a:t>
+            </a:r>
+            <a:r>
+              <a:rPr lang="de-AT" dirty="0" smtClean="0">
+                <a:sym typeface="Wingdings" panose="05000000000000000000" pitchFamily="2" charset="2"/>
+              </a:rPr>
+              <a:t> </a:t>
+            </a:r>
+            <a:r>
+              <a:rPr lang="de-AT" dirty="0" err="1" smtClean="0">
+                <a:sym typeface="Wingdings" panose="05000000000000000000" pitchFamily="2" charset="2"/>
+              </a:rPr>
+              <a:t>analyse</a:t>
+            </a:r>
+            <a:r>
+              <a:rPr lang="de-AT" dirty="0" smtClean="0">
+                <a:sym typeface="Wingdings" panose="05000000000000000000" pitchFamily="2" charset="2"/>
+              </a:rPr>
+              <a:t> </a:t>
+            </a:r>
+            <a:r>
+              <a:rPr lang="de-AT" dirty="0" err="1" smtClean="0">
+                <a:sym typeface="Wingdings" panose="05000000000000000000" pitchFamily="2" charset="2"/>
+              </a:rPr>
+              <a:t>data</a:t>
+            </a:r>
+            <a:r>
+              <a:rPr lang="de-AT" dirty="0" smtClean="0">
+                <a:sym typeface="Wingdings" panose="05000000000000000000" pitchFamily="2" charset="2"/>
+              </a:rPr>
+              <a:t> </a:t>
+            </a:r>
+            <a:r>
+              <a:rPr lang="de-AT" dirty="0" err="1" smtClean="0">
+                <a:sym typeface="Wingdings" panose="05000000000000000000" pitchFamily="2" charset="2"/>
+              </a:rPr>
+              <a:t>manipulation</a:t>
+            </a:r>
+            <a:r>
+              <a:rPr lang="de-AT" dirty="0" smtClean="0">
+                <a:sym typeface="Wingdings" panose="05000000000000000000" pitchFamily="2" charset="2"/>
+              </a:rPr>
+              <a:t> </a:t>
+            </a:r>
+            <a:r>
+              <a:rPr lang="de-AT" dirty="0" err="1" smtClean="0">
+                <a:sym typeface="Wingdings" panose="05000000000000000000" pitchFamily="2" charset="2"/>
+              </a:rPr>
+              <a:t>operations</a:t>
+            </a:r>
+            <a:endParaRPr lang="de-AT" dirty="0" smtClean="0">
+              <a:sym typeface="Wingdings" panose="05000000000000000000" pitchFamily="2" charset="2"/>
+            </a:endParaRPr>
+          </a:p>
+          <a:p>
+            <a:pPr marL="400050" lvl="1" indent="0">
+              <a:buNone/>
+            </a:pPr>
+            <a:r>
+              <a:rPr lang="de-AT" dirty="0">
+                <a:sym typeface="Wingdings" panose="05000000000000000000" pitchFamily="2" charset="2"/>
+              </a:rPr>
+              <a:t>	</a:t>
+            </a:r>
+            <a:r>
+              <a:rPr lang="de-AT" dirty="0" err="1" smtClean="0">
+                <a:sym typeface="Wingdings" panose="05000000000000000000" pitchFamily="2" charset="2"/>
+              </a:rPr>
+              <a:t>if</a:t>
+            </a:r>
+            <a:r>
+              <a:rPr lang="de-AT" dirty="0" smtClean="0">
+                <a:sym typeface="Wingdings" panose="05000000000000000000" pitchFamily="2" charset="2"/>
+              </a:rPr>
+              <a:t> </a:t>
+            </a:r>
+            <a:r>
+              <a:rPr lang="de-AT" dirty="0" err="1" smtClean="0">
+                <a:sym typeface="Wingdings" panose="05000000000000000000" pitchFamily="2" charset="2"/>
+              </a:rPr>
+              <a:t>domination</a:t>
+            </a:r>
+            <a:r>
+              <a:rPr lang="de-AT" dirty="0" smtClean="0">
+                <a:sym typeface="Wingdings" panose="05000000000000000000" pitchFamily="2" charset="2"/>
+              </a:rPr>
+              <a:t> </a:t>
+            </a:r>
+            <a:r>
+              <a:rPr lang="de-AT" dirty="0" err="1" smtClean="0">
+                <a:sym typeface="Wingdings" panose="05000000000000000000" pitchFamily="2" charset="2"/>
+              </a:rPr>
+              <a:t>of</a:t>
+            </a:r>
+            <a:r>
+              <a:rPr lang="de-AT" dirty="0" smtClean="0">
+                <a:sym typeface="Wingdings" panose="05000000000000000000" pitchFamily="2" charset="2"/>
+              </a:rPr>
+              <a:t> </a:t>
+            </a:r>
+            <a:r>
+              <a:rPr lang="de-AT" dirty="0" err="1" smtClean="0">
+                <a:sym typeface="Wingdings" panose="05000000000000000000" pitchFamily="2" charset="2"/>
+              </a:rPr>
+              <a:t>operations</a:t>
+            </a:r>
+            <a:r>
+              <a:rPr lang="de-AT" dirty="0" smtClean="0">
+                <a:sym typeface="Wingdings" panose="05000000000000000000" pitchFamily="2" charset="2"/>
+              </a:rPr>
+              <a:t> </a:t>
+            </a:r>
+            <a:r>
+              <a:rPr lang="de-AT" dirty="0" err="1" smtClean="0">
+                <a:sym typeface="Wingdings" panose="05000000000000000000" pitchFamily="2" charset="2"/>
+              </a:rPr>
+              <a:t>that</a:t>
+            </a:r>
+            <a:r>
+              <a:rPr lang="de-AT" dirty="0" smtClean="0">
+                <a:sym typeface="Wingdings" panose="05000000000000000000" pitchFamily="2" charset="2"/>
+              </a:rPr>
+              <a:t> ..</a:t>
+            </a:r>
+          </a:p>
+          <a:p>
+            <a:pPr marL="400050" lvl="1" indent="0">
+              <a:buNone/>
+            </a:pPr>
+            <a:r>
+              <a:rPr lang="de-AT" dirty="0">
+                <a:sym typeface="Wingdings" panose="05000000000000000000" pitchFamily="2" charset="2"/>
+              </a:rPr>
+              <a:t>	</a:t>
+            </a:r>
+            <a:r>
+              <a:rPr lang="de-AT" dirty="0" smtClean="0">
+                <a:sym typeface="Wingdings" panose="05000000000000000000" pitchFamily="2" charset="2"/>
+              </a:rPr>
+              <a:t>    </a:t>
+            </a:r>
+            <a:r>
+              <a:rPr lang="de-AT" sz="2600" dirty="0" smtClean="0">
+                <a:sym typeface="Wingdings" panose="05000000000000000000" pitchFamily="2" charset="2"/>
+              </a:rPr>
+              <a:t>..</a:t>
+            </a:r>
+            <a:r>
+              <a:rPr lang="de-AT" sz="2600" dirty="0" err="1" smtClean="0">
+                <a:sym typeface="Wingdings" panose="05000000000000000000" pitchFamily="2" charset="2"/>
+              </a:rPr>
+              <a:t>access</a:t>
+            </a:r>
+            <a:r>
+              <a:rPr lang="de-AT" sz="2600" dirty="0" smtClean="0">
+                <a:sym typeface="Wingdings" panose="05000000000000000000" pitchFamily="2" charset="2"/>
+              </a:rPr>
+              <a:t> </a:t>
+            </a:r>
+            <a:r>
+              <a:rPr lang="de-AT" sz="2600" dirty="0" err="1" smtClean="0">
+                <a:sym typeface="Wingdings" panose="05000000000000000000" pitchFamily="2" charset="2"/>
+              </a:rPr>
+              <a:t>attributes</a:t>
+            </a:r>
+            <a:r>
+              <a:rPr lang="de-AT" sz="2600" dirty="0" smtClean="0">
+                <a:sym typeface="Wingdings" panose="05000000000000000000" pitchFamily="2" charset="2"/>
+              </a:rPr>
+              <a:t> </a:t>
+            </a:r>
+            <a:r>
+              <a:rPr lang="de-AT" sz="2600" dirty="0" err="1" smtClean="0">
+                <a:sym typeface="Wingdings" panose="05000000000000000000" pitchFamily="2" charset="2"/>
+              </a:rPr>
+              <a:t>of</a:t>
+            </a:r>
+            <a:r>
+              <a:rPr lang="de-AT" sz="2600" dirty="0" smtClean="0">
+                <a:sym typeface="Wingdings" panose="05000000000000000000" pitchFamily="2" charset="2"/>
+              </a:rPr>
+              <a:t> </a:t>
+            </a:r>
+            <a:r>
+              <a:rPr lang="de-AT" sz="2600" dirty="0" err="1" smtClean="0">
+                <a:sym typeface="Wingdings" panose="05000000000000000000" pitchFamily="2" charset="2"/>
+              </a:rPr>
+              <a:t>both</a:t>
+            </a:r>
+            <a:r>
+              <a:rPr lang="de-AT" sz="2600" dirty="0" smtClean="0">
+                <a:sym typeface="Wingdings" panose="05000000000000000000" pitchFamily="2" charset="2"/>
+              </a:rPr>
+              <a:t> super- </a:t>
+            </a:r>
+            <a:r>
+              <a:rPr lang="de-AT" sz="2600" dirty="0" err="1" smtClean="0">
+                <a:sym typeface="Wingdings" panose="05000000000000000000" pitchFamily="2" charset="2"/>
+              </a:rPr>
+              <a:t>and</a:t>
+            </a:r>
+            <a:r>
+              <a:rPr lang="de-AT" sz="2600" dirty="0" smtClean="0">
+                <a:sym typeface="Wingdings" panose="05000000000000000000" pitchFamily="2" charset="2"/>
+              </a:rPr>
+              <a:t> sub-</a:t>
+            </a:r>
+            <a:r>
+              <a:rPr lang="de-AT" sz="2600" dirty="0" err="1" smtClean="0">
+                <a:sym typeface="Wingdings" panose="05000000000000000000" pitchFamily="2" charset="2"/>
+              </a:rPr>
+              <a:t>class</a:t>
+            </a:r>
+            <a:r>
+              <a:rPr lang="de-AT" sz="2600" dirty="0" smtClean="0">
+                <a:sym typeface="Wingdings" panose="05000000000000000000" pitchFamily="2" charset="2"/>
+              </a:rPr>
+              <a:t>  </a:t>
+            </a:r>
+            <a:r>
+              <a:rPr lang="de-AT" sz="2600" dirty="0" err="1" smtClean="0">
+                <a:sym typeface="Wingdings" panose="05000000000000000000" pitchFamily="2" charset="2"/>
+              </a:rPr>
+              <a:t>ceiling</a:t>
+            </a:r>
+            <a:endParaRPr lang="de-AT" sz="2600" dirty="0" smtClean="0">
+              <a:sym typeface="Wingdings" panose="05000000000000000000" pitchFamily="2" charset="2"/>
+            </a:endParaRPr>
+          </a:p>
+          <a:p>
+            <a:pPr marL="400050" lvl="1" indent="0">
+              <a:buNone/>
+            </a:pPr>
+            <a:r>
+              <a:rPr lang="de-AT" sz="2600" dirty="0">
+                <a:sym typeface="Wingdings" panose="05000000000000000000" pitchFamily="2" charset="2"/>
+              </a:rPr>
+              <a:t>	 </a:t>
+            </a:r>
+            <a:r>
+              <a:rPr lang="de-AT" sz="2600" dirty="0" smtClean="0">
+                <a:sym typeface="Wingdings" panose="05000000000000000000" pitchFamily="2" charset="2"/>
+              </a:rPr>
+              <a:t>   ..</a:t>
+            </a:r>
+            <a:r>
+              <a:rPr lang="de-AT" sz="2600" dirty="0" err="1" smtClean="0">
+                <a:sym typeface="Wingdings" panose="05000000000000000000" pitchFamily="2" charset="2"/>
+              </a:rPr>
+              <a:t>access</a:t>
+            </a:r>
+            <a:r>
+              <a:rPr lang="de-AT" sz="2600" dirty="0" smtClean="0">
+                <a:sym typeface="Wingdings" panose="05000000000000000000" pitchFamily="2" charset="2"/>
+              </a:rPr>
+              <a:t> </a:t>
+            </a:r>
+            <a:r>
+              <a:rPr lang="de-AT" sz="2600" dirty="0" err="1" smtClean="0">
+                <a:sym typeface="Wingdings" panose="05000000000000000000" pitchFamily="2" charset="2"/>
+              </a:rPr>
+              <a:t>attributes</a:t>
+            </a:r>
+            <a:r>
+              <a:rPr lang="de-AT" sz="2600" dirty="0" smtClean="0">
+                <a:sym typeface="Wingdings" panose="05000000000000000000" pitchFamily="2" charset="2"/>
+              </a:rPr>
+              <a:t> </a:t>
+            </a:r>
+            <a:r>
+              <a:rPr lang="de-AT" sz="2600" dirty="0" err="1" smtClean="0">
+                <a:sym typeface="Wingdings" panose="05000000000000000000" pitchFamily="2" charset="2"/>
+              </a:rPr>
+              <a:t>of</a:t>
+            </a:r>
+            <a:r>
+              <a:rPr lang="de-AT" sz="2600" dirty="0" smtClean="0">
+                <a:sym typeface="Wingdings" panose="05000000000000000000" pitchFamily="2" charset="2"/>
+              </a:rPr>
+              <a:t> </a:t>
+            </a:r>
+            <a:r>
+              <a:rPr lang="de-AT" sz="2600" dirty="0" err="1" smtClean="0">
+                <a:sym typeface="Wingdings" panose="05000000000000000000" pitchFamily="2" charset="2"/>
+              </a:rPr>
+              <a:t>either</a:t>
+            </a:r>
+            <a:r>
+              <a:rPr lang="de-AT" sz="2600" dirty="0" smtClean="0">
+                <a:sym typeface="Wingdings" panose="05000000000000000000" pitchFamily="2" charset="2"/>
+              </a:rPr>
+              <a:t> super- </a:t>
+            </a:r>
+            <a:r>
+              <a:rPr lang="de-AT" sz="2600" dirty="0" err="1" smtClean="0">
+                <a:sym typeface="Wingdings" panose="05000000000000000000" pitchFamily="2" charset="2"/>
+              </a:rPr>
+              <a:t>or</a:t>
+            </a:r>
+            <a:r>
+              <a:rPr lang="de-AT" sz="2600" dirty="0" smtClean="0">
+                <a:sym typeface="Wingdings" panose="05000000000000000000" pitchFamily="2" charset="2"/>
+              </a:rPr>
+              <a:t> sub-</a:t>
+            </a:r>
+            <a:r>
+              <a:rPr lang="de-AT" sz="2600" dirty="0" err="1" smtClean="0">
+                <a:sym typeface="Wingdings" panose="05000000000000000000" pitchFamily="2" charset="2"/>
+              </a:rPr>
+              <a:t>class</a:t>
+            </a:r>
+            <a:r>
+              <a:rPr lang="de-AT" sz="2600" dirty="0" smtClean="0">
+                <a:sym typeface="Wingdings" panose="05000000000000000000" pitchFamily="2" charset="2"/>
+              </a:rPr>
+              <a:t>  </a:t>
+            </a:r>
+            <a:r>
+              <a:rPr lang="de-AT" sz="2600" dirty="0" err="1" smtClean="0">
+                <a:sym typeface="Wingdings" panose="05000000000000000000" pitchFamily="2" charset="2"/>
+              </a:rPr>
+              <a:t>cohesion</a:t>
+            </a:r>
+            <a:endParaRPr lang="de-AT" sz="2600" dirty="0" smtClean="0">
+              <a:sym typeface="Wingdings" panose="05000000000000000000" pitchFamily="2" charset="2"/>
+            </a:endParaRPr>
+          </a:p>
+        </p:txBody>
+      </p:sp>
+    </p:spTree>
+    <p:extLst>
+      <p:ext uri="{BB962C8B-B14F-4D97-AF65-F5344CB8AC3E}">
+        <p14:creationId xmlns:p14="http://schemas.microsoft.com/office/powerpoint/2010/main" val="1393091644"/>
+      </p:ext>
+    </p:extLst>
+  </p:cSld>
+  <p:clrMapOvr>
+    <a:masterClrMapping/>
+  </p:clrMapOvr>
+  <p:timing>
+    <p:tnLst>
+      <p:par>
+        <p:cTn id="1" dur="indefinite" restart="never" nodeType="tmRoot"/>
+      </p:par>
+    </p:tnLst>
+  </p:timing>
+</p:sld>
+</file>
+
+<file path=ppt/slides/slide17.xml><?xml version="1.0" encoding="utf-8"?>
+<p:sld xmlns:a="http://schemas.openxmlformats.org/drawingml/2006/main" xmlns:r="http://schemas.openxmlformats.org/officeDocument/2006/relationships" xmlns:p="http://schemas.openxmlformats.org/presentationml/2006/main">
+  <p:cSld>
+    <p:spTree>
+      <p:nvGrpSpPr>
+        <p:cNvPr id="1" name=""/>
+        <p:cNvGrpSpPr/>
+        <p:nvPr/>
+      </p:nvGrpSpPr>
+      <p:grpSpPr>
+        <a:xfrm>
+          <a:off x="0" y="0"/>
+          <a:ext cx="0" cy="0"/>
+          <a:chOff x="0" y="0"/>
+          <a:chExt cx="0" cy="0"/>
+        </a:xfrm>
+      </p:grpSpPr>
+      <p:sp>
+        <p:nvSpPr>
+          <p:cNvPr id="2" name="Titel 1"/>
+          <p:cNvSpPr>
+            <a:spLocks noGrp="1"/>
+          </p:cNvSpPr>
+          <p:nvPr>
+            <p:ph type="title"/>
+          </p:nvPr>
+        </p:nvSpPr>
+        <p:spPr/>
+        <p:txBody>
+          <a:bodyPr/>
+          <a:lstStyle/>
+          <a:p>
+            <a:r>
+              <a:rPr lang="de-AT" dirty="0" err="1" smtClean="0"/>
+              <a:t>Exercise</a:t>
+            </a:r>
+            <a:r>
+              <a:rPr lang="de-AT" dirty="0" smtClean="0"/>
+              <a:t> 5</a:t>
+            </a:r>
+            <a:endParaRPr lang="de-AT" dirty="0"/>
+          </a:p>
+        </p:txBody>
+      </p:sp>
+      <p:sp>
+        <p:nvSpPr>
+          <p:cNvPr id="3" name="Inhaltsplatzhalter 2"/>
+          <p:cNvSpPr>
+            <a:spLocks noGrp="1"/>
+          </p:cNvSpPr>
+          <p:nvPr>
+            <p:ph sz="quarter" idx="1"/>
+          </p:nvPr>
+        </p:nvSpPr>
+        <p:spPr/>
+        <p:txBody>
+          <a:bodyPr/>
+          <a:lstStyle/>
+          <a:p>
+            <a:r>
+              <a:rPr lang="en-US" dirty="0" smtClean="0"/>
+              <a:t>What </a:t>
+            </a:r>
+            <a:r>
+              <a:rPr lang="en-US" dirty="0"/>
+              <a:t>is vertical partitioning, what is horizontal partitioning? Explain it with an example of your own. </a:t>
+            </a:r>
+          </a:p>
+          <a:p>
+            <a:r>
+              <a:rPr lang="en-US" dirty="0" smtClean="0"/>
+              <a:t>Why </a:t>
+            </a:r>
+            <a:r>
+              <a:rPr lang="en-US" dirty="0"/>
+              <a:t>might partitioning be necessary? </a:t>
+            </a:r>
+          </a:p>
+          <a:p>
+            <a:r>
+              <a:rPr lang="en-US" dirty="0" smtClean="0"/>
+              <a:t>What </a:t>
+            </a:r>
+            <a:r>
+              <a:rPr lang="en-US" dirty="0"/>
+              <a:t>do you have to consider before partitioning – how do you decide? </a:t>
+            </a:r>
+          </a:p>
+          <a:p>
+            <a:endParaRPr lang="de-AT" dirty="0"/>
+          </a:p>
+        </p:txBody>
+      </p:sp>
+    </p:spTree>
+    <p:extLst>
+      <p:ext uri="{BB962C8B-B14F-4D97-AF65-F5344CB8AC3E}">
+        <p14:creationId xmlns:p14="http://schemas.microsoft.com/office/powerpoint/2010/main" val="4170754018"/>
+      </p:ext>
+    </p:extLst>
+  </p:cSld>
+  <p:clrMapOvr>
+    <a:masterClrMapping/>
+  </p:clrMapOvr>
+  <p:timing>
+    <p:tnLst>
+      <p:par>
+        <p:cTn id="1" dur="indefinite" restart="never" nodeType="tmRoot"/>
+      </p:par>
+    </p:tnLst>
+  </p:timing>
+</p:sld>
+</file>
+
+<file path=ppt/slides/slide18.xml><?xml version="1.0" encoding="utf-8"?>
+<p:sld xmlns:a="http://schemas.openxmlformats.org/drawingml/2006/main" xmlns:r="http://schemas.openxmlformats.org/officeDocument/2006/relationships" xmlns:p="http://schemas.openxmlformats.org/presentationml/2006/main">
+  <p:cSld>
+    <p:spTree>
+      <p:nvGrpSpPr>
+        <p:cNvPr id="1" name=""/>
+        <p:cNvGrpSpPr/>
+        <p:nvPr/>
+      </p:nvGrpSpPr>
+      <p:grpSpPr>
+        <a:xfrm>
+          <a:off x="0" y="0"/>
+          <a:ext cx="0" cy="0"/>
+          <a:chOff x="0" y="0"/>
+          <a:chExt cx="0" cy="0"/>
+        </a:xfrm>
+      </p:grpSpPr>
+      <p:sp>
+        <p:nvSpPr>
+          <p:cNvPr id="2" name="Titel 1"/>
+          <p:cNvSpPr>
+            <a:spLocks noGrp="1"/>
+          </p:cNvSpPr>
+          <p:nvPr>
+            <p:ph type="title"/>
+          </p:nvPr>
+        </p:nvSpPr>
+        <p:spPr/>
+        <p:txBody>
+          <a:bodyPr/>
+          <a:lstStyle/>
+          <a:p>
+            <a:r>
+              <a:rPr lang="de-AT" dirty="0" err="1" smtClean="0"/>
+              <a:t>Vertical</a:t>
+            </a:r>
+            <a:r>
+              <a:rPr lang="de-AT" dirty="0" smtClean="0"/>
+              <a:t> </a:t>
+            </a:r>
+            <a:r>
+              <a:rPr lang="de-AT" dirty="0" err="1" smtClean="0"/>
+              <a:t>partitioning</a:t>
+            </a:r>
+            <a:r>
+              <a:rPr lang="de-AT" dirty="0" smtClean="0"/>
+              <a:t>(1/2)</a:t>
+            </a:r>
+            <a:endParaRPr lang="de-AT" dirty="0"/>
+          </a:p>
+        </p:txBody>
+      </p:sp>
+      <p:sp>
+        <p:nvSpPr>
+          <p:cNvPr id="3" name="Inhaltsplatzhalter 2"/>
+          <p:cNvSpPr>
+            <a:spLocks noGrp="1"/>
+          </p:cNvSpPr>
+          <p:nvPr>
+            <p:ph sz="quarter" idx="1"/>
+          </p:nvPr>
+        </p:nvSpPr>
+        <p:spPr/>
+        <p:txBody>
+          <a:bodyPr/>
+          <a:lstStyle/>
+          <a:p>
+            <a:r>
+              <a:rPr lang="en-US" dirty="0"/>
+              <a:t>split class vertically </a:t>
+            </a:r>
+          </a:p>
+          <a:p>
+            <a:r>
+              <a:rPr lang="en-US" dirty="0" smtClean="0"/>
+              <a:t>new </a:t>
+            </a:r>
+            <a:r>
+              <a:rPr lang="en-US" dirty="0"/>
+              <a:t>classes have different set of attributes </a:t>
+            </a:r>
+          </a:p>
+          <a:p>
+            <a:r>
+              <a:rPr lang="en-US" dirty="0" smtClean="0"/>
+              <a:t>needs </a:t>
+            </a:r>
+            <a:r>
+              <a:rPr lang="en-US" dirty="0"/>
+              <a:t>join operation to retrieve original set of instances </a:t>
+            </a:r>
+            <a:endParaRPr lang="de-AT" dirty="0"/>
+          </a:p>
+        </p:txBody>
+      </p:sp>
+    </p:spTree>
+    <p:extLst>
+      <p:ext uri="{BB962C8B-B14F-4D97-AF65-F5344CB8AC3E}">
+        <p14:creationId xmlns:p14="http://schemas.microsoft.com/office/powerpoint/2010/main" val="1457252602"/>
+      </p:ext>
+    </p:extLst>
+  </p:cSld>
+  <p:clrMapOvr>
+    <a:masterClrMapping/>
+  </p:clrMapOvr>
+  <p:timing>
+    <p:tnLst>
+      <p:par>
+        <p:cTn id="1" dur="indefinite" restart="never" nodeType="tmRoot"/>
+      </p:par>
+    </p:tnLst>
+  </p:timing>
+</p:sld>
+</file>
+
+<file path=ppt/slides/slide19.xml><?xml version="1.0" encoding="utf-8"?>
+<p:sld xmlns:a="http://schemas.openxmlformats.org/drawingml/2006/main" xmlns:r="http://schemas.openxmlformats.org/officeDocument/2006/relationships" xmlns:p="http://schemas.openxmlformats.org/presentationml/2006/main">
+  <p:cSld>
+    <p:spTree>
+      <p:nvGrpSpPr>
+        <p:cNvPr id="1" name=""/>
+        <p:cNvGrpSpPr/>
+        <p:nvPr/>
+      </p:nvGrpSpPr>
+      <p:grpSpPr>
+        <a:xfrm>
+          <a:off x="0" y="0"/>
+          <a:ext cx="0" cy="0"/>
+          <a:chOff x="0" y="0"/>
+          <a:chExt cx="0" cy="0"/>
+        </a:xfrm>
+      </p:grpSpPr>
+      <p:sp>
+        <p:nvSpPr>
+          <p:cNvPr id="2" name="Titel 1"/>
+          <p:cNvSpPr>
+            <a:spLocks noGrp="1"/>
+          </p:cNvSpPr>
+          <p:nvPr>
+            <p:ph type="title"/>
+          </p:nvPr>
+        </p:nvSpPr>
+        <p:spPr/>
+        <p:txBody>
+          <a:bodyPr/>
+          <a:lstStyle/>
+          <a:p>
+            <a:r>
+              <a:rPr lang="de-AT" dirty="0" smtClean="0"/>
+              <a:t>Horizontal </a:t>
+            </a:r>
+            <a:r>
+              <a:rPr lang="de-AT" dirty="0" err="1" smtClean="0"/>
+              <a:t>partitioning</a:t>
+            </a:r>
+            <a:endParaRPr lang="de-AT" dirty="0"/>
+          </a:p>
+        </p:txBody>
+      </p:sp>
+      <p:sp>
+        <p:nvSpPr>
+          <p:cNvPr id="3" name="Inhaltsplatzhalter 2"/>
+          <p:cNvSpPr>
+            <a:spLocks noGrp="1"/>
+          </p:cNvSpPr>
+          <p:nvPr>
+            <p:ph sz="quarter" idx="1"/>
+          </p:nvPr>
+        </p:nvSpPr>
+        <p:spPr/>
+        <p:txBody>
+          <a:bodyPr/>
+          <a:lstStyle/>
+          <a:p>
+            <a:r>
+              <a:rPr lang="en-US" dirty="0"/>
+              <a:t>split class horizontally </a:t>
+            </a:r>
+            <a:endParaRPr lang="en-US" dirty="0" smtClean="0"/>
+          </a:p>
+          <a:p>
+            <a:r>
+              <a:rPr lang="en-US" dirty="0" smtClean="0"/>
+              <a:t>new </a:t>
+            </a:r>
+            <a:r>
+              <a:rPr lang="en-US" dirty="0"/>
+              <a:t>classes have same set of attributes </a:t>
+            </a:r>
+          </a:p>
+          <a:p>
+            <a:r>
+              <a:rPr lang="en-US" dirty="0" smtClean="0"/>
+              <a:t>multiplication </a:t>
+            </a:r>
+            <a:r>
+              <a:rPr lang="en-US" dirty="0"/>
+              <a:t>of original associations required </a:t>
+            </a:r>
+          </a:p>
+          <a:p>
+            <a:r>
+              <a:rPr lang="en-US" dirty="0" smtClean="0"/>
+              <a:t>needs </a:t>
+            </a:r>
+            <a:r>
+              <a:rPr lang="en-US" dirty="0"/>
+              <a:t>union operation to retrieve original set of instances </a:t>
+            </a:r>
+            <a:endParaRPr lang="de-AT" dirty="0"/>
+          </a:p>
+        </p:txBody>
+      </p:sp>
+    </p:spTree>
+    <p:extLst>
+      <p:ext uri="{BB962C8B-B14F-4D97-AF65-F5344CB8AC3E}">
+        <p14:creationId xmlns:p14="http://schemas.microsoft.com/office/powerpoint/2010/main" val="1628158091"/>
+      </p:ext>
+    </p:extLst>
+  </p:cSld>
+  <p:clrMapOvr>
+    <a:masterClrMapping/>
+  </p:clrMapOvr>
+  <p:timing>
+    <p:tnLst>
+      <p:par>
+        <p:cTn id="1" dur="indefinite" restart="never" nodeType="tmRoot"/>
+      </p:par>
+    </p:tnLst>
+  </p:timing>
+</p:sld>
+</file>
+
+<file path=ppt/slides/slide2.xml><?xml version="1.0" encoding="utf-8"?>
+<p:sld xmlns:a="http://schemas.openxmlformats.org/drawingml/2006/main" xmlns:r="http://schemas.openxmlformats.org/officeDocument/2006/relationships" xmlns:p="http://schemas.openxmlformats.org/presentationml/2006/main">
+  <p:cSld>
+    <p:spTree>
+      <p:nvGrpSpPr>
+        <p:cNvPr id="1" name=""/>
+        <p:cNvGrpSpPr/>
+        <p:nvPr/>
+      </p:nvGrpSpPr>
+      <p:grpSpPr>
+        <a:xfrm>
+          <a:off x="0" y="0"/>
+          <a:ext cx="0" cy="0"/>
+          <a:chOff x="0" y="0"/>
+          <a:chExt cx="0" cy="0"/>
+        </a:xfrm>
+      </p:grpSpPr>
+      <p:sp>
+        <p:nvSpPr>
+          <p:cNvPr id="2" name="Titel 1"/>
+          <p:cNvSpPr>
+            <a:spLocks noGrp="1"/>
+          </p:cNvSpPr>
+          <p:nvPr>
+            <p:ph type="title"/>
+          </p:nvPr>
+        </p:nvSpPr>
+        <p:spPr/>
+        <p:txBody>
+          <a:bodyPr/>
+          <a:lstStyle/>
+          <a:p>
+            <a:r>
+              <a:rPr lang="de-AT" dirty="0" err="1" smtClean="0"/>
+              <a:t>Exercise</a:t>
+            </a:r>
+            <a:r>
+              <a:rPr lang="de-AT" dirty="0" smtClean="0"/>
+              <a:t> 1</a:t>
+            </a:r>
+            <a:endParaRPr lang="de-AT" dirty="0"/>
+          </a:p>
+        </p:txBody>
+      </p:sp>
+      <p:sp>
+        <p:nvSpPr>
+          <p:cNvPr id="3" name="Inhaltsplatzhalter 2"/>
+          <p:cNvSpPr>
+            <a:spLocks noGrp="1"/>
+          </p:cNvSpPr>
+          <p:nvPr>
+            <p:ph sz="quarter" idx="1"/>
+          </p:nvPr>
+        </p:nvSpPr>
+        <p:spPr/>
+        <p:txBody>
+          <a:bodyPr/>
+          <a:lstStyle/>
+          <a:p>
+            <a:r>
+              <a:rPr lang="de-AT" dirty="0" smtClean="0"/>
+              <a:t> </a:t>
+            </a:r>
+            <a:r>
+              <a:rPr lang="de-AT" dirty="0" err="1"/>
+              <a:t>Integrate</a:t>
+            </a:r>
+            <a:r>
+              <a:rPr lang="de-AT" dirty="0"/>
+              <a:t> </a:t>
+            </a:r>
+            <a:r>
+              <a:rPr lang="de-AT" dirty="0" err="1"/>
+              <a:t>these</a:t>
+            </a:r>
+            <a:r>
+              <a:rPr lang="de-AT" dirty="0"/>
+              <a:t> </a:t>
+            </a:r>
+            <a:r>
+              <a:rPr lang="de-AT" dirty="0" err="1"/>
+              <a:t>views</a:t>
+            </a:r>
+            <a:r>
+              <a:rPr lang="de-AT" dirty="0"/>
+              <a:t>: </a:t>
+            </a:r>
+          </a:p>
+          <a:p>
+            <a:pPr marL="914400" lvl="1" indent="-514350">
+              <a:buFont typeface="+mj-lt"/>
+              <a:buAutoNum type="alphaLcParenR"/>
+            </a:pPr>
+            <a:r>
+              <a:rPr lang="en-US" dirty="0" smtClean="0"/>
+              <a:t>identify </a:t>
+            </a:r>
+            <a:r>
+              <a:rPr lang="en-US" dirty="0"/>
+              <a:t>conflicts (and their conflict types) </a:t>
+            </a:r>
+          </a:p>
+          <a:p>
+            <a:pPr marL="914400" lvl="1" indent="-514350">
+              <a:buFont typeface="+mj-lt"/>
+              <a:buAutoNum type="alphaLcParenR"/>
+            </a:pPr>
+            <a:r>
+              <a:rPr lang="de-AT" dirty="0" err="1" smtClean="0"/>
+              <a:t>propose</a:t>
+            </a:r>
+            <a:r>
+              <a:rPr lang="de-AT" dirty="0" smtClean="0"/>
+              <a:t> </a:t>
+            </a:r>
+            <a:r>
+              <a:rPr lang="de-AT" dirty="0" err="1"/>
+              <a:t>scenarios</a:t>
+            </a:r>
+            <a:r>
+              <a:rPr lang="de-AT" dirty="0"/>
+              <a:t> </a:t>
+            </a:r>
+            <a:r>
+              <a:rPr lang="de-AT" dirty="0" err="1"/>
+              <a:t>and</a:t>
+            </a:r>
+            <a:r>
+              <a:rPr lang="de-AT" dirty="0"/>
+              <a:t> </a:t>
+            </a:r>
+            <a:r>
+              <a:rPr lang="de-AT" dirty="0" err="1"/>
+              <a:t>interschema</a:t>
+            </a:r>
+            <a:r>
+              <a:rPr lang="de-AT" dirty="0"/>
+              <a:t> </a:t>
+            </a:r>
+            <a:r>
+              <a:rPr lang="de-AT" dirty="0" err="1"/>
+              <a:t>properties</a:t>
+            </a:r>
+            <a:r>
+              <a:rPr lang="de-AT" dirty="0"/>
+              <a:t> </a:t>
+            </a:r>
+          </a:p>
+          <a:p>
+            <a:pPr marL="914400" lvl="1" indent="-514350">
+              <a:buFont typeface="+mj-lt"/>
+              <a:buAutoNum type="alphaLcParenR"/>
+            </a:pPr>
+            <a:r>
+              <a:rPr lang="en-US" dirty="0" smtClean="0"/>
+              <a:t>integrate </a:t>
+            </a:r>
+            <a:r>
+              <a:rPr lang="en-US" dirty="0"/>
+              <a:t>the schemas into one schema. </a:t>
+            </a:r>
+            <a:endParaRPr lang="de-AT" dirty="0"/>
+          </a:p>
+        </p:txBody>
+      </p:sp>
+    </p:spTree>
+    <p:extLst>
+      <p:ext uri="{BB962C8B-B14F-4D97-AF65-F5344CB8AC3E}">
+        <p14:creationId xmlns:p14="http://schemas.microsoft.com/office/powerpoint/2010/main" val="3160386597"/>
+      </p:ext>
+    </p:extLst>
+  </p:cSld>
+  <p:clrMapOvr>
+    <a:masterClrMapping/>
+  </p:clrMapOvr>
+</p:sld>
+</file>
+
+<file path=ppt/slides/slide20.xml><?xml version="1.0" encoding="utf-8"?>
+<p:sld xmlns:a="http://schemas.openxmlformats.org/drawingml/2006/main" xmlns:r="http://schemas.openxmlformats.org/officeDocument/2006/relationships" xmlns:p="http://schemas.openxmlformats.org/presentationml/2006/main">
+  <p:cSld>
+    <p:spTree>
+      <p:nvGrpSpPr>
+        <p:cNvPr id="1" name=""/>
+        <p:cNvGrpSpPr/>
+        <p:nvPr/>
+      </p:nvGrpSpPr>
+      <p:grpSpPr>
+        <a:xfrm>
+          <a:off x="0" y="0"/>
+          <a:ext cx="0" cy="0"/>
+          <a:chOff x="0" y="0"/>
+          <a:chExt cx="0" cy="0"/>
+        </a:xfrm>
+      </p:grpSpPr>
+      <p:pic>
+        <p:nvPicPr>
+          <p:cNvPr id="3074" name="Picture 2"/>
+          <p:cNvPicPr>
+            <a:picLocks noChangeAspect="1" noChangeArrowheads="1"/>
+          </p:cNvPicPr>
+          <p:nvPr/>
+        </p:nvPicPr>
+        <p:blipFill>
+          <a:blip r:embed="rId2">
+            <a:extLst>
+              <a:ext uri="{28A0092B-C50C-407E-A947-70E740481C1C}">
+                <a14:useLocalDpi xmlns:a14="http://schemas.microsoft.com/office/drawing/2010/main" val="0"/>
+              </a:ext>
+            </a:extLst>
+          </a:blip>
+          <a:srcRect/>
+          <a:stretch>
+            <a:fillRect/>
+          </a:stretch>
+        </p:blipFill>
+        <p:spPr bwMode="auto">
+          <a:xfrm>
+            <a:off x="107504" y="1628800"/>
+            <a:ext cx="8887431" cy="4338414"/>
+          </a:xfrm>
+          <a:prstGeom prst="rect">
+            <a:avLst/>
+          </a:prstGeom>
+          <a:noFill/>
+          <a:ln>
+            <a:noFill/>
+          </a:ln>
+          <a:extLst>
+            <a:ext uri="{909E8E84-426E-40DD-AFC4-6F175D3DCCD1}">
+              <a14:hiddenFill xmlns:a14="http://schemas.microsoft.com/office/drawing/2010/main">
+                <a:solidFill>
+                  <a:schemeClr val="accent1"/>
+                </a:solidFill>
+              </a14:hiddenFill>
+            </a:ext>
+            <a:ext uri="{91240B29-F687-4F45-9708-019B960494DF}">
+              <a14:hiddenLine xmlns:a14="http://schemas.microsoft.com/office/drawing/2010/main" w="9525">
+                <a:solidFill>
+                  <a:schemeClr val="tx1"/>
+                </a:solidFill>
+                <a:miter lim="800000"/>
+                <a:headEnd/>
+                <a:tailEnd/>
+              </a14:hiddenLine>
+            </a:ext>
+          </a:extLst>
+        </p:spPr>
+      </p:pic>
+      <p:sp>
+        <p:nvSpPr>
+          <p:cNvPr id="3" name="Titel 1"/>
+          <p:cNvSpPr>
+            <a:spLocks noGrp="1"/>
+          </p:cNvSpPr>
+          <p:nvPr>
+            <p:ph type="title"/>
+          </p:nvPr>
+        </p:nvSpPr>
+        <p:spPr>
+          <a:xfrm>
+            <a:off x="612648" y="228600"/>
+            <a:ext cx="8153400" cy="990600"/>
+          </a:xfrm>
+        </p:spPr>
+        <p:txBody>
+          <a:bodyPr/>
+          <a:lstStyle/>
+          <a:p>
+            <a:r>
+              <a:rPr lang="de-AT" dirty="0" err="1" smtClean="0"/>
+              <a:t>vertical</a:t>
+            </a:r>
+            <a:r>
+              <a:rPr lang="de-AT" dirty="0" smtClean="0"/>
+              <a:t> / horizontal </a:t>
+            </a:r>
+            <a:r>
+              <a:rPr lang="de-AT" dirty="0" err="1" smtClean="0"/>
+              <a:t>example</a:t>
+            </a:r>
+            <a:endParaRPr lang="de-AT" dirty="0"/>
+          </a:p>
+        </p:txBody>
+      </p:sp>
+    </p:spTree>
+    <p:extLst>
+      <p:ext uri="{BB962C8B-B14F-4D97-AF65-F5344CB8AC3E}">
+        <p14:creationId xmlns:p14="http://schemas.microsoft.com/office/powerpoint/2010/main" val="2874500947"/>
+      </p:ext>
+    </p:extLst>
+  </p:cSld>
+  <p:clrMapOvr>
+    <a:masterClrMapping/>
+  </p:clrMapOvr>
+  <p:timing>
+    <p:tnLst>
+      <p:par>
+        <p:cTn id="1" dur="indefinite" restart="never" nodeType="tmRoot"/>
+      </p:par>
+    </p:tnLst>
+  </p:timing>
+</p:sld>
+</file>
+
+<file path=ppt/slides/slide21.xml><?xml version="1.0" encoding="utf-8"?>
+<p:sld xmlns:a="http://schemas.openxmlformats.org/drawingml/2006/main" xmlns:r="http://schemas.openxmlformats.org/officeDocument/2006/relationships" xmlns:p="http://schemas.openxmlformats.org/presentationml/2006/main">
+  <p:cSld>
+    <p:spTree>
+      <p:nvGrpSpPr>
+        <p:cNvPr id="1" name=""/>
+        <p:cNvGrpSpPr/>
+        <p:nvPr/>
+      </p:nvGrpSpPr>
+      <p:grpSpPr>
+        <a:xfrm>
+          <a:off x="0" y="0"/>
+          <a:ext cx="0" cy="0"/>
+          <a:chOff x="0" y="0"/>
+          <a:chExt cx="0" cy="0"/>
+        </a:xfrm>
+      </p:grpSpPr>
+      <p:sp>
+        <p:nvSpPr>
+          <p:cNvPr id="2" name="Titel 1"/>
+          <p:cNvSpPr>
+            <a:spLocks noGrp="1"/>
+          </p:cNvSpPr>
+          <p:nvPr>
+            <p:ph type="title"/>
+          </p:nvPr>
+        </p:nvSpPr>
+        <p:spPr/>
+        <p:txBody>
+          <a:bodyPr/>
+          <a:lstStyle/>
+          <a:p>
+            <a:r>
+              <a:rPr lang="de-AT" dirty="0" err="1" smtClean="0"/>
+              <a:t>why</a:t>
+            </a:r>
+            <a:r>
+              <a:rPr lang="de-AT" dirty="0" smtClean="0"/>
+              <a:t> </a:t>
+            </a:r>
+            <a:r>
+              <a:rPr lang="de-AT" dirty="0" err="1" smtClean="0"/>
+              <a:t>partitioning</a:t>
+            </a:r>
+            <a:r>
+              <a:rPr lang="de-AT" dirty="0" smtClean="0"/>
+              <a:t>?</a:t>
+            </a:r>
+            <a:endParaRPr lang="de-AT" dirty="0"/>
+          </a:p>
+        </p:txBody>
+      </p:sp>
+      <p:sp>
+        <p:nvSpPr>
+          <p:cNvPr id="3" name="Inhaltsplatzhalter 2"/>
+          <p:cNvSpPr>
+            <a:spLocks noGrp="1"/>
+          </p:cNvSpPr>
+          <p:nvPr>
+            <p:ph sz="quarter" idx="1"/>
+          </p:nvPr>
+        </p:nvSpPr>
+        <p:spPr/>
+        <p:txBody>
+          <a:bodyPr>
+            <a:normAutofit/>
+          </a:bodyPr>
+          <a:lstStyle/>
+          <a:p>
+            <a:r>
+              <a:rPr lang="de-AT" dirty="0" smtClean="0"/>
+              <a:t>horizontal </a:t>
+            </a:r>
+            <a:r>
+              <a:rPr lang="de-AT" dirty="0" err="1" smtClean="0"/>
+              <a:t>partitioning</a:t>
+            </a:r>
+            <a:endParaRPr lang="de-AT" dirty="0" smtClean="0"/>
+          </a:p>
+          <a:p>
+            <a:pPr lvl="1"/>
+            <a:r>
+              <a:rPr lang="en-US" dirty="0"/>
+              <a:t>many operations on different sets of </a:t>
+            </a:r>
+            <a:r>
+              <a:rPr lang="en-US" dirty="0" smtClean="0"/>
+              <a:t>instances</a:t>
+            </a:r>
+          </a:p>
+          <a:p>
+            <a:r>
+              <a:rPr lang="de-AT" dirty="0" err="1"/>
+              <a:t>vertical</a:t>
+            </a:r>
+            <a:r>
+              <a:rPr lang="de-AT" dirty="0"/>
+              <a:t> </a:t>
+            </a:r>
+            <a:r>
+              <a:rPr lang="de-AT" dirty="0" err="1" smtClean="0"/>
+              <a:t>partitioning</a:t>
+            </a:r>
+            <a:endParaRPr lang="de-AT" dirty="0" smtClean="0"/>
+          </a:p>
+          <a:p>
+            <a:pPr lvl="1"/>
+            <a:r>
+              <a:rPr lang="en-US" dirty="0"/>
+              <a:t>many operations on different sets of </a:t>
+            </a:r>
+            <a:r>
+              <a:rPr lang="en-US" dirty="0" smtClean="0"/>
+              <a:t>attributes</a:t>
+            </a:r>
+          </a:p>
+          <a:p>
+            <a:r>
+              <a:rPr lang="en-US" dirty="0"/>
+              <a:t>split huge attributes (BLOBs</a:t>
+            </a:r>
+            <a:r>
+              <a:rPr lang="en-US" dirty="0" smtClean="0"/>
+              <a:t>)</a:t>
+            </a:r>
+          </a:p>
+          <a:p>
+            <a:r>
+              <a:rPr lang="en-US" dirty="0" smtClean="0"/>
+              <a:t>security aspects</a:t>
+            </a:r>
+          </a:p>
+          <a:p>
+            <a:r>
+              <a:rPr lang="en-US" dirty="0" smtClean="0"/>
+              <a:t>reduce </a:t>
+            </a:r>
+            <a:r>
+              <a:rPr lang="en-US" dirty="0"/>
+              <a:t>networking traffic in distributed databases</a:t>
+            </a:r>
+            <a:endParaRPr lang="de-AT" dirty="0"/>
+          </a:p>
+        </p:txBody>
+      </p:sp>
+    </p:spTree>
+    <p:extLst>
+      <p:ext uri="{BB962C8B-B14F-4D97-AF65-F5344CB8AC3E}">
+        <p14:creationId xmlns:p14="http://schemas.microsoft.com/office/powerpoint/2010/main" val="532426802"/>
+      </p:ext>
+    </p:extLst>
+  </p:cSld>
+  <p:clrMapOvr>
+    <a:masterClrMapping/>
+  </p:clrMapOvr>
+  <p:timing>
+    <p:tnLst>
+      <p:par>
+        <p:cTn id="1" dur="indefinite" restart="never" nodeType="tmRoot"/>
+      </p:par>
+    </p:tnLst>
+  </p:timing>
+</p:sld>
+</file>
+
+<file path=ppt/slides/slide22.xml><?xml version="1.0" encoding="utf-8"?>
+<p:sld xmlns:a="http://schemas.openxmlformats.org/drawingml/2006/main" xmlns:r="http://schemas.openxmlformats.org/officeDocument/2006/relationships" xmlns:p="http://schemas.openxmlformats.org/presentationml/2006/main">
+  <p:cSld>
+    <p:spTree>
+      <p:nvGrpSpPr>
+        <p:cNvPr id="1" name=""/>
+        <p:cNvGrpSpPr/>
+        <p:nvPr/>
+      </p:nvGrpSpPr>
+      <p:grpSpPr>
+        <a:xfrm>
+          <a:off x="0" y="0"/>
+          <a:ext cx="0" cy="0"/>
+          <a:chOff x="0" y="0"/>
+          <a:chExt cx="0" cy="0"/>
+        </a:xfrm>
+      </p:grpSpPr>
+      <p:sp>
+        <p:nvSpPr>
+          <p:cNvPr id="2" name="Titel 1"/>
+          <p:cNvSpPr>
+            <a:spLocks noGrp="1"/>
+          </p:cNvSpPr>
+          <p:nvPr>
+            <p:ph type="title"/>
+          </p:nvPr>
+        </p:nvSpPr>
+        <p:spPr/>
+        <p:txBody>
+          <a:bodyPr/>
+          <a:lstStyle/>
+          <a:p>
+            <a:r>
+              <a:rPr lang="de-AT" dirty="0" err="1" smtClean="0"/>
+              <a:t>consider</a:t>
+            </a:r>
+            <a:r>
+              <a:rPr lang="de-AT" dirty="0" smtClean="0"/>
+              <a:t> </a:t>
+            </a:r>
+            <a:r>
+              <a:rPr lang="de-AT" dirty="0" err="1" smtClean="0"/>
+              <a:t>before</a:t>
+            </a:r>
+            <a:r>
+              <a:rPr lang="de-AT" dirty="0" smtClean="0"/>
+              <a:t> </a:t>
+            </a:r>
+            <a:r>
+              <a:rPr lang="de-AT" dirty="0" err="1" smtClean="0"/>
+              <a:t>partitioning</a:t>
+            </a:r>
+            <a:endParaRPr lang="de-AT" dirty="0"/>
+          </a:p>
+        </p:txBody>
+      </p:sp>
+      <p:sp>
+        <p:nvSpPr>
+          <p:cNvPr id="3" name="Inhaltsplatzhalter 2"/>
+          <p:cNvSpPr>
+            <a:spLocks noGrp="1"/>
+          </p:cNvSpPr>
+          <p:nvPr>
+            <p:ph sz="quarter" idx="1"/>
+          </p:nvPr>
+        </p:nvSpPr>
+        <p:spPr/>
+        <p:txBody>
+          <a:bodyPr/>
+          <a:lstStyle/>
+          <a:p>
+            <a:r>
+              <a:rPr lang="de-AT" dirty="0" err="1" smtClean="0"/>
+              <a:t>which</a:t>
+            </a:r>
+            <a:r>
+              <a:rPr lang="de-AT" dirty="0" smtClean="0"/>
+              <a:t> </a:t>
+            </a:r>
+            <a:r>
+              <a:rPr lang="de-AT" dirty="0" err="1" smtClean="0"/>
+              <a:t>sets</a:t>
+            </a:r>
+            <a:r>
+              <a:rPr lang="de-AT" dirty="0" smtClean="0"/>
+              <a:t> </a:t>
+            </a:r>
+            <a:r>
+              <a:rPr lang="de-AT" dirty="0" err="1" smtClean="0"/>
+              <a:t>of</a:t>
+            </a:r>
+            <a:r>
+              <a:rPr lang="de-AT" dirty="0" smtClean="0"/>
+              <a:t> </a:t>
+            </a:r>
+            <a:r>
+              <a:rPr lang="de-AT" dirty="0" err="1" smtClean="0"/>
+              <a:t>instances</a:t>
+            </a:r>
+            <a:r>
+              <a:rPr lang="de-AT" dirty="0" smtClean="0"/>
+              <a:t> </a:t>
+            </a:r>
+            <a:r>
+              <a:rPr lang="de-AT" dirty="0" err="1" smtClean="0"/>
+              <a:t>are</a:t>
+            </a:r>
+            <a:r>
+              <a:rPr lang="de-AT" dirty="0" smtClean="0"/>
+              <a:t> in </a:t>
+            </a:r>
+            <a:r>
+              <a:rPr lang="de-AT" dirty="0" err="1" smtClean="0"/>
+              <a:t>use</a:t>
+            </a:r>
+            <a:r>
+              <a:rPr lang="de-AT" dirty="0" smtClean="0"/>
+              <a:t>?</a:t>
+            </a:r>
+          </a:p>
+          <a:p>
+            <a:r>
+              <a:rPr lang="de-AT" dirty="0" err="1"/>
+              <a:t>which</a:t>
+            </a:r>
+            <a:r>
+              <a:rPr lang="de-AT" dirty="0"/>
+              <a:t> </a:t>
+            </a:r>
+            <a:r>
+              <a:rPr lang="de-AT" dirty="0" err="1"/>
+              <a:t>sets</a:t>
+            </a:r>
+            <a:r>
+              <a:rPr lang="de-AT" dirty="0"/>
+              <a:t> </a:t>
+            </a:r>
+            <a:r>
+              <a:rPr lang="de-AT" dirty="0" err="1"/>
+              <a:t>of</a:t>
+            </a:r>
+            <a:r>
+              <a:rPr lang="de-AT" dirty="0"/>
+              <a:t> </a:t>
+            </a:r>
+            <a:r>
+              <a:rPr lang="de-AT" dirty="0" err="1"/>
+              <a:t>attributes</a:t>
+            </a:r>
+            <a:r>
+              <a:rPr lang="de-AT" dirty="0"/>
+              <a:t> </a:t>
+            </a:r>
+            <a:r>
+              <a:rPr lang="de-AT" dirty="0" err="1"/>
+              <a:t>are</a:t>
+            </a:r>
+            <a:r>
+              <a:rPr lang="de-AT" dirty="0"/>
+              <a:t> in </a:t>
+            </a:r>
+            <a:r>
+              <a:rPr lang="de-AT" dirty="0" err="1" smtClean="0"/>
+              <a:t>use</a:t>
+            </a:r>
+            <a:r>
+              <a:rPr lang="de-AT" dirty="0" smtClean="0"/>
+              <a:t>?</a:t>
+            </a:r>
+            <a:endParaRPr lang="de-AT" dirty="0"/>
+          </a:p>
+          <a:p>
+            <a:endParaRPr lang="de-AT" dirty="0" smtClean="0"/>
+          </a:p>
+          <a:p>
+            <a:endParaRPr lang="de-AT" dirty="0" smtClean="0"/>
+          </a:p>
+          <a:p>
+            <a:pPr marL="365760" lvl="1" indent="0">
+              <a:buNone/>
+            </a:pPr>
+            <a:endParaRPr lang="de-AT" dirty="0" smtClean="0"/>
+          </a:p>
+          <a:p>
+            <a:pPr lvl="1"/>
+            <a:r>
+              <a:rPr lang="de-AT" smtClean="0"/>
+              <a:t>change</a:t>
+            </a:r>
+            <a:r>
+              <a:rPr lang="de-AT" dirty="0" smtClean="0"/>
+              <a:t> </a:t>
+            </a:r>
+            <a:r>
+              <a:rPr lang="de-AT" dirty="0" err="1" smtClean="0"/>
+              <a:t>programmaticaly</a:t>
+            </a:r>
+            <a:r>
+              <a:rPr lang="de-AT" dirty="0" smtClean="0"/>
+              <a:t> </a:t>
+            </a:r>
+            <a:r>
+              <a:rPr lang="de-AT" dirty="0" err="1" smtClean="0"/>
+              <a:t>access</a:t>
+            </a:r>
+            <a:r>
+              <a:rPr lang="de-AT" dirty="0" smtClean="0"/>
+              <a:t> </a:t>
+            </a:r>
+            <a:r>
+              <a:rPr lang="de-AT" dirty="0" err="1" smtClean="0"/>
+              <a:t>to</a:t>
+            </a:r>
+            <a:r>
+              <a:rPr lang="de-AT" dirty="0" smtClean="0"/>
+              <a:t> </a:t>
+            </a:r>
+            <a:r>
+              <a:rPr lang="de-AT" dirty="0" err="1" smtClean="0"/>
+              <a:t>db</a:t>
+            </a:r>
+            <a:endParaRPr lang="de-AT" dirty="0" smtClean="0"/>
+          </a:p>
+          <a:p>
+            <a:pPr lvl="1"/>
+            <a:endParaRPr lang="de-AT" dirty="0"/>
+          </a:p>
+        </p:txBody>
+      </p:sp>
+    </p:spTree>
+    <p:extLst>
+      <p:ext uri="{BB962C8B-B14F-4D97-AF65-F5344CB8AC3E}">
+        <p14:creationId xmlns:p14="http://schemas.microsoft.com/office/powerpoint/2010/main" val="1250229452"/>
+      </p:ext>
+    </p:extLst>
+  </p:cSld>
+  <p:clrMapOvr>
+    <a:masterClrMapping/>
+  </p:clrMapOvr>
+  <p:timing>
+    <p:tnLst>
+      <p:par>
+        <p:cTn id="1" dur="indefinite" restart="never" nodeType="tmRoot"/>
+      </p:par>
+    </p:tnLst>
+  </p:timing>
+</p:sld>
+</file>
+
+<file path=ppt/slides/slide3.xml><?xml version="1.0" encoding="utf-8"?>
+<p:sld xmlns:a="http://schemas.openxmlformats.org/drawingml/2006/main" xmlns:r="http://schemas.openxmlformats.org/officeDocument/2006/relationships" xmlns:p="http://schemas.openxmlformats.org/presentationml/2006/main">
+  <p:cSld>
+    <p:spTree>
+      <p:nvGrpSpPr>
+        <p:cNvPr id="1" name=""/>
+        <p:cNvGrpSpPr/>
+        <p:nvPr/>
+      </p:nvGrpSpPr>
+      <p:grpSpPr>
+        <a:xfrm>
+          <a:off x="0" y="0"/>
+          <a:ext cx="0" cy="0"/>
+          <a:chOff x="0" y="0"/>
+          <a:chExt cx="0" cy="0"/>
+        </a:xfrm>
+      </p:grpSpPr>
+      <p:sp>
+        <p:nvSpPr>
+          <p:cNvPr id="2" name="Titel 1"/>
+          <p:cNvSpPr>
+            <a:spLocks noGrp="1"/>
+          </p:cNvSpPr>
+          <p:nvPr>
+            <p:ph type="title"/>
+          </p:nvPr>
+        </p:nvSpPr>
+        <p:spPr/>
+        <p:txBody>
+          <a:bodyPr/>
+          <a:lstStyle/>
+          <a:p>
+            <a:r>
+              <a:rPr lang="en-US" dirty="0"/>
+              <a:t>identify conflicts</a:t>
+            </a:r>
+            <a:endParaRPr lang="de-AT" dirty="0"/>
+          </a:p>
+        </p:txBody>
+      </p:sp>
+      <p:sp>
+        <p:nvSpPr>
+          <p:cNvPr id="3" name="Inhaltsplatzhalter 2"/>
+          <p:cNvSpPr>
+            <a:spLocks noGrp="1"/>
+          </p:cNvSpPr>
+          <p:nvPr>
+            <p:ph sz="quarter" idx="1"/>
+          </p:nvPr>
+        </p:nvSpPr>
+        <p:spPr/>
+        <p:txBody>
+          <a:bodyPr/>
+          <a:lstStyle/>
+          <a:p>
+            <a:r>
+              <a:rPr lang="de-AT" dirty="0" err="1" smtClean="0"/>
+              <a:t>naming</a:t>
+            </a:r>
+            <a:r>
+              <a:rPr lang="de-AT" dirty="0" smtClean="0"/>
+              <a:t> </a:t>
+            </a:r>
+            <a:r>
+              <a:rPr lang="de-AT" dirty="0" err="1" smtClean="0"/>
+              <a:t>conflicts</a:t>
+            </a:r>
+            <a:endParaRPr lang="de-AT" dirty="0"/>
+          </a:p>
+          <a:p>
+            <a:pPr lvl="1"/>
+            <a:r>
+              <a:rPr lang="de-AT" dirty="0" err="1" smtClean="0"/>
+              <a:t>Injury</a:t>
+            </a:r>
+            <a:r>
+              <a:rPr lang="de-AT" dirty="0" smtClean="0"/>
+              <a:t> </a:t>
+            </a:r>
+            <a:r>
+              <a:rPr lang="de-AT" dirty="0" smtClean="0">
+                <a:sym typeface="Wingdings" panose="05000000000000000000" pitchFamily="2" charset="2"/>
+              </a:rPr>
+              <a:t> MT : </a:t>
+            </a:r>
+            <a:r>
+              <a:rPr lang="de-AT" dirty="0" err="1" smtClean="0">
+                <a:sym typeface="Wingdings" panose="05000000000000000000" pitchFamily="2" charset="2"/>
+              </a:rPr>
+              <a:t>needs</a:t>
+            </a:r>
+            <a:r>
+              <a:rPr lang="de-AT" dirty="0" smtClean="0">
+                <a:sym typeface="Wingdings" panose="05000000000000000000" pitchFamily="2" charset="2"/>
+              </a:rPr>
+              <a:t> / </a:t>
+            </a:r>
+            <a:r>
+              <a:rPr lang="de-AT" dirty="0" err="1" smtClean="0">
+                <a:sym typeface="Wingdings" panose="05000000000000000000" pitchFamily="2" charset="2"/>
+              </a:rPr>
+              <a:t>has</a:t>
+            </a:r>
+            <a:endParaRPr lang="de-AT" dirty="0"/>
+          </a:p>
+          <a:p>
+            <a:r>
+              <a:rPr lang="de-AT" dirty="0" err="1" smtClean="0"/>
+              <a:t>stuctural</a:t>
+            </a:r>
+            <a:r>
+              <a:rPr lang="de-AT" dirty="0" smtClean="0"/>
+              <a:t> </a:t>
+            </a:r>
+            <a:r>
+              <a:rPr lang="de-AT" dirty="0" err="1" smtClean="0"/>
+              <a:t>conflicts</a:t>
+            </a:r>
+            <a:endParaRPr lang="de-AT" dirty="0" smtClean="0"/>
+          </a:p>
+          <a:p>
+            <a:pPr lvl="1"/>
+            <a:r>
+              <a:rPr lang="de-AT" dirty="0"/>
+              <a:t>Stadium : </a:t>
+            </a:r>
+            <a:r>
+              <a:rPr lang="de-AT" dirty="0" err="1"/>
+              <a:t>capacity</a:t>
+            </a:r>
+            <a:r>
+              <a:rPr lang="de-AT" dirty="0"/>
+              <a:t> in </a:t>
+            </a:r>
+            <a:r>
+              <a:rPr lang="de-AT" dirty="0" smtClean="0"/>
+              <a:t>EV</a:t>
+            </a:r>
+          </a:p>
+          <a:p>
+            <a:pPr lvl="1"/>
+            <a:r>
+              <a:rPr lang="de-AT" dirty="0" smtClean="0"/>
+              <a:t>Player : </a:t>
+            </a:r>
+            <a:r>
+              <a:rPr lang="de-AT" dirty="0" err="1" smtClean="0"/>
+              <a:t>team</a:t>
+            </a:r>
+            <a:endParaRPr lang="de-AT" dirty="0" smtClean="0"/>
+          </a:p>
+          <a:p>
+            <a:pPr lvl="1"/>
+            <a:r>
+              <a:rPr lang="de-AT" dirty="0" err="1" smtClean="0"/>
+              <a:t>Competition</a:t>
+            </a:r>
+            <a:endParaRPr lang="de-AT" dirty="0" smtClean="0"/>
+          </a:p>
+          <a:p>
+            <a:pPr lvl="1"/>
+            <a:r>
+              <a:rPr lang="de-AT" dirty="0" err="1" smtClean="0"/>
+              <a:t>Injury</a:t>
+            </a:r>
+            <a:r>
+              <a:rPr lang="de-AT" dirty="0" smtClean="0"/>
+              <a:t> </a:t>
+            </a:r>
+            <a:r>
+              <a:rPr lang="de-AT" dirty="0" smtClean="0">
+                <a:sym typeface="Wingdings" panose="05000000000000000000" pitchFamily="2" charset="2"/>
+              </a:rPr>
+              <a:t> Player fehlt</a:t>
+            </a:r>
+            <a:endParaRPr lang="de-AT" dirty="0"/>
+          </a:p>
+        </p:txBody>
+      </p:sp>
+    </p:spTree>
+    <p:extLst>
+      <p:ext uri="{BB962C8B-B14F-4D97-AF65-F5344CB8AC3E}">
+        <p14:creationId xmlns:p14="http://schemas.microsoft.com/office/powerpoint/2010/main" val="3995392337"/>
+      </p:ext>
+    </p:extLst>
+  </p:cSld>
+  <p:clrMapOvr>
+    <a:masterClrMapping/>
+  </p:clrMapOvr>
+</p:sld>
+</file>
+
+<file path=ppt/slides/slide4.xml><?xml version="1.0" encoding="utf-8"?>
+<p:sld xmlns:a="http://schemas.openxmlformats.org/drawingml/2006/main" xmlns:r="http://schemas.openxmlformats.org/officeDocument/2006/relationships" xmlns:p="http://schemas.openxmlformats.org/presentationml/2006/main">
+  <p:cSld>
+    <p:spTree>
+      <p:nvGrpSpPr>
+        <p:cNvPr id="1" name=""/>
+        <p:cNvGrpSpPr/>
+        <p:nvPr/>
+      </p:nvGrpSpPr>
+      <p:grpSpPr>
+        <a:xfrm>
+          <a:off x="0" y="0"/>
+          <a:ext cx="0" cy="0"/>
+          <a:chOff x="0" y="0"/>
+          <a:chExt cx="0" cy="0"/>
+        </a:xfrm>
+      </p:grpSpPr>
+      <p:sp>
+        <p:nvSpPr>
+          <p:cNvPr id="2" name="Titel 1"/>
+          <p:cNvSpPr>
+            <a:spLocks noGrp="1"/>
+          </p:cNvSpPr>
+          <p:nvPr>
+            <p:ph type="title"/>
+          </p:nvPr>
+        </p:nvSpPr>
+        <p:spPr/>
+        <p:txBody>
+          <a:bodyPr/>
+          <a:lstStyle/>
+          <a:p>
+            <a:r>
+              <a:rPr lang="en-US" dirty="0"/>
+              <a:t>integrate the schemas</a:t>
+            </a:r>
+            <a:endParaRPr lang="de-AT" dirty="0"/>
+          </a:p>
+        </p:txBody>
+      </p:sp>
+      <p:pic>
+        <p:nvPicPr>
+          <p:cNvPr id="3" name="Picture 2"/>
+          <p:cNvPicPr>
+            <a:picLocks noChangeAspect="1" noChangeArrowheads="1"/>
+          </p:cNvPicPr>
+          <p:nvPr/>
+        </p:nvPicPr>
+        <p:blipFill>
+          <a:blip r:embed="rId2">
+            <a:extLst>
+              <a:ext uri="{28A0092B-C50C-407E-A947-70E740481C1C}">
+                <a14:useLocalDpi xmlns:a14="http://schemas.microsoft.com/office/drawing/2010/main" val="0"/>
+              </a:ext>
+            </a:extLst>
+          </a:blip>
+          <a:srcRect/>
+          <a:stretch>
+            <a:fillRect/>
+          </a:stretch>
+        </p:blipFill>
+        <p:spPr bwMode="auto">
+          <a:xfrm>
+            <a:off x="114300" y="1628800"/>
+            <a:ext cx="8928100" cy="4502150"/>
+          </a:xfrm>
+          <a:prstGeom prst="rect">
+            <a:avLst/>
+          </a:prstGeom>
+          <a:noFill/>
+          <a:ln>
+            <a:noFill/>
+          </a:ln>
+          <a:extLst>
+            <a:ext uri="{909E8E84-426E-40DD-AFC4-6F175D3DCCD1}">
+              <a14:hiddenFill xmlns:a14="http://schemas.microsoft.com/office/drawing/2010/main">
+                <a:solidFill>
+                  <a:schemeClr val="accent1"/>
+                </a:solidFill>
+              </a14:hiddenFill>
+            </a:ext>
+            <a:ext uri="{91240B29-F687-4F45-9708-019B960494DF}">
+              <a14:hiddenLine xmlns:a14="http://schemas.microsoft.com/office/drawing/2010/main" w="9525">
+                <a:solidFill>
+                  <a:schemeClr val="tx1"/>
+                </a:solidFill>
+                <a:miter lim="800000"/>
+                <a:headEnd/>
+                <a:tailEnd/>
+              </a14:hiddenLine>
+            </a:ext>
+          </a:extLst>
+        </p:spPr>
+      </p:pic>
+    </p:spTree>
+    <p:extLst>
+      <p:ext uri="{BB962C8B-B14F-4D97-AF65-F5344CB8AC3E}">
+        <p14:creationId xmlns:p14="http://schemas.microsoft.com/office/powerpoint/2010/main" val="1436579645"/>
+      </p:ext>
+    </p:extLst>
+  </p:cSld>
+  <p:clrMapOvr>
+    <a:masterClrMapping/>
+  </p:clrMapOvr>
+  <p:timing>
+    <p:tnLst>
+      <p:par>
+        <p:cTn id="1" dur="indefinite" restart="never" nodeType="tmRoot"/>
+      </p:par>
+    </p:tnLst>
+  </p:timing>
+</p:sld>
+</file>
+
+<file path=ppt/slides/slide5.xml><?xml version="1.0" encoding="utf-8"?>
+<p:sld xmlns:a="http://schemas.openxmlformats.org/drawingml/2006/main" xmlns:r="http://schemas.openxmlformats.org/officeDocument/2006/relationships" xmlns:p="http://schemas.openxmlformats.org/presentationml/2006/main">
+  <p:cSld>
+    <p:spTree>
+      <p:nvGrpSpPr>
+        <p:cNvPr id="1" name=""/>
+        <p:cNvGrpSpPr/>
+        <p:nvPr/>
+      </p:nvGrpSpPr>
+      <p:grpSpPr>
+        <a:xfrm>
+          <a:off x="0" y="0"/>
+          <a:ext cx="0" cy="0"/>
+          <a:chOff x="0" y="0"/>
+          <a:chExt cx="0" cy="0"/>
+        </a:xfrm>
+      </p:grpSpPr>
+      <p:sp>
+        <p:nvSpPr>
+          <p:cNvPr id="2" name="Titel 1"/>
+          <p:cNvSpPr>
+            <a:spLocks noGrp="1"/>
+          </p:cNvSpPr>
+          <p:nvPr>
+            <p:ph type="title"/>
+          </p:nvPr>
+        </p:nvSpPr>
+        <p:spPr/>
+        <p:txBody>
+          <a:bodyPr>
+            <a:normAutofit fontScale="90000"/>
+          </a:bodyPr>
+          <a:lstStyle/>
+          <a:p>
+            <a:r>
+              <a:rPr lang="de-AT" dirty="0" err="1" smtClean="0"/>
+              <a:t>Exercise</a:t>
+            </a:r>
+            <a:r>
+              <a:rPr lang="de-AT" dirty="0" smtClean="0"/>
+              <a:t> 2 – </a:t>
+            </a:r>
+            <a:br>
+              <a:rPr lang="de-AT" dirty="0" smtClean="0"/>
+            </a:br>
+            <a:r>
+              <a:rPr lang="de-AT" dirty="0" smtClean="0"/>
+              <a:t>Determination </a:t>
+            </a:r>
+            <a:r>
+              <a:rPr lang="de-AT" dirty="0" err="1" smtClean="0"/>
+              <a:t>of</a:t>
+            </a:r>
+            <a:r>
+              <a:rPr lang="de-AT" dirty="0" smtClean="0"/>
+              <a:t> </a:t>
+            </a:r>
+            <a:r>
+              <a:rPr lang="de-AT" dirty="0" err="1" smtClean="0"/>
+              <a:t>Quantities</a:t>
+            </a:r>
+            <a:endParaRPr lang="de-AT" dirty="0"/>
+          </a:p>
+        </p:txBody>
+      </p:sp>
+      <p:pic>
+        <p:nvPicPr>
+          <p:cNvPr id="4" name="Inhaltsplatzhalter 3"/>
+          <p:cNvPicPr>
+            <a:picLocks noGrp="1" noChangeAspect="1"/>
+          </p:cNvPicPr>
+          <p:nvPr>
+            <p:ph sz="quarter" idx="1"/>
+          </p:nvPr>
+        </p:nvPicPr>
+        <p:blipFill>
+          <a:blip r:embed="rId2">
+            <a:extLst>
+              <a:ext uri="{28A0092B-C50C-407E-A947-70E740481C1C}">
+                <a14:useLocalDpi xmlns:a14="http://schemas.microsoft.com/office/drawing/2010/main" val="0"/>
+              </a:ext>
+            </a:extLst>
+          </a:blip>
+          <a:stretch>
+            <a:fillRect/>
+          </a:stretch>
+        </p:blipFill>
+        <p:spPr>
+          <a:xfrm>
+            <a:off x="781023" y="1556792"/>
+            <a:ext cx="5611008" cy="3391374"/>
+          </a:xfrm>
+        </p:spPr>
+      </p:pic>
+      <p:sp>
+        <p:nvSpPr>
+          <p:cNvPr id="5" name="Textfeld 4"/>
+          <p:cNvSpPr txBox="1"/>
+          <p:nvPr/>
+        </p:nvSpPr>
+        <p:spPr>
+          <a:xfrm>
+            <a:off x="810105" y="4797152"/>
+            <a:ext cx="7920880" cy="1815882"/>
+          </a:xfrm>
+          <a:prstGeom prst="rect">
+            <a:avLst/>
+          </a:prstGeom>
+          <a:noFill/>
+        </p:spPr>
+        <p:txBody>
+          <a:bodyPr wrap="square" rtlCol="0">
+            <a:spAutoFit/>
+          </a:bodyPr>
+          <a:lstStyle/>
+          <a:p>
+            <a:r>
+              <a:rPr lang="en-GB" sz="1400" dirty="0"/>
+              <a:t>N(publisher) x N (publisher, publishes ) = N (publishes)  = N(book</a:t>
+            </a:r>
+            <a:r>
+              <a:rPr lang="en-GB" sz="1400" dirty="0" smtClean="0"/>
+              <a:t>)</a:t>
+            </a:r>
+          </a:p>
+          <a:p>
+            <a:pPr marL="285750" indent="-285750">
+              <a:buFont typeface="Symbol"/>
+              <a:buChar char="Þ"/>
+            </a:pPr>
+            <a:r>
+              <a:rPr lang="en-GB" sz="1400" dirty="0" smtClean="0"/>
+              <a:t>N(book) = N(publishes) = 100 x 1.000 = 100.000</a:t>
+            </a:r>
+          </a:p>
+          <a:p>
+            <a:endParaRPr lang="de-AT" sz="1400" dirty="0" smtClean="0"/>
+          </a:p>
+          <a:p>
+            <a:r>
+              <a:rPr lang="en-GB" sz="1400" dirty="0"/>
+              <a:t>N(author) = N(writes) / N(writes, author)</a:t>
+            </a:r>
+            <a:endParaRPr lang="de-AT" sz="1400" dirty="0"/>
+          </a:p>
+          <a:p>
+            <a:pPr marL="285750" indent="-285750">
+              <a:buFont typeface="Symbol"/>
+              <a:buChar char="Þ"/>
+            </a:pPr>
+            <a:r>
+              <a:rPr lang="en-GB" sz="1400" dirty="0" smtClean="0"/>
+              <a:t>N(author) = 400.000 / 20 = 20.000</a:t>
+            </a:r>
+          </a:p>
+          <a:p>
+            <a:pPr marL="285750" indent="-285750">
+              <a:buFont typeface="Symbol"/>
+              <a:buChar char="Þ"/>
+            </a:pPr>
+            <a:endParaRPr lang="en-GB" sz="1400" dirty="0"/>
+          </a:p>
+          <a:p>
+            <a:r>
+              <a:rPr lang="en-GB" sz="1400" dirty="0"/>
+              <a:t>N(book, writes) = N (writes) / N(books</a:t>
+            </a:r>
+            <a:r>
+              <a:rPr lang="en-GB" sz="1400" dirty="0" smtClean="0"/>
+              <a:t>)</a:t>
+            </a:r>
+            <a:endParaRPr lang="en-GB" dirty="0"/>
+          </a:p>
+          <a:p>
+            <a:pPr marL="285750" indent="-285750">
+              <a:buFont typeface="Symbol"/>
+              <a:buChar char="Þ"/>
+            </a:pPr>
+            <a:r>
+              <a:rPr lang="en-GB" sz="1400" dirty="0" smtClean="0"/>
+              <a:t>N(book, writes) = 400.000 / 100.000 = 4</a:t>
+            </a:r>
+          </a:p>
+        </p:txBody>
+      </p:sp>
+    </p:spTree>
+    <p:extLst>
+      <p:ext uri="{BB962C8B-B14F-4D97-AF65-F5344CB8AC3E}">
+        <p14:creationId xmlns:p14="http://schemas.microsoft.com/office/powerpoint/2010/main" val="1343703413"/>
+      </p:ext>
+    </p:extLst>
+  </p:cSld>
+  <p:clrMapOvr>
+    <a:masterClrMapping/>
+  </p:clrMapOvr>
+</p:sld>
+</file>
+
+<file path=ppt/slides/slide6.xml><?xml version="1.0" encoding="utf-8"?>
+<p:sld xmlns:a="http://schemas.openxmlformats.org/drawingml/2006/main" xmlns:r="http://schemas.openxmlformats.org/officeDocument/2006/relationships" xmlns:p="http://schemas.openxmlformats.org/presentationml/2006/main">
+  <p:cSld>
+    <p:spTree>
+      <p:nvGrpSpPr>
+        <p:cNvPr id="1" name=""/>
+        <p:cNvGrpSpPr/>
+        <p:nvPr/>
+      </p:nvGrpSpPr>
+      <p:grpSpPr>
+        <a:xfrm>
+          <a:off x="0" y="0"/>
+          <a:ext cx="0" cy="0"/>
+          <a:chOff x="0" y="0"/>
+          <a:chExt cx="0" cy="0"/>
+        </a:xfrm>
+      </p:grpSpPr>
+      <p:sp>
+        <p:nvSpPr>
+          <p:cNvPr id="2" name="Titel 1"/>
+          <p:cNvSpPr>
+            <a:spLocks noGrp="1"/>
+          </p:cNvSpPr>
+          <p:nvPr>
+            <p:ph type="title"/>
+          </p:nvPr>
+        </p:nvSpPr>
+        <p:spPr/>
+        <p:txBody>
+          <a:bodyPr/>
+          <a:lstStyle/>
+          <a:p>
+            <a:r>
+              <a:rPr lang="de-AT" dirty="0" err="1" smtClean="0"/>
+              <a:t>Exercise</a:t>
+            </a:r>
+            <a:r>
+              <a:rPr lang="de-AT" dirty="0" smtClean="0"/>
+              <a:t> 2 - Navigation</a:t>
+            </a:r>
+            <a:endParaRPr lang="de-AT" dirty="0"/>
+          </a:p>
+        </p:txBody>
+      </p:sp>
+      <p:sp>
+        <p:nvSpPr>
+          <p:cNvPr id="3" name="Inhaltsplatzhalter 2"/>
+          <p:cNvSpPr>
+            <a:spLocks noGrp="1"/>
+          </p:cNvSpPr>
+          <p:nvPr>
+            <p:ph sz="quarter" idx="1"/>
+          </p:nvPr>
+        </p:nvSpPr>
+        <p:spPr/>
+        <p:txBody>
+          <a:bodyPr/>
+          <a:lstStyle/>
+          <a:p>
+            <a:endParaRPr lang="de-AT" dirty="0"/>
+          </a:p>
+        </p:txBody>
+      </p:sp>
+    </p:spTree>
+    <p:extLst>
+      <p:ext uri="{BB962C8B-B14F-4D97-AF65-F5344CB8AC3E}">
+        <p14:creationId xmlns:p14="http://schemas.microsoft.com/office/powerpoint/2010/main" val="1138079737"/>
+      </p:ext>
+    </p:extLst>
+  </p:cSld>
+  <p:clrMapOvr>
+    <a:masterClrMapping/>
+  </p:clrMapOvr>
+</p:sld>
+</file>
+
+<file path=ppt/slides/slide7.xml><?xml version="1.0" encoding="utf-8"?>
+<p:sld xmlns:a="http://schemas.openxmlformats.org/drawingml/2006/main" xmlns:r="http://schemas.openxmlformats.org/officeDocument/2006/relationships" xmlns:p="http://schemas.openxmlformats.org/presentationml/2006/main">
+  <p:cSld>
+    <p:spTree>
+      <p:nvGrpSpPr>
+        <p:cNvPr id="1" name=""/>
+        <p:cNvGrpSpPr/>
+        <p:nvPr/>
+      </p:nvGrpSpPr>
+      <p:grpSpPr>
+        <a:xfrm>
+          <a:off x="0" y="0"/>
+          <a:ext cx="0" cy="0"/>
+          <a:chOff x="0" y="0"/>
+          <a:chExt cx="0" cy="0"/>
+        </a:xfrm>
+      </p:grpSpPr>
+      <p:sp>
+        <p:nvSpPr>
+          <p:cNvPr id="2" name="Titel 1"/>
+          <p:cNvSpPr>
+            <a:spLocks noGrp="1"/>
+          </p:cNvSpPr>
+          <p:nvPr>
+            <p:ph type="title"/>
+          </p:nvPr>
+        </p:nvSpPr>
+        <p:spPr/>
+        <p:txBody>
+          <a:bodyPr/>
+          <a:lstStyle/>
+          <a:p>
+            <a:r>
+              <a:rPr lang="de-AT" dirty="0" err="1" smtClean="0"/>
+              <a:t>Exercise</a:t>
+            </a:r>
+            <a:r>
+              <a:rPr lang="de-AT" dirty="0" smtClean="0"/>
+              <a:t> 3 – </a:t>
+            </a:r>
+            <a:r>
+              <a:rPr lang="de-AT" dirty="0" err="1" smtClean="0"/>
+              <a:t>Redundancy</a:t>
+            </a:r>
+            <a:endParaRPr lang="de-AT" dirty="0"/>
+          </a:p>
+        </p:txBody>
+      </p:sp>
+      <p:sp>
+        <p:nvSpPr>
+          <p:cNvPr id="3" name="Inhaltsplatzhalter 2"/>
+          <p:cNvSpPr>
+            <a:spLocks noGrp="1"/>
+          </p:cNvSpPr>
+          <p:nvPr>
+            <p:ph sz="quarter" idx="1"/>
+          </p:nvPr>
+        </p:nvSpPr>
+        <p:spPr/>
+        <p:txBody>
+          <a:bodyPr>
+            <a:normAutofit fontScale="92500" lnSpcReduction="20000"/>
+          </a:bodyPr>
+          <a:lstStyle/>
+          <a:p>
+            <a:r>
+              <a:rPr lang="de-AT" dirty="0" err="1" smtClean="0"/>
+              <a:t>Redundancy</a:t>
+            </a:r>
+            <a:r>
+              <a:rPr lang="de-AT" dirty="0" smtClean="0"/>
+              <a:t> </a:t>
+            </a:r>
+            <a:r>
+              <a:rPr lang="de-AT" dirty="0" err="1" smtClean="0"/>
+              <a:t>occurs</a:t>
+            </a:r>
+            <a:r>
+              <a:rPr lang="de-AT" dirty="0" smtClean="0"/>
+              <a:t>, </a:t>
+            </a:r>
+            <a:r>
+              <a:rPr lang="de-AT" dirty="0" err="1" smtClean="0"/>
+              <a:t>if</a:t>
+            </a:r>
+            <a:r>
+              <a:rPr lang="de-AT" dirty="0" smtClean="0"/>
+              <a:t> </a:t>
+            </a:r>
+            <a:r>
+              <a:rPr lang="de-AT" dirty="0" err="1" smtClean="0"/>
+              <a:t>the</a:t>
+            </a:r>
+            <a:r>
+              <a:rPr lang="de-AT" dirty="0" smtClean="0"/>
+              <a:t> same </a:t>
+            </a:r>
+            <a:r>
+              <a:rPr lang="de-AT" dirty="0" err="1" smtClean="0"/>
+              <a:t>information</a:t>
+            </a:r>
+            <a:r>
+              <a:rPr lang="de-AT" dirty="0" smtClean="0"/>
+              <a:t> </a:t>
+            </a:r>
+            <a:r>
+              <a:rPr lang="de-AT" dirty="0" err="1" smtClean="0"/>
+              <a:t>or</a:t>
+            </a:r>
+            <a:r>
+              <a:rPr lang="de-AT" dirty="0" smtClean="0"/>
+              <a:t> </a:t>
+            </a:r>
+            <a:r>
+              <a:rPr lang="de-AT" dirty="0" err="1" smtClean="0"/>
+              <a:t>derivable</a:t>
+            </a:r>
+            <a:r>
+              <a:rPr lang="de-AT" dirty="0" smtClean="0"/>
+              <a:t> </a:t>
+            </a:r>
+            <a:r>
+              <a:rPr lang="de-AT" dirty="0" err="1" smtClean="0"/>
+              <a:t>information</a:t>
+            </a:r>
+            <a:r>
+              <a:rPr lang="de-AT" dirty="0" smtClean="0"/>
+              <a:t> </a:t>
+            </a:r>
+            <a:r>
+              <a:rPr lang="de-AT" dirty="0" err="1" smtClean="0"/>
+              <a:t>is</a:t>
+            </a:r>
+            <a:r>
+              <a:rPr lang="de-AT" dirty="0" smtClean="0"/>
+              <a:t> </a:t>
+            </a:r>
+            <a:r>
+              <a:rPr lang="de-AT" dirty="0" err="1" smtClean="0"/>
+              <a:t>stored</a:t>
+            </a:r>
+            <a:r>
+              <a:rPr lang="de-AT" dirty="0" smtClean="0"/>
+              <a:t> multiple </a:t>
+            </a:r>
+            <a:r>
+              <a:rPr lang="de-AT" dirty="0" err="1" smtClean="0"/>
+              <a:t>times</a:t>
+            </a:r>
+            <a:r>
+              <a:rPr lang="de-AT" dirty="0" smtClean="0"/>
+              <a:t>.</a:t>
+            </a:r>
+          </a:p>
+          <a:p>
+            <a:endParaRPr lang="de-AT" dirty="0"/>
+          </a:p>
+          <a:p>
+            <a:r>
+              <a:rPr lang="de-AT" dirty="0" smtClean="0"/>
+              <a:t>Pros:</a:t>
+            </a:r>
+          </a:p>
+          <a:p>
+            <a:pPr lvl="1"/>
+            <a:r>
+              <a:rPr lang="de-AT" dirty="0" smtClean="0"/>
+              <a:t>Speeds </a:t>
+            </a:r>
+            <a:r>
+              <a:rPr lang="de-AT" dirty="0" err="1" smtClean="0"/>
+              <a:t>up</a:t>
+            </a:r>
+            <a:r>
+              <a:rPr lang="de-AT" dirty="0" smtClean="0"/>
+              <a:t> </a:t>
+            </a:r>
+            <a:r>
+              <a:rPr lang="de-AT" dirty="0" err="1" smtClean="0"/>
+              <a:t>data</a:t>
+            </a:r>
+            <a:r>
+              <a:rPr lang="de-AT" dirty="0" smtClean="0"/>
+              <a:t> </a:t>
+            </a:r>
+            <a:r>
+              <a:rPr lang="de-AT" dirty="0" err="1" smtClean="0"/>
+              <a:t>access</a:t>
+            </a:r>
+            <a:r>
+              <a:rPr lang="de-AT" dirty="0" smtClean="0"/>
+              <a:t> (</a:t>
+            </a:r>
+            <a:r>
+              <a:rPr lang="de-AT" dirty="0" err="1" smtClean="0"/>
+              <a:t>navigation</a:t>
+            </a:r>
+            <a:r>
+              <a:rPr lang="de-AT" dirty="0" smtClean="0"/>
+              <a:t> </a:t>
+            </a:r>
+            <a:r>
+              <a:rPr lang="de-AT" dirty="0" err="1" smtClean="0"/>
+              <a:t>path</a:t>
+            </a:r>
+            <a:r>
+              <a:rPr lang="de-AT" dirty="0" smtClean="0"/>
+              <a:t> </a:t>
+            </a:r>
+            <a:r>
+              <a:rPr lang="de-AT" dirty="0" err="1" smtClean="0"/>
+              <a:t>is</a:t>
+            </a:r>
+            <a:r>
+              <a:rPr lang="de-AT" dirty="0" smtClean="0"/>
+              <a:t> </a:t>
+            </a:r>
+            <a:r>
+              <a:rPr lang="de-AT" dirty="0" err="1" smtClean="0"/>
+              <a:t>shortened</a:t>
+            </a:r>
+            <a:r>
+              <a:rPr lang="de-AT" dirty="0" smtClean="0"/>
+              <a:t> </a:t>
+            </a:r>
+            <a:r>
+              <a:rPr lang="de-AT" dirty="0" err="1" smtClean="0"/>
+              <a:t>for</a:t>
+            </a:r>
+            <a:r>
+              <a:rPr lang="de-AT" dirty="0" smtClean="0"/>
+              <a:t> </a:t>
+            </a:r>
+            <a:r>
+              <a:rPr lang="de-AT" dirty="0" err="1" smtClean="0"/>
+              <a:t>some</a:t>
+            </a:r>
+            <a:r>
+              <a:rPr lang="de-AT" dirty="0" smtClean="0"/>
+              <a:t> </a:t>
+            </a:r>
+            <a:r>
+              <a:rPr lang="de-AT" dirty="0" err="1" smtClean="0"/>
+              <a:t>operations</a:t>
+            </a:r>
+            <a:r>
+              <a:rPr lang="de-AT" dirty="0" smtClean="0"/>
+              <a:t>)</a:t>
+            </a:r>
+          </a:p>
+          <a:p>
+            <a:pPr lvl="1"/>
+            <a:endParaRPr lang="de-AT" dirty="0"/>
+          </a:p>
+          <a:p>
+            <a:r>
+              <a:rPr lang="de-AT" dirty="0" err="1" smtClean="0"/>
+              <a:t>Cons</a:t>
+            </a:r>
+            <a:r>
+              <a:rPr lang="de-AT" dirty="0" smtClean="0"/>
+              <a:t>:</a:t>
+            </a:r>
+          </a:p>
+          <a:p>
+            <a:pPr lvl="1"/>
+            <a:r>
+              <a:rPr lang="de-AT" dirty="0" smtClean="0"/>
+              <a:t>Additional </a:t>
+            </a:r>
+            <a:r>
+              <a:rPr lang="de-AT" dirty="0" err="1" smtClean="0"/>
+              <a:t>updates</a:t>
+            </a:r>
+            <a:endParaRPr lang="de-AT" dirty="0" smtClean="0"/>
+          </a:p>
+          <a:p>
+            <a:pPr lvl="1"/>
+            <a:r>
+              <a:rPr lang="de-AT" dirty="0" err="1" smtClean="0"/>
+              <a:t>Risk</a:t>
+            </a:r>
+            <a:r>
+              <a:rPr lang="de-AT" dirty="0" smtClean="0"/>
+              <a:t> </a:t>
+            </a:r>
+            <a:r>
+              <a:rPr lang="de-AT" dirty="0" err="1" smtClean="0"/>
+              <a:t>of</a:t>
+            </a:r>
+            <a:r>
+              <a:rPr lang="de-AT" dirty="0" smtClean="0"/>
+              <a:t> </a:t>
+            </a:r>
+            <a:r>
+              <a:rPr lang="de-AT" dirty="0" err="1" smtClean="0"/>
+              <a:t>inconsistency</a:t>
+            </a:r>
+            <a:r>
+              <a:rPr lang="de-AT" dirty="0" smtClean="0"/>
+              <a:t> ( =&gt; </a:t>
+            </a:r>
+            <a:r>
+              <a:rPr lang="de-AT" dirty="0" err="1" smtClean="0"/>
+              <a:t>more</a:t>
+            </a:r>
+            <a:r>
+              <a:rPr lang="de-AT" dirty="0" smtClean="0"/>
+              <a:t> </a:t>
+            </a:r>
+            <a:r>
+              <a:rPr lang="de-AT" dirty="0" err="1" smtClean="0"/>
+              <a:t>consistency</a:t>
+            </a:r>
+            <a:r>
+              <a:rPr lang="de-AT" dirty="0" smtClean="0"/>
+              <a:t> </a:t>
+            </a:r>
+            <a:r>
+              <a:rPr lang="de-AT" dirty="0" err="1" smtClean="0"/>
+              <a:t>checks</a:t>
+            </a:r>
+            <a:r>
+              <a:rPr lang="de-AT" dirty="0" smtClean="0"/>
+              <a:t> </a:t>
+            </a:r>
+            <a:r>
+              <a:rPr lang="de-AT" dirty="0" err="1" smtClean="0"/>
+              <a:t>needed</a:t>
+            </a:r>
+            <a:r>
+              <a:rPr lang="de-AT" dirty="0" smtClean="0"/>
+              <a:t>)</a:t>
+            </a:r>
+          </a:p>
+          <a:p>
+            <a:pPr lvl="1"/>
+            <a:r>
+              <a:rPr lang="de-AT" dirty="0" smtClean="0"/>
+              <a:t>Additional </a:t>
+            </a:r>
+            <a:r>
+              <a:rPr lang="de-AT" dirty="0" err="1" smtClean="0"/>
+              <a:t>storage</a:t>
+            </a:r>
+            <a:r>
+              <a:rPr lang="de-AT" dirty="0" smtClean="0"/>
+              <a:t> </a:t>
+            </a:r>
+            <a:r>
+              <a:rPr lang="de-AT" dirty="0" err="1" smtClean="0"/>
+              <a:t>space</a:t>
+            </a:r>
+            <a:endParaRPr lang="de-AT" dirty="0" smtClean="0"/>
+          </a:p>
+          <a:p>
+            <a:pPr lvl="1"/>
+            <a:endParaRPr lang="de-AT" dirty="0"/>
+          </a:p>
+          <a:p>
+            <a:pPr marL="365760" lvl="1" indent="0">
+              <a:buNone/>
+            </a:pPr>
+            <a:endParaRPr lang="de-AT" dirty="0"/>
+          </a:p>
+        </p:txBody>
+      </p:sp>
+    </p:spTree>
+    <p:extLst>
+      <p:ext uri="{BB962C8B-B14F-4D97-AF65-F5344CB8AC3E}">
+        <p14:creationId xmlns:p14="http://schemas.microsoft.com/office/powerpoint/2010/main" val="526241371"/>
+      </p:ext>
+    </p:extLst>
+  </p:cSld>
+  <p:clrMapOvr>
+    <a:masterClrMapping/>
+  </p:clrMapOvr>
+</p:sld>
+</file>
+
+<file path=ppt/slides/slide8.xml><?xml version="1.0" encoding="utf-8"?>
+<p:sld xmlns:a="http://schemas.openxmlformats.org/drawingml/2006/main" xmlns:r="http://schemas.openxmlformats.org/officeDocument/2006/relationships" xmlns:p="http://schemas.openxmlformats.org/presentationml/2006/main">
+  <p:cSld>
+    <p:spTree>
+      <p:nvGrpSpPr>
+        <p:cNvPr id="1" name=""/>
+        <p:cNvGrpSpPr/>
+        <p:nvPr/>
+      </p:nvGrpSpPr>
+      <p:grpSpPr>
+        <a:xfrm>
+          <a:off x="0" y="0"/>
+          <a:ext cx="0" cy="0"/>
+          <a:chOff x="0" y="0"/>
+          <a:chExt cx="0" cy="0"/>
+        </a:xfrm>
+      </p:grpSpPr>
+      <p:sp>
+        <p:nvSpPr>
+          <p:cNvPr id="2" name="Titel 1"/>
+          <p:cNvSpPr>
+            <a:spLocks noGrp="1"/>
+          </p:cNvSpPr>
+          <p:nvPr>
+            <p:ph type="title"/>
+          </p:nvPr>
+        </p:nvSpPr>
+        <p:spPr/>
+        <p:txBody>
+          <a:bodyPr/>
+          <a:lstStyle/>
+          <a:p>
+            <a:r>
+              <a:rPr lang="de-AT" dirty="0" smtClean="0"/>
+              <a:t>Redundant Attribute</a:t>
+            </a:r>
+            <a:endParaRPr lang="de-AT" dirty="0"/>
+          </a:p>
+        </p:txBody>
+      </p:sp>
+      <p:pic>
+        <p:nvPicPr>
+          <p:cNvPr id="4" name="Inhaltsplatzhalter 3"/>
+          <p:cNvPicPr>
+            <a:picLocks noGrp="1" noChangeAspect="1"/>
+          </p:cNvPicPr>
+          <p:nvPr>
+            <p:ph sz="quarter" idx="1"/>
+          </p:nvPr>
+        </p:nvPicPr>
+        <p:blipFill>
+          <a:blip r:embed="rId2">
+            <a:extLst>
+              <a:ext uri="{28A0092B-C50C-407E-A947-70E740481C1C}">
+                <a14:useLocalDpi xmlns:a14="http://schemas.microsoft.com/office/drawing/2010/main" val="0"/>
+              </a:ext>
+            </a:extLst>
+          </a:blip>
+          <a:stretch>
+            <a:fillRect/>
+          </a:stretch>
+        </p:blipFill>
+        <p:spPr>
+          <a:xfrm>
+            <a:off x="1882485" y="2151515"/>
+            <a:ext cx="5613979" cy="3393169"/>
+          </a:xfrm>
+        </p:spPr>
+      </p:pic>
+      <p:pic>
+        <p:nvPicPr>
+          <p:cNvPr id="5" name="Grafik 4"/>
+          <p:cNvPicPr>
+            <a:picLocks noChangeAspect="1"/>
+          </p:cNvPicPr>
+          <p:nvPr/>
+        </p:nvPicPr>
+        <p:blipFill>
+          <a:blip r:embed="rId3">
+            <a:extLst>
+              <a:ext uri="{28A0092B-C50C-407E-A947-70E740481C1C}">
+                <a14:useLocalDpi xmlns:a14="http://schemas.microsoft.com/office/drawing/2010/main" val="0"/>
+              </a:ext>
+            </a:extLst>
+          </a:blip>
+          <a:stretch>
+            <a:fillRect/>
+          </a:stretch>
+        </p:blipFill>
+        <p:spPr>
+          <a:xfrm>
+            <a:off x="1838341" y="2052055"/>
+            <a:ext cx="5613979" cy="3393169"/>
+          </a:xfrm>
+          <a:prstGeom prst="rect">
+            <a:avLst/>
+          </a:prstGeom>
+        </p:spPr>
+      </p:pic>
+      <p:sp>
+        <p:nvSpPr>
+          <p:cNvPr id="6" name="Textfeld 5"/>
+          <p:cNvSpPr txBox="1"/>
+          <p:nvPr/>
+        </p:nvSpPr>
+        <p:spPr>
+          <a:xfrm>
+            <a:off x="971600" y="5661248"/>
+            <a:ext cx="7632848" cy="923330"/>
+          </a:xfrm>
+          <a:prstGeom prst="rect">
+            <a:avLst/>
+          </a:prstGeom>
+          <a:noFill/>
+        </p:spPr>
+        <p:txBody>
+          <a:bodyPr wrap="square" rtlCol="0">
+            <a:spAutoFit/>
+          </a:bodyPr>
+          <a:lstStyle/>
+          <a:p>
+            <a:r>
+              <a:rPr lang="de-AT" dirty="0" smtClean="0"/>
+              <a:t>READ: </a:t>
+            </a:r>
+            <a:r>
+              <a:rPr lang="de-AT" dirty="0" err="1" smtClean="0"/>
+              <a:t>Saves</a:t>
+            </a:r>
+            <a:r>
+              <a:rPr lang="de-AT" dirty="0" smtClean="0"/>
+              <a:t> </a:t>
+            </a:r>
+            <a:r>
+              <a:rPr lang="de-AT" dirty="0" err="1" smtClean="0"/>
+              <a:t>access</a:t>
+            </a:r>
+            <a:r>
+              <a:rPr lang="de-AT" dirty="0" smtClean="0"/>
+              <a:t> </a:t>
+            </a:r>
+            <a:r>
+              <a:rPr lang="de-AT" dirty="0" err="1" smtClean="0"/>
+              <a:t>to</a:t>
+            </a:r>
+            <a:r>
+              <a:rPr lang="de-AT" dirty="0" smtClean="0"/>
+              <a:t> </a:t>
+            </a:r>
+            <a:r>
+              <a:rPr lang="de-AT" i="1" dirty="0" err="1" smtClean="0">
+                <a:latin typeface="Courier New" panose="02070309020205020404" pitchFamily="49" charset="0"/>
+                <a:cs typeface="Courier New" panose="02070309020205020404" pitchFamily="49" charset="0"/>
+              </a:rPr>
+              <a:t>book</a:t>
+            </a:r>
+            <a:r>
+              <a:rPr lang="de-AT" dirty="0" smtClean="0"/>
+              <a:t> </a:t>
+            </a:r>
+            <a:r>
+              <a:rPr lang="de-AT" dirty="0" err="1" smtClean="0"/>
+              <a:t>and</a:t>
+            </a:r>
+            <a:r>
+              <a:rPr lang="de-AT" dirty="0" smtClean="0"/>
+              <a:t> </a:t>
+            </a:r>
+            <a:r>
+              <a:rPr lang="de-AT" i="1" dirty="0" err="1" smtClean="0">
+                <a:latin typeface="Courier New" panose="02070309020205020404" pitchFamily="49" charset="0"/>
+                <a:cs typeface="Courier New" panose="02070309020205020404" pitchFamily="49" charset="0"/>
+              </a:rPr>
+              <a:t>writes</a:t>
+            </a:r>
+            <a:endParaRPr lang="de-AT" i="1" dirty="0" smtClean="0">
+              <a:latin typeface="Courier New" panose="02070309020205020404" pitchFamily="49" charset="0"/>
+              <a:cs typeface="Courier New" panose="02070309020205020404" pitchFamily="49" charset="0"/>
+            </a:endParaRPr>
+          </a:p>
+          <a:p>
+            <a:r>
+              <a:rPr lang="de-AT" dirty="0" smtClean="0">
+                <a:latin typeface="+mj-lt"/>
+                <a:cs typeface="Courier New" panose="02070309020205020404" pitchFamily="49" charset="0"/>
+              </a:rPr>
+              <a:t>WRITE: Every </a:t>
+            </a:r>
+            <a:r>
+              <a:rPr lang="de-AT" dirty="0" err="1" smtClean="0">
+                <a:latin typeface="+mj-lt"/>
+                <a:cs typeface="Courier New" panose="02070309020205020404" pitchFamily="49" charset="0"/>
+              </a:rPr>
+              <a:t>insert</a:t>
+            </a:r>
+            <a:r>
+              <a:rPr lang="de-AT" dirty="0">
+                <a:latin typeface="+mj-lt"/>
+                <a:cs typeface="Courier New" panose="02070309020205020404" pitchFamily="49" charset="0"/>
+              </a:rPr>
+              <a:t> </a:t>
+            </a:r>
+            <a:r>
+              <a:rPr lang="de-AT" dirty="0" err="1" smtClean="0">
+                <a:latin typeface="+mj-lt"/>
+                <a:cs typeface="Courier New" panose="02070309020205020404" pitchFamily="49" charset="0"/>
+              </a:rPr>
+              <a:t>and</a:t>
+            </a:r>
+            <a:r>
+              <a:rPr lang="de-AT" dirty="0" smtClean="0">
+                <a:latin typeface="+mj-lt"/>
+                <a:cs typeface="Courier New" panose="02070309020205020404" pitchFamily="49" charset="0"/>
+              </a:rPr>
+              <a:t> </a:t>
+            </a:r>
+            <a:r>
+              <a:rPr lang="de-AT" dirty="0" err="1" smtClean="0">
+                <a:latin typeface="+mj-lt"/>
+                <a:cs typeface="Courier New" panose="02070309020205020404" pitchFamily="49" charset="0"/>
+              </a:rPr>
+              <a:t>delete</a:t>
+            </a:r>
+            <a:r>
+              <a:rPr lang="de-AT" dirty="0" smtClean="0">
+                <a:latin typeface="+mj-lt"/>
+                <a:cs typeface="Courier New" panose="02070309020205020404" pitchFamily="49" charset="0"/>
+              </a:rPr>
+              <a:t> </a:t>
+            </a:r>
+            <a:r>
+              <a:rPr lang="de-AT" dirty="0" err="1" smtClean="0">
+                <a:latin typeface="+mj-lt"/>
+                <a:cs typeface="Courier New" panose="02070309020205020404" pitchFamily="49" charset="0"/>
+              </a:rPr>
+              <a:t>and</a:t>
+            </a:r>
+            <a:r>
+              <a:rPr lang="de-AT" dirty="0" smtClean="0">
+                <a:latin typeface="+mj-lt"/>
+                <a:cs typeface="Courier New" panose="02070309020205020404" pitchFamily="49" charset="0"/>
+              </a:rPr>
+              <a:t> </a:t>
+            </a:r>
+            <a:r>
+              <a:rPr lang="de-AT" dirty="0" err="1" smtClean="0">
+                <a:latin typeface="+mj-lt"/>
+                <a:cs typeface="Courier New" panose="02070309020205020404" pitchFamily="49" charset="0"/>
+              </a:rPr>
+              <a:t>some</a:t>
+            </a:r>
+            <a:r>
+              <a:rPr lang="de-AT" dirty="0" smtClean="0">
+                <a:latin typeface="+mj-lt"/>
+                <a:cs typeface="Courier New" panose="02070309020205020404" pitchFamily="49" charset="0"/>
+              </a:rPr>
+              <a:t> </a:t>
+            </a:r>
+            <a:r>
+              <a:rPr lang="de-AT" dirty="0" err="1" smtClean="0">
+                <a:latin typeface="+mj-lt"/>
+                <a:cs typeface="Courier New" panose="02070309020205020404" pitchFamily="49" charset="0"/>
+              </a:rPr>
+              <a:t>updates</a:t>
+            </a:r>
+            <a:r>
+              <a:rPr lang="de-AT" dirty="0" smtClean="0">
+                <a:latin typeface="+mj-lt"/>
+                <a:cs typeface="Courier New" panose="02070309020205020404" pitchFamily="49" charset="0"/>
+              </a:rPr>
+              <a:t> in </a:t>
+            </a:r>
+            <a:r>
+              <a:rPr lang="de-AT" i="1" dirty="0" err="1">
+                <a:latin typeface="Courier New" panose="02070309020205020404" pitchFamily="49" charset="0"/>
+                <a:cs typeface="Courier New" panose="02070309020205020404" pitchFamily="49" charset="0"/>
+              </a:rPr>
+              <a:t>book</a:t>
+            </a:r>
+            <a:r>
+              <a:rPr lang="de-AT" dirty="0"/>
+              <a:t> </a:t>
+            </a:r>
+            <a:r>
+              <a:rPr lang="de-AT" dirty="0" err="1"/>
+              <a:t>and</a:t>
+            </a:r>
+            <a:r>
+              <a:rPr lang="de-AT" dirty="0"/>
+              <a:t> </a:t>
+            </a:r>
+            <a:r>
+              <a:rPr lang="de-AT" i="1" dirty="0" err="1" smtClean="0">
+                <a:latin typeface="Courier New" panose="02070309020205020404" pitchFamily="49" charset="0"/>
+                <a:cs typeface="Courier New" panose="02070309020205020404" pitchFamily="49" charset="0"/>
+              </a:rPr>
+              <a:t>writes</a:t>
+            </a:r>
+            <a:r>
+              <a:rPr lang="de-AT" dirty="0">
+                <a:latin typeface="+mj-lt"/>
+                <a:cs typeface="Courier New" panose="02070309020205020404" pitchFamily="49" charset="0"/>
+              </a:rPr>
+              <a:t> </a:t>
+            </a:r>
+            <a:r>
+              <a:rPr lang="de-AT" dirty="0" err="1" smtClean="0">
+                <a:latin typeface="+mj-lt"/>
+                <a:cs typeface="Courier New" panose="02070309020205020404" pitchFamily="49" charset="0"/>
+              </a:rPr>
+              <a:t>forces</a:t>
+            </a:r>
+            <a:r>
+              <a:rPr lang="de-AT" dirty="0" smtClean="0">
+                <a:latin typeface="+mj-lt"/>
+                <a:cs typeface="Courier New" panose="02070309020205020404" pitchFamily="49" charset="0"/>
+              </a:rPr>
+              <a:t> update </a:t>
+            </a:r>
+            <a:r>
+              <a:rPr lang="de-AT" dirty="0" err="1" smtClean="0">
+                <a:latin typeface="+mj-lt"/>
+                <a:cs typeface="Courier New" panose="02070309020205020404" pitchFamily="49" charset="0"/>
+              </a:rPr>
+              <a:t>of</a:t>
+            </a:r>
+            <a:r>
+              <a:rPr lang="de-AT" dirty="0" smtClean="0">
+                <a:latin typeface="+mj-lt"/>
+                <a:cs typeface="Courier New" panose="02070309020205020404" pitchFamily="49" charset="0"/>
+              </a:rPr>
+              <a:t> </a:t>
+            </a:r>
+            <a:r>
+              <a:rPr lang="de-AT" dirty="0" err="1" smtClean="0">
+                <a:solidFill>
+                  <a:srgbClr val="FF0000"/>
+                </a:solidFill>
+                <a:latin typeface="+mj-lt"/>
+                <a:cs typeface="Courier New" panose="02070309020205020404" pitchFamily="49" charset="0"/>
+              </a:rPr>
+              <a:t>number_authors</a:t>
+            </a:r>
+            <a:r>
+              <a:rPr lang="de-AT" dirty="0" smtClean="0">
+                <a:solidFill>
+                  <a:srgbClr val="FF0000"/>
+                </a:solidFill>
+                <a:latin typeface="+mj-lt"/>
+                <a:cs typeface="Courier New" panose="02070309020205020404" pitchFamily="49" charset="0"/>
+              </a:rPr>
+              <a:t> </a:t>
+            </a:r>
+            <a:r>
+              <a:rPr lang="de-AT" dirty="0" smtClean="0">
+                <a:latin typeface="+mj-lt"/>
+                <a:cs typeface="Courier New" panose="02070309020205020404" pitchFamily="49" charset="0"/>
+              </a:rPr>
+              <a:t>in </a:t>
+            </a:r>
+            <a:r>
+              <a:rPr lang="de-AT" i="1" dirty="0" err="1" smtClean="0">
+                <a:latin typeface="Courier New" panose="02070309020205020404" pitchFamily="49" charset="0"/>
+                <a:cs typeface="Courier New" panose="02070309020205020404" pitchFamily="49" charset="0"/>
+              </a:rPr>
+              <a:t>publisher</a:t>
+            </a:r>
+            <a:endParaRPr lang="de-AT" i="1" dirty="0">
+              <a:latin typeface="Courier New" panose="02070309020205020404" pitchFamily="49" charset="0"/>
+              <a:cs typeface="Courier New" panose="02070309020205020404" pitchFamily="49" charset="0"/>
+            </a:endParaRPr>
+          </a:p>
+        </p:txBody>
+      </p:sp>
+    </p:spTree>
+    <p:extLst>
+      <p:ext uri="{BB962C8B-B14F-4D97-AF65-F5344CB8AC3E}">
+        <p14:creationId xmlns:p14="http://schemas.microsoft.com/office/powerpoint/2010/main" val="1667442408"/>
+      </p:ext>
+    </p:extLst>
+  </p:cSld>
+  <p:clrMapOvr>
+    <a:masterClrMapping/>
+  </p:clrMapOvr>
+</p:sld>
+</file>
+
+<file path=ppt/slides/slide9.xml><?xml version="1.0" encoding="utf-8"?>
+<p:sld xmlns:a="http://schemas.openxmlformats.org/drawingml/2006/main" xmlns:r="http://schemas.openxmlformats.org/officeDocument/2006/relationships" xmlns:p="http://schemas.openxmlformats.org/presentationml/2006/main">
+  <p:cSld>
+    <p:spTree>
+      <p:nvGrpSpPr>
+        <p:cNvPr id="1" name=""/>
+        <p:cNvGrpSpPr/>
+        <p:nvPr/>
+      </p:nvGrpSpPr>
+      <p:grpSpPr>
+        <a:xfrm>
+          <a:off x="0" y="0"/>
+          <a:ext cx="0" cy="0"/>
+          <a:chOff x="0" y="0"/>
+          <a:chExt cx="0" cy="0"/>
+        </a:xfrm>
+      </p:grpSpPr>
+      <p:sp>
+        <p:nvSpPr>
+          <p:cNvPr id="2" name="Titel 1"/>
+          <p:cNvSpPr>
+            <a:spLocks noGrp="1"/>
+          </p:cNvSpPr>
+          <p:nvPr>
+            <p:ph type="title"/>
+          </p:nvPr>
+        </p:nvSpPr>
+        <p:spPr/>
+        <p:txBody>
+          <a:bodyPr/>
+          <a:lstStyle/>
+          <a:p>
+            <a:r>
+              <a:rPr lang="de-AT" dirty="0" smtClean="0"/>
+              <a:t>Redundant </a:t>
+            </a:r>
+            <a:r>
+              <a:rPr lang="de-AT" dirty="0" err="1" smtClean="0"/>
+              <a:t>Association</a:t>
+            </a:r>
+            <a:endParaRPr lang="de-AT" dirty="0"/>
+          </a:p>
+        </p:txBody>
+      </p:sp>
+      <p:pic>
+        <p:nvPicPr>
+          <p:cNvPr id="4" name="Inhaltsplatzhalter 3"/>
+          <p:cNvPicPr>
+            <a:picLocks noGrp="1" noChangeAspect="1"/>
+          </p:cNvPicPr>
+          <p:nvPr>
+            <p:ph sz="quarter" idx="1"/>
+          </p:nvPr>
+        </p:nvPicPr>
+        <p:blipFill>
+          <a:blip r:embed="rId2">
+            <a:extLst>
+              <a:ext uri="{28A0092B-C50C-407E-A947-70E740481C1C}">
+                <a14:useLocalDpi xmlns:a14="http://schemas.microsoft.com/office/drawing/2010/main" val="0"/>
+              </a:ext>
+            </a:extLst>
+          </a:blip>
+          <a:stretch>
+            <a:fillRect/>
+          </a:stretch>
+        </p:blipFill>
+        <p:spPr>
+          <a:xfrm>
+            <a:off x="1882485" y="2151515"/>
+            <a:ext cx="5613979" cy="3393169"/>
+          </a:xfrm>
+        </p:spPr>
+      </p:pic>
+      <p:pic>
+        <p:nvPicPr>
+          <p:cNvPr id="6" name="Grafik 5"/>
+          <p:cNvPicPr>
+            <a:picLocks noChangeAspect="1"/>
+          </p:cNvPicPr>
+          <p:nvPr/>
+        </p:nvPicPr>
+        <p:blipFill>
+          <a:blip r:embed="rId3">
+            <a:extLst>
+              <a:ext uri="{28A0092B-C50C-407E-A947-70E740481C1C}">
+                <a14:useLocalDpi xmlns:a14="http://schemas.microsoft.com/office/drawing/2010/main" val="0"/>
+              </a:ext>
+            </a:extLst>
+          </a:blip>
+          <a:stretch>
+            <a:fillRect/>
+          </a:stretch>
+        </p:blipFill>
+        <p:spPr>
+          <a:xfrm>
+            <a:off x="1838341" y="2124063"/>
+            <a:ext cx="5613979" cy="3393169"/>
+          </a:xfrm>
+          <a:prstGeom prst="rect">
+            <a:avLst/>
+          </a:prstGeom>
+        </p:spPr>
+      </p:pic>
+      <p:sp>
+        <p:nvSpPr>
+          <p:cNvPr id="8" name="Textfeld 7"/>
+          <p:cNvSpPr txBox="1"/>
+          <p:nvPr/>
+        </p:nvSpPr>
+        <p:spPr>
+          <a:xfrm>
+            <a:off x="899592" y="5620598"/>
+            <a:ext cx="7704856" cy="923330"/>
+          </a:xfrm>
+          <a:prstGeom prst="rect">
+            <a:avLst/>
+          </a:prstGeom>
+          <a:noFill/>
+        </p:spPr>
+        <p:txBody>
+          <a:bodyPr wrap="square" rtlCol="0">
+            <a:spAutoFit/>
+          </a:bodyPr>
+          <a:lstStyle/>
+          <a:p>
+            <a:r>
+              <a:rPr lang="de-AT" dirty="0" smtClean="0"/>
+              <a:t>READ: </a:t>
+            </a:r>
+            <a:r>
+              <a:rPr lang="de-AT" i="1" dirty="0" err="1" smtClean="0">
+                <a:latin typeface="Courier New" panose="02070309020205020404" pitchFamily="49" charset="0"/>
+                <a:cs typeface="Courier New" panose="02070309020205020404" pitchFamily="49" charset="0"/>
+              </a:rPr>
+              <a:t>book</a:t>
+            </a:r>
+            <a:r>
+              <a:rPr lang="de-AT" dirty="0" smtClean="0"/>
+              <a:t> </a:t>
+            </a:r>
+            <a:r>
+              <a:rPr lang="de-AT" dirty="0" err="1" smtClean="0"/>
+              <a:t>class</a:t>
+            </a:r>
+            <a:r>
+              <a:rPr lang="de-AT" dirty="0" smtClean="0"/>
+              <a:t> </a:t>
+            </a:r>
+            <a:r>
+              <a:rPr lang="de-AT" dirty="0" err="1" smtClean="0"/>
+              <a:t>is</a:t>
+            </a:r>
+            <a:r>
+              <a:rPr lang="de-AT" dirty="0" smtClean="0"/>
+              <a:t> not </a:t>
+            </a:r>
+            <a:r>
+              <a:rPr lang="de-AT" dirty="0" err="1" smtClean="0"/>
+              <a:t>needed</a:t>
+            </a:r>
+            <a:r>
+              <a:rPr lang="de-AT" dirty="0" smtClean="0"/>
+              <a:t> in </a:t>
+            </a:r>
+            <a:r>
+              <a:rPr lang="de-AT" dirty="0" err="1" smtClean="0"/>
+              <a:t>navigation</a:t>
+            </a:r>
+            <a:r>
+              <a:rPr lang="de-AT" dirty="0" smtClean="0"/>
+              <a:t> </a:t>
+            </a:r>
+            <a:r>
+              <a:rPr lang="de-AT" dirty="0" err="1" smtClean="0"/>
+              <a:t>path</a:t>
+            </a:r>
+            <a:r>
+              <a:rPr lang="de-AT" dirty="0" smtClean="0"/>
+              <a:t> (w.r.t </a:t>
+            </a:r>
+            <a:r>
+              <a:rPr lang="de-AT" dirty="0" err="1" smtClean="0"/>
+              <a:t>publisher</a:t>
+            </a:r>
+            <a:r>
+              <a:rPr lang="de-AT" dirty="0" smtClean="0"/>
+              <a:t> -&gt; </a:t>
+            </a:r>
+            <a:r>
+              <a:rPr lang="de-AT" dirty="0" err="1" smtClean="0"/>
+              <a:t>author</a:t>
+            </a:r>
+            <a:r>
+              <a:rPr lang="de-AT" dirty="0" smtClean="0"/>
+              <a:t>)</a:t>
+            </a:r>
+          </a:p>
+          <a:p>
+            <a:r>
+              <a:rPr lang="de-AT" dirty="0" smtClean="0"/>
+              <a:t>WRITE: Insert/Update/Delete </a:t>
+            </a:r>
+            <a:r>
+              <a:rPr lang="de-AT" dirty="0" err="1" smtClean="0"/>
+              <a:t>operations</a:t>
+            </a:r>
+            <a:r>
+              <a:rPr lang="de-AT" dirty="0" smtClean="0"/>
+              <a:t> on </a:t>
+            </a:r>
+            <a:r>
+              <a:rPr lang="de-AT" i="1" dirty="0" err="1" smtClean="0">
+                <a:latin typeface="Courier New" panose="02070309020205020404" pitchFamily="49" charset="0"/>
+                <a:cs typeface="Courier New" panose="02070309020205020404" pitchFamily="49" charset="0"/>
+              </a:rPr>
+              <a:t>book</a:t>
+            </a:r>
+            <a:r>
+              <a:rPr lang="de-AT" dirty="0" smtClean="0"/>
+              <a:t> </a:t>
+            </a:r>
+            <a:r>
+              <a:rPr lang="de-AT" dirty="0" err="1" smtClean="0"/>
+              <a:t>and</a:t>
+            </a:r>
+            <a:r>
+              <a:rPr lang="de-AT" dirty="0" smtClean="0"/>
+              <a:t> </a:t>
+            </a:r>
+            <a:r>
+              <a:rPr lang="de-AT" i="1" dirty="0" err="1" smtClean="0">
+                <a:latin typeface="Courier New" panose="02070309020205020404" pitchFamily="49" charset="0"/>
+                <a:cs typeface="Courier New" panose="02070309020205020404" pitchFamily="49" charset="0"/>
+              </a:rPr>
+              <a:t>writes</a:t>
+            </a:r>
+            <a:r>
+              <a:rPr lang="de-AT" dirty="0" smtClean="0"/>
+              <a:t> </a:t>
+            </a:r>
+            <a:r>
+              <a:rPr lang="de-AT" dirty="0" err="1" smtClean="0"/>
+              <a:t>might</a:t>
+            </a:r>
+            <a:r>
+              <a:rPr lang="de-AT" dirty="0" smtClean="0"/>
+              <a:t> </a:t>
+            </a:r>
+            <a:r>
+              <a:rPr lang="de-AT" dirty="0" err="1" smtClean="0"/>
+              <a:t>trigger</a:t>
+            </a:r>
+            <a:r>
+              <a:rPr lang="de-AT" dirty="0" smtClean="0"/>
+              <a:t> Insert </a:t>
+            </a:r>
+            <a:r>
+              <a:rPr lang="de-AT" dirty="0" err="1" smtClean="0"/>
+              <a:t>and</a:t>
+            </a:r>
+            <a:r>
+              <a:rPr lang="de-AT" dirty="0" smtClean="0"/>
+              <a:t> Delete </a:t>
+            </a:r>
+            <a:r>
+              <a:rPr lang="de-AT" dirty="0" err="1" smtClean="0"/>
+              <a:t>operations</a:t>
+            </a:r>
+            <a:r>
+              <a:rPr lang="de-AT" dirty="0" smtClean="0"/>
+              <a:t> on </a:t>
+            </a:r>
+            <a:r>
+              <a:rPr lang="de-AT" i="1" dirty="0" err="1" smtClean="0">
+                <a:solidFill>
+                  <a:srgbClr val="FF0000"/>
+                </a:solidFill>
+                <a:latin typeface="Courier New" panose="02070309020205020404" pitchFamily="49" charset="0"/>
+                <a:cs typeface="Courier New" panose="02070309020205020404" pitchFamily="49" charset="0"/>
+              </a:rPr>
+              <a:t>works_with</a:t>
+            </a:r>
+            <a:endParaRPr lang="de-AT" i="1" dirty="0">
+              <a:solidFill>
+                <a:srgbClr val="FF0000"/>
+              </a:solidFill>
+              <a:latin typeface="Courier New" panose="02070309020205020404" pitchFamily="49" charset="0"/>
+              <a:cs typeface="Courier New" panose="02070309020205020404" pitchFamily="49" charset="0"/>
+            </a:endParaRPr>
+          </a:p>
+        </p:txBody>
+      </p:sp>
+    </p:spTree>
+    <p:extLst>
+      <p:ext uri="{BB962C8B-B14F-4D97-AF65-F5344CB8AC3E}">
+        <p14:creationId xmlns:p14="http://schemas.microsoft.com/office/powerpoint/2010/main" val="1984286177"/>
+      </p:ext>
+    </p:extLst>
+  </p:cSld>
+  <p:clrMapOvr>
+    <a:masterClrMapping/>
+  </p:clrMapOvr>
 </p:sld>
 </file>
 

--- a/Assignment_4.pptx
+++ b/Assignment_4.pptx
@@ -14,19 +14,24 @@
     <p:sldId id="276" r:id="rId8"/>
     <p:sldId id="277" r:id="rId9"/>
     <p:sldId id="278" r:id="rId10"/>
-    <p:sldId id="257" r:id="rId11"/>
-    <p:sldId id="258" r:id="rId12"/>
-    <p:sldId id="259" r:id="rId13"/>
-    <p:sldId id="260" r:id="rId14"/>
-    <p:sldId id="261" r:id="rId15"/>
-    <p:sldId id="262" r:id="rId16"/>
-    <p:sldId id="263" r:id="rId17"/>
-    <p:sldId id="264" r:id="rId18"/>
-    <p:sldId id="265" r:id="rId19"/>
-    <p:sldId id="266" r:id="rId20"/>
-    <p:sldId id="267" r:id="rId21"/>
-    <p:sldId id="268" r:id="rId22"/>
-    <p:sldId id="269" r:id="rId23"/>
+    <p:sldId id="279" r:id="rId11"/>
+    <p:sldId id="280" r:id="rId12"/>
+    <p:sldId id="282" r:id="rId13"/>
+    <p:sldId id="281" r:id="rId14"/>
+    <p:sldId id="283" r:id="rId15"/>
+    <p:sldId id="257" r:id="rId16"/>
+    <p:sldId id="258" r:id="rId17"/>
+    <p:sldId id="259" r:id="rId18"/>
+    <p:sldId id="260" r:id="rId19"/>
+    <p:sldId id="261" r:id="rId20"/>
+    <p:sldId id="262" r:id="rId21"/>
+    <p:sldId id="263" r:id="rId22"/>
+    <p:sldId id="264" r:id="rId23"/>
+    <p:sldId id="265" r:id="rId24"/>
+    <p:sldId id="266" r:id="rId25"/>
+    <p:sldId id="267" r:id="rId26"/>
+    <p:sldId id="268" r:id="rId27"/>
+    <p:sldId id="269" r:id="rId28"/>
   </p:sldIdLst>
   <p:sldSz cx="9144000" cy="6858000" type="screen4x3"/>
   <p:notesSz cx="6858000" cy="9144000"/>
@@ -3796,6 +3801,2156 @@
           <a:p>
             <a:r>
               <a:rPr lang="de-AT" dirty="0" err="1" smtClean="0"/>
+              <a:t>Redundancy</a:t>
+            </a:r>
+            <a:r>
+              <a:rPr lang="de-AT" dirty="0"/>
+              <a:t> </a:t>
+            </a:r>
+            <a:r>
+              <a:rPr lang="de-AT" dirty="0" smtClean="0"/>
+              <a:t>– </a:t>
+            </a:r>
+            <a:r>
+              <a:rPr lang="de-AT" dirty="0" err="1" smtClean="0"/>
+              <a:t>How</a:t>
+            </a:r>
+            <a:r>
+              <a:rPr lang="de-AT" dirty="0" smtClean="0"/>
+              <a:t> </a:t>
+            </a:r>
+            <a:r>
+              <a:rPr lang="de-AT" dirty="0" err="1" smtClean="0"/>
+              <a:t>to</a:t>
+            </a:r>
+            <a:r>
+              <a:rPr lang="de-AT" dirty="0" smtClean="0"/>
+              <a:t> </a:t>
+            </a:r>
+            <a:r>
+              <a:rPr lang="de-AT" dirty="0" err="1" smtClean="0"/>
+              <a:t>Decide</a:t>
+            </a:r>
+            <a:endParaRPr lang="de-AT" dirty="0"/>
+          </a:p>
+        </p:txBody>
+      </p:sp>
+      <p:sp>
+        <p:nvSpPr>
+          <p:cNvPr id="3" name="Inhaltsplatzhalter 2"/>
+          <p:cNvSpPr>
+            <a:spLocks noGrp="1"/>
+          </p:cNvSpPr>
+          <p:nvPr>
+            <p:ph sz="quarter" idx="1"/>
+          </p:nvPr>
+        </p:nvSpPr>
+        <p:spPr/>
+        <p:txBody>
+          <a:bodyPr>
+            <a:normAutofit/>
+          </a:bodyPr>
+          <a:lstStyle/>
+          <a:p>
+            <a:r>
+              <a:rPr lang="de-AT" dirty="0" smtClean="0"/>
+              <a:t>Look at </a:t>
+            </a:r>
+            <a:r>
+              <a:rPr lang="de-AT" dirty="0" err="1" smtClean="0"/>
+              <a:t>the</a:t>
+            </a:r>
+            <a:r>
+              <a:rPr lang="de-AT" dirty="0" smtClean="0"/>
+              <a:t> </a:t>
+            </a:r>
+            <a:r>
+              <a:rPr lang="de-AT" dirty="0" err="1" smtClean="0"/>
+              <a:t>operations</a:t>
+            </a:r>
+            <a:r>
+              <a:rPr lang="de-AT" dirty="0" smtClean="0"/>
+              <a:t> </a:t>
+            </a:r>
+            <a:r>
+              <a:rPr lang="de-AT" dirty="0" err="1" smtClean="0"/>
+              <a:t>influenced</a:t>
+            </a:r>
+            <a:r>
+              <a:rPr lang="de-AT" dirty="0" smtClean="0"/>
+              <a:t> </a:t>
+            </a:r>
+            <a:r>
+              <a:rPr lang="de-AT" dirty="0" err="1" smtClean="0"/>
+              <a:t>by</a:t>
+            </a:r>
+            <a:r>
+              <a:rPr lang="de-AT" dirty="0" smtClean="0"/>
+              <a:t> </a:t>
+            </a:r>
+            <a:r>
+              <a:rPr lang="de-AT" dirty="0" err="1" smtClean="0"/>
+              <a:t>the</a:t>
+            </a:r>
+            <a:r>
+              <a:rPr lang="de-AT" dirty="0" smtClean="0"/>
+              <a:t> </a:t>
+            </a:r>
+            <a:r>
+              <a:rPr lang="de-AT" dirty="0" err="1" smtClean="0"/>
+              <a:t>redundancy</a:t>
+            </a:r>
+            <a:endParaRPr lang="de-AT" dirty="0" smtClean="0"/>
+          </a:p>
+          <a:p>
+            <a:r>
+              <a:rPr lang="de-AT" dirty="0" err="1" smtClean="0"/>
+              <a:t>Calculate</a:t>
+            </a:r>
+            <a:r>
+              <a:rPr lang="de-AT" dirty="0" smtClean="0"/>
+              <a:t> </a:t>
+            </a:r>
+            <a:r>
+              <a:rPr lang="de-AT" dirty="0" err="1" smtClean="0"/>
+              <a:t>number</a:t>
+            </a:r>
+            <a:r>
+              <a:rPr lang="de-AT" dirty="0" smtClean="0"/>
+              <a:t> </a:t>
+            </a:r>
+            <a:r>
+              <a:rPr lang="de-AT" dirty="0" err="1" smtClean="0"/>
+              <a:t>of</a:t>
+            </a:r>
+            <a:r>
+              <a:rPr lang="de-AT" dirty="0" smtClean="0"/>
+              <a:t> </a:t>
+            </a:r>
+            <a:r>
+              <a:rPr lang="de-AT" dirty="0" err="1" smtClean="0"/>
+              <a:t>accesses</a:t>
+            </a:r>
+            <a:r>
+              <a:rPr lang="de-AT" dirty="0" smtClean="0"/>
+              <a:t> </a:t>
+            </a:r>
+            <a:r>
+              <a:rPr lang="de-AT" dirty="0" err="1" smtClean="0"/>
+              <a:t>for</a:t>
+            </a:r>
+            <a:r>
+              <a:rPr lang="de-AT" dirty="0" smtClean="0"/>
+              <a:t> </a:t>
+            </a:r>
+            <a:r>
+              <a:rPr lang="de-AT" dirty="0" err="1" smtClean="0"/>
+              <a:t>these</a:t>
+            </a:r>
+            <a:r>
+              <a:rPr lang="de-AT" dirty="0" smtClean="0"/>
+              <a:t> </a:t>
+            </a:r>
+            <a:r>
+              <a:rPr lang="de-AT" dirty="0" err="1" smtClean="0"/>
+              <a:t>operations</a:t>
+            </a:r>
+            <a:endParaRPr lang="de-AT" dirty="0"/>
+          </a:p>
+          <a:p>
+            <a:pPr lvl="1"/>
+            <a:r>
+              <a:rPr lang="de-AT" dirty="0" err="1" smtClean="0"/>
+              <a:t>with</a:t>
+            </a:r>
+            <a:r>
+              <a:rPr lang="de-AT" dirty="0" smtClean="0"/>
+              <a:t> </a:t>
+            </a:r>
+            <a:r>
+              <a:rPr lang="de-AT" dirty="0" err="1" smtClean="0"/>
+              <a:t>redundancy</a:t>
+            </a:r>
+            <a:endParaRPr lang="de-AT" dirty="0" smtClean="0"/>
+          </a:p>
+          <a:p>
+            <a:pPr lvl="1"/>
+            <a:r>
+              <a:rPr lang="de-AT" dirty="0" err="1" smtClean="0"/>
+              <a:t>without</a:t>
+            </a:r>
+            <a:r>
+              <a:rPr lang="de-AT" dirty="0" smtClean="0"/>
+              <a:t> </a:t>
+            </a:r>
+            <a:r>
+              <a:rPr lang="de-AT" dirty="0" err="1" smtClean="0"/>
+              <a:t>redundancy</a:t>
+            </a:r>
+            <a:endParaRPr lang="de-AT" dirty="0" smtClean="0"/>
+          </a:p>
+          <a:p>
+            <a:r>
+              <a:rPr lang="de-AT" dirty="0" err="1" smtClean="0"/>
+              <a:t>If</a:t>
+            </a:r>
+            <a:r>
+              <a:rPr lang="de-AT" dirty="0" smtClean="0"/>
+              <a:t> #</a:t>
+            </a:r>
+            <a:r>
+              <a:rPr lang="de-AT" dirty="0" err="1" smtClean="0"/>
+              <a:t>Accesses</a:t>
+            </a:r>
+            <a:r>
+              <a:rPr lang="de-AT" dirty="0" smtClean="0"/>
+              <a:t> </a:t>
+            </a:r>
+            <a:r>
+              <a:rPr lang="de-AT" dirty="0" err="1" smtClean="0"/>
+              <a:t>with</a:t>
+            </a:r>
+            <a:r>
+              <a:rPr lang="de-AT" dirty="0" smtClean="0"/>
+              <a:t> </a:t>
+            </a:r>
+            <a:r>
+              <a:rPr lang="de-AT" dirty="0" err="1" smtClean="0"/>
+              <a:t>redundancy</a:t>
+            </a:r>
+            <a:r>
+              <a:rPr lang="de-AT" dirty="0" smtClean="0"/>
+              <a:t> &lt; #</a:t>
+            </a:r>
+            <a:r>
+              <a:rPr lang="de-AT" dirty="0" err="1" smtClean="0"/>
+              <a:t>Accesses</a:t>
+            </a:r>
+            <a:r>
+              <a:rPr lang="de-AT" dirty="0" smtClean="0"/>
+              <a:t> </a:t>
+            </a:r>
+            <a:r>
+              <a:rPr lang="de-AT" dirty="0" err="1" smtClean="0"/>
+              <a:t>without</a:t>
+            </a:r>
+            <a:r>
+              <a:rPr lang="de-AT" dirty="0" smtClean="0"/>
+              <a:t> </a:t>
+            </a:r>
+            <a:r>
+              <a:rPr lang="de-AT" dirty="0" err="1" smtClean="0"/>
+              <a:t>redundancy</a:t>
+            </a:r>
+            <a:r>
+              <a:rPr lang="de-AT" dirty="0" smtClean="0"/>
+              <a:t> =&gt; Keep </a:t>
+            </a:r>
+            <a:r>
+              <a:rPr lang="de-AT" dirty="0" err="1" smtClean="0"/>
+              <a:t>redundancy</a:t>
+            </a:r>
+            <a:endParaRPr lang="de-AT" dirty="0"/>
+          </a:p>
+          <a:p>
+            <a:r>
+              <a:rPr lang="de-AT" dirty="0" smtClean="0"/>
+              <a:t>Else: Remove </a:t>
+            </a:r>
+            <a:r>
+              <a:rPr lang="de-AT" dirty="0" err="1" smtClean="0"/>
+              <a:t>redundancy</a:t>
+            </a:r>
+            <a:endParaRPr lang="de-AT" dirty="0" smtClean="0"/>
+          </a:p>
+        </p:txBody>
+      </p:sp>
+    </p:spTree>
+    <p:extLst>
+      <p:ext uri="{BB962C8B-B14F-4D97-AF65-F5344CB8AC3E}">
+        <p14:creationId xmlns:p14="http://schemas.microsoft.com/office/powerpoint/2010/main" val="3212579320"/>
+      </p:ext>
+    </p:extLst>
+  </p:cSld>
+  <p:clrMapOvr>
+    <a:masterClrMapping/>
+  </p:clrMapOvr>
+</p:sld>
+</file>
+
+<file path=ppt/slides/slide11.xml><?xml version="1.0" encoding="utf-8"?>
+<p:sld xmlns:a="http://schemas.openxmlformats.org/drawingml/2006/main" xmlns:r="http://schemas.openxmlformats.org/officeDocument/2006/relationships" xmlns:p="http://schemas.openxmlformats.org/presentationml/2006/main">
+  <p:cSld>
+    <p:spTree>
+      <p:nvGrpSpPr>
+        <p:cNvPr id="1" name=""/>
+        <p:cNvGrpSpPr/>
+        <p:nvPr/>
+      </p:nvGrpSpPr>
+      <p:grpSpPr>
+        <a:xfrm>
+          <a:off x="0" y="0"/>
+          <a:ext cx="0" cy="0"/>
+          <a:chOff x="0" y="0"/>
+          <a:chExt cx="0" cy="0"/>
+        </a:xfrm>
+      </p:grpSpPr>
+      <p:sp>
+        <p:nvSpPr>
+          <p:cNvPr id="2" name="Titel 1"/>
+          <p:cNvSpPr>
+            <a:spLocks noGrp="1"/>
+          </p:cNvSpPr>
+          <p:nvPr>
+            <p:ph type="title"/>
+          </p:nvPr>
+        </p:nvSpPr>
+        <p:spPr/>
+        <p:txBody>
+          <a:bodyPr>
+            <a:normAutofit/>
+          </a:bodyPr>
+          <a:lstStyle/>
+          <a:p>
+            <a:r>
+              <a:rPr lang="de-AT" dirty="0" err="1" smtClean="0"/>
+              <a:t>Exercise</a:t>
+            </a:r>
+            <a:r>
+              <a:rPr lang="de-AT" dirty="0" smtClean="0"/>
+              <a:t> 3b</a:t>
+            </a:r>
+            <a:endParaRPr lang="de-AT" dirty="0"/>
+          </a:p>
+        </p:txBody>
+      </p:sp>
+      <p:pic>
+        <p:nvPicPr>
+          <p:cNvPr id="5" name="Inhaltsplatzhalter 4"/>
+          <p:cNvPicPr>
+            <a:picLocks noGrp="1" noChangeAspect="1"/>
+          </p:cNvPicPr>
+          <p:nvPr>
+            <p:ph sz="quarter" idx="1"/>
+          </p:nvPr>
+        </p:nvPicPr>
+        <p:blipFill>
+          <a:blip r:embed="rId2">
+            <a:extLst>
+              <a:ext uri="{28A0092B-C50C-407E-A947-70E740481C1C}">
+                <a14:useLocalDpi xmlns:a14="http://schemas.microsoft.com/office/drawing/2010/main" val="0"/>
+              </a:ext>
+            </a:extLst>
+          </a:blip>
+          <a:stretch>
+            <a:fillRect/>
+          </a:stretch>
+        </p:blipFill>
+        <p:spPr>
+          <a:xfrm>
+            <a:off x="1259632" y="2564904"/>
+            <a:ext cx="6647279" cy="3240360"/>
+          </a:xfrm>
+        </p:spPr>
+      </p:pic>
+      <p:sp>
+        <p:nvSpPr>
+          <p:cNvPr id="6" name="Textfeld 5"/>
+          <p:cNvSpPr txBox="1"/>
+          <p:nvPr/>
+        </p:nvSpPr>
+        <p:spPr>
+          <a:xfrm>
+            <a:off x="1403648" y="1844824"/>
+            <a:ext cx="6696744" cy="369332"/>
+          </a:xfrm>
+          <a:prstGeom prst="rect">
+            <a:avLst/>
+          </a:prstGeom>
+          <a:noFill/>
+        </p:spPr>
+        <p:txBody>
+          <a:bodyPr wrap="square" rtlCol="0">
+            <a:spAutoFit/>
+          </a:bodyPr>
+          <a:lstStyle/>
+          <a:p>
+            <a:r>
+              <a:rPr lang="de-AT" dirty="0" smtClean="0"/>
+              <a:t>Check, </a:t>
+            </a:r>
+            <a:r>
+              <a:rPr lang="de-AT" dirty="0" err="1" smtClean="0"/>
+              <a:t>if</a:t>
+            </a:r>
+            <a:r>
+              <a:rPr lang="de-AT" dirty="0" smtClean="0"/>
+              <a:t> </a:t>
+            </a:r>
+            <a:r>
+              <a:rPr lang="de-AT" dirty="0" err="1" smtClean="0"/>
+              <a:t>we</a:t>
+            </a:r>
+            <a:r>
+              <a:rPr lang="de-AT" dirty="0" smtClean="0"/>
+              <a:t> </a:t>
+            </a:r>
+            <a:r>
+              <a:rPr lang="de-AT" dirty="0" err="1" smtClean="0"/>
+              <a:t>should</a:t>
+            </a:r>
+            <a:r>
+              <a:rPr lang="de-AT" dirty="0" smtClean="0"/>
+              <a:t> </a:t>
+            </a:r>
+            <a:r>
+              <a:rPr lang="de-AT" dirty="0" err="1" smtClean="0"/>
+              <a:t>keep</a:t>
+            </a:r>
+            <a:r>
+              <a:rPr lang="de-AT" dirty="0" smtClean="0"/>
+              <a:t> </a:t>
+            </a:r>
+            <a:r>
+              <a:rPr lang="de-AT" dirty="0" err="1" smtClean="0"/>
+              <a:t>the</a:t>
+            </a:r>
+            <a:r>
+              <a:rPr lang="de-AT" dirty="0" smtClean="0"/>
+              <a:t> redundant </a:t>
+            </a:r>
+            <a:r>
+              <a:rPr lang="de-AT" dirty="0" err="1" smtClean="0"/>
+              <a:t>attribute</a:t>
+            </a:r>
+            <a:r>
+              <a:rPr lang="de-AT" dirty="0" smtClean="0"/>
+              <a:t> </a:t>
+            </a:r>
+            <a:r>
+              <a:rPr lang="de-AT" dirty="0" err="1" smtClean="0">
+                <a:solidFill>
+                  <a:srgbClr val="FF0000"/>
+                </a:solidFill>
+                <a:latin typeface="Courier New" panose="02070309020205020404" pitchFamily="49" charset="0"/>
+                <a:cs typeface="Courier New" panose="02070309020205020404" pitchFamily="49" charset="0"/>
+              </a:rPr>
+              <a:t>total_quantity</a:t>
+            </a:r>
+            <a:endParaRPr lang="de-AT" dirty="0">
+              <a:solidFill>
+                <a:srgbClr val="FF0000"/>
+              </a:solidFill>
+              <a:latin typeface="Courier New" panose="02070309020205020404" pitchFamily="49" charset="0"/>
+              <a:cs typeface="Courier New" panose="02070309020205020404" pitchFamily="49" charset="0"/>
+            </a:endParaRPr>
+          </a:p>
+        </p:txBody>
+      </p:sp>
+    </p:spTree>
+    <p:extLst>
+      <p:ext uri="{BB962C8B-B14F-4D97-AF65-F5344CB8AC3E}">
+        <p14:creationId xmlns:p14="http://schemas.microsoft.com/office/powerpoint/2010/main" val="3054997479"/>
+      </p:ext>
+    </p:extLst>
+  </p:cSld>
+  <p:clrMapOvr>
+    <a:masterClrMapping/>
+  </p:clrMapOvr>
+</p:sld>
+</file>
+
+<file path=ppt/slides/slide12.xml><?xml version="1.0" encoding="utf-8"?>
+<p:sld xmlns:a="http://schemas.openxmlformats.org/drawingml/2006/main" xmlns:r="http://schemas.openxmlformats.org/officeDocument/2006/relationships" xmlns:p="http://schemas.openxmlformats.org/presentationml/2006/main">
+  <p:cSld>
+    <p:spTree>
+      <p:nvGrpSpPr>
+        <p:cNvPr id="1" name=""/>
+        <p:cNvGrpSpPr/>
+        <p:nvPr/>
+      </p:nvGrpSpPr>
+      <p:grpSpPr>
+        <a:xfrm>
+          <a:off x="0" y="0"/>
+          <a:ext cx="0" cy="0"/>
+          <a:chOff x="0" y="0"/>
+          <a:chExt cx="0" cy="0"/>
+        </a:xfrm>
+      </p:grpSpPr>
+      <p:sp>
+        <p:nvSpPr>
+          <p:cNvPr id="2" name="Titel 1"/>
+          <p:cNvSpPr>
+            <a:spLocks noGrp="1"/>
+          </p:cNvSpPr>
+          <p:nvPr>
+            <p:ph type="title"/>
+          </p:nvPr>
+        </p:nvSpPr>
+        <p:spPr/>
+        <p:txBody>
+          <a:bodyPr/>
+          <a:lstStyle/>
+          <a:p>
+            <a:r>
+              <a:rPr lang="de-AT" dirty="0" err="1" smtClean="0"/>
+              <a:t>Exercise</a:t>
+            </a:r>
+            <a:r>
+              <a:rPr lang="de-AT" dirty="0" smtClean="0"/>
+              <a:t> 3b - </a:t>
+            </a:r>
+            <a:r>
+              <a:rPr lang="de-AT" dirty="0" err="1" smtClean="0"/>
+              <a:t>Operations</a:t>
+            </a:r>
+            <a:endParaRPr lang="de-AT" dirty="0"/>
+          </a:p>
+        </p:txBody>
+      </p:sp>
+      <p:graphicFrame>
+        <p:nvGraphicFramePr>
+          <p:cNvPr id="4" name="Inhaltsplatzhalter 3"/>
+          <p:cNvGraphicFramePr>
+            <a:graphicFrameLocks noGrp="1"/>
+          </p:cNvGraphicFramePr>
+          <p:nvPr>
+            <p:ph sz="quarter" idx="1"/>
+            <p:extLst>
+              <p:ext uri="{D42A27DB-BD31-4B8C-83A1-F6EECF244321}">
+                <p14:modId xmlns:p14="http://schemas.microsoft.com/office/powerpoint/2010/main" val="318705097"/>
+              </p:ext>
+            </p:extLst>
+          </p:nvPr>
+        </p:nvGraphicFramePr>
+        <p:xfrm>
+          <a:off x="467544" y="1700808"/>
+          <a:ext cx="8153400" cy="2123440"/>
+        </p:xfrm>
+        <a:graphic>
+          <a:graphicData uri="http://schemas.openxmlformats.org/drawingml/2006/table">
+            <a:tbl>
+              <a:tblPr firstRow="1" bandRow="1">
+                <a:tableStyleId>{5C22544A-7EE6-4342-B048-85BDC9FD1C3A}</a:tableStyleId>
+              </a:tblPr>
+              <a:tblGrid>
+                <a:gridCol w="1294929"/>
+                <a:gridCol w="2592288"/>
+                <a:gridCol w="4266183"/>
+              </a:tblGrid>
+              <a:tr h="370840">
+                <a:tc>
+                  <a:txBody>
+                    <a:bodyPr/>
+                    <a:lstStyle/>
+                    <a:p>
+                      <a:r>
+                        <a:rPr lang="de-AT" dirty="0" smtClean="0"/>
+                        <a:t>Operation</a:t>
+                      </a:r>
+                      <a:endParaRPr lang="de-AT" dirty="0"/>
+                    </a:p>
+                  </a:txBody>
+                  <a:tcPr/>
+                </a:tc>
+                <a:tc>
+                  <a:txBody>
+                    <a:bodyPr/>
+                    <a:lstStyle/>
+                    <a:p>
+                      <a:r>
+                        <a:rPr lang="de-AT" dirty="0" smtClean="0"/>
+                        <a:t>Description</a:t>
+                      </a:r>
+                      <a:endParaRPr lang="de-AT" dirty="0"/>
+                    </a:p>
+                  </a:txBody>
+                  <a:tcPr/>
+                </a:tc>
+                <a:tc>
+                  <a:txBody>
+                    <a:bodyPr/>
+                    <a:lstStyle/>
+                    <a:p>
+                      <a:r>
+                        <a:rPr lang="de-AT" dirty="0" err="1" smtClean="0"/>
+                        <a:t>Frequency</a:t>
+                      </a:r>
+                      <a:endParaRPr lang="de-AT" dirty="0"/>
+                    </a:p>
+                  </a:txBody>
+                  <a:tcPr/>
+                </a:tc>
+              </a:tr>
+              <a:tr h="370840">
+                <a:tc>
+                  <a:txBody>
+                    <a:bodyPr/>
+                    <a:lstStyle/>
+                    <a:p>
+                      <a:r>
+                        <a:rPr lang="de-AT" dirty="0" smtClean="0"/>
+                        <a:t>T1</a:t>
+                      </a:r>
+                      <a:endParaRPr lang="de-AT" dirty="0"/>
+                    </a:p>
+                  </a:txBody>
+                  <a:tcPr/>
+                </a:tc>
+                <a:tc>
+                  <a:txBody>
+                    <a:bodyPr/>
+                    <a:lstStyle/>
+                    <a:p>
+                      <a:r>
+                        <a:rPr lang="de-AT" dirty="0" smtClean="0"/>
+                        <a:t>Insert a </a:t>
+                      </a:r>
+                      <a:r>
+                        <a:rPr lang="de-AT" dirty="0" err="1" smtClean="0"/>
+                        <a:t>new</a:t>
+                      </a:r>
+                      <a:r>
+                        <a:rPr lang="de-AT" dirty="0" smtClean="0"/>
+                        <a:t> </a:t>
+                      </a:r>
+                      <a:r>
+                        <a:rPr lang="de-AT" dirty="0" err="1" smtClean="0"/>
+                        <a:t>customer</a:t>
+                      </a:r>
+                      <a:endParaRPr lang="de-AT" dirty="0"/>
+                    </a:p>
+                  </a:txBody>
+                  <a:tcPr/>
+                </a:tc>
+                <a:tc>
+                  <a:txBody>
+                    <a:bodyPr/>
+                    <a:lstStyle/>
+                    <a:p>
+                      <a:r>
+                        <a:rPr lang="de-AT" dirty="0" smtClean="0"/>
+                        <a:t>50</a:t>
+                      </a:r>
+                      <a:r>
+                        <a:rPr lang="de-AT" baseline="0" dirty="0" smtClean="0"/>
+                        <a:t> </a:t>
+                      </a:r>
+                      <a:r>
+                        <a:rPr lang="de-AT" baseline="0" dirty="0" err="1" smtClean="0"/>
+                        <a:t>times</a:t>
+                      </a:r>
+                      <a:r>
+                        <a:rPr lang="de-AT" baseline="0" dirty="0" smtClean="0"/>
+                        <a:t> / </a:t>
+                      </a:r>
+                      <a:r>
+                        <a:rPr lang="de-AT" baseline="0" dirty="0" err="1" smtClean="0"/>
+                        <a:t>month</a:t>
+                      </a:r>
+                      <a:endParaRPr lang="de-AT" dirty="0"/>
+                    </a:p>
+                  </a:txBody>
+                  <a:tcPr/>
+                </a:tc>
+              </a:tr>
+              <a:tr h="370840">
+                <a:tc>
+                  <a:txBody>
+                    <a:bodyPr/>
+                    <a:lstStyle/>
+                    <a:p>
+                      <a:r>
+                        <a:rPr lang="de-AT" dirty="0" smtClean="0"/>
+                        <a:t>T2</a:t>
+                      </a:r>
+                      <a:endParaRPr lang="de-AT" dirty="0"/>
+                    </a:p>
+                  </a:txBody>
+                  <a:tcPr/>
+                </a:tc>
+                <a:tc>
+                  <a:txBody>
+                    <a:bodyPr/>
+                    <a:lstStyle/>
+                    <a:p>
+                      <a:r>
+                        <a:rPr lang="de-AT" dirty="0" smtClean="0"/>
+                        <a:t>Insert a </a:t>
+                      </a:r>
+                      <a:r>
+                        <a:rPr lang="de-AT" dirty="0" err="1" smtClean="0"/>
+                        <a:t>new</a:t>
+                      </a:r>
+                      <a:r>
+                        <a:rPr lang="de-AT" dirty="0" smtClean="0"/>
+                        <a:t> </a:t>
+                      </a:r>
+                      <a:r>
+                        <a:rPr lang="de-AT" dirty="0" err="1" smtClean="0"/>
+                        <a:t>product</a:t>
+                      </a:r>
+                      <a:endParaRPr lang="de-AT" dirty="0"/>
+                    </a:p>
+                  </a:txBody>
+                  <a:tcPr/>
+                </a:tc>
+                <a:tc>
+                  <a:txBody>
+                    <a:bodyPr/>
+                    <a:lstStyle/>
+                    <a:p>
+                      <a:r>
+                        <a:rPr lang="de-AT" dirty="0" smtClean="0"/>
+                        <a:t>5 </a:t>
+                      </a:r>
+                      <a:r>
+                        <a:rPr lang="de-AT" dirty="0" err="1" smtClean="0"/>
+                        <a:t>times</a:t>
+                      </a:r>
+                      <a:r>
+                        <a:rPr lang="de-AT" dirty="0" smtClean="0"/>
+                        <a:t> /</a:t>
+                      </a:r>
+                      <a:r>
+                        <a:rPr lang="de-AT" dirty="0" err="1" smtClean="0"/>
+                        <a:t>month</a:t>
+                      </a:r>
+                      <a:endParaRPr lang="de-AT" dirty="0"/>
+                    </a:p>
+                  </a:txBody>
+                  <a:tcPr/>
+                </a:tc>
+              </a:tr>
+              <a:tr h="370840">
+                <a:tc>
+                  <a:txBody>
+                    <a:bodyPr/>
+                    <a:lstStyle/>
+                    <a:p>
+                      <a:r>
+                        <a:rPr lang="de-AT" dirty="0" smtClean="0"/>
+                        <a:t>T3</a:t>
+                      </a:r>
+                      <a:endParaRPr lang="de-AT" dirty="0"/>
+                    </a:p>
+                  </a:txBody>
+                  <a:tcPr/>
+                </a:tc>
+                <a:tc>
+                  <a:txBody>
+                    <a:bodyPr/>
+                    <a:lstStyle/>
+                    <a:p>
+                      <a:r>
+                        <a:rPr lang="de-AT" dirty="0" smtClean="0"/>
+                        <a:t>Insert </a:t>
+                      </a:r>
+                      <a:r>
+                        <a:rPr lang="de-AT" dirty="0" err="1" smtClean="0"/>
+                        <a:t>of</a:t>
+                      </a:r>
+                      <a:r>
+                        <a:rPr lang="de-AT" dirty="0" smtClean="0"/>
+                        <a:t> a „</a:t>
+                      </a:r>
+                      <a:r>
+                        <a:rPr lang="de-AT" dirty="0" err="1" smtClean="0"/>
+                        <a:t>Buying</a:t>
+                      </a:r>
+                      <a:r>
+                        <a:rPr lang="de-AT" dirty="0" smtClean="0"/>
+                        <a:t>“</a:t>
+                      </a:r>
+                      <a:endParaRPr lang="de-AT" dirty="0"/>
+                    </a:p>
+                  </a:txBody>
+                  <a:tcPr/>
+                </a:tc>
+                <a:tc>
+                  <a:txBody>
+                    <a:bodyPr/>
+                    <a:lstStyle/>
+                    <a:p>
+                      <a:r>
+                        <a:rPr lang="de-AT" dirty="0" smtClean="0"/>
+                        <a:t>50</a:t>
+                      </a:r>
+                      <a:r>
+                        <a:rPr lang="de-AT" baseline="0" dirty="0" smtClean="0"/>
+                        <a:t> </a:t>
+                      </a:r>
+                      <a:r>
+                        <a:rPr lang="de-AT" baseline="0" dirty="0" err="1" smtClean="0"/>
+                        <a:t>times</a:t>
+                      </a:r>
+                      <a:r>
+                        <a:rPr lang="de-AT" baseline="0" dirty="0" smtClean="0"/>
+                        <a:t> / </a:t>
+                      </a:r>
+                      <a:r>
+                        <a:rPr lang="de-AT" baseline="0" dirty="0" err="1" smtClean="0"/>
+                        <a:t>day</a:t>
+                      </a:r>
+                      <a:r>
+                        <a:rPr lang="de-AT" baseline="0" dirty="0" smtClean="0"/>
+                        <a:t> ( = 1000 </a:t>
+                      </a:r>
+                      <a:r>
+                        <a:rPr lang="de-AT" baseline="0" dirty="0" err="1" smtClean="0"/>
+                        <a:t>times</a:t>
+                      </a:r>
+                      <a:r>
+                        <a:rPr lang="de-AT" baseline="0" dirty="0" smtClean="0"/>
+                        <a:t> / </a:t>
+                      </a:r>
+                      <a:r>
+                        <a:rPr lang="de-AT" baseline="0" dirty="0" err="1" smtClean="0"/>
+                        <a:t>month</a:t>
+                      </a:r>
+                      <a:r>
+                        <a:rPr lang="de-AT" baseline="0" dirty="0" smtClean="0"/>
+                        <a:t>) *</a:t>
+                      </a:r>
+                      <a:endParaRPr lang="de-AT" dirty="0"/>
+                    </a:p>
+                  </a:txBody>
+                  <a:tcPr/>
+                </a:tc>
+              </a:tr>
+              <a:tr h="370840">
+                <a:tc>
+                  <a:txBody>
+                    <a:bodyPr/>
+                    <a:lstStyle/>
+                    <a:p>
+                      <a:r>
+                        <a:rPr lang="de-AT" dirty="0" smtClean="0"/>
+                        <a:t>T4</a:t>
+                      </a:r>
+                      <a:endParaRPr lang="de-AT" dirty="0"/>
+                    </a:p>
+                  </a:txBody>
+                  <a:tcPr/>
+                </a:tc>
+                <a:tc>
+                  <a:txBody>
+                    <a:bodyPr/>
+                    <a:lstStyle/>
+                    <a:p>
+                      <a:r>
+                        <a:rPr lang="de-AT" dirty="0" smtClean="0"/>
+                        <a:t>Listing</a:t>
+                      </a:r>
+                      <a:r>
+                        <a:rPr lang="de-AT" baseline="0" dirty="0" smtClean="0"/>
+                        <a:t> </a:t>
+                      </a:r>
+                      <a:r>
+                        <a:rPr lang="de-AT" baseline="0" dirty="0" err="1" smtClean="0"/>
+                        <a:t>of</a:t>
+                      </a:r>
+                      <a:r>
+                        <a:rPr lang="de-AT" baseline="0" dirty="0" smtClean="0"/>
+                        <a:t> total </a:t>
+                      </a:r>
+                      <a:r>
+                        <a:rPr lang="de-AT" baseline="0" dirty="0" err="1" smtClean="0"/>
+                        <a:t>quantitiy</a:t>
+                      </a:r>
+                      <a:r>
+                        <a:rPr lang="de-AT" baseline="0" dirty="0" smtClean="0"/>
+                        <a:t> </a:t>
+                      </a:r>
+                      <a:r>
+                        <a:rPr lang="de-AT" baseline="0" dirty="0" err="1" smtClean="0"/>
+                        <a:t>for</a:t>
+                      </a:r>
+                      <a:r>
+                        <a:rPr lang="de-AT" baseline="0" dirty="0" smtClean="0"/>
+                        <a:t> </a:t>
+                      </a:r>
+                      <a:r>
+                        <a:rPr lang="de-AT" baseline="0" dirty="0" err="1" smtClean="0"/>
+                        <a:t>each</a:t>
+                      </a:r>
+                      <a:r>
+                        <a:rPr lang="de-AT" baseline="0" dirty="0" smtClean="0"/>
+                        <a:t> </a:t>
+                      </a:r>
+                      <a:r>
+                        <a:rPr lang="de-AT" baseline="0" dirty="0" err="1" smtClean="0"/>
+                        <a:t>customer</a:t>
+                      </a:r>
+                      <a:endParaRPr lang="de-AT" dirty="0"/>
+                    </a:p>
+                  </a:txBody>
+                  <a:tcPr/>
+                </a:tc>
+                <a:tc>
+                  <a:txBody>
+                    <a:bodyPr/>
+                    <a:lstStyle/>
+                    <a:p>
+                      <a:r>
+                        <a:rPr lang="de-AT" dirty="0" smtClean="0"/>
+                        <a:t>2 </a:t>
+                      </a:r>
+                      <a:r>
+                        <a:rPr lang="de-AT" dirty="0" err="1" smtClean="0"/>
+                        <a:t>times</a:t>
+                      </a:r>
+                      <a:r>
+                        <a:rPr lang="de-AT" dirty="0" smtClean="0"/>
+                        <a:t> /</a:t>
+                      </a:r>
+                      <a:r>
+                        <a:rPr lang="de-AT" dirty="0" err="1" smtClean="0"/>
+                        <a:t>month</a:t>
+                      </a:r>
+                      <a:endParaRPr lang="de-AT" dirty="0"/>
+                    </a:p>
+                  </a:txBody>
+                  <a:tcPr/>
+                </a:tc>
+              </a:tr>
+            </a:tbl>
+          </a:graphicData>
+        </a:graphic>
+      </p:graphicFrame>
+      <p:sp>
+        <p:nvSpPr>
+          <p:cNvPr id="5" name="Textfeld 4"/>
+          <p:cNvSpPr txBox="1"/>
+          <p:nvPr/>
+        </p:nvSpPr>
+        <p:spPr>
+          <a:xfrm>
+            <a:off x="432826" y="4724530"/>
+            <a:ext cx="8136904" cy="1200329"/>
+          </a:xfrm>
+          <a:prstGeom prst="rect">
+            <a:avLst/>
+          </a:prstGeom>
+          <a:noFill/>
+        </p:spPr>
+        <p:txBody>
+          <a:bodyPr wrap="square" rtlCol="0">
+            <a:spAutoFit/>
+          </a:bodyPr>
+          <a:lstStyle/>
+          <a:p>
+            <a:r>
+              <a:rPr lang="de-AT" dirty="0" smtClean="0"/>
+              <a:t>Next: </a:t>
+            </a:r>
+            <a:r>
+              <a:rPr lang="de-AT" dirty="0" err="1" smtClean="0"/>
+              <a:t>calculate</a:t>
+            </a:r>
+            <a:r>
+              <a:rPr lang="de-AT" dirty="0" smtClean="0"/>
+              <a:t> </a:t>
+            </a:r>
+            <a:r>
+              <a:rPr lang="de-AT" dirty="0" err="1" smtClean="0"/>
+              <a:t>accesses</a:t>
+            </a:r>
+            <a:r>
+              <a:rPr lang="de-AT" dirty="0" smtClean="0"/>
+              <a:t> per </a:t>
+            </a:r>
+            <a:r>
+              <a:rPr lang="de-AT" dirty="0" err="1" smtClean="0"/>
+              <a:t>operation</a:t>
+            </a:r>
+            <a:r>
+              <a:rPr lang="de-AT" dirty="0" smtClean="0"/>
+              <a:t> </a:t>
+            </a:r>
+            <a:r>
+              <a:rPr lang="de-AT" dirty="0" err="1" smtClean="0"/>
+              <a:t>with</a:t>
+            </a:r>
+            <a:r>
+              <a:rPr lang="de-AT" dirty="0" smtClean="0"/>
+              <a:t> </a:t>
+            </a:r>
+            <a:r>
+              <a:rPr lang="de-AT" dirty="0" err="1" smtClean="0"/>
+              <a:t>and</a:t>
+            </a:r>
+            <a:r>
+              <a:rPr lang="de-AT" dirty="0" smtClean="0"/>
+              <a:t> </a:t>
+            </a:r>
+            <a:r>
+              <a:rPr lang="de-AT" dirty="0" err="1" smtClean="0"/>
+              <a:t>without</a:t>
+            </a:r>
+            <a:r>
+              <a:rPr lang="de-AT" dirty="0" smtClean="0"/>
+              <a:t> </a:t>
+            </a:r>
+            <a:r>
+              <a:rPr lang="de-AT" dirty="0" err="1" smtClean="0"/>
+              <a:t>redundancy</a:t>
+            </a:r>
+            <a:r>
+              <a:rPr lang="de-AT" dirty="0" smtClean="0"/>
+              <a:t>, </a:t>
+            </a:r>
+            <a:r>
+              <a:rPr lang="de-AT" dirty="0" err="1" smtClean="0"/>
+              <a:t>where</a:t>
+            </a:r>
+            <a:r>
+              <a:rPr lang="de-AT" dirty="0"/>
+              <a:t> </a:t>
+            </a:r>
+            <a:r>
+              <a:rPr lang="de-AT" dirty="0" smtClean="0"/>
+              <a:t>…</a:t>
+            </a:r>
+          </a:p>
+          <a:p>
+            <a:r>
+              <a:rPr lang="de-AT" dirty="0"/>
+              <a:t>	</a:t>
+            </a:r>
+            <a:r>
+              <a:rPr lang="de-AT" dirty="0" smtClean="0"/>
+              <a:t>… </a:t>
+            </a:r>
+            <a:r>
+              <a:rPr lang="de-AT" dirty="0" err="1" smtClean="0"/>
+              <a:t>read</a:t>
+            </a:r>
+            <a:r>
+              <a:rPr lang="de-AT" dirty="0" smtClean="0"/>
+              <a:t> </a:t>
+            </a:r>
+            <a:r>
+              <a:rPr lang="de-AT" dirty="0" err="1" smtClean="0"/>
+              <a:t>accesses</a:t>
+            </a:r>
+            <a:r>
+              <a:rPr lang="de-AT" dirty="0" smtClean="0"/>
+              <a:t> </a:t>
+            </a:r>
+            <a:r>
+              <a:rPr lang="de-AT" dirty="0" err="1" smtClean="0"/>
+              <a:t>have</a:t>
+            </a:r>
+            <a:r>
+              <a:rPr lang="de-AT" dirty="0" smtClean="0"/>
+              <a:t> </a:t>
+            </a:r>
+            <a:r>
+              <a:rPr lang="de-AT" dirty="0" err="1" smtClean="0"/>
+              <a:t>weight</a:t>
+            </a:r>
+            <a:r>
+              <a:rPr lang="de-AT" dirty="0" smtClean="0"/>
+              <a:t> 	1</a:t>
+            </a:r>
+          </a:p>
+          <a:p>
+            <a:r>
+              <a:rPr lang="de-AT" dirty="0"/>
+              <a:t>	</a:t>
+            </a:r>
+            <a:r>
+              <a:rPr lang="de-AT" dirty="0" smtClean="0"/>
+              <a:t>… </a:t>
+            </a:r>
+            <a:r>
+              <a:rPr lang="de-AT" dirty="0" err="1" smtClean="0"/>
+              <a:t>write</a:t>
+            </a:r>
+            <a:r>
+              <a:rPr lang="de-AT" dirty="0" smtClean="0"/>
+              <a:t> </a:t>
+            </a:r>
+            <a:r>
+              <a:rPr lang="de-AT" dirty="0" err="1" smtClean="0"/>
+              <a:t>accesses</a:t>
+            </a:r>
+            <a:r>
+              <a:rPr lang="de-AT" dirty="0" smtClean="0"/>
+              <a:t> </a:t>
+            </a:r>
+            <a:r>
+              <a:rPr lang="de-AT" dirty="0" err="1" smtClean="0"/>
+              <a:t>have</a:t>
+            </a:r>
+            <a:r>
+              <a:rPr lang="de-AT" dirty="0" smtClean="0"/>
+              <a:t> </a:t>
+            </a:r>
+            <a:r>
+              <a:rPr lang="de-AT" dirty="0" err="1" smtClean="0"/>
+              <a:t>weight</a:t>
+            </a:r>
+            <a:r>
+              <a:rPr lang="de-AT" dirty="0" smtClean="0"/>
+              <a:t> 	2</a:t>
+            </a:r>
+          </a:p>
+          <a:p>
+            <a:r>
+              <a:rPr lang="de-AT" dirty="0"/>
+              <a:t>	</a:t>
+            </a:r>
+            <a:r>
+              <a:rPr lang="de-AT" dirty="0" smtClean="0"/>
+              <a:t>… update </a:t>
+            </a:r>
+            <a:r>
+              <a:rPr lang="de-AT" dirty="0" err="1" smtClean="0"/>
+              <a:t>accesses</a:t>
+            </a:r>
+            <a:r>
+              <a:rPr lang="de-AT" dirty="0" smtClean="0"/>
+              <a:t> </a:t>
+            </a:r>
+            <a:r>
+              <a:rPr lang="de-AT" dirty="0" err="1" smtClean="0"/>
+              <a:t>have</a:t>
+            </a:r>
+            <a:r>
+              <a:rPr lang="de-AT" dirty="0" smtClean="0"/>
+              <a:t> </a:t>
+            </a:r>
+            <a:r>
+              <a:rPr lang="de-AT" dirty="0" err="1" smtClean="0"/>
+              <a:t>weight</a:t>
+            </a:r>
+            <a:r>
+              <a:rPr lang="de-AT" dirty="0" smtClean="0"/>
+              <a:t> 	3</a:t>
+            </a:r>
+            <a:endParaRPr lang="de-AT" dirty="0"/>
+          </a:p>
+        </p:txBody>
+      </p:sp>
+      <p:sp>
+        <p:nvSpPr>
+          <p:cNvPr id="6" name="Textfeld 5"/>
+          <p:cNvSpPr txBox="1"/>
+          <p:nvPr/>
+        </p:nvSpPr>
+        <p:spPr>
+          <a:xfrm>
+            <a:off x="432826" y="3983946"/>
+            <a:ext cx="8027606" cy="307777"/>
+          </a:xfrm>
+          <a:prstGeom prst="rect">
+            <a:avLst/>
+          </a:prstGeom>
+          <a:noFill/>
+        </p:spPr>
+        <p:txBody>
+          <a:bodyPr wrap="square" rtlCol="0">
+            <a:spAutoFit/>
+          </a:bodyPr>
+          <a:lstStyle/>
+          <a:p>
+            <a:r>
+              <a:rPr lang="de-AT" sz="1400" b="1" dirty="0" smtClean="0"/>
+              <a:t>*) Note: A </a:t>
+            </a:r>
+            <a:r>
+              <a:rPr lang="de-AT" sz="1400" b="1" dirty="0" err="1" smtClean="0"/>
+              <a:t>month</a:t>
+            </a:r>
+            <a:r>
+              <a:rPr lang="de-AT" sz="1400" b="1" dirty="0" smtClean="0"/>
+              <a:t> </a:t>
+            </a:r>
+            <a:r>
+              <a:rPr lang="de-AT" sz="1400" b="1" dirty="0" err="1" smtClean="0"/>
+              <a:t>has</a:t>
+            </a:r>
+            <a:r>
+              <a:rPr lang="de-AT" sz="1400" b="1" dirty="0" smtClean="0"/>
+              <a:t> 20 </a:t>
+            </a:r>
+            <a:r>
+              <a:rPr lang="de-AT" sz="1400" b="1" dirty="0" err="1" smtClean="0"/>
+              <a:t>working</a:t>
+            </a:r>
+            <a:r>
+              <a:rPr lang="de-AT" sz="1400" b="1" dirty="0" smtClean="0"/>
+              <a:t> </a:t>
+            </a:r>
+            <a:r>
+              <a:rPr lang="de-AT" sz="1400" b="1" dirty="0" err="1" smtClean="0"/>
+              <a:t>days</a:t>
+            </a:r>
+            <a:r>
+              <a:rPr lang="de-AT" sz="1400" b="1" dirty="0" smtClean="0"/>
+              <a:t>.</a:t>
+            </a:r>
+            <a:endParaRPr lang="de-AT" sz="1400" b="1" dirty="0"/>
+          </a:p>
+        </p:txBody>
+      </p:sp>
+    </p:spTree>
+    <p:extLst>
+      <p:ext uri="{BB962C8B-B14F-4D97-AF65-F5344CB8AC3E}">
+        <p14:creationId xmlns:p14="http://schemas.microsoft.com/office/powerpoint/2010/main" val="3798952510"/>
+      </p:ext>
+    </p:extLst>
+  </p:cSld>
+  <p:clrMapOvr>
+    <a:masterClrMapping/>
+  </p:clrMapOvr>
+</p:sld>
+</file>
+
+<file path=ppt/slides/slide13.xml><?xml version="1.0" encoding="utf-8"?>
+<p:sld xmlns:a="http://schemas.openxmlformats.org/drawingml/2006/main" xmlns:r="http://schemas.openxmlformats.org/officeDocument/2006/relationships" xmlns:p="http://schemas.openxmlformats.org/presentationml/2006/main">
+  <p:cSld>
+    <p:spTree>
+      <p:nvGrpSpPr>
+        <p:cNvPr id="1" name=""/>
+        <p:cNvGrpSpPr/>
+        <p:nvPr/>
+      </p:nvGrpSpPr>
+      <p:grpSpPr>
+        <a:xfrm>
+          <a:off x="0" y="0"/>
+          <a:ext cx="0" cy="0"/>
+          <a:chOff x="0" y="0"/>
+          <a:chExt cx="0" cy="0"/>
+        </a:xfrm>
+      </p:grpSpPr>
+      <p:sp>
+        <p:nvSpPr>
+          <p:cNvPr id="2" name="Titel 1"/>
+          <p:cNvSpPr>
+            <a:spLocks noGrp="1"/>
+          </p:cNvSpPr>
+          <p:nvPr>
+            <p:ph type="title"/>
+          </p:nvPr>
+        </p:nvSpPr>
+        <p:spPr/>
+        <p:txBody>
+          <a:bodyPr/>
+          <a:lstStyle/>
+          <a:p>
+            <a:r>
+              <a:rPr lang="de-AT" dirty="0" err="1" smtClean="0"/>
+              <a:t>Exercise</a:t>
+            </a:r>
+            <a:r>
+              <a:rPr lang="de-AT" dirty="0" smtClean="0"/>
+              <a:t> 3b – Data Access Table</a:t>
+            </a:r>
+            <a:endParaRPr lang="de-AT" dirty="0"/>
+          </a:p>
+        </p:txBody>
+      </p:sp>
+      <p:graphicFrame>
+        <p:nvGraphicFramePr>
+          <p:cNvPr id="4" name="Inhaltsplatzhalter 3"/>
+          <p:cNvGraphicFramePr>
+            <a:graphicFrameLocks noGrp="1"/>
+          </p:cNvGraphicFramePr>
+          <p:nvPr>
+            <p:ph sz="quarter" idx="1"/>
+            <p:extLst>
+              <p:ext uri="{D42A27DB-BD31-4B8C-83A1-F6EECF244321}">
+                <p14:modId xmlns:p14="http://schemas.microsoft.com/office/powerpoint/2010/main" val="25860424"/>
+              </p:ext>
+            </p:extLst>
+          </p:nvPr>
+        </p:nvGraphicFramePr>
+        <p:xfrm>
+          <a:off x="612775" y="1600200"/>
+          <a:ext cx="8203399" cy="4668520"/>
+        </p:xfrm>
+        <a:graphic>
+          <a:graphicData uri="http://schemas.openxmlformats.org/drawingml/2006/table">
+            <a:tbl>
+              <a:tblPr firstRow="1" bandRow="1">
+                <a:tableStyleId>{5C22544A-7EE6-4342-B048-85BDC9FD1C3A}</a:tableStyleId>
+              </a:tblPr>
+              <a:tblGrid>
+                <a:gridCol w="1200912"/>
+                <a:gridCol w="3960440"/>
+                <a:gridCol w="3042047"/>
+              </a:tblGrid>
+              <a:tr h="370840">
+                <a:tc>
+                  <a:txBody>
+                    <a:bodyPr/>
+                    <a:lstStyle/>
+                    <a:p>
+                      <a:r>
+                        <a:rPr lang="de-AT" dirty="0" smtClean="0"/>
+                        <a:t>Operation</a:t>
+                      </a:r>
+                      <a:endParaRPr lang="de-AT" dirty="0"/>
+                    </a:p>
+                  </a:txBody>
+                  <a:tcPr/>
+                </a:tc>
+                <a:tc>
+                  <a:txBody>
+                    <a:bodyPr/>
+                    <a:lstStyle/>
+                    <a:p>
+                      <a:r>
+                        <a:rPr lang="de-AT" dirty="0" err="1" smtClean="0"/>
+                        <a:t>Accesses</a:t>
+                      </a:r>
+                      <a:r>
+                        <a:rPr lang="de-AT" dirty="0" smtClean="0"/>
+                        <a:t> </a:t>
+                      </a:r>
+                      <a:r>
+                        <a:rPr lang="de-AT" dirty="0" err="1" smtClean="0"/>
+                        <a:t>with</a:t>
+                      </a:r>
+                      <a:r>
+                        <a:rPr lang="de-AT" dirty="0" smtClean="0"/>
+                        <a:t> </a:t>
+                      </a:r>
+                      <a:r>
+                        <a:rPr lang="de-AT" dirty="0" err="1" smtClean="0"/>
+                        <a:t>redundancy</a:t>
+                      </a:r>
+                      <a:endParaRPr lang="de-AT" dirty="0"/>
+                    </a:p>
+                  </a:txBody>
+                  <a:tcPr/>
+                </a:tc>
+                <a:tc>
+                  <a:txBody>
+                    <a:bodyPr/>
+                    <a:lstStyle/>
+                    <a:p>
+                      <a:r>
+                        <a:rPr lang="de-AT" dirty="0" err="1" smtClean="0"/>
+                        <a:t>Accesses</a:t>
+                      </a:r>
+                      <a:r>
+                        <a:rPr lang="de-AT" dirty="0" smtClean="0"/>
+                        <a:t> </a:t>
+                      </a:r>
+                      <a:r>
+                        <a:rPr lang="de-AT" dirty="0" err="1" smtClean="0"/>
+                        <a:t>without</a:t>
+                      </a:r>
+                      <a:endParaRPr lang="de-AT" dirty="0"/>
+                    </a:p>
+                  </a:txBody>
+                  <a:tcPr/>
+                </a:tc>
+              </a:tr>
+              <a:tr h="370840">
+                <a:tc>
+                  <a:txBody>
+                    <a:bodyPr/>
+                    <a:lstStyle/>
+                    <a:p>
+                      <a:r>
+                        <a:rPr lang="de-AT" dirty="0" smtClean="0"/>
+                        <a:t>T1</a:t>
+                      </a:r>
+                      <a:endParaRPr lang="de-AT" dirty="0"/>
+                    </a:p>
+                  </a:txBody>
+                  <a:tcPr/>
+                </a:tc>
+                <a:tc>
+                  <a:txBody>
+                    <a:bodyPr/>
+                    <a:lstStyle/>
+                    <a:p>
+                      <a:r>
+                        <a:rPr kumimoji="0" lang="en-GB" sz="1800" kern="1200" dirty="0" smtClean="0">
+                          <a:solidFill>
+                            <a:schemeClr val="dk1"/>
+                          </a:solidFill>
+                          <a:effectLst/>
+                          <a:latin typeface="+mn-lt"/>
+                          <a:ea typeface="+mn-ea"/>
+                          <a:cs typeface="+mn-cs"/>
+                        </a:rPr>
+                        <a:t>100 customer (write 50 * 2)</a:t>
+                      </a:r>
+                      <a:br>
+                        <a:rPr kumimoji="0" lang="en-GB" sz="1800" kern="1200" dirty="0" smtClean="0">
+                          <a:solidFill>
+                            <a:schemeClr val="dk1"/>
+                          </a:solidFill>
+                          <a:effectLst/>
+                          <a:latin typeface="+mn-lt"/>
+                          <a:ea typeface="+mn-ea"/>
+                          <a:cs typeface="+mn-cs"/>
+                        </a:rPr>
+                      </a:br>
+                      <a:r>
+                        <a:rPr kumimoji="0" lang="en-GB" sz="1800" kern="1200" dirty="0" smtClean="0">
+                          <a:solidFill>
+                            <a:schemeClr val="dk1"/>
+                          </a:solidFill>
+                          <a:effectLst/>
+                          <a:latin typeface="+mn-lt"/>
+                          <a:ea typeface="+mn-ea"/>
+                          <a:cs typeface="+mn-cs"/>
+                        </a:rPr>
+                        <a:t>= 100</a:t>
+                      </a:r>
+                      <a:r>
+                        <a:rPr kumimoji="0" lang="en-GB" sz="1800" kern="1200" baseline="0" dirty="0" smtClean="0">
+                          <a:solidFill>
+                            <a:schemeClr val="dk1"/>
+                          </a:solidFill>
+                          <a:effectLst/>
+                          <a:latin typeface="+mn-lt"/>
+                          <a:ea typeface="+mn-ea"/>
+                          <a:cs typeface="+mn-cs"/>
+                        </a:rPr>
+                        <a:t> accesses</a:t>
+                      </a:r>
+                      <a:endParaRPr lang="de-AT" dirty="0"/>
+                    </a:p>
+                  </a:txBody>
+                  <a:tcPr/>
+                </a:tc>
+                <a:tc>
+                  <a:txBody>
+                    <a:bodyPr/>
+                    <a:lstStyle/>
+                    <a:p>
+                      <a:r>
+                        <a:rPr kumimoji="0" lang="en-GB" sz="1800" kern="1200" dirty="0" smtClean="0">
+                          <a:solidFill>
+                            <a:schemeClr val="dk1"/>
+                          </a:solidFill>
+                          <a:effectLst/>
+                          <a:latin typeface="+mn-lt"/>
+                          <a:ea typeface="+mn-ea"/>
+                          <a:cs typeface="+mn-cs"/>
+                        </a:rPr>
+                        <a:t>100 customer (write 50 * 2)</a:t>
+                      </a:r>
+                      <a:br>
+                        <a:rPr kumimoji="0" lang="en-GB" sz="1800" kern="1200" dirty="0" smtClean="0">
+                          <a:solidFill>
+                            <a:schemeClr val="dk1"/>
+                          </a:solidFill>
+                          <a:effectLst/>
+                          <a:latin typeface="+mn-lt"/>
+                          <a:ea typeface="+mn-ea"/>
+                          <a:cs typeface="+mn-cs"/>
+                        </a:rPr>
+                      </a:br>
+                      <a:r>
+                        <a:rPr kumimoji="0" lang="en-GB" sz="1800" kern="1200" dirty="0" smtClean="0">
+                          <a:solidFill>
+                            <a:schemeClr val="dk1"/>
+                          </a:solidFill>
+                          <a:effectLst/>
+                          <a:latin typeface="+mn-lt"/>
+                          <a:ea typeface="+mn-ea"/>
+                          <a:cs typeface="+mn-cs"/>
+                        </a:rPr>
+                        <a:t> = 100 accesses</a:t>
+                      </a:r>
+                      <a:endParaRPr lang="de-AT" dirty="0"/>
+                    </a:p>
+                  </a:txBody>
+                  <a:tcPr/>
+                </a:tc>
+              </a:tr>
+              <a:tr h="370840">
+                <a:tc>
+                  <a:txBody>
+                    <a:bodyPr/>
+                    <a:lstStyle/>
+                    <a:p>
+                      <a:r>
+                        <a:rPr lang="de-AT" dirty="0" smtClean="0"/>
+                        <a:t>T2</a:t>
+                      </a:r>
+                      <a:endParaRPr lang="de-AT" dirty="0"/>
+                    </a:p>
+                  </a:txBody>
+                  <a:tcPr/>
+                </a:tc>
+                <a:tc>
+                  <a:txBody>
+                    <a:bodyPr/>
+                    <a:lstStyle/>
+                    <a:p>
+                      <a:r>
+                        <a:rPr kumimoji="0" lang="en-GB" sz="1800" kern="1200" dirty="0" smtClean="0">
+                          <a:solidFill>
+                            <a:schemeClr val="dk1"/>
+                          </a:solidFill>
+                          <a:effectLst/>
+                          <a:latin typeface="+mn-lt"/>
+                          <a:ea typeface="+mn-ea"/>
+                          <a:cs typeface="+mn-cs"/>
+                        </a:rPr>
+                        <a:t>10  product  (write 5 * 2)</a:t>
+                      </a:r>
+                      <a:br>
+                        <a:rPr kumimoji="0" lang="en-GB" sz="1800" kern="1200" dirty="0" smtClean="0">
+                          <a:solidFill>
+                            <a:schemeClr val="dk1"/>
+                          </a:solidFill>
+                          <a:effectLst/>
+                          <a:latin typeface="+mn-lt"/>
+                          <a:ea typeface="+mn-ea"/>
+                          <a:cs typeface="+mn-cs"/>
+                        </a:rPr>
+                      </a:br>
+                      <a:r>
+                        <a:rPr kumimoji="0" lang="en-GB" sz="1800" kern="1200" dirty="0" smtClean="0">
+                          <a:solidFill>
+                            <a:schemeClr val="dk1"/>
+                          </a:solidFill>
+                          <a:effectLst/>
+                          <a:latin typeface="+mn-lt"/>
+                          <a:ea typeface="+mn-ea"/>
+                          <a:cs typeface="+mn-cs"/>
+                        </a:rPr>
+                        <a:t>= 10 accesses</a:t>
+                      </a:r>
+                      <a:endParaRPr lang="de-AT" dirty="0"/>
+                    </a:p>
+                  </a:txBody>
+                  <a:tcPr/>
+                </a:tc>
+                <a:tc>
+                  <a:txBody>
+                    <a:bodyPr/>
+                    <a:lstStyle/>
+                    <a:p>
+                      <a:r>
+                        <a:rPr kumimoji="0" lang="en-GB" sz="1800" kern="1200" dirty="0" smtClean="0">
+                          <a:solidFill>
+                            <a:schemeClr val="dk1"/>
+                          </a:solidFill>
+                          <a:effectLst/>
+                          <a:latin typeface="+mn-lt"/>
+                          <a:ea typeface="+mn-ea"/>
+                          <a:cs typeface="+mn-cs"/>
+                        </a:rPr>
+                        <a:t>10  product  (write 5 * 2)</a:t>
+                      </a:r>
+                      <a:br>
+                        <a:rPr kumimoji="0" lang="en-GB" sz="1800" kern="1200" dirty="0" smtClean="0">
+                          <a:solidFill>
+                            <a:schemeClr val="dk1"/>
+                          </a:solidFill>
+                          <a:effectLst/>
+                          <a:latin typeface="+mn-lt"/>
+                          <a:ea typeface="+mn-ea"/>
+                          <a:cs typeface="+mn-cs"/>
+                        </a:rPr>
+                      </a:br>
+                      <a:r>
+                        <a:rPr kumimoji="0" lang="en-GB" sz="1800" kern="1200" dirty="0" smtClean="0">
+                          <a:solidFill>
+                            <a:schemeClr val="dk1"/>
+                          </a:solidFill>
+                          <a:effectLst/>
+                          <a:latin typeface="+mn-lt"/>
+                          <a:ea typeface="+mn-ea"/>
+                          <a:cs typeface="+mn-cs"/>
+                        </a:rPr>
+                        <a:t>= 10 accesses</a:t>
+                      </a:r>
+                      <a:endParaRPr lang="de-AT" dirty="0"/>
+                    </a:p>
+                  </a:txBody>
+                  <a:tcPr/>
+                </a:tc>
+              </a:tr>
+              <a:tr h="370840">
+                <a:tc>
+                  <a:txBody>
+                    <a:bodyPr/>
+                    <a:lstStyle/>
+                    <a:p>
+                      <a:r>
+                        <a:rPr lang="de-AT" dirty="0" smtClean="0"/>
+                        <a:t>T3</a:t>
+                      </a:r>
+                      <a:endParaRPr lang="de-AT" dirty="0"/>
+                    </a:p>
+                  </a:txBody>
+                  <a:tcPr/>
+                </a:tc>
+                <a:tc>
+                  <a:txBody>
+                    <a:bodyPr/>
+                    <a:lstStyle/>
+                    <a:p>
+                      <a:r>
+                        <a:rPr kumimoji="0" lang="en-GB" sz="1800" kern="1200" dirty="0" smtClean="0">
+                          <a:solidFill>
+                            <a:schemeClr val="dk1"/>
+                          </a:solidFill>
+                          <a:effectLst/>
+                          <a:latin typeface="+mn-lt"/>
+                          <a:ea typeface="+mn-ea"/>
+                          <a:cs typeface="+mn-cs"/>
+                        </a:rPr>
+                        <a:t>2.000 buys (write 1.000 * 2)</a:t>
+                      </a:r>
+                      <a:br>
+                        <a:rPr kumimoji="0" lang="en-GB" sz="1800" kern="1200" dirty="0" smtClean="0">
+                          <a:solidFill>
+                            <a:schemeClr val="dk1"/>
+                          </a:solidFill>
+                          <a:effectLst/>
+                          <a:latin typeface="+mn-lt"/>
+                          <a:ea typeface="+mn-ea"/>
+                          <a:cs typeface="+mn-cs"/>
+                        </a:rPr>
+                      </a:br>
+                      <a:r>
+                        <a:rPr kumimoji="0" lang="en-GB" sz="1800" kern="1200" dirty="0" smtClean="0">
+                          <a:solidFill>
+                            <a:schemeClr val="dk1"/>
+                          </a:solidFill>
+                          <a:effectLst/>
+                          <a:latin typeface="+mn-lt"/>
+                          <a:ea typeface="+mn-ea"/>
+                          <a:cs typeface="+mn-cs"/>
+                        </a:rPr>
+                        <a:t>+ 3.000 customer (update 1.000 * 3)</a:t>
+                      </a:r>
+                      <a:br>
+                        <a:rPr kumimoji="0" lang="en-GB" sz="1800" kern="1200" dirty="0" smtClean="0">
+                          <a:solidFill>
+                            <a:schemeClr val="dk1"/>
+                          </a:solidFill>
+                          <a:effectLst/>
+                          <a:latin typeface="+mn-lt"/>
+                          <a:ea typeface="+mn-ea"/>
+                          <a:cs typeface="+mn-cs"/>
+                        </a:rPr>
+                      </a:br>
+                      <a:r>
+                        <a:rPr kumimoji="0" lang="en-GB" sz="1800" kern="1200" dirty="0" smtClean="0">
+                          <a:solidFill>
+                            <a:schemeClr val="dk1"/>
+                          </a:solidFill>
+                          <a:effectLst/>
+                          <a:latin typeface="+mn-lt"/>
+                          <a:ea typeface="+mn-ea"/>
+                          <a:cs typeface="+mn-cs"/>
+                        </a:rPr>
+                        <a:t>= 5.000 accesses</a:t>
+                      </a:r>
+                      <a:endParaRPr lang="de-AT" dirty="0"/>
+                    </a:p>
+                  </a:txBody>
+                  <a:tcPr/>
+                </a:tc>
+                <a:tc>
+                  <a:txBody>
+                    <a:bodyPr/>
+                    <a:lstStyle/>
+                    <a:p>
+                      <a:r>
+                        <a:rPr kumimoji="0" lang="en-GB" sz="1800" kern="1200" dirty="0" smtClean="0">
+                          <a:solidFill>
+                            <a:schemeClr val="dk1"/>
+                          </a:solidFill>
+                          <a:effectLst/>
+                          <a:latin typeface="+mn-lt"/>
+                          <a:ea typeface="+mn-ea"/>
+                          <a:cs typeface="+mn-cs"/>
+                        </a:rPr>
+                        <a:t>2.000 buys (write 1.000 * 2)</a:t>
+                      </a:r>
+                      <a:br>
+                        <a:rPr kumimoji="0" lang="en-GB" sz="1800" kern="1200" dirty="0" smtClean="0">
+                          <a:solidFill>
+                            <a:schemeClr val="dk1"/>
+                          </a:solidFill>
+                          <a:effectLst/>
+                          <a:latin typeface="+mn-lt"/>
+                          <a:ea typeface="+mn-ea"/>
+                          <a:cs typeface="+mn-cs"/>
+                        </a:rPr>
+                      </a:br>
+                      <a:r>
+                        <a:rPr kumimoji="0" lang="en-GB" sz="1800" kern="1200" dirty="0" smtClean="0">
+                          <a:solidFill>
+                            <a:schemeClr val="dk1"/>
+                          </a:solidFill>
+                          <a:effectLst/>
+                          <a:latin typeface="+mn-lt"/>
+                          <a:ea typeface="+mn-ea"/>
+                          <a:cs typeface="+mn-cs"/>
+                        </a:rPr>
+                        <a:t>= 2.000 accesses</a:t>
+                      </a:r>
+                      <a:endParaRPr lang="de-AT" dirty="0"/>
+                    </a:p>
+                  </a:txBody>
+                  <a:tcPr/>
+                </a:tc>
+              </a:tr>
+              <a:tr h="370840">
+                <a:tc>
+                  <a:txBody>
+                    <a:bodyPr/>
+                    <a:lstStyle/>
+                    <a:p>
+                      <a:r>
+                        <a:rPr lang="de-AT" dirty="0" smtClean="0"/>
+                        <a:t>T4</a:t>
+                      </a:r>
+                      <a:endParaRPr lang="de-AT" dirty="0"/>
+                    </a:p>
+                  </a:txBody>
+                  <a:tcPr/>
+                </a:tc>
+                <a:tc>
+                  <a:txBody>
+                    <a:bodyPr/>
+                    <a:lstStyle/>
+                    <a:p>
+                      <a:r>
+                        <a:rPr kumimoji="0" lang="en-GB" sz="1800" kern="1200" dirty="0" smtClean="0">
+                          <a:solidFill>
+                            <a:schemeClr val="dk1"/>
+                          </a:solidFill>
+                          <a:effectLst/>
+                          <a:latin typeface="+mn-lt"/>
+                          <a:ea typeface="+mn-ea"/>
+                          <a:cs typeface="+mn-cs"/>
+                        </a:rPr>
+                        <a:t>400.000 customer (200.000 read twice)</a:t>
+                      </a:r>
+                      <a:br>
+                        <a:rPr kumimoji="0" lang="en-GB" sz="1800" kern="1200" dirty="0" smtClean="0">
+                          <a:solidFill>
+                            <a:schemeClr val="dk1"/>
+                          </a:solidFill>
+                          <a:effectLst/>
+                          <a:latin typeface="+mn-lt"/>
+                          <a:ea typeface="+mn-ea"/>
+                          <a:cs typeface="+mn-cs"/>
+                        </a:rPr>
+                      </a:br>
+                      <a:r>
+                        <a:rPr kumimoji="0" lang="en-GB" sz="1800" kern="1200" dirty="0" smtClean="0">
+                          <a:solidFill>
+                            <a:schemeClr val="dk1"/>
+                          </a:solidFill>
+                          <a:effectLst/>
+                          <a:latin typeface="+mn-lt"/>
+                          <a:ea typeface="+mn-ea"/>
+                          <a:cs typeface="+mn-cs"/>
+                        </a:rPr>
+                        <a:t>= 400.000 accesses</a:t>
+                      </a:r>
+                      <a:endParaRPr lang="de-AT" dirty="0"/>
+                    </a:p>
+                  </a:txBody>
+                  <a:tcPr/>
+                </a:tc>
+                <a:tc>
+                  <a:txBody>
+                    <a:bodyPr/>
+                    <a:lstStyle/>
+                    <a:p>
+                      <a:r>
+                        <a:rPr kumimoji="0" lang="en-GB" sz="1800" kern="1200" dirty="0" smtClean="0">
+                          <a:solidFill>
+                            <a:schemeClr val="dk1"/>
+                          </a:solidFill>
+                          <a:effectLst/>
+                          <a:latin typeface="+mn-lt"/>
+                          <a:ea typeface="+mn-ea"/>
+                          <a:cs typeface="+mn-cs"/>
+                        </a:rPr>
+                        <a:t>400.000 customer (read 200.000 twice)</a:t>
+                      </a:r>
+                      <a:endParaRPr kumimoji="0" lang="de-AT" sz="1800" kern="1200" dirty="0" smtClean="0">
+                        <a:solidFill>
+                          <a:schemeClr val="dk1"/>
+                        </a:solidFill>
+                        <a:effectLst/>
+                        <a:latin typeface="+mn-lt"/>
+                        <a:ea typeface="+mn-ea"/>
+                        <a:cs typeface="+mn-cs"/>
+                      </a:endParaRPr>
+                    </a:p>
+                    <a:p>
+                      <a:r>
+                        <a:rPr kumimoji="0" lang="en-GB" sz="1800" kern="1200" dirty="0" smtClean="0">
+                          <a:solidFill>
+                            <a:schemeClr val="dk1"/>
+                          </a:solidFill>
+                          <a:effectLst/>
+                          <a:latin typeface="+mn-lt"/>
+                          <a:ea typeface="+mn-ea"/>
+                          <a:cs typeface="+mn-cs"/>
+                        </a:rPr>
+                        <a:t>+ 40.000.000 buys (read 20.000.000 twice)</a:t>
+                      </a:r>
+                      <a:endParaRPr kumimoji="0" lang="de-AT" sz="1800" kern="1200" dirty="0" smtClean="0">
+                        <a:solidFill>
+                          <a:schemeClr val="dk1"/>
+                        </a:solidFill>
+                        <a:effectLst/>
+                        <a:latin typeface="+mn-lt"/>
+                        <a:ea typeface="+mn-ea"/>
+                        <a:cs typeface="+mn-cs"/>
+                      </a:endParaRPr>
+                    </a:p>
+                    <a:p>
+                      <a:r>
+                        <a:rPr kumimoji="0" lang="en-GB" sz="1800" kern="1200" dirty="0" smtClean="0">
+                          <a:solidFill>
+                            <a:schemeClr val="dk1"/>
+                          </a:solidFill>
+                          <a:effectLst/>
+                          <a:latin typeface="+mn-lt"/>
+                          <a:ea typeface="+mn-ea"/>
+                          <a:cs typeface="+mn-cs"/>
+                        </a:rPr>
+                        <a:t>= 40.400.000 accesses</a:t>
+                      </a:r>
+                      <a:endParaRPr lang="de-AT" dirty="0"/>
+                    </a:p>
+                  </a:txBody>
+                  <a:tcPr/>
+                </a:tc>
+              </a:tr>
+              <a:tr h="370840">
+                <a:tc>
+                  <a:txBody>
+                    <a:bodyPr/>
+                    <a:lstStyle/>
+                    <a:p>
+                      <a:r>
+                        <a:rPr lang="de-AT" dirty="0" err="1" smtClean="0"/>
+                        <a:t>Sum</a:t>
+                      </a:r>
+                      <a:endParaRPr lang="de-AT" dirty="0"/>
+                    </a:p>
+                  </a:txBody>
+                  <a:tcPr/>
+                </a:tc>
+                <a:tc>
+                  <a:txBody>
+                    <a:bodyPr/>
+                    <a:lstStyle/>
+                    <a:p>
+                      <a:r>
+                        <a:rPr kumimoji="0" lang="en-GB" sz="1800" kern="1200" dirty="0" smtClean="0">
+                          <a:solidFill>
+                            <a:schemeClr val="dk1"/>
+                          </a:solidFill>
+                          <a:effectLst/>
+                          <a:latin typeface="+mn-lt"/>
+                          <a:ea typeface="+mn-ea"/>
+                          <a:cs typeface="+mn-cs"/>
+                        </a:rPr>
+                        <a:t>= 405.110 accesses per month</a:t>
+                      </a:r>
+                      <a:endParaRPr lang="de-AT" dirty="0"/>
+                    </a:p>
+                  </a:txBody>
+                  <a:tcPr/>
+                </a:tc>
+                <a:tc>
+                  <a:txBody>
+                    <a:bodyPr/>
+                    <a:lstStyle/>
+                    <a:p>
+                      <a:r>
+                        <a:rPr kumimoji="0" lang="en-GB" sz="1800" kern="1200" dirty="0" smtClean="0">
+                          <a:solidFill>
+                            <a:schemeClr val="dk1"/>
+                          </a:solidFill>
+                          <a:effectLst/>
+                          <a:latin typeface="+mn-lt"/>
+                          <a:ea typeface="+mn-ea"/>
+                          <a:cs typeface="+mn-cs"/>
+                        </a:rPr>
+                        <a:t>= 40.402.110 accesses per month</a:t>
+                      </a:r>
+                      <a:endParaRPr lang="de-AT" dirty="0"/>
+                    </a:p>
+                  </a:txBody>
+                  <a:tcPr/>
+                </a:tc>
+              </a:tr>
+            </a:tbl>
+          </a:graphicData>
+        </a:graphic>
+      </p:graphicFrame>
+    </p:spTree>
+    <p:extLst>
+      <p:ext uri="{BB962C8B-B14F-4D97-AF65-F5344CB8AC3E}">
+        <p14:creationId xmlns:p14="http://schemas.microsoft.com/office/powerpoint/2010/main" val="3933209263"/>
+      </p:ext>
+    </p:extLst>
+  </p:cSld>
+  <p:clrMapOvr>
+    <a:masterClrMapping/>
+  </p:clrMapOvr>
+</p:sld>
+</file>
+
+<file path=ppt/slides/slide14.xml><?xml version="1.0" encoding="utf-8"?>
+<p:sld xmlns:a="http://schemas.openxmlformats.org/drawingml/2006/main" xmlns:r="http://schemas.openxmlformats.org/officeDocument/2006/relationships" xmlns:p="http://schemas.openxmlformats.org/presentationml/2006/main">
+  <p:cSld>
+    <p:spTree>
+      <p:nvGrpSpPr>
+        <p:cNvPr id="1" name=""/>
+        <p:cNvGrpSpPr/>
+        <p:nvPr/>
+      </p:nvGrpSpPr>
+      <p:grpSpPr>
+        <a:xfrm>
+          <a:off x="0" y="0"/>
+          <a:ext cx="0" cy="0"/>
+          <a:chOff x="0" y="0"/>
+          <a:chExt cx="0" cy="0"/>
+        </a:xfrm>
+      </p:grpSpPr>
+      <p:sp>
+        <p:nvSpPr>
+          <p:cNvPr id="2" name="Titel 1"/>
+          <p:cNvSpPr>
+            <a:spLocks noGrp="1"/>
+          </p:cNvSpPr>
+          <p:nvPr>
+            <p:ph type="title"/>
+          </p:nvPr>
+        </p:nvSpPr>
+        <p:spPr/>
+        <p:txBody>
+          <a:bodyPr/>
+          <a:lstStyle/>
+          <a:p>
+            <a:r>
+              <a:rPr lang="de-AT" dirty="0" err="1" smtClean="0"/>
+              <a:t>Exercise</a:t>
+            </a:r>
+            <a:r>
+              <a:rPr lang="de-AT" dirty="0" smtClean="0"/>
+              <a:t> 3b </a:t>
+            </a:r>
+            <a:r>
+              <a:rPr lang="de-AT" dirty="0"/>
+              <a:t>– </a:t>
+            </a:r>
+            <a:r>
+              <a:rPr lang="de-AT" dirty="0" err="1" smtClean="0"/>
+              <a:t>Conclusion</a:t>
+            </a:r>
+            <a:endParaRPr lang="de-AT" dirty="0"/>
+          </a:p>
+        </p:txBody>
+      </p:sp>
+      <p:sp>
+        <p:nvSpPr>
+          <p:cNvPr id="3" name="Inhaltsplatzhalter 2"/>
+          <p:cNvSpPr>
+            <a:spLocks noGrp="1"/>
+          </p:cNvSpPr>
+          <p:nvPr>
+            <p:ph sz="quarter" idx="1"/>
+          </p:nvPr>
+        </p:nvSpPr>
+        <p:spPr/>
+        <p:txBody>
+          <a:bodyPr/>
+          <a:lstStyle/>
+          <a:p>
+            <a:r>
+              <a:rPr lang="de-AT" dirty="0" err="1" smtClean="0"/>
+              <a:t>Accesses</a:t>
+            </a:r>
+            <a:r>
+              <a:rPr lang="de-AT" dirty="0" smtClean="0"/>
+              <a:t> per </a:t>
+            </a:r>
+            <a:r>
+              <a:rPr lang="de-AT" dirty="0" err="1" smtClean="0"/>
+              <a:t>month</a:t>
+            </a:r>
+            <a:r>
+              <a:rPr lang="de-AT" dirty="0" smtClean="0"/>
+              <a:t> </a:t>
+            </a:r>
+            <a:r>
+              <a:rPr lang="de-AT" dirty="0" err="1" smtClean="0"/>
+              <a:t>without</a:t>
+            </a:r>
+            <a:r>
+              <a:rPr lang="de-AT" dirty="0" smtClean="0"/>
+              <a:t> </a:t>
+            </a:r>
+            <a:r>
+              <a:rPr lang="de-AT" dirty="0" err="1" smtClean="0"/>
+              <a:t>redundancy</a:t>
+            </a:r>
+            <a:r>
+              <a:rPr lang="de-AT" dirty="0" smtClean="0"/>
+              <a:t>:</a:t>
+            </a:r>
+          </a:p>
+          <a:p>
+            <a:pPr marL="365760" lvl="1" indent="0" algn="ctr">
+              <a:buNone/>
+            </a:pPr>
+            <a:r>
+              <a:rPr lang="de-AT" b="1" dirty="0" smtClean="0">
+                <a:solidFill>
+                  <a:srgbClr val="FF0000"/>
+                </a:solidFill>
+              </a:rPr>
+              <a:t>40.402.110</a:t>
+            </a:r>
+            <a:endParaRPr lang="de-AT" b="1" dirty="0">
+              <a:solidFill>
+                <a:srgbClr val="FF0000"/>
+              </a:solidFill>
+            </a:endParaRPr>
+          </a:p>
+          <a:p>
+            <a:r>
+              <a:rPr lang="de-AT" dirty="0" err="1" smtClean="0"/>
+              <a:t>Accesses</a:t>
+            </a:r>
+            <a:r>
+              <a:rPr lang="de-AT" dirty="0" smtClean="0"/>
+              <a:t> per </a:t>
+            </a:r>
+            <a:r>
+              <a:rPr lang="de-AT" dirty="0" err="1" smtClean="0"/>
+              <a:t>month</a:t>
+            </a:r>
+            <a:r>
+              <a:rPr lang="de-AT" dirty="0" smtClean="0"/>
+              <a:t> </a:t>
+            </a:r>
+            <a:r>
+              <a:rPr lang="de-AT" dirty="0" err="1" smtClean="0"/>
+              <a:t>with</a:t>
+            </a:r>
+            <a:r>
+              <a:rPr lang="de-AT" dirty="0" smtClean="0"/>
+              <a:t> </a:t>
+            </a:r>
+            <a:r>
+              <a:rPr lang="de-AT" dirty="0" err="1" smtClean="0"/>
+              <a:t>redundancy</a:t>
+            </a:r>
+            <a:r>
+              <a:rPr lang="de-AT" dirty="0" smtClean="0"/>
+              <a:t>:</a:t>
+            </a:r>
+          </a:p>
+          <a:p>
+            <a:pPr marL="365760" lvl="1" indent="0" algn="ctr">
+              <a:buNone/>
+            </a:pPr>
+            <a:r>
+              <a:rPr lang="de-AT" b="1" u="sng" dirty="0" smtClean="0">
+                <a:solidFill>
+                  <a:srgbClr val="92D050"/>
+                </a:solidFill>
+              </a:rPr>
+              <a:t>405.110</a:t>
+            </a:r>
+            <a:endParaRPr lang="de-AT" b="1" u="sng" dirty="0">
+              <a:solidFill>
+                <a:srgbClr val="92D050"/>
+              </a:solidFill>
+            </a:endParaRPr>
+          </a:p>
+          <a:p>
+            <a:endParaRPr lang="de-AT" dirty="0" smtClean="0"/>
+          </a:p>
+          <a:p>
+            <a:r>
+              <a:rPr lang="de-AT" b="1" dirty="0" err="1" smtClean="0"/>
+              <a:t>Therefore</a:t>
+            </a:r>
+            <a:r>
+              <a:rPr lang="de-AT" b="1" dirty="0" smtClean="0"/>
+              <a:t>: Keep </a:t>
+            </a:r>
+            <a:r>
+              <a:rPr lang="de-AT" b="1" dirty="0" err="1" smtClean="0"/>
+              <a:t>redundancy</a:t>
+            </a:r>
+            <a:r>
+              <a:rPr lang="de-AT" b="1" dirty="0" smtClean="0"/>
+              <a:t>!</a:t>
+            </a:r>
+            <a:endParaRPr lang="de-AT" b="1" dirty="0"/>
+          </a:p>
+        </p:txBody>
+      </p:sp>
+    </p:spTree>
+    <p:extLst>
+      <p:ext uri="{BB962C8B-B14F-4D97-AF65-F5344CB8AC3E}">
+        <p14:creationId xmlns:p14="http://schemas.microsoft.com/office/powerpoint/2010/main" val="1532810805"/>
+      </p:ext>
+    </p:extLst>
+  </p:cSld>
+  <p:clrMapOvr>
+    <a:masterClrMapping/>
+  </p:clrMapOvr>
+</p:sld>
+</file>
+
+<file path=ppt/slides/slide15.xml><?xml version="1.0" encoding="utf-8"?>
+<p:sld xmlns:a="http://schemas.openxmlformats.org/drawingml/2006/main" xmlns:r="http://schemas.openxmlformats.org/officeDocument/2006/relationships" xmlns:p="http://schemas.openxmlformats.org/presentationml/2006/main">
+  <p:cSld>
+    <p:spTree>
+      <p:nvGrpSpPr>
+        <p:cNvPr id="1" name=""/>
+        <p:cNvGrpSpPr/>
+        <p:nvPr/>
+      </p:nvGrpSpPr>
+      <p:grpSpPr>
+        <a:xfrm>
+          <a:off x="0" y="0"/>
+          <a:ext cx="0" cy="0"/>
+          <a:chOff x="0" y="0"/>
+          <a:chExt cx="0" cy="0"/>
+        </a:xfrm>
+      </p:grpSpPr>
+      <p:sp>
+        <p:nvSpPr>
+          <p:cNvPr id="2" name="Titel 1"/>
+          <p:cNvSpPr>
+            <a:spLocks noGrp="1"/>
+          </p:cNvSpPr>
+          <p:nvPr>
+            <p:ph type="title"/>
+          </p:nvPr>
+        </p:nvSpPr>
+        <p:spPr/>
+        <p:txBody>
+          <a:bodyPr/>
+          <a:lstStyle/>
+          <a:p>
+            <a:r>
+              <a:rPr lang="de-AT" dirty="0" err="1" smtClean="0"/>
               <a:t>Exercise</a:t>
             </a:r>
             <a:r>
@@ -3883,7 +6038,7 @@
 </p:sld>
 </file>
 
-<file path=ppt/slides/slide11.xml><?xml version="1.0" encoding="utf-8"?>
+<file path=ppt/slides/slide16.xml><?xml version="1.0" encoding="utf-8"?>
 <p:sld xmlns:a="http://schemas.openxmlformats.org/drawingml/2006/main" xmlns:r="http://schemas.openxmlformats.org/officeDocument/2006/relationships" xmlns:p="http://schemas.openxmlformats.org/presentationml/2006/main">
   <p:cSld>
     <p:spTree>
@@ -4071,7 +6226,7 @@
 </p:sld>
 </file>
 
-<file path=ppt/slides/slide12.xml><?xml version="1.0" encoding="utf-8"?>
+<file path=ppt/slides/slide17.xml><?xml version="1.0" encoding="utf-8"?>
 <p:sld xmlns:a="http://schemas.openxmlformats.org/drawingml/2006/main" xmlns:r="http://schemas.openxmlformats.org/officeDocument/2006/relationships" xmlns:p="http://schemas.openxmlformats.org/presentationml/2006/main">
   <p:cSld>
     <p:spTree>
@@ -4280,7 +6435,7 @@
 </p:sld>
 </file>
 
-<file path=ppt/slides/slide13.xml><?xml version="1.0" encoding="utf-8"?>
+<file path=ppt/slides/slide18.xml><?xml version="1.0" encoding="utf-8"?>
 <p:sld xmlns:a="http://schemas.openxmlformats.org/drawingml/2006/main" xmlns:r="http://schemas.openxmlformats.org/officeDocument/2006/relationships" xmlns:p="http://schemas.openxmlformats.org/presentationml/2006/main">
   <p:cSld>
     <p:spTree>
@@ -4530,7 +6685,7 @@
 </p:sld>
 </file>
 
-<file path=ppt/slides/slide14.xml><?xml version="1.0" encoding="utf-8"?>
+<file path=ppt/slides/slide19.xml><?xml version="1.0" encoding="utf-8"?>
 <p:sld xmlns:a="http://schemas.openxmlformats.org/drawingml/2006/main" xmlns:r="http://schemas.openxmlformats.org/officeDocument/2006/relationships" xmlns:p="http://schemas.openxmlformats.org/presentationml/2006/main">
   <p:cSld>
     <p:spTree>
@@ -4774,7 +6929,185 @@
 </p:sld>
 </file>
 
-<file path=ppt/slides/slide15.xml><?xml version="1.0" encoding="utf-8"?>
+<file path=ppt/slides/slide2.xml><?xml version="1.0" encoding="utf-8"?>
+<p:sld xmlns:a="http://schemas.openxmlformats.org/drawingml/2006/main" xmlns:r="http://schemas.openxmlformats.org/officeDocument/2006/relationships" xmlns:p="http://schemas.openxmlformats.org/presentationml/2006/main">
+  <p:cSld>
+    <p:spTree>
+      <p:nvGrpSpPr>
+        <p:cNvPr id="1" name=""/>
+        <p:cNvGrpSpPr/>
+        <p:nvPr/>
+      </p:nvGrpSpPr>
+      <p:grpSpPr>
+        <a:xfrm>
+          <a:off x="0" y="0"/>
+          <a:ext cx="0" cy="0"/>
+          <a:chOff x="0" y="0"/>
+          <a:chExt cx="0" cy="0"/>
+        </a:xfrm>
+      </p:grpSpPr>
+      <p:sp>
+        <p:nvSpPr>
+          <p:cNvPr id="2" name="Titel 1"/>
+          <p:cNvSpPr>
+            <a:spLocks noGrp="1"/>
+          </p:cNvSpPr>
+          <p:nvPr>
+            <p:ph type="title"/>
+          </p:nvPr>
+        </p:nvSpPr>
+        <p:spPr/>
+        <p:txBody>
+          <a:bodyPr/>
+          <a:lstStyle/>
+          <a:p>
+            <a:r>
+              <a:rPr lang="de-AT" dirty="0" err="1" smtClean="0"/>
+              <a:t>Exercise</a:t>
+            </a:r>
+            <a:r>
+              <a:rPr lang="de-AT" dirty="0" smtClean="0"/>
+              <a:t> 1</a:t>
+            </a:r>
+            <a:endParaRPr lang="de-AT" dirty="0"/>
+          </a:p>
+        </p:txBody>
+      </p:sp>
+      <p:sp>
+        <p:nvSpPr>
+          <p:cNvPr id="3" name="Inhaltsplatzhalter 2"/>
+          <p:cNvSpPr>
+            <a:spLocks noGrp="1"/>
+          </p:cNvSpPr>
+          <p:nvPr>
+            <p:ph sz="quarter" idx="1"/>
+          </p:nvPr>
+        </p:nvSpPr>
+        <p:spPr/>
+        <p:txBody>
+          <a:bodyPr/>
+          <a:lstStyle/>
+          <a:p>
+            <a:r>
+              <a:rPr lang="de-AT" dirty="0" smtClean="0"/>
+              <a:t> </a:t>
+            </a:r>
+            <a:r>
+              <a:rPr lang="de-AT" dirty="0" err="1"/>
+              <a:t>Integrate</a:t>
+            </a:r>
+            <a:r>
+              <a:rPr lang="de-AT" dirty="0"/>
+              <a:t> </a:t>
+            </a:r>
+            <a:r>
+              <a:rPr lang="de-AT" dirty="0" err="1"/>
+              <a:t>these</a:t>
+            </a:r>
+            <a:r>
+              <a:rPr lang="de-AT" dirty="0"/>
+              <a:t> </a:t>
+            </a:r>
+            <a:r>
+              <a:rPr lang="de-AT" dirty="0" err="1"/>
+              <a:t>views</a:t>
+            </a:r>
+            <a:r>
+              <a:rPr lang="de-AT" dirty="0"/>
+              <a:t>: </a:t>
+            </a:r>
+          </a:p>
+          <a:p>
+            <a:pPr marL="914400" lvl="1" indent="-514350">
+              <a:buFont typeface="+mj-lt"/>
+              <a:buAutoNum type="alphaLcParenR"/>
+            </a:pPr>
+            <a:r>
+              <a:rPr lang="en-US" dirty="0" smtClean="0"/>
+              <a:t>identify </a:t>
+            </a:r>
+            <a:r>
+              <a:rPr lang="en-US" dirty="0"/>
+              <a:t>conflicts (and their conflict types) </a:t>
+            </a:r>
+          </a:p>
+          <a:p>
+            <a:pPr marL="914400" lvl="1" indent="-514350">
+              <a:buFont typeface="+mj-lt"/>
+              <a:buAutoNum type="alphaLcParenR"/>
+            </a:pPr>
+            <a:r>
+              <a:rPr lang="de-AT" dirty="0" err="1" smtClean="0"/>
+              <a:t>propose</a:t>
+            </a:r>
+            <a:r>
+              <a:rPr lang="de-AT" dirty="0" smtClean="0"/>
+              <a:t> </a:t>
+            </a:r>
+            <a:r>
+              <a:rPr lang="de-AT" dirty="0" err="1"/>
+              <a:t>scenarios</a:t>
+            </a:r>
+            <a:r>
+              <a:rPr lang="de-AT" dirty="0"/>
+              <a:t> </a:t>
+            </a:r>
+            <a:r>
+              <a:rPr lang="de-AT" dirty="0" err="1"/>
+              <a:t>and</a:t>
+            </a:r>
+            <a:r>
+              <a:rPr lang="de-AT" dirty="0"/>
+              <a:t> </a:t>
+            </a:r>
+            <a:r>
+              <a:rPr lang="de-AT" dirty="0" err="1"/>
+              <a:t>interschema</a:t>
+            </a:r>
+            <a:r>
+              <a:rPr lang="de-AT" dirty="0"/>
+              <a:t> </a:t>
+            </a:r>
+            <a:r>
+              <a:rPr lang="de-AT" dirty="0" err="1"/>
+              <a:t>properties</a:t>
+            </a:r>
+            <a:r>
+              <a:rPr lang="de-AT" dirty="0"/>
+              <a:t> </a:t>
+            </a:r>
+          </a:p>
+          <a:p>
+            <a:pPr marL="914400" lvl="1" indent="-514350">
+              <a:buFont typeface="+mj-lt"/>
+              <a:buAutoNum type="alphaLcParenR"/>
+            </a:pPr>
+            <a:r>
+              <a:rPr lang="en-US" dirty="0" smtClean="0"/>
+              <a:t>integrate </a:t>
+            </a:r>
+            <a:r>
+              <a:rPr lang="en-US" dirty="0"/>
+              <a:t>the schemas into one schema. </a:t>
+            </a:r>
+            <a:endParaRPr lang="de-AT" dirty="0"/>
+          </a:p>
+        </p:txBody>
+      </p:sp>
+    </p:spTree>
+    <p:extLst>
+      <p:ext uri="{BB962C8B-B14F-4D97-AF65-F5344CB8AC3E}">
+        <p14:creationId xmlns:p14="http://schemas.microsoft.com/office/powerpoint/2010/main" val="3160386597"/>
+      </p:ext>
+    </p:extLst>
+  </p:cSld>
+  <p:clrMapOvr>
+    <a:masterClrMapping/>
+  </p:clrMapOvr>
+</p:sld>
+</file>
+
+<file path=ppt/slides/slide20.xml><?xml version="1.0" encoding="utf-8"?>
 <p:sld xmlns:a="http://schemas.openxmlformats.org/drawingml/2006/main" xmlns:r="http://schemas.openxmlformats.org/officeDocument/2006/relationships" xmlns:p="http://schemas.openxmlformats.org/presentationml/2006/main">
   <p:cSld>
     <p:spTree>
@@ -5035,7 +7368,7 @@
 </p:sld>
 </file>
 
-<file path=ppt/slides/slide16.xml><?xml version="1.0" encoding="utf-8"?>
+<file path=ppt/slides/slide21.xml><?xml version="1.0" encoding="utf-8"?>
 <p:sld xmlns:a="http://schemas.openxmlformats.org/drawingml/2006/main" xmlns:r="http://schemas.openxmlformats.org/officeDocument/2006/relationships" xmlns:p="http://schemas.openxmlformats.org/presentationml/2006/main">
   <p:cSld>
     <p:spTree>
@@ -5756,7 +8089,7 @@
 </p:sld>
 </file>
 
-<file path=ppt/slides/slide17.xml><?xml version="1.0" encoding="utf-8"?>
+<file path=ppt/slides/slide22.xml><?xml version="1.0" encoding="utf-8"?>
 <p:sld xmlns:a="http://schemas.openxmlformats.org/drawingml/2006/main" xmlns:r="http://schemas.openxmlformats.org/officeDocument/2006/relationships" xmlns:p="http://schemas.openxmlformats.org/presentationml/2006/main">
   <p:cSld>
     <p:spTree>
@@ -5869,7 +8202,7 @@
 </p:sld>
 </file>
 
-<file path=ppt/slides/slide18.xml><?xml version="1.0" encoding="utf-8"?>
+<file path=ppt/slides/slide23.xml><?xml version="1.0" encoding="utf-8"?>
 <p:sld xmlns:a="http://schemas.openxmlformats.org/drawingml/2006/main" xmlns:r="http://schemas.openxmlformats.org/officeDocument/2006/relationships" xmlns:p="http://schemas.openxmlformats.org/presentationml/2006/main">
   <p:cSld>
     <p:spTree>
@@ -5984,7 +8317,7 @@
 </p:sld>
 </file>
 
-<file path=ppt/slides/slide19.xml><?xml version="1.0" encoding="utf-8"?>
+<file path=ppt/slides/slide24.xml><?xml version="1.0" encoding="utf-8"?>
 <p:sld xmlns:a="http://schemas.openxmlformats.org/drawingml/2006/main" xmlns:r="http://schemas.openxmlformats.org/officeDocument/2006/relationships" xmlns:p="http://schemas.openxmlformats.org/presentationml/2006/main">
   <p:cSld>
     <p:spTree>
@@ -6102,185 +8435,7 @@
 </p:sld>
 </file>
 
-<file path=ppt/slides/slide2.xml><?xml version="1.0" encoding="utf-8"?>
-<p:sld xmlns:a="http://schemas.openxmlformats.org/drawingml/2006/main" xmlns:r="http://schemas.openxmlformats.org/officeDocument/2006/relationships" xmlns:p="http://schemas.openxmlformats.org/presentationml/2006/main">
-  <p:cSld>
-    <p:spTree>
-      <p:nvGrpSpPr>
-        <p:cNvPr id="1" name=""/>
-        <p:cNvGrpSpPr/>
-        <p:nvPr/>
-      </p:nvGrpSpPr>
-      <p:grpSpPr>
-        <a:xfrm>
-          <a:off x="0" y="0"/>
-          <a:ext cx="0" cy="0"/>
-          <a:chOff x="0" y="0"/>
-          <a:chExt cx="0" cy="0"/>
-        </a:xfrm>
-      </p:grpSpPr>
-      <p:sp>
-        <p:nvSpPr>
-          <p:cNvPr id="2" name="Titel 1"/>
-          <p:cNvSpPr>
-            <a:spLocks noGrp="1"/>
-          </p:cNvSpPr>
-          <p:nvPr>
-            <p:ph type="title"/>
-          </p:nvPr>
-        </p:nvSpPr>
-        <p:spPr/>
-        <p:txBody>
-          <a:bodyPr/>
-          <a:lstStyle/>
-          <a:p>
-            <a:r>
-              <a:rPr lang="de-AT" dirty="0" err="1" smtClean="0"/>
-              <a:t>Exercise</a:t>
-            </a:r>
-            <a:r>
-              <a:rPr lang="de-AT" dirty="0" smtClean="0"/>
-              <a:t> 1</a:t>
-            </a:r>
-            <a:endParaRPr lang="de-AT" dirty="0"/>
-          </a:p>
-        </p:txBody>
-      </p:sp>
-      <p:sp>
-        <p:nvSpPr>
-          <p:cNvPr id="3" name="Inhaltsplatzhalter 2"/>
-          <p:cNvSpPr>
-            <a:spLocks noGrp="1"/>
-          </p:cNvSpPr>
-          <p:nvPr>
-            <p:ph sz="quarter" idx="1"/>
-          </p:nvPr>
-        </p:nvSpPr>
-        <p:spPr/>
-        <p:txBody>
-          <a:bodyPr/>
-          <a:lstStyle/>
-          <a:p>
-            <a:r>
-              <a:rPr lang="de-AT" dirty="0" smtClean="0"/>
-              <a:t> </a:t>
-            </a:r>
-            <a:r>
-              <a:rPr lang="de-AT" dirty="0" err="1"/>
-              <a:t>Integrate</a:t>
-            </a:r>
-            <a:r>
-              <a:rPr lang="de-AT" dirty="0"/>
-              <a:t> </a:t>
-            </a:r>
-            <a:r>
-              <a:rPr lang="de-AT" dirty="0" err="1"/>
-              <a:t>these</a:t>
-            </a:r>
-            <a:r>
-              <a:rPr lang="de-AT" dirty="0"/>
-              <a:t> </a:t>
-            </a:r>
-            <a:r>
-              <a:rPr lang="de-AT" dirty="0" err="1"/>
-              <a:t>views</a:t>
-            </a:r>
-            <a:r>
-              <a:rPr lang="de-AT" dirty="0"/>
-              <a:t>: </a:t>
-            </a:r>
-          </a:p>
-          <a:p>
-            <a:pPr marL="914400" lvl="1" indent="-514350">
-              <a:buFont typeface="+mj-lt"/>
-              <a:buAutoNum type="alphaLcParenR"/>
-            </a:pPr>
-            <a:r>
-              <a:rPr lang="en-US" dirty="0" smtClean="0"/>
-              <a:t>identify </a:t>
-            </a:r>
-            <a:r>
-              <a:rPr lang="en-US" dirty="0"/>
-              <a:t>conflicts (and their conflict types) </a:t>
-            </a:r>
-          </a:p>
-          <a:p>
-            <a:pPr marL="914400" lvl="1" indent="-514350">
-              <a:buFont typeface="+mj-lt"/>
-              <a:buAutoNum type="alphaLcParenR"/>
-            </a:pPr>
-            <a:r>
-              <a:rPr lang="de-AT" dirty="0" err="1" smtClean="0"/>
-              <a:t>propose</a:t>
-            </a:r>
-            <a:r>
-              <a:rPr lang="de-AT" dirty="0" smtClean="0"/>
-              <a:t> </a:t>
-            </a:r>
-            <a:r>
-              <a:rPr lang="de-AT" dirty="0" err="1"/>
-              <a:t>scenarios</a:t>
-            </a:r>
-            <a:r>
-              <a:rPr lang="de-AT" dirty="0"/>
-              <a:t> </a:t>
-            </a:r>
-            <a:r>
-              <a:rPr lang="de-AT" dirty="0" err="1"/>
-              <a:t>and</a:t>
-            </a:r>
-            <a:r>
-              <a:rPr lang="de-AT" dirty="0"/>
-              <a:t> </a:t>
-            </a:r>
-            <a:r>
-              <a:rPr lang="de-AT" dirty="0" err="1"/>
-              <a:t>interschema</a:t>
-            </a:r>
-            <a:r>
-              <a:rPr lang="de-AT" dirty="0"/>
-              <a:t> </a:t>
-            </a:r>
-            <a:r>
-              <a:rPr lang="de-AT" dirty="0" err="1"/>
-              <a:t>properties</a:t>
-            </a:r>
-            <a:r>
-              <a:rPr lang="de-AT" dirty="0"/>
-              <a:t> </a:t>
-            </a:r>
-          </a:p>
-          <a:p>
-            <a:pPr marL="914400" lvl="1" indent="-514350">
-              <a:buFont typeface="+mj-lt"/>
-              <a:buAutoNum type="alphaLcParenR"/>
-            </a:pPr>
-            <a:r>
-              <a:rPr lang="en-US" dirty="0" smtClean="0"/>
-              <a:t>integrate </a:t>
-            </a:r>
-            <a:r>
-              <a:rPr lang="en-US" dirty="0"/>
-              <a:t>the schemas into one schema. </a:t>
-            </a:r>
-            <a:endParaRPr lang="de-AT" dirty="0"/>
-          </a:p>
-        </p:txBody>
-      </p:sp>
-    </p:spTree>
-    <p:extLst>
-      <p:ext uri="{BB962C8B-B14F-4D97-AF65-F5344CB8AC3E}">
-        <p14:creationId xmlns:p14="http://schemas.microsoft.com/office/powerpoint/2010/main" val="3160386597"/>
-      </p:ext>
-    </p:extLst>
-  </p:cSld>
-  <p:clrMapOvr>
-    <a:masterClrMapping/>
-  </p:clrMapOvr>
-</p:sld>
-</file>
-
-<file path=ppt/slides/slide20.xml><?xml version="1.0" encoding="utf-8"?>
+<file path=ppt/slides/slide25.xml><?xml version="1.0" encoding="utf-8"?>
 <p:sld xmlns:a="http://schemas.openxmlformats.org/drawingml/2006/main" xmlns:r="http://schemas.openxmlformats.org/officeDocument/2006/relationships" xmlns:p="http://schemas.openxmlformats.org/presentationml/2006/main">
   <p:cSld>
     <p:spTree>
@@ -6407,7 +8562,7 @@
 </p:sld>
 </file>
 
-<file path=ppt/slides/slide21.xml><?xml version="1.0" encoding="utf-8"?>
+<file path=ppt/slides/slide26.xml><?xml version="1.0" encoding="utf-8"?>
 <p:sld xmlns:a="http://schemas.openxmlformats.org/drawingml/2006/main" xmlns:r="http://schemas.openxmlformats.org/officeDocument/2006/relationships" xmlns:p="http://schemas.openxmlformats.org/presentationml/2006/main">
   <p:cSld>
     <p:spTree>
@@ -6572,7 +8727,7 @@
 </p:sld>
 </file>
 
-<file path=ppt/slides/slide22.xml><?xml version="1.0" encoding="utf-8"?>
+<file path=ppt/slides/slide27.xml><?xml version="1.0" encoding="utf-8"?>
 <p:sld xmlns:a="http://schemas.openxmlformats.org/drawingml/2006/main" xmlns:r="http://schemas.openxmlformats.org/officeDocument/2006/relationships" xmlns:p="http://schemas.openxmlformats.org/presentationml/2006/main">
   <p:cSld>
     <p:spTree>

--- a/Assignment_4.pptx
+++ b/Assignment_4.pptx
@@ -9,29 +9,31 @@
     <p:sldId id="270" r:id="rId3"/>
     <p:sldId id="271" r:id="rId4"/>
     <p:sldId id="273" r:id="rId5"/>
-    <p:sldId id="274" r:id="rId6"/>
-    <p:sldId id="275" r:id="rId7"/>
-    <p:sldId id="276" r:id="rId8"/>
-    <p:sldId id="277" r:id="rId9"/>
-    <p:sldId id="278" r:id="rId10"/>
-    <p:sldId id="279" r:id="rId11"/>
-    <p:sldId id="280" r:id="rId12"/>
-    <p:sldId id="282" r:id="rId13"/>
-    <p:sldId id="281" r:id="rId14"/>
-    <p:sldId id="283" r:id="rId15"/>
-    <p:sldId id="257" r:id="rId16"/>
-    <p:sldId id="258" r:id="rId17"/>
-    <p:sldId id="259" r:id="rId18"/>
-    <p:sldId id="260" r:id="rId19"/>
-    <p:sldId id="261" r:id="rId20"/>
-    <p:sldId id="262" r:id="rId21"/>
-    <p:sldId id="263" r:id="rId22"/>
-    <p:sldId id="264" r:id="rId23"/>
-    <p:sldId id="265" r:id="rId24"/>
-    <p:sldId id="266" r:id="rId25"/>
-    <p:sldId id="267" r:id="rId26"/>
-    <p:sldId id="268" r:id="rId27"/>
-    <p:sldId id="269" r:id="rId28"/>
+    <p:sldId id="285" r:id="rId6"/>
+    <p:sldId id="286" r:id="rId7"/>
+    <p:sldId id="274" r:id="rId8"/>
+    <p:sldId id="275" r:id="rId9"/>
+    <p:sldId id="276" r:id="rId10"/>
+    <p:sldId id="277" r:id="rId11"/>
+    <p:sldId id="278" r:id="rId12"/>
+    <p:sldId id="279" r:id="rId13"/>
+    <p:sldId id="280" r:id="rId14"/>
+    <p:sldId id="282" r:id="rId15"/>
+    <p:sldId id="281" r:id="rId16"/>
+    <p:sldId id="283" r:id="rId17"/>
+    <p:sldId id="257" r:id="rId18"/>
+    <p:sldId id="258" r:id="rId19"/>
+    <p:sldId id="259" r:id="rId20"/>
+    <p:sldId id="260" r:id="rId21"/>
+    <p:sldId id="261" r:id="rId22"/>
+    <p:sldId id="262" r:id="rId23"/>
+    <p:sldId id="263" r:id="rId24"/>
+    <p:sldId id="264" r:id="rId25"/>
+    <p:sldId id="265" r:id="rId26"/>
+    <p:sldId id="266" r:id="rId27"/>
+    <p:sldId id="267" r:id="rId28"/>
+    <p:sldId id="268" r:id="rId29"/>
+    <p:sldId id="269" r:id="rId30"/>
   </p:sldIdLst>
   <p:sldSz cx="9144000" cy="6858000" type="screen4x3"/>
   <p:notesSz cx="6858000" cy="9144000"/>
@@ -3800,275 +3802,351 @@
           <a:lstStyle/>
           <a:p>
             <a:r>
-              <a:rPr lang="de-AT" dirty="0" err="1" smtClean="0"/>
-              <a:t>Redundancy</a:t>
-            </a:r>
-            <a:r>
-              <a:rPr lang="de-AT" dirty="0"/>
-              <a:t> </a:t>
-            </a:r>
-            <a:r>
-              <a:rPr lang="de-AT" dirty="0" smtClean="0"/>
-              <a:t>– </a:t>
-            </a:r>
-            <a:r>
-              <a:rPr lang="de-AT" dirty="0" err="1" smtClean="0"/>
-              <a:t>How</a:t>
-            </a:r>
-            <a:r>
-              <a:rPr lang="de-AT" dirty="0" smtClean="0"/>
-              <a:t> </a:t>
-            </a:r>
-            <a:r>
-              <a:rPr lang="de-AT" dirty="0" err="1" smtClean="0"/>
-              <a:t>to</a:t>
-            </a:r>
-            <a:r>
-              <a:rPr lang="de-AT" dirty="0" smtClean="0"/>
-              <a:t> </a:t>
-            </a:r>
-            <a:r>
-              <a:rPr lang="de-AT" dirty="0" err="1" smtClean="0"/>
-              <a:t>Decide</a:t>
+              <a:rPr lang="de-AT" dirty="0" smtClean="0"/>
+              <a:t>Redundant Attribute</a:t>
             </a:r>
             <a:endParaRPr lang="de-AT" dirty="0"/>
           </a:p>
         </p:txBody>
       </p:sp>
-      <p:sp>
-        <p:nvSpPr>
-          <p:cNvPr id="3" name="Inhaltsplatzhalter 2"/>
-          <p:cNvSpPr>
-            <a:spLocks noGrp="1"/>
-          </p:cNvSpPr>
+      <p:pic>
+        <p:nvPicPr>
+          <p:cNvPr id="4" name="Inhaltsplatzhalter 3"/>
+          <p:cNvPicPr>
+            <a:picLocks noGrp="1" noChangeAspect="1"/>
+          </p:cNvPicPr>
           <p:nvPr>
             <p:ph sz="quarter" idx="1"/>
           </p:nvPr>
-        </p:nvSpPr>
-        <p:spPr/>
-        <p:txBody>
-          <a:bodyPr>
-            <a:normAutofit/>
+        </p:nvPicPr>
+        <p:blipFill>
+          <a:blip r:embed="rId2">
+            <a:extLst>
+              <a:ext uri="{28A0092B-C50C-407E-A947-70E740481C1C}">
+                <a14:useLocalDpi xmlns:a14="http://schemas.microsoft.com/office/drawing/2010/main" val="0"/>
+              </a:ext>
+            </a:extLst>
+          </a:blip>
+          <a:stretch>
+            <a:fillRect/>
+          </a:stretch>
+        </p:blipFill>
+        <p:spPr>
+          <a:xfrm>
+            <a:off x="1882485" y="2151515"/>
+            <a:ext cx="5613979" cy="3393169"/>
+          </a:xfrm>
+        </p:spPr>
+      </p:pic>
+      <p:pic>
+        <p:nvPicPr>
+          <p:cNvPr id="5" name="Grafik 4"/>
+          <p:cNvPicPr>
+            <a:picLocks noChangeAspect="1"/>
+          </p:cNvPicPr>
+          <p:nvPr/>
+        </p:nvPicPr>
+        <p:blipFill>
+          <a:blip r:embed="rId3">
+            <a:extLst>
+              <a:ext uri="{28A0092B-C50C-407E-A947-70E740481C1C}">
+                <a14:useLocalDpi xmlns:a14="http://schemas.microsoft.com/office/drawing/2010/main" val="0"/>
+              </a:ext>
+            </a:extLst>
+          </a:blip>
+          <a:stretch>
+            <a:fillRect/>
+          </a:stretch>
+        </p:blipFill>
+        <p:spPr>
+          <a:xfrm>
+            <a:off x="1838341" y="2052055"/>
+            <a:ext cx="5613979" cy="3393169"/>
+          </a:xfrm>
+          <a:prstGeom prst="rect">
+            <a:avLst/>
+          </a:prstGeom>
+        </p:spPr>
+      </p:pic>
+      <p:sp>
+        <p:nvSpPr>
+          <p:cNvPr id="6" name="Textfeld 5"/>
+          <p:cNvSpPr txBox="1"/>
+          <p:nvPr/>
+        </p:nvSpPr>
+        <p:spPr>
+          <a:xfrm>
+            <a:off x="971600" y="5661248"/>
+            <a:ext cx="7632848" cy="923330"/>
+          </a:xfrm>
+          <a:prstGeom prst="rect">
+            <a:avLst/>
+          </a:prstGeom>
+          <a:noFill/>
+        </p:spPr>
+        <p:txBody>
+          <a:bodyPr wrap="square" rtlCol="0">
+            <a:spAutoFit/>
           </a:bodyPr>
           <a:lstStyle/>
           <a:p>
             <a:r>
               <a:rPr lang="de-AT" dirty="0" smtClean="0"/>
-              <a:t>Look at </a:t>
-            </a:r>
-            <a:r>
-              <a:rPr lang="de-AT" dirty="0" err="1" smtClean="0"/>
-              <a:t>the</a:t>
-            </a:r>
-            <a:r>
-              <a:rPr lang="de-AT" dirty="0" smtClean="0"/>
-              <a:t> </a:t>
-            </a:r>
-            <a:r>
-              <a:rPr lang="de-AT" dirty="0" err="1" smtClean="0"/>
-              <a:t>operations</a:t>
-            </a:r>
-            <a:r>
-              <a:rPr lang="de-AT" dirty="0" smtClean="0"/>
-              <a:t> </a:t>
-            </a:r>
-            <a:r>
-              <a:rPr lang="de-AT" dirty="0" err="1" smtClean="0"/>
-              <a:t>influenced</a:t>
-            </a:r>
-            <a:r>
-              <a:rPr lang="de-AT" dirty="0" smtClean="0"/>
-              <a:t> </a:t>
-            </a:r>
-            <a:r>
-              <a:rPr lang="de-AT" dirty="0" err="1" smtClean="0"/>
-              <a:t>by</a:t>
-            </a:r>
-            <a:r>
-              <a:rPr lang="de-AT" dirty="0" smtClean="0"/>
-              <a:t> </a:t>
-            </a:r>
-            <a:r>
-              <a:rPr lang="de-AT" dirty="0" err="1" smtClean="0"/>
-              <a:t>the</a:t>
-            </a:r>
-            <a:r>
-              <a:rPr lang="de-AT" dirty="0" smtClean="0"/>
-              <a:t> </a:t>
-            </a:r>
-            <a:r>
-              <a:rPr lang="de-AT" dirty="0" err="1" smtClean="0"/>
-              <a:t>redundancy</a:t>
-            </a:r>
-            <a:endParaRPr lang="de-AT" dirty="0" smtClean="0"/>
-          </a:p>
-          <a:p>
-            <a:r>
-              <a:rPr lang="de-AT" dirty="0" err="1" smtClean="0"/>
-              <a:t>Calculate</a:t>
-            </a:r>
-            <a:r>
-              <a:rPr lang="de-AT" dirty="0" smtClean="0"/>
-              <a:t> </a:t>
-            </a:r>
-            <a:r>
-              <a:rPr lang="de-AT" dirty="0" err="1" smtClean="0"/>
-              <a:t>number</a:t>
-            </a:r>
-            <a:r>
-              <a:rPr lang="de-AT" dirty="0" smtClean="0"/>
-              <a:t> </a:t>
-            </a:r>
-            <a:r>
-              <a:rPr lang="de-AT" dirty="0" err="1" smtClean="0"/>
+              <a:t>READ: </a:t>
+            </a:r>
+            <a:r>
+              <a:rPr lang="de-AT" dirty="0" err="1" smtClean="0"/>
+              <a:t>Saves</a:t>
+            </a:r>
+            <a:r>
+              <a:rPr lang="de-AT" dirty="0" smtClean="0"/>
+              <a:t> </a:t>
+            </a:r>
+            <a:r>
+              <a:rPr lang="de-AT" dirty="0" err="1" smtClean="0"/>
+              <a:t>access</a:t>
+            </a:r>
+            <a:r>
+              <a:rPr lang="de-AT" dirty="0" smtClean="0"/>
+              <a:t> </a:t>
+            </a:r>
+            <a:r>
+              <a:rPr lang="de-AT" dirty="0" err="1" smtClean="0"/>
+              <a:t>to</a:t>
+            </a:r>
+            <a:r>
+              <a:rPr lang="de-AT" dirty="0" smtClean="0"/>
+              <a:t> </a:t>
+            </a:r>
+            <a:r>
+              <a:rPr lang="de-AT" i="1" dirty="0" err="1" smtClean="0">
+                <a:latin typeface="Courier New" panose="02070309020205020404" pitchFamily="49" charset="0"/>
+                <a:cs typeface="Courier New" panose="02070309020205020404" pitchFamily="49" charset="0"/>
+              </a:rPr>
+              <a:t>book</a:t>
+            </a:r>
+            <a:r>
+              <a:rPr lang="de-AT" dirty="0" smtClean="0"/>
+              <a:t> </a:t>
+            </a:r>
+            <a:r>
+              <a:rPr lang="de-AT" dirty="0" err="1" smtClean="0"/>
+              <a:t>and</a:t>
+            </a:r>
+            <a:r>
+              <a:rPr lang="de-AT" dirty="0" smtClean="0"/>
+              <a:t> </a:t>
+            </a:r>
+            <a:r>
+              <a:rPr lang="de-AT" i="1" dirty="0" err="1" smtClean="0">
+                <a:latin typeface="Courier New" panose="02070309020205020404" pitchFamily="49" charset="0"/>
+                <a:cs typeface="Courier New" panose="02070309020205020404" pitchFamily="49" charset="0"/>
+              </a:rPr>
+              <a:t>writes</a:t>
+            </a:r>
+            <a:endParaRPr lang="de-AT" i="1" dirty="0" smtClean="0">
+              <a:latin typeface="Courier New" panose="02070309020205020404" pitchFamily="49" charset="0"/>
+              <a:cs typeface="Courier New" panose="02070309020205020404" pitchFamily="49" charset="0"/>
+            </a:endParaRPr>
+          </a:p>
+          <a:p>
+            <a:r>
+              <a:rPr lang="de-AT" dirty="0" smtClean="0">
+                <a:latin typeface="+mj-lt"/>
+                <a:cs typeface="Courier New" panose="02070309020205020404" pitchFamily="49" charset="0"/>
+              </a:rPr>
+              <a:t>WRITE: Every </a:t>
+            </a:r>
+            <a:r>
+              <a:rPr lang="de-AT" dirty="0" err="1" smtClean="0">
+                <a:latin typeface="+mj-lt"/>
+                <a:cs typeface="Courier New" panose="02070309020205020404" pitchFamily="49" charset="0"/>
+              </a:rPr>
+              <a:t>insert</a:t>
+            </a:r>
+            <a:r>
+              <a:rPr lang="de-AT" dirty="0">
+                <a:latin typeface="+mj-lt"/>
+                <a:cs typeface="Courier New" panose="02070309020205020404" pitchFamily="49" charset="0"/>
+              </a:rPr>
+              <a:t> </a:t>
+            </a:r>
+            <a:r>
+              <a:rPr lang="de-AT" dirty="0" err="1" smtClean="0">
+                <a:latin typeface="+mj-lt"/>
+                <a:cs typeface="Courier New" panose="02070309020205020404" pitchFamily="49" charset="0"/>
+              </a:rPr>
+              <a:t>and</a:t>
+            </a:r>
+            <a:r>
+              <a:rPr lang="de-AT" dirty="0" smtClean="0">
+                <a:latin typeface="+mj-lt"/>
+                <a:cs typeface="Courier New" panose="02070309020205020404" pitchFamily="49" charset="0"/>
+              </a:rPr>
+              <a:t> </a:t>
+            </a:r>
+            <a:r>
+              <a:rPr lang="de-AT" dirty="0" err="1" smtClean="0">
+                <a:latin typeface="+mj-lt"/>
+                <a:cs typeface="Courier New" panose="02070309020205020404" pitchFamily="49" charset="0"/>
+              </a:rPr>
+              <a:t>delete</a:t>
+            </a:r>
+            <a:r>
+              <a:rPr lang="de-AT" dirty="0" smtClean="0">
+                <a:latin typeface="+mj-lt"/>
+                <a:cs typeface="Courier New" panose="02070309020205020404" pitchFamily="49" charset="0"/>
+              </a:rPr>
+              <a:t> </a:t>
+            </a:r>
+            <a:r>
+              <a:rPr lang="de-AT" dirty="0" err="1" smtClean="0">
+                <a:latin typeface="+mj-lt"/>
+                <a:cs typeface="Courier New" panose="02070309020205020404" pitchFamily="49" charset="0"/>
+              </a:rPr>
+              <a:t>and</a:t>
+            </a:r>
+            <a:r>
+              <a:rPr lang="de-AT" dirty="0" smtClean="0">
+                <a:latin typeface="+mj-lt"/>
+                <a:cs typeface="Courier New" panose="02070309020205020404" pitchFamily="49" charset="0"/>
+              </a:rPr>
+              <a:t> </a:t>
+            </a:r>
+            <a:r>
+              <a:rPr lang="de-AT" dirty="0" err="1" smtClean="0">
+                <a:latin typeface="+mj-lt"/>
+                <a:cs typeface="Courier New" panose="02070309020205020404" pitchFamily="49" charset="0"/>
+              </a:rPr>
+              <a:t>some</a:t>
+            </a:r>
+            <a:r>
+              <a:rPr lang="de-AT" dirty="0" smtClean="0">
+                <a:latin typeface="+mj-lt"/>
+                <a:cs typeface="Courier New" panose="02070309020205020404" pitchFamily="49" charset="0"/>
+              </a:rPr>
+              <a:t> </a:t>
+            </a:r>
+            <a:r>
+              <a:rPr lang="de-AT" dirty="0" err="1" smtClean="0">
+                <a:latin typeface="+mj-lt"/>
+                <a:cs typeface="Courier New" panose="02070309020205020404" pitchFamily="49" charset="0"/>
+              </a:rPr>
+              <a:t>updates</a:t>
+            </a:r>
+            <a:r>
+              <a:rPr lang="de-AT" dirty="0" smtClean="0">
+                <a:latin typeface="+mj-lt"/>
+                <a:cs typeface="Courier New" panose="02070309020205020404" pitchFamily="49" charset="0"/>
+              </a:rPr>
+              <a:t> in </a:t>
+            </a:r>
+            <a:r>
+              <a:rPr lang="de-AT" i="1" dirty="0" err="1">
+                <a:latin typeface="Courier New" panose="02070309020205020404" pitchFamily="49" charset="0"/>
+                <a:cs typeface="Courier New" panose="02070309020205020404" pitchFamily="49" charset="0"/>
+              </a:rPr>
+              <a:t>book</a:t>
+            </a:r>
+            <a:r>
+              <a:rPr lang="de-AT" dirty="0"/>
+              <a:t> </a:t>
+            </a:r>
+            <a:r>
+              <a:rPr lang="de-AT" dirty="0" err="1"/>
+              <a:t>and</a:t>
+            </a:r>
+            <a:r>
+              <a:rPr lang="de-AT" dirty="0"/>
+              <a:t> </a:t>
+            </a:r>
+            <a:r>
+              <a:rPr lang="de-AT" i="1" dirty="0" err="1" smtClean="0">
+                <a:latin typeface="Courier New" panose="02070309020205020404" pitchFamily="49" charset="0"/>
+                <a:cs typeface="Courier New" panose="02070309020205020404" pitchFamily="49" charset="0"/>
+              </a:rPr>
+              <a:t>writes</a:t>
+            </a:r>
+            <a:r>
+              <a:rPr lang="de-AT" dirty="0">
+                <a:latin typeface="+mj-lt"/>
+                <a:cs typeface="Courier New" panose="02070309020205020404" pitchFamily="49" charset="0"/>
+              </a:rPr>
+              <a:t> </a:t>
+            </a:r>
+            <a:r>
+              <a:rPr lang="de-AT" dirty="0" err="1" smtClean="0">
+                <a:latin typeface="+mj-lt"/>
+                <a:cs typeface="Courier New" panose="02070309020205020404" pitchFamily="49" charset="0"/>
+              </a:rPr>
+              <a:t>forces</a:t>
+            </a:r>
+            <a:r>
+              <a:rPr lang="de-AT" dirty="0" smtClean="0">
+                <a:latin typeface="+mj-lt"/>
+                <a:cs typeface="Courier New" panose="02070309020205020404" pitchFamily="49" charset="0"/>
+              </a:rPr>
+              <a:t> update </a:t>
+            </a:r>
+            <a:r>
+              <a:rPr lang="de-AT" dirty="0" err="1" smtClean="0">
+                <a:latin typeface="+mj-lt"/>
+                <a:cs typeface="Courier New" panose="02070309020205020404" pitchFamily="49" charset="0"/>
+              </a:rPr>
               <a:t>of</a:t>
             </a:r>
             <a:r>
-              <a:rPr lang="de-AT" dirty="0" smtClean="0"/>
-              <a:t> </a:t>
-            </a:r>
-            <a:r>
-              <a:rPr lang="de-AT" dirty="0" err="1" smtClean="0"/>
-              <a:t>accesses</a:t>
-            </a:r>
-            <a:r>
-              <a:rPr lang="de-AT" dirty="0" smtClean="0"/>
-              <a:t> </a:t>
-            </a:r>
-            <a:r>
-              <a:rPr lang="de-AT" dirty="0" err="1" smtClean="0"/>
-              <a:t>for</a:t>
-            </a:r>
-            <a:r>
-              <a:rPr lang="de-AT" dirty="0" smtClean="0"/>
-              <a:t> </a:t>
-            </a:r>
-            <a:r>
-              <a:rPr lang="de-AT" dirty="0" err="1" smtClean="0"/>
-              <a:t>these</a:t>
-            </a:r>
-            <a:r>
-              <a:rPr lang="de-AT" dirty="0" smtClean="0"/>
-              <a:t> </a:t>
-            </a:r>
-            <a:r>
-              <a:rPr lang="de-AT" dirty="0" err="1" smtClean="0"/>
-              <a:t>operations</a:t>
-            </a:r>
-            <a:endParaRPr lang="de-AT" dirty="0"/>
-          </a:p>
-          <a:p>
-            <a:pPr lvl="1"/>
-            <a:r>
-              <a:rPr lang="de-AT" dirty="0" err="1" smtClean="0"/>
-              <a:t>with</a:t>
-            </a:r>
-            <a:r>
-              <a:rPr lang="de-AT" dirty="0" smtClean="0"/>
-              <a:t> </a:t>
-            </a:r>
-            <a:r>
-              <a:rPr lang="de-AT" dirty="0" err="1" smtClean="0"/>
-              <a:t>redundancy</a:t>
-            </a:r>
-            <a:endParaRPr lang="de-AT" dirty="0" smtClean="0"/>
-          </a:p>
-          <a:p>
-            <a:pPr lvl="1"/>
-            <a:r>
-              <a:rPr lang="de-AT" dirty="0" err="1" smtClean="0"/>
-              <a:t>without</a:t>
-            </a:r>
-            <a:r>
-              <a:rPr lang="de-AT" dirty="0" smtClean="0"/>
-              <a:t> </a:t>
-            </a:r>
-            <a:r>
-              <a:rPr lang="de-AT" dirty="0" err="1" smtClean="0"/>
-              <a:t>redundancy</a:t>
-            </a:r>
-            <a:endParaRPr lang="de-AT" dirty="0" smtClean="0"/>
-          </a:p>
-          <a:p>
-            <a:r>
-              <a:rPr lang="de-AT" dirty="0" err="1" smtClean="0"/>
-              <a:t>If</a:t>
-            </a:r>
-            <a:r>
-              <a:rPr lang="de-AT" dirty="0" smtClean="0"/>
-              <a:t> #</a:t>
-            </a:r>
-            <a:r>
-              <a:rPr lang="de-AT" dirty="0" err="1" smtClean="0"/>
-              <a:t>Accesses</a:t>
-            </a:r>
-            <a:r>
-              <a:rPr lang="de-AT" dirty="0" smtClean="0"/>
-              <a:t> </a:t>
-            </a:r>
-            <a:r>
-              <a:rPr lang="de-AT" dirty="0" err="1" smtClean="0"/>
-              <a:t>with</a:t>
-            </a:r>
-            <a:r>
-              <a:rPr lang="de-AT" dirty="0" smtClean="0"/>
-              <a:t> </a:t>
-            </a:r>
-            <a:r>
-              <a:rPr lang="de-AT" dirty="0" err="1" smtClean="0"/>
-              <a:t>redundancy</a:t>
-            </a:r>
-            <a:r>
-              <a:rPr lang="de-AT" dirty="0" smtClean="0"/>
-              <a:t> &lt; #</a:t>
-            </a:r>
-            <a:r>
-              <a:rPr lang="de-AT" dirty="0" err="1" smtClean="0"/>
-              <a:t>Accesses</a:t>
-            </a:r>
-            <a:r>
-              <a:rPr lang="de-AT" dirty="0" smtClean="0"/>
-              <a:t> </a:t>
-            </a:r>
-            <a:r>
-              <a:rPr lang="de-AT" dirty="0" err="1" smtClean="0"/>
-              <a:t>without</a:t>
-            </a:r>
-            <a:r>
-              <a:rPr lang="de-AT" dirty="0" smtClean="0"/>
-              <a:t> </a:t>
-            </a:r>
-            <a:r>
-              <a:rPr lang="de-AT" dirty="0" err="1" smtClean="0"/>
-              <a:t>redundancy</a:t>
-            </a:r>
-            <a:r>
-              <a:rPr lang="de-AT" dirty="0" smtClean="0"/>
-              <a:t> =&gt; Keep </a:t>
-            </a:r>
-            <a:r>
-              <a:rPr lang="de-AT" dirty="0" err="1" smtClean="0"/>
-              <a:t>redundancy</a:t>
-            </a:r>
-            <a:endParaRPr lang="de-AT" dirty="0"/>
-          </a:p>
-          <a:p>
-            <a:r>
-              <a:rPr lang="de-AT" dirty="0" smtClean="0"/>
-              <a:t>Else: Remove </a:t>
-            </a:r>
-            <a:r>
-              <a:rPr lang="de-AT" dirty="0" err="1" smtClean="0"/>
-              <a:t>redundancy</a:t>
-            </a:r>
-            <a:endParaRPr lang="de-AT" dirty="0" smtClean="0"/>
+              <a:rPr lang="de-AT" dirty="0" smtClean="0">
+                <a:latin typeface="+mj-lt"/>
+                <a:cs typeface="Courier New" panose="02070309020205020404" pitchFamily="49" charset="0"/>
+              </a:rPr>
+              <a:t> </a:t>
+            </a:r>
+            <a:r>
+              <a:rPr lang="de-AT" dirty="0" err="1" smtClean="0">
+                <a:solidFill>
+                  <a:srgbClr val="FF0000"/>
+                </a:solidFill>
+                <a:latin typeface="+mj-lt"/>
+                <a:cs typeface="Courier New" panose="02070309020205020404" pitchFamily="49" charset="0"/>
+              </a:rPr>
+              <a:t>number_authors</a:t>
+            </a:r>
+            <a:r>
+              <a:rPr lang="de-AT" dirty="0" smtClean="0">
+                <a:solidFill>
+                  <a:srgbClr val="FF0000"/>
+                </a:solidFill>
+                <a:latin typeface="+mj-lt"/>
+                <a:cs typeface="Courier New" panose="02070309020205020404" pitchFamily="49" charset="0"/>
+              </a:rPr>
+              <a:t> </a:t>
+            </a:r>
+            <a:r>
+              <a:rPr lang="de-AT" dirty="0" smtClean="0">
+                <a:latin typeface="+mj-lt"/>
+                <a:cs typeface="Courier New" panose="02070309020205020404" pitchFamily="49" charset="0"/>
+              </a:rPr>
+              <a:t>in </a:t>
+            </a:r>
+            <a:r>
+              <a:rPr lang="de-AT" i="1" dirty="0" err="1" smtClean="0">
+                <a:latin typeface="Courier New" panose="02070309020205020404" pitchFamily="49" charset="0"/>
+                <a:cs typeface="Courier New" panose="02070309020205020404" pitchFamily="49" charset="0"/>
+              </a:rPr>
+              <a:t>publisher</a:t>
+            </a:r>
+            <a:endParaRPr lang="de-AT" i="1" dirty="0">
+              <a:latin typeface="Courier New" panose="02070309020205020404" pitchFamily="49" charset="0"/>
+              <a:cs typeface="Courier New" panose="02070309020205020404" pitchFamily="49" charset="0"/>
+            </a:endParaRPr>
           </a:p>
         </p:txBody>
       </p:sp>
     </p:spTree>
     <p:extLst>
       <p:ext uri="{BB962C8B-B14F-4D97-AF65-F5344CB8AC3E}">
-        <p14:creationId xmlns:p14="http://schemas.microsoft.com/office/powerpoint/2010/main" val="3212579320"/>
+        <p14:creationId xmlns:p14="http://schemas.microsoft.com/office/powerpoint/2010/main" val="1667442408"/>
       </p:ext>
     </p:extLst>
   </p:cSld>
@@ -4107,6 +4185,622 @@
         </p:nvSpPr>
         <p:spPr/>
         <p:txBody>
+          <a:bodyPr/>
+          <a:lstStyle/>
+          <a:p>
+            <a:r>
+              <a:rPr lang="de-AT" dirty="0" smtClean="0"/>
+              <a:t>Redundant </a:t>
+            </a:r>
+            <a:r>
+              <a:rPr lang="de-AT" dirty="0" err="1" smtClean="0"/>
+              <a:t>Association</a:t>
+            </a:r>
+            <a:endParaRPr lang="de-AT" dirty="0"/>
+          </a:p>
+        </p:txBody>
+      </p:sp>
+      <p:pic>
+        <p:nvPicPr>
+          <p:cNvPr id="4" name="Inhaltsplatzhalter 3"/>
+          <p:cNvPicPr>
+            <a:picLocks noGrp="1" noChangeAspect="1"/>
+          </p:cNvPicPr>
+          <p:nvPr>
+            <p:ph sz="quarter" idx="1"/>
+          </p:nvPr>
+        </p:nvPicPr>
+        <p:blipFill>
+          <a:blip r:embed="rId2">
+            <a:extLst>
+              <a:ext uri="{28A0092B-C50C-407E-A947-70E740481C1C}">
+                <a14:useLocalDpi xmlns:a14="http://schemas.microsoft.com/office/drawing/2010/main" val="0"/>
+              </a:ext>
+            </a:extLst>
+          </a:blip>
+          <a:stretch>
+            <a:fillRect/>
+          </a:stretch>
+        </p:blipFill>
+        <p:spPr>
+          <a:xfrm>
+            <a:off x="1882485" y="2151515"/>
+            <a:ext cx="5613979" cy="3393169"/>
+          </a:xfrm>
+        </p:spPr>
+      </p:pic>
+      <p:pic>
+        <p:nvPicPr>
+          <p:cNvPr id="6" name="Grafik 5"/>
+          <p:cNvPicPr>
+            <a:picLocks noChangeAspect="1"/>
+          </p:cNvPicPr>
+          <p:nvPr/>
+        </p:nvPicPr>
+        <p:blipFill>
+          <a:blip r:embed="rId3">
+            <a:extLst>
+              <a:ext uri="{28A0092B-C50C-407E-A947-70E740481C1C}">
+                <a14:useLocalDpi xmlns:a14="http://schemas.microsoft.com/office/drawing/2010/main" val="0"/>
+              </a:ext>
+            </a:extLst>
+          </a:blip>
+          <a:stretch>
+            <a:fillRect/>
+          </a:stretch>
+        </p:blipFill>
+        <p:spPr>
+          <a:xfrm>
+            <a:off x="1838341" y="2124063"/>
+            <a:ext cx="5613979" cy="3393169"/>
+          </a:xfrm>
+          <a:prstGeom prst="rect">
+            <a:avLst/>
+          </a:prstGeom>
+        </p:spPr>
+      </p:pic>
+      <p:sp>
+        <p:nvSpPr>
+          <p:cNvPr id="8" name="Textfeld 7"/>
+          <p:cNvSpPr txBox="1"/>
+          <p:nvPr/>
+        </p:nvSpPr>
+        <p:spPr>
+          <a:xfrm>
+            <a:off x="899592" y="5620598"/>
+            <a:ext cx="7704856" cy="923330"/>
+          </a:xfrm>
+          <a:prstGeom prst="rect">
+            <a:avLst/>
+          </a:prstGeom>
+          <a:noFill/>
+        </p:spPr>
+        <p:txBody>
+          <a:bodyPr wrap="square" rtlCol="0">
+            <a:spAutoFit/>
+          </a:bodyPr>
+          <a:lstStyle/>
+          <a:p>
+            <a:r>
+              <a:rPr lang="de-AT" dirty="0" smtClean="0"/>
+              <a:t>READ: </a:t>
+            </a:r>
+            <a:r>
+              <a:rPr lang="de-AT" i="1" dirty="0" err="1" smtClean="0">
+                <a:latin typeface="Courier New" panose="02070309020205020404" pitchFamily="49" charset="0"/>
+                <a:cs typeface="Courier New" panose="02070309020205020404" pitchFamily="49" charset="0"/>
+              </a:rPr>
+              <a:t>book</a:t>
+            </a:r>
+            <a:r>
+              <a:rPr lang="de-AT" dirty="0" smtClean="0"/>
+              <a:t> </a:t>
+            </a:r>
+            <a:r>
+              <a:rPr lang="de-AT" dirty="0" err="1" smtClean="0"/>
+              <a:t>class</a:t>
+            </a:r>
+            <a:r>
+              <a:rPr lang="de-AT" dirty="0" smtClean="0"/>
+              <a:t> </a:t>
+            </a:r>
+            <a:r>
+              <a:rPr lang="de-AT" dirty="0" err="1" smtClean="0"/>
+              <a:t>is</a:t>
+            </a:r>
+            <a:r>
+              <a:rPr lang="de-AT" dirty="0" smtClean="0"/>
+              <a:t> not </a:t>
+            </a:r>
+            <a:r>
+              <a:rPr lang="de-AT" dirty="0" err="1" smtClean="0"/>
+              <a:t>needed</a:t>
+            </a:r>
+            <a:r>
+              <a:rPr lang="de-AT" dirty="0" smtClean="0"/>
+              <a:t> in </a:t>
+            </a:r>
+            <a:r>
+              <a:rPr lang="de-AT" dirty="0" err="1" smtClean="0"/>
+              <a:t>navigation</a:t>
+            </a:r>
+            <a:r>
+              <a:rPr lang="de-AT" dirty="0" smtClean="0"/>
+              <a:t> </a:t>
+            </a:r>
+            <a:r>
+              <a:rPr lang="de-AT" dirty="0" err="1" smtClean="0"/>
+              <a:t>path</a:t>
+            </a:r>
+            <a:r>
+              <a:rPr lang="de-AT" dirty="0" smtClean="0"/>
+              <a:t> (w.r.t </a:t>
+            </a:r>
+            <a:r>
+              <a:rPr lang="de-AT" dirty="0" err="1" smtClean="0"/>
+              <a:t>publisher</a:t>
+            </a:r>
+            <a:r>
+              <a:rPr lang="de-AT" dirty="0" smtClean="0"/>
+              <a:t> -&gt; </a:t>
+            </a:r>
+            <a:r>
+              <a:rPr lang="de-AT" dirty="0" err="1" smtClean="0"/>
+              <a:t>author</a:t>
+            </a:r>
+            <a:r>
+              <a:rPr lang="de-AT" dirty="0" smtClean="0"/>
+              <a:t>)</a:t>
+            </a:r>
+          </a:p>
+          <a:p>
+            <a:r>
+              <a:rPr lang="de-AT" dirty="0" smtClean="0"/>
+              <a:t>WRITE: Insert/Update/Delete </a:t>
+            </a:r>
+            <a:r>
+              <a:rPr lang="de-AT" dirty="0" err="1" smtClean="0"/>
+              <a:t>operations</a:t>
+            </a:r>
+            <a:r>
+              <a:rPr lang="de-AT" dirty="0" smtClean="0"/>
+              <a:t> on </a:t>
+            </a:r>
+            <a:r>
+              <a:rPr lang="de-AT" i="1" dirty="0" err="1" smtClean="0">
+                <a:latin typeface="Courier New" panose="02070309020205020404" pitchFamily="49" charset="0"/>
+                <a:cs typeface="Courier New" panose="02070309020205020404" pitchFamily="49" charset="0"/>
+              </a:rPr>
+              <a:t>book</a:t>
+            </a:r>
+            <a:r>
+              <a:rPr lang="de-AT" dirty="0" smtClean="0"/>
+              <a:t> </a:t>
+            </a:r>
+            <a:r>
+              <a:rPr lang="de-AT" dirty="0" err="1" smtClean="0"/>
+              <a:t>and</a:t>
+            </a:r>
+            <a:r>
+              <a:rPr lang="de-AT" dirty="0" smtClean="0"/>
+              <a:t> </a:t>
+            </a:r>
+            <a:r>
+              <a:rPr lang="de-AT" i="1" dirty="0" err="1" smtClean="0">
+                <a:latin typeface="Courier New" panose="02070309020205020404" pitchFamily="49" charset="0"/>
+                <a:cs typeface="Courier New" panose="02070309020205020404" pitchFamily="49" charset="0"/>
+              </a:rPr>
+              <a:t>writes</a:t>
+            </a:r>
+            <a:r>
+              <a:rPr lang="de-AT" dirty="0" smtClean="0"/>
+              <a:t> </a:t>
+            </a:r>
+            <a:r>
+              <a:rPr lang="de-AT" dirty="0" err="1" smtClean="0"/>
+              <a:t>might</a:t>
+            </a:r>
+            <a:r>
+              <a:rPr lang="de-AT" dirty="0" smtClean="0"/>
+              <a:t> </a:t>
+            </a:r>
+            <a:r>
+              <a:rPr lang="de-AT" dirty="0" err="1" smtClean="0"/>
+              <a:t>trigger</a:t>
+            </a:r>
+            <a:r>
+              <a:rPr lang="de-AT" dirty="0" smtClean="0"/>
+              <a:t> Insert </a:t>
+            </a:r>
+            <a:r>
+              <a:rPr lang="de-AT" dirty="0" err="1" smtClean="0"/>
+              <a:t>and</a:t>
+            </a:r>
+            <a:r>
+              <a:rPr lang="de-AT" dirty="0" smtClean="0"/>
+              <a:t> Delete </a:t>
+            </a:r>
+            <a:r>
+              <a:rPr lang="de-AT" dirty="0" err="1" smtClean="0"/>
+              <a:t>operations</a:t>
+            </a:r>
+            <a:r>
+              <a:rPr lang="de-AT" dirty="0" smtClean="0"/>
+              <a:t> on </a:t>
+            </a:r>
+            <a:r>
+              <a:rPr lang="de-AT" i="1" dirty="0" err="1" smtClean="0">
+                <a:solidFill>
+                  <a:srgbClr val="FF0000"/>
+                </a:solidFill>
+                <a:latin typeface="Courier New" panose="02070309020205020404" pitchFamily="49" charset="0"/>
+                <a:cs typeface="Courier New" panose="02070309020205020404" pitchFamily="49" charset="0"/>
+              </a:rPr>
+              <a:t>works_with</a:t>
+            </a:r>
+            <a:endParaRPr lang="de-AT" i="1" dirty="0">
+              <a:solidFill>
+                <a:srgbClr val="FF0000"/>
+              </a:solidFill>
+              <a:latin typeface="Courier New" panose="02070309020205020404" pitchFamily="49" charset="0"/>
+              <a:cs typeface="Courier New" panose="02070309020205020404" pitchFamily="49" charset="0"/>
+            </a:endParaRPr>
+          </a:p>
+        </p:txBody>
+      </p:sp>
+    </p:spTree>
+    <p:extLst>
+      <p:ext uri="{BB962C8B-B14F-4D97-AF65-F5344CB8AC3E}">
+        <p14:creationId xmlns:p14="http://schemas.microsoft.com/office/powerpoint/2010/main" val="1984286177"/>
+      </p:ext>
+    </p:extLst>
+  </p:cSld>
+  <p:clrMapOvr>
+    <a:masterClrMapping/>
+  </p:clrMapOvr>
+</p:sld>
+</file>
+
+<file path=ppt/slides/slide12.xml><?xml version="1.0" encoding="utf-8"?>
+<p:sld xmlns:a="http://schemas.openxmlformats.org/drawingml/2006/main" xmlns:r="http://schemas.openxmlformats.org/officeDocument/2006/relationships" xmlns:p="http://schemas.openxmlformats.org/presentationml/2006/main">
+  <p:cSld>
+    <p:spTree>
+      <p:nvGrpSpPr>
+        <p:cNvPr id="1" name=""/>
+        <p:cNvGrpSpPr/>
+        <p:nvPr/>
+      </p:nvGrpSpPr>
+      <p:grpSpPr>
+        <a:xfrm>
+          <a:off x="0" y="0"/>
+          <a:ext cx="0" cy="0"/>
+          <a:chOff x="0" y="0"/>
+          <a:chExt cx="0" cy="0"/>
+        </a:xfrm>
+      </p:grpSpPr>
+      <p:sp>
+        <p:nvSpPr>
+          <p:cNvPr id="2" name="Titel 1"/>
+          <p:cNvSpPr>
+            <a:spLocks noGrp="1"/>
+          </p:cNvSpPr>
+          <p:nvPr>
+            <p:ph type="title"/>
+          </p:nvPr>
+        </p:nvSpPr>
+        <p:spPr/>
+        <p:txBody>
+          <a:bodyPr/>
+          <a:lstStyle/>
+          <a:p>
+            <a:r>
+              <a:rPr lang="de-AT" dirty="0" err="1" smtClean="0"/>
+              <a:t>Redundancy</a:t>
+            </a:r>
+            <a:r>
+              <a:rPr lang="de-AT" dirty="0"/>
+              <a:t> </a:t>
+            </a:r>
+            <a:r>
+              <a:rPr lang="de-AT" dirty="0" smtClean="0"/>
+              <a:t>– </a:t>
+            </a:r>
+            <a:r>
+              <a:rPr lang="de-AT" dirty="0" err="1" smtClean="0"/>
+              <a:t>How</a:t>
+            </a:r>
+            <a:r>
+              <a:rPr lang="de-AT" dirty="0" smtClean="0"/>
+              <a:t> </a:t>
+            </a:r>
+            <a:r>
+              <a:rPr lang="de-AT" dirty="0" err="1" smtClean="0"/>
+              <a:t>to</a:t>
+            </a:r>
+            <a:r>
+              <a:rPr lang="de-AT" dirty="0" smtClean="0"/>
+              <a:t> </a:t>
+            </a:r>
+            <a:r>
+              <a:rPr lang="de-AT" dirty="0" err="1" smtClean="0"/>
+              <a:t>Decide</a:t>
+            </a:r>
+            <a:endParaRPr lang="de-AT" dirty="0"/>
+          </a:p>
+        </p:txBody>
+      </p:sp>
+      <p:sp>
+        <p:nvSpPr>
+          <p:cNvPr id="3" name="Inhaltsplatzhalter 2"/>
+          <p:cNvSpPr>
+            <a:spLocks noGrp="1"/>
+          </p:cNvSpPr>
+          <p:nvPr>
+            <p:ph sz="quarter" idx="1"/>
+          </p:nvPr>
+        </p:nvSpPr>
+        <p:spPr/>
+        <p:txBody>
+          <a:bodyPr>
+            <a:normAutofit/>
+          </a:bodyPr>
+          <a:lstStyle/>
+          <a:p>
+            <a:r>
+              <a:rPr lang="de-AT" dirty="0" smtClean="0"/>
+              <a:t>Look at </a:t>
+            </a:r>
+            <a:r>
+              <a:rPr lang="de-AT" dirty="0" err="1" smtClean="0"/>
+              <a:t>the</a:t>
+            </a:r>
+            <a:r>
+              <a:rPr lang="de-AT" dirty="0" smtClean="0"/>
+              <a:t> </a:t>
+            </a:r>
+            <a:r>
+              <a:rPr lang="de-AT" dirty="0" err="1" smtClean="0"/>
+              <a:t>operations</a:t>
+            </a:r>
+            <a:r>
+              <a:rPr lang="de-AT" dirty="0" smtClean="0"/>
+              <a:t> </a:t>
+            </a:r>
+            <a:r>
+              <a:rPr lang="de-AT" dirty="0" err="1" smtClean="0"/>
+              <a:t>influenced</a:t>
+            </a:r>
+            <a:r>
+              <a:rPr lang="de-AT" dirty="0" smtClean="0"/>
+              <a:t> </a:t>
+            </a:r>
+            <a:r>
+              <a:rPr lang="de-AT" dirty="0" err="1" smtClean="0"/>
+              <a:t>by</a:t>
+            </a:r>
+            <a:r>
+              <a:rPr lang="de-AT" dirty="0" smtClean="0"/>
+              <a:t> </a:t>
+            </a:r>
+            <a:r>
+              <a:rPr lang="de-AT" dirty="0" err="1" smtClean="0"/>
+              <a:t>the</a:t>
+            </a:r>
+            <a:r>
+              <a:rPr lang="de-AT" dirty="0" smtClean="0"/>
+              <a:t> </a:t>
+            </a:r>
+            <a:r>
+              <a:rPr lang="de-AT" dirty="0" err="1" smtClean="0"/>
+              <a:t>redundancy</a:t>
+            </a:r>
+            <a:endParaRPr lang="de-AT" dirty="0" smtClean="0"/>
+          </a:p>
+          <a:p>
+            <a:r>
+              <a:rPr lang="de-AT" dirty="0" err="1" smtClean="0"/>
+              <a:t>Calculate</a:t>
+            </a:r>
+            <a:r>
+              <a:rPr lang="de-AT" dirty="0" smtClean="0"/>
+              <a:t> </a:t>
+            </a:r>
+            <a:r>
+              <a:rPr lang="de-AT" dirty="0" err="1" smtClean="0"/>
+              <a:t>number</a:t>
+            </a:r>
+            <a:r>
+              <a:rPr lang="de-AT" dirty="0" smtClean="0"/>
+              <a:t> </a:t>
+            </a:r>
+            <a:r>
+              <a:rPr lang="de-AT" dirty="0" err="1" smtClean="0"/>
+              <a:t>of</a:t>
+            </a:r>
+            <a:r>
+              <a:rPr lang="de-AT" dirty="0" smtClean="0"/>
+              <a:t> </a:t>
+            </a:r>
+            <a:r>
+              <a:rPr lang="de-AT" dirty="0" err="1" smtClean="0"/>
+              <a:t>accesses</a:t>
+            </a:r>
+            <a:r>
+              <a:rPr lang="de-AT" dirty="0" smtClean="0"/>
+              <a:t> </a:t>
+            </a:r>
+            <a:r>
+              <a:rPr lang="de-AT" dirty="0" err="1" smtClean="0"/>
+              <a:t>for</a:t>
+            </a:r>
+            <a:r>
+              <a:rPr lang="de-AT" dirty="0" smtClean="0"/>
+              <a:t> </a:t>
+            </a:r>
+            <a:r>
+              <a:rPr lang="de-AT" dirty="0" err="1" smtClean="0"/>
+              <a:t>these</a:t>
+            </a:r>
+            <a:r>
+              <a:rPr lang="de-AT" dirty="0" smtClean="0"/>
+              <a:t> </a:t>
+            </a:r>
+            <a:r>
+              <a:rPr lang="de-AT" dirty="0" err="1" smtClean="0"/>
+              <a:t>operations</a:t>
+            </a:r>
+            <a:endParaRPr lang="de-AT" dirty="0"/>
+          </a:p>
+          <a:p>
+            <a:pPr lvl="1"/>
+            <a:r>
+              <a:rPr lang="de-AT" dirty="0" err="1" smtClean="0"/>
+              <a:t>with</a:t>
+            </a:r>
+            <a:r>
+              <a:rPr lang="de-AT" dirty="0" smtClean="0"/>
+              <a:t> </a:t>
+            </a:r>
+            <a:r>
+              <a:rPr lang="de-AT" dirty="0" err="1" smtClean="0"/>
+              <a:t>redundancy</a:t>
+            </a:r>
+            <a:endParaRPr lang="de-AT" dirty="0" smtClean="0"/>
+          </a:p>
+          <a:p>
+            <a:pPr lvl="1"/>
+            <a:r>
+              <a:rPr lang="de-AT" dirty="0" err="1" smtClean="0"/>
+              <a:t>without</a:t>
+            </a:r>
+            <a:r>
+              <a:rPr lang="de-AT" dirty="0" smtClean="0"/>
+              <a:t> </a:t>
+            </a:r>
+            <a:r>
+              <a:rPr lang="de-AT" dirty="0" err="1" smtClean="0"/>
+              <a:t>redundancy</a:t>
+            </a:r>
+            <a:endParaRPr lang="de-AT" dirty="0" smtClean="0"/>
+          </a:p>
+          <a:p>
+            <a:r>
+              <a:rPr lang="de-AT" dirty="0" err="1" smtClean="0"/>
+              <a:t>If</a:t>
+            </a:r>
+            <a:r>
+              <a:rPr lang="de-AT" dirty="0" smtClean="0"/>
+              <a:t> #</a:t>
+            </a:r>
+            <a:r>
+              <a:rPr lang="de-AT" dirty="0" err="1" smtClean="0"/>
+              <a:t>Accesses</a:t>
+            </a:r>
+            <a:r>
+              <a:rPr lang="de-AT" dirty="0" smtClean="0"/>
+              <a:t> </a:t>
+            </a:r>
+            <a:r>
+              <a:rPr lang="de-AT" dirty="0" err="1" smtClean="0"/>
+              <a:t>with</a:t>
+            </a:r>
+            <a:r>
+              <a:rPr lang="de-AT" dirty="0" smtClean="0"/>
+              <a:t> </a:t>
+            </a:r>
+            <a:r>
+              <a:rPr lang="de-AT" dirty="0" err="1" smtClean="0"/>
+              <a:t>redundancy</a:t>
+            </a:r>
+            <a:r>
+              <a:rPr lang="de-AT" dirty="0" smtClean="0"/>
+              <a:t> &lt; #</a:t>
+            </a:r>
+            <a:r>
+              <a:rPr lang="de-AT" dirty="0" err="1" smtClean="0"/>
+              <a:t>Accesses</a:t>
+            </a:r>
+            <a:r>
+              <a:rPr lang="de-AT" dirty="0" smtClean="0"/>
+              <a:t> </a:t>
+            </a:r>
+            <a:r>
+              <a:rPr lang="de-AT" dirty="0" err="1" smtClean="0"/>
+              <a:t>without</a:t>
+            </a:r>
+            <a:r>
+              <a:rPr lang="de-AT" dirty="0" smtClean="0"/>
+              <a:t> </a:t>
+            </a:r>
+            <a:r>
+              <a:rPr lang="de-AT" dirty="0" err="1" smtClean="0"/>
+              <a:t>redundancy</a:t>
+            </a:r>
+            <a:r>
+              <a:rPr lang="de-AT" dirty="0" smtClean="0"/>
+              <a:t> =&gt; Keep </a:t>
+            </a:r>
+            <a:r>
+              <a:rPr lang="de-AT" dirty="0" err="1" smtClean="0"/>
+              <a:t>redundancy</a:t>
+            </a:r>
+            <a:endParaRPr lang="de-AT" dirty="0"/>
+          </a:p>
+          <a:p>
+            <a:r>
+              <a:rPr lang="de-AT" dirty="0" smtClean="0"/>
+              <a:t>Else: Remove </a:t>
+            </a:r>
+            <a:r>
+              <a:rPr lang="de-AT" dirty="0" err="1" smtClean="0"/>
+              <a:t>redundancy</a:t>
+            </a:r>
+            <a:endParaRPr lang="de-AT" dirty="0" smtClean="0"/>
+          </a:p>
+        </p:txBody>
+      </p:sp>
+    </p:spTree>
+    <p:extLst>
+      <p:ext uri="{BB962C8B-B14F-4D97-AF65-F5344CB8AC3E}">
+        <p14:creationId xmlns:p14="http://schemas.microsoft.com/office/powerpoint/2010/main" val="3212579320"/>
+      </p:ext>
+    </p:extLst>
+  </p:cSld>
+  <p:clrMapOvr>
+    <a:masterClrMapping/>
+  </p:clrMapOvr>
+</p:sld>
+</file>
+
+<file path=ppt/slides/slide13.xml><?xml version="1.0" encoding="utf-8"?>
+<p:sld xmlns:a="http://schemas.openxmlformats.org/drawingml/2006/main" xmlns:r="http://schemas.openxmlformats.org/officeDocument/2006/relationships" xmlns:p="http://schemas.openxmlformats.org/presentationml/2006/main">
+  <p:cSld>
+    <p:spTree>
+      <p:nvGrpSpPr>
+        <p:cNvPr id="1" name=""/>
+        <p:cNvGrpSpPr/>
+        <p:nvPr/>
+      </p:nvGrpSpPr>
+      <p:grpSpPr>
+        <a:xfrm>
+          <a:off x="0" y="0"/>
+          <a:ext cx="0" cy="0"/>
+          <a:chOff x="0" y="0"/>
+          <a:chExt cx="0" cy="0"/>
+        </a:xfrm>
+      </p:grpSpPr>
+      <p:sp>
+        <p:nvSpPr>
+          <p:cNvPr id="2" name="Titel 1"/>
+          <p:cNvSpPr>
+            <a:spLocks noGrp="1"/>
+          </p:cNvSpPr>
+          <p:nvPr>
+            <p:ph type="title"/>
+          </p:nvPr>
+        </p:nvSpPr>
+        <p:spPr/>
+        <p:txBody>
           <a:bodyPr>
             <a:normAutofit/>
           </a:bodyPr>
@@ -4260,7 +4954,7 @@
 </p:sld>
 </file>
 
-<file path=ppt/slides/slide12.xml><?xml version="1.0" encoding="utf-8"?>
+<file path=ppt/slides/slide14.xml><?xml version="1.0" encoding="utf-8"?>
 <p:sld xmlns:a="http://schemas.openxmlformats.org/drawingml/2006/main" xmlns:r="http://schemas.openxmlformats.org/officeDocument/2006/relationships" xmlns:p="http://schemas.openxmlformats.org/presentationml/2006/main">
   <p:cSld>
     <p:spTree>
@@ -5009,7 +5703,7 @@
 </p:sld>
 </file>
 
-<file path=ppt/slides/slide13.xml><?xml version="1.0" encoding="utf-8"?>
+<file path=ppt/slides/slide15.xml><?xml version="1.0" encoding="utf-8"?>
 <p:sld xmlns:a="http://schemas.openxmlformats.org/drawingml/2006/main" xmlns:r="http://schemas.openxmlformats.org/officeDocument/2006/relationships" xmlns:p="http://schemas.openxmlformats.org/presentationml/2006/main">
   <p:cSld>
     <p:spTree>
@@ -5710,7 +6404,7 @@
 </p:sld>
 </file>
 
-<file path=ppt/slides/slide14.xml><?xml version="1.0" encoding="utf-8"?>
+<file path=ppt/slides/slide16.xml><?xml version="1.0" encoding="utf-8"?>
 <p:sld xmlns:a="http://schemas.openxmlformats.org/drawingml/2006/main" xmlns:r="http://schemas.openxmlformats.org/officeDocument/2006/relationships" xmlns:p="http://schemas.openxmlformats.org/presentationml/2006/main">
   <p:cSld>
     <p:spTree>
@@ -5917,7 +6611,7 @@
 </p:sld>
 </file>
 
-<file path=ppt/slides/slide15.xml><?xml version="1.0" encoding="utf-8"?>
+<file path=ppt/slides/slide17.xml><?xml version="1.0" encoding="utf-8"?>
 <p:sld xmlns:a="http://schemas.openxmlformats.org/drawingml/2006/main" xmlns:r="http://schemas.openxmlformats.org/officeDocument/2006/relationships" xmlns:p="http://schemas.openxmlformats.org/presentationml/2006/main">
   <p:cSld>
     <p:spTree>
@@ -6038,7 +6732,7 @@
 </p:sld>
 </file>
 
-<file path=ppt/slides/slide16.xml><?xml version="1.0" encoding="utf-8"?>
+<file path=ppt/slides/slide18.xml><?xml version="1.0" encoding="utf-8"?>
 <p:sld xmlns:a="http://schemas.openxmlformats.org/drawingml/2006/main" xmlns:r="http://schemas.openxmlformats.org/officeDocument/2006/relationships" xmlns:p="http://schemas.openxmlformats.org/presentationml/2006/main">
   <p:cSld>
     <p:spTree>
@@ -6226,7 +6920,7 @@
 </p:sld>
 </file>
 
-<file path=ppt/slides/slide17.xml><?xml version="1.0" encoding="utf-8"?>
+<file path=ppt/slides/slide19.xml><?xml version="1.0" encoding="utf-8"?>
 <p:sld xmlns:a="http://schemas.openxmlformats.org/drawingml/2006/main" xmlns:r="http://schemas.openxmlformats.org/officeDocument/2006/relationships" xmlns:p="http://schemas.openxmlformats.org/presentationml/2006/main">
   <p:cSld>
     <p:spTree>
@@ -6435,7 +7129,185 @@
 </p:sld>
 </file>
 
-<file path=ppt/slides/slide18.xml><?xml version="1.0" encoding="utf-8"?>
+<file path=ppt/slides/slide2.xml><?xml version="1.0" encoding="utf-8"?>
+<p:sld xmlns:a="http://schemas.openxmlformats.org/drawingml/2006/main" xmlns:r="http://schemas.openxmlformats.org/officeDocument/2006/relationships" xmlns:p="http://schemas.openxmlformats.org/presentationml/2006/main">
+  <p:cSld>
+    <p:spTree>
+      <p:nvGrpSpPr>
+        <p:cNvPr id="1" name=""/>
+        <p:cNvGrpSpPr/>
+        <p:nvPr/>
+      </p:nvGrpSpPr>
+      <p:grpSpPr>
+        <a:xfrm>
+          <a:off x="0" y="0"/>
+          <a:ext cx="0" cy="0"/>
+          <a:chOff x="0" y="0"/>
+          <a:chExt cx="0" cy="0"/>
+        </a:xfrm>
+      </p:grpSpPr>
+      <p:sp>
+        <p:nvSpPr>
+          <p:cNvPr id="2" name="Titel 1"/>
+          <p:cNvSpPr>
+            <a:spLocks noGrp="1"/>
+          </p:cNvSpPr>
+          <p:nvPr>
+            <p:ph type="title"/>
+          </p:nvPr>
+        </p:nvSpPr>
+        <p:spPr/>
+        <p:txBody>
+          <a:bodyPr/>
+          <a:lstStyle/>
+          <a:p>
+            <a:r>
+              <a:rPr lang="de-AT" dirty="0" err="1" smtClean="0"/>
+              <a:t>Exercise</a:t>
+            </a:r>
+            <a:r>
+              <a:rPr lang="de-AT" dirty="0" smtClean="0"/>
+              <a:t> 1</a:t>
+            </a:r>
+            <a:endParaRPr lang="de-AT" dirty="0"/>
+          </a:p>
+        </p:txBody>
+      </p:sp>
+      <p:sp>
+        <p:nvSpPr>
+          <p:cNvPr id="3" name="Inhaltsplatzhalter 2"/>
+          <p:cNvSpPr>
+            <a:spLocks noGrp="1"/>
+          </p:cNvSpPr>
+          <p:nvPr>
+            <p:ph sz="quarter" idx="1"/>
+          </p:nvPr>
+        </p:nvSpPr>
+        <p:spPr/>
+        <p:txBody>
+          <a:bodyPr/>
+          <a:lstStyle/>
+          <a:p>
+            <a:r>
+              <a:rPr lang="de-AT" dirty="0" smtClean="0"/>
+              <a:t> </a:t>
+            </a:r>
+            <a:r>
+              <a:rPr lang="de-AT" dirty="0" err="1"/>
+              <a:t>Integrate</a:t>
+            </a:r>
+            <a:r>
+              <a:rPr lang="de-AT" dirty="0"/>
+              <a:t> </a:t>
+            </a:r>
+            <a:r>
+              <a:rPr lang="de-AT" dirty="0" err="1"/>
+              <a:t>these</a:t>
+            </a:r>
+            <a:r>
+              <a:rPr lang="de-AT" dirty="0"/>
+              <a:t> </a:t>
+            </a:r>
+            <a:r>
+              <a:rPr lang="de-AT" dirty="0" err="1"/>
+              <a:t>views</a:t>
+            </a:r>
+            <a:r>
+              <a:rPr lang="de-AT" dirty="0"/>
+              <a:t>: </a:t>
+            </a:r>
+          </a:p>
+          <a:p>
+            <a:pPr marL="914400" lvl="1" indent="-514350">
+              <a:buFont typeface="+mj-lt"/>
+              <a:buAutoNum type="alphaLcParenR"/>
+            </a:pPr>
+            <a:r>
+              <a:rPr lang="en-US" dirty="0" smtClean="0"/>
+              <a:t>identify </a:t>
+            </a:r>
+            <a:r>
+              <a:rPr lang="en-US" dirty="0"/>
+              <a:t>conflicts (and their conflict types) </a:t>
+            </a:r>
+          </a:p>
+          <a:p>
+            <a:pPr marL="914400" lvl="1" indent="-514350">
+              <a:buFont typeface="+mj-lt"/>
+              <a:buAutoNum type="alphaLcParenR"/>
+            </a:pPr>
+            <a:r>
+              <a:rPr lang="de-AT" dirty="0" err="1" smtClean="0"/>
+              <a:t>propose</a:t>
+            </a:r>
+            <a:r>
+              <a:rPr lang="de-AT" dirty="0" smtClean="0"/>
+              <a:t> </a:t>
+            </a:r>
+            <a:r>
+              <a:rPr lang="de-AT" dirty="0" err="1"/>
+              <a:t>scenarios</a:t>
+            </a:r>
+            <a:r>
+              <a:rPr lang="de-AT" dirty="0"/>
+              <a:t> </a:t>
+            </a:r>
+            <a:r>
+              <a:rPr lang="de-AT" dirty="0" err="1"/>
+              <a:t>and</a:t>
+            </a:r>
+            <a:r>
+              <a:rPr lang="de-AT" dirty="0"/>
+              <a:t> </a:t>
+            </a:r>
+            <a:r>
+              <a:rPr lang="de-AT" dirty="0" err="1"/>
+              <a:t>interschema</a:t>
+            </a:r>
+            <a:r>
+              <a:rPr lang="de-AT" dirty="0"/>
+              <a:t> </a:t>
+            </a:r>
+            <a:r>
+              <a:rPr lang="de-AT" dirty="0" err="1"/>
+              <a:t>properties</a:t>
+            </a:r>
+            <a:r>
+              <a:rPr lang="de-AT" dirty="0"/>
+              <a:t> </a:t>
+            </a:r>
+          </a:p>
+          <a:p>
+            <a:pPr marL="914400" lvl="1" indent="-514350">
+              <a:buFont typeface="+mj-lt"/>
+              <a:buAutoNum type="alphaLcParenR"/>
+            </a:pPr>
+            <a:r>
+              <a:rPr lang="en-US" dirty="0" smtClean="0"/>
+              <a:t>integrate </a:t>
+            </a:r>
+            <a:r>
+              <a:rPr lang="en-US" dirty="0"/>
+              <a:t>the schemas into one schema. </a:t>
+            </a:r>
+            <a:endParaRPr lang="de-AT" dirty="0"/>
+          </a:p>
+        </p:txBody>
+      </p:sp>
+    </p:spTree>
+    <p:extLst>
+      <p:ext uri="{BB962C8B-B14F-4D97-AF65-F5344CB8AC3E}">
+        <p14:creationId xmlns:p14="http://schemas.microsoft.com/office/powerpoint/2010/main" val="3160386597"/>
+      </p:ext>
+    </p:extLst>
+  </p:cSld>
+  <p:clrMapOvr>
+    <a:masterClrMapping/>
+  </p:clrMapOvr>
+</p:sld>
+</file>
+
+<file path=ppt/slides/slide20.xml><?xml version="1.0" encoding="utf-8"?>
 <p:sld xmlns:a="http://schemas.openxmlformats.org/drawingml/2006/main" xmlns:r="http://schemas.openxmlformats.org/officeDocument/2006/relationships" xmlns:p="http://schemas.openxmlformats.org/presentationml/2006/main">
   <p:cSld>
     <p:spTree>
@@ -6685,7 +7557,7 @@
 </p:sld>
 </file>
 
-<file path=ppt/slides/slide19.xml><?xml version="1.0" encoding="utf-8"?>
+<file path=ppt/slides/slide21.xml><?xml version="1.0" encoding="utf-8"?>
 <p:sld xmlns:a="http://schemas.openxmlformats.org/drawingml/2006/main" xmlns:r="http://schemas.openxmlformats.org/officeDocument/2006/relationships" xmlns:p="http://schemas.openxmlformats.org/presentationml/2006/main">
   <p:cSld>
     <p:spTree>
@@ -6929,185 +7801,7 @@
 </p:sld>
 </file>
 
-<file path=ppt/slides/slide2.xml><?xml version="1.0" encoding="utf-8"?>
-<p:sld xmlns:a="http://schemas.openxmlformats.org/drawingml/2006/main" xmlns:r="http://schemas.openxmlformats.org/officeDocument/2006/relationships" xmlns:p="http://schemas.openxmlformats.org/presentationml/2006/main">
-  <p:cSld>
-    <p:spTree>
-      <p:nvGrpSpPr>
-        <p:cNvPr id="1" name=""/>
-        <p:cNvGrpSpPr/>
-        <p:nvPr/>
-      </p:nvGrpSpPr>
-      <p:grpSpPr>
-        <a:xfrm>
-          <a:off x="0" y="0"/>
-          <a:ext cx="0" cy="0"/>
-          <a:chOff x="0" y="0"/>
-          <a:chExt cx="0" cy="0"/>
-        </a:xfrm>
-      </p:grpSpPr>
-      <p:sp>
-        <p:nvSpPr>
-          <p:cNvPr id="2" name="Titel 1"/>
-          <p:cNvSpPr>
-            <a:spLocks noGrp="1"/>
-          </p:cNvSpPr>
-          <p:nvPr>
-            <p:ph type="title"/>
-          </p:nvPr>
-        </p:nvSpPr>
-        <p:spPr/>
-        <p:txBody>
-          <a:bodyPr/>
-          <a:lstStyle/>
-          <a:p>
-            <a:r>
-              <a:rPr lang="de-AT" dirty="0" err="1" smtClean="0"/>
-              <a:t>Exercise</a:t>
-            </a:r>
-            <a:r>
-              <a:rPr lang="de-AT" dirty="0" smtClean="0"/>
-              <a:t> 1</a:t>
-            </a:r>
-            <a:endParaRPr lang="de-AT" dirty="0"/>
-          </a:p>
-        </p:txBody>
-      </p:sp>
-      <p:sp>
-        <p:nvSpPr>
-          <p:cNvPr id="3" name="Inhaltsplatzhalter 2"/>
-          <p:cNvSpPr>
-            <a:spLocks noGrp="1"/>
-          </p:cNvSpPr>
-          <p:nvPr>
-            <p:ph sz="quarter" idx="1"/>
-          </p:nvPr>
-        </p:nvSpPr>
-        <p:spPr/>
-        <p:txBody>
-          <a:bodyPr/>
-          <a:lstStyle/>
-          <a:p>
-            <a:r>
-              <a:rPr lang="de-AT" dirty="0" smtClean="0"/>
-              <a:t> </a:t>
-            </a:r>
-            <a:r>
-              <a:rPr lang="de-AT" dirty="0" err="1"/>
-              <a:t>Integrate</a:t>
-            </a:r>
-            <a:r>
-              <a:rPr lang="de-AT" dirty="0"/>
-              <a:t> </a:t>
-            </a:r>
-            <a:r>
-              <a:rPr lang="de-AT" dirty="0" err="1"/>
-              <a:t>these</a:t>
-            </a:r>
-            <a:r>
-              <a:rPr lang="de-AT" dirty="0"/>
-              <a:t> </a:t>
-            </a:r>
-            <a:r>
-              <a:rPr lang="de-AT" dirty="0" err="1"/>
-              <a:t>views</a:t>
-            </a:r>
-            <a:r>
-              <a:rPr lang="de-AT" dirty="0"/>
-              <a:t>: </a:t>
-            </a:r>
-          </a:p>
-          <a:p>
-            <a:pPr marL="914400" lvl="1" indent="-514350">
-              <a:buFont typeface="+mj-lt"/>
-              <a:buAutoNum type="alphaLcParenR"/>
-            </a:pPr>
-            <a:r>
-              <a:rPr lang="en-US" dirty="0" smtClean="0"/>
-              <a:t>identify </a:t>
-            </a:r>
-            <a:r>
-              <a:rPr lang="en-US" dirty="0"/>
-              <a:t>conflicts (and their conflict types) </a:t>
-            </a:r>
-          </a:p>
-          <a:p>
-            <a:pPr marL="914400" lvl="1" indent="-514350">
-              <a:buFont typeface="+mj-lt"/>
-              <a:buAutoNum type="alphaLcParenR"/>
-            </a:pPr>
-            <a:r>
-              <a:rPr lang="de-AT" dirty="0" err="1" smtClean="0"/>
-              <a:t>propose</a:t>
-            </a:r>
-            <a:r>
-              <a:rPr lang="de-AT" dirty="0" smtClean="0"/>
-              <a:t> </a:t>
-            </a:r>
-            <a:r>
-              <a:rPr lang="de-AT" dirty="0" err="1"/>
-              <a:t>scenarios</a:t>
-            </a:r>
-            <a:r>
-              <a:rPr lang="de-AT" dirty="0"/>
-              <a:t> </a:t>
-            </a:r>
-            <a:r>
-              <a:rPr lang="de-AT" dirty="0" err="1"/>
-              <a:t>and</a:t>
-            </a:r>
-            <a:r>
-              <a:rPr lang="de-AT" dirty="0"/>
-              <a:t> </a:t>
-            </a:r>
-            <a:r>
-              <a:rPr lang="de-AT" dirty="0" err="1"/>
-              <a:t>interschema</a:t>
-            </a:r>
-            <a:r>
-              <a:rPr lang="de-AT" dirty="0"/>
-              <a:t> </a:t>
-            </a:r>
-            <a:r>
-              <a:rPr lang="de-AT" dirty="0" err="1"/>
-              <a:t>properties</a:t>
-            </a:r>
-            <a:r>
-              <a:rPr lang="de-AT" dirty="0"/>
-              <a:t> </a:t>
-            </a:r>
-          </a:p>
-          <a:p>
-            <a:pPr marL="914400" lvl="1" indent="-514350">
-              <a:buFont typeface="+mj-lt"/>
-              <a:buAutoNum type="alphaLcParenR"/>
-            </a:pPr>
-            <a:r>
-              <a:rPr lang="en-US" dirty="0" smtClean="0"/>
-              <a:t>integrate </a:t>
-            </a:r>
-            <a:r>
-              <a:rPr lang="en-US" dirty="0"/>
-              <a:t>the schemas into one schema. </a:t>
-            </a:r>
-            <a:endParaRPr lang="de-AT" dirty="0"/>
-          </a:p>
-        </p:txBody>
-      </p:sp>
-    </p:spTree>
-    <p:extLst>
-      <p:ext uri="{BB962C8B-B14F-4D97-AF65-F5344CB8AC3E}">
-        <p14:creationId xmlns:p14="http://schemas.microsoft.com/office/powerpoint/2010/main" val="3160386597"/>
-      </p:ext>
-    </p:extLst>
-  </p:cSld>
-  <p:clrMapOvr>
-    <a:masterClrMapping/>
-  </p:clrMapOvr>
-</p:sld>
-</file>
-
-<file path=ppt/slides/slide20.xml><?xml version="1.0" encoding="utf-8"?>
+<file path=ppt/slides/slide22.xml><?xml version="1.0" encoding="utf-8"?>
 <p:sld xmlns:a="http://schemas.openxmlformats.org/drawingml/2006/main" xmlns:r="http://schemas.openxmlformats.org/officeDocument/2006/relationships" xmlns:p="http://schemas.openxmlformats.org/presentationml/2006/main">
   <p:cSld>
     <p:spTree>
@@ -7368,840 +8062,6 @@
 </p:sld>
 </file>
 
-<file path=ppt/slides/slide21.xml><?xml version="1.0" encoding="utf-8"?>
-<p:sld xmlns:a="http://schemas.openxmlformats.org/drawingml/2006/main" xmlns:r="http://schemas.openxmlformats.org/officeDocument/2006/relationships" xmlns:p="http://schemas.openxmlformats.org/presentationml/2006/main">
-  <p:cSld>
-    <p:spTree>
-      <p:nvGrpSpPr>
-        <p:cNvPr id="1" name=""/>
-        <p:cNvGrpSpPr/>
-        <p:nvPr/>
-      </p:nvGrpSpPr>
-      <p:grpSpPr>
-        <a:xfrm>
-          <a:off x="0" y="0"/>
-          <a:ext cx="0" cy="0"/>
-          <a:chOff x="0" y="0"/>
-          <a:chExt cx="0" cy="0"/>
-        </a:xfrm>
-      </p:grpSpPr>
-      <p:sp>
-        <p:nvSpPr>
-          <p:cNvPr id="2" name="Titel 1"/>
-          <p:cNvSpPr>
-            <a:spLocks noGrp="1"/>
-          </p:cNvSpPr>
-          <p:nvPr>
-            <p:ph type="title"/>
-          </p:nvPr>
-        </p:nvSpPr>
-        <p:spPr/>
-        <p:txBody>
-          <a:bodyPr/>
-          <a:lstStyle/>
-          <a:p>
-            <a:r>
-              <a:rPr lang="de-AT" dirty="0" err="1" smtClean="0"/>
-              <a:t>Which</a:t>
-            </a:r>
-            <a:r>
-              <a:rPr lang="de-AT" dirty="0" smtClean="0"/>
-              <a:t> </a:t>
-            </a:r>
-            <a:r>
-              <a:rPr lang="de-AT" dirty="0" err="1" smtClean="0"/>
-              <a:t>Flattening</a:t>
-            </a:r>
-            <a:r>
-              <a:rPr lang="de-AT" dirty="0" smtClean="0"/>
-              <a:t> </a:t>
-            </a:r>
-            <a:r>
-              <a:rPr lang="de-AT" dirty="0" err="1" smtClean="0"/>
-              <a:t>Strategy</a:t>
-            </a:r>
-            <a:r>
-              <a:rPr lang="de-AT" dirty="0" smtClean="0"/>
-              <a:t>?</a:t>
-            </a:r>
-            <a:endParaRPr lang="de-AT" dirty="0"/>
-          </a:p>
-        </p:txBody>
-      </p:sp>
-      <p:sp>
-        <p:nvSpPr>
-          <p:cNvPr id="3" name="Inhaltsplatzhalter 2"/>
-          <p:cNvSpPr>
-            <a:spLocks noGrp="1"/>
-          </p:cNvSpPr>
-          <p:nvPr>
-            <p:ph sz="quarter" idx="1"/>
-          </p:nvPr>
-        </p:nvSpPr>
-        <p:spPr/>
-        <p:txBody>
-          <a:bodyPr>
-            <a:normAutofit fontScale="92500" lnSpcReduction="20000"/>
-          </a:bodyPr>
-          <a:lstStyle/>
-          <a:p>
-            <a:pPr marL="514350" indent="-514350">
-              <a:buFont typeface="+mj-lt"/>
-              <a:buAutoNum type="arabicPeriod"/>
-            </a:pPr>
-            <a:r>
-              <a:rPr lang="de-AT" dirty="0" err="1" smtClean="0"/>
-              <a:t>Two</a:t>
-            </a:r>
-            <a:r>
-              <a:rPr lang="de-AT" dirty="0" smtClean="0"/>
-              <a:t> </a:t>
-            </a:r>
-            <a:r>
-              <a:rPr lang="de-AT" dirty="0" err="1" smtClean="0"/>
-              <a:t>operation</a:t>
-            </a:r>
-            <a:r>
-              <a:rPr lang="de-AT" dirty="0" smtClean="0"/>
-              <a:t> </a:t>
-            </a:r>
-            <a:r>
-              <a:rPr lang="de-AT" dirty="0" err="1" smtClean="0"/>
-              <a:t>sets</a:t>
-            </a:r>
-            <a:endParaRPr lang="de-AT" dirty="0" smtClean="0"/>
-          </a:p>
-          <a:p>
-            <a:pPr marL="914400" lvl="1" indent="-514350"/>
-            <a:r>
-              <a:rPr lang="de-AT" sz="1900" dirty="0" smtClean="0"/>
-              <a:t>S1 </a:t>
-            </a:r>
-            <a:r>
-              <a:rPr lang="de-AT" sz="1900" dirty="0" err="1" smtClean="0"/>
-              <a:t>set</a:t>
-            </a:r>
-            <a:r>
-              <a:rPr lang="de-AT" sz="1900" dirty="0" smtClean="0"/>
-              <a:t> </a:t>
-            </a:r>
-            <a:r>
-              <a:rPr lang="de-AT" sz="1900" dirty="0" err="1" smtClean="0"/>
-              <a:t>of</a:t>
-            </a:r>
-            <a:r>
-              <a:rPr lang="de-AT" sz="1900" dirty="0" smtClean="0"/>
-              <a:t> </a:t>
-            </a:r>
-            <a:r>
-              <a:rPr lang="de-AT" sz="1900" dirty="0" err="1" smtClean="0"/>
-              <a:t>operations</a:t>
-            </a:r>
-            <a:r>
-              <a:rPr lang="de-AT" sz="1900" dirty="0" smtClean="0"/>
-              <a:t>, </a:t>
-            </a:r>
-            <a:r>
-              <a:rPr lang="de-AT" sz="1900" dirty="0" err="1" smtClean="0"/>
-              <a:t>which</a:t>
-            </a:r>
-            <a:r>
-              <a:rPr lang="de-AT" sz="1900" dirty="0" smtClean="0"/>
-              <a:t> </a:t>
-            </a:r>
-            <a:r>
-              <a:rPr lang="de-AT" sz="1900" dirty="0" err="1" smtClean="0"/>
-              <a:t>access</a:t>
-            </a:r>
-            <a:r>
-              <a:rPr lang="de-AT" sz="1900" dirty="0" smtClean="0"/>
-              <a:t> </a:t>
-            </a:r>
-            <a:r>
-              <a:rPr lang="de-AT" sz="1900" dirty="0" err="1" smtClean="0"/>
-              <a:t>attributes</a:t>
-            </a:r>
-            <a:r>
-              <a:rPr lang="de-AT" sz="1900" dirty="0" smtClean="0"/>
-              <a:t> </a:t>
-            </a:r>
-            <a:r>
-              <a:rPr lang="de-AT" sz="1900" dirty="0" err="1" smtClean="0"/>
-              <a:t>of</a:t>
-            </a:r>
-            <a:r>
-              <a:rPr lang="de-AT" sz="1900" dirty="0" smtClean="0"/>
-              <a:t> </a:t>
-            </a:r>
-            <a:r>
-              <a:rPr lang="de-AT" sz="1900" dirty="0" err="1" smtClean="0"/>
-              <a:t>the</a:t>
-            </a:r>
-            <a:r>
-              <a:rPr lang="de-AT" sz="1900" dirty="0" smtClean="0"/>
-              <a:t> super-</a:t>
-            </a:r>
-            <a:r>
-              <a:rPr lang="de-AT" sz="1900" dirty="0" err="1" smtClean="0"/>
-              <a:t>class</a:t>
-            </a:r>
-            <a:endParaRPr lang="de-AT" sz="1900" dirty="0" smtClean="0"/>
-          </a:p>
-          <a:p>
-            <a:pPr marL="914400" lvl="1" indent="-514350"/>
-            <a:r>
-              <a:rPr lang="de-AT" sz="1900" dirty="0" smtClean="0"/>
-              <a:t>S2 </a:t>
-            </a:r>
-            <a:r>
-              <a:rPr lang="de-AT" sz="1900" dirty="0" err="1" smtClean="0"/>
-              <a:t>set</a:t>
-            </a:r>
-            <a:r>
-              <a:rPr lang="de-AT" sz="1900" dirty="0" smtClean="0"/>
-              <a:t> </a:t>
-            </a:r>
-            <a:r>
-              <a:rPr lang="de-AT" sz="1900" dirty="0" err="1" smtClean="0"/>
-              <a:t>of</a:t>
-            </a:r>
-            <a:r>
-              <a:rPr lang="de-AT" sz="1900" dirty="0" smtClean="0"/>
-              <a:t> </a:t>
-            </a:r>
-            <a:r>
-              <a:rPr lang="de-AT" sz="1900" dirty="0" err="1" smtClean="0"/>
-              <a:t>operations</a:t>
-            </a:r>
-            <a:r>
-              <a:rPr lang="de-AT" sz="1900" dirty="0" smtClean="0"/>
-              <a:t>, </a:t>
-            </a:r>
-            <a:r>
-              <a:rPr lang="de-AT" sz="1900" dirty="0" err="1" smtClean="0"/>
-              <a:t>which</a:t>
-            </a:r>
-            <a:r>
-              <a:rPr lang="de-AT" sz="1900" dirty="0" smtClean="0"/>
-              <a:t> </a:t>
-            </a:r>
-            <a:r>
-              <a:rPr lang="de-AT" sz="1900" dirty="0" err="1" smtClean="0"/>
-              <a:t>access</a:t>
-            </a:r>
-            <a:r>
-              <a:rPr lang="de-AT" sz="1900" dirty="0" smtClean="0"/>
-              <a:t> </a:t>
-            </a:r>
-            <a:r>
-              <a:rPr lang="de-AT" sz="1900" dirty="0" err="1" smtClean="0"/>
-              <a:t>attributes</a:t>
-            </a:r>
-            <a:r>
-              <a:rPr lang="de-AT" sz="1900" dirty="0" smtClean="0"/>
-              <a:t> </a:t>
-            </a:r>
-            <a:r>
-              <a:rPr lang="de-AT" sz="1900" dirty="0" err="1" smtClean="0"/>
-              <a:t>of</a:t>
-            </a:r>
-            <a:r>
-              <a:rPr lang="de-AT" sz="1900" dirty="0" smtClean="0"/>
-              <a:t> super-</a:t>
-            </a:r>
-            <a:r>
-              <a:rPr lang="de-AT" sz="1900" dirty="0" err="1" smtClean="0"/>
-              <a:t>class</a:t>
-            </a:r>
-            <a:r>
-              <a:rPr lang="de-AT" sz="1900" dirty="0" smtClean="0"/>
-              <a:t> </a:t>
-            </a:r>
-            <a:r>
-              <a:rPr lang="de-AT" sz="1900" dirty="0" err="1" smtClean="0"/>
-              <a:t>and</a:t>
-            </a:r>
-            <a:r>
-              <a:rPr lang="de-AT" sz="1900" dirty="0" smtClean="0"/>
-              <a:t> </a:t>
-            </a:r>
-            <a:r>
-              <a:rPr lang="de-AT" sz="1900" dirty="0" err="1" smtClean="0"/>
-              <a:t>one</a:t>
-            </a:r>
-            <a:r>
-              <a:rPr lang="de-AT" sz="1900" dirty="0" smtClean="0"/>
-              <a:t> sub-</a:t>
-            </a:r>
-            <a:r>
-              <a:rPr lang="de-AT" sz="1900" dirty="0" err="1" smtClean="0"/>
-              <a:t>class</a:t>
-            </a:r>
-            <a:endParaRPr lang="de-AT" sz="1900" dirty="0" smtClean="0"/>
-          </a:p>
-          <a:p>
-            <a:pPr marL="514350" indent="-514350">
-              <a:buFont typeface="+mj-lt"/>
-              <a:buAutoNum type="arabicPeriod"/>
-            </a:pPr>
-            <a:r>
-              <a:rPr lang="de-AT" dirty="0" err="1" smtClean="0"/>
-              <a:t>Calculate</a:t>
-            </a:r>
-            <a:r>
-              <a:rPr lang="de-AT" dirty="0" smtClean="0"/>
-              <a:t> </a:t>
-            </a:r>
-            <a:r>
-              <a:rPr lang="de-AT" dirty="0" err="1" smtClean="0"/>
-              <a:t>access</a:t>
-            </a:r>
-            <a:r>
-              <a:rPr lang="de-AT" dirty="0" smtClean="0"/>
-              <a:t> </a:t>
-            </a:r>
-            <a:r>
-              <a:rPr lang="de-AT" dirty="0" err="1" smtClean="0"/>
-              <a:t>counts</a:t>
-            </a:r>
-            <a:r>
-              <a:rPr lang="de-AT" dirty="0" smtClean="0"/>
-              <a:t> </a:t>
-            </a:r>
-            <a:r>
-              <a:rPr lang="de-AT" dirty="0" err="1" smtClean="0"/>
-              <a:t>for</a:t>
-            </a:r>
-            <a:r>
-              <a:rPr lang="de-AT" dirty="0" smtClean="0"/>
-              <a:t> S1 </a:t>
-            </a:r>
-            <a:r>
-              <a:rPr lang="de-AT" dirty="0" err="1" smtClean="0"/>
-              <a:t>and</a:t>
-            </a:r>
-            <a:r>
-              <a:rPr lang="de-AT" dirty="0" smtClean="0"/>
-              <a:t> S2</a:t>
-            </a:r>
-          </a:p>
-          <a:p>
-            <a:pPr marL="514350" indent="-514350">
-              <a:buFont typeface="+mj-lt"/>
-              <a:buAutoNum type="arabicPeriod"/>
-            </a:pPr>
-            <a:r>
-              <a:rPr lang="de-AT" dirty="0" err="1" smtClean="0"/>
-              <a:t>Decide</a:t>
-            </a:r>
-            <a:endParaRPr lang="de-AT" dirty="0" smtClean="0"/>
-          </a:p>
-          <a:p>
-            <a:pPr marL="400050" lvl="1" indent="0">
-              <a:buNone/>
-            </a:pPr>
-            <a:r>
-              <a:rPr lang="de-AT" dirty="0" err="1" smtClean="0"/>
-              <a:t>if</a:t>
-            </a:r>
-            <a:r>
-              <a:rPr lang="de-AT" dirty="0" smtClean="0"/>
-              <a:t> S2 </a:t>
-            </a:r>
-            <a:r>
-              <a:rPr lang="de-AT" dirty="0" err="1" smtClean="0"/>
-              <a:t>dominates</a:t>
-            </a:r>
-            <a:r>
-              <a:rPr lang="de-AT" dirty="0" smtClean="0"/>
-              <a:t> </a:t>
-            </a:r>
-            <a:r>
-              <a:rPr lang="de-AT" dirty="0" smtClean="0">
-                <a:sym typeface="Wingdings" panose="05000000000000000000" pitchFamily="2" charset="2"/>
-              </a:rPr>
-              <a:t> </a:t>
-            </a:r>
-            <a:r>
-              <a:rPr lang="de-AT" dirty="0" err="1" smtClean="0">
-                <a:sym typeface="Wingdings" panose="05000000000000000000" pitchFamily="2" charset="2"/>
-              </a:rPr>
-              <a:t>floor</a:t>
-            </a:r>
-            <a:endParaRPr lang="de-AT" dirty="0" smtClean="0">
-              <a:sym typeface="Wingdings" panose="05000000000000000000" pitchFamily="2" charset="2"/>
-            </a:endParaRPr>
-          </a:p>
-          <a:p>
-            <a:pPr marL="400050" lvl="1" indent="0">
-              <a:buNone/>
-            </a:pPr>
-            <a:r>
-              <a:rPr lang="de-AT" dirty="0" err="1" smtClean="0">
-                <a:sym typeface="Wingdings" panose="05000000000000000000" pitchFamily="2" charset="2"/>
-              </a:rPr>
-              <a:t>else</a:t>
-            </a:r>
-            <a:r>
-              <a:rPr lang="de-AT" dirty="0" smtClean="0">
-                <a:sym typeface="Wingdings" panose="05000000000000000000" pitchFamily="2" charset="2"/>
-              </a:rPr>
-              <a:t> </a:t>
-            </a:r>
-            <a:r>
-              <a:rPr lang="de-AT" dirty="0" err="1" smtClean="0">
-                <a:sym typeface="Wingdings" panose="05000000000000000000" pitchFamily="2" charset="2"/>
-              </a:rPr>
-              <a:t>analyse</a:t>
-            </a:r>
-            <a:r>
-              <a:rPr lang="de-AT" dirty="0" smtClean="0">
-                <a:sym typeface="Wingdings" panose="05000000000000000000" pitchFamily="2" charset="2"/>
-              </a:rPr>
-              <a:t> </a:t>
-            </a:r>
-            <a:r>
-              <a:rPr lang="de-AT" dirty="0" err="1" smtClean="0">
-                <a:sym typeface="Wingdings" panose="05000000000000000000" pitchFamily="2" charset="2"/>
-              </a:rPr>
-              <a:t>data</a:t>
-            </a:r>
-            <a:r>
-              <a:rPr lang="de-AT" dirty="0" smtClean="0">
-                <a:sym typeface="Wingdings" panose="05000000000000000000" pitchFamily="2" charset="2"/>
-              </a:rPr>
-              <a:t> </a:t>
-            </a:r>
-            <a:r>
-              <a:rPr lang="de-AT" dirty="0" err="1" smtClean="0">
-                <a:sym typeface="Wingdings" panose="05000000000000000000" pitchFamily="2" charset="2"/>
-              </a:rPr>
-              <a:t>manipulation</a:t>
-            </a:r>
-            <a:r>
-              <a:rPr lang="de-AT" dirty="0" smtClean="0">
-                <a:sym typeface="Wingdings" panose="05000000000000000000" pitchFamily="2" charset="2"/>
-              </a:rPr>
-              <a:t> </a:t>
-            </a:r>
-            <a:r>
-              <a:rPr lang="de-AT" dirty="0" err="1" smtClean="0">
-                <a:sym typeface="Wingdings" panose="05000000000000000000" pitchFamily="2" charset="2"/>
-              </a:rPr>
-              <a:t>operations</a:t>
-            </a:r>
-            <a:endParaRPr lang="de-AT" dirty="0" smtClean="0">
-              <a:sym typeface="Wingdings" panose="05000000000000000000" pitchFamily="2" charset="2"/>
-            </a:endParaRPr>
-          </a:p>
-          <a:p>
-            <a:pPr marL="400050" lvl="1" indent="0">
-              <a:buNone/>
-            </a:pPr>
-            <a:r>
-              <a:rPr lang="de-AT" dirty="0">
-                <a:sym typeface="Wingdings" panose="05000000000000000000" pitchFamily="2" charset="2"/>
-              </a:rPr>
-              <a:t>	</a:t>
-            </a:r>
-            <a:r>
-              <a:rPr lang="de-AT" dirty="0" err="1" smtClean="0">
-                <a:sym typeface="Wingdings" panose="05000000000000000000" pitchFamily="2" charset="2"/>
-              </a:rPr>
-              <a:t>if</a:t>
-            </a:r>
-            <a:r>
-              <a:rPr lang="de-AT" dirty="0" smtClean="0">
-                <a:sym typeface="Wingdings" panose="05000000000000000000" pitchFamily="2" charset="2"/>
-              </a:rPr>
-              <a:t> </a:t>
-            </a:r>
-            <a:r>
-              <a:rPr lang="de-AT" dirty="0" err="1" smtClean="0">
-                <a:sym typeface="Wingdings" panose="05000000000000000000" pitchFamily="2" charset="2"/>
-              </a:rPr>
-              <a:t>domination</a:t>
-            </a:r>
-            <a:r>
-              <a:rPr lang="de-AT" dirty="0" smtClean="0">
-                <a:sym typeface="Wingdings" panose="05000000000000000000" pitchFamily="2" charset="2"/>
-              </a:rPr>
-              <a:t> </a:t>
-            </a:r>
-            <a:r>
-              <a:rPr lang="de-AT" dirty="0" err="1" smtClean="0">
-                <a:sym typeface="Wingdings" panose="05000000000000000000" pitchFamily="2" charset="2"/>
-              </a:rPr>
-              <a:t>of</a:t>
-            </a:r>
-            <a:r>
-              <a:rPr lang="de-AT" dirty="0" smtClean="0">
-                <a:sym typeface="Wingdings" panose="05000000000000000000" pitchFamily="2" charset="2"/>
-              </a:rPr>
-              <a:t> </a:t>
-            </a:r>
-            <a:r>
-              <a:rPr lang="de-AT" dirty="0" err="1" smtClean="0">
-                <a:sym typeface="Wingdings" panose="05000000000000000000" pitchFamily="2" charset="2"/>
-              </a:rPr>
-              <a:t>operations</a:t>
-            </a:r>
-            <a:r>
-              <a:rPr lang="de-AT" dirty="0" smtClean="0">
-                <a:sym typeface="Wingdings" panose="05000000000000000000" pitchFamily="2" charset="2"/>
-              </a:rPr>
-              <a:t> </a:t>
-            </a:r>
-            <a:r>
-              <a:rPr lang="de-AT" dirty="0" err="1" smtClean="0">
-                <a:sym typeface="Wingdings" panose="05000000000000000000" pitchFamily="2" charset="2"/>
-              </a:rPr>
-              <a:t>that</a:t>
-            </a:r>
-            <a:r>
-              <a:rPr lang="de-AT" dirty="0" smtClean="0">
-                <a:sym typeface="Wingdings" panose="05000000000000000000" pitchFamily="2" charset="2"/>
-              </a:rPr>
-              <a:t> ..</a:t>
-            </a:r>
-          </a:p>
-          <a:p>
-            <a:pPr marL="400050" lvl="1" indent="0">
-              <a:buNone/>
-            </a:pPr>
-            <a:r>
-              <a:rPr lang="de-AT" dirty="0">
-                <a:sym typeface="Wingdings" panose="05000000000000000000" pitchFamily="2" charset="2"/>
-              </a:rPr>
-              <a:t>	</a:t>
-            </a:r>
-            <a:r>
-              <a:rPr lang="de-AT" dirty="0" smtClean="0">
-                <a:sym typeface="Wingdings" panose="05000000000000000000" pitchFamily="2" charset="2"/>
-              </a:rPr>
-              <a:t>    </a:t>
-            </a:r>
-            <a:r>
-              <a:rPr lang="de-AT" sz="2600" dirty="0" smtClean="0">
-                <a:sym typeface="Wingdings" panose="05000000000000000000" pitchFamily="2" charset="2"/>
-              </a:rPr>
-              <a:t>..</a:t>
-            </a:r>
-            <a:r>
-              <a:rPr lang="de-AT" sz="2600" dirty="0" err="1" smtClean="0">
-                <a:sym typeface="Wingdings" panose="05000000000000000000" pitchFamily="2" charset="2"/>
-              </a:rPr>
-              <a:t>access</a:t>
-            </a:r>
-            <a:r>
-              <a:rPr lang="de-AT" sz="2600" dirty="0" smtClean="0">
-                <a:sym typeface="Wingdings" panose="05000000000000000000" pitchFamily="2" charset="2"/>
-              </a:rPr>
-              <a:t> </a:t>
-            </a:r>
-            <a:r>
-              <a:rPr lang="de-AT" sz="2600" dirty="0" err="1" smtClean="0">
-                <a:sym typeface="Wingdings" panose="05000000000000000000" pitchFamily="2" charset="2"/>
-              </a:rPr>
-              <a:t>attributes</a:t>
-            </a:r>
-            <a:r>
-              <a:rPr lang="de-AT" sz="2600" dirty="0" smtClean="0">
-                <a:sym typeface="Wingdings" panose="05000000000000000000" pitchFamily="2" charset="2"/>
-              </a:rPr>
-              <a:t> </a:t>
-            </a:r>
-            <a:r>
-              <a:rPr lang="de-AT" sz="2600" dirty="0" err="1" smtClean="0">
-                <a:sym typeface="Wingdings" panose="05000000000000000000" pitchFamily="2" charset="2"/>
-              </a:rPr>
-              <a:t>of</a:t>
-            </a:r>
-            <a:r>
-              <a:rPr lang="de-AT" sz="2600" dirty="0" smtClean="0">
-                <a:sym typeface="Wingdings" panose="05000000000000000000" pitchFamily="2" charset="2"/>
-              </a:rPr>
-              <a:t> </a:t>
-            </a:r>
-            <a:r>
-              <a:rPr lang="de-AT" sz="2600" dirty="0" err="1" smtClean="0">
-                <a:sym typeface="Wingdings" panose="05000000000000000000" pitchFamily="2" charset="2"/>
-              </a:rPr>
-              <a:t>both</a:t>
-            </a:r>
-            <a:r>
-              <a:rPr lang="de-AT" sz="2600" dirty="0" smtClean="0">
-                <a:sym typeface="Wingdings" panose="05000000000000000000" pitchFamily="2" charset="2"/>
-              </a:rPr>
-              <a:t> super- </a:t>
-            </a:r>
-            <a:r>
-              <a:rPr lang="de-AT" sz="2600" dirty="0" err="1" smtClean="0">
-                <a:sym typeface="Wingdings" panose="05000000000000000000" pitchFamily="2" charset="2"/>
-              </a:rPr>
-              <a:t>and</a:t>
-            </a:r>
-            <a:r>
-              <a:rPr lang="de-AT" sz="2600" dirty="0" smtClean="0">
-                <a:sym typeface="Wingdings" panose="05000000000000000000" pitchFamily="2" charset="2"/>
-              </a:rPr>
-              <a:t> sub-</a:t>
-            </a:r>
-            <a:r>
-              <a:rPr lang="de-AT" sz="2600" dirty="0" err="1" smtClean="0">
-                <a:sym typeface="Wingdings" panose="05000000000000000000" pitchFamily="2" charset="2"/>
-              </a:rPr>
-              <a:t>class</a:t>
-            </a:r>
-            <a:r>
-              <a:rPr lang="de-AT" sz="2600" dirty="0" smtClean="0">
-                <a:sym typeface="Wingdings" panose="05000000000000000000" pitchFamily="2" charset="2"/>
-              </a:rPr>
-              <a:t>  </a:t>
-            </a:r>
-            <a:r>
-              <a:rPr lang="de-AT" sz="2600" dirty="0" err="1" smtClean="0">
-                <a:sym typeface="Wingdings" panose="05000000000000000000" pitchFamily="2" charset="2"/>
-              </a:rPr>
-              <a:t>ceiling</a:t>
-            </a:r>
-            <a:endParaRPr lang="de-AT" sz="2600" dirty="0" smtClean="0">
-              <a:sym typeface="Wingdings" panose="05000000000000000000" pitchFamily="2" charset="2"/>
-            </a:endParaRPr>
-          </a:p>
-          <a:p>
-            <a:pPr marL="400050" lvl="1" indent="0">
-              <a:buNone/>
-            </a:pPr>
-            <a:r>
-              <a:rPr lang="de-AT" sz="2600" dirty="0">
-                <a:sym typeface="Wingdings" panose="05000000000000000000" pitchFamily="2" charset="2"/>
-              </a:rPr>
-              <a:t>	 </a:t>
-            </a:r>
-            <a:r>
-              <a:rPr lang="de-AT" sz="2600" dirty="0" smtClean="0">
-                <a:sym typeface="Wingdings" panose="05000000000000000000" pitchFamily="2" charset="2"/>
-              </a:rPr>
-              <a:t>   ..</a:t>
-            </a:r>
-            <a:r>
-              <a:rPr lang="de-AT" sz="2600" dirty="0" err="1" smtClean="0">
-                <a:sym typeface="Wingdings" panose="05000000000000000000" pitchFamily="2" charset="2"/>
-              </a:rPr>
-              <a:t>access</a:t>
-            </a:r>
-            <a:r>
-              <a:rPr lang="de-AT" sz="2600" dirty="0" smtClean="0">
-                <a:sym typeface="Wingdings" panose="05000000000000000000" pitchFamily="2" charset="2"/>
-              </a:rPr>
-              <a:t> </a:t>
-            </a:r>
-            <a:r>
-              <a:rPr lang="de-AT" sz="2600" dirty="0" err="1" smtClean="0">
-                <a:sym typeface="Wingdings" panose="05000000000000000000" pitchFamily="2" charset="2"/>
-              </a:rPr>
-              <a:t>attributes</a:t>
-            </a:r>
-            <a:r>
-              <a:rPr lang="de-AT" sz="2600" dirty="0" smtClean="0">
-                <a:sym typeface="Wingdings" panose="05000000000000000000" pitchFamily="2" charset="2"/>
-              </a:rPr>
-              <a:t> </a:t>
-            </a:r>
-            <a:r>
-              <a:rPr lang="de-AT" sz="2600" dirty="0" err="1" smtClean="0">
-                <a:sym typeface="Wingdings" panose="05000000000000000000" pitchFamily="2" charset="2"/>
-              </a:rPr>
-              <a:t>of</a:t>
-            </a:r>
-            <a:r>
-              <a:rPr lang="de-AT" sz="2600" dirty="0" smtClean="0">
-                <a:sym typeface="Wingdings" panose="05000000000000000000" pitchFamily="2" charset="2"/>
-              </a:rPr>
-              <a:t> </a:t>
-            </a:r>
-            <a:r>
-              <a:rPr lang="de-AT" sz="2600" dirty="0" err="1" smtClean="0">
-                <a:sym typeface="Wingdings" panose="05000000000000000000" pitchFamily="2" charset="2"/>
-              </a:rPr>
-              <a:t>either</a:t>
-            </a:r>
-            <a:r>
-              <a:rPr lang="de-AT" sz="2600" dirty="0" smtClean="0">
-                <a:sym typeface="Wingdings" panose="05000000000000000000" pitchFamily="2" charset="2"/>
-              </a:rPr>
-              <a:t> super- </a:t>
-            </a:r>
-            <a:r>
-              <a:rPr lang="de-AT" sz="2600" dirty="0" err="1" smtClean="0">
-                <a:sym typeface="Wingdings" panose="05000000000000000000" pitchFamily="2" charset="2"/>
-              </a:rPr>
-              <a:t>or</a:t>
-            </a:r>
-            <a:r>
-              <a:rPr lang="de-AT" sz="2600" dirty="0" smtClean="0">
-                <a:sym typeface="Wingdings" panose="05000000000000000000" pitchFamily="2" charset="2"/>
-              </a:rPr>
-              <a:t> sub-</a:t>
-            </a:r>
-            <a:r>
-              <a:rPr lang="de-AT" sz="2600" dirty="0" err="1" smtClean="0">
-                <a:sym typeface="Wingdings" panose="05000000000000000000" pitchFamily="2" charset="2"/>
-              </a:rPr>
-              <a:t>class</a:t>
-            </a:r>
-            <a:r>
-              <a:rPr lang="de-AT" sz="2600" dirty="0" smtClean="0">
-                <a:sym typeface="Wingdings" panose="05000000000000000000" pitchFamily="2" charset="2"/>
-              </a:rPr>
-              <a:t>  </a:t>
-            </a:r>
-            <a:r>
-              <a:rPr lang="de-AT" sz="2600" dirty="0" err="1" smtClean="0">
-                <a:sym typeface="Wingdings" panose="05000000000000000000" pitchFamily="2" charset="2"/>
-              </a:rPr>
-              <a:t>cohesion</a:t>
-            </a:r>
-            <a:endParaRPr lang="de-AT" sz="2600" dirty="0" smtClean="0">
-              <a:sym typeface="Wingdings" panose="05000000000000000000" pitchFamily="2" charset="2"/>
-            </a:endParaRPr>
-          </a:p>
-        </p:txBody>
-      </p:sp>
-    </p:spTree>
-    <p:extLst>
-      <p:ext uri="{BB962C8B-B14F-4D97-AF65-F5344CB8AC3E}">
-        <p14:creationId xmlns:p14="http://schemas.microsoft.com/office/powerpoint/2010/main" val="1393091644"/>
-      </p:ext>
-    </p:extLst>
-  </p:cSld>
-  <p:clrMapOvr>
-    <a:masterClrMapping/>
-  </p:clrMapOvr>
-  <p:timing>
-    <p:tnLst>
-      <p:par>
-        <p:cTn id="1" dur="indefinite" restart="never" nodeType="tmRoot"/>
-      </p:par>
-    </p:tnLst>
-  </p:timing>
-</p:sld>
-</file>
-
-<file path=ppt/slides/slide22.xml><?xml version="1.0" encoding="utf-8"?>
-<p:sld xmlns:a="http://schemas.openxmlformats.org/drawingml/2006/main" xmlns:r="http://schemas.openxmlformats.org/officeDocument/2006/relationships" xmlns:p="http://schemas.openxmlformats.org/presentationml/2006/main">
-  <p:cSld>
-    <p:spTree>
-      <p:nvGrpSpPr>
-        <p:cNvPr id="1" name=""/>
-        <p:cNvGrpSpPr/>
-        <p:nvPr/>
-      </p:nvGrpSpPr>
-      <p:grpSpPr>
-        <a:xfrm>
-          <a:off x="0" y="0"/>
-          <a:ext cx="0" cy="0"/>
-          <a:chOff x="0" y="0"/>
-          <a:chExt cx="0" cy="0"/>
-        </a:xfrm>
-      </p:grpSpPr>
-      <p:sp>
-        <p:nvSpPr>
-          <p:cNvPr id="2" name="Titel 1"/>
-          <p:cNvSpPr>
-            <a:spLocks noGrp="1"/>
-          </p:cNvSpPr>
-          <p:nvPr>
-            <p:ph type="title"/>
-          </p:nvPr>
-        </p:nvSpPr>
-        <p:spPr/>
-        <p:txBody>
-          <a:bodyPr/>
-          <a:lstStyle/>
-          <a:p>
-            <a:r>
-              <a:rPr lang="de-AT" dirty="0" err="1" smtClean="0"/>
-              <a:t>Exercise</a:t>
-            </a:r>
-            <a:r>
-              <a:rPr lang="de-AT" dirty="0" smtClean="0"/>
-              <a:t> 5</a:t>
-            </a:r>
-            <a:endParaRPr lang="de-AT" dirty="0"/>
-          </a:p>
-        </p:txBody>
-      </p:sp>
-      <p:sp>
-        <p:nvSpPr>
-          <p:cNvPr id="3" name="Inhaltsplatzhalter 2"/>
-          <p:cNvSpPr>
-            <a:spLocks noGrp="1"/>
-          </p:cNvSpPr>
-          <p:nvPr>
-            <p:ph sz="quarter" idx="1"/>
-          </p:nvPr>
-        </p:nvSpPr>
-        <p:spPr/>
-        <p:txBody>
-          <a:bodyPr/>
-          <a:lstStyle/>
-          <a:p>
-            <a:r>
-              <a:rPr lang="en-US" dirty="0" smtClean="0"/>
-              <a:t>What </a:t>
-            </a:r>
-            <a:r>
-              <a:rPr lang="en-US" dirty="0"/>
-              <a:t>is vertical partitioning, what is horizontal partitioning? Explain it with an example of your own. </a:t>
-            </a:r>
-          </a:p>
-          <a:p>
-            <a:r>
-              <a:rPr lang="en-US" dirty="0" smtClean="0"/>
-              <a:t>Why </a:t>
-            </a:r>
-            <a:r>
-              <a:rPr lang="en-US" dirty="0"/>
-              <a:t>might partitioning be necessary? </a:t>
-            </a:r>
-          </a:p>
-          <a:p>
-            <a:r>
-              <a:rPr lang="en-US" dirty="0" smtClean="0"/>
-              <a:t>What </a:t>
-            </a:r>
-            <a:r>
-              <a:rPr lang="en-US" dirty="0"/>
-              <a:t>do you have to consider before partitioning – how do you decide? </a:t>
-            </a:r>
-          </a:p>
-          <a:p>
-            <a:endParaRPr lang="de-AT" dirty="0"/>
-          </a:p>
-        </p:txBody>
-      </p:sp>
-    </p:spTree>
-    <p:extLst>
-      <p:ext uri="{BB962C8B-B14F-4D97-AF65-F5344CB8AC3E}">
-        <p14:creationId xmlns:p14="http://schemas.microsoft.com/office/powerpoint/2010/main" val="4170754018"/>
-      </p:ext>
-    </p:extLst>
-  </p:cSld>
-  <p:clrMapOvr>
-    <a:masterClrMapping/>
-  </p:clrMapOvr>
-  <p:timing>
-    <p:tnLst>
-      <p:par>
-        <p:cTn id="1" dur="indefinite" restart="never" nodeType="tmRoot"/>
-      </p:par>
-    </p:tnLst>
-  </p:timing>
-</p:sld>
-</file>
-
 <file path=ppt/slides/slide23.xml><?xml version="1.0" encoding="utf-8"?>
 <p:sld xmlns:a="http://schemas.openxmlformats.org/drawingml/2006/main" xmlns:r="http://schemas.openxmlformats.org/officeDocument/2006/relationships" xmlns:p="http://schemas.openxmlformats.org/presentationml/2006/main">
   <p:cSld>
@@ -8236,19 +8096,27 @@
           <a:p>
             <a:r>
               <a:rPr lang="de-AT" dirty="0" err="1" smtClean="0"/>
-              <a:t>Vertical</a:t>
-            </a:r>
-            <a:r>
-              <a:rPr lang="de-AT" dirty="0" smtClean="0"/>
-              <a:t> </a:t>
-            </a:r>
-            <a:r>
-              <a:rPr lang="de-AT" dirty="0" err="1" smtClean="0"/>
-              <a:t>partitioning</a:t>
-            </a:r>
-            <a:r>
-              <a:rPr lang="de-AT" dirty="0" smtClean="0"/>
-              <a:t>(1/2)</a:t>
+              <a:t>Which</a:t>
+            </a:r>
+            <a:r>
+              <a:rPr lang="de-AT" dirty="0" smtClean="0"/>
+              <a:t> </a:t>
+            </a:r>
+            <a:r>
+              <a:rPr lang="de-AT" dirty="0" err="1" smtClean="0"/>
+              <a:t>Flattening</a:t>
+            </a:r>
+            <a:r>
+              <a:rPr lang="de-AT" dirty="0" smtClean="0"/>
+              <a:t> </a:t>
+            </a:r>
+            <a:r>
+              <a:rPr lang="de-AT" dirty="0" err="1" smtClean="0"/>
+              <a:t>Strategy</a:t>
+            </a:r>
+            <a:r>
+              <a:rPr lang="de-AT" dirty="0" smtClean="0"/>
+              <a:t>?</a:t>
             </a:r>
             <a:endParaRPr lang="de-AT" dirty="0"/>
           </a:p>
@@ -8266,41 +8134,639 @@
         </p:nvSpPr>
         <p:spPr/>
         <p:txBody>
-          <a:bodyPr/>
+          <a:bodyPr>
+            <a:normAutofit fontScale="92500" lnSpcReduction="20000"/>
+          </a:bodyPr>
           <a:lstStyle/>
           <a:p>
-            <a:r>
-              <a:rPr lang="en-US" dirty="0"/>
-              <a:t>split class vertically </a:t>
-            </a:r>
-          </a:p>
-          <a:p>
-            <a:r>
-              <a:rPr lang="en-US" dirty="0" smtClean="0"/>
-              <a:t>new </a:t>
-            </a:r>
-            <a:r>
-              <a:rPr lang="en-US" dirty="0"/>
-              <a:t>classes have different set of attributes </a:t>
-            </a:r>
-          </a:p>
-          <a:p>
-            <a:r>
-              <a:rPr lang="en-US" dirty="0" smtClean="0"/>
-              <a:t>needs </a:t>
-            </a:r>
-            <a:r>
-              <a:rPr lang="en-US" dirty="0"/>
-              <a:t>join operation to retrieve original set of instances </a:t>
-            </a:r>
-            <a:endParaRPr lang="de-AT" dirty="0"/>
+            <a:pPr marL="514350" indent="-514350">
+              <a:buFont typeface="+mj-lt"/>
+              <a:buAutoNum type="arabicPeriod"/>
+            </a:pPr>
+            <a:r>
+              <a:rPr lang="de-AT" dirty="0" err="1" smtClean="0"/>
+              <a:t>Two</a:t>
+            </a:r>
+            <a:r>
+              <a:rPr lang="de-AT" dirty="0" smtClean="0"/>
+              <a:t> </a:t>
+            </a:r>
+            <a:r>
+              <a:rPr lang="de-AT" dirty="0" err="1" smtClean="0"/>
+              <a:t>operation</a:t>
+            </a:r>
+            <a:r>
+              <a:rPr lang="de-AT" dirty="0" smtClean="0"/>
+              <a:t> </a:t>
+            </a:r>
+            <a:r>
+              <a:rPr lang="de-AT" dirty="0" err="1" smtClean="0"/>
+              <a:t>sets</a:t>
+            </a:r>
+            <a:endParaRPr lang="de-AT" dirty="0" smtClean="0"/>
+          </a:p>
+          <a:p>
+            <a:pPr marL="914400" lvl="1" indent="-514350"/>
+            <a:r>
+              <a:rPr lang="de-AT" sz="1900" dirty="0" smtClean="0"/>
+              <a:t>S1 </a:t>
+            </a:r>
+            <a:r>
+              <a:rPr lang="de-AT" sz="1900" dirty="0" err="1" smtClean="0"/>
+              <a:t>set</a:t>
+            </a:r>
+            <a:r>
+              <a:rPr lang="de-AT" sz="1900" dirty="0" smtClean="0"/>
+              <a:t> </a:t>
+            </a:r>
+            <a:r>
+              <a:rPr lang="de-AT" sz="1900" dirty="0" err="1" smtClean="0"/>
+              <a:t>of</a:t>
+            </a:r>
+            <a:r>
+              <a:rPr lang="de-AT" sz="1900" dirty="0" smtClean="0"/>
+              <a:t> </a:t>
+            </a:r>
+            <a:r>
+              <a:rPr lang="de-AT" sz="1900" dirty="0" err="1" smtClean="0"/>
+              <a:t>operations</a:t>
+            </a:r>
+            <a:r>
+              <a:rPr lang="de-AT" sz="1900" dirty="0" smtClean="0"/>
+              <a:t>, </a:t>
+            </a:r>
+            <a:r>
+              <a:rPr lang="de-AT" sz="1900" dirty="0" err="1" smtClean="0"/>
+              <a:t>which</a:t>
+            </a:r>
+            <a:r>
+              <a:rPr lang="de-AT" sz="1900" dirty="0" smtClean="0"/>
+              <a:t> </a:t>
+            </a:r>
+            <a:r>
+              <a:rPr lang="de-AT" sz="1900" dirty="0" err="1" smtClean="0"/>
+              <a:t>access</a:t>
+            </a:r>
+            <a:r>
+              <a:rPr lang="de-AT" sz="1900" dirty="0" smtClean="0"/>
+              <a:t> </a:t>
+            </a:r>
+            <a:r>
+              <a:rPr lang="de-AT" sz="1900" dirty="0" err="1" smtClean="0"/>
+              <a:t>attributes</a:t>
+            </a:r>
+            <a:r>
+              <a:rPr lang="de-AT" sz="1900" dirty="0" smtClean="0"/>
+              <a:t> </a:t>
+            </a:r>
+            <a:r>
+              <a:rPr lang="de-AT" sz="1900" dirty="0" err="1" smtClean="0"/>
+              <a:t>of</a:t>
+            </a:r>
+            <a:r>
+              <a:rPr lang="de-AT" sz="1900" dirty="0" smtClean="0"/>
+              <a:t> </a:t>
+            </a:r>
+            <a:r>
+              <a:rPr lang="de-AT" sz="1900" dirty="0" err="1" smtClean="0"/>
+              <a:t>the</a:t>
+            </a:r>
+            <a:r>
+              <a:rPr lang="de-AT" sz="1900" dirty="0" smtClean="0"/>
+              <a:t> super-</a:t>
+            </a:r>
+            <a:r>
+              <a:rPr lang="de-AT" sz="1900" dirty="0" err="1" smtClean="0"/>
+              <a:t>class</a:t>
+            </a:r>
+            <a:endParaRPr lang="de-AT" sz="1900" dirty="0" smtClean="0"/>
+          </a:p>
+          <a:p>
+            <a:pPr marL="914400" lvl="1" indent="-514350"/>
+            <a:r>
+              <a:rPr lang="de-AT" sz="1900" dirty="0" smtClean="0"/>
+              <a:t>S2 </a:t>
+            </a:r>
+            <a:r>
+              <a:rPr lang="de-AT" sz="1900" dirty="0" err="1" smtClean="0"/>
+              <a:t>set</a:t>
+            </a:r>
+            <a:r>
+              <a:rPr lang="de-AT" sz="1900" dirty="0" smtClean="0"/>
+              <a:t> </a:t>
+            </a:r>
+            <a:r>
+              <a:rPr lang="de-AT" sz="1900" dirty="0" err="1" smtClean="0"/>
+              <a:t>of</a:t>
+            </a:r>
+            <a:r>
+              <a:rPr lang="de-AT" sz="1900" dirty="0" smtClean="0"/>
+              <a:t> </a:t>
+            </a:r>
+            <a:r>
+              <a:rPr lang="de-AT" sz="1900" dirty="0" err="1" smtClean="0"/>
+              <a:t>operations</a:t>
+            </a:r>
+            <a:r>
+              <a:rPr lang="de-AT" sz="1900" dirty="0" smtClean="0"/>
+              <a:t>, </a:t>
+            </a:r>
+            <a:r>
+              <a:rPr lang="de-AT" sz="1900" dirty="0" err="1" smtClean="0"/>
+              <a:t>which</a:t>
+            </a:r>
+            <a:r>
+              <a:rPr lang="de-AT" sz="1900" dirty="0" smtClean="0"/>
+              <a:t> </a:t>
+            </a:r>
+            <a:r>
+              <a:rPr lang="de-AT" sz="1900" dirty="0" err="1" smtClean="0"/>
+              <a:t>access</a:t>
+            </a:r>
+            <a:r>
+              <a:rPr lang="de-AT" sz="1900" dirty="0" smtClean="0"/>
+              <a:t> </a:t>
+            </a:r>
+            <a:r>
+              <a:rPr lang="de-AT" sz="1900" dirty="0" err="1" smtClean="0"/>
+              <a:t>attributes</a:t>
+            </a:r>
+            <a:r>
+              <a:rPr lang="de-AT" sz="1900" dirty="0" smtClean="0"/>
+              <a:t> </a:t>
+            </a:r>
+            <a:r>
+              <a:rPr lang="de-AT" sz="1900" dirty="0" err="1" smtClean="0"/>
+              <a:t>of</a:t>
+            </a:r>
+            <a:r>
+              <a:rPr lang="de-AT" sz="1900" dirty="0" smtClean="0"/>
+              <a:t> super-</a:t>
+            </a:r>
+            <a:r>
+              <a:rPr lang="de-AT" sz="1900" dirty="0" err="1" smtClean="0"/>
+              <a:t>class</a:t>
+            </a:r>
+            <a:r>
+              <a:rPr lang="de-AT" sz="1900" dirty="0" smtClean="0"/>
+              <a:t> </a:t>
+            </a:r>
+            <a:r>
+              <a:rPr lang="de-AT" sz="1900" dirty="0" err="1" smtClean="0"/>
+              <a:t>and</a:t>
+            </a:r>
+            <a:r>
+              <a:rPr lang="de-AT" sz="1900" dirty="0" smtClean="0"/>
+              <a:t> </a:t>
+            </a:r>
+            <a:r>
+              <a:rPr lang="de-AT" sz="1900" dirty="0" err="1" smtClean="0"/>
+              <a:t>one</a:t>
+            </a:r>
+            <a:r>
+              <a:rPr lang="de-AT" sz="1900" dirty="0" smtClean="0"/>
+              <a:t> sub-</a:t>
+            </a:r>
+            <a:r>
+              <a:rPr lang="de-AT" sz="1900" dirty="0" err="1" smtClean="0"/>
+              <a:t>class</a:t>
+            </a:r>
+            <a:endParaRPr lang="de-AT" sz="1900" dirty="0" smtClean="0"/>
+          </a:p>
+          <a:p>
+            <a:pPr marL="514350" indent="-514350">
+              <a:buFont typeface="+mj-lt"/>
+              <a:buAutoNum type="arabicPeriod"/>
+            </a:pPr>
+            <a:r>
+              <a:rPr lang="de-AT" dirty="0" err="1" smtClean="0"/>
+              <a:t>Calculate</a:t>
+            </a:r>
+            <a:r>
+              <a:rPr lang="de-AT" dirty="0" smtClean="0"/>
+              <a:t> </a:t>
+            </a:r>
+            <a:r>
+              <a:rPr lang="de-AT" dirty="0" err="1" smtClean="0"/>
+              <a:t>access</a:t>
+            </a:r>
+            <a:r>
+              <a:rPr lang="de-AT" dirty="0" smtClean="0"/>
+              <a:t> </a:t>
+            </a:r>
+            <a:r>
+              <a:rPr lang="de-AT" dirty="0" err="1" smtClean="0"/>
+              <a:t>counts</a:t>
+            </a:r>
+            <a:r>
+              <a:rPr lang="de-AT" dirty="0" smtClean="0"/>
+              <a:t> </a:t>
+            </a:r>
+            <a:r>
+              <a:rPr lang="de-AT" dirty="0" err="1" smtClean="0"/>
+              <a:t>for</a:t>
+            </a:r>
+            <a:r>
+              <a:rPr lang="de-AT" dirty="0" smtClean="0"/>
+              <a:t> S1 </a:t>
+            </a:r>
+            <a:r>
+              <a:rPr lang="de-AT" dirty="0" err="1" smtClean="0"/>
+              <a:t>and</a:t>
+            </a:r>
+            <a:r>
+              <a:rPr lang="de-AT" dirty="0" smtClean="0"/>
+              <a:t> S2</a:t>
+            </a:r>
+          </a:p>
+          <a:p>
+            <a:pPr marL="514350" indent="-514350">
+              <a:buFont typeface="+mj-lt"/>
+              <a:buAutoNum type="arabicPeriod"/>
+            </a:pPr>
+            <a:r>
+              <a:rPr lang="de-AT" dirty="0" err="1" smtClean="0"/>
+              <a:t>Decide</a:t>
+            </a:r>
+            <a:endParaRPr lang="de-AT" dirty="0" smtClean="0"/>
+          </a:p>
+          <a:p>
+            <a:pPr marL="400050" lvl="1" indent="0">
+              <a:buNone/>
+            </a:pPr>
+            <a:r>
+              <a:rPr lang="de-AT" dirty="0" err="1" smtClean="0"/>
+              <a:t>if</a:t>
+            </a:r>
+            <a:r>
+              <a:rPr lang="de-AT" dirty="0" smtClean="0"/>
+              <a:t> S2 </a:t>
+            </a:r>
+            <a:r>
+              <a:rPr lang="de-AT" dirty="0" err="1" smtClean="0"/>
+              <a:t>dominates</a:t>
+            </a:r>
+            <a:r>
+              <a:rPr lang="de-AT" dirty="0" smtClean="0"/>
+              <a:t> </a:t>
+            </a:r>
+            <a:r>
+              <a:rPr lang="de-AT" dirty="0" smtClean="0">
+                <a:sym typeface="Wingdings" panose="05000000000000000000" pitchFamily="2" charset="2"/>
+              </a:rPr>
+              <a:t> </a:t>
+            </a:r>
+            <a:r>
+              <a:rPr lang="de-AT" dirty="0" err="1" smtClean="0">
+                <a:sym typeface="Wingdings" panose="05000000000000000000" pitchFamily="2" charset="2"/>
+              </a:rPr>
+              <a:t>floor</a:t>
+            </a:r>
+            <a:endParaRPr lang="de-AT" dirty="0" smtClean="0">
+              <a:sym typeface="Wingdings" panose="05000000000000000000" pitchFamily="2" charset="2"/>
+            </a:endParaRPr>
+          </a:p>
+          <a:p>
+            <a:pPr marL="400050" lvl="1" indent="0">
+              <a:buNone/>
+            </a:pPr>
+            <a:r>
+              <a:rPr lang="de-AT" dirty="0" err="1" smtClean="0">
+                <a:sym typeface="Wingdings" panose="05000000000000000000" pitchFamily="2" charset="2"/>
+              </a:rPr>
+              <a:t>else</a:t>
+            </a:r>
+            <a:r>
+              <a:rPr lang="de-AT" dirty="0" smtClean="0">
+                <a:sym typeface="Wingdings" panose="05000000000000000000" pitchFamily="2" charset="2"/>
+              </a:rPr>
+              <a:t> </a:t>
+            </a:r>
+            <a:r>
+              <a:rPr lang="de-AT" dirty="0" err="1" smtClean="0">
+                <a:sym typeface="Wingdings" panose="05000000000000000000" pitchFamily="2" charset="2"/>
+              </a:rPr>
+              <a:t>analyse</a:t>
+            </a:r>
+            <a:r>
+              <a:rPr lang="de-AT" dirty="0" smtClean="0">
+                <a:sym typeface="Wingdings" panose="05000000000000000000" pitchFamily="2" charset="2"/>
+              </a:rPr>
+              <a:t> </a:t>
+            </a:r>
+            <a:r>
+              <a:rPr lang="de-AT" dirty="0" err="1" smtClean="0">
+                <a:sym typeface="Wingdings" panose="05000000000000000000" pitchFamily="2" charset="2"/>
+              </a:rPr>
+              <a:t>data</a:t>
+            </a:r>
+            <a:r>
+              <a:rPr lang="de-AT" dirty="0" smtClean="0">
+                <a:sym typeface="Wingdings" panose="05000000000000000000" pitchFamily="2" charset="2"/>
+              </a:rPr>
+              <a:t> </a:t>
+            </a:r>
+            <a:r>
+              <a:rPr lang="de-AT" dirty="0" err="1" smtClean="0">
+                <a:sym typeface="Wingdings" panose="05000000000000000000" pitchFamily="2" charset="2"/>
+              </a:rPr>
+              <a:t>manipulation</a:t>
+            </a:r>
+            <a:r>
+              <a:rPr lang="de-AT" dirty="0" smtClean="0">
+                <a:sym typeface="Wingdings" panose="05000000000000000000" pitchFamily="2" charset="2"/>
+              </a:rPr>
+              <a:t> </a:t>
+            </a:r>
+            <a:r>
+              <a:rPr lang="de-AT" dirty="0" err="1" smtClean="0">
+                <a:sym typeface="Wingdings" panose="05000000000000000000" pitchFamily="2" charset="2"/>
+              </a:rPr>
+              <a:t>operations</a:t>
+            </a:r>
+            <a:endParaRPr lang="de-AT" dirty="0" smtClean="0">
+              <a:sym typeface="Wingdings" panose="05000000000000000000" pitchFamily="2" charset="2"/>
+            </a:endParaRPr>
+          </a:p>
+          <a:p>
+            <a:pPr marL="400050" lvl="1" indent="0">
+              <a:buNone/>
+            </a:pPr>
+            <a:r>
+              <a:rPr lang="de-AT" dirty="0">
+                <a:sym typeface="Wingdings" panose="05000000000000000000" pitchFamily="2" charset="2"/>
+              </a:rPr>
+              <a:t>	</a:t>
+            </a:r>
+            <a:r>
+              <a:rPr lang="de-AT" dirty="0" err="1" smtClean="0">
+                <a:sym typeface="Wingdings" panose="05000000000000000000" pitchFamily="2" charset="2"/>
+              </a:rPr>
+              <a:t>if</a:t>
+            </a:r>
+            <a:r>
+              <a:rPr lang="de-AT" dirty="0" smtClean="0">
+                <a:sym typeface="Wingdings" panose="05000000000000000000" pitchFamily="2" charset="2"/>
+              </a:rPr>
+              <a:t> </a:t>
+            </a:r>
+            <a:r>
+              <a:rPr lang="de-AT" dirty="0" err="1" smtClean="0">
+                <a:sym typeface="Wingdings" panose="05000000000000000000" pitchFamily="2" charset="2"/>
+              </a:rPr>
+              <a:t>domination</a:t>
+            </a:r>
+            <a:r>
+              <a:rPr lang="de-AT" dirty="0" smtClean="0">
+                <a:sym typeface="Wingdings" panose="05000000000000000000" pitchFamily="2" charset="2"/>
+              </a:rPr>
+              <a:t> </a:t>
+            </a:r>
+            <a:r>
+              <a:rPr lang="de-AT" dirty="0" err="1" smtClean="0">
+                <a:sym typeface="Wingdings" panose="05000000000000000000" pitchFamily="2" charset="2"/>
+              </a:rPr>
+              <a:t>of</a:t>
+            </a:r>
+            <a:r>
+              <a:rPr lang="de-AT" dirty="0" smtClean="0">
+                <a:sym typeface="Wingdings" panose="05000000000000000000" pitchFamily="2" charset="2"/>
+              </a:rPr>
+              <a:t> </a:t>
+            </a:r>
+            <a:r>
+              <a:rPr lang="de-AT" dirty="0" err="1" smtClean="0">
+                <a:sym typeface="Wingdings" panose="05000000000000000000" pitchFamily="2" charset="2"/>
+              </a:rPr>
+              <a:t>operations</a:t>
+            </a:r>
+            <a:r>
+              <a:rPr lang="de-AT" dirty="0" smtClean="0">
+                <a:sym typeface="Wingdings" panose="05000000000000000000" pitchFamily="2" charset="2"/>
+              </a:rPr>
+              <a:t> </a:t>
+            </a:r>
+            <a:r>
+              <a:rPr lang="de-AT" dirty="0" err="1" smtClean="0">
+                <a:sym typeface="Wingdings" panose="05000000000000000000" pitchFamily="2" charset="2"/>
+              </a:rPr>
+              <a:t>that</a:t>
+            </a:r>
+            <a:r>
+              <a:rPr lang="de-AT" dirty="0" smtClean="0">
+                <a:sym typeface="Wingdings" panose="05000000000000000000" pitchFamily="2" charset="2"/>
+              </a:rPr>
+              <a:t> ..</a:t>
+            </a:r>
+          </a:p>
+          <a:p>
+            <a:pPr marL="400050" lvl="1" indent="0">
+              <a:buNone/>
+            </a:pPr>
+            <a:r>
+              <a:rPr lang="de-AT" dirty="0">
+                <a:sym typeface="Wingdings" panose="05000000000000000000" pitchFamily="2" charset="2"/>
+              </a:rPr>
+              <a:t>	</a:t>
+            </a:r>
+            <a:r>
+              <a:rPr lang="de-AT" dirty="0" smtClean="0">
+                <a:sym typeface="Wingdings" panose="05000000000000000000" pitchFamily="2" charset="2"/>
+              </a:rPr>
+              <a:t>    </a:t>
+            </a:r>
+            <a:r>
+              <a:rPr lang="de-AT" sz="2600" dirty="0" smtClean="0">
+                <a:sym typeface="Wingdings" panose="05000000000000000000" pitchFamily="2" charset="2"/>
+              </a:rPr>
+              <a:t>..</a:t>
+            </a:r>
+            <a:r>
+              <a:rPr lang="de-AT" sz="2600" dirty="0" err="1" smtClean="0">
+                <a:sym typeface="Wingdings" panose="05000000000000000000" pitchFamily="2" charset="2"/>
+              </a:rPr>
+              <a:t>access</a:t>
+            </a:r>
+            <a:r>
+              <a:rPr lang="de-AT" sz="2600" dirty="0" smtClean="0">
+                <a:sym typeface="Wingdings" panose="05000000000000000000" pitchFamily="2" charset="2"/>
+              </a:rPr>
+              <a:t> </a:t>
+            </a:r>
+            <a:r>
+              <a:rPr lang="de-AT" sz="2600" dirty="0" err="1" smtClean="0">
+                <a:sym typeface="Wingdings" panose="05000000000000000000" pitchFamily="2" charset="2"/>
+              </a:rPr>
+              <a:t>attributes</a:t>
+            </a:r>
+            <a:r>
+              <a:rPr lang="de-AT" sz="2600" dirty="0" smtClean="0">
+                <a:sym typeface="Wingdings" panose="05000000000000000000" pitchFamily="2" charset="2"/>
+              </a:rPr>
+              <a:t> </a:t>
+            </a:r>
+            <a:r>
+              <a:rPr lang="de-AT" sz="2600" dirty="0" err="1" smtClean="0">
+                <a:sym typeface="Wingdings" panose="05000000000000000000" pitchFamily="2" charset="2"/>
+              </a:rPr>
+              <a:t>of</a:t>
+            </a:r>
+            <a:r>
+              <a:rPr lang="de-AT" sz="2600" dirty="0" smtClean="0">
+                <a:sym typeface="Wingdings" panose="05000000000000000000" pitchFamily="2" charset="2"/>
+              </a:rPr>
+              <a:t> </a:t>
+            </a:r>
+            <a:r>
+              <a:rPr lang="de-AT" sz="2600" dirty="0" err="1" smtClean="0">
+                <a:sym typeface="Wingdings" panose="05000000000000000000" pitchFamily="2" charset="2"/>
+              </a:rPr>
+              <a:t>both</a:t>
+            </a:r>
+            <a:r>
+              <a:rPr lang="de-AT" sz="2600" dirty="0" smtClean="0">
+                <a:sym typeface="Wingdings" panose="05000000000000000000" pitchFamily="2" charset="2"/>
+              </a:rPr>
+              <a:t> super- </a:t>
+            </a:r>
+            <a:r>
+              <a:rPr lang="de-AT" sz="2600" dirty="0" err="1" smtClean="0">
+                <a:sym typeface="Wingdings" panose="05000000000000000000" pitchFamily="2" charset="2"/>
+              </a:rPr>
+              <a:t>and</a:t>
+            </a:r>
+            <a:r>
+              <a:rPr lang="de-AT" sz="2600" dirty="0" smtClean="0">
+                <a:sym typeface="Wingdings" panose="05000000000000000000" pitchFamily="2" charset="2"/>
+              </a:rPr>
+              <a:t> sub-</a:t>
+            </a:r>
+            <a:r>
+              <a:rPr lang="de-AT" sz="2600" dirty="0" err="1" smtClean="0">
+                <a:sym typeface="Wingdings" panose="05000000000000000000" pitchFamily="2" charset="2"/>
+              </a:rPr>
+              <a:t>class</a:t>
+            </a:r>
+            <a:r>
+              <a:rPr lang="de-AT" sz="2600" dirty="0" smtClean="0">
+                <a:sym typeface="Wingdings" panose="05000000000000000000" pitchFamily="2" charset="2"/>
+              </a:rPr>
+              <a:t>  </a:t>
+            </a:r>
+            <a:r>
+              <a:rPr lang="de-AT" sz="2600" dirty="0" err="1" smtClean="0">
+                <a:sym typeface="Wingdings" panose="05000000000000000000" pitchFamily="2" charset="2"/>
+              </a:rPr>
+              <a:t>ceiling</a:t>
+            </a:r>
+            <a:endParaRPr lang="de-AT" sz="2600" dirty="0" smtClean="0">
+              <a:sym typeface="Wingdings" panose="05000000000000000000" pitchFamily="2" charset="2"/>
+            </a:endParaRPr>
+          </a:p>
+          <a:p>
+            <a:pPr marL="400050" lvl="1" indent="0">
+              <a:buNone/>
+            </a:pPr>
+            <a:r>
+              <a:rPr lang="de-AT" sz="2600" dirty="0">
+                <a:sym typeface="Wingdings" panose="05000000000000000000" pitchFamily="2" charset="2"/>
+              </a:rPr>
+              <a:t>	 </a:t>
+            </a:r>
+            <a:r>
+              <a:rPr lang="de-AT" sz="2600" dirty="0" smtClean="0">
+                <a:sym typeface="Wingdings" panose="05000000000000000000" pitchFamily="2" charset="2"/>
+              </a:rPr>
+              <a:t>   ..</a:t>
+            </a:r>
+            <a:r>
+              <a:rPr lang="de-AT" sz="2600" dirty="0" err="1" smtClean="0">
+                <a:sym typeface="Wingdings" panose="05000000000000000000" pitchFamily="2" charset="2"/>
+              </a:rPr>
+              <a:t>access</a:t>
+            </a:r>
+            <a:r>
+              <a:rPr lang="de-AT" sz="2600" dirty="0" smtClean="0">
+                <a:sym typeface="Wingdings" panose="05000000000000000000" pitchFamily="2" charset="2"/>
+              </a:rPr>
+              <a:t> </a:t>
+            </a:r>
+            <a:r>
+              <a:rPr lang="de-AT" sz="2600" dirty="0" err="1" smtClean="0">
+                <a:sym typeface="Wingdings" panose="05000000000000000000" pitchFamily="2" charset="2"/>
+              </a:rPr>
+              <a:t>attributes</a:t>
+            </a:r>
+            <a:r>
+              <a:rPr lang="de-AT" sz="2600" dirty="0" smtClean="0">
+                <a:sym typeface="Wingdings" panose="05000000000000000000" pitchFamily="2" charset="2"/>
+              </a:rPr>
+              <a:t> </a:t>
+            </a:r>
+            <a:r>
+              <a:rPr lang="de-AT" sz="2600" dirty="0" err="1" smtClean="0">
+                <a:sym typeface="Wingdings" panose="05000000000000000000" pitchFamily="2" charset="2"/>
+              </a:rPr>
+              <a:t>of</a:t>
+            </a:r>
+            <a:r>
+              <a:rPr lang="de-AT" sz="2600" dirty="0" smtClean="0">
+                <a:sym typeface="Wingdings" panose="05000000000000000000" pitchFamily="2" charset="2"/>
+              </a:rPr>
+              <a:t> </a:t>
+            </a:r>
+            <a:r>
+              <a:rPr lang="de-AT" sz="2600" dirty="0" err="1" smtClean="0">
+                <a:sym typeface="Wingdings" panose="05000000000000000000" pitchFamily="2" charset="2"/>
+              </a:rPr>
+              <a:t>either</a:t>
+            </a:r>
+            <a:r>
+              <a:rPr lang="de-AT" sz="2600" dirty="0" smtClean="0">
+                <a:sym typeface="Wingdings" panose="05000000000000000000" pitchFamily="2" charset="2"/>
+              </a:rPr>
+              <a:t> super- </a:t>
+            </a:r>
+            <a:r>
+              <a:rPr lang="de-AT" sz="2600" dirty="0" err="1" smtClean="0">
+                <a:sym typeface="Wingdings" panose="05000000000000000000" pitchFamily="2" charset="2"/>
+              </a:rPr>
+              <a:t>or</a:t>
+            </a:r>
+            <a:r>
+              <a:rPr lang="de-AT" sz="2600" dirty="0" smtClean="0">
+                <a:sym typeface="Wingdings" panose="05000000000000000000" pitchFamily="2" charset="2"/>
+              </a:rPr>
+              <a:t> sub-</a:t>
+            </a:r>
+            <a:r>
+              <a:rPr lang="de-AT" sz="2600" dirty="0" err="1" smtClean="0">
+                <a:sym typeface="Wingdings" panose="05000000000000000000" pitchFamily="2" charset="2"/>
+              </a:rPr>
+              <a:t>class</a:t>
+            </a:r>
+            <a:r>
+              <a:rPr lang="de-AT" sz="2600" dirty="0" smtClean="0">
+                <a:sym typeface="Wingdings" panose="05000000000000000000" pitchFamily="2" charset="2"/>
+              </a:rPr>
+              <a:t>  </a:t>
+            </a:r>
+            <a:r>
+              <a:rPr lang="de-AT" sz="2600" dirty="0" err="1" smtClean="0">
+                <a:sym typeface="Wingdings" panose="05000000000000000000" pitchFamily="2" charset="2"/>
+              </a:rPr>
+              <a:t>cohesion</a:t>
+            </a:r>
+            <a:endParaRPr lang="de-AT" sz="2600" dirty="0" smtClean="0">
+              <a:sym typeface="Wingdings" panose="05000000000000000000" pitchFamily="2" charset="2"/>
+            </a:endParaRPr>
           </a:p>
         </p:txBody>
       </p:sp>
     </p:spTree>
     <p:extLst>
       <p:ext uri="{BB962C8B-B14F-4D97-AF65-F5344CB8AC3E}">
-        <p14:creationId xmlns:p14="http://schemas.microsoft.com/office/powerpoint/2010/main" val="1457252602"/>
+        <p14:creationId xmlns:p14="http://schemas.microsoft.com/office/powerpoint/2010/main" val="1393091644"/>
       </p:ext>
     </p:extLst>
   </p:cSld>
@@ -8350,6 +8816,234 @@
           <a:lstStyle/>
           <a:p>
             <a:r>
+              <a:rPr lang="de-AT" dirty="0" err="1" smtClean="0"/>
+              <a:t>Exercise</a:t>
+            </a:r>
+            <a:r>
+              <a:rPr lang="de-AT" dirty="0" smtClean="0"/>
+              <a:t> 5</a:t>
+            </a:r>
+            <a:endParaRPr lang="de-AT" dirty="0"/>
+          </a:p>
+        </p:txBody>
+      </p:sp>
+      <p:sp>
+        <p:nvSpPr>
+          <p:cNvPr id="3" name="Inhaltsplatzhalter 2"/>
+          <p:cNvSpPr>
+            <a:spLocks noGrp="1"/>
+          </p:cNvSpPr>
+          <p:nvPr>
+            <p:ph sz="quarter" idx="1"/>
+          </p:nvPr>
+        </p:nvSpPr>
+        <p:spPr/>
+        <p:txBody>
+          <a:bodyPr/>
+          <a:lstStyle/>
+          <a:p>
+            <a:r>
+              <a:rPr lang="en-US" dirty="0" smtClean="0"/>
+              <a:t>What </a:t>
+            </a:r>
+            <a:r>
+              <a:rPr lang="en-US" dirty="0"/>
+              <a:t>is vertical partitioning, what is horizontal partitioning? Explain it with an example of your own. </a:t>
+            </a:r>
+          </a:p>
+          <a:p>
+            <a:r>
+              <a:rPr lang="en-US" dirty="0" smtClean="0"/>
+              <a:t>Why </a:t>
+            </a:r>
+            <a:r>
+              <a:rPr lang="en-US" dirty="0"/>
+              <a:t>might partitioning be necessary? </a:t>
+            </a:r>
+          </a:p>
+          <a:p>
+            <a:r>
+              <a:rPr lang="en-US" dirty="0" smtClean="0"/>
+              <a:t>What </a:t>
+            </a:r>
+            <a:r>
+              <a:rPr lang="en-US" dirty="0"/>
+              <a:t>do you have to consider before partitioning – how do you decide? </a:t>
+            </a:r>
+          </a:p>
+          <a:p>
+            <a:endParaRPr lang="de-AT" dirty="0"/>
+          </a:p>
+        </p:txBody>
+      </p:sp>
+    </p:spTree>
+    <p:extLst>
+      <p:ext uri="{BB962C8B-B14F-4D97-AF65-F5344CB8AC3E}">
+        <p14:creationId xmlns:p14="http://schemas.microsoft.com/office/powerpoint/2010/main" val="4170754018"/>
+      </p:ext>
+    </p:extLst>
+  </p:cSld>
+  <p:clrMapOvr>
+    <a:masterClrMapping/>
+  </p:clrMapOvr>
+  <p:timing>
+    <p:tnLst>
+      <p:par>
+        <p:cTn id="1" dur="indefinite" restart="never" nodeType="tmRoot"/>
+      </p:par>
+    </p:tnLst>
+  </p:timing>
+</p:sld>
+</file>
+
+<file path=ppt/slides/slide25.xml><?xml version="1.0" encoding="utf-8"?>
+<p:sld xmlns:a="http://schemas.openxmlformats.org/drawingml/2006/main" xmlns:r="http://schemas.openxmlformats.org/officeDocument/2006/relationships" xmlns:p="http://schemas.openxmlformats.org/presentationml/2006/main">
+  <p:cSld>
+    <p:spTree>
+      <p:nvGrpSpPr>
+        <p:cNvPr id="1" name=""/>
+        <p:cNvGrpSpPr/>
+        <p:nvPr/>
+      </p:nvGrpSpPr>
+      <p:grpSpPr>
+        <a:xfrm>
+          <a:off x="0" y="0"/>
+          <a:ext cx="0" cy="0"/>
+          <a:chOff x="0" y="0"/>
+          <a:chExt cx="0" cy="0"/>
+        </a:xfrm>
+      </p:grpSpPr>
+      <p:sp>
+        <p:nvSpPr>
+          <p:cNvPr id="2" name="Titel 1"/>
+          <p:cNvSpPr>
+            <a:spLocks noGrp="1"/>
+          </p:cNvSpPr>
+          <p:nvPr>
+            <p:ph type="title"/>
+          </p:nvPr>
+        </p:nvSpPr>
+        <p:spPr/>
+        <p:txBody>
+          <a:bodyPr/>
+          <a:lstStyle/>
+          <a:p>
+            <a:r>
+              <a:rPr lang="de-AT" dirty="0" err="1" smtClean="0"/>
+              <a:t>Vertical</a:t>
+            </a:r>
+            <a:r>
+              <a:rPr lang="de-AT" dirty="0" smtClean="0"/>
+              <a:t> </a:t>
+            </a:r>
+            <a:r>
+              <a:rPr lang="de-AT" dirty="0" err="1" smtClean="0"/>
+              <a:t>partitioning</a:t>
+            </a:r>
+            <a:r>
+              <a:rPr lang="de-AT" dirty="0" smtClean="0"/>
+              <a:t>(1/2)</a:t>
+            </a:r>
+            <a:endParaRPr lang="de-AT" dirty="0"/>
+          </a:p>
+        </p:txBody>
+      </p:sp>
+      <p:sp>
+        <p:nvSpPr>
+          <p:cNvPr id="3" name="Inhaltsplatzhalter 2"/>
+          <p:cNvSpPr>
+            <a:spLocks noGrp="1"/>
+          </p:cNvSpPr>
+          <p:nvPr>
+            <p:ph sz="quarter" idx="1"/>
+          </p:nvPr>
+        </p:nvSpPr>
+        <p:spPr/>
+        <p:txBody>
+          <a:bodyPr/>
+          <a:lstStyle/>
+          <a:p>
+            <a:r>
+              <a:rPr lang="en-US" dirty="0"/>
+              <a:t>split class vertically </a:t>
+            </a:r>
+          </a:p>
+          <a:p>
+            <a:r>
+              <a:rPr lang="en-US" dirty="0" smtClean="0"/>
+              <a:t>new </a:t>
+            </a:r>
+            <a:r>
+              <a:rPr lang="en-US" dirty="0"/>
+              <a:t>classes have different set of attributes </a:t>
+            </a:r>
+          </a:p>
+          <a:p>
+            <a:r>
+              <a:rPr lang="en-US" dirty="0" smtClean="0"/>
+              <a:t>needs </a:t>
+            </a:r>
+            <a:r>
+              <a:rPr lang="en-US" dirty="0"/>
+              <a:t>join operation to retrieve original set of instances </a:t>
+            </a:r>
+            <a:endParaRPr lang="de-AT" dirty="0"/>
+          </a:p>
+        </p:txBody>
+      </p:sp>
+    </p:spTree>
+    <p:extLst>
+      <p:ext uri="{BB962C8B-B14F-4D97-AF65-F5344CB8AC3E}">
+        <p14:creationId xmlns:p14="http://schemas.microsoft.com/office/powerpoint/2010/main" val="1457252602"/>
+      </p:ext>
+    </p:extLst>
+  </p:cSld>
+  <p:clrMapOvr>
+    <a:masterClrMapping/>
+  </p:clrMapOvr>
+  <p:timing>
+    <p:tnLst>
+      <p:par>
+        <p:cTn id="1" dur="indefinite" restart="never" nodeType="tmRoot"/>
+      </p:par>
+    </p:tnLst>
+  </p:timing>
+</p:sld>
+</file>
+
+<file path=ppt/slides/slide26.xml><?xml version="1.0" encoding="utf-8"?>
+<p:sld xmlns:a="http://schemas.openxmlformats.org/drawingml/2006/main" xmlns:r="http://schemas.openxmlformats.org/officeDocument/2006/relationships" xmlns:p="http://schemas.openxmlformats.org/presentationml/2006/main">
+  <p:cSld>
+    <p:spTree>
+      <p:nvGrpSpPr>
+        <p:cNvPr id="1" name=""/>
+        <p:cNvGrpSpPr/>
+        <p:nvPr/>
+      </p:nvGrpSpPr>
+      <p:grpSpPr>
+        <a:xfrm>
+          <a:off x="0" y="0"/>
+          <a:ext cx="0" cy="0"/>
+          <a:chOff x="0" y="0"/>
+          <a:chExt cx="0" cy="0"/>
+        </a:xfrm>
+      </p:grpSpPr>
+      <p:sp>
+        <p:nvSpPr>
+          <p:cNvPr id="2" name="Titel 1"/>
+          <p:cNvSpPr>
+            <a:spLocks noGrp="1"/>
+          </p:cNvSpPr>
+          <p:nvPr>
+            <p:ph type="title"/>
+          </p:nvPr>
+        </p:nvSpPr>
+        <p:spPr/>
+        <p:txBody>
+          <a:bodyPr/>
+          <a:lstStyle/>
+          <a:p>
+            <a:r>
               <a:rPr lang="de-AT" dirty="0" smtClean="0"/>
               <a:t>Horizontal </a:t>
             </a:r>
@@ -8435,7 +9129,7 @@
 </p:sld>
 </file>
 
-<file path=ppt/slides/slide25.xml><?xml version="1.0" encoding="utf-8"?>
+<file path=ppt/slides/slide27.xml><?xml version="1.0" encoding="utf-8"?>
 <p:sld xmlns:a="http://schemas.openxmlformats.org/drawingml/2006/main" xmlns:r="http://schemas.openxmlformats.org/officeDocument/2006/relationships" xmlns:p="http://schemas.openxmlformats.org/presentationml/2006/main">
   <p:cSld>
     <p:spTree>
@@ -8562,7 +9256,7 @@
 </p:sld>
 </file>
 
-<file path=ppt/slides/slide26.xml><?xml version="1.0" encoding="utf-8"?>
+<file path=ppt/slides/slide28.xml><?xml version="1.0" encoding="utf-8"?>
 <p:sld xmlns:a="http://schemas.openxmlformats.org/drawingml/2006/main" xmlns:r="http://schemas.openxmlformats.org/officeDocument/2006/relationships" xmlns:p="http://schemas.openxmlformats.org/presentationml/2006/main">
   <p:cSld>
     <p:spTree>
@@ -8727,7 +9421,7 @@
 </p:sld>
 </file>
 
-<file path=ppt/slides/slide27.xml><?xml version="1.0" encoding="utf-8"?>
+<file path=ppt/slides/slide29.xml><?xml version="1.0" encoding="utf-8"?>
 <p:sld xmlns:a="http://schemas.openxmlformats.org/drawingml/2006/main" xmlns:r="http://schemas.openxmlformats.org/officeDocument/2006/relationships" xmlns:p="http://schemas.openxmlformats.org/presentationml/2006/main">
   <p:cSld>
     <p:spTree>
@@ -9371,8 +10065,8 @@
         </p:blipFill>
         <p:spPr>
           <a:xfrm>
-            <a:off x="781023" y="1556792"/>
-            <a:ext cx="5611008" cy="3391374"/>
+            <a:off x="1979712" y="1844824"/>
+            <a:ext cx="5468114" cy="895475"/>
           </a:xfrm>
         </p:spPr>
       </p:pic>
@@ -9384,8 +10078,8 @@
         </p:nvSpPr>
         <p:spPr>
           <a:xfrm>
-            <a:off x="810105" y="4797152"/>
-            <a:ext cx="7920880" cy="1815882"/>
+            <a:off x="899592" y="2924944"/>
+            <a:ext cx="7344816" cy="1477328"/>
           </a:xfrm>
           <a:prstGeom prst="rect">
             <a:avLst/>
@@ -9399,78 +10093,189 @@
           <a:lstStyle/>
           <a:p>
             <a:r>
-              <a:rPr lang="en-GB" sz="1400" dirty="0"/>
-              <a:t>N(publisher) x N (publisher, publishes ) = N (publishes)  = N(book</a:t>
-            </a:r>
-            <a:r>
-              <a:rPr lang="en-GB" sz="1400" dirty="0" smtClean="0"/>
+              <a:rPr lang="de-AT" dirty="0" smtClean="0"/>
+              <a:t>N(C</a:t>
+            </a:r>
+            <a:r>
+              <a:rPr lang="de-AT" dirty="0"/>
+              <a:t>) = </a:t>
+            </a:r>
+            <a:r>
+              <a:rPr lang="de-AT" dirty="0" err="1" smtClean="0"/>
+              <a:t>average</a:t>
+            </a:r>
+            <a:r>
+              <a:rPr lang="de-AT" dirty="0" smtClean="0"/>
+              <a:t> </a:t>
+            </a:r>
+            <a:r>
+              <a:rPr lang="de-AT" dirty="0" err="1" smtClean="0"/>
+              <a:t>number</a:t>
+            </a:r>
+            <a:r>
+              <a:rPr lang="de-AT" dirty="0" smtClean="0"/>
+              <a:t> </a:t>
+            </a:r>
+            <a:r>
+              <a:rPr lang="de-AT" dirty="0" err="1" smtClean="0"/>
+              <a:t>of</a:t>
+            </a:r>
+            <a:r>
+              <a:rPr lang="de-AT" dirty="0" smtClean="0"/>
+              <a:t> </a:t>
+            </a:r>
+            <a:r>
+              <a:rPr lang="de-AT" dirty="0" err="1" smtClean="0"/>
+              <a:t>instances</a:t>
+            </a:r>
+            <a:r>
+              <a:rPr lang="de-AT" dirty="0" smtClean="0"/>
+              <a:t> per </a:t>
+            </a:r>
+            <a:r>
+              <a:rPr lang="de-AT" dirty="0" err="1" smtClean="0"/>
+              <a:t>class</a:t>
+            </a:r>
+            <a:endParaRPr lang="de-AT" dirty="0"/>
+          </a:p>
+          <a:p>
+            <a:r>
+              <a:rPr lang="de-AT" dirty="0" smtClean="0"/>
+              <a:t>N(A</a:t>
+            </a:r>
+            <a:r>
+              <a:rPr lang="de-AT" dirty="0"/>
+              <a:t>) = </a:t>
+            </a:r>
+            <a:r>
+              <a:rPr lang="de-AT" dirty="0" err="1" smtClean="0"/>
+              <a:t>average</a:t>
+            </a:r>
+            <a:r>
+              <a:rPr lang="de-AT" dirty="0" smtClean="0"/>
+              <a:t> </a:t>
+            </a:r>
+            <a:r>
+              <a:rPr lang="de-AT" dirty="0" err="1" smtClean="0"/>
+              <a:t>number</a:t>
+            </a:r>
+            <a:r>
+              <a:rPr lang="de-AT" dirty="0" smtClean="0"/>
+              <a:t> </a:t>
+            </a:r>
+            <a:r>
+              <a:rPr lang="de-AT" dirty="0" err="1" smtClean="0"/>
+              <a:t>of</a:t>
+            </a:r>
+            <a:r>
+              <a:rPr lang="de-AT" dirty="0" smtClean="0"/>
+              <a:t> </a:t>
+            </a:r>
+            <a:r>
+              <a:rPr lang="de-AT" dirty="0" err="1" smtClean="0"/>
+              <a:t>association</a:t>
+            </a:r>
+            <a:r>
+              <a:rPr lang="de-AT" dirty="0" smtClean="0"/>
+              <a:t> </a:t>
+            </a:r>
+            <a:r>
+              <a:rPr lang="de-AT" dirty="0" err="1" smtClean="0"/>
+              <a:t>instances</a:t>
+            </a:r>
+            <a:r>
+              <a:rPr lang="de-AT" dirty="0" smtClean="0"/>
+              <a:t> per </a:t>
+            </a:r>
+            <a:r>
+              <a:rPr lang="de-AT" dirty="0" err="1" smtClean="0"/>
+              <a:t>association</a:t>
+            </a:r>
+            <a:endParaRPr lang="de-AT" dirty="0"/>
+          </a:p>
+          <a:p>
+            <a:r>
+              <a:rPr lang="de-AT" dirty="0" smtClean="0"/>
+              <a:t>N(C,A</a:t>
+            </a:r>
+            <a:r>
+              <a:rPr lang="de-AT" dirty="0"/>
+              <a:t>) = </a:t>
+            </a:r>
+            <a:r>
+              <a:rPr lang="de-AT" dirty="0" err="1" smtClean="0"/>
+              <a:t>average</a:t>
+            </a:r>
+            <a:r>
+              <a:rPr lang="de-AT" dirty="0" smtClean="0"/>
+              <a:t> </a:t>
+            </a:r>
+            <a:r>
+              <a:rPr lang="de-AT" dirty="0" err="1" smtClean="0"/>
+              <a:t>number</a:t>
+            </a:r>
+            <a:r>
+              <a:rPr lang="de-AT" dirty="0" smtClean="0"/>
+              <a:t> </a:t>
+            </a:r>
+            <a:r>
+              <a:rPr lang="de-AT" dirty="0" err="1" smtClean="0"/>
+              <a:t>of</a:t>
+            </a:r>
+            <a:r>
+              <a:rPr lang="de-AT" dirty="0" smtClean="0"/>
+              <a:t> </a:t>
+            </a:r>
+            <a:r>
+              <a:rPr lang="de-AT" dirty="0" err="1" smtClean="0"/>
+              <a:t>class</a:t>
+            </a:r>
+            <a:r>
+              <a:rPr lang="de-AT" dirty="0" smtClean="0"/>
+              <a:t> </a:t>
+            </a:r>
+            <a:r>
+              <a:rPr lang="de-AT" dirty="0" err="1" smtClean="0"/>
+              <a:t>instances</a:t>
+            </a:r>
+            <a:r>
+              <a:rPr lang="de-AT" dirty="0" smtClean="0"/>
+              <a:t> per </a:t>
+            </a:r>
+            <a:r>
+              <a:rPr lang="de-AT" dirty="0" err="1" smtClean="0"/>
+              <a:t>association</a:t>
+            </a:r>
+            <a:endParaRPr lang="de-AT" dirty="0" smtClean="0"/>
+          </a:p>
+          <a:p>
+            <a:endParaRPr lang="de-AT" dirty="0"/>
+          </a:p>
+          <a:p>
+            <a:r>
+              <a:rPr lang="de-AT" dirty="0"/>
+              <a:t>N(C1) x N(C1,A) </a:t>
+            </a:r>
+            <a:r>
+              <a:rPr lang="de-AT" dirty="0" smtClean="0"/>
+              <a:t>=	 N(A)  = 	N(C2</a:t>
+            </a:r>
+            <a:r>
+              <a:rPr lang="de-AT" dirty="0"/>
+              <a:t>) x N(C2,A</a:t>
+            </a:r>
+            <a:r>
+              <a:rPr lang="de-AT" dirty="0" smtClean="0"/>
               <a:t>)</a:t>
             </a:r>
-          </a:p>
-          <a:p>
-            <a:pPr marL="285750" indent="-285750">
-              <a:buFont typeface="Symbol"/>
-              <a:buChar char="Þ"/>
-            </a:pPr>
-            <a:r>
-              <a:rPr lang="en-GB" sz="1400" dirty="0" smtClean="0"/>
-              <a:t>N(book) = N(publishes) = 100 x 1.000 = 100.000</a:t>
-            </a:r>
-          </a:p>
-          <a:p>
-            <a:endParaRPr lang="de-AT" sz="1400" dirty="0" smtClean="0"/>
-          </a:p>
-          <a:p>
-            <a:r>
-              <a:rPr lang="en-GB" sz="1400" dirty="0"/>
-              <a:t>N(author) = N(writes) / N(writes, author)</a:t>
-            </a:r>
-            <a:endParaRPr lang="de-AT" sz="1400" dirty="0"/>
-          </a:p>
-          <a:p>
-            <a:pPr marL="285750" indent="-285750">
-              <a:buFont typeface="Symbol"/>
-              <a:buChar char="Þ"/>
-            </a:pPr>
-            <a:r>
-              <a:rPr lang="en-GB" sz="1400" dirty="0" smtClean="0"/>
-              <a:t>N(author) = 400.000 / 20 = 20.000</a:t>
-            </a:r>
-          </a:p>
-          <a:p>
-            <a:pPr marL="285750" indent="-285750">
-              <a:buFont typeface="Symbol"/>
-              <a:buChar char="Þ"/>
-            </a:pPr>
-            <a:endParaRPr lang="en-GB" sz="1400" dirty="0"/>
-          </a:p>
-          <a:p>
-            <a:r>
-              <a:rPr lang="en-GB" sz="1400" dirty="0"/>
-              <a:t>N(book, writes) = N (writes) / N(books</a:t>
-            </a:r>
-            <a:r>
-              <a:rPr lang="en-GB" sz="1400" dirty="0" smtClean="0"/>
-              <a:t>)</a:t>
-            </a:r>
-            <a:endParaRPr lang="en-GB" dirty="0"/>
-          </a:p>
-          <a:p>
-            <a:pPr marL="285750" indent="-285750">
-              <a:buFont typeface="Symbol"/>
-              <a:buChar char="Þ"/>
-            </a:pPr>
-            <a:r>
-              <a:rPr lang="en-GB" sz="1400" dirty="0" smtClean="0"/>
-              <a:t>N(book, writes) = 400.000 / 100.000 = 4</a:t>
-            </a:r>
+            <a:endParaRPr lang="de-AT" dirty="0"/>
           </a:p>
         </p:txBody>
       </p:sp>
     </p:spTree>
     <p:extLst>
       <p:ext uri="{BB962C8B-B14F-4D97-AF65-F5344CB8AC3E}">
-        <p14:creationId xmlns:p14="http://schemas.microsoft.com/office/powerpoint/2010/main" val="1343703413"/>
+        <p14:creationId xmlns:p14="http://schemas.microsoft.com/office/powerpoint/2010/main" val="4027580963"/>
       </p:ext>
     </p:extLst>
   </p:cSld>
@@ -9509,7 +10314,9 @@
         </p:nvSpPr>
         <p:spPr/>
         <p:txBody>
-          <a:bodyPr/>
+          <a:bodyPr>
+            <a:normAutofit/>
+          </a:bodyPr>
           <a:lstStyle/>
           <a:p>
             <a:r>
@@ -9518,35 +10325,57 @@
             </a:r>
             <a:r>
               <a:rPr lang="de-AT" dirty="0" smtClean="0"/>
-              <a:t> 2 - Navigation</a:t>
+              <a:t> 2 – </a:t>
+            </a:r>
+            <a:r>
+              <a:rPr lang="de-AT" dirty="0" err="1" smtClean="0"/>
+              <a:t>Calculation</a:t>
+            </a:r>
+            <a:r>
+              <a:rPr lang="de-AT" dirty="0" smtClean="0"/>
+              <a:t> </a:t>
+            </a:r>
+            <a:r>
+              <a:rPr lang="de-AT" dirty="0" err="1" smtClean="0"/>
+              <a:t>rules</a:t>
             </a:r>
             <a:endParaRPr lang="de-AT" dirty="0"/>
           </a:p>
         </p:txBody>
       </p:sp>
-      <p:sp>
-        <p:nvSpPr>
-          <p:cNvPr id="3" name="Inhaltsplatzhalter 2"/>
-          <p:cNvSpPr>
-            <a:spLocks noGrp="1"/>
-          </p:cNvSpPr>
+      <p:pic>
+        <p:nvPicPr>
+          <p:cNvPr id="4" name="Inhaltsplatzhalter 3"/>
+          <p:cNvPicPr>
+            <a:picLocks noGrp="1" noChangeAspect="1"/>
+          </p:cNvPicPr>
           <p:nvPr>
             <p:ph sz="quarter" idx="1"/>
           </p:nvPr>
-        </p:nvSpPr>
-        <p:spPr/>
-        <p:txBody>
-          <a:bodyPr/>
-          <a:lstStyle/>
-          <a:p>
-            <a:endParaRPr lang="de-AT" dirty="0"/>
-          </a:p>
-        </p:txBody>
-      </p:sp>
+        </p:nvPicPr>
+        <p:blipFill>
+          <a:blip r:embed="rId2">
+            <a:extLst>
+              <a:ext uri="{28A0092B-C50C-407E-A947-70E740481C1C}">
+                <a14:useLocalDpi xmlns:a14="http://schemas.microsoft.com/office/drawing/2010/main" val="0"/>
+              </a:ext>
+            </a:extLst>
+          </a:blip>
+          <a:stretch>
+            <a:fillRect/>
+          </a:stretch>
+        </p:blipFill>
+        <p:spPr>
+          <a:xfrm>
+            <a:off x="2213340" y="1600200"/>
+            <a:ext cx="4952270" cy="4495800"/>
+          </a:xfrm>
+        </p:spPr>
+      </p:pic>
     </p:spTree>
     <p:extLst>
       <p:ext uri="{BB962C8B-B14F-4D97-AF65-F5344CB8AC3E}">
-        <p14:creationId xmlns:p14="http://schemas.microsoft.com/office/powerpoint/2010/main" val="1138079737"/>
+        <p14:creationId xmlns:p14="http://schemas.microsoft.com/office/powerpoint/2010/main" val="3460682268"/>
       </p:ext>
     </p:extLst>
   </p:cSld>
@@ -9585,348 +10414,318 @@
         </p:nvSpPr>
         <p:spPr/>
         <p:txBody>
-          <a:bodyPr/>
-          <a:lstStyle/>
-          <a:p>
-            <a:r>
-              <a:rPr lang="de-AT" dirty="0" err="1" smtClean="0"/>
-              <a:t>Exercise</a:t>
-            </a:r>
-            <a:r>
-              <a:rPr lang="de-AT" dirty="0" smtClean="0"/>
-              <a:t> 3 – </a:t>
-            </a:r>
-            <a:r>
-              <a:rPr lang="de-AT" dirty="0" err="1" smtClean="0"/>
-              <a:t>Redundancy</a:t>
-            </a:r>
-            <a:endParaRPr lang="de-AT" dirty="0"/>
-          </a:p>
-        </p:txBody>
-      </p:sp>
-      <p:sp>
-        <p:nvSpPr>
-          <p:cNvPr id="3" name="Inhaltsplatzhalter 2"/>
-          <p:cNvSpPr>
-            <a:spLocks noGrp="1"/>
-          </p:cNvSpPr>
-          <p:nvPr>
-            <p:ph sz="quarter" idx="1"/>
-          </p:nvPr>
-        </p:nvSpPr>
-        <p:spPr/>
-        <p:txBody>
           <a:bodyPr>
-            <a:normAutofit fontScale="92500" lnSpcReduction="20000"/>
+            <a:normAutofit fontScale="90000"/>
           </a:bodyPr>
           <a:lstStyle/>
           <a:p>
             <a:r>
               <a:rPr lang="de-AT" dirty="0" err="1" smtClean="0"/>
-              <a:t>Redundancy</a:t>
-            </a:r>
-            <a:r>
-              <a:rPr lang="de-AT" dirty="0" smtClean="0"/>
-              <a:t> </a:t>
-            </a:r>
-            <a:r>
-              <a:rPr lang="de-AT" dirty="0" err="1" smtClean="0"/>
-              <a:t>occurs</a:t>
-            </a:r>
-            <a:r>
-              <a:rPr lang="de-AT" dirty="0" smtClean="0"/>
-              <a:t>, </a:t>
-            </a:r>
-            <a:r>
-              <a:rPr lang="de-AT" dirty="0" err="1" smtClean="0"/>
-              <a:t>if</a:t>
-            </a:r>
-            <a:r>
-              <a:rPr lang="de-AT" dirty="0" smtClean="0"/>
-              <a:t> </a:t>
-            </a:r>
-            <a:r>
-              <a:rPr lang="de-AT" dirty="0" err="1" smtClean="0"/>
-              <a:t>the</a:t>
-            </a:r>
-            <a:r>
-              <a:rPr lang="de-AT" dirty="0" smtClean="0"/>
-              <a:t> same </a:t>
-            </a:r>
-            <a:r>
-              <a:rPr lang="de-AT" dirty="0" err="1" smtClean="0"/>
-              <a:t>information</a:t>
-            </a:r>
-            <a:r>
-              <a:rPr lang="de-AT" dirty="0" smtClean="0"/>
-              <a:t> </a:t>
-            </a:r>
-            <a:r>
-              <a:rPr lang="de-AT" dirty="0" err="1" smtClean="0"/>
-              <a:t>or</a:t>
-            </a:r>
-            <a:r>
-              <a:rPr lang="de-AT" dirty="0" smtClean="0"/>
-              <a:t> </a:t>
-            </a:r>
-            <a:r>
-              <a:rPr lang="de-AT" dirty="0" err="1" smtClean="0"/>
-              <a:t>derivable</a:t>
-            </a:r>
-            <a:r>
-              <a:rPr lang="de-AT" dirty="0" smtClean="0"/>
-              <a:t> </a:t>
-            </a:r>
-            <a:r>
-              <a:rPr lang="de-AT" dirty="0" err="1" smtClean="0"/>
-              <a:t>information</a:t>
-            </a:r>
-            <a:r>
-              <a:rPr lang="de-AT" dirty="0" smtClean="0"/>
-              <a:t> </a:t>
-            </a:r>
-            <a:r>
-              <a:rPr lang="de-AT" dirty="0" err="1" smtClean="0"/>
-              <a:t>is</a:t>
-            </a:r>
-            <a:r>
-              <a:rPr lang="de-AT" dirty="0" smtClean="0"/>
-              <a:t> </a:t>
-            </a:r>
-            <a:r>
-              <a:rPr lang="de-AT" dirty="0" err="1" smtClean="0"/>
-              <a:t>stored</a:t>
-            </a:r>
-            <a:r>
-              <a:rPr lang="de-AT" dirty="0" smtClean="0"/>
-              <a:t> multiple </a:t>
-            </a:r>
-            <a:r>
-              <a:rPr lang="de-AT" dirty="0" err="1" smtClean="0"/>
-              <a:t>times</a:t>
-            </a:r>
-            <a:r>
-              <a:rPr lang="de-AT" dirty="0" smtClean="0"/>
-              <a:t>.</a:t>
-            </a:r>
-          </a:p>
-          <a:p>
+              <a:t>Exercise</a:t>
+            </a:r>
+            <a:r>
+              <a:rPr lang="de-AT" dirty="0" smtClean="0"/>
+              <a:t> 2 – </a:t>
+            </a:r>
+            <a:br>
+              <a:rPr lang="de-AT" dirty="0" smtClean="0"/>
+            </a:br>
+            <a:r>
+              <a:rPr lang="de-AT" dirty="0" smtClean="0"/>
+              <a:t>Determination </a:t>
+            </a:r>
+            <a:r>
+              <a:rPr lang="de-AT" dirty="0" err="1" smtClean="0"/>
+              <a:t>of</a:t>
+            </a:r>
+            <a:r>
+              <a:rPr lang="de-AT" dirty="0" smtClean="0"/>
+              <a:t> </a:t>
+            </a:r>
+            <a:r>
+              <a:rPr lang="de-AT" dirty="0" err="1" smtClean="0"/>
+              <a:t>Quantities</a:t>
+            </a:r>
             <a:endParaRPr lang="de-AT" dirty="0"/>
           </a:p>
-          <a:p>
-            <a:r>
-              <a:rPr lang="de-AT" dirty="0" smtClean="0"/>
-              <a:t>Pros:</a:t>
-            </a:r>
-          </a:p>
-          <a:p>
-            <a:pPr lvl="1"/>
-            <a:r>
-              <a:rPr lang="de-AT" dirty="0" smtClean="0"/>
-              <a:t>Speeds </a:t>
-            </a:r>
-            <a:r>
-              <a:rPr lang="de-AT" dirty="0" err="1" smtClean="0"/>
-              <a:t>up</a:t>
-            </a:r>
-            <a:r>
-              <a:rPr lang="de-AT" dirty="0" smtClean="0"/>
-              <a:t> </a:t>
-            </a:r>
-            <a:r>
-              <a:rPr lang="de-AT" dirty="0" err="1" smtClean="0"/>
-              <a:t>data</a:t>
-            </a:r>
-            <a:r>
-              <a:rPr lang="de-AT" dirty="0" smtClean="0"/>
-              <a:t> </a:t>
-            </a:r>
-            <a:r>
-              <a:rPr lang="de-AT" dirty="0" err="1" smtClean="0"/>
-              <a:t>access</a:t>
-            </a:r>
-            <a:r>
-              <a:rPr lang="de-AT" dirty="0" smtClean="0"/>
-              <a:t> (</a:t>
-            </a:r>
-            <a:r>
-              <a:rPr lang="de-AT" dirty="0" err="1" smtClean="0"/>
-              <a:t>navigation</a:t>
-            </a:r>
-            <a:r>
-              <a:rPr lang="de-AT" dirty="0" smtClean="0"/>
-              <a:t> </a:t>
-            </a:r>
-            <a:r>
-              <a:rPr lang="de-AT" dirty="0" err="1" smtClean="0"/>
-              <a:t>path</a:t>
-            </a:r>
-            <a:r>
-              <a:rPr lang="de-AT" dirty="0" smtClean="0"/>
-              <a:t> </a:t>
-            </a:r>
-            <a:r>
-              <a:rPr lang="de-AT" dirty="0" err="1" smtClean="0"/>
-              <a:t>is</a:t>
-            </a:r>
-            <a:r>
-              <a:rPr lang="de-AT" dirty="0" smtClean="0"/>
-              <a:t> </a:t>
-            </a:r>
-            <a:r>
-              <a:rPr lang="de-AT" dirty="0" err="1" smtClean="0"/>
-              <a:t>shortened</a:t>
-            </a:r>
-            <a:r>
-              <a:rPr lang="de-AT" dirty="0" smtClean="0"/>
-              <a:t> </a:t>
-            </a:r>
-            <a:r>
-              <a:rPr lang="de-AT" dirty="0" err="1" smtClean="0"/>
-              <a:t>for</a:t>
-            </a:r>
-            <a:r>
-              <a:rPr lang="de-AT" dirty="0" smtClean="0"/>
-              <a:t> </a:t>
-            </a:r>
-            <a:r>
-              <a:rPr lang="de-AT" dirty="0" err="1" smtClean="0"/>
-              <a:t>some</a:t>
-            </a:r>
-            <a:r>
-              <a:rPr lang="de-AT" dirty="0" smtClean="0"/>
-              <a:t> </a:t>
-            </a:r>
-            <a:r>
-              <a:rPr lang="de-AT" dirty="0" err="1" smtClean="0"/>
-              <a:t>operations</a:t>
-            </a:r>
-            <a:r>
-              <a:rPr lang="de-AT" dirty="0" smtClean="0"/>
+        </p:txBody>
+      </p:sp>
+      <p:pic>
+        <p:nvPicPr>
+          <p:cNvPr id="4" name="Inhaltsplatzhalter 3"/>
+          <p:cNvPicPr>
+            <a:picLocks noGrp="1" noChangeAspect="1"/>
+          </p:cNvPicPr>
+          <p:nvPr>
+            <p:ph sz="quarter" idx="1"/>
+          </p:nvPr>
+        </p:nvPicPr>
+        <p:blipFill>
+          <a:blip r:embed="rId2">
+            <a:extLst>
+              <a:ext uri="{28A0092B-C50C-407E-A947-70E740481C1C}">
+                <a14:useLocalDpi xmlns:a14="http://schemas.microsoft.com/office/drawing/2010/main" val="0"/>
+              </a:ext>
+            </a:extLst>
+          </a:blip>
+          <a:stretch>
+            <a:fillRect/>
+          </a:stretch>
+        </p:blipFill>
+        <p:spPr>
+          <a:xfrm>
+            <a:off x="781023" y="1556792"/>
+            <a:ext cx="5611008" cy="3391374"/>
+          </a:xfrm>
+        </p:spPr>
+      </p:pic>
+      <p:sp>
+        <p:nvSpPr>
+          <p:cNvPr id="5" name="Textfeld 4"/>
+          <p:cNvSpPr txBox="1"/>
+          <p:nvPr/>
+        </p:nvSpPr>
+        <p:spPr>
+          <a:xfrm>
+            <a:off x="810105" y="4797152"/>
+            <a:ext cx="7920880" cy="1815882"/>
+          </a:xfrm>
+          <a:prstGeom prst="rect">
+            <a:avLst/>
+          </a:prstGeom>
+          <a:noFill/>
+        </p:spPr>
+        <p:txBody>
+          <a:bodyPr wrap="square" rtlCol="0">
+            <a:spAutoFit/>
+          </a:bodyPr>
+          <a:lstStyle/>
+          <a:p>
+            <a:r>
+              <a:rPr lang="en-GB" sz="1400" dirty="0"/>
+              <a:t>N(publisher) x N (publisher, publishes ) = N (publishes)  = N(book</a:t>
+            </a:r>
+            <a:r>
+              <a:rPr lang="en-GB" sz="1400" dirty="0" smtClean="0"/>
               <a:t>)</a:t>
             </a:r>
           </a:p>
           <a:p>
-            <a:pPr lvl="1"/>
-            <a:endParaRPr lang="de-AT" dirty="0"/>
-          </a:p>
-          <a:p>
-            <a:r>
-              <a:rPr lang="de-AT" dirty="0" err="1" smtClean="0"/>
-              <a:t>Cons</a:t>
-            </a:r>
-            <a:r>
-              <a:rPr lang="de-AT" dirty="0" smtClean="0"/>
-              <a:t>:</a:t>
-            </a:r>
-          </a:p>
-          <a:p>
-            <a:pPr lvl="1"/>
-            <a:r>
-              <a:rPr lang="de-AT" dirty="0" smtClean="0"/>
-              <a:t>Additional </a:t>
-            </a:r>
-            <a:r>
-              <a:rPr lang="de-AT" dirty="0" err="1" smtClean="0"/>
-              <a:t>updates</a:t>
-            </a:r>
-            <a:endParaRPr lang="de-AT" dirty="0" smtClean="0"/>
-          </a:p>
-          <a:p>
-            <a:pPr lvl="1"/>
-            <a:r>
-              <a:rPr lang="de-AT" dirty="0" err="1" smtClean="0"/>
-              <a:t>Risk</a:t>
-            </a:r>
-            <a:r>
-              <a:rPr lang="de-AT" dirty="0" smtClean="0"/>
-              <a:t> </a:t>
-            </a:r>
-            <a:r>
-              <a:rPr lang="de-AT" dirty="0" err="1" smtClean="0"/>
-              <a:t>of</a:t>
-            </a:r>
-            <a:r>
-              <a:rPr lang="de-AT" dirty="0" smtClean="0"/>
-              <a:t> </a:t>
-            </a:r>
-            <a:r>
-              <a:rPr lang="de-AT" dirty="0" err="1" smtClean="0"/>
-              <a:t>inconsistency</a:t>
-            </a:r>
-            <a:r>
-              <a:rPr lang="de-AT" dirty="0" smtClean="0"/>
-              <a:t> ( =&gt; </a:t>
-            </a:r>
-            <a:r>
-              <a:rPr lang="de-AT" dirty="0" err="1" smtClean="0"/>
-              <a:t>more</a:t>
-            </a:r>
-            <a:r>
-              <a:rPr lang="de-AT" dirty="0" smtClean="0"/>
-              <a:t> </a:t>
-            </a:r>
-            <a:r>
-              <a:rPr lang="de-AT" dirty="0" err="1" smtClean="0"/>
-              <a:t>consistency</a:t>
-            </a:r>
-            <a:r>
-              <a:rPr lang="de-AT" dirty="0" smtClean="0"/>
-              <a:t> </a:t>
-            </a:r>
-            <a:r>
-              <a:rPr lang="de-AT" dirty="0" err="1" smtClean="0"/>
-              <a:t>checks</a:t>
-            </a:r>
-            <a:r>
-              <a:rPr lang="de-AT" dirty="0" smtClean="0"/>
-              <a:t> </a:t>
-            </a:r>
-            <a:r>
-              <a:rPr lang="de-AT" dirty="0" err="1" smtClean="0"/>
-              <a:t>needed</a:t>
-            </a:r>
-            <a:r>
-              <a:rPr lang="de-AT" dirty="0" smtClean="0"/>
+            <a:pPr marL="285750" indent="-285750">
+              <a:buFont typeface="Symbol"/>
+              <a:buChar char="Þ"/>
+            </a:pPr>
+            <a:r>
+              <a:rPr lang="en-GB" sz="1400" dirty="0" smtClean="0"/>
+              <a:t>N(book) = N(publishes) = 100 x 1.000 = 100.000</a:t>
+            </a:r>
+          </a:p>
+          <a:p>
+            <a:endParaRPr lang="de-AT" sz="1400" dirty="0" smtClean="0"/>
+          </a:p>
+          <a:p>
+            <a:r>
+              <a:rPr lang="en-GB" sz="1400" dirty="0"/>
+              <a:t>N(author) = N(writes) / N(writes, author)</a:t>
+            </a:r>
+            <a:endParaRPr lang="de-AT" sz="1400" dirty="0"/>
+          </a:p>
+          <a:p>
+            <a:pPr marL="285750" indent="-285750">
+              <a:buFont typeface="Symbol"/>
+              <a:buChar char="Þ"/>
+            </a:pPr>
+            <a:r>
+              <a:rPr lang="en-GB" sz="1400" dirty="0" smtClean="0"/>
+              <a:t>N(author) = 400.000 / 20 = 20.000</a:t>
+            </a:r>
+          </a:p>
+          <a:p>
+            <a:pPr marL="285750" indent="-285750">
+              <a:buFont typeface="Symbol"/>
+              <a:buChar char="Þ"/>
+            </a:pPr>
+            <a:endParaRPr lang="en-GB" sz="1400" dirty="0"/>
+          </a:p>
+          <a:p>
+            <a:r>
+              <a:rPr lang="en-GB" sz="1400" dirty="0"/>
+              <a:t>N(book, writes) = N (writes) / N(books</a:t>
+            </a:r>
+            <a:r>
+              <a:rPr lang="en-GB" sz="1400" dirty="0" smtClean="0"/>
               <a:t>)</a:t>
             </a:r>
-          </a:p>
-          <a:p>
-            <a:pPr lvl="1"/>
-            <a:r>
-              <a:rPr lang="de-AT" dirty="0" smtClean="0"/>
-              <a:t>Additional </a:t>
-            </a:r>
-            <a:r>
-              <a:rPr lang="de-AT" dirty="0" err="1" smtClean="0"/>
-              <a:t>storage</a:t>
-            </a:r>
-            <a:r>
-              <a:rPr lang="de-AT" dirty="0" smtClean="0"/>
-              <a:t> </a:t>
-            </a:r>
-            <a:r>
-              <a:rPr lang="de-AT" dirty="0" err="1" smtClean="0"/>
-              <a:t>space</a:t>
-            </a:r>
-            <a:endParaRPr lang="de-AT" dirty="0" smtClean="0"/>
-          </a:p>
-          <a:p>
-            <a:pPr lvl="1"/>
-            <a:endParaRPr lang="de-AT" dirty="0"/>
-          </a:p>
-          <a:p>
-            <a:pPr marL="365760" lvl="1" indent="0">
-              <a:buNone/>
+            <a:endParaRPr lang="en-GB" dirty="0"/>
+          </a:p>
+          <a:p>
+            <a:pPr marL="285750" indent="-285750">
+              <a:buFont typeface="Symbol"/>
+              <a:buChar char="Þ"/>
             </a:pPr>
-            <a:endParaRPr lang="de-AT" dirty="0"/>
+            <a:r>
+              <a:rPr lang="en-GB" sz="1400" dirty="0" smtClean="0"/>
+              <a:t>N(book, writes) = 400.000 / 100.000 = 4</a:t>
+            </a:r>
+          </a:p>
+        </p:txBody>
+      </p:sp>
+      <p:sp>
+        <p:nvSpPr>
+          <p:cNvPr id="6" name="Textfeld 5"/>
+          <p:cNvSpPr txBox="1"/>
+          <p:nvPr/>
+        </p:nvSpPr>
+        <p:spPr>
+          <a:xfrm>
+            <a:off x="1763688" y="1516783"/>
+            <a:ext cx="1080120" cy="276999"/>
+          </a:xfrm>
+          <a:prstGeom prst="rect">
+            <a:avLst/>
+          </a:prstGeom>
+          <a:noFill/>
+        </p:spPr>
+        <p:txBody>
+          <a:bodyPr wrap="square" rtlCol="0">
+            <a:spAutoFit/>
+          </a:bodyPr>
+          <a:lstStyle/>
+          <a:p>
+            <a:r>
+              <a:rPr lang="de-AT" sz="1200" b="1" dirty="0" smtClean="0">
+                <a:solidFill>
+                  <a:srgbClr val="FF0000"/>
+                </a:solidFill>
+              </a:rPr>
+              <a:t>&lt;100.000&gt;</a:t>
+            </a:r>
+            <a:endParaRPr lang="de-AT" sz="1200" b="1" dirty="0">
+              <a:solidFill>
+                <a:srgbClr val="FF0000"/>
+              </a:solidFill>
+            </a:endParaRPr>
+          </a:p>
+        </p:txBody>
+      </p:sp>
+      <p:sp>
+        <p:nvSpPr>
+          <p:cNvPr id="7" name="Textfeld 6"/>
+          <p:cNvSpPr txBox="1"/>
+          <p:nvPr/>
+        </p:nvSpPr>
+        <p:spPr>
+          <a:xfrm>
+            <a:off x="4427984" y="1514181"/>
+            <a:ext cx="1080120" cy="276999"/>
+          </a:xfrm>
+          <a:prstGeom prst="rect">
+            <a:avLst/>
+          </a:prstGeom>
+          <a:noFill/>
+        </p:spPr>
+        <p:txBody>
+          <a:bodyPr wrap="square" rtlCol="0">
+            <a:spAutoFit/>
+          </a:bodyPr>
+          <a:lstStyle/>
+          <a:p>
+            <a:r>
+              <a:rPr lang="de-AT" sz="1200" b="1" dirty="0" smtClean="0">
+                <a:solidFill>
+                  <a:srgbClr val="FF0000"/>
+                </a:solidFill>
+              </a:rPr>
+              <a:t>&lt;100.000&gt;</a:t>
+            </a:r>
+            <a:endParaRPr lang="de-AT" sz="1200" b="1" dirty="0">
+              <a:solidFill>
+                <a:srgbClr val="FF0000"/>
+              </a:solidFill>
+            </a:endParaRPr>
+          </a:p>
+        </p:txBody>
+      </p:sp>
+      <p:sp>
+        <p:nvSpPr>
+          <p:cNvPr id="8" name="Textfeld 7"/>
+          <p:cNvSpPr txBox="1"/>
+          <p:nvPr/>
+        </p:nvSpPr>
+        <p:spPr>
+          <a:xfrm>
+            <a:off x="5506258" y="2852936"/>
+            <a:ext cx="1080120" cy="276999"/>
+          </a:xfrm>
+          <a:prstGeom prst="rect">
+            <a:avLst/>
+          </a:prstGeom>
+          <a:noFill/>
+        </p:spPr>
+        <p:txBody>
+          <a:bodyPr wrap="square" rtlCol="0">
+            <a:spAutoFit/>
+          </a:bodyPr>
+          <a:lstStyle/>
+          <a:p>
+            <a:r>
+              <a:rPr lang="de-AT" sz="1200" b="1" dirty="0" smtClean="0">
+                <a:solidFill>
+                  <a:srgbClr val="FF0000"/>
+                </a:solidFill>
+              </a:rPr>
+              <a:t>&lt;4&gt;</a:t>
+            </a:r>
+            <a:endParaRPr lang="de-AT" sz="1200" b="1" dirty="0">
+              <a:solidFill>
+                <a:srgbClr val="FF0000"/>
+              </a:solidFill>
+            </a:endParaRPr>
+          </a:p>
+        </p:txBody>
+      </p:sp>
+      <p:sp>
+        <p:nvSpPr>
+          <p:cNvPr id="9" name="Textfeld 8"/>
+          <p:cNvSpPr txBox="1"/>
+          <p:nvPr/>
+        </p:nvSpPr>
+        <p:spPr>
+          <a:xfrm>
+            <a:off x="5483825" y="4187309"/>
+            <a:ext cx="1080120" cy="276999"/>
+          </a:xfrm>
+          <a:prstGeom prst="rect">
+            <a:avLst/>
+          </a:prstGeom>
+          <a:noFill/>
+        </p:spPr>
+        <p:txBody>
+          <a:bodyPr wrap="square" rtlCol="0">
+            <a:spAutoFit/>
+          </a:bodyPr>
+          <a:lstStyle/>
+          <a:p>
+            <a:r>
+              <a:rPr lang="de-AT" sz="1200" b="1" dirty="0" smtClean="0">
+                <a:solidFill>
+                  <a:srgbClr val="FF0000"/>
+                </a:solidFill>
+              </a:rPr>
+              <a:t>&lt;20.000&gt;</a:t>
+            </a:r>
+            <a:endParaRPr lang="de-AT" sz="1200" b="1" dirty="0">
+              <a:solidFill>
+                <a:srgbClr val="FF0000"/>
+              </a:solidFill>
+            </a:endParaRPr>
           </a:p>
         </p:txBody>
       </p:sp>
     </p:spTree>
     <p:extLst>
       <p:ext uri="{BB962C8B-B14F-4D97-AF65-F5344CB8AC3E}">
-        <p14:creationId xmlns:p14="http://schemas.microsoft.com/office/powerpoint/2010/main" val="526241371"/>
+        <p14:creationId xmlns:p14="http://schemas.microsoft.com/office/powerpoint/2010/main" val="1343703413"/>
       </p:ext>
     </p:extLst>
   </p:cSld>
@@ -9969,351 +10768,56 @@
           <a:lstStyle/>
           <a:p>
             <a:r>
-              <a:rPr lang="de-AT" dirty="0" smtClean="0"/>
-              <a:t>Redundant Attribute</a:t>
+              <a:rPr lang="de-AT" dirty="0" err="1" smtClean="0"/>
+              <a:t>Exercise</a:t>
+            </a:r>
+            <a:r>
+              <a:rPr lang="de-AT" dirty="0" smtClean="0"/>
+              <a:t> 2 - Navigation</a:t>
             </a:r>
             <a:endParaRPr lang="de-AT" dirty="0"/>
           </a:p>
         </p:txBody>
       </p:sp>
-      <p:pic>
-        <p:nvPicPr>
-          <p:cNvPr id="4" name="Inhaltsplatzhalter 3"/>
-          <p:cNvPicPr>
-            <a:picLocks noGrp="1" noChangeAspect="1"/>
-          </p:cNvPicPr>
+      <p:sp>
+        <p:nvSpPr>
+          <p:cNvPr id="3" name="Inhaltsplatzhalter 2"/>
+          <p:cNvSpPr>
+            <a:spLocks noGrp="1"/>
+          </p:cNvSpPr>
           <p:nvPr>
             <p:ph sz="quarter" idx="1"/>
           </p:nvPr>
-        </p:nvPicPr>
-        <p:blipFill>
-          <a:blip r:embed="rId2">
-            <a:extLst>
-              <a:ext uri="{28A0092B-C50C-407E-A947-70E740481C1C}">
-                <a14:useLocalDpi xmlns:a14="http://schemas.microsoft.com/office/drawing/2010/main" val="0"/>
-              </a:ext>
-            </a:extLst>
-          </a:blip>
-          <a:stretch>
-            <a:fillRect/>
-          </a:stretch>
-        </p:blipFill>
-        <p:spPr>
-          <a:xfrm>
-            <a:off x="1882485" y="2151515"/>
-            <a:ext cx="5613979" cy="3393169"/>
-          </a:xfrm>
-        </p:spPr>
-      </p:pic>
-      <p:pic>
-        <p:nvPicPr>
-          <p:cNvPr id="5" name="Grafik 4"/>
-          <p:cNvPicPr>
-            <a:picLocks noChangeAspect="1"/>
-          </p:cNvPicPr>
-          <p:nvPr/>
-        </p:nvPicPr>
-        <p:blipFill>
-          <a:blip r:embed="rId3">
-            <a:extLst>
-              <a:ext uri="{28A0092B-C50C-407E-A947-70E740481C1C}">
-                <a14:useLocalDpi xmlns:a14="http://schemas.microsoft.com/office/drawing/2010/main" val="0"/>
-              </a:ext>
-            </a:extLst>
-          </a:blip>
-          <a:stretch>
-            <a:fillRect/>
-          </a:stretch>
-        </p:blipFill>
-        <p:spPr>
-          <a:xfrm>
-            <a:off x="1838341" y="2052055"/>
-            <a:ext cx="5613979" cy="3393169"/>
-          </a:xfrm>
-          <a:prstGeom prst="rect">
-            <a:avLst/>
-          </a:prstGeom>
-        </p:spPr>
-      </p:pic>
-      <p:sp>
-        <p:nvSpPr>
-          <p:cNvPr id="6" name="Textfeld 5"/>
-          <p:cNvSpPr txBox="1"/>
-          <p:nvPr/>
-        </p:nvSpPr>
-        <p:spPr>
-          <a:xfrm>
-            <a:off x="971600" y="5661248"/>
-            <a:ext cx="7632848" cy="923330"/>
-          </a:xfrm>
-          <a:prstGeom prst="rect">
-            <a:avLst/>
-          </a:prstGeom>
-          <a:noFill/>
-        </p:spPr>
-        <p:txBody>
-          <a:bodyPr wrap="square" rtlCol="0">
-            <a:spAutoFit/>
-          </a:bodyPr>
+        </p:nvSpPr>
+        <p:spPr/>
+        <p:txBody>
+          <a:bodyPr/>
           <a:lstStyle/>
           <a:p>
             <a:r>
-              <a:rPr lang="de-AT" dirty="0" smtClean="0"/>
-              <a:t>READ: </a:t>
-            </a:r>
-            <a:r>
-              <a:rPr lang="de-AT" dirty="0" err="1" smtClean="0"/>
-              <a:t>Saves</a:t>
-            </a:r>
-            <a:r>
-              <a:rPr lang="de-AT" dirty="0" smtClean="0"/>
-              <a:t> </a:t>
-            </a:r>
-            <a:r>
-              <a:rPr lang="de-AT" dirty="0" err="1" smtClean="0"/>
-              <a:t>access</a:t>
-            </a:r>
-            <a:r>
-              <a:rPr lang="de-AT" dirty="0" smtClean="0"/>
-              <a:t> </a:t>
-            </a:r>
-            <a:r>
-              <a:rPr lang="de-AT" dirty="0" err="1" smtClean="0"/>
-              <a:t>to</a:t>
-            </a:r>
-            <a:r>
-              <a:rPr lang="de-AT" dirty="0" smtClean="0"/>
-              <a:t> </a:t>
-            </a:r>
-            <a:r>
-              <a:rPr lang="de-AT" i="1" dirty="0" err="1" smtClean="0">
-                <a:latin typeface="Courier New" panose="02070309020205020404" pitchFamily="49" charset="0"/>
-                <a:cs typeface="Courier New" panose="02070309020205020404" pitchFamily="49" charset="0"/>
-              </a:rPr>
-              <a:t>book</a:t>
-            </a:r>
-            <a:r>
-              <a:rPr lang="de-AT" dirty="0" smtClean="0"/>
-              <a:t> </a:t>
-            </a:r>
-            <a:r>
-              <a:rPr lang="de-AT" dirty="0" err="1" smtClean="0"/>
-              <a:t>and</a:t>
-            </a:r>
-            <a:r>
-              <a:rPr lang="de-AT" dirty="0" smtClean="0"/>
-              <a:t> </a:t>
-            </a:r>
-            <a:r>
-              <a:rPr lang="de-AT" i="1" dirty="0" err="1" smtClean="0">
-                <a:latin typeface="Courier New" panose="02070309020205020404" pitchFamily="49" charset="0"/>
-                <a:cs typeface="Courier New" panose="02070309020205020404" pitchFamily="49" charset="0"/>
-              </a:rPr>
-              <a:t>writes</a:t>
-            </a:r>
-            <a:endParaRPr lang="de-AT" i="1" dirty="0" smtClean="0">
-              <a:latin typeface="Courier New" panose="02070309020205020404" pitchFamily="49" charset="0"/>
-              <a:cs typeface="Courier New" panose="02070309020205020404" pitchFamily="49" charset="0"/>
-            </a:endParaRPr>
-          </a:p>
-          <a:p>
-            <a:r>
-              <a:rPr lang="de-AT" dirty="0" smtClean="0">
-                <a:latin typeface="+mj-lt"/>
-                <a:cs typeface="Courier New" panose="02070309020205020404" pitchFamily="49" charset="0"/>
-              </a:rPr>
-              <a:t>WRITE: Every </a:t>
-            </a:r>
-            <a:r>
-              <a:rPr lang="de-AT" dirty="0" err="1" smtClean="0">
-                <a:latin typeface="+mj-lt"/>
-                <a:cs typeface="Courier New" panose="02070309020205020404" pitchFamily="49" charset="0"/>
-              </a:rPr>
-              <a:t>insert</a:t>
-            </a:r>
-            <a:r>
-              <a:rPr lang="de-AT" dirty="0">
-                <a:latin typeface="+mj-lt"/>
-                <a:cs typeface="Courier New" panose="02070309020205020404" pitchFamily="49" charset="0"/>
-              </a:rPr>
-              <a:t> </a:t>
-            </a:r>
-            <a:r>
-              <a:rPr lang="de-AT" dirty="0" err="1" smtClean="0">
-                <a:latin typeface="+mj-lt"/>
-                <a:cs typeface="Courier New" panose="02070309020205020404" pitchFamily="49" charset="0"/>
-              </a:rPr>
-              <a:t>and</a:t>
-            </a:r>
-            <a:r>
-              <a:rPr lang="de-AT" dirty="0" smtClean="0">
-                <a:latin typeface="+mj-lt"/>
-                <a:cs typeface="Courier New" panose="02070309020205020404" pitchFamily="49" charset="0"/>
-              </a:rPr>
-              <a:t> </a:t>
-            </a:r>
-            <a:r>
-              <a:rPr lang="de-AT" dirty="0" err="1" smtClean="0">
-                <a:latin typeface="+mj-lt"/>
-                <a:cs typeface="Courier New" panose="02070309020205020404" pitchFamily="49" charset="0"/>
-              </a:rPr>
-              <a:t>delete</a:t>
-            </a:r>
-            <a:r>
-              <a:rPr lang="de-AT" dirty="0" smtClean="0">
-                <a:latin typeface="+mj-lt"/>
-                <a:cs typeface="Courier New" panose="02070309020205020404" pitchFamily="49" charset="0"/>
-              </a:rPr>
-              <a:t> </a:t>
-            </a:r>
-            <a:r>
-              <a:rPr lang="de-AT" dirty="0" err="1" smtClean="0">
-                <a:latin typeface="+mj-lt"/>
-                <a:cs typeface="Courier New" panose="02070309020205020404" pitchFamily="49" charset="0"/>
-              </a:rPr>
-              <a:t>and</a:t>
-            </a:r>
-            <a:r>
-              <a:rPr lang="de-AT" dirty="0" smtClean="0">
-                <a:latin typeface="+mj-lt"/>
-                <a:cs typeface="Courier New" panose="02070309020205020404" pitchFamily="49" charset="0"/>
-              </a:rPr>
-              <a:t> </a:t>
-            </a:r>
-            <a:r>
-              <a:rPr lang="de-AT" dirty="0" err="1" smtClean="0">
-                <a:latin typeface="+mj-lt"/>
-                <a:cs typeface="Courier New" panose="02070309020205020404" pitchFamily="49" charset="0"/>
-              </a:rPr>
-              <a:t>some</a:t>
-            </a:r>
-            <a:r>
-              <a:rPr lang="de-AT" dirty="0" smtClean="0">
-                <a:latin typeface="+mj-lt"/>
-                <a:cs typeface="Courier New" panose="02070309020205020404" pitchFamily="49" charset="0"/>
-              </a:rPr>
-              <a:t> </a:t>
-            </a:r>
-            <a:r>
-              <a:rPr lang="de-AT" dirty="0" err="1" smtClean="0">
-                <a:latin typeface="+mj-lt"/>
-                <a:cs typeface="Courier New" panose="02070309020205020404" pitchFamily="49" charset="0"/>
-              </a:rPr>
-              <a:t>updates</a:t>
-            </a:r>
-            <a:r>
-              <a:rPr lang="de-AT" dirty="0" smtClean="0">
-                <a:latin typeface="+mj-lt"/>
-                <a:cs typeface="Courier New" panose="02070309020205020404" pitchFamily="49" charset="0"/>
-              </a:rPr>
-              <a:t> in </a:t>
-            </a:r>
-            <a:r>
-              <a:rPr lang="de-AT" i="1" dirty="0" err="1">
-                <a:latin typeface="Courier New" panose="02070309020205020404" pitchFamily="49" charset="0"/>
-                <a:cs typeface="Courier New" panose="02070309020205020404" pitchFamily="49" charset="0"/>
-              </a:rPr>
-              <a:t>book</a:t>
-            </a:r>
-            <a:r>
-              <a:rPr lang="de-AT" dirty="0"/>
-              <a:t> </a:t>
-            </a:r>
-            <a:r>
-              <a:rPr lang="de-AT" dirty="0" err="1"/>
-              <a:t>and</a:t>
-            </a:r>
-            <a:r>
-              <a:rPr lang="de-AT" dirty="0"/>
-              <a:t> </a:t>
-            </a:r>
-            <a:r>
-              <a:rPr lang="de-AT" i="1" dirty="0" err="1" smtClean="0">
-                <a:latin typeface="Courier New" panose="02070309020205020404" pitchFamily="49" charset="0"/>
-                <a:cs typeface="Courier New" panose="02070309020205020404" pitchFamily="49" charset="0"/>
-              </a:rPr>
-              <a:t>writes</a:t>
-            </a:r>
-            <a:r>
-              <a:rPr lang="de-AT" dirty="0">
-                <a:latin typeface="+mj-lt"/>
-                <a:cs typeface="Courier New" panose="02070309020205020404" pitchFamily="49" charset="0"/>
-              </a:rPr>
-              <a:t> </a:t>
-            </a:r>
-            <a:r>
-              <a:rPr lang="de-AT" dirty="0" err="1" smtClean="0">
-                <a:latin typeface="+mj-lt"/>
-                <a:cs typeface="Courier New" panose="02070309020205020404" pitchFamily="49" charset="0"/>
-              </a:rPr>
-              <a:t>forces</a:t>
-            </a:r>
-            <a:r>
-              <a:rPr lang="de-AT" dirty="0" smtClean="0">
-                <a:latin typeface="+mj-lt"/>
-                <a:cs typeface="Courier New" panose="02070309020205020404" pitchFamily="49" charset="0"/>
-              </a:rPr>
-              <a:t> update </a:t>
-            </a:r>
-            <a:r>
-              <a:rPr lang="de-AT" dirty="0" err="1" smtClean="0">
-                <a:latin typeface="+mj-lt"/>
-                <a:cs typeface="Courier New" panose="02070309020205020404" pitchFamily="49" charset="0"/>
-              </a:rPr>
-              <a:t>of</a:t>
-            </a:r>
-            <a:r>
-              <a:rPr lang="de-AT" dirty="0" smtClean="0">
-                <a:latin typeface="+mj-lt"/>
-                <a:cs typeface="Courier New" panose="02070309020205020404" pitchFamily="49" charset="0"/>
-              </a:rPr>
-              <a:t> </a:t>
-            </a:r>
-            <a:r>
-              <a:rPr lang="de-AT" dirty="0" err="1" smtClean="0">
-                <a:solidFill>
-                  <a:srgbClr val="FF0000"/>
-                </a:solidFill>
-                <a:latin typeface="+mj-lt"/>
-                <a:cs typeface="Courier New" panose="02070309020205020404" pitchFamily="49" charset="0"/>
-              </a:rPr>
-              <a:t>number_authors</a:t>
-            </a:r>
-            <a:r>
-              <a:rPr lang="de-AT" dirty="0" smtClean="0">
-                <a:solidFill>
-                  <a:srgbClr val="FF0000"/>
-                </a:solidFill>
-                <a:latin typeface="+mj-lt"/>
-                <a:cs typeface="Courier New" panose="02070309020205020404" pitchFamily="49" charset="0"/>
-              </a:rPr>
-              <a:t> </a:t>
-            </a:r>
-            <a:r>
-              <a:rPr lang="de-AT" dirty="0" smtClean="0">
-                <a:latin typeface="+mj-lt"/>
-                <a:cs typeface="Courier New" panose="02070309020205020404" pitchFamily="49" charset="0"/>
-              </a:rPr>
-              <a:t>in </a:t>
-            </a:r>
-            <a:r>
-              <a:rPr lang="de-AT" i="1" dirty="0" err="1" smtClean="0">
-                <a:latin typeface="Courier New" panose="02070309020205020404" pitchFamily="49" charset="0"/>
-                <a:cs typeface="Courier New" panose="02070309020205020404" pitchFamily="49" charset="0"/>
-              </a:rPr>
-              <a:t>publisher</a:t>
-            </a:r>
-            <a:endParaRPr lang="de-AT" i="1" dirty="0">
-              <a:latin typeface="Courier New" panose="02070309020205020404" pitchFamily="49" charset="0"/>
-              <a:cs typeface="Courier New" panose="02070309020205020404" pitchFamily="49" charset="0"/>
-            </a:endParaRPr>
+              <a:rPr lang="en-GB" dirty="0" smtClean="0"/>
+              <a:t>To get the result of a query or to execute an operation, multiple entity types and relations might have to be accessed.</a:t>
+            </a:r>
+          </a:p>
+          <a:p>
+            <a:r>
+              <a:rPr lang="en-GB" dirty="0" smtClean="0"/>
+              <a:t>Navigation path shows, which entity types and relations are accessed and in which order.</a:t>
+            </a:r>
+          </a:p>
+          <a:p>
+            <a:r>
+              <a:rPr lang="en-GB" dirty="0" smtClean="0"/>
+              <a:t>Necessary for evaluating costs of database operations</a:t>
+            </a:r>
+            <a:endParaRPr lang="en-GB" dirty="0"/>
           </a:p>
         </p:txBody>
       </p:sp>
     </p:spTree>
     <p:extLst>
       <p:ext uri="{BB962C8B-B14F-4D97-AF65-F5344CB8AC3E}">
-        <p14:creationId xmlns:p14="http://schemas.microsoft.com/office/powerpoint/2010/main" val="1667442408"/>
+        <p14:creationId xmlns:p14="http://schemas.microsoft.com/office/powerpoint/2010/main" val="1138079737"/>
       </p:ext>
     </p:extLst>
   </p:cSld>
@@ -10356,116 +10860,97 @@
           <a:lstStyle/>
           <a:p>
             <a:r>
-              <a:rPr lang="de-AT" dirty="0" smtClean="0"/>
-              <a:t>Redundant </a:t>
-            </a:r>
-            <a:r>
-              <a:rPr lang="de-AT" dirty="0" err="1" smtClean="0"/>
-              <a:t>Association</a:t>
+              <a:rPr lang="de-AT" dirty="0" err="1" smtClean="0"/>
+              <a:t>Exercise</a:t>
+            </a:r>
+            <a:r>
+              <a:rPr lang="de-AT" dirty="0" smtClean="0"/>
+              <a:t> 3 – </a:t>
+            </a:r>
+            <a:r>
+              <a:rPr lang="de-AT" dirty="0" err="1" smtClean="0"/>
+              <a:t>Redundancy</a:t>
             </a:r>
             <a:endParaRPr lang="de-AT" dirty="0"/>
           </a:p>
         </p:txBody>
       </p:sp>
-      <p:pic>
-        <p:nvPicPr>
-          <p:cNvPr id="4" name="Inhaltsplatzhalter 3"/>
-          <p:cNvPicPr>
-            <a:picLocks noGrp="1" noChangeAspect="1"/>
-          </p:cNvPicPr>
+      <p:sp>
+        <p:nvSpPr>
+          <p:cNvPr id="3" name="Inhaltsplatzhalter 2"/>
+          <p:cNvSpPr>
+            <a:spLocks noGrp="1"/>
+          </p:cNvSpPr>
           <p:nvPr>
             <p:ph sz="quarter" idx="1"/>
           </p:nvPr>
-        </p:nvPicPr>
-        <p:blipFill>
-          <a:blip r:embed="rId2">
-            <a:extLst>
-              <a:ext uri="{28A0092B-C50C-407E-A947-70E740481C1C}">
-                <a14:useLocalDpi xmlns:a14="http://schemas.microsoft.com/office/drawing/2010/main" val="0"/>
-              </a:ext>
-            </a:extLst>
-          </a:blip>
-          <a:stretch>
-            <a:fillRect/>
-          </a:stretch>
-        </p:blipFill>
-        <p:spPr>
-          <a:xfrm>
-            <a:off x="1882485" y="2151515"/>
-            <a:ext cx="5613979" cy="3393169"/>
-          </a:xfrm>
-        </p:spPr>
-      </p:pic>
-      <p:pic>
-        <p:nvPicPr>
-          <p:cNvPr id="6" name="Grafik 5"/>
-          <p:cNvPicPr>
-            <a:picLocks noChangeAspect="1"/>
-          </p:cNvPicPr>
-          <p:nvPr/>
-        </p:nvPicPr>
-        <p:blipFill>
-          <a:blip r:embed="rId3">
-            <a:extLst>
-              <a:ext uri="{28A0092B-C50C-407E-A947-70E740481C1C}">
-                <a14:useLocalDpi xmlns:a14="http://schemas.microsoft.com/office/drawing/2010/main" val="0"/>
-              </a:ext>
-            </a:extLst>
-          </a:blip>
-          <a:stretch>
-            <a:fillRect/>
-          </a:stretch>
-        </p:blipFill>
-        <p:spPr>
-          <a:xfrm>
-            <a:off x="1838341" y="2124063"/>
-            <a:ext cx="5613979" cy="3393169"/>
-          </a:xfrm>
-          <a:prstGeom prst="rect">
-            <a:avLst/>
-          </a:prstGeom>
-        </p:spPr>
-      </p:pic>
-      <p:sp>
-        <p:nvSpPr>
-          <p:cNvPr id="8" name="Textfeld 7"/>
-          <p:cNvSpPr txBox="1"/>
-          <p:nvPr/>
-        </p:nvSpPr>
-        <p:spPr>
-          <a:xfrm>
-            <a:off x="899592" y="5620598"/>
-            <a:ext cx="7704856" cy="923330"/>
-          </a:xfrm>
-          <a:prstGeom prst="rect">
-            <a:avLst/>
-          </a:prstGeom>
-          <a:noFill/>
-        </p:spPr>
-        <p:txBody>
-          <a:bodyPr wrap="square" rtlCol="0">
-            <a:spAutoFit/>
+        </p:nvSpPr>
+        <p:spPr/>
+        <p:txBody>
+          <a:bodyPr>
+            <a:normAutofit fontScale="92500" lnSpcReduction="20000"/>
           </a:bodyPr>
           <a:lstStyle/>
           <a:p>
             <a:r>
-              <a:rPr lang="de-AT" dirty="0" smtClean="0"/>
-              <a:t>READ: </a:t>
-            </a:r>
-            <a:r>
-              <a:rPr lang="de-AT" i="1" dirty="0" err="1" smtClean="0">
-                <a:latin typeface="Courier New" panose="02070309020205020404" pitchFamily="49" charset="0"/>
-                <a:cs typeface="Courier New" panose="02070309020205020404" pitchFamily="49" charset="0"/>
-              </a:rPr>
-              <a:t>book</a:t>
-            </a:r>
-            <a:r>
-              <a:rPr lang="de-AT" dirty="0" smtClean="0"/>
-              <a:t> </a:t>
-            </a:r>
-            <a:r>
-              <a:rPr lang="de-AT" dirty="0" err="1" smtClean="0"/>
-              <a:t>class</a:t>
+              <a:rPr lang="de-AT" dirty="0" err="1" smtClean="0"/>
+              <a:t>Redundancy</a:t>
+            </a:r>
+            <a:r>
+              <a:rPr lang="de-AT" dirty="0" smtClean="0"/>
+              <a:t> </a:t>
+            </a:r>
+            <a:r>
+              <a:rPr lang="de-AT" dirty="0" err="1" smtClean="0"/>
+              <a:t>occurs</a:t>
+            </a:r>
+            <a:r>
+              <a:rPr lang="de-AT" dirty="0" smtClean="0"/>
+              <a:t>, </a:t>
+            </a:r>
+            <a:r>
+              <a:rPr lang="de-AT" dirty="0" err="1" smtClean="0"/>
+              <a:t>if</a:t>
+            </a:r>
+            <a:r>
+              <a:rPr lang="de-AT" dirty="0" smtClean="0"/>
+              <a:t> </a:t>
+            </a:r>
+            <a:r>
+              <a:rPr lang="de-AT" dirty="0" err="1" smtClean="0"/>
+              <a:t>the</a:t>
+            </a:r>
+            <a:r>
+              <a:rPr lang="de-AT" dirty="0" smtClean="0"/>
+              <a:t> same </a:t>
+            </a:r>
+            <a:r>
+              <a:rPr lang="de-AT" dirty="0" err="1" smtClean="0"/>
+              <a:t>information</a:t>
+            </a:r>
+            <a:r>
+              <a:rPr lang="de-AT" dirty="0" smtClean="0"/>
+              <a:t> </a:t>
+            </a:r>
+            <a:r>
+              <a:rPr lang="de-AT" dirty="0" err="1" smtClean="0"/>
+              <a:t>or</a:t>
+            </a:r>
+            <a:r>
+              <a:rPr lang="de-AT" dirty="0" smtClean="0"/>
+              <a:t> </a:t>
+            </a:r>
+            <a:r>
+              <a:rPr lang="de-AT" dirty="0" err="1" smtClean="0"/>
+              <a:t>derivable</a:t>
+            </a:r>
+            <a:r>
+              <a:rPr lang="de-AT" dirty="0" smtClean="0"/>
+              <a:t> </a:t>
+            </a:r>
+            <a:r>
+              <a:rPr lang="de-AT" dirty="0" err="1" smtClean="0"/>
+              <a:t>information</a:t>
             </a:r>
             <a:r>
               <a:rPr lang="de-AT" dirty="0" smtClean="0"/>
@@ -10477,7 +10962,196 @@
             </a:r>
             <a:r>
               <a:rPr lang="de-AT" dirty="0" smtClean="0"/>
-              <a:t> not </a:t>
+              <a:t> </a:t>
+            </a:r>
+            <a:r>
+              <a:rPr lang="de-AT" dirty="0" err="1" smtClean="0"/>
+              <a:t>stored</a:t>
+            </a:r>
+            <a:r>
+              <a:rPr lang="de-AT" dirty="0" smtClean="0"/>
+              <a:t> multiple </a:t>
+            </a:r>
+            <a:r>
+              <a:rPr lang="de-AT" dirty="0" err="1" smtClean="0"/>
+              <a:t>times</a:t>
+            </a:r>
+            <a:r>
+              <a:rPr lang="de-AT" dirty="0" smtClean="0"/>
+              <a:t>.</a:t>
+            </a:r>
+          </a:p>
+          <a:p>
+            <a:endParaRPr lang="de-AT" dirty="0"/>
+          </a:p>
+          <a:p>
+            <a:r>
+              <a:rPr lang="de-AT" dirty="0" smtClean="0"/>
+              <a:t>Pros:</a:t>
+            </a:r>
+          </a:p>
+          <a:p>
+            <a:pPr lvl="1"/>
+            <a:r>
+              <a:rPr lang="de-AT" dirty="0" smtClean="0"/>
+              <a:t>Speeds </a:t>
+            </a:r>
+            <a:r>
+              <a:rPr lang="de-AT" dirty="0" err="1" smtClean="0"/>
+              <a:t>up</a:t>
+            </a:r>
+            <a:r>
+              <a:rPr lang="de-AT" dirty="0" smtClean="0"/>
+              <a:t> </a:t>
+            </a:r>
+            <a:r>
+              <a:rPr lang="de-AT" dirty="0" err="1" smtClean="0"/>
+              <a:t>data</a:t>
+            </a:r>
+            <a:r>
+              <a:rPr lang="de-AT" dirty="0" smtClean="0"/>
+              <a:t> </a:t>
+            </a:r>
+            <a:r>
+              <a:rPr lang="de-AT" dirty="0" err="1" smtClean="0"/>
+              <a:t>access</a:t>
+            </a:r>
+            <a:r>
+              <a:rPr lang="de-AT" dirty="0" smtClean="0"/>
+              <a:t> (</a:t>
+            </a:r>
+            <a:r>
+              <a:rPr lang="de-AT" dirty="0" err="1" smtClean="0"/>
+              <a:t>navigation</a:t>
+            </a:r>
+            <a:r>
+              <a:rPr lang="de-AT" dirty="0" smtClean="0"/>
+              <a:t> </a:t>
+            </a:r>
+            <a:r>
+              <a:rPr lang="de-AT" dirty="0" err="1" smtClean="0"/>
+              <a:t>path</a:t>
+            </a:r>
+            <a:r>
+              <a:rPr lang="de-AT" dirty="0" smtClean="0"/>
+              <a:t> </a:t>
+            </a:r>
+            <a:r>
+              <a:rPr lang="de-AT" dirty="0" err="1" smtClean="0"/>
+              <a:t>is</a:t>
+            </a:r>
+            <a:r>
+              <a:rPr lang="de-AT" dirty="0" smtClean="0"/>
+              <a:t> </a:t>
+            </a:r>
+            <a:r>
+              <a:rPr lang="de-AT" dirty="0" err="1" smtClean="0"/>
+              <a:t>shortened</a:t>
+            </a:r>
+            <a:r>
+              <a:rPr lang="de-AT" dirty="0" smtClean="0"/>
+              <a:t> </a:t>
+            </a:r>
+            <a:r>
+              <a:rPr lang="de-AT" dirty="0" err="1" smtClean="0"/>
+              <a:t>for</a:t>
+            </a:r>
+            <a:r>
+              <a:rPr lang="de-AT" dirty="0" smtClean="0"/>
+              <a:t> </a:t>
+            </a:r>
+            <a:r>
+              <a:rPr lang="de-AT" dirty="0" err="1" smtClean="0"/>
+              <a:t>some</a:t>
+            </a:r>
+            <a:r>
+              <a:rPr lang="de-AT" dirty="0" smtClean="0"/>
+              <a:t> </a:t>
+            </a:r>
+            <a:r>
+              <a:rPr lang="de-AT" dirty="0" err="1" smtClean="0"/>
+              <a:t>operations</a:t>
+            </a:r>
+            <a:r>
+              <a:rPr lang="de-AT" dirty="0" smtClean="0"/>
+              <a:t>)</a:t>
+            </a:r>
+          </a:p>
+          <a:p>
+            <a:pPr lvl="1"/>
+            <a:endParaRPr lang="de-AT" dirty="0"/>
+          </a:p>
+          <a:p>
+            <a:r>
+              <a:rPr lang="de-AT" dirty="0" err="1" smtClean="0"/>
+              <a:t>Cons</a:t>
+            </a:r>
+            <a:r>
+              <a:rPr lang="de-AT" dirty="0" smtClean="0"/>
+              <a:t>:</a:t>
+            </a:r>
+          </a:p>
+          <a:p>
+            <a:pPr lvl="1"/>
+            <a:r>
+              <a:rPr lang="de-AT" dirty="0" smtClean="0"/>
+              <a:t>Additional </a:t>
+            </a:r>
+            <a:r>
+              <a:rPr lang="de-AT" dirty="0" err="1" smtClean="0"/>
+              <a:t>updates</a:t>
+            </a:r>
+            <a:endParaRPr lang="de-AT" dirty="0" smtClean="0"/>
+          </a:p>
+          <a:p>
+            <a:pPr lvl="1"/>
+            <a:r>
+              <a:rPr lang="de-AT" dirty="0" err="1" smtClean="0"/>
+              <a:t>Risk</a:t>
+            </a:r>
+            <a:r>
+              <a:rPr lang="de-AT" dirty="0" smtClean="0"/>
+              <a:t> </a:t>
+            </a:r>
+            <a:r>
+              <a:rPr lang="de-AT" dirty="0" err="1" smtClean="0"/>
+              <a:t>of</a:t>
+            </a:r>
+            <a:r>
+              <a:rPr lang="de-AT" dirty="0" smtClean="0"/>
+              <a:t> </a:t>
+            </a:r>
+            <a:r>
+              <a:rPr lang="de-AT" dirty="0" err="1" smtClean="0"/>
+              <a:t>inconsistency</a:t>
+            </a:r>
+            <a:r>
+              <a:rPr lang="de-AT" dirty="0" smtClean="0"/>
+              <a:t> ( =&gt; </a:t>
+            </a:r>
+            <a:r>
+              <a:rPr lang="de-AT" dirty="0" err="1" smtClean="0"/>
+              <a:t>more</a:t>
+            </a:r>
+            <a:r>
+              <a:rPr lang="de-AT" dirty="0" smtClean="0"/>
+              <a:t> </a:t>
+            </a:r>
+            <a:r>
+              <a:rPr lang="de-AT" dirty="0" err="1" smtClean="0"/>
+              <a:t>consistency</a:t>
+            </a:r>
+            <a:r>
+              <a:rPr lang="de-AT" dirty="0" smtClean="0"/>
+              <a:t> </a:t>
+            </a:r>
+            <a:r>
+              <a:rPr lang="de-AT" dirty="0" err="1" smtClean="0"/>
+              <a:t>checks</a:t>
+            </a:r>
+            <a:r>
+              <a:rPr lang="de-AT" dirty="0" smtClean="0"/>
+              <a:t> </a:t>
             </a:r>
             <a:r>
               <a:rPr lang="de-AT" dirty="0" err="1" smtClean="0"/>
@@ -10485,140 +11159,45 @@
             </a:r>
             <a:r>
               <a:rPr lang="de-AT" dirty="0" smtClean="0"/>
-              <a:t> in </a:t>
-            </a:r>
-            <a:r>
-              <a:rPr lang="de-AT" dirty="0" err="1" smtClean="0"/>
-              <a:t>navigation</a:t>
-            </a:r>
-            <a:r>
-              <a:rPr lang="de-AT" dirty="0" smtClean="0"/>
-              <a:t> </a:t>
-            </a:r>
-            <a:r>
-              <a:rPr lang="de-AT" dirty="0" err="1" smtClean="0"/>
-              <a:t>path</a:t>
-            </a:r>
-            <a:r>
-              <a:rPr lang="de-AT" dirty="0" smtClean="0"/>
-              <a:t> (w.r.t </a:t>
-            </a:r>
-            <a:r>
-              <a:rPr lang="de-AT" dirty="0" err="1" smtClean="0"/>
-              <a:t>publisher</a:t>
-            </a:r>
-            <a:r>
-              <a:rPr lang="de-AT" dirty="0" smtClean="0"/>
-              <a:t> -&gt; </a:t>
-            </a:r>
-            <a:r>
-              <a:rPr lang="de-AT" dirty="0" err="1" smtClean="0"/>
-              <a:t>author</a:t>
-            </a:r>
-            <a:r>
-              <a:rPr lang="de-AT" dirty="0" smtClean="0"/>
               <a:t>)</a:t>
             </a:r>
           </a:p>
           <a:p>
-            <a:r>
-              <a:rPr lang="de-AT" dirty="0" smtClean="0"/>
-              <a:t>WRITE: Insert/Update/Delete </a:t>
-            </a:r>
-            <a:r>
-              <a:rPr lang="de-AT" dirty="0" err="1" smtClean="0"/>
-              <a:t>operations</a:t>
-            </a:r>
-            <a:r>
-              <a:rPr lang="de-AT" dirty="0" smtClean="0"/>
-              <a:t> on </a:t>
-            </a:r>
-            <a:r>
-              <a:rPr lang="de-AT" i="1" dirty="0" err="1" smtClean="0">
-                <a:latin typeface="Courier New" panose="02070309020205020404" pitchFamily="49" charset="0"/>
-                <a:cs typeface="Courier New" panose="02070309020205020404" pitchFamily="49" charset="0"/>
-              </a:rPr>
-              <a:t>book</a:t>
-            </a:r>
-            <a:r>
-              <a:rPr lang="de-AT" dirty="0" smtClean="0"/>
-              <a:t> </a:t>
-            </a:r>
-            <a:r>
-              <a:rPr lang="de-AT" dirty="0" err="1" smtClean="0"/>
-              <a:t>and</a:t>
-            </a:r>
-            <a:r>
-              <a:rPr lang="de-AT" dirty="0" smtClean="0"/>
-              <a:t> </a:t>
-            </a:r>
-            <a:r>
-              <a:rPr lang="de-AT" i="1" dirty="0" err="1" smtClean="0">
-                <a:latin typeface="Courier New" panose="02070309020205020404" pitchFamily="49" charset="0"/>
-                <a:cs typeface="Courier New" panose="02070309020205020404" pitchFamily="49" charset="0"/>
-              </a:rPr>
-              <a:t>writes</a:t>
-            </a:r>
-            <a:r>
-              <a:rPr lang="de-AT" dirty="0" smtClean="0"/>
-              <a:t> </a:t>
-            </a:r>
-            <a:r>
-              <a:rPr lang="de-AT" dirty="0" err="1" smtClean="0"/>
-              <a:t>might</a:t>
-            </a:r>
-            <a:r>
-              <a:rPr lang="de-AT" dirty="0" smtClean="0"/>
-              <a:t> </a:t>
-            </a:r>
-            <a:r>
-              <a:rPr lang="de-AT" dirty="0" err="1" smtClean="0"/>
-              <a:t>trigger</a:t>
-            </a:r>
-            <a:r>
-              <a:rPr lang="de-AT" dirty="0" smtClean="0"/>
-              <a:t> Insert </a:t>
-            </a:r>
-            <a:r>
-              <a:rPr lang="de-AT" dirty="0" err="1" smtClean="0"/>
-              <a:t>and</a:t>
-            </a:r>
-            <a:r>
-              <a:rPr lang="de-AT" dirty="0" smtClean="0"/>
-              <a:t> Delete </a:t>
-            </a:r>
-            <a:r>
-              <a:rPr lang="de-AT" dirty="0" err="1" smtClean="0"/>
-              <a:t>operations</a:t>
-            </a:r>
-            <a:r>
-              <a:rPr lang="de-AT" dirty="0" smtClean="0"/>
-              <a:t> on </a:t>
-            </a:r>
-            <a:r>
-              <a:rPr lang="de-AT" i="1" dirty="0" err="1" smtClean="0">
-                <a:solidFill>
-                  <a:srgbClr val="FF0000"/>
-                </a:solidFill>
-                <a:latin typeface="Courier New" panose="02070309020205020404" pitchFamily="49" charset="0"/>
-                <a:cs typeface="Courier New" panose="02070309020205020404" pitchFamily="49" charset="0"/>
-              </a:rPr>
-              <a:t>works_with</a:t>
-            </a:r>
-            <a:endParaRPr lang="de-AT" i="1" dirty="0">
-              <a:solidFill>
-                <a:srgbClr val="FF0000"/>
-              </a:solidFill>
-              <a:latin typeface="Courier New" panose="02070309020205020404" pitchFamily="49" charset="0"/>
-              <a:cs typeface="Courier New" panose="02070309020205020404" pitchFamily="49" charset="0"/>
-            </a:endParaRPr>
+            <a:pPr lvl="1"/>
+            <a:r>
+              <a:rPr lang="de-AT" dirty="0" smtClean="0"/>
+              <a:t>Additional </a:t>
+            </a:r>
+            <a:r>
+              <a:rPr lang="de-AT" dirty="0" err="1" smtClean="0"/>
+              <a:t>storage</a:t>
+            </a:r>
+            <a:r>
+              <a:rPr lang="de-AT" dirty="0" smtClean="0"/>
+              <a:t> </a:t>
+            </a:r>
+            <a:r>
+              <a:rPr lang="de-AT" dirty="0" err="1" smtClean="0"/>
+              <a:t>space</a:t>
+            </a:r>
+            <a:endParaRPr lang="de-AT" dirty="0" smtClean="0"/>
+          </a:p>
+          <a:p>
+            <a:pPr lvl="1"/>
+            <a:endParaRPr lang="de-AT" dirty="0"/>
+          </a:p>
+          <a:p>
+            <a:pPr marL="365760" lvl="1" indent="0">
+              <a:buNone/>
+            </a:pPr>
+            <a:endParaRPr lang="de-AT" dirty="0"/>
           </a:p>
         </p:txBody>
       </p:sp>
     </p:spTree>
     <p:extLst>
       <p:ext uri="{BB962C8B-B14F-4D97-AF65-F5344CB8AC3E}">
-        <p14:creationId xmlns:p14="http://schemas.microsoft.com/office/powerpoint/2010/main" val="1984286177"/>
+        <p14:creationId xmlns:p14="http://schemas.microsoft.com/office/powerpoint/2010/main" val="526241371"/>
       </p:ext>
     </p:extLst>
   </p:cSld>

--- a/Assignment_4.pptx
+++ b/Assignment_4.pptx
@@ -426,7 +426,7 @@
           <a:p>
             <a:fld id="{1BA50D42-C9CD-4801-B293-61D1F53EC57E}" type="datetimeFigureOut">
               <a:rPr lang="de-DE" smtClean="0"/>
-              <a:t>14.04.2016</a:t>
+              <a:t>15.04.2016</a:t>
             </a:fld>
             <a:endParaRPr lang="de-DE"/>
           </a:p>
@@ -617,7 +617,7 @@
           <a:p>
             <a:fld id="{1BA50D42-C9CD-4801-B293-61D1F53EC57E}" type="datetimeFigureOut">
               <a:rPr lang="de-DE" smtClean="0"/>
-              <a:t>14.04.2016</a:t>
+              <a:t>15.04.2016</a:t>
             </a:fld>
             <a:endParaRPr lang="de-DE"/>
           </a:p>
@@ -802,7 +802,7 @@
           <a:p>
             <a:fld id="{1BA50D42-C9CD-4801-B293-61D1F53EC57E}" type="datetimeFigureOut">
               <a:rPr lang="de-DE" smtClean="0"/>
-              <a:t>14.04.2016</a:t>
+              <a:t>15.04.2016</a:t>
             </a:fld>
             <a:endParaRPr lang="de-DE"/>
           </a:p>
@@ -1065,7 +1065,7 @@
           <a:p>
             <a:fld id="{1BA50D42-C9CD-4801-B293-61D1F53EC57E}" type="datetimeFigureOut">
               <a:rPr lang="de-DE" smtClean="0"/>
-              <a:t>14.04.2016</a:t>
+              <a:t>15.04.2016</a:t>
             </a:fld>
             <a:endParaRPr lang="de-DE"/>
           </a:p>
@@ -1481,7 +1481,7 @@
           <a:p>
             <a:fld id="{1BA50D42-C9CD-4801-B293-61D1F53EC57E}" type="datetimeFigureOut">
               <a:rPr lang="de-DE" smtClean="0"/>
-              <a:t>14.04.2016</a:t>
+              <a:t>15.04.2016</a:t>
             </a:fld>
             <a:endParaRPr lang="de-DE"/>
           </a:p>
@@ -1723,7 +1723,7 @@
           <a:p>
             <a:fld id="{1BA50D42-C9CD-4801-B293-61D1F53EC57E}" type="datetimeFigureOut">
               <a:rPr lang="de-DE" smtClean="0"/>
-              <a:t>14.04.2016</a:t>
+              <a:t>15.04.2016</a:t>
             </a:fld>
             <a:endParaRPr lang="de-DE"/>
           </a:p>
@@ -1959,7 +1959,7 @@
           <a:p>
             <a:fld id="{1BA50D42-C9CD-4801-B293-61D1F53EC57E}" type="datetimeFigureOut">
               <a:rPr lang="de-DE" smtClean="0"/>
-              <a:t>14.04.2016</a:t>
+              <a:t>15.04.2016</a:t>
             </a:fld>
             <a:endParaRPr lang="de-DE"/>
           </a:p>
@@ -2154,7 +2154,7 @@
           <a:p>
             <a:fld id="{1BA50D42-C9CD-4801-B293-61D1F53EC57E}" type="datetimeFigureOut">
               <a:rPr lang="de-DE" smtClean="0"/>
-              <a:t>14.04.2016</a:t>
+              <a:t>15.04.2016</a:t>
             </a:fld>
             <a:endParaRPr lang="de-DE"/>
           </a:p>
@@ -2252,7 +2252,7 @@
           <a:p>
             <a:fld id="{1BA50D42-C9CD-4801-B293-61D1F53EC57E}" type="datetimeFigureOut">
               <a:rPr lang="de-DE" smtClean="0"/>
-              <a:t>14.04.2016</a:t>
+              <a:t>15.04.2016</a:t>
             </a:fld>
             <a:endParaRPr lang="de-DE"/>
           </a:p>
@@ -2388,7 +2388,7 @@
           <a:p>
             <a:fld id="{1BA50D42-C9CD-4801-B293-61D1F53EC57E}" type="datetimeFigureOut">
               <a:rPr lang="de-DE" smtClean="0"/>
-              <a:t>14.04.2016</a:t>
+              <a:t>15.04.2016</a:t>
             </a:fld>
             <a:endParaRPr lang="de-DE"/>
           </a:p>
@@ -2906,7 +2906,7 @@
           <a:p>
             <a:fld id="{1BA50D42-C9CD-4801-B293-61D1F53EC57E}" type="datetimeFigureOut">
               <a:rPr lang="de-DE" smtClean="0"/>
-              <a:t>14.04.2016</a:t>
+              <a:t>15.04.2016</a:t>
             </a:fld>
             <a:endParaRPr lang="de-DE"/>
           </a:p>
@@ -3167,7 +3167,7 @@
           <a:p>
             <a:fld id="{1BA50D42-C9CD-4801-B293-61D1F53EC57E}" type="datetimeFigureOut">
               <a:rPr lang="de-DE" smtClean="0"/>
-              <a:t>14.04.2016</a:t>
+              <a:t>15.04.2016</a:t>
             </a:fld>
             <a:endParaRPr lang="de-DE"/>
           </a:p>
@@ -6900,6 +6900,114 @@
           </a:p>
         </p:txBody>
       </p:sp>
+      <p:pic>
+        <p:nvPicPr>
+          <p:cNvPr id="4" name="Picture 2"/>
+          <p:cNvPicPr>
+            <a:picLocks noChangeAspect="1" noChangeArrowheads="1"/>
+          </p:cNvPicPr>
+          <p:nvPr/>
+        </p:nvPicPr>
+        <p:blipFill>
+          <a:blip r:embed="rId2">
+            <a:extLst>
+              <a:ext uri="{28A0092B-C50C-407E-A947-70E740481C1C}">
+                <a14:useLocalDpi xmlns:a14="http://schemas.microsoft.com/office/drawing/2010/main" val="0"/>
+              </a:ext>
+            </a:extLst>
+          </a:blip>
+          <a:srcRect/>
+          <a:stretch>
+            <a:fillRect/>
+          </a:stretch>
+        </p:blipFill>
+        <p:spPr bwMode="auto">
+          <a:xfrm>
+            <a:off x="5868144" y="2780928"/>
+            <a:ext cx="2886075" cy="2076450"/>
+          </a:xfrm>
+          <a:prstGeom prst="rect">
+            <a:avLst/>
+          </a:prstGeom>
+          <a:noFill/>
+          <a:ln>
+            <a:noFill/>
+          </a:ln>
+          <a:extLst>
+            <a:ext uri="{909E8E84-426E-40DD-AFC4-6F175D3DCCD1}">
+              <a14:hiddenFill xmlns:a14="http://schemas.microsoft.com/office/drawing/2010/main">
+                <a:solidFill>
+                  <a:schemeClr val="accent1"/>
+                </a:solidFill>
+              </a14:hiddenFill>
+            </a:ext>
+            <a:ext uri="{91240B29-F687-4F45-9708-019B960494DF}">
+              <a14:hiddenLine xmlns:a14="http://schemas.microsoft.com/office/drawing/2010/main" w="9525">
+                <a:solidFill>
+                  <a:schemeClr val="tx1"/>
+                </a:solidFill>
+                <a:miter lim="800000"/>
+                <a:headEnd/>
+                <a:tailEnd/>
+              </a14:hiddenLine>
+            </a:ext>
+          </a:extLst>
+        </p:spPr>
+      </p:pic>
+      <p:pic>
+        <p:nvPicPr>
+          <p:cNvPr id="5" name="Picture 3"/>
+          <p:cNvPicPr>
+            <a:picLocks noChangeAspect="1" noChangeArrowheads="1"/>
+          </p:cNvPicPr>
+          <p:nvPr/>
+        </p:nvPicPr>
+        <p:blipFill>
+          <a:blip r:embed="rId3">
+            <a:extLst>
+              <a:ext uri="{28A0092B-C50C-407E-A947-70E740481C1C}">
+                <a14:useLocalDpi xmlns:a14="http://schemas.microsoft.com/office/drawing/2010/main" val="0"/>
+              </a:ext>
+            </a:extLst>
+          </a:blip>
+          <a:srcRect/>
+          <a:stretch>
+            <a:fillRect/>
+          </a:stretch>
+        </p:blipFill>
+        <p:spPr bwMode="auto">
+          <a:xfrm>
+            <a:off x="2627784" y="4005064"/>
+            <a:ext cx="3095625" cy="2200275"/>
+          </a:xfrm>
+          <a:prstGeom prst="rect">
+            <a:avLst/>
+          </a:prstGeom>
+          <a:noFill/>
+          <a:ln>
+            <a:noFill/>
+          </a:ln>
+          <a:extLst>
+            <a:ext uri="{909E8E84-426E-40DD-AFC4-6F175D3DCCD1}">
+              <a14:hiddenFill xmlns:a14="http://schemas.microsoft.com/office/drawing/2010/main">
+                <a:solidFill>
+                  <a:schemeClr val="accent1"/>
+                </a:solidFill>
+              </a14:hiddenFill>
+            </a:ext>
+            <a:ext uri="{91240B29-F687-4F45-9708-019B960494DF}">
+              <a14:hiddenLine xmlns:a14="http://schemas.microsoft.com/office/drawing/2010/main" w="9525">
+                <a:solidFill>
+                  <a:schemeClr val="tx1"/>
+                </a:solidFill>
+                <a:miter lim="800000"/>
+                <a:headEnd/>
+                <a:tailEnd/>
+              </a14:hiddenLine>
+            </a:ext>
+          </a:extLst>
+        </p:spPr>
+      </p:pic>
     </p:spTree>
     <p:extLst>
       <p:ext uri="{BB962C8B-B14F-4D97-AF65-F5344CB8AC3E}">
@@ -7101,6 +7209,10 @@
               <a:rPr lang="de-AT" dirty="0" smtClean="0"/>
               <a:t> </a:t>
             </a:r>
+            <a:endParaRPr lang="de-AT" dirty="0" smtClean="0"/>
+          </a:p>
+          <a:p>
+            <a:pPr lvl="1"/>
             <a:r>
               <a:rPr lang="de-AT" dirty="0" err="1" smtClean="0"/>
               <a:t>otherwise</a:t>
@@ -7109,6 +7221,114 @@
           </a:p>
         </p:txBody>
       </p:sp>
+      <p:pic>
+        <p:nvPicPr>
+          <p:cNvPr id="1028" name="Picture 4"/>
+          <p:cNvPicPr>
+            <a:picLocks noChangeAspect="1" noChangeArrowheads="1"/>
+          </p:cNvPicPr>
+          <p:nvPr/>
+        </p:nvPicPr>
+        <p:blipFill>
+          <a:blip r:embed="rId2">
+            <a:extLst>
+              <a:ext uri="{28A0092B-C50C-407E-A947-70E740481C1C}">
+                <a14:useLocalDpi xmlns:a14="http://schemas.microsoft.com/office/drawing/2010/main" val="0"/>
+              </a:ext>
+            </a:extLst>
+          </a:blip>
+          <a:srcRect/>
+          <a:stretch>
+            <a:fillRect/>
+          </a:stretch>
+        </p:blipFill>
+        <p:spPr bwMode="auto">
+          <a:xfrm>
+            <a:off x="5724128" y="2780928"/>
+            <a:ext cx="2876550" cy="2209800"/>
+          </a:xfrm>
+          <a:prstGeom prst="rect">
+            <a:avLst/>
+          </a:prstGeom>
+          <a:noFill/>
+          <a:ln>
+            <a:noFill/>
+          </a:ln>
+          <a:extLst>
+            <a:ext uri="{909E8E84-426E-40DD-AFC4-6F175D3DCCD1}">
+              <a14:hiddenFill xmlns:a14="http://schemas.microsoft.com/office/drawing/2010/main">
+                <a:solidFill>
+                  <a:schemeClr val="accent1"/>
+                </a:solidFill>
+              </a14:hiddenFill>
+            </a:ext>
+            <a:ext uri="{91240B29-F687-4F45-9708-019B960494DF}">
+              <a14:hiddenLine xmlns:a14="http://schemas.microsoft.com/office/drawing/2010/main" w="9525">
+                <a:solidFill>
+                  <a:schemeClr val="tx1"/>
+                </a:solidFill>
+                <a:miter lim="800000"/>
+                <a:headEnd/>
+                <a:tailEnd/>
+              </a14:hiddenLine>
+            </a:ext>
+          </a:extLst>
+        </p:spPr>
+      </p:pic>
+      <p:pic>
+        <p:nvPicPr>
+          <p:cNvPr id="1029" name="Picture 5"/>
+          <p:cNvPicPr>
+            <a:picLocks noChangeAspect="1" noChangeArrowheads="1"/>
+          </p:cNvPicPr>
+          <p:nvPr/>
+        </p:nvPicPr>
+        <p:blipFill>
+          <a:blip r:embed="rId3">
+            <a:extLst>
+              <a:ext uri="{28A0092B-C50C-407E-A947-70E740481C1C}">
+                <a14:useLocalDpi xmlns:a14="http://schemas.microsoft.com/office/drawing/2010/main" val="0"/>
+              </a:ext>
+            </a:extLst>
+          </a:blip>
+          <a:srcRect/>
+          <a:stretch>
+            <a:fillRect/>
+          </a:stretch>
+        </p:blipFill>
+        <p:spPr bwMode="auto">
+          <a:xfrm>
+            <a:off x="2411760" y="4365104"/>
+            <a:ext cx="3505200" cy="2247900"/>
+          </a:xfrm>
+          <a:prstGeom prst="rect">
+            <a:avLst/>
+          </a:prstGeom>
+          <a:noFill/>
+          <a:ln>
+            <a:noFill/>
+          </a:ln>
+          <a:extLst>
+            <a:ext uri="{909E8E84-426E-40DD-AFC4-6F175D3DCCD1}">
+              <a14:hiddenFill xmlns:a14="http://schemas.microsoft.com/office/drawing/2010/main">
+                <a:solidFill>
+                  <a:schemeClr val="accent1"/>
+                </a:solidFill>
+              </a14:hiddenFill>
+            </a:ext>
+            <a:ext uri="{91240B29-F687-4F45-9708-019B960494DF}">
+              <a14:hiddenLine xmlns:a14="http://schemas.microsoft.com/office/drawing/2010/main" w="9525">
+                <a:solidFill>
+                  <a:schemeClr val="tx1"/>
+                </a:solidFill>
+                <a:miter lim="800000"/>
+                <a:headEnd/>
+                <a:tailEnd/>
+              </a14:hiddenLine>
+            </a:ext>
+          </a:extLst>
+        </p:spPr>
+      </p:pic>
     </p:spTree>
     <p:extLst>
       <p:ext uri="{BB962C8B-B14F-4D97-AF65-F5344CB8AC3E}">
@@ -9772,6 +9992,24 @@
                 <a:sym typeface="Wingdings" panose="05000000000000000000" pitchFamily="2" charset="2"/>
               </a:rPr>
               <a:t>has</a:t>
+            </a:r>
+            <a:endParaRPr lang="de-AT" dirty="0" smtClean="0">
+              <a:sym typeface="Wingdings" panose="05000000000000000000" pitchFamily="2" charset="2"/>
+            </a:endParaRPr>
+          </a:p>
+          <a:p>
+            <a:pPr lvl="1"/>
+            <a:r>
+              <a:rPr lang="de-AT" dirty="0" smtClean="0">
+                <a:sym typeface="Wingdings" panose="05000000000000000000" pitchFamily="2" charset="2"/>
+              </a:rPr>
+              <a:t>Game  </a:t>
+            </a:r>
+            <a:r>
+              <a:rPr lang="de-AT" dirty="0" err="1" smtClean="0">
+                <a:sym typeface="Wingdings" panose="05000000000000000000" pitchFamily="2" charset="2"/>
+              </a:rPr>
+              <a:t>Competition</a:t>
             </a:r>
             <a:endParaRPr lang="de-AT" dirty="0"/>
           </a:p>

--- a/Assignment_4.pptx
+++ b/Assignment_4.pptx
@@ -7,33 +7,36 @@
   <p:sldIdLst>
     <p:sldId id="256" r:id="rId2"/>
     <p:sldId id="270" r:id="rId3"/>
-    <p:sldId id="271" r:id="rId4"/>
-    <p:sldId id="273" r:id="rId5"/>
-    <p:sldId id="285" r:id="rId6"/>
-    <p:sldId id="286" r:id="rId7"/>
-    <p:sldId id="274" r:id="rId8"/>
-    <p:sldId id="275" r:id="rId9"/>
-    <p:sldId id="276" r:id="rId10"/>
-    <p:sldId id="277" r:id="rId11"/>
-    <p:sldId id="278" r:id="rId12"/>
-    <p:sldId id="279" r:id="rId13"/>
-    <p:sldId id="280" r:id="rId14"/>
-    <p:sldId id="282" r:id="rId15"/>
-    <p:sldId id="281" r:id="rId16"/>
-    <p:sldId id="283" r:id="rId17"/>
-    <p:sldId id="257" r:id="rId18"/>
-    <p:sldId id="258" r:id="rId19"/>
-    <p:sldId id="259" r:id="rId20"/>
-    <p:sldId id="260" r:id="rId21"/>
-    <p:sldId id="261" r:id="rId22"/>
-    <p:sldId id="262" r:id="rId23"/>
-    <p:sldId id="263" r:id="rId24"/>
-    <p:sldId id="264" r:id="rId25"/>
-    <p:sldId id="265" r:id="rId26"/>
-    <p:sldId id="266" r:id="rId27"/>
-    <p:sldId id="267" r:id="rId28"/>
-    <p:sldId id="268" r:id="rId29"/>
-    <p:sldId id="269" r:id="rId30"/>
+    <p:sldId id="287" r:id="rId4"/>
+    <p:sldId id="288" r:id="rId5"/>
+    <p:sldId id="289" r:id="rId6"/>
+    <p:sldId id="271" r:id="rId7"/>
+    <p:sldId id="273" r:id="rId8"/>
+    <p:sldId id="285" r:id="rId9"/>
+    <p:sldId id="286" r:id="rId10"/>
+    <p:sldId id="274" r:id="rId11"/>
+    <p:sldId id="275" r:id="rId12"/>
+    <p:sldId id="276" r:id="rId13"/>
+    <p:sldId id="277" r:id="rId14"/>
+    <p:sldId id="278" r:id="rId15"/>
+    <p:sldId id="279" r:id="rId16"/>
+    <p:sldId id="280" r:id="rId17"/>
+    <p:sldId id="282" r:id="rId18"/>
+    <p:sldId id="281" r:id="rId19"/>
+    <p:sldId id="283" r:id="rId20"/>
+    <p:sldId id="257" r:id="rId21"/>
+    <p:sldId id="258" r:id="rId22"/>
+    <p:sldId id="259" r:id="rId23"/>
+    <p:sldId id="260" r:id="rId24"/>
+    <p:sldId id="261" r:id="rId25"/>
+    <p:sldId id="262" r:id="rId26"/>
+    <p:sldId id="263" r:id="rId27"/>
+    <p:sldId id="264" r:id="rId28"/>
+    <p:sldId id="265" r:id="rId29"/>
+    <p:sldId id="266" r:id="rId30"/>
+    <p:sldId id="267" r:id="rId31"/>
+    <p:sldId id="268" r:id="rId32"/>
+    <p:sldId id="269" r:id="rId33"/>
   </p:sldIdLst>
   <p:sldSz cx="9144000" cy="6858000" type="screen4x3"/>
   <p:notesSz cx="6858000" cy="9144000"/>
@@ -3798,6 +3801,828 @@
         </p:nvSpPr>
         <p:spPr/>
         <p:txBody>
+          <a:bodyPr>
+            <a:normAutofit fontScale="90000"/>
+          </a:bodyPr>
+          <a:lstStyle/>
+          <a:p>
+            <a:r>
+              <a:rPr lang="de-AT" dirty="0" err="1" smtClean="0"/>
+              <a:t>Exercise</a:t>
+            </a:r>
+            <a:r>
+              <a:rPr lang="de-AT" dirty="0" smtClean="0"/>
+              <a:t> 2 – </a:t>
+            </a:r>
+            <a:br>
+              <a:rPr lang="de-AT" dirty="0" smtClean="0"/>
+            </a:br>
+            <a:r>
+              <a:rPr lang="de-AT" dirty="0" smtClean="0"/>
+              <a:t>Determination </a:t>
+            </a:r>
+            <a:r>
+              <a:rPr lang="de-AT" dirty="0" err="1" smtClean="0"/>
+              <a:t>of</a:t>
+            </a:r>
+            <a:r>
+              <a:rPr lang="de-AT" dirty="0" smtClean="0"/>
+              <a:t> </a:t>
+            </a:r>
+            <a:r>
+              <a:rPr lang="de-AT" dirty="0" err="1" smtClean="0"/>
+              <a:t>Quantities</a:t>
+            </a:r>
+            <a:endParaRPr lang="de-AT" dirty="0"/>
+          </a:p>
+        </p:txBody>
+      </p:sp>
+      <p:pic>
+        <p:nvPicPr>
+          <p:cNvPr id="4" name="Inhaltsplatzhalter 3"/>
+          <p:cNvPicPr>
+            <a:picLocks noGrp="1" noChangeAspect="1"/>
+          </p:cNvPicPr>
+          <p:nvPr>
+            <p:ph sz="quarter" idx="1"/>
+          </p:nvPr>
+        </p:nvPicPr>
+        <p:blipFill>
+          <a:blip r:embed="rId2">
+            <a:extLst>
+              <a:ext uri="{28A0092B-C50C-407E-A947-70E740481C1C}">
+                <a14:useLocalDpi xmlns:a14="http://schemas.microsoft.com/office/drawing/2010/main" val="0"/>
+              </a:ext>
+            </a:extLst>
+          </a:blip>
+          <a:stretch>
+            <a:fillRect/>
+          </a:stretch>
+        </p:blipFill>
+        <p:spPr>
+          <a:xfrm>
+            <a:off x="781023" y="1556792"/>
+            <a:ext cx="5611008" cy="3391374"/>
+          </a:xfrm>
+        </p:spPr>
+      </p:pic>
+      <p:sp>
+        <p:nvSpPr>
+          <p:cNvPr id="5" name="Textfeld 4"/>
+          <p:cNvSpPr txBox="1"/>
+          <p:nvPr/>
+        </p:nvSpPr>
+        <p:spPr>
+          <a:xfrm>
+            <a:off x="810105" y="4797152"/>
+            <a:ext cx="7920880" cy="1815882"/>
+          </a:xfrm>
+          <a:prstGeom prst="rect">
+            <a:avLst/>
+          </a:prstGeom>
+          <a:noFill/>
+        </p:spPr>
+        <p:txBody>
+          <a:bodyPr wrap="square" rtlCol="0">
+            <a:spAutoFit/>
+          </a:bodyPr>
+          <a:lstStyle/>
+          <a:p>
+            <a:r>
+              <a:rPr lang="en-GB" sz="1400" dirty="0"/>
+              <a:t>N(publisher) x N (publisher, publishes ) = N (publishes)  = N(book</a:t>
+            </a:r>
+            <a:r>
+              <a:rPr lang="en-GB" sz="1400" dirty="0" smtClean="0"/>
+              <a:t>)</a:t>
+            </a:r>
+          </a:p>
+          <a:p>
+            <a:pPr marL="285750" indent="-285750">
+              <a:buFont typeface="Symbol"/>
+              <a:buChar char="Þ"/>
+            </a:pPr>
+            <a:r>
+              <a:rPr lang="en-GB" sz="1400" dirty="0" smtClean="0"/>
+              <a:t>N(book) = N(publishes) = 100 x 1.000 = 100.000</a:t>
+            </a:r>
+          </a:p>
+          <a:p>
+            <a:endParaRPr lang="de-AT" sz="1400" dirty="0" smtClean="0"/>
+          </a:p>
+          <a:p>
+            <a:r>
+              <a:rPr lang="en-GB" sz="1400" dirty="0"/>
+              <a:t>N(author) = N(writes) / N(writes, author)</a:t>
+            </a:r>
+            <a:endParaRPr lang="de-AT" sz="1400" dirty="0"/>
+          </a:p>
+          <a:p>
+            <a:pPr marL="285750" indent="-285750">
+              <a:buFont typeface="Symbol"/>
+              <a:buChar char="Þ"/>
+            </a:pPr>
+            <a:r>
+              <a:rPr lang="en-GB" sz="1400" dirty="0" smtClean="0"/>
+              <a:t>N(author) = 400.000 / 20 = 20.000</a:t>
+            </a:r>
+          </a:p>
+          <a:p>
+            <a:pPr marL="285750" indent="-285750">
+              <a:buFont typeface="Symbol"/>
+              <a:buChar char="Þ"/>
+            </a:pPr>
+            <a:endParaRPr lang="en-GB" sz="1400" dirty="0"/>
+          </a:p>
+          <a:p>
+            <a:r>
+              <a:rPr lang="en-GB" sz="1400" dirty="0"/>
+              <a:t>N(book, writes) = N (writes) / N(books</a:t>
+            </a:r>
+            <a:r>
+              <a:rPr lang="en-GB" sz="1400" dirty="0" smtClean="0"/>
+              <a:t>)</a:t>
+            </a:r>
+            <a:endParaRPr lang="en-GB" dirty="0"/>
+          </a:p>
+          <a:p>
+            <a:pPr marL="285750" indent="-285750">
+              <a:buFont typeface="Symbol"/>
+              <a:buChar char="Þ"/>
+            </a:pPr>
+            <a:r>
+              <a:rPr lang="en-GB" sz="1400" dirty="0" smtClean="0"/>
+              <a:t>N(book, writes) = 400.000 / 100.000 = 4</a:t>
+            </a:r>
+          </a:p>
+        </p:txBody>
+      </p:sp>
+      <p:sp>
+        <p:nvSpPr>
+          <p:cNvPr id="6" name="Textfeld 5"/>
+          <p:cNvSpPr txBox="1"/>
+          <p:nvPr/>
+        </p:nvSpPr>
+        <p:spPr>
+          <a:xfrm>
+            <a:off x="1763688" y="1516783"/>
+            <a:ext cx="1080120" cy="276999"/>
+          </a:xfrm>
+          <a:prstGeom prst="rect">
+            <a:avLst/>
+          </a:prstGeom>
+          <a:noFill/>
+        </p:spPr>
+        <p:txBody>
+          <a:bodyPr wrap="square" rtlCol="0">
+            <a:spAutoFit/>
+          </a:bodyPr>
+          <a:lstStyle/>
+          <a:p>
+            <a:r>
+              <a:rPr lang="de-AT" sz="1200" b="1" dirty="0" smtClean="0">
+                <a:solidFill>
+                  <a:srgbClr val="FF0000"/>
+                </a:solidFill>
+              </a:rPr>
+              <a:t>&lt;100.000&gt;</a:t>
+            </a:r>
+            <a:endParaRPr lang="de-AT" sz="1200" b="1" dirty="0">
+              <a:solidFill>
+                <a:srgbClr val="FF0000"/>
+              </a:solidFill>
+            </a:endParaRPr>
+          </a:p>
+        </p:txBody>
+      </p:sp>
+      <p:sp>
+        <p:nvSpPr>
+          <p:cNvPr id="7" name="Textfeld 6"/>
+          <p:cNvSpPr txBox="1"/>
+          <p:nvPr/>
+        </p:nvSpPr>
+        <p:spPr>
+          <a:xfrm>
+            <a:off x="4427984" y="1514181"/>
+            <a:ext cx="1080120" cy="276999"/>
+          </a:xfrm>
+          <a:prstGeom prst="rect">
+            <a:avLst/>
+          </a:prstGeom>
+          <a:noFill/>
+        </p:spPr>
+        <p:txBody>
+          <a:bodyPr wrap="square" rtlCol="0">
+            <a:spAutoFit/>
+          </a:bodyPr>
+          <a:lstStyle/>
+          <a:p>
+            <a:r>
+              <a:rPr lang="de-AT" sz="1200" b="1" dirty="0" smtClean="0">
+                <a:solidFill>
+                  <a:srgbClr val="FF0000"/>
+                </a:solidFill>
+              </a:rPr>
+              <a:t>&lt;100.000&gt;</a:t>
+            </a:r>
+            <a:endParaRPr lang="de-AT" sz="1200" b="1" dirty="0">
+              <a:solidFill>
+                <a:srgbClr val="FF0000"/>
+              </a:solidFill>
+            </a:endParaRPr>
+          </a:p>
+        </p:txBody>
+      </p:sp>
+      <p:sp>
+        <p:nvSpPr>
+          <p:cNvPr id="8" name="Textfeld 7"/>
+          <p:cNvSpPr txBox="1"/>
+          <p:nvPr/>
+        </p:nvSpPr>
+        <p:spPr>
+          <a:xfrm>
+            <a:off x="5506258" y="2852936"/>
+            <a:ext cx="1080120" cy="276999"/>
+          </a:xfrm>
+          <a:prstGeom prst="rect">
+            <a:avLst/>
+          </a:prstGeom>
+          <a:noFill/>
+        </p:spPr>
+        <p:txBody>
+          <a:bodyPr wrap="square" rtlCol="0">
+            <a:spAutoFit/>
+          </a:bodyPr>
+          <a:lstStyle/>
+          <a:p>
+            <a:r>
+              <a:rPr lang="de-AT" sz="1200" b="1" dirty="0" smtClean="0">
+                <a:solidFill>
+                  <a:srgbClr val="FF0000"/>
+                </a:solidFill>
+              </a:rPr>
+              <a:t>&lt;4&gt;</a:t>
+            </a:r>
+            <a:endParaRPr lang="de-AT" sz="1200" b="1" dirty="0">
+              <a:solidFill>
+                <a:srgbClr val="FF0000"/>
+              </a:solidFill>
+            </a:endParaRPr>
+          </a:p>
+        </p:txBody>
+      </p:sp>
+      <p:sp>
+        <p:nvSpPr>
+          <p:cNvPr id="9" name="Textfeld 8"/>
+          <p:cNvSpPr txBox="1"/>
+          <p:nvPr/>
+        </p:nvSpPr>
+        <p:spPr>
+          <a:xfrm>
+            <a:off x="5483825" y="4187309"/>
+            <a:ext cx="1080120" cy="276999"/>
+          </a:xfrm>
+          <a:prstGeom prst="rect">
+            <a:avLst/>
+          </a:prstGeom>
+          <a:noFill/>
+        </p:spPr>
+        <p:txBody>
+          <a:bodyPr wrap="square" rtlCol="0">
+            <a:spAutoFit/>
+          </a:bodyPr>
+          <a:lstStyle/>
+          <a:p>
+            <a:r>
+              <a:rPr lang="de-AT" sz="1200" b="1" dirty="0" smtClean="0">
+                <a:solidFill>
+                  <a:srgbClr val="FF0000"/>
+                </a:solidFill>
+              </a:rPr>
+              <a:t>&lt;20.000&gt;</a:t>
+            </a:r>
+            <a:endParaRPr lang="de-AT" sz="1200" b="1" dirty="0">
+              <a:solidFill>
+                <a:srgbClr val="FF0000"/>
+              </a:solidFill>
+            </a:endParaRPr>
+          </a:p>
+        </p:txBody>
+      </p:sp>
+    </p:spTree>
+    <p:extLst>
+      <p:ext uri="{BB962C8B-B14F-4D97-AF65-F5344CB8AC3E}">
+        <p14:creationId xmlns:p14="http://schemas.microsoft.com/office/powerpoint/2010/main" val="1343703413"/>
+      </p:ext>
+    </p:extLst>
+  </p:cSld>
+  <p:clrMapOvr>
+    <a:masterClrMapping/>
+  </p:clrMapOvr>
+</p:sld>
+</file>
+
+<file path=ppt/slides/slide11.xml><?xml version="1.0" encoding="utf-8"?>
+<p:sld xmlns:a="http://schemas.openxmlformats.org/drawingml/2006/main" xmlns:r="http://schemas.openxmlformats.org/officeDocument/2006/relationships" xmlns:p="http://schemas.openxmlformats.org/presentationml/2006/main">
+  <p:cSld>
+    <p:spTree>
+      <p:nvGrpSpPr>
+        <p:cNvPr id="1" name=""/>
+        <p:cNvGrpSpPr/>
+        <p:nvPr/>
+      </p:nvGrpSpPr>
+      <p:grpSpPr>
+        <a:xfrm>
+          <a:off x="0" y="0"/>
+          <a:ext cx="0" cy="0"/>
+          <a:chOff x="0" y="0"/>
+          <a:chExt cx="0" cy="0"/>
+        </a:xfrm>
+      </p:grpSpPr>
+      <p:sp>
+        <p:nvSpPr>
+          <p:cNvPr id="2" name="Titel 1"/>
+          <p:cNvSpPr>
+            <a:spLocks noGrp="1"/>
+          </p:cNvSpPr>
+          <p:nvPr>
+            <p:ph type="title"/>
+          </p:nvPr>
+        </p:nvSpPr>
+        <p:spPr/>
+        <p:txBody>
+          <a:bodyPr/>
+          <a:lstStyle/>
+          <a:p>
+            <a:r>
+              <a:rPr lang="de-AT" dirty="0" err="1" smtClean="0"/>
+              <a:t>Exercise</a:t>
+            </a:r>
+            <a:r>
+              <a:rPr lang="de-AT" dirty="0" smtClean="0"/>
+              <a:t> 2 - Navigation</a:t>
+            </a:r>
+            <a:endParaRPr lang="de-AT" dirty="0"/>
+          </a:p>
+        </p:txBody>
+      </p:sp>
+      <p:sp>
+        <p:nvSpPr>
+          <p:cNvPr id="3" name="Inhaltsplatzhalter 2"/>
+          <p:cNvSpPr>
+            <a:spLocks noGrp="1"/>
+          </p:cNvSpPr>
+          <p:nvPr>
+            <p:ph sz="quarter" idx="1"/>
+          </p:nvPr>
+        </p:nvSpPr>
+        <p:spPr/>
+        <p:txBody>
+          <a:bodyPr/>
+          <a:lstStyle/>
+          <a:p>
+            <a:r>
+              <a:rPr lang="en-GB" dirty="0" smtClean="0"/>
+              <a:t>To get the result of a query or to execute an operation, multiple entity types and relations might have to be accessed.</a:t>
+            </a:r>
+          </a:p>
+          <a:p>
+            <a:r>
+              <a:rPr lang="en-GB" dirty="0" smtClean="0"/>
+              <a:t>Navigation path shows, which entity types and relations are accessed and in which order.</a:t>
+            </a:r>
+          </a:p>
+          <a:p>
+            <a:r>
+              <a:rPr lang="en-GB" dirty="0" smtClean="0"/>
+              <a:t>Necessary for evaluating costs of database operations</a:t>
+            </a:r>
+            <a:endParaRPr lang="en-GB" dirty="0"/>
+          </a:p>
+        </p:txBody>
+      </p:sp>
+    </p:spTree>
+    <p:extLst>
+      <p:ext uri="{BB962C8B-B14F-4D97-AF65-F5344CB8AC3E}">
+        <p14:creationId xmlns:p14="http://schemas.microsoft.com/office/powerpoint/2010/main" val="1138079737"/>
+      </p:ext>
+    </p:extLst>
+  </p:cSld>
+  <p:clrMapOvr>
+    <a:masterClrMapping/>
+  </p:clrMapOvr>
+</p:sld>
+</file>
+
+<file path=ppt/slides/slide12.xml><?xml version="1.0" encoding="utf-8"?>
+<p:sld xmlns:a="http://schemas.openxmlformats.org/drawingml/2006/main" xmlns:r="http://schemas.openxmlformats.org/officeDocument/2006/relationships" xmlns:p="http://schemas.openxmlformats.org/presentationml/2006/main">
+  <p:cSld>
+    <p:spTree>
+      <p:nvGrpSpPr>
+        <p:cNvPr id="1" name=""/>
+        <p:cNvGrpSpPr/>
+        <p:nvPr/>
+      </p:nvGrpSpPr>
+      <p:grpSpPr>
+        <a:xfrm>
+          <a:off x="0" y="0"/>
+          <a:ext cx="0" cy="0"/>
+          <a:chOff x="0" y="0"/>
+          <a:chExt cx="0" cy="0"/>
+        </a:xfrm>
+      </p:grpSpPr>
+      <p:sp>
+        <p:nvSpPr>
+          <p:cNvPr id="2" name="Titel 1"/>
+          <p:cNvSpPr>
+            <a:spLocks noGrp="1"/>
+          </p:cNvSpPr>
+          <p:nvPr>
+            <p:ph type="title"/>
+          </p:nvPr>
+        </p:nvSpPr>
+        <p:spPr/>
+        <p:txBody>
+          <a:bodyPr/>
+          <a:lstStyle/>
+          <a:p>
+            <a:r>
+              <a:rPr lang="de-AT" dirty="0" err="1" smtClean="0"/>
+              <a:t>Exercise</a:t>
+            </a:r>
+            <a:r>
+              <a:rPr lang="de-AT" dirty="0" smtClean="0"/>
+              <a:t> 3 – </a:t>
+            </a:r>
+            <a:r>
+              <a:rPr lang="de-AT" dirty="0" err="1" smtClean="0"/>
+              <a:t>Redundancy</a:t>
+            </a:r>
+            <a:endParaRPr lang="de-AT" dirty="0"/>
+          </a:p>
+        </p:txBody>
+      </p:sp>
+      <p:sp>
+        <p:nvSpPr>
+          <p:cNvPr id="3" name="Inhaltsplatzhalter 2"/>
+          <p:cNvSpPr>
+            <a:spLocks noGrp="1"/>
+          </p:cNvSpPr>
+          <p:nvPr>
+            <p:ph sz="quarter" idx="1"/>
+          </p:nvPr>
+        </p:nvSpPr>
+        <p:spPr/>
+        <p:txBody>
+          <a:bodyPr>
+            <a:normAutofit fontScale="92500" lnSpcReduction="20000"/>
+          </a:bodyPr>
+          <a:lstStyle/>
+          <a:p>
+            <a:r>
+              <a:rPr lang="de-AT" dirty="0" err="1" smtClean="0"/>
+              <a:t>Redundancy</a:t>
+            </a:r>
+            <a:r>
+              <a:rPr lang="de-AT" dirty="0" smtClean="0"/>
+              <a:t> </a:t>
+            </a:r>
+            <a:r>
+              <a:rPr lang="de-AT" dirty="0" err="1" smtClean="0"/>
+              <a:t>occurs</a:t>
+            </a:r>
+            <a:r>
+              <a:rPr lang="de-AT" dirty="0" smtClean="0"/>
+              <a:t>, </a:t>
+            </a:r>
+            <a:r>
+              <a:rPr lang="de-AT" dirty="0" err="1" smtClean="0"/>
+              <a:t>if</a:t>
+            </a:r>
+            <a:r>
+              <a:rPr lang="de-AT" dirty="0" smtClean="0"/>
+              <a:t> </a:t>
+            </a:r>
+            <a:r>
+              <a:rPr lang="de-AT" dirty="0" err="1" smtClean="0"/>
+              <a:t>the</a:t>
+            </a:r>
+            <a:r>
+              <a:rPr lang="de-AT" dirty="0" smtClean="0"/>
+              <a:t> same </a:t>
+            </a:r>
+            <a:r>
+              <a:rPr lang="de-AT" dirty="0" err="1" smtClean="0"/>
+              <a:t>information</a:t>
+            </a:r>
+            <a:r>
+              <a:rPr lang="de-AT" dirty="0" smtClean="0"/>
+              <a:t> </a:t>
+            </a:r>
+            <a:r>
+              <a:rPr lang="de-AT" dirty="0" err="1" smtClean="0"/>
+              <a:t>or</a:t>
+            </a:r>
+            <a:r>
+              <a:rPr lang="de-AT" dirty="0" smtClean="0"/>
+              <a:t> </a:t>
+            </a:r>
+            <a:r>
+              <a:rPr lang="de-AT" dirty="0" err="1" smtClean="0"/>
+              <a:t>derivable</a:t>
+            </a:r>
+            <a:r>
+              <a:rPr lang="de-AT" dirty="0" smtClean="0"/>
+              <a:t> </a:t>
+            </a:r>
+            <a:r>
+              <a:rPr lang="de-AT" dirty="0" err="1" smtClean="0"/>
+              <a:t>information</a:t>
+            </a:r>
+            <a:r>
+              <a:rPr lang="de-AT" dirty="0" smtClean="0"/>
+              <a:t> </a:t>
+            </a:r>
+            <a:r>
+              <a:rPr lang="de-AT" dirty="0" err="1" smtClean="0"/>
+              <a:t>is</a:t>
+            </a:r>
+            <a:r>
+              <a:rPr lang="de-AT" dirty="0" smtClean="0"/>
+              <a:t> </a:t>
+            </a:r>
+            <a:r>
+              <a:rPr lang="de-AT" dirty="0" err="1" smtClean="0"/>
+              <a:t>stored</a:t>
+            </a:r>
+            <a:r>
+              <a:rPr lang="de-AT" dirty="0" smtClean="0"/>
+              <a:t> multiple </a:t>
+            </a:r>
+            <a:r>
+              <a:rPr lang="de-AT" dirty="0" err="1" smtClean="0"/>
+              <a:t>times</a:t>
+            </a:r>
+            <a:r>
+              <a:rPr lang="de-AT" dirty="0" smtClean="0"/>
+              <a:t>.</a:t>
+            </a:r>
+          </a:p>
+          <a:p>
+            <a:endParaRPr lang="de-AT" dirty="0"/>
+          </a:p>
+          <a:p>
+            <a:r>
+              <a:rPr lang="de-AT" dirty="0" smtClean="0"/>
+              <a:t>Pros:</a:t>
+            </a:r>
+          </a:p>
+          <a:p>
+            <a:pPr lvl="1"/>
+            <a:r>
+              <a:rPr lang="de-AT" dirty="0" smtClean="0"/>
+              <a:t>Speeds </a:t>
+            </a:r>
+            <a:r>
+              <a:rPr lang="de-AT" dirty="0" err="1" smtClean="0"/>
+              <a:t>up</a:t>
+            </a:r>
+            <a:r>
+              <a:rPr lang="de-AT" dirty="0" smtClean="0"/>
+              <a:t> </a:t>
+            </a:r>
+            <a:r>
+              <a:rPr lang="de-AT" dirty="0" err="1" smtClean="0"/>
+              <a:t>data</a:t>
+            </a:r>
+            <a:r>
+              <a:rPr lang="de-AT" dirty="0" smtClean="0"/>
+              <a:t> </a:t>
+            </a:r>
+            <a:r>
+              <a:rPr lang="de-AT" dirty="0" err="1" smtClean="0"/>
+              <a:t>access</a:t>
+            </a:r>
+            <a:r>
+              <a:rPr lang="de-AT" dirty="0" smtClean="0"/>
+              <a:t> (</a:t>
+            </a:r>
+            <a:r>
+              <a:rPr lang="de-AT" dirty="0" err="1" smtClean="0"/>
+              <a:t>navigation</a:t>
+            </a:r>
+            <a:r>
+              <a:rPr lang="de-AT" dirty="0" smtClean="0"/>
+              <a:t> </a:t>
+            </a:r>
+            <a:r>
+              <a:rPr lang="de-AT" dirty="0" err="1" smtClean="0"/>
+              <a:t>path</a:t>
+            </a:r>
+            <a:r>
+              <a:rPr lang="de-AT" dirty="0" smtClean="0"/>
+              <a:t> </a:t>
+            </a:r>
+            <a:r>
+              <a:rPr lang="de-AT" dirty="0" err="1" smtClean="0"/>
+              <a:t>is</a:t>
+            </a:r>
+            <a:r>
+              <a:rPr lang="de-AT" dirty="0" smtClean="0"/>
+              <a:t> </a:t>
+            </a:r>
+            <a:r>
+              <a:rPr lang="de-AT" dirty="0" err="1" smtClean="0"/>
+              <a:t>shortened</a:t>
+            </a:r>
+            <a:r>
+              <a:rPr lang="de-AT" dirty="0" smtClean="0"/>
+              <a:t> </a:t>
+            </a:r>
+            <a:r>
+              <a:rPr lang="de-AT" dirty="0" err="1" smtClean="0"/>
+              <a:t>for</a:t>
+            </a:r>
+            <a:r>
+              <a:rPr lang="de-AT" dirty="0" smtClean="0"/>
+              <a:t> </a:t>
+            </a:r>
+            <a:r>
+              <a:rPr lang="de-AT" dirty="0" err="1" smtClean="0"/>
+              <a:t>some</a:t>
+            </a:r>
+            <a:r>
+              <a:rPr lang="de-AT" dirty="0" smtClean="0"/>
+              <a:t> </a:t>
+            </a:r>
+            <a:r>
+              <a:rPr lang="de-AT" dirty="0" err="1" smtClean="0"/>
+              <a:t>operations</a:t>
+            </a:r>
+            <a:r>
+              <a:rPr lang="de-AT" dirty="0" smtClean="0"/>
+              <a:t>)</a:t>
+            </a:r>
+          </a:p>
+          <a:p>
+            <a:pPr lvl="1"/>
+            <a:endParaRPr lang="de-AT" dirty="0"/>
+          </a:p>
+          <a:p>
+            <a:r>
+              <a:rPr lang="de-AT" dirty="0" err="1" smtClean="0"/>
+              <a:t>Cons</a:t>
+            </a:r>
+            <a:r>
+              <a:rPr lang="de-AT" dirty="0" smtClean="0"/>
+              <a:t>:</a:t>
+            </a:r>
+          </a:p>
+          <a:p>
+            <a:pPr lvl="1"/>
+            <a:r>
+              <a:rPr lang="de-AT" dirty="0" smtClean="0"/>
+              <a:t>Additional </a:t>
+            </a:r>
+            <a:r>
+              <a:rPr lang="de-AT" dirty="0" err="1" smtClean="0"/>
+              <a:t>updates</a:t>
+            </a:r>
+            <a:endParaRPr lang="de-AT" dirty="0" smtClean="0"/>
+          </a:p>
+          <a:p>
+            <a:pPr lvl="1"/>
+            <a:r>
+              <a:rPr lang="de-AT" dirty="0" err="1" smtClean="0"/>
+              <a:t>Risk</a:t>
+            </a:r>
+            <a:r>
+              <a:rPr lang="de-AT" dirty="0" smtClean="0"/>
+              <a:t> </a:t>
+            </a:r>
+            <a:r>
+              <a:rPr lang="de-AT" dirty="0" err="1" smtClean="0"/>
+              <a:t>of</a:t>
+            </a:r>
+            <a:r>
+              <a:rPr lang="de-AT" dirty="0" smtClean="0"/>
+              <a:t> </a:t>
+            </a:r>
+            <a:r>
+              <a:rPr lang="de-AT" dirty="0" err="1" smtClean="0"/>
+              <a:t>inconsistency</a:t>
+            </a:r>
+            <a:r>
+              <a:rPr lang="de-AT" dirty="0" smtClean="0"/>
+              <a:t> ( =&gt; </a:t>
+            </a:r>
+            <a:r>
+              <a:rPr lang="de-AT" dirty="0" err="1" smtClean="0"/>
+              <a:t>more</a:t>
+            </a:r>
+            <a:r>
+              <a:rPr lang="de-AT" dirty="0" smtClean="0"/>
+              <a:t> </a:t>
+            </a:r>
+            <a:r>
+              <a:rPr lang="de-AT" dirty="0" err="1" smtClean="0"/>
+              <a:t>consistency</a:t>
+            </a:r>
+            <a:r>
+              <a:rPr lang="de-AT" dirty="0" smtClean="0"/>
+              <a:t> </a:t>
+            </a:r>
+            <a:r>
+              <a:rPr lang="de-AT" dirty="0" err="1" smtClean="0"/>
+              <a:t>checks</a:t>
+            </a:r>
+            <a:r>
+              <a:rPr lang="de-AT" dirty="0" smtClean="0"/>
+              <a:t> </a:t>
+            </a:r>
+            <a:r>
+              <a:rPr lang="de-AT" dirty="0" err="1" smtClean="0"/>
+              <a:t>needed</a:t>
+            </a:r>
+            <a:r>
+              <a:rPr lang="de-AT" dirty="0" smtClean="0"/>
+              <a:t>)</a:t>
+            </a:r>
+          </a:p>
+          <a:p>
+            <a:pPr lvl="1"/>
+            <a:r>
+              <a:rPr lang="de-AT" dirty="0" smtClean="0"/>
+              <a:t>Additional </a:t>
+            </a:r>
+            <a:r>
+              <a:rPr lang="de-AT" dirty="0" err="1" smtClean="0"/>
+              <a:t>storage</a:t>
+            </a:r>
+            <a:r>
+              <a:rPr lang="de-AT" dirty="0" smtClean="0"/>
+              <a:t> </a:t>
+            </a:r>
+            <a:r>
+              <a:rPr lang="de-AT" dirty="0" err="1" smtClean="0"/>
+              <a:t>space</a:t>
+            </a:r>
+            <a:endParaRPr lang="de-AT" dirty="0" smtClean="0"/>
+          </a:p>
+          <a:p>
+            <a:pPr lvl="1"/>
+            <a:endParaRPr lang="de-AT" dirty="0"/>
+          </a:p>
+          <a:p>
+            <a:pPr marL="365760" lvl="1" indent="0">
+              <a:buNone/>
+            </a:pPr>
+            <a:endParaRPr lang="de-AT" dirty="0"/>
+          </a:p>
+        </p:txBody>
+      </p:sp>
+    </p:spTree>
+    <p:extLst>
+      <p:ext uri="{BB962C8B-B14F-4D97-AF65-F5344CB8AC3E}">
+        <p14:creationId xmlns:p14="http://schemas.microsoft.com/office/powerpoint/2010/main" val="526241371"/>
+      </p:ext>
+    </p:extLst>
+  </p:cSld>
+  <p:clrMapOvr>
+    <a:masterClrMapping/>
+  </p:clrMapOvr>
+</p:sld>
+</file>
+
+<file path=ppt/slides/slide13.xml><?xml version="1.0" encoding="utf-8"?>
+<p:sld xmlns:a="http://schemas.openxmlformats.org/drawingml/2006/main" xmlns:r="http://schemas.openxmlformats.org/officeDocument/2006/relationships" xmlns:p="http://schemas.openxmlformats.org/presentationml/2006/main">
+  <p:cSld>
+    <p:spTree>
+      <p:nvGrpSpPr>
+        <p:cNvPr id="1" name=""/>
+        <p:cNvGrpSpPr/>
+        <p:nvPr/>
+      </p:nvGrpSpPr>
+      <p:grpSpPr>
+        <a:xfrm>
+          <a:off x="0" y="0"/>
+          <a:ext cx="0" cy="0"/>
+          <a:chOff x="0" y="0"/>
+          <a:chExt cx="0" cy="0"/>
+        </a:xfrm>
+      </p:grpSpPr>
+      <p:sp>
+        <p:nvSpPr>
+          <p:cNvPr id="2" name="Titel 1"/>
+          <p:cNvSpPr>
+            <a:spLocks noGrp="1"/>
+          </p:cNvSpPr>
+          <p:nvPr>
+            <p:ph type="title"/>
+          </p:nvPr>
+        </p:nvSpPr>
+        <p:spPr/>
+        <p:txBody>
           <a:bodyPr/>
           <a:lstStyle/>
           <a:p>
@@ -4156,7 +4981,7 @@
 </p:sld>
 </file>
 
-<file path=ppt/slides/slide11.xml><?xml version="1.0" encoding="utf-8"?>
+<file path=ppt/slides/slide14.xml><?xml version="1.0" encoding="utf-8"?>
 <p:sld xmlns:a="http://schemas.openxmlformats.org/drawingml/2006/main" xmlns:r="http://schemas.openxmlformats.org/officeDocument/2006/relationships" xmlns:p="http://schemas.openxmlformats.org/presentationml/2006/main">
   <p:cSld>
     <p:spTree>
@@ -4461,7 +5286,7 @@
 </p:sld>
 </file>
 
-<file path=ppt/slides/slide12.xml><?xml version="1.0" encoding="utf-8"?>
+<file path=ppt/slides/slide15.xml><?xml version="1.0" encoding="utf-8"?>
 <p:sld xmlns:a="http://schemas.openxmlformats.org/drawingml/2006/main" xmlns:r="http://schemas.openxmlformats.org/officeDocument/2006/relationships" xmlns:p="http://schemas.openxmlformats.org/presentationml/2006/main">
   <p:cSld>
     <p:spTree>
@@ -4772,7 +5597,7 @@
 </p:sld>
 </file>
 
-<file path=ppt/slides/slide13.xml><?xml version="1.0" encoding="utf-8"?>
+<file path=ppt/slides/slide16.xml><?xml version="1.0" encoding="utf-8"?>
 <p:sld xmlns:a="http://schemas.openxmlformats.org/drawingml/2006/main" xmlns:r="http://schemas.openxmlformats.org/officeDocument/2006/relationships" xmlns:p="http://schemas.openxmlformats.org/presentationml/2006/main">
   <p:cSld>
     <p:spTree>
@@ -4954,7 +5779,7 @@
 </p:sld>
 </file>
 
-<file path=ppt/slides/slide14.xml><?xml version="1.0" encoding="utf-8"?>
+<file path=ppt/slides/slide17.xml><?xml version="1.0" encoding="utf-8"?>
 <p:sld xmlns:a="http://schemas.openxmlformats.org/drawingml/2006/main" xmlns:r="http://schemas.openxmlformats.org/officeDocument/2006/relationships" xmlns:p="http://schemas.openxmlformats.org/presentationml/2006/main">
   <p:cSld>
     <p:spTree>
@@ -5703,7 +6528,7 @@
 </p:sld>
 </file>
 
-<file path=ppt/slides/slide15.xml><?xml version="1.0" encoding="utf-8"?>
+<file path=ppt/slides/slide18.xml><?xml version="1.0" encoding="utf-8"?>
 <p:sld xmlns:a="http://schemas.openxmlformats.org/drawingml/2006/main" xmlns:r="http://schemas.openxmlformats.org/officeDocument/2006/relationships" xmlns:p="http://schemas.openxmlformats.org/presentationml/2006/main">
   <p:cSld>
     <p:spTree>
@@ -6404,7 +7229,7 @@
 </p:sld>
 </file>
 
-<file path=ppt/slides/slide16.xml><?xml version="1.0" encoding="utf-8"?>
+<file path=ppt/slides/slide19.xml><?xml version="1.0" encoding="utf-8"?>
 <p:sld xmlns:a="http://schemas.openxmlformats.org/drawingml/2006/main" xmlns:r="http://schemas.openxmlformats.org/officeDocument/2006/relationships" xmlns:p="http://schemas.openxmlformats.org/presentationml/2006/main">
   <p:cSld>
     <p:spTree>
@@ -6611,7 +7436,185 @@
 </p:sld>
 </file>
 
-<file path=ppt/slides/slide17.xml><?xml version="1.0" encoding="utf-8"?>
+<file path=ppt/slides/slide2.xml><?xml version="1.0" encoding="utf-8"?>
+<p:sld xmlns:a="http://schemas.openxmlformats.org/drawingml/2006/main" xmlns:r="http://schemas.openxmlformats.org/officeDocument/2006/relationships" xmlns:p="http://schemas.openxmlformats.org/presentationml/2006/main">
+  <p:cSld>
+    <p:spTree>
+      <p:nvGrpSpPr>
+        <p:cNvPr id="1" name=""/>
+        <p:cNvGrpSpPr/>
+        <p:nvPr/>
+      </p:nvGrpSpPr>
+      <p:grpSpPr>
+        <a:xfrm>
+          <a:off x="0" y="0"/>
+          <a:ext cx="0" cy="0"/>
+          <a:chOff x="0" y="0"/>
+          <a:chExt cx="0" cy="0"/>
+        </a:xfrm>
+      </p:grpSpPr>
+      <p:sp>
+        <p:nvSpPr>
+          <p:cNvPr id="2" name="Titel 1"/>
+          <p:cNvSpPr>
+            <a:spLocks noGrp="1"/>
+          </p:cNvSpPr>
+          <p:nvPr>
+            <p:ph type="title"/>
+          </p:nvPr>
+        </p:nvSpPr>
+        <p:spPr/>
+        <p:txBody>
+          <a:bodyPr/>
+          <a:lstStyle/>
+          <a:p>
+            <a:r>
+              <a:rPr lang="de-AT" dirty="0" err="1" smtClean="0"/>
+              <a:t>Exercise</a:t>
+            </a:r>
+            <a:r>
+              <a:rPr lang="de-AT" dirty="0" smtClean="0"/>
+              <a:t> 1</a:t>
+            </a:r>
+            <a:endParaRPr lang="de-AT" dirty="0"/>
+          </a:p>
+        </p:txBody>
+      </p:sp>
+      <p:sp>
+        <p:nvSpPr>
+          <p:cNvPr id="3" name="Inhaltsplatzhalter 2"/>
+          <p:cNvSpPr>
+            <a:spLocks noGrp="1"/>
+          </p:cNvSpPr>
+          <p:nvPr>
+            <p:ph sz="quarter" idx="1"/>
+          </p:nvPr>
+        </p:nvSpPr>
+        <p:spPr/>
+        <p:txBody>
+          <a:bodyPr/>
+          <a:lstStyle/>
+          <a:p>
+            <a:r>
+              <a:rPr lang="de-AT" dirty="0" smtClean="0"/>
+              <a:t> </a:t>
+            </a:r>
+            <a:r>
+              <a:rPr lang="de-AT" dirty="0" err="1"/>
+              <a:t>Integrate</a:t>
+            </a:r>
+            <a:r>
+              <a:rPr lang="de-AT" dirty="0"/>
+              <a:t> </a:t>
+            </a:r>
+            <a:r>
+              <a:rPr lang="de-AT" dirty="0" err="1"/>
+              <a:t>these</a:t>
+            </a:r>
+            <a:r>
+              <a:rPr lang="de-AT" dirty="0"/>
+              <a:t> </a:t>
+            </a:r>
+            <a:r>
+              <a:rPr lang="de-AT" dirty="0" err="1"/>
+              <a:t>views</a:t>
+            </a:r>
+            <a:r>
+              <a:rPr lang="de-AT" dirty="0"/>
+              <a:t>: </a:t>
+            </a:r>
+          </a:p>
+          <a:p>
+            <a:pPr marL="914400" lvl="1" indent="-514350">
+              <a:buFont typeface="+mj-lt"/>
+              <a:buAutoNum type="alphaLcParenR"/>
+            </a:pPr>
+            <a:r>
+              <a:rPr lang="en-US" dirty="0" smtClean="0"/>
+              <a:t>identify </a:t>
+            </a:r>
+            <a:r>
+              <a:rPr lang="en-US" dirty="0"/>
+              <a:t>conflicts (and their conflict types) </a:t>
+            </a:r>
+          </a:p>
+          <a:p>
+            <a:pPr marL="914400" lvl="1" indent="-514350">
+              <a:buFont typeface="+mj-lt"/>
+              <a:buAutoNum type="alphaLcParenR"/>
+            </a:pPr>
+            <a:r>
+              <a:rPr lang="de-AT" dirty="0" err="1" smtClean="0"/>
+              <a:t>propose</a:t>
+            </a:r>
+            <a:r>
+              <a:rPr lang="de-AT" dirty="0" smtClean="0"/>
+              <a:t> </a:t>
+            </a:r>
+            <a:r>
+              <a:rPr lang="de-AT" dirty="0" err="1"/>
+              <a:t>scenarios</a:t>
+            </a:r>
+            <a:r>
+              <a:rPr lang="de-AT" dirty="0"/>
+              <a:t> </a:t>
+            </a:r>
+            <a:r>
+              <a:rPr lang="de-AT" dirty="0" err="1"/>
+              <a:t>and</a:t>
+            </a:r>
+            <a:r>
+              <a:rPr lang="de-AT" dirty="0"/>
+              <a:t> </a:t>
+            </a:r>
+            <a:r>
+              <a:rPr lang="de-AT" dirty="0" err="1"/>
+              <a:t>interschema</a:t>
+            </a:r>
+            <a:r>
+              <a:rPr lang="de-AT" dirty="0"/>
+              <a:t> </a:t>
+            </a:r>
+            <a:r>
+              <a:rPr lang="de-AT" dirty="0" err="1"/>
+              <a:t>properties</a:t>
+            </a:r>
+            <a:r>
+              <a:rPr lang="de-AT" dirty="0"/>
+              <a:t> </a:t>
+            </a:r>
+          </a:p>
+          <a:p>
+            <a:pPr marL="914400" lvl="1" indent="-514350">
+              <a:buFont typeface="+mj-lt"/>
+              <a:buAutoNum type="alphaLcParenR"/>
+            </a:pPr>
+            <a:r>
+              <a:rPr lang="en-US" dirty="0" smtClean="0"/>
+              <a:t>integrate </a:t>
+            </a:r>
+            <a:r>
+              <a:rPr lang="en-US" dirty="0"/>
+              <a:t>the schemas into one schema. </a:t>
+            </a:r>
+            <a:endParaRPr lang="de-AT" dirty="0"/>
+          </a:p>
+        </p:txBody>
+      </p:sp>
+    </p:spTree>
+    <p:extLst>
+      <p:ext uri="{BB962C8B-B14F-4D97-AF65-F5344CB8AC3E}">
+        <p14:creationId xmlns:p14="http://schemas.microsoft.com/office/powerpoint/2010/main" val="3160386597"/>
+      </p:ext>
+    </p:extLst>
+  </p:cSld>
+  <p:clrMapOvr>
+    <a:masterClrMapping/>
+  </p:clrMapOvr>
+</p:sld>
+</file>
+
+<file path=ppt/slides/slide20.xml><?xml version="1.0" encoding="utf-8"?>
 <p:sld xmlns:a="http://schemas.openxmlformats.org/drawingml/2006/main" xmlns:r="http://schemas.openxmlformats.org/officeDocument/2006/relationships" xmlns:p="http://schemas.openxmlformats.org/presentationml/2006/main">
   <p:cSld>
     <p:spTree>
@@ -6732,7 +7735,7 @@
 </p:sld>
 </file>
 
-<file path=ppt/slides/slide18.xml><?xml version="1.0" encoding="utf-8"?>
+<file path=ppt/slides/slide21.xml><?xml version="1.0" encoding="utf-8"?>
 <p:sld xmlns:a="http://schemas.openxmlformats.org/drawingml/2006/main" xmlns:r="http://schemas.openxmlformats.org/officeDocument/2006/relationships" xmlns:p="http://schemas.openxmlformats.org/presentationml/2006/main">
   <p:cSld>
     <p:spTree>
@@ -7028,7 +8031,7 @@
 </p:sld>
 </file>
 
-<file path=ppt/slides/slide19.xml><?xml version="1.0" encoding="utf-8"?>
+<file path=ppt/slides/slide22.xml><?xml version="1.0" encoding="utf-8"?>
 <p:sld xmlns:a="http://schemas.openxmlformats.org/drawingml/2006/main" xmlns:r="http://schemas.openxmlformats.org/officeDocument/2006/relationships" xmlns:p="http://schemas.openxmlformats.org/presentationml/2006/main">
   <p:cSld>
     <p:spTree>
@@ -7209,7 +8212,6 @@
               <a:rPr lang="de-AT" dirty="0" smtClean="0"/>
               <a:t> </a:t>
             </a:r>
-            <a:endParaRPr lang="de-AT" dirty="0" smtClean="0"/>
           </a:p>
           <a:p>
             <a:pPr lvl="1"/>
@@ -7349,185 +8351,7 @@
 </p:sld>
 </file>
 
-<file path=ppt/slides/slide2.xml><?xml version="1.0" encoding="utf-8"?>
-<p:sld xmlns:a="http://schemas.openxmlformats.org/drawingml/2006/main" xmlns:r="http://schemas.openxmlformats.org/officeDocument/2006/relationships" xmlns:p="http://schemas.openxmlformats.org/presentationml/2006/main">
-  <p:cSld>
-    <p:spTree>
-      <p:nvGrpSpPr>
-        <p:cNvPr id="1" name=""/>
-        <p:cNvGrpSpPr/>
-        <p:nvPr/>
-      </p:nvGrpSpPr>
-      <p:grpSpPr>
-        <a:xfrm>
-          <a:off x="0" y="0"/>
-          <a:ext cx="0" cy="0"/>
-          <a:chOff x="0" y="0"/>
-          <a:chExt cx="0" cy="0"/>
-        </a:xfrm>
-      </p:grpSpPr>
-      <p:sp>
-        <p:nvSpPr>
-          <p:cNvPr id="2" name="Titel 1"/>
-          <p:cNvSpPr>
-            <a:spLocks noGrp="1"/>
-          </p:cNvSpPr>
-          <p:nvPr>
-            <p:ph type="title"/>
-          </p:nvPr>
-        </p:nvSpPr>
-        <p:spPr/>
-        <p:txBody>
-          <a:bodyPr/>
-          <a:lstStyle/>
-          <a:p>
-            <a:r>
-              <a:rPr lang="de-AT" dirty="0" err="1" smtClean="0"/>
-              <a:t>Exercise</a:t>
-            </a:r>
-            <a:r>
-              <a:rPr lang="de-AT" dirty="0" smtClean="0"/>
-              <a:t> 1</a:t>
-            </a:r>
-            <a:endParaRPr lang="de-AT" dirty="0"/>
-          </a:p>
-        </p:txBody>
-      </p:sp>
-      <p:sp>
-        <p:nvSpPr>
-          <p:cNvPr id="3" name="Inhaltsplatzhalter 2"/>
-          <p:cNvSpPr>
-            <a:spLocks noGrp="1"/>
-          </p:cNvSpPr>
-          <p:nvPr>
-            <p:ph sz="quarter" idx="1"/>
-          </p:nvPr>
-        </p:nvSpPr>
-        <p:spPr/>
-        <p:txBody>
-          <a:bodyPr/>
-          <a:lstStyle/>
-          <a:p>
-            <a:r>
-              <a:rPr lang="de-AT" dirty="0" smtClean="0"/>
-              <a:t> </a:t>
-            </a:r>
-            <a:r>
-              <a:rPr lang="de-AT" dirty="0" err="1"/>
-              <a:t>Integrate</a:t>
-            </a:r>
-            <a:r>
-              <a:rPr lang="de-AT" dirty="0"/>
-              <a:t> </a:t>
-            </a:r>
-            <a:r>
-              <a:rPr lang="de-AT" dirty="0" err="1"/>
-              <a:t>these</a:t>
-            </a:r>
-            <a:r>
-              <a:rPr lang="de-AT" dirty="0"/>
-              <a:t> </a:t>
-            </a:r>
-            <a:r>
-              <a:rPr lang="de-AT" dirty="0" err="1"/>
-              <a:t>views</a:t>
-            </a:r>
-            <a:r>
-              <a:rPr lang="de-AT" dirty="0"/>
-              <a:t>: </a:t>
-            </a:r>
-          </a:p>
-          <a:p>
-            <a:pPr marL="914400" lvl="1" indent="-514350">
-              <a:buFont typeface="+mj-lt"/>
-              <a:buAutoNum type="alphaLcParenR"/>
-            </a:pPr>
-            <a:r>
-              <a:rPr lang="en-US" dirty="0" smtClean="0"/>
-              <a:t>identify </a:t>
-            </a:r>
-            <a:r>
-              <a:rPr lang="en-US" dirty="0"/>
-              <a:t>conflicts (and their conflict types) </a:t>
-            </a:r>
-          </a:p>
-          <a:p>
-            <a:pPr marL="914400" lvl="1" indent="-514350">
-              <a:buFont typeface="+mj-lt"/>
-              <a:buAutoNum type="alphaLcParenR"/>
-            </a:pPr>
-            <a:r>
-              <a:rPr lang="de-AT" dirty="0" err="1" smtClean="0"/>
-              <a:t>propose</a:t>
-            </a:r>
-            <a:r>
-              <a:rPr lang="de-AT" dirty="0" smtClean="0"/>
-              <a:t> </a:t>
-            </a:r>
-            <a:r>
-              <a:rPr lang="de-AT" dirty="0" err="1"/>
-              <a:t>scenarios</a:t>
-            </a:r>
-            <a:r>
-              <a:rPr lang="de-AT" dirty="0"/>
-              <a:t> </a:t>
-            </a:r>
-            <a:r>
-              <a:rPr lang="de-AT" dirty="0" err="1"/>
-              <a:t>and</a:t>
-            </a:r>
-            <a:r>
-              <a:rPr lang="de-AT" dirty="0"/>
-              <a:t> </a:t>
-            </a:r>
-            <a:r>
-              <a:rPr lang="de-AT" dirty="0" err="1"/>
-              <a:t>interschema</a:t>
-            </a:r>
-            <a:r>
-              <a:rPr lang="de-AT" dirty="0"/>
-              <a:t> </a:t>
-            </a:r>
-            <a:r>
-              <a:rPr lang="de-AT" dirty="0" err="1"/>
-              <a:t>properties</a:t>
-            </a:r>
-            <a:r>
-              <a:rPr lang="de-AT" dirty="0"/>
-              <a:t> </a:t>
-            </a:r>
-          </a:p>
-          <a:p>
-            <a:pPr marL="914400" lvl="1" indent="-514350">
-              <a:buFont typeface="+mj-lt"/>
-              <a:buAutoNum type="alphaLcParenR"/>
-            </a:pPr>
-            <a:r>
-              <a:rPr lang="en-US" dirty="0" smtClean="0"/>
-              <a:t>integrate </a:t>
-            </a:r>
-            <a:r>
-              <a:rPr lang="en-US" dirty="0"/>
-              <a:t>the schemas into one schema. </a:t>
-            </a:r>
-            <a:endParaRPr lang="de-AT" dirty="0"/>
-          </a:p>
-        </p:txBody>
-      </p:sp>
-    </p:spTree>
-    <p:extLst>
-      <p:ext uri="{BB962C8B-B14F-4D97-AF65-F5344CB8AC3E}">
-        <p14:creationId xmlns:p14="http://schemas.microsoft.com/office/powerpoint/2010/main" val="3160386597"/>
-      </p:ext>
-    </p:extLst>
-  </p:cSld>
-  <p:clrMapOvr>
-    <a:masterClrMapping/>
-  </p:clrMapOvr>
-</p:sld>
-</file>
-
-<file path=ppt/slides/slide20.xml><?xml version="1.0" encoding="utf-8"?>
+<file path=ppt/slides/slide23.xml><?xml version="1.0" encoding="utf-8"?>
 <p:sld xmlns:a="http://schemas.openxmlformats.org/drawingml/2006/main" xmlns:r="http://schemas.openxmlformats.org/officeDocument/2006/relationships" xmlns:p="http://schemas.openxmlformats.org/presentationml/2006/main">
   <p:cSld>
     <p:spTree>
@@ -7777,7 +8601,7 @@
 </p:sld>
 </file>
 
-<file path=ppt/slides/slide21.xml><?xml version="1.0" encoding="utf-8"?>
+<file path=ppt/slides/slide24.xml><?xml version="1.0" encoding="utf-8"?>
 <p:sld xmlns:a="http://schemas.openxmlformats.org/drawingml/2006/main" xmlns:r="http://schemas.openxmlformats.org/officeDocument/2006/relationships" xmlns:p="http://schemas.openxmlformats.org/presentationml/2006/main">
   <p:cSld>
     <p:spTree>
@@ -8021,7 +8845,7 @@
 </p:sld>
 </file>
 
-<file path=ppt/slides/slide22.xml><?xml version="1.0" encoding="utf-8"?>
+<file path=ppt/slides/slide25.xml><?xml version="1.0" encoding="utf-8"?>
 <p:sld xmlns:a="http://schemas.openxmlformats.org/drawingml/2006/main" xmlns:r="http://schemas.openxmlformats.org/officeDocument/2006/relationships" xmlns:p="http://schemas.openxmlformats.org/presentationml/2006/main">
   <p:cSld>
     <p:spTree>
@@ -8282,7 +9106,7 @@
 </p:sld>
 </file>
 
-<file path=ppt/slides/slide23.xml><?xml version="1.0" encoding="utf-8"?>
+<file path=ppt/slides/slide26.xml><?xml version="1.0" encoding="utf-8"?>
 <p:sld xmlns:a="http://schemas.openxmlformats.org/drawingml/2006/main" xmlns:r="http://schemas.openxmlformats.org/officeDocument/2006/relationships" xmlns:p="http://schemas.openxmlformats.org/presentationml/2006/main">
   <p:cSld>
     <p:spTree>
@@ -9003,7 +9827,7 @@
 </p:sld>
 </file>
 
-<file path=ppt/slides/slide24.xml><?xml version="1.0" encoding="utf-8"?>
+<file path=ppt/slides/slide27.xml><?xml version="1.0" encoding="utf-8"?>
 <p:sld xmlns:a="http://schemas.openxmlformats.org/drawingml/2006/main" xmlns:r="http://schemas.openxmlformats.org/officeDocument/2006/relationships" xmlns:p="http://schemas.openxmlformats.org/presentationml/2006/main">
   <p:cSld>
     <p:spTree>
@@ -9116,7 +9940,7 @@
 </p:sld>
 </file>
 
-<file path=ppt/slides/slide25.xml><?xml version="1.0" encoding="utf-8"?>
+<file path=ppt/slides/slide28.xml><?xml version="1.0" encoding="utf-8"?>
 <p:sld xmlns:a="http://schemas.openxmlformats.org/drawingml/2006/main" xmlns:r="http://schemas.openxmlformats.org/officeDocument/2006/relationships" xmlns:p="http://schemas.openxmlformats.org/presentationml/2006/main">
   <p:cSld>
     <p:spTree>
@@ -9231,7 +10055,7 @@
 </p:sld>
 </file>
 
-<file path=ppt/slides/slide26.xml><?xml version="1.0" encoding="utf-8"?>
+<file path=ppt/slides/slide29.xml><?xml version="1.0" encoding="utf-8"?>
 <p:sld xmlns:a="http://schemas.openxmlformats.org/drawingml/2006/main" xmlns:r="http://schemas.openxmlformats.org/officeDocument/2006/relationships" xmlns:p="http://schemas.openxmlformats.org/presentationml/2006/main">
   <p:cSld>
     <p:spTree>
@@ -9349,7 +10173,356 @@
 </p:sld>
 </file>
 
-<file path=ppt/slides/slide27.xml><?xml version="1.0" encoding="utf-8"?>
+<file path=ppt/slides/slide3.xml><?xml version="1.0" encoding="utf-8"?>
+<p:sld xmlns:a="http://schemas.openxmlformats.org/drawingml/2006/main" xmlns:r="http://schemas.openxmlformats.org/officeDocument/2006/relationships" xmlns:p="http://schemas.openxmlformats.org/presentationml/2006/main">
+  <p:cSld>
+    <p:spTree>
+      <p:nvGrpSpPr>
+        <p:cNvPr id="1" name=""/>
+        <p:cNvGrpSpPr/>
+        <p:nvPr/>
+      </p:nvGrpSpPr>
+      <p:grpSpPr>
+        <a:xfrm>
+          <a:off x="0" y="0"/>
+          <a:ext cx="0" cy="0"/>
+          <a:chOff x="0" y="0"/>
+          <a:chExt cx="0" cy="0"/>
+        </a:xfrm>
+      </p:grpSpPr>
+      <p:sp>
+        <p:nvSpPr>
+          <p:cNvPr id="2" name="Titel 1"/>
+          <p:cNvSpPr>
+            <a:spLocks noGrp="1"/>
+          </p:cNvSpPr>
+          <p:nvPr>
+            <p:ph type="title"/>
+          </p:nvPr>
+        </p:nvSpPr>
+        <p:spPr/>
+        <p:txBody>
+          <a:bodyPr/>
+          <a:lstStyle/>
+          <a:p>
+            <a:r>
+              <a:rPr lang="de-AT" dirty="0" err="1" smtClean="0"/>
+              <a:t>Exercise</a:t>
+            </a:r>
+            <a:r>
+              <a:rPr lang="de-AT" dirty="0" smtClean="0"/>
+              <a:t> 1 - </a:t>
+            </a:r>
+            <a:r>
+              <a:rPr lang="de-AT" dirty="0" err="1" smtClean="0"/>
+              <a:t>Conflicts</a:t>
+            </a:r>
+            <a:endParaRPr lang="de-AT" dirty="0"/>
+          </a:p>
+        </p:txBody>
+      </p:sp>
+      <p:sp>
+        <p:nvSpPr>
+          <p:cNvPr id="3" name="Inhaltsplatzhalter 2"/>
+          <p:cNvSpPr>
+            <a:spLocks noGrp="1"/>
+          </p:cNvSpPr>
+          <p:nvPr>
+            <p:ph sz="quarter" idx="1"/>
+          </p:nvPr>
+        </p:nvSpPr>
+        <p:spPr/>
+        <p:txBody>
+          <a:bodyPr>
+            <a:normAutofit lnSpcReduction="10000"/>
+          </a:bodyPr>
+          <a:lstStyle/>
+          <a:p>
+            <a:r>
+              <a:rPr lang="de-AT" dirty="0" err="1" smtClean="0"/>
+              <a:t>Naming</a:t>
+            </a:r>
+            <a:r>
+              <a:rPr lang="de-AT" dirty="0" smtClean="0"/>
+              <a:t> </a:t>
+            </a:r>
+            <a:r>
+              <a:rPr lang="de-AT" dirty="0" err="1" smtClean="0"/>
+              <a:t>conflicts</a:t>
+            </a:r>
+            <a:endParaRPr lang="de-AT" dirty="0" smtClean="0"/>
+          </a:p>
+          <a:p>
+            <a:pPr lvl="1"/>
+            <a:r>
+              <a:rPr lang="de-AT" dirty="0" err="1" smtClean="0"/>
+              <a:t>homonyms</a:t>
+            </a:r>
+            <a:r>
+              <a:rPr lang="de-AT" dirty="0" smtClean="0"/>
+              <a:t>: </a:t>
+            </a:r>
+            <a:r>
+              <a:rPr lang="de-AT" dirty="0" err="1" smtClean="0"/>
+              <a:t>one</a:t>
+            </a:r>
+            <a:r>
+              <a:rPr lang="de-AT" dirty="0" smtClean="0"/>
+              <a:t> </a:t>
+            </a:r>
+            <a:r>
+              <a:rPr lang="de-AT" dirty="0" err="1" smtClean="0"/>
+              <a:t>word</a:t>
+            </a:r>
+            <a:r>
+              <a:rPr lang="de-AT" dirty="0" smtClean="0"/>
+              <a:t>, different </a:t>
+            </a:r>
+            <a:r>
+              <a:rPr lang="de-AT" dirty="0" err="1" smtClean="0"/>
+              <a:t>meaning</a:t>
+            </a:r>
+            <a:endParaRPr lang="de-AT" dirty="0" smtClean="0"/>
+          </a:p>
+          <a:p>
+            <a:pPr lvl="1"/>
+            <a:r>
+              <a:rPr lang="de-AT" dirty="0" err="1" smtClean="0"/>
+              <a:t>synonyms</a:t>
+            </a:r>
+            <a:r>
+              <a:rPr lang="de-AT" dirty="0" smtClean="0"/>
+              <a:t>: different </a:t>
+            </a:r>
+            <a:r>
+              <a:rPr lang="de-AT" dirty="0" err="1" smtClean="0"/>
+              <a:t>words</a:t>
+            </a:r>
+            <a:r>
+              <a:rPr lang="de-AT" dirty="0" smtClean="0"/>
+              <a:t>, same </a:t>
+            </a:r>
+            <a:r>
+              <a:rPr lang="de-AT" dirty="0" err="1" smtClean="0"/>
+              <a:t>meaning</a:t>
+            </a:r>
+            <a:endParaRPr lang="de-AT" dirty="0" smtClean="0"/>
+          </a:p>
+          <a:p>
+            <a:pPr lvl="1"/>
+            <a:r>
+              <a:rPr lang="de-AT" dirty="0" err="1" smtClean="0"/>
+              <a:t>Similarity</a:t>
+            </a:r>
+            <a:r>
+              <a:rPr lang="de-AT" dirty="0" smtClean="0"/>
+              <a:t>: different </a:t>
+            </a:r>
+            <a:r>
+              <a:rPr lang="de-AT" dirty="0" err="1" smtClean="0"/>
+              <a:t>names</a:t>
+            </a:r>
+            <a:r>
+              <a:rPr lang="de-AT" dirty="0" smtClean="0"/>
+              <a:t>, same </a:t>
+            </a:r>
+            <a:r>
+              <a:rPr lang="de-AT" dirty="0" err="1" smtClean="0"/>
+              <a:t>neighbours</a:t>
+            </a:r>
+            <a:r>
+              <a:rPr lang="de-AT" dirty="0"/>
+              <a:t>/</a:t>
+            </a:r>
+            <a:r>
+              <a:rPr lang="de-AT" dirty="0" err="1" smtClean="0"/>
+              <a:t>constraints</a:t>
+            </a:r>
+            <a:endParaRPr lang="de-AT" dirty="0" smtClean="0"/>
+          </a:p>
+          <a:p>
+            <a:pPr lvl="1"/>
+            <a:r>
+              <a:rPr lang="de-AT" dirty="0" err="1" smtClean="0"/>
+              <a:t>Mismatch</a:t>
+            </a:r>
+            <a:r>
+              <a:rPr lang="de-AT" dirty="0" smtClean="0"/>
+              <a:t>: same </a:t>
+            </a:r>
+            <a:r>
+              <a:rPr lang="de-AT" dirty="0" err="1" smtClean="0"/>
+              <a:t>name</a:t>
+            </a:r>
+            <a:r>
+              <a:rPr lang="de-AT" dirty="0" smtClean="0"/>
+              <a:t>, different </a:t>
+            </a:r>
+            <a:r>
+              <a:rPr lang="de-AT" dirty="0" err="1" smtClean="0"/>
+              <a:t>neighbours</a:t>
+            </a:r>
+            <a:r>
+              <a:rPr lang="de-AT" dirty="0" smtClean="0"/>
+              <a:t> /</a:t>
+            </a:r>
+            <a:r>
+              <a:rPr lang="de-AT" dirty="0" err="1" smtClean="0"/>
+              <a:t>constraints</a:t>
+            </a:r>
+            <a:endParaRPr lang="de-AT" dirty="0" smtClean="0"/>
+          </a:p>
+          <a:p>
+            <a:r>
+              <a:rPr lang="de-AT" dirty="0" err="1" smtClean="0"/>
+              <a:t>Structural</a:t>
+            </a:r>
+            <a:r>
+              <a:rPr lang="de-AT" dirty="0" smtClean="0"/>
+              <a:t> </a:t>
+            </a:r>
+            <a:r>
+              <a:rPr lang="de-AT" dirty="0" err="1" smtClean="0"/>
+              <a:t>conflicts</a:t>
+            </a:r>
+            <a:endParaRPr lang="de-AT" dirty="0"/>
+          </a:p>
+          <a:p>
+            <a:pPr lvl="1"/>
+            <a:r>
+              <a:rPr lang="de-AT" dirty="0" err="1" smtClean="0"/>
+              <a:t>Identical</a:t>
+            </a:r>
+            <a:r>
+              <a:rPr lang="de-AT" dirty="0" smtClean="0"/>
+              <a:t> </a:t>
+            </a:r>
+            <a:r>
+              <a:rPr lang="de-AT" dirty="0" err="1" smtClean="0"/>
+              <a:t>concepts</a:t>
+            </a:r>
+            <a:r>
+              <a:rPr lang="de-AT" dirty="0" smtClean="0"/>
+              <a:t>: same </a:t>
+            </a:r>
+            <a:r>
+              <a:rPr lang="de-AT" dirty="0" err="1" smtClean="0"/>
+              <a:t>structure</a:t>
+            </a:r>
+            <a:r>
+              <a:rPr lang="de-AT" dirty="0" smtClean="0"/>
+              <a:t> </a:t>
+            </a:r>
+            <a:r>
+              <a:rPr lang="de-AT" dirty="0" err="1" smtClean="0"/>
+              <a:t>and</a:t>
+            </a:r>
+            <a:r>
+              <a:rPr lang="de-AT" dirty="0" smtClean="0"/>
+              <a:t> </a:t>
+            </a:r>
+            <a:r>
+              <a:rPr lang="de-AT" dirty="0" err="1" smtClean="0"/>
+              <a:t>neighbours</a:t>
+            </a:r>
+            <a:endParaRPr lang="de-AT" dirty="0" smtClean="0"/>
+          </a:p>
+          <a:p>
+            <a:pPr lvl="1"/>
+            <a:r>
+              <a:rPr lang="de-AT" dirty="0" err="1" smtClean="0"/>
+              <a:t>Compatible</a:t>
+            </a:r>
+            <a:r>
+              <a:rPr lang="de-AT" dirty="0" smtClean="0"/>
+              <a:t> </a:t>
+            </a:r>
+            <a:r>
+              <a:rPr lang="de-AT" dirty="0" err="1" smtClean="0"/>
+              <a:t>concepts</a:t>
+            </a:r>
+            <a:r>
+              <a:rPr lang="de-AT" dirty="0" smtClean="0"/>
+              <a:t>: different </a:t>
+            </a:r>
+            <a:r>
+              <a:rPr lang="de-AT" dirty="0" err="1" smtClean="0"/>
+              <a:t>structure</a:t>
+            </a:r>
+            <a:r>
+              <a:rPr lang="de-AT" dirty="0" smtClean="0"/>
+              <a:t> /</a:t>
+            </a:r>
+            <a:r>
+              <a:rPr lang="de-AT" dirty="0" err="1" smtClean="0"/>
+              <a:t>neighbours</a:t>
+            </a:r>
+            <a:r>
+              <a:rPr lang="de-AT" dirty="0" smtClean="0"/>
+              <a:t>, but </a:t>
+            </a:r>
+            <a:r>
+              <a:rPr lang="de-AT" dirty="0" err="1" smtClean="0"/>
+              <a:t>no</a:t>
+            </a:r>
+            <a:r>
+              <a:rPr lang="de-AT" dirty="0" smtClean="0"/>
+              <a:t> </a:t>
+            </a:r>
+            <a:r>
+              <a:rPr lang="de-AT" dirty="0" err="1" smtClean="0"/>
+              <a:t>contradiction</a:t>
+            </a:r>
+            <a:endParaRPr lang="de-AT" dirty="0" smtClean="0"/>
+          </a:p>
+          <a:p>
+            <a:pPr lvl="1"/>
+            <a:r>
+              <a:rPr lang="de-AT" dirty="0" err="1" smtClean="0"/>
+              <a:t>Incompatible</a:t>
+            </a:r>
+            <a:r>
+              <a:rPr lang="de-AT" dirty="0" smtClean="0"/>
+              <a:t> </a:t>
+            </a:r>
+            <a:r>
+              <a:rPr lang="de-AT" dirty="0" err="1" smtClean="0"/>
+              <a:t>concepts</a:t>
+            </a:r>
+            <a:r>
+              <a:rPr lang="de-AT" dirty="0" smtClean="0"/>
+              <a:t>: </a:t>
+            </a:r>
+            <a:r>
+              <a:rPr lang="de-AT" dirty="0" err="1" smtClean="0"/>
+              <a:t>structural</a:t>
+            </a:r>
+            <a:r>
+              <a:rPr lang="de-AT" dirty="0" smtClean="0"/>
+              <a:t> </a:t>
+            </a:r>
+            <a:r>
+              <a:rPr lang="de-AT" dirty="0" err="1" smtClean="0"/>
+              <a:t>contradiction</a:t>
+            </a:r>
+            <a:endParaRPr lang="de-AT" dirty="0"/>
+          </a:p>
+        </p:txBody>
+      </p:sp>
+    </p:spTree>
+    <p:extLst>
+      <p:ext uri="{BB962C8B-B14F-4D97-AF65-F5344CB8AC3E}">
+        <p14:creationId xmlns:p14="http://schemas.microsoft.com/office/powerpoint/2010/main" val="180451916"/>
+      </p:ext>
+    </p:extLst>
+  </p:cSld>
+  <p:clrMapOvr>
+    <a:masterClrMapping/>
+  </p:clrMapOvr>
+</p:sld>
+</file>
+
+<file path=ppt/slides/slide30.xml><?xml version="1.0" encoding="utf-8"?>
 <p:sld xmlns:a="http://schemas.openxmlformats.org/drawingml/2006/main" xmlns:r="http://schemas.openxmlformats.org/officeDocument/2006/relationships" xmlns:p="http://schemas.openxmlformats.org/presentationml/2006/main">
   <p:cSld>
     <p:spTree>
@@ -9476,7 +10649,7 @@
 </p:sld>
 </file>
 
-<file path=ppt/slides/slide28.xml><?xml version="1.0" encoding="utf-8"?>
+<file path=ppt/slides/slide31.xml><?xml version="1.0" encoding="utf-8"?>
 <p:sld xmlns:a="http://schemas.openxmlformats.org/drawingml/2006/main" xmlns:r="http://schemas.openxmlformats.org/officeDocument/2006/relationships" xmlns:p="http://schemas.openxmlformats.org/presentationml/2006/main">
   <p:cSld>
     <p:spTree>
@@ -9641,7 +10814,7 @@
 </p:sld>
 </file>
 
-<file path=ppt/slides/slide29.xml><?xml version="1.0" encoding="utf-8"?>
+<file path=ppt/slides/slide32.xml><?xml version="1.0" encoding="utf-8"?>
 <p:sld xmlns:a="http://schemas.openxmlformats.org/drawingml/2006/main" xmlns:r="http://schemas.openxmlformats.org/officeDocument/2006/relationships" xmlns:p="http://schemas.openxmlformats.org/presentationml/2006/main">
   <p:cSld>
     <p:spTree>
@@ -9890,7 +11063,7 @@
 </p:sld>
 </file>
 
-<file path=ppt/slides/slide3.xml><?xml version="1.0" encoding="utf-8"?>
+<file path=ppt/slides/slide4.xml><?xml version="1.0" encoding="utf-8"?>
 <p:sld xmlns:a="http://schemas.openxmlformats.org/drawingml/2006/main" xmlns:r="http://schemas.openxmlformats.org/officeDocument/2006/relationships" xmlns:p="http://schemas.openxmlformats.org/presentationml/2006/main">
   <p:cSld>
     <p:spTree>
@@ -9923,8 +11096,226 @@
           <a:lstStyle/>
           <a:p>
             <a:r>
-              <a:rPr lang="en-US" dirty="0"/>
-              <a:t>identify conflicts</a:t>
+              <a:rPr lang="de-AT" dirty="0" err="1" smtClean="0"/>
+              <a:t>Exercise</a:t>
+            </a:r>
+            <a:r>
+              <a:rPr lang="de-AT" dirty="0" smtClean="0"/>
+              <a:t> 1 – </a:t>
+            </a:r>
+            <a:r>
+              <a:rPr lang="de-AT" dirty="0" err="1" smtClean="0"/>
+              <a:t>Identify</a:t>
+            </a:r>
+            <a:r>
+              <a:rPr lang="de-AT" dirty="0" smtClean="0"/>
+              <a:t> </a:t>
+            </a:r>
+            <a:r>
+              <a:rPr lang="de-AT" dirty="0" err="1" smtClean="0"/>
+              <a:t>Conflicts</a:t>
+            </a:r>
+            <a:r>
+              <a:rPr lang="de-AT" dirty="0" smtClean="0"/>
+              <a:t> 1</a:t>
+            </a:r>
+            <a:endParaRPr lang="de-AT" dirty="0"/>
+          </a:p>
+        </p:txBody>
+      </p:sp>
+      <p:pic>
+        <p:nvPicPr>
+          <p:cNvPr id="4" name="Inhaltsplatzhalter 3"/>
+          <p:cNvPicPr>
+            <a:picLocks noGrp="1" noChangeAspect="1"/>
+          </p:cNvPicPr>
+          <p:nvPr>
+            <p:ph sz="quarter" idx="1"/>
+          </p:nvPr>
+        </p:nvPicPr>
+        <p:blipFill>
+          <a:blip r:embed="rId2">
+            <a:extLst>
+              <a:ext uri="{28A0092B-C50C-407E-A947-70E740481C1C}">
+                <a14:useLocalDpi xmlns:a14="http://schemas.microsoft.com/office/drawing/2010/main" val="0"/>
+              </a:ext>
+            </a:extLst>
+          </a:blip>
+          <a:stretch>
+            <a:fillRect/>
+          </a:stretch>
+        </p:blipFill>
+        <p:spPr>
+          <a:xfrm>
+            <a:off x="155284" y="1628800"/>
+            <a:ext cx="8737195" cy="5040560"/>
+          </a:xfrm>
+        </p:spPr>
+      </p:pic>
+    </p:spTree>
+    <p:extLst>
+      <p:ext uri="{BB962C8B-B14F-4D97-AF65-F5344CB8AC3E}">
+        <p14:creationId xmlns:p14="http://schemas.microsoft.com/office/powerpoint/2010/main" val="3096610882"/>
+      </p:ext>
+    </p:extLst>
+  </p:cSld>
+  <p:clrMapOvr>
+    <a:masterClrMapping/>
+  </p:clrMapOvr>
+</p:sld>
+</file>
+
+<file path=ppt/slides/slide5.xml><?xml version="1.0" encoding="utf-8"?>
+<p:sld xmlns:a="http://schemas.openxmlformats.org/drawingml/2006/main" xmlns:r="http://schemas.openxmlformats.org/officeDocument/2006/relationships" xmlns:p="http://schemas.openxmlformats.org/presentationml/2006/main">
+  <p:cSld>
+    <p:spTree>
+      <p:nvGrpSpPr>
+        <p:cNvPr id="1" name=""/>
+        <p:cNvGrpSpPr/>
+        <p:nvPr/>
+      </p:nvGrpSpPr>
+      <p:grpSpPr>
+        <a:xfrm>
+          <a:off x="0" y="0"/>
+          <a:ext cx="0" cy="0"/>
+          <a:chOff x="0" y="0"/>
+          <a:chExt cx="0" cy="0"/>
+        </a:xfrm>
+      </p:grpSpPr>
+      <p:sp>
+        <p:nvSpPr>
+          <p:cNvPr id="2" name="Titel 1"/>
+          <p:cNvSpPr>
+            <a:spLocks noGrp="1"/>
+          </p:cNvSpPr>
+          <p:nvPr>
+            <p:ph type="title"/>
+          </p:nvPr>
+        </p:nvSpPr>
+        <p:spPr/>
+        <p:txBody>
+          <a:bodyPr/>
+          <a:lstStyle/>
+          <a:p>
+            <a:r>
+              <a:rPr lang="de-AT" dirty="0" err="1" smtClean="0"/>
+              <a:t>Exercise</a:t>
+            </a:r>
+            <a:r>
+              <a:rPr lang="de-AT" dirty="0" smtClean="0"/>
+              <a:t> 1 – </a:t>
+            </a:r>
+            <a:r>
+              <a:rPr lang="de-AT" dirty="0" err="1" smtClean="0"/>
+              <a:t>Identify</a:t>
+            </a:r>
+            <a:r>
+              <a:rPr lang="de-AT" dirty="0" smtClean="0"/>
+              <a:t> </a:t>
+            </a:r>
+            <a:r>
+              <a:rPr lang="de-AT" dirty="0" err="1" smtClean="0"/>
+              <a:t>Conflicts</a:t>
+            </a:r>
+            <a:r>
+              <a:rPr lang="de-AT" dirty="0" smtClean="0"/>
+              <a:t> 2</a:t>
+            </a:r>
+            <a:endParaRPr lang="de-AT" dirty="0"/>
+          </a:p>
+        </p:txBody>
+      </p:sp>
+      <p:pic>
+        <p:nvPicPr>
+          <p:cNvPr id="1026" name="Picture 2" descr="F:\Daten\Universitaet\6. Semester\Datenbanktechnologie\UE\Assignment_4\Exercise_1_full_picture_painted.png"/>
+          <p:cNvPicPr>
+            <a:picLocks noGrp="1" noChangeAspect="1" noChangeArrowheads="1"/>
+          </p:cNvPicPr>
+          <p:nvPr>
+            <p:ph sz="quarter" idx="1"/>
+          </p:nvPr>
+        </p:nvPicPr>
+        <p:blipFill>
+          <a:blip r:embed="rId2">
+            <a:extLst>
+              <a:ext uri="{28A0092B-C50C-407E-A947-70E740481C1C}">
+                <a14:useLocalDpi xmlns:a14="http://schemas.microsoft.com/office/drawing/2010/main" val="0"/>
+              </a:ext>
+            </a:extLst>
+          </a:blip>
+          <a:srcRect/>
+          <a:stretch>
+            <a:fillRect/>
+          </a:stretch>
+        </p:blipFill>
+        <p:spPr bwMode="auto">
+          <a:xfrm>
+            <a:off x="138466" y="1484784"/>
+            <a:ext cx="8993356" cy="5112568"/>
+          </a:xfrm>
+          <a:prstGeom prst="rect">
+            <a:avLst/>
+          </a:prstGeom>
+          <a:noFill/>
+          <a:extLst>
+            <a:ext uri="{909E8E84-426E-40DD-AFC4-6F175D3DCCD1}">
+              <a14:hiddenFill xmlns:a14="http://schemas.microsoft.com/office/drawing/2010/main">
+                <a:solidFill>
+                  <a:srgbClr val="FFFFFF"/>
+                </a:solidFill>
+              </a14:hiddenFill>
+            </a:ext>
+          </a:extLst>
+        </p:spPr>
+      </p:pic>
+    </p:spTree>
+    <p:extLst>
+      <p:ext uri="{BB962C8B-B14F-4D97-AF65-F5344CB8AC3E}">
+        <p14:creationId xmlns:p14="http://schemas.microsoft.com/office/powerpoint/2010/main" val="4233051216"/>
+      </p:ext>
+    </p:extLst>
+  </p:cSld>
+  <p:clrMapOvr>
+    <a:masterClrMapping/>
+  </p:clrMapOvr>
+</p:sld>
+</file>
+
+<file path=ppt/slides/slide6.xml><?xml version="1.0" encoding="utf-8"?>
+<p:sld xmlns:a="http://schemas.openxmlformats.org/drawingml/2006/main" xmlns:r="http://schemas.openxmlformats.org/officeDocument/2006/relationships" xmlns:p="http://schemas.openxmlformats.org/presentationml/2006/main">
+  <p:cSld>
+    <p:spTree>
+      <p:nvGrpSpPr>
+        <p:cNvPr id="1" name=""/>
+        <p:cNvGrpSpPr/>
+        <p:nvPr/>
+      </p:nvGrpSpPr>
+      <p:grpSpPr>
+        <a:xfrm>
+          <a:off x="0" y="0"/>
+          <a:ext cx="0" cy="0"/>
+          <a:chOff x="0" y="0"/>
+          <a:chExt cx="0" cy="0"/>
+        </a:xfrm>
+      </p:grpSpPr>
+      <p:sp>
+        <p:nvSpPr>
+          <p:cNvPr id="2" name="Titel 1"/>
+          <p:cNvSpPr>
+            <a:spLocks noGrp="1"/>
+          </p:cNvSpPr>
+          <p:nvPr>
+            <p:ph type="title"/>
+          </p:nvPr>
+        </p:nvSpPr>
+        <p:spPr/>
+        <p:txBody>
+          <a:bodyPr/>
+          <a:lstStyle/>
+          <a:p>
+            <a:r>
+              <a:rPr lang="en-US" dirty="0" smtClean="0"/>
+              <a:t>Example 1 – Identify Conflicts 3</a:t>
             </a:r>
             <a:endParaRPr lang="de-AT" dirty="0"/>
           </a:p>
@@ -9942,146 +11333,152 @@
         </p:nvSpPr>
         <p:spPr/>
         <p:txBody>
-          <a:bodyPr/>
+          <a:bodyPr>
+            <a:normAutofit/>
+          </a:bodyPr>
           <a:lstStyle/>
           <a:p>
             <a:r>
-              <a:rPr lang="de-AT" dirty="0" err="1" smtClean="0"/>
-              <a:t>naming</a:t>
-            </a:r>
-            <a:r>
-              <a:rPr lang="de-AT" dirty="0" smtClean="0"/>
-              <a:t> </a:t>
-            </a:r>
-            <a:r>
-              <a:rPr lang="de-AT" dirty="0" err="1" smtClean="0"/>
-              <a:t>conflicts</a:t>
-            </a:r>
-            <a:endParaRPr lang="de-AT" dirty="0"/>
-          </a:p>
-          <a:p>
-            <a:pPr lvl="1"/>
+              <a:rPr lang="de-AT" dirty="0" smtClean="0"/>
+              <a:t>Stadium – Stadium: (</a:t>
+            </a:r>
+            <a:r>
+              <a:rPr lang="de-AT" dirty="0" err="1" smtClean="0"/>
+              <a:t>Mismatch</a:t>
+            </a:r>
+            <a:r>
+              <a:rPr lang="de-AT" dirty="0" smtClean="0"/>
+              <a:t>, </a:t>
+            </a:r>
+            <a:r>
+              <a:rPr lang="de-AT" dirty="0" err="1" smtClean="0"/>
+              <a:t>Compatible</a:t>
+            </a:r>
+            <a:r>
+              <a:rPr lang="de-AT" dirty="0" smtClean="0"/>
+              <a:t> </a:t>
+            </a:r>
+            <a:r>
+              <a:rPr lang="de-AT" dirty="0" err="1" smtClean="0"/>
+              <a:t>Concepts</a:t>
+            </a:r>
+            <a:r>
+              <a:rPr lang="de-AT" dirty="0" smtClean="0"/>
+              <a:t>)</a:t>
+            </a:r>
+          </a:p>
+          <a:p>
             <a:r>
               <a:rPr lang="de-AT" dirty="0" err="1" smtClean="0"/>
               <a:t>Injury</a:t>
             </a:r>
             <a:r>
               <a:rPr lang="de-AT" dirty="0" smtClean="0"/>
-              <a:t> </a:t>
-            </a:r>
-            <a:r>
-              <a:rPr lang="de-AT" dirty="0" smtClean="0">
-                <a:sym typeface="Wingdings" panose="05000000000000000000" pitchFamily="2" charset="2"/>
-              </a:rPr>
-              <a:t> MT : </a:t>
-            </a:r>
-            <a:r>
-              <a:rPr lang="de-AT" dirty="0" err="1" smtClean="0">
-                <a:sym typeface="Wingdings" panose="05000000000000000000" pitchFamily="2" charset="2"/>
-              </a:rPr>
-              <a:t>needs</a:t>
-            </a:r>
-            <a:r>
-              <a:rPr lang="de-AT" dirty="0" smtClean="0">
-                <a:sym typeface="Wingdings" panose="05000000000000000000" pitchFamily="2" charset="2"/>
-              </a:rPr>
-              <a:t> / </a:t>
-            </a:r>
-            <a:r>
-              <a:rPr lang="de-AT" dirty="0" err="1" smtClean="0">
-                <a:sym typeface="Wingdings" panose="05000000000000000000" pitchFamily="2" charset="2"/>
-              </a:rPr>
-              <a:t>has</a:t>
-            </a:r>
-            <a:endParaRPr lang="de-AT" dirty="0" smtClean="0">
-              <a:sym typeface="Wingdings" panose="05000000000000000000" pitchFamily="2" charset="2"/>
-            </a:endParaRPr>
-          </a:p>
-          <a:p>
-            <a:pPr lvl="1"/>
-            <a:r>
-              <a:rPr lang="de-AT" dirty="0" smtClean="0">
-                <a:sym typeface="Wingdings" panose="05000000000000000000" pitchFamily="2" charset="2"/>
-              </a:rPr>
-              <a:t>Game  </a:t>
-            </a:r>
-            <a:r>
-              <a:rPr lang="de-AT" dirty="0" err="1" smtClean="0">
-                <a:sym typeface="Wingdings" panose="05000000000000000000" pitchFamily="2" charset="2"/>
-              </a:rPr>
+              <a:t> &amp; MT – </a:t>
+            </a:r>
+            <a:r>
+              <a:rPr lang="de-AT" dirty="0" err="1" smtClean="0"/>
+              <a:t>Injury</a:t>
+            </a:r>
+            <a:r>
+              <a:rPr lang="de-AT" dirty="0" smtClean="0"/>
+              <a:t> &amp; MT: (Synonym, </a:t>
+            </a:r>
+            <a:r>
+              <a:rPr lang="de-AT" dirty="0" err="1" smtClean="0"/>
+              <a:t>Identical</a:t>
+            </a:r>
+            <a:r>
+              <a:rPr lang="de-AT" dirty="0" smtClean="0"/>
+              <a:t> </a:t>
+            </a:r>
+            <a:r>
+              <a:rPr lang="de-AT" dirty="0" err="1" smtClean="0"/>
+              <a:t>Concepts</a:t>
+            </a:r>
+            <a:r>
+              <a:rPr lang="de-AT" dirty="0" smtClean="0"/>
+              <a:t>)</a:t>
+            </a:r>
+          </a:p>
+          <a:p>
+            <a:r>
+              <a:rPr lang="de-AT" dirty="0" smtClean="0"/>
+              <a:t>Game, Event, </a:t>
+            </a:r>
+            <a:r>
+              <a:rPr lang="de-AT" dirty="0" err="1" smtClean="0"/>
+              <a:t>Injury</a:t>
+            </a:r>
+            <a:r>
+              <a:rPr lang="de-AT" dirty="0" smtClean="0"/>
+              <a:t>, Player – </a:t>
+            </a:r>
+            <a:r>
+              <a:rPr lang="de-AT" dirty="0" err="1" smtClean="0"/>
+              <a:t>Injury</a:t>
+            </a:r>
+            <a:r>
+              <a:rPr lang="de-AT" dirty="0" smtClean="0"/>
+              <a:t>, Player, </a:t>
+            </a:r>
+            <a:r>
+              <a:rPr lang="de-AT" dirty="0" err="1" smtClean="0"/>
               <a:t>Competition</a:t>
             </a:r>
-            <a:endParaRPr lang="de-AT" dirty="0"/>
-          </a:p>
-          <a:p>
-            <a:r>
-              <a:rPr lang="de-AT" dirty="0" err="1" smtClean="0"/>
-              <a:t>stuctural</a:t>
-            </a:r>
-            <a:r>
-              <a:rPr lang="de-AT" dirty="0" smtClean="0"/>
-              <a:t> </a:t>
-            </a:r>
-            <a:r>
-              <a:rPr lang="de-AT" dirty="0" err="1" smtClean="0"/>
-              <a:t>conflicts</a:t>
-            </a:r>
-            <a:endParaRPr lang="de-AT" dirty="0" smtClean="0"/>
-          </a:p>
-          <a:p>
-            <a:pPr lvl="1"/>
-            <a:r>
-              <a:rPr lang="de-AT" dirty="0"/>
-              <a:t>Stadium : </a:t>
-            </a:r>
-            <a:r>
-              <a:rPr lang="de-AT" dirty="0" err="1"/>
-              <a:t>capacity</a:t>
-            </a:r>
-            <a:r>
-              <a:rPr lang="de-AT" dirty="0"/>
-              <a:t> in </a:t>
-            </a:r>
-            <a:r>
-              <a:rPr lang="de-AT" dirty="0" smtClean="0"/>
-              <a:t>EV</a:t>
-            </a:r>
-          </a:p>
-          <a:p>
-            <a:pPr lvl="1"/>
-            <a:r>
-              <a:rPr lang="de-AT" dirty="0" smtClean="0"/>
-              <a:t>Player : </a:t>
-            </a:r>
-            <a:r>
-              <a:rPr lang="de-AT" dirty="0" err="1" smtClean="0"/>
-              <a:t>team</a:t>
-            </a:r>
-            <a:endParaRPr lang="de-AT" dirty="0" smtClean="0"/>
-          </a:p>
-          <a:p>
-            <a:pPr lvl="1"/>
-            <a:r>
-              <a:rPr lang="de-AT" dirty="0" err="1" smtClean="0"/>
-              <a:t>Competition</a:t>
-            </a:r>
-            <a:endParaRPr lang="de-AT" dirty="0" smtClean="0"/>
-          </a:p>
-          <a:p>
-            <a:pPr lvl="1"/>
-            <a:r>
-              <a:rPr lang="de-AT" dirty="0" err="1" smtClean="0"/>
-              <a:t>Injury</a:t>
-            </a:r>
-            <a:r>
-              <a:rPr lang="de-AT" dirty="0" smtClean="0"/>
-              <a:t> </a:t>
-            </a:r>
-            <a:r>
-              <a:rPr lang="de-AT" dirty="0" smtClean="0">
-                <a:sym typeface="Wingdings" panose="05000000000000000000" pitchFamily="2" charset="2"/>
-              </a:rPr>
-              <a:t> Player fehlt</a:t>
+            <a:r>
+              <a:rPr lang="de-AT" dirty="0" smtClean="0"/>
+              <a:t>: </a:t>
+            </a:r>
+            <a:r>
+              <a:rPr lang="de-AT" dirty="0" smtClean="0"/>
+              <a:t>(</a:t>
+            </a:r>
+            <a:r>
+              <a:rPr lang="de-AT" dirty="0" err="1" smtClean="0"/>
+              <a:t>Incompatible</a:t>
+            </a:r>
+            <a:r>
+              <a:rPr lang="de-AT" dirty="0" smtClean="0"/>
+              <a:t> </a:t>
+            </a:r>
+            <a:r>
+              <a:rPr lang="de-AT" dirty="0" err="1" smtClean="0"/>
+              <a:t>Concepts</a:t>
+            </a:r>
+            <a:r>
+              <a:rPr lang="de-AT" dirty="0" smtClean="0"/>
+              <a:t>)</a:t>
+            </a:r>
+          </a:p>
+          <a:p>
+            <a:r>
+              <a:rPr lang="de-AT" dirty="0" smtClean="0"/>
+              <a:t>Player, Soccer Team – Player: (</a:t>
+            </a:r>
+            <a:r>
+              <a:rPr lang="de-AT" dirty="0" err="1" smtClean="0"/>
+              <a:t>Mismatch</a:t>
+            </a:r>
+            <a:r>
+              <a:rPr lang="de-AT" dirty="0" smtClean="0"/>
+              <a:t>, </a:t>
+            </a:r>
+            <a:r>
+              <a:rPr lang="de-AT" dirty="0" err="1" smtClean="0"/>
+              <a:t>Compatible</a:t>
+            </a:r>
+            <a:r>
+              <a:rPr lang="de-AT" dirty="0" smtClean="0"/>
+              <a:t> </a:t>
+            </a:r>
+            <a:r>
+              <a:rPr lang="de-AT" dirty="0" err="1" smtClean="0"/>
+              <a:t>Concepts</a:t>
+            </a:r>
+            <a:r>
+              <a:rPr lang="de-AT" smtClean="0"/>
+              <a:t>)</a:t>
             </a:r>
             <a:endParaRPr lang="de-AT" dirty="0"/>
           </a:p>
@@ -10100,7 +11497,7 @@
 </p:sld>
 </file>
 
-<file path=ppt/slides/slide4.xml><?xml version="1.0" encoding="utf-8"?>
+<file path=ppt/slides/slide7.xml><?xml version="1.0" encoding="utf-8"?>
 <p:sld xmlns:a="http://schemas.openxmlformats.org/drawingml/2006/main" xmlns:r="http://schemas.openxmlformats.org/officeDocument/2006/relationships" xmlns:p="http://schemas.openxmlformats.org/presentationml/2006/main">
   <p:cSld>
     <p:spTree>
@@ -10214,7 +11611,7 @@
 </p:sld>
 </file>
 
-<file path=ppt/slides/slide5.xml><?xml version="1.0" encoding="utf-8"?>
+<file path=ppt/slides/slide8.xml><?xml version="1.0" encoding="utf-8"?>
 <p:sld xmlns:a="http://schemas.openxmlformats.org/drawingml/2006/main" xmlns:r="http://schemas.openxmlformats.org/officeDocument/2006/relationships" xmlns:p="http://schemas.openxmlformats.org/presentationml/2006/main">
   <p:cSld>
     <p:spTree>
@@ -10514,548 +11911,6 @@
     <p:extLst>
       <p:ext uri="{BB962C8B-B14F-4D97-AF65-F5344CB8AC3E}">
         <p14:creationId xmlns:p14="http://schemas.microsoft.com/office/powerpoint/2010/main" val="4027580963"/>
-      </p:ext>
-    </p:extLst>
-  </p:cSld>
-  <p:clrMapOvr>
-    <a:masterClrMapping/>
-  </p:clrMapOvr>
-</p:sld>
-</file>
-
-<file path=ppt/slides/slide6.xml><?xml version="1.0" encoding="utf-8"?>
-<p:sld xmlns:a="http://schemas.openxmlformats.org/drawingml/2006/main" xmlns:r="http://schemas.openxmlformats.org/officeDocument/2006/relationships" xmlns:p="http://schemas.openxmlformats.org/presentationml/2006/main">
-  <p:cSld>
-    <p:spTree>
-      <p:nvGrpSpPr>
-        <p:cNvPr id="1" name=""/>
-        <p:cNvGrpSpPr/>
-        <p:nvPr/>
-      </p:nvGrpSpPr>
-      <p:grpSpPr>
-        <a:xfrm>
-          <a:off x="0" y="0"/>
-          <a:ext cx="0" cy="0"/>
-          <a:chOff x="0" y="0"/>
-          <a:chExt cx="0" cy="0"/>
-        </a:xfrm>
-      </p:grpSpPr>
-      <p:sp>
-        <p:nvSpPr>
-          <p:cNvPr id="2" name="Titel 1"/>
-          <p:cNvSpPr>
-            <a:spLocks noGrp="1"/>
-          </p:cNvSpPr>
-          <p:nvPr>
-            <p:ph type="title"/>
-          </p:nvPr>
-        </p:nvSpPr>
-        <p:spPr/>
-        <p:txBody>
-          <a:bodyPr>
-            <a:normAutofit/>
-          </a:bodyPr>
-          <a:lstStyle/>
-          <a:p>
-            <a:r>
-              <a:rPr lang="de-AT" dirty="0" err="1" smtClean="0"/>
-              <a:t>Exercise</a:t>
-            </a:r>
-            <a:r>
-              <a:rPr lang="de-AT" dirty="0" smtClean="0"/>
-              <a:t> 2 – </a:t>
-            </a:r>
-            <a:r>
-              <a:rPr lang="de-AT" dirty="0" err="1" smtClean="0"/>
-              <a:t>Calculation</a:t>
-            </a:r>
-            <a:r>
-              <a:rPr lang="de-AT" dirty="0" smtClean="0"/>
-              <a:t> </a:t>
-            </a:r>
-            <a:r>
-              <a:rPr lang="de-AT" dirty="0" err="1" smtClean="0"/>
-              <a:t>rules</a:t>
-            </a:r>
-            <a:endParaRPr lang="de-AT" dirty="0"/>
-          </a:p>
-        </p:txBody>
-      </p:sp>
-      <p:pic>
-        <p:nvPicPr>
-          <p:cNvPr id="4" name="Inhaltsplatzhalter 3"/>
-          <p:cNvPicPr>
-            <a:picLocks noGrp="1" noChangeAspect="1"/>
-          </p:cNvPicPr>
-          <p:nvPr>
-            <p:ph sz="quarter" idx="1"/>
-          </p:nvPr>
-        </p:nvPicPr>
-        <p:blipFill>
-          <a:blip r:embed="rId2">
-            <a:extLst>
-              <a:ext uri="{28A0092B-C50C-407E-A947-70E740481C1C}">
-                <a14:useLocalDpi xmlns:a14="http://schemas.microsoft.com/office/drawing/2010/main" val="0"/>
-              </a:ext>
-            </a:extLst>
-          </a:blip>
-          <a:stretch>
-            <a:fillRect/>
-          </a:stretch>
-        </p:blipFill>
-        <p:spPr>
-          <a:xfrm>
-            <a:off x="2213340" y="1600200"/>
-            <a:ext cx="4952270" cy="4495800"/>
-          </a:xfrm>
-        </p:spPr>
-      </p:pic>
-    </p:spTree>
-    <p:extLst>
-      <p:ext uri="{BB962C8B-B14F-4D97-AF65-F5344CB8AC3E}">
-        <p14:creationId xmlns:p14="http://schemas.microsoft.com/office/powerpoint/2010/main" val="3460682268"/>
-      </p:ext>
-    </p:extLst>
-  </p:cSld>
-  <p:clrMapOvr>
-    <a:masterClrMapping/>
-  </p:clrMapOvr>
-</p:sld>
-</file>
-
-<file path=ppt/slides/slide7.xml><?xml version="1.0" encoding="utf-8"?>
-<p:sld xmlns:a="http://schemas.openxmlformats.org/drawingml/2006/main" xmlns:r="http://schemas.openxmlformats.org/officeDocument/2006/relationships" xmlns:p="http://schemas.openxmlformats.org/presentationml/2006/main">
-  <p:cSld>
-    <p:spTree>
-      <p:nvGrpSpPr>
-        <p:cNvPr id="1" name=""/>
-        <p:cNvGrpSpPr/>
-        <p:nvPr/>
-      </p:nvGrpSpPr>
-      <p:grpSpPr>
-        <a:xfrm>
-          <a:off x="0" y="0"/>
-          <a:ext cx="0" cy="0"/>
-          <a:chOff x="0" y="0"/>
-          <a:chExt cx="0" cy="0"/>
-        </a:xfrm>
-      </p:grpSpPr>
-      <p:sp>
-        <p:nvSpPr>
-          <p:cNvPr id="2" name="Titel 1"/>
-          <p:cNvSpPr>
-            <a:spLocks noGrp="1"/>
-          </p:cNvSpPr>
-          <p:nvPr>
-            <p:ph type="title"/>
-          </p:nvPr>
-        </p:nvSpPr>
-        <p:spPr/>
-        <p:txBody>
-          <a:bodyPr>
-            <a:normAutofit fontScale="90000"/>
-          </a:bodyPr>
-          <a:lstStyle/>
-          <a:p>
-            <a:r>
-              <a:rPr lang="de-AT" dirty="0" err="1" smtClean="0"/>
-              <a:t>Exercise</a:t>
-            </a:r>
-            <a:r>
-              <a:rPr lang="de-AT" dirty="0" smtClean="0"/>
-              <a:t> 2 – </a:t>
-            </a:r>
-            <a:br>
-              <a:rPr lang="de-AT" dirty="0" smtClean="0"/>
-            </a:br>
-            <a:r>
-              <a:rPr lang="de-AT" dirty="0" smtClean="0"/>
-              <a:t>Determination </a:t>
-            </a:r>
-            <a:r>
-              <a:rPr lang="de-AT" dirty="0" err="1" smtClean="0"/>
-              <a:t>of</a:t>
-            </a:r>
-            <a:r>
-              <a:rPr lang="de-AT" dirty="0" smtClean="0"/>
-              <a:t> </a:t>
-            </a:r>
-            <a:r>
-              <a:rPr lang="de-AT" dirty="0" err="1" smtClean="0"/>
-              <a:t>Quantities</a:t>
-            </a:r>
-            <a:endParaRPr lang="de-AT" dirty="0"/>
-          </a:p>
-        </p:txBody>
-      </p:sp>
-      <p:pic>
-        <p:nvPicPr>
-          <p:cNvPr id="4" name="Inhaltsplatzhalter 3"/>
-          <p:cNvPicPr>
-            <a:picLocks noGrp="1" noChangeAspect="1"/>
-          </p:cNvPicPr>
-          <p:nvPr>
-            <p:ph sz="quarter" idx="1"/>
-          </p:nvPr>
-        </p:nvPicPr>
-        <p:blipFill>
-          <a:blip r:embed="rId2">
-            <a:extLst>
-              <a:ext uri="{28A0092B-C50C-407E-A947-70E740481C1C}">
-                <a14:useLocalDpi xmlns:a14="http://schemas.microsoft.com/office/drawing/2010/main" val="0"/>
-              </a:ext>
-            </a:extLst>
-          </a:blip>
-          <a:stretch>
-            <a:fillRect/>
-          </a:stretch>
-        </p:blipFill>
-        <p:spPr>
-          <a:xfrm>
-            <a:off x="781023" y="1556792"/>
-            <a:ext cx="5611008" cy="3391374"/>
-          </a:xfrm>
-        </p:spPr>
-      </p:pic>
-      <p:sp>
-        <p:nvSpPr>
-          <p:cNvPr id="5" name="Textfeld 4"/>
-          <p:cNvSpPr txBox="1"/>
-          <p:nvPr/>
-        </p:nvSpPr>
-        <p:spPr>
-          <a:xfrm>
-            <a:off x="810105" y="4797152"/>
-            <a:ext cx="7920880" cy="1815882"/>
-          </a:xfrm>
-          <a:prstGeom prst="rect">
-            <a:avLst/>
-          </a:prstGeom>
-          <a:noFill/>
-        </p:spPr>
-        <p:txBody>
-          <a:bodyPr wrap="square" rtlCol="0">
-            <a:spAutoFit/>
-          </a:bodyPr>
-          <a:lstStyle/>
-          <a:p>
-            <a:r>
-              <a:rPr lang="en-GB" sz="1400" dirty="0"/>
-              <a:t>N(publisher) x N (publisher, publishes ) = N (publishes)  = N(book</a:t>
-            </a:r>
-            <a:r>
-              <a:rPr lang="en-GB" sz="1400" dirty="0" smtClean="0"/>
-              <a:t>)</a:t>
-            </a:r>
-          </a:p>
-          <a:p>
-            <a:pPr marL="285750" indent="-285750">
-              <a:buFont typeface="Symbol"/>
-              <a:buChar char="Þ"/>
-            </a:pPr>
-            <a:r>
-              <a:rPr lang="en-GB" sz="1400" dirty="0" smtClean="0"/>
-              <a:t>N(book) = N(publishes) = 100 x 1.000 = 100.000</a:t>
-            </a:r>
-          </a:p>
-          <a:p>
-            <a:endParaRPr lang="de-AT" sz="1400" dirty="0" smtClean="0"/>
-          </a:p>
-          <a:p>
-            <a:r>
-              <a:rPr lang="en-GB" sz="1400" dirty="0"/>
-              <a:t>N(author) = N(writes) / N(writes, author)</a:t>
-            </a:r>
-            <a:endParaRPr lang="de-AT" sz="1400" dirty="0"/>
-          </a:p>
-          <a:p>
-            <a:pPr marL="285750" indent="-285750">
-              <a:buFont typeface="Symbol"/>
-              <a:buChar char="Þ"/>
-            </a:pPr>
-            <a:r>
-              <a:rPr lang="en-GB" sz="1400" dirty="0" smtClean="0"/>
-              <a:t>N(author) = 400.000 / 20 = 20.000</a:t>
-            </a:r>
-          </a:p>
-          <a:p>
-            <a:pPr marL="285750" indent="-285750">
-              <a:buFont typeface="Symbol"/>
-              <a:buChar char="Þ"/>
-            </a:pPr>
-            <a:endParaRPr lang="en-GB" sz="1400" dirty="0"/>
-          </a:p>
-          <a:p>
-            <a:r>
-              <a:rPr lang="en-GB" sz="1400" dirty="0"/>
-              <a:t>N(book, writes) = N (writes) / N(books</a:t>
-            </a:r>
-            <a:r>
-              <a:rPr lang="en-GB" sz="1400" dirty="0" smtClean="0"/>
-              <a:t>)</a:t>
-            </a:r>
-            <a:endParaRPr lang="en-GB" dirty="0"/>
-          </a:p>
-          <a:p>
-            <a:pPr marL="285750" indent="-285750">
-              <a:buFont typeface="Symbol"/>
-              <a:buChar char="Þ"/>
-            </a:pPr>
-            <a:r>
-              <a:rPr lang="en-GB" sz="1400" dirty="0" smtClean="0"/>
-              <a:t>N(book, writes) = 400.000 / 100.000 = 4</a:t>
-            </a:r>
-          </a:p>
-        </p:txBody>
-      </p:sp>
-      <p:sp>
-        <p:nvSpPr>
-          <p:cNvPr id="6" name="Textfeld 5"/>
-          <p:cNvSpPr txBox="1"/>
-          <p:nvPr/>
-        </p:nvSpPr>
-        <p:spPr>
-          <a:xfrm>
-            <a:off x="1763688" y="1516783"/>
-            <a:ext cx="1080120" cy="276999"/>
-          </a:xfrm>
-          <a:prstGeom prst="rect">
-            <a:avLst/>
-          </a:prstGeom>
-          <a:noFill/>
-        </p:spPr>
-        <p:txBody>
-          <a:bodyPr wrap="square" rtlCol="0">
-            <a:spAutoFit/>
-          </a:bodyPr>
-          <a:lstStyle/>
-          <a:p>
-            <a:r>
-              <a:rPr lang="de-AT" sz="1200" b="1" dirty="0" smtClean="0">
-                <a:solidFill>
-                  <a:srgbClr val="FF0000"/>
-                </a:solidFill>
-              </a:rPr>
-              <a:t>&lt;100.000&gt;</a:t>
-            </a:r>
-            <a:endParaRPr lang="de-AT" sz="1200" b="1" dirty="0">
-              <a:solidFill>
-                <a:srgbClr val="FF0000"/>
-              </a:solidFill>
-            </a:endParaRPr>
-          </a:p>
-        </p:txBody>
-      </p:sp>
-      <p:sp>
-        <p:nvSpPr>
-          <p:cNvPr id="7" name="Textfeld 6"/>
-          <p:cNvSpPr txBox="1"/>
-          <p:nvPr/>
-        </p:nvSpPr>
-        <p:spPr>
-          <a:xfrm>
-            <a:off x="4427984" y="1514181"/>
-            <a:ext cx="1080120" cy="276999"/>
-          </a:xfrm>
-          <a:prstGeom prst="rect">
-            <a:avLst/>
-          </a:prstGeom>
-          <a:noFill/>
-        </p:spPr>
-        <p:txBody>
-          <a:bodyPr wrap="square" rtlCol="0">
-            <a:spAutoFit/>
-          </a:bodyPr>
-          <a:lstStyle/>
-          <a:p>
-            <a:r>
-              <a:rPr lang="de-AT" sz="1200" b="1" dirty="0" smtClean="0">
-                <a:solidFill>
-                  <a:srgbClr val="FF0000"/>
-                </a:solidFill>
-              </a:rPr>
-              <a:t>&lt;100.000&gt;</a:t>
-            </a:r>
-            <a:endParaRPr lang="de-AT" sz="1200" b="1" dirty="0">
-              <a:solidFill>
-                <a:srgbClr val="FF0000"/>
-              </a:solidFill>
-            </a:endParaRPr>
-          </a:p>
-        </p:txBody>
-      </p:sp>
-      <p:sp>
-        <p:nvSpPr>
-          <p:cNvPr id="8" name="Textfeld 7"/>
-          <p:cNvSpPr txBox="1"/>
-          <p:nvPr/>
-        </p:nvSpPr>
-        <p:spPr>
-          <a:xfrm>
-            <a:off x="5506258" y="2852936"/>
-            <a:ext cx="1080120" cy="276999"/>
-          </a:xfrm>
-          <a:prstGeom prst="rect">
-            <a:avLst/>
-          </a:prstGeom>
-          <a:noFill/>
-        </p:spPr>
-        <p:txBody>
-          <a:bodyPr wrap="square" rtlCol="0">
-            <a:spAutoFit/>
-          </a:bodyPr>
-          <a:lstStyle/>
-          <a:p>
-            <a:r>
-              <a:rPr lang="de-AT" sz="1200" b="1" dirty="0" smtClean="0">
-                <a:solidFill>
-                  <a:srgbClr val="FF0000"/>
-                </a:solidFill>
-              </a:rPr>
-              <a:t>&lt;4&gt;</a:t>
-            </a:r>
-            <a:endParaRPr lang="de-AT" sz="1200" b="1" dirty="0">
-              <a:solidFill>
-                <a:srgbClr val="FF0000"/>
-              </a:solidFill>
-            </a:endParaRPr>
-          </a:p>
-        </p:txBody>
-      </p:sp>
-      <p:sp>
-        <p:nvSpPr>
-          <p:cNvPr id="9" name="Textfeld 8"/>
-          <p:cNvSpPr txBox="1"/>
-          <p:nvPr/>
-        </p:nvSpPr>
-        <p:spPr>
-          <a:xfrm>
-            <a:off x="5483825" y="4187309"/>
-            <a:ext cx="1080120" cy="276999"/>
-          </a:xfrm>
-          <a:prstGeom prst="rect">
-            <a:avLst/>
-          </a:prstGeom>
-          <a:noFill/>
-        </p:spPr>
-        <p:txBody>
-          <a:bodyPr wrap="square" rtlCol="0">
-            <a:spAutoFit/>
-          </a:bodyPr>
-          <a:lstStyle/>
-          <a:p>
-            <a:r>
-              <a:rPr lang="de-AT" sz="1200" b="1" dirty="0" smtClean="0">
-                <a:solidFill>
-                  <a:srgbClr val="FF0000"/>
-                </a:solidFill>
-              </a:rPr>
-              <a:t>&lt;20.000&gt;</a:t>
-            </a:r>
-            <a:endParaRPr lang="de-AT" sz="1200" b="1" dirty="0">
-              <a:solidFill>
-                <a:srgbClr val="FF0000"/>
-              </a:solidFill>
-            </a:endParaRPr>
-          </a:p>
-        </p:txBody>
-      </p:sp>
-    </p:spTree>
-    <p:extLst>
-      <p:ext uri="{BB962C8B-B14F-4D97-AF65-F5344CB8AC3E}">
-        <p14:creationId xmlns:p14="http://schemas.microsoft.com/office/powerpoint/2010/main" val="1343703413"/>
-      </p:ext>
-    </p:extLst>
-  </p:cSld>
-  <p:clrMapOvr>
-    <a:masterClrMapping/>
-  </p:clrMapOvr>
-</p:sld>
-</file>
-
-<file path=ppt/slides/slide8.xml><?xml version="1.0" encoding="utf-8"?>
-<p:sld xmlns:a="http://schemas.openxmlformats.org/drawingml/2006/main" xmlns:r="http://schemas.openxmlformats.org/officeDocument/2006/relationships" xmlns:p="http://schemas.openxmlformats.org/presentationml/2006/main">
-  <p:cSld>
-    <p:spTree>
-      <p:nvGrpSpPr>
-        <p:cNvPr id="1" name=""/>
-        <p:cNvGrpSpPr/>
-        <p:nvPr/>
-      </p:nvGrpSpPr>
-      <p:grpSpPr>
-        <a:xfrm>
-          <a:off x="0" y="0"/>
-          <a:ext cx="0" cy="0"/>
-          <a:chOff x="0" y="0"/>
-          <a:chExt cx="0" cy="0"/>
-        </a:xfrm>
-      </p:grpSpPr>
-      <p:sp>
-        <p:nvSpPr>
-          <p:cNvPr id="2" name="Titel 1"/>
-          <p:cNvSpPr>
-            <a:spLocks noGrp="1"/>
-          </p:cNvSpPr>
-          <p:nvPr>
-            <p:ph type="title"/>
-          </p:nvPr>
-        </p:nvSpPr>
-        <p:spPr/>
-        <p:txBody>
-          <a:bodyPr/>
-          <a:lstStyle/>
-          <a:p>
-            <a:r>
-              <a:rPr lang="de-AT" dirty="0" err="1" smtClean="0"/>
-              <a:t>Exercise</a:t>
-            </a:r>
-            <a:r>
-              <a:rPr lang="de-AT" dirty="0" smtClean="0"/>
-              <a:t> 2 - Navigation</a:t>
-            </a:r>
-            <a:endParaRPr lang="de-AT" dirty="0"/>
-          </a:p>
-        </p:txBody>
-      </p:sp>
-      <p:sp>
-        <p:nvSpPr>
-          <p:cNvPr id="3" name="Inhaltsplatzhalter 2"/>
-          <p:cNvSpPr>
-            <a:spLocks noGrp="1"/>
-          </p:cNvSpPr>
-          <p:nvPr>
-            <p:ph sz="quarter" idx="1"/>
-          </p:nvPr>
-        </p:nvSpPr>
-        <p:spPr/>
-        <p:txBody>
-          <a:bodyPr/>
-          <a:lstStyle/>
-          <a:p>
-            <a:r>
-              <a:rPr lang="en-GB" dirty="0" smtClean="0"/>
-              <a:t>To get the result of a query or to execute an operation, multiple entity types and relations might have to be accessed.</a:t>
-            </a:r>
-          </a:p>
-          <a:p>
-            <a:r>
-              <a:rPr lang="en-GB" dirty="0" smtClean="0"/>
-              <a:t>Navigation path shows, which entity types and relations are accessed and in which order.</a:t>
-            </a:r>
-          </a:p>
-          <a:p>
-            <a:r>
-              <a:rPr lang="en-GB" dirty="0" smtClean="0"/>
-              <a:t>Necessary for evaluating costs of database operations</a:t>
-            </a:r>
-            <a:endParaRPr lang="en-GB" dirty="0"/>
-          </a:p>
-        </p:txBody>
-      </p:sp>
-    </p:spTree>
-    <p:extLst>
-      <p:ext uri="{BB962C8B-B14F-4D97-AF65-F5344CB8AC3E}">
-        <p14:creationId xmlns:p14="http://schemas.microsoft.com/office/powerpoint/2010/main" val="1138079737"/>
       </p:ext>
     </p:extLst>
   </p:cSld>
@@ -11094,348 +11949,68 @@
         </p:nvSpPr>
         <p:spPr/>
         <p:txBody>
-          <a:bodyPr/>
-          <a:lstStyle/>
-          <a:p>
-            <a:r>
-              <a:rPr lang="de-AT" dirty="0" err="1" smtClean="0"/>
-              <a:t>Exercise</a:t>
-            </a:r>
-            <a:r>
-              <a:rPr lang="de-AT" dirty="0" smtClean="0"/>
-              <a:t> 3 – </a:t>
-            </a:r>
-            <a:r>
-              <a:rPr lang="de-AT" dirty="0" err="1" smtClean="0"/>
-              <a:t>Redundancy</a:t>
-            </a:r>
-            <a:endParaRPr lang="de-AT" dirty="0"/>
-          </a:p>
-        </p:txBody>
-      </p:sp>
-      <p:sp>
-        <p:nvSpPr>
-          <p:cNvPr id="3" name="Inhaltsplatzhalter 2"/>
-          <p:cNvSpPr>
-            <a:spLocks noGrp="1"/>
-          </p:cNvSpPr>
-          <p:nvPr>
-            <p:ph sz="quarter" idx="1"/>
-          </p:nvPr>
-        </p:nvSpPr>
-        <p:spPr/>
-        <p:txBody>
           <a:bodyPr>
-            <a:normAutofit fontScale="92500" lnSpcReduction="20000"/>
+            <a:normAutofit/>
           </a:bodyPr>
           <a:lstStyle/>
           <a:p>
             <a:r>
               <a:rPr lang="de-AT" dirty="0" err="1" smtClean="0"/>
-              <a:t>Redundancy</a:t>
-            </a:r>
-            <a:r>
-              <a:rPr lang="de-AT" dirty="0" smtClean="0"/>
-              <a:t> </a:t>
-            </a:r>
-            <a:r>
-              <a:rPr lang="de-AT" dirty="0" err="1" smtClean="0"/>
-              <a:t>occurs</a:t>
-            </a:r>
-            <a:r>
-              <a:rPr lang="de-AT" dirty="0" smtClean="0"/>
-              <a:t>, </a:t>
-            </a:r>
-            <a:r>
-              <a:rPr lang="de-AT" dirty="0" err="1" smtClean="0"/>
-              <a:t>if</a:t>
-            </a:r>
-            <a:r>
-              <a:rPr lang="de-AT" dirty="0" smtClean="0"/>
-              <a:t> </a:t>
-            </a:r>
-            <a:r>
-              <a:rPr lang="de-AT" dirty="0" err="1" smtClean="0"/>
-              <a:t>the</a:t>
-            </a:r>
-            <a:r>
-              <a:rPr lang="de-AT" dirty="0" smtClean="0"/>
-              <a:t> same </a:t>
-            </a:r>
-            <a:r>
-              <a:rPr lang="de-AT" dirty="0" err="1" smtClean="0"/>
-              <a:t>information</a:t>
-            </a:r>
-            <a:r>
-              <a:rPr lang="de-AT" dirty="0" smtClean="0"/>
-              <a:t> </a:t>
-            </a:r>
-            <a:r>
-              <a:rPr lang="de-AT" dirty="0" err="1" smtClean="0"/>
-              <a:t>or</a:t>
-            </a:r>
-            <a:r>
-              <a:rPr lang="de-AT" dirty="0" smtClean="0"/>
-              <a:t> </a:t>
-            </a:r>
-            <a:r>
-              <a:rPr lang="de-AT" dirty="0" err="1" smtClean="0"/>
-              <a:t>derivable</a:t>
-            </a:r>
-            <a:r>
-              <a:rPr lang="de-AT" dirty="0" smtClean="0"/>
-              <a:t> </a:t>
-            </a:r>
-            <a:r>
-              <a:rPr lang="de-AT" dirty="0" err="1" smtClean="0"/>
-              <a:t>information</a:t>
-            </a:r>
-            <a:r>
-              <a:rPr lang="de-AT" dirty="0" smtClean="0"/>
-              <a:t> </a:t>
-            </a:r>
-            <a:r>
-              <a:rPr lang="de-AT" dirty="0" err="1" smtClean="0"/>
-              <a:t>is</a:t>
-            </a:r>
-            <a:r>
-              <a:rPr lang="de-AT" dirty="0" smtClean="0"/>
-              <a:t> </a:t>
-            </a:r>
-            <a:r>
-              <a:rPr lang="de-AT" dirty="0" err="1" smtClean="0"/>
-              <a:t>stored</a:t>
-            </a:r>
-            <a:r>
-              <a:rPr lang="de-AT" dirty="0" smtClean="0"/>
-              <a:t> multiple </a:t>
-            </a:r>
-            <a:r>
-              <a:rPr lang="de-AT" dirty="0" err="1" smtClean="0"/>
-              <a:t>times</a:t>
-            </a:r>
-            <a:r>
-              <a:rPr lang="de-AT" dirty="0" smtClean="0"/>
-              <a:t>.</a:t>
-            </a:r>
-          </a:p>
-          <a:p>
+              <a:t>Exercise</a:t>
+            </a:r>
+            <a:r>
+              <a:rPr lang="de-AT" dirty="0" smtClean="0"/>
+              <a:t> 2 – </a:t>
+            </a:r>
+            <a:r>
+              <a:rPr lang="de-AT" dirty="0" err="1" smtClean="0"/>
+              <a:t>Calculation</a:t>
+            </a:r>
+            <a:r>
+              <a:rPr lang="de-AT" dirty="0" smtClean="0"/>
+              <a:t> </a:t>
+            </a:r>
+            <a:r>
+              <a:rPr lang="de-AT" dirty="0" err="1" smtClean="0"/>
+              <a:t>rules</a:t>
+            </a:r>
             <a:endParaRPr lang="de-AT" dirty="0"/>
           </a:p>
-          <a:p>
-            <a:r>
-              <a:rPr lang="de-AT" dirty="0" smtClean="0"/>
-              <a:t>Pros:</a:t>
-            </a:r>
-          </a:p>
-          <a:p>
-            <a:pPr lvl="1"/>
-            <a:r>
-              <a:rPr lang="de-AT" dirty="0" smtClean="0"/>
-              <a:t>Speeds </a:t>
-            </a:r>
-            <a:r>
-              <a:rPr lang="de-AT" dirty="0" err="1" smtClean="0"/>
-              <a:t>up</a:t>
-            </a:r>
-            <a:r>
-              <a:rPr lang="de-AT" dirty="0" smtClean="0"/>
-              <a:t> </a:t>
-            </a:r>
-            <a:r>
-              <a:rPr lang="de-AT" dirty="0" err="1" smtClean="0"/>
-              <a:t>data</a:t>
-            </a:r>
-            <a:r>
-              <a:rPr lang="de-AT" dirty="0" smtClean="0"/>
-              <a:t> </a:t>
-            </a:r>
-            <a:r>
-              <a:rPr lang="de-AT" dirty="0" err="1" smtClean="0"/>
-              <a:t>access</a:t>
-            </a:r>
-            <a:r>
-              <a:rPr lang="de-AT" dirty="0" smtClean="0"/>
-              <a:t> (</a:t>
-            </a:r>
-            <a:r>
-              <a:rPr lang="de-AT" dirty="0" err="1" smtClean="0"/>
-              <a:t>navigation</a:t>
-            </a:r>
-            <a:r>
-              <a:rPr lang="de-AT" dirty="0" smtClean="0"/>
-              <a:t> </a:t>
-            </a:r>
-            <a:r>
-              <a:rPr lang="de-AT" dirty="0" err="1" smtClean="0"/>
-              <a:t>path</a:t>
-            </a:r>
-            <a:r>
-              <a:rPr lang="de-AT" dirty="0" smtClean="0"/>
-              <a:t> </a:t>
-            </a:r>
-            <a:r>
-              <a:rPr lang="de-AT" dirty="0" err="1" smtClean="0"/>
-              <a:t>is</a:t>
-            </a:r>
-            <a:r>
-              <a:rPr lang="de-AT" dirty="0" smtClean="0"/>
-              <a:t> </a:t>
-            </a:r>
-            <a:r>
-              <a:rPr lang="de-AT" dirty="0" err="1" smtClean="0"/>
-              <a:t>shortened</a:t>
-            </a:r>
-            <a:r>
-              <a:rPr lang="de-AT" dirty="0" smtClean="0"/>
-              <a:t> </a:t>
-            </a:r>
-            <a:r>
-              <a:rPr lang="de-AT" dirty="0" err="1" smtClean="0"/>
-              <a:t>for</a:t>
-            </a:r>
-            <a:r>
-              <a:rPr lang="de-AT" dirty="0" smtClean="0"/>
-              <a:t> </a:t>
-            </a:r>
-            <a:r>
-              <a:rPr lang="de-AT" dirty="0" err="1" smtClean="0"/>
-              <a:t>some</a:t>
-            </a:r>
-            <a:r>
-              <a:rPr lang="de-AT" dirty="0" smtClean="0"/>
-              <a:t> </a:t>
-            </a:r>
-            <a:r>
-              <a:rPr lang="de-AT" dirty="0" err="1" smtClean="0"/>
-              <a:t>operations</a:t>
-            </a:r>
-            <a:r>
-              <a:rPr lang="de-AT" dirty="0" smtClean="0"/>
-              <a:t>)</a:t>
-            </a:r>
-          </a:p>
-          <a:p>
-            <a:pPr lvl="1"/>
-            <a:endParaRPr lang="de-AT" dirty="0"/>
-          </a:p>
-          <a:p>
-            <a:r>
-              <a:rPr lang="de-AT" dirty="0" err="1" smtClean="0"/>
-              <a:t>Cons</a:t>
-            </a:r>
-            <a:r>
-              <a:rPr lang="de-AT" dirty="0" smtClean="0"/>
-              <a:t>:</a:t>
-            </a:r>
-          </a:p>
-          <a:p>
-            <a:pPr lvl="1"/>
-            <a:r>
-              <a:rPr lang="de-AT" dirty="0" smtClean="0"/>
-              <a:t>Additional </a:t>
-            </a:r>
-            <a:r>
-              <a:rPr lang="de-AT" dirty="0" err="1" smtClean="0"/>
-              <a:t>updates</a:t>
-            </a:r>
-            <a:endParaRPr lang="de-AT" dirty="0" smtClean="0"/>
-          </a:p>
-          <a:p>
-            <a:pPr lvl="1"/>
-            <a:r>
-              <a:rPr lang="de-AT" dirty="0" err="1" smtClean="0"/>
-              <a:t>Risk</a:t>
-            </a:r>
-            <a:r>
-              <a:rPr lang="de-AT" dirty="0" smtClean="0"/>
-              <a:t> </a:t>
-            </a:r>
-            <a:r>
-              <a:rPr lang="de-AT" dirty="0" err="1" smtClean="0"/>
-              <a:t>of</a:t>
-            </a:r>
-            <a:r>
-              <a:rPr lang="de-AT" dirty="0" smtClean="0"/>
-              <a:t> </a:t>
-            </a:r>
-            <a:r>
-              <a:rPr lang="de-AT" dirty="0" err="1" smtClean="0"/>
-              <a:t>inconsistency</a:t>
-            </a:r>
-            <a:r>
-              <a:rPr lang="de-AT" dirty="0" smtClean="0"/>
-              <a:t> ( =&gt; </a:t>
-            </a:r>
-            <a:r>
-              <a:rPr lang="de-AT" dirty="0" err="1" smtClean="0"/>
-              <a:t>more</a:t>
-            </a:r>
-            <a:r>
-              <a:rPr lang="de-AT" dirty="0" smtClean="0"/>
-              <a:t> </a:t>
-            </a:r>
-            <a:r>
-              <a:rPr lang="de-AT" dirty="0" err="1" smtClean="0"/>
-              <a:t>consistency</a:t>
-            </a:r>
-            <a:r>
-              <a:rPr lang="de-AT" dirty="0" smtClean="0"/>
-              <a:t> </a:t>
-            </a:r>
-            <a:r>
-              <a:rPr lang="de-AT" dirty="0" err="1" smtClean="0"/>
-              <a:t>checks</a:t>
-            </a:r>
-            <a:r>
-              <a:rPr lang="de-AT" dirty="0" smtClean="0"/>
-              <a:t> </a:t>
-            </a:r>
-            <a:r>
-              <a:rPr lang="de-AT" dirty="0" err="1" smtClean="0"/>
-              <a:t>needed</a:t>
-            </a:r>
-            <a:r>
-              <a:rPr lang="de-AT" dirty="0" smtClean="0"/>
-              <a:t>)</a:t>
-            </a:r>
-          </a:p>
-          <a:p>
-            <a:pPr lvl="1"/>
-            <a:r>
-              <a:rPr lang="de-AT" dirty="0" smtClean="0"/>
-              <a:t>Additional </a:t>
-            </a:r>
-            <a:r>
-              <a:rPr lang="de-AT" dirty="0" err="1" smtClean="0"/>
-              <a:t>storage</a:t>
-            </a:r>
-            <a:r>
-              <a:rPr lang="de-AT" dirty="0" smtClean="0"/>
-              <a:t> </a:t>
-            </a:r>
-            <a:r>
-              <a:rPr lang="de-AT" dirty="0" err="1" smtClean="0"/>
-              <a:t>space</a:t>
-            </a:r>
-            <a:endParaRPr lang="de-AT" dirty="0" smtClean="0"/>
-          </a:p>
-          <a:p>
-            <a:pPr lvl="1"/>
-            <a:endParaRPr lang="de-AT" dirty="0"/>
-          </a:p>
-          <a:p>
-            <a:pPr marL="365760" lvl="1" indent="0">
-              <a:buNone/>
-            </a:pPr>
-            <a:endParaRPr lang="de-AT" dirty="0"/>
-          </a:p>
-        </p:txBody>
-      </p:sp>
+        </p:txBody>
+      </p:sp>
+      <p:pic>
+        <p:nvPicPr>
+          <p:cNvPr id="4" name="Inhaltsplatzhalter 3"/>
+          <p:cNvPicPr>
+            <a:picLocks noGrp="1" noChangeAspect="1"/>
+          </p:cNvPicPr>
+          <p:nvPr>
+            <p:ph sz="quarter" idx="1"/>
+          </p:nvPr>
+        </p:nvPicPr>
+        <p:blipFill>
+          <a:blip r:embed="rId2">
+            <a:extLst>
+              <a:ext uri="{28A0092B-C50C-407E-A947-70E740481C1C}">
+                <a14:useLocalDpi xmlns:a14="http://schemas.microsoft.com/office/drawing/2010/main" val="0"/>
+              </a:ext>
+            </a:extLst>
+          </a:blip>
+          <a:stretch>
+            <a:fillRect/>
+          </a:stretch>
+        </p:blipFill>
+        <p:spPr>
+          <a:xfrm>
+            <a:off x="2213340" y="1600200"/>
+            <a:ext cx="4952270" cy="4495800"/>
+          </a:xfrm>
+        </p:spPr>
+      </p:pic>
     </p:spTree>
     <p:extLst>
       <p:ext uri="{BB962C8B-B14F-4D97-AF65-F5344CB8AC3E}">
-        <p14:creationId xmlns:p14="http://schemas.microsoft.com/office/powerpoint/2010/main" val="526241371"/>
+        <p14:creationId xmlns:p14="http://schemas.microsoft.com/office/powerpoint/2010/main" val="3460682268"/>
       </p:ext>
     </p:extLst>
   </p:cSld>

--- a/Assignment_4.pptx
+++ b/Assignment_4.pptx
@@ -11,32 +11,33 @@
     <p:sldId id="288" r:id="rId5"/>
     <p:sldId id="289" r:id="rId6"/>
     <p:sldId id="271" r:id="rId7"/>
-    <p:sldId id="273" r:id="rId8"/>
-    <p:sldId id="285" r:id="rId9"/>
-    <p:sldId id="286" r:id="rId10"/>
-    <p:sldId id="274" r:id="rId11"/>
-    <p:sldId id="275" r:id="rId12"/>
-    <p:sldId id="276" r:id="rId13"/>
-    <p:sldId id="277" r:id="rId14"/>
-    <p:sldId id="278" r:id="rId15"/>
-    <p:sldId id="279" r:id="rId16"/>
-    <p:sldId id="280" r:id="rId17"/>
-    <p:sldId id="282" r:id="rId18"/>
-    <p:sldId id="281" r:id="rId19"/>
-    <p:sldId id="283" r:id="rId20"/>
-    <p:sldId id="257" r:id="rId21"/>
-    <p:sldId id="258" r:id="rId22"/>
-    <p:sldId id="259" r:id="rId23"/>
-    <p:sldId id="260" r:id="rId24"/>
-    <p:sldId id="261" r:id="rId25"/>
-    <p:sldId id="262" r:id="rId26"/>
-    <p:sldId id="263" r:id="rId27"/>
-    <p:sldId id="264" r:id="rId28"/>
-    <p:sldId id="265" r:id="rId29"/>
-    <p:sldId id="266" r:id="rId30"/>
-    <p:sldId id="267" r:id="rId31"/>
-    <p:sldId id="268" r:id="rId32"/>
-    <p:sldId id="269" r:id="rId33"/>
+    <p:sldId id="290" r:id="rId8"/>
+    <p:sldId id="273" r:id="rId9"/>
+    <p:sldId id="285" r:id="rId10"/>
+    <p:sldId id="286" r:id="rId11"/>
+    <p:sldId id="274" r:id="rId12"/>
+    <p:sldId id="275" r:id="rId13"/>
+    <p:sldId id="276" r:id="rId14"/>
+    <p:sldId id="277" r:id="rId15"/>
+    <p:sldId id="278" r:id="rId16"/>
+    <p:sldId id="279" r:id="rId17"/>
+    <p:sldId id="280" r:id="rId18"/>
+    <p:sldId id="282" r:id="rId19"/>
+    <p:sldId id="281" r:id="rId20"/>
+    <p:sldId id="283" r:id="rId21"/>
+    <p:sldId id="257" r:id="rId22"/>
+    <p:sldId id="258" r:id="rId23"/>
+    <p:sldId id="259" r:id="rId24"/>
+    <p:sldId id="260" r:id="rId25"/>
+    <p:sldId id="261" r:id="rId26"/>
+    <p:sldId id="262" r:id="rId27"/>
+    <p:sldId id="263" r:id="rId28"/>
+    <p:sldId id="264" r:id="rId29"/>
+    <p:sldId id="265" r:id="rId30"/>
+    <p:sldId id="266" r:id="rId31"/>
+    <p:sldId id="267" r:id="rId32"/>
+    <p:sldId id="268" r:id="rId33"/>
+    <p:sldId id="269" r:id="rId34"/>
   </p:sldIdLst>
   <p:sldSz cx="9144000" cy="6858000" type="screen4x3"/>
   <p:notesSz cx="6858000" cy="9144000"/>
@@ -3802,7 +3803,7 @@
         <p:spPr/>
         <p:txBody>
           <a:bodyPr>
-            <a:normAutofit fontScale="90000"/>
+            <a:normAutofit/>
           </a:bodyPr>
           <a:lstStyle/>
           <a:p>
@@ -3814,24 +3815,17 @@
               <a:rPr lang="de-AT" dirty="0" smtClean="0"/>
               <a:t> 2 – </a:t>
             </a:r>
-            <a:br>
-              <a:rPr lang="de-AT" dirty="0" smtClean="0"/>
-            </a:br>
-            <a:r>
-              <a:rPr lang="de-AT" dirty="0" smtClean="0"/>
-              <a:t>Determination </a:t>
-            </a:r>
-            <a:r>
-              <a:rPr lang="de-AT" dirty="0" err="1" smtClean="0"/>
-              <a:t>of</a:t>
-            </a:r>
-            <a:r>
-              <a:rPr lang="de-AT" dirty="0" smtClean="0"/>
-              <a:t> </a:t>
-            </a:r>
-            <a:r>
-              <a:rPr lang="de-AT" dirty="0" err="1" smtClean="0"/>
-              <a:t>Quantities</a:t>
+            <a:r>
+              <a:rPr lang="de-AT" dirty="0" err="1" smtClean="0"/>
+              <a:t>Calculation</a:t>
+            </a:r>
+            <a:r>
+              <a:rPr lang="de-AT" dirty="0" smtClean="0"/>
+              <a:t> </a:t>
+            </a:r>
+            <a:r>
+              <a:rPr lang="de-AT" dirty="0" err="1" smtClean="0"/>
+              <a:t>rules</a:t>
             </a:r>
             <a:endParaRPr lang="de-AT" dirty="0"/>
           </a:p>
@@ -3861,258 +3855,15 @@
         </p:blipFill>
         <p:spPr>
           <a:xfrm>
-            <a:off x="781023" y="1556792"/>
-            <a:ext cx="5611008" cy="3391374"/>
+            <a:off x="2213340" y="1600200"/>
+            <a:ext cx="4952270" cy="4495800"/>
           </a:xfrm>
         </p:spPr>
       </p:pic>
-      <p:sp>
-        <p:nvSpPr>
-          <p:cNvPr id="5" name="Textfeld 4"/>
-          <p:cNvSpPr txBox="1"/>
-          <p:nvPr/>
-        </p:nvSpPr>
-        <p:spPr>
-          <a:xfrm>
-            <a:off x="810105" y="4797152"/>
-            <a:ext cx="7920880" cy="1815882"/>
-          </a:xfrm>
-          <a:prstGeom prst="rect">
-            <a:avLst/>
-          </a:prstGeom>
-          <a:noFill/>
-        </p:spPr>
-        <p:txBody>
-          <a:bodyPr wrap="square" rtlCol="0">
-            <a:spAutoFit/>
-          </a:bodyPr>
-          <a:lstStyle/>
-          <a:p>
-            <a:r>
-              <a:rPr lang="en-GB" sz="1400" dirty="0"/>
-              <a:t>N(publisher) x N (publisher, publishes ) = N (publishes)  = N(book</a:t>
-            </a:r>
-            <a:r>
-              <a:rPr lang="en-GB" sz="1400" dirty="0" smtClean="0"/>
-              <a:t>)</a:t>
-            </a:r>
-          </a:p>
-          <a:p>
-            <a:pPr marL="285750" indent="-285750">
-              <a:buFont typeface="Symbol"/>
-              <a:buChar char="Þ"/>
-            </a:pPr>
-            <a:r>
-              <a:rPr lang="en-GB" sz="1400" dirty="0" smtClean="0"/>
-              <a:t>N(book) = N(publishes) = 100 x 1.000 = 100.000</a:t>
-            </a:r>
-          </a:p>
-          <a:p>
-            <a:endParaRPr lang="de-AT" sz="1400" dirty="0" smtClean="0"/>
-          </a:p>
-          <a:p>
-            <a:r>
-              <a:rPr lang="en-GB" sz="1400" dirty="0"/>
-              <a:t>N(author) = N(writes) / N(writes, author)</a:t>
-            </a:r>
-            <a:endParaRPr lang="de-AT" sz="1400" dirty="0"/>
-          </a:p>
-          <a:p>
-            <a:pPr marL="285750" indent="-285750">
-              <a:buFont typeface="Symbol"/>
-              <a:buChar char="Þ"/>
-            </a:pPr>
-            <a:r>
-              <a:rPr lang="en-GB" sz="1400" dirty="0" smtClean="0"/>
-              <a:t>N(author) = 400.000 / 20 = 20.000</a:t>
-            </a:r>
-          </a:p>
-          <a:p>
-            <a:pPr marL="285750" indent="-285750">
-              <a:buFont typeface="Symbol"/>
-              <a:buChar char="Þ"/>
-            </a:pPr>
-            <a:endParaRPr lang="en-GB" sz="1400" dirty="0"/>
-          </a:p>
-          <a:p>
-            <a:r>
-              <a:rPr lang="en-GB" sz="1400" dirty="0"/>
-              <a:t>N(book, writes) = N (writes) / N(books</a:t>
-            </a:r>
-            <a:r>
-              <a:rPr lang="en-GB" sz="1400" dirty="0" smtClean="0"/>
-              <a:t>)</a:t>
-            </a:r>
-            <a:endParaRPr lang="en-GB" dirty="0"/>
-          </a:p>
-          <a:p>
-            <a:pPr marL="285750" indent="-285750">
-              <a:buFont typeface="Symbol"/>
-              <a:buChar char="Þ"/>
-            </a:pPr>
-            <a:r>
-              <a:rPr lang="en-GB" sz="1400" dirty="0" smtClean="0"/>
-              <a:t>N(book, writes) = 400.000 / 100.000 = 4</a:t>
-            </a:r>
-          </a:p>
-        </p:txBody>
-      </p:sp>
-      <p:sp>
-        <p:nvSpPr>
-          <p:cNvPr id="6" name="Textfeld 5"/>
-          <p:cNvSpPr txBox="1"/>
-          <p:nvPr/>
-        </p:nvSpPr>
-        <p:spPr>
-          <a:xfrm>
-            <a:off x="1763688" y="1516783"/>
-            <a:ext cx="1080120" cy="276999"/>
-          </a:xfrm>
-          <a:prstGeom prst="rect">
-            <a:avLst/>
-          </a:prstGeom>
-          <a:noFill/>
-        </p:spPr>
-        <p:txBody>
-          <a:bodyPr wrap="square" rtlCol="0">
-            <a:spAutoFit/>
-          </a:bodyPr>
-          <a:lstStyle/>
-          <a:p>
-            <a:r>
-              <a:rPr lang="de-AT" sz="1200" b="1" dirty="0" smtClean="0">
-                <a:solidFill>
-                  <a:srgbClr val="FF0000"/>
-                </a:solidFill>
-              </a:rPr>
-              <a:t>&lt;100.000&gt;</a:t>
-            </a:r>
-            <a:endParaRPr lang="de-AT" sz="1200" b="1" dirty="0">
-              <a:solidFill>
-                <a:srgbClr val="FF0000"/>
-              </a:solidFill>
-            </a:endParaRPr>
-          </a:p>
-        </p:txBody>
-      </p:sp>
-      <p:sp>
-        <p:nvSpPr>
-          <p:cNvPr id="7" name="Textfeld 6"/>
-          <p:cNvSpPr txBox="1"/>
-          <p:nvPr/>
-        </p:nvSpPr>
-        <p:spPr>
-          <a:xfrm>
-            <a:off x="4427984" y="1514181"/>
-            <a:ext cx="1080120" cy="276999"/>
-          </a:xfrm>
-          <a:prstGeom prst="rect">
-            <a:avLst/>
-          </a:prstGeom>
-          <a:noFill/>
-        </p:spPr>
-        <p:txBody>
-          <a:bodyPr wrap="square" rtlCol="0">
-            <a:spAutoFit/>
-          </a:bodyPr>
-          <a:lstStyle/>
-          <a:p>
-            <a:r>
-              <a:rPr lang="de-AT" sz="1200" b="1" dirty="0" smtClean="0">
-                <a:solidFill>
-                  <a:srgbClr val="FF0000"/>
-                </a:solidFill>
-              </a:rPr>
-              <a:t>&lt;100.000&gt;</a:t>
-            </a:r>
-            <a:endParaRPr lang="de-AT" sz="1200" b="1" dirty="0">
-              <a:solidFill>
-                <a:srgbClr val="FF0000"/>
-              </a:solidFill>
-            </a:endParaRPr>
-          </a:p>
-        </p:txBody>
-      </p:sp>
-      <p:sp>
-        <p:nvSpPr>
-          <p:cNvPr id="8" name="Textfeld 7"/>
-          <p:cNvSpPr txBox="1"/>
-          <p:nvPr/>
-        </p:nvSpPr>
-        <p:spPr>
-          <a:xfrm>
-            <a:off x="5506258" y="2852936"/>
-            <a:ext cx="1080120" cy="276999"/>
-          </a:xfrm>
-          <a:prstGeom prst="rect">
-            <a:avLst/>
-          </a:prstGeom>
-          <a:noFill/>
-        </p:spPr>
-        <p:txBody>
-          <a:bodyPr wrap="square" rtlCol="0">
-            <a:spAutoFit/>
-          </a:bodyPr>
-          <a:lstStyle/>
-          <a:p>
-            <a:r>
-              <a:rPr lang="de-AT" sz="1200" b="1" dirty="0" smtClean="0">
-                <a:solidFill>
-                  <a:srgbClr val="FF0000"/>
-                </a:solidFill>
-              </a:rPr>
-              <a:t>&lt;4&gt;</a:t>
-            </a:r>
-            <a:endParaRPr lang="de-AT" sz="1200" b="1" dirty="0">
-              <a:solidFill>
-                <a:srgbClr val="FF0000"/>
-              </a:solidFill>
-            </a:endParaRPr>
-          </a:p>
-        </p:txBody>
-      </p:sp>
-      <p:sp>
-        <p:nvSpPr>
-          <p:cNvPr id="9" name="Textfeld 8"/>
-          <p:cNvSpPr txBox="1"/>
-          <p:nvPr/>
-        </p:nvSpPr>
-        <p:spPr>
-          <a:xfrm>
-            <a:off x="5483825" y="4187309"/>
-            <a:ext cx="1080120" cy="276999"/>
-          </a:xfrm>
-          <a:prstGeom prst="rect">
-            <a:avLst/>
-          </a:prstGeom>
-          <a:noFill/>
-        </p:spPr>
-        <p:txBody>
-          <a:bodyPr wrap="square" rtlCol="0">
-            <a:spAutoFit/>
-          </a:bodyPr>
-          <a:lstStyle/>
-          <a:p>
-            <a:r>
-              <a:rPr lang="de-AT" sz="1200" b="1" dirty="0" smtClean="0">
-                <a:solidFill>
-                  <a:srgbClr val="FF0000"/>
-                </a:solidFill>
-              </a:rPr>
-              <a:t>&lt;20.000&gt;</a:t>
-            </a:r>
-            <a:endParaRPr lang="de-AT" sz="1200" b="1" dirty="0">
-              <a:solidFill>
-                <a:srgbClr val="FF0000"/>
-              </a:solidFill>
-            </a:endParaRPr>
-          </a:p>
-        </p:txBody>
-      </p:sp>
     </p:spTree>
     <p:extLst>
       <p:ext uri="{BB962C8B-B14F-4D97-AF65-F5344CB8AC3E}">
-        <p14:creationId xmlns:p14="http://schemas.microsoft.com/office/powerpoint/2010/main" val="1343703413"/>
+        <p14:creationId xmlns:p14="http://schemas.microsoft.com/office/powerpoint/2010/main" val="3460682268"/>
       </p:ext>
     </p:extLst>
   </p:cSld>
@@ -4151,7 +3902,9 @@
         </p:nvSpPr>
         <p:spPr/>
         <p:txBody>
-          <a:bodyPr/>
+          <a:bodyPr>
+            <a:normAutofit fontScale="90000"/>
+          </a:bodyPr>
           <a:lstStyle/>
           <a:p>
             <a:r>
@@ -4160,51 +3913,307 @@
             </a:r>
             <a:r>
               <a:rPr lang="de-AT" dirty="0" smtClean="0"/>
-              <a:t> 2 - Navigation</a:t>
+              <a:t> 2 – </a:t>
+            </a:r>
+            <a:br>
+              <a:rPr lang="de-AT" dirty="0" smtClean="0"/>
+            </a:br>
+            <a:r>
+              <a:rPr lang="de-AT" dirty="0" smtClean="0"/>
+              <a:t>Determination </a:t>
+            </a:r>
+            <a:r>
+              <a:rPr lang="de-AT" dirty="0" err="1" smtClean="0"/>
+              <a:t>of</a:t>
+            </a:r>
+            <a:r>
+              <a:rPr lang="de-AT" dirty="0" smtClean="0"/>
+              <a:t> </a:t>
+            </a:r>
+            <a:r>
+              <a:rPr lang="de-AT" dirty="0" err="1" smtClean="0"/>
+              <a:t>Quantities</a:t>
             </a:r>
             <a:endParaRPr lang="de-AT" dirty="0"/>
           </a:p>
         </p:txBody>
       </p:sp>
-      <p:sp>
-        <p:nvSpPr>
-          <p:cNvPr id="3" name="Inhaltsplatzhalter 2"/>
-          <p:cNvSpPr>
-            <a:spLocks noGrp="1"/>
-          </p:cNvSpPr>
+      <p:pic>
+        <p:nvPicPr>
+          <p:cNvPr id="4" name="Inhaltsplatzhalter 3"/>
+          <p:cNvPicPr>
+            <a:picLocks noGrp="1" noChangeAspect="1"/>
+          </p:cNvPicPr>
           <p:nvPr>
             <p:ph sz="quarter" idx="1"/>
           </p:nvPr>
-        </p:nvSpPr>
-        <p:spPr/>
-        <p:txBody>
-          <a:bodyPr/>
+        </p:nvPicPr>
+        <p:blipFill>
+          <a:blip r:embed="rId2">
+            <a:extLst>
+              <a:ext uri="{28A0092B-C50C-407E-A947-70E740481C1C}">
+                <a14:useLocalDpi xmlns:a14="http://schemas.microsoft.com/office/drawing/2010/main" val="0"/>
+              </a:ext>
+            </a:extLst>
+          </a:blip>
+          <a:stretch>
+            <a:fillRect/>
+          </a:stretch>
+        </p:blipFill>
+        <p:spPr>
+          <a:xfrm>
+            <a:off x="781023" y="1556792"/>
+            <a:ext cx="5611008" cy="3391374"/>
+          </a:xfrm>
+        </p:spPr>
+      </p:pic>
+      <p:sp>
+        <p:nvSpPr>
+          <p:cNvPr id="5" name="Textfeld 4"/>
+          <p:cNvSpPr txBox="1"/>
+          <p:nvPr/>
+        </p:nvSpPr>
+        <p:spPr>
+          <a:xfrm>
+            <a:off x="810105" y="4797152"/>
+            <a:ext cx="7920880" cy="1815882"/>
+          </a:xfrm>
+          <a:prstGeom prst="rect">
+            <a:avLst/>
+          </a:prstGeom>
+          <a:noFill/>
+        </p:spPr>
+        <p:txBody>
+          <a:bodyPr wrap="square" rtlCol="0">
+            <a:spAutoFit/>
+          </a:bodyPr>
           <a:lstStyle/>
           <a:p>
             <a:r>
-              <a:rPr lang="en-GB" dirty="0" smtClean="0"/>
-              <a:t>To get the result of a query or to execute an operation, multiple entity types and relations might have to be accessed.</a:t>
-            </a:r>
-          </a:p>
-          <a:p>
-            <a:r>
-              <a:rPr lang="en-GB" dirty="0" smtClean="0"/>
-              <a:t>Navigation path shows, which entity types and relations are accessed and in which order.</a:t>
-            </a:r>
-          </a:p>
-          <a:p>
-            <a:r>
-              <a:rPr lang="en-GB" dirty="0" smtClean="0"/>
-              <a:t>Necessary for evaluating costs of database operations</a:t>
+              <a:rPr lang="en-GB" sz="1400" dirty="0"/>
+              <a:t>N(publisher) x N (publisher, publishes ) = N (publishes)  = N(book</a:t>
+            </a:r>
+            <a:r>
+              <a:rPr lang="en-GB" sz="1400" dirty="0" smtClean="0"/>
+              <a:t>)</a:t>
+            </a:r>
+          </a:p>
+          <a:p>
+            <a:pPr marL="285750" indent="-285750">
+              <a:buFont typeface="Symbol"/>
+              <a:buChar char="Þ"/>
+            </a:pPr>
+            <a:r>
+              <a:rPr lang="en-GB" sz="1400" dirty="0" smtClean="0"/>
+              <a:t>N(book) = N(publishes) = 100 x 1.000 = 100.000</a:t>
+            </a:r>
+          </a:p>
+          <a:p>
+            <a:endParaRPr lang="de-AT" sz="1400" dirty="0" smtClean="0"/>
+          </a:p>
+          <a:p>
+            <a:r>
+              <a:rPr lang="en-GB" sz="1400" dirty="0"/>
+              <a:t>N(author) = N(writes) / N(writes, author)</a:t>
+            </a:r>
+            <a:endParaRPr lang="de-AT" sz="1400" dirty="0"/>
+          </a:p>
+          <a:p>
+            <a:pPr marL="285750" indent="-285750">
+              <a:buFont typeface="Symbol"/>
+              <a:buChar char="Þ"/>
+            </a:pPr>
+            <a:r>
+              <a:rPr lang="en-GB" sz="1400" dirty="0" smtClean="0"/>
+              <a:t>N(author) = 400.000 / 20 = 20.000</a:t>
+            </a:r>
+          </a:p>
+          <a:p>
+            <a:pPr marL="285750" indent="-285750">
+              <a:buFont typeface="Symbol"/>
+              <a:buChar char="Þ"/>
+            </a:pPr>
+            <a:endParaRPr lang="en-GB" sz="1400" dirty="0"/>
+          </a:p>
+          <a:p>
+            <a:r>
+              <a:rPr lang="en-GB" sz="1400" dirty="0"/>
+              <a:t>N(book, writes) = N (writes) / N(books</a:t>
+            </a:r>
+            <a:r>
+              <a:rPr lang="en-GB" sz="1400" dirty="0" smtClean="0"/>
+              <a:t>)</a:t>
             </a:r>
             <a:endParaRPr lang="en-GB" dirty="0"/>
+          </a:p>
+          <a:p>
+            <a:pPr marL="285750" indent="-285750">
+              <a:buFont typeface="Symbol"/>
+              <a:buChar char="Þ"/>
+            </a:pPr>
+            <a:r>
+              <a:rPr lang="en-GB" sz="1400" dirty="0" smtClean="0"/>
+              <a:t>N(book, writes) = 400.000 / 100.000 = 4</a:t>
+            </a:r>
+          </a:p>
+        </p:txBody>
+      </p:sp>
+      <p:sp>
+        <p:nvSpPr>
+          <p:cNvPr id="6" name="Textfeld 5"/>
+          <p:cNvSpPr txBox="1"/>
+          <p:nvPr/>
+        </p:nvSpPr>
+        <p:spPr>
+          <a:xfrm>
+            <a:off x="1763688" y="1516783"/>
+            <a:ext cx="1080120" cy="276999"/>
+          </a:xfrm>
+          <a:prstGeom prst="rect">
+            <a:avLst/>
+          </a:prstGeom>
+          <a:noFill/>
+        </p:spPr>
+        <p:txBody>
+          <a:bodyPr wrap="square" rtlCol="0">
+            <a:spAutoFit/>
+          </a:bodyPr>
+          <a:lstStyle/>
+          <a:p>
+            <a:r>
+              <a:rPr lang="de-AT" sz="1200" b="1" dirty="0" smtClean="0">
+                <a:solidFill>
+                  <a:srgbClr val="FF0000"/>
+                </a:solidFill>
+              </a:rPr>
+              <a:t>&lt;100.000&gt;</a:t>
+            </a:r>
+            <a:endParaRPr lang="de-AT" sz="1200" b="1" dirty="0">
+              <a:solidFill>
+                <a:srgbClr val="FF0000"/>
+              </a:solidFill>
+            </a:endParaRPr>
+          </a:p>
+        </p:txBody>
+      </p:sp>
+      <p:sp>
+        <p:nvSpPr>
+          <p:cNvPr id="7" name="Textfeld 6"/>
+          <p:cNvSpPr txBox="1"/>
+          <p:nvPr/>
+        </p:nvSpPr>
+        <p:spPr>
+          <a:xfrm>
+            <a:off x="4427984" y="1514181"/>
+            <a:ext cx="1080120" cy="276999"/>
+          </a:xfrm>
+          <a:prstGeom prst="rect">
+            <a:avLst/>
+          </a:prstGeom>
+          <a:noFill/>
+        </p:spPr>
+        <p:txBody>
+          <a:bodyPr wrap="square" rtlCol="0">
+            <a:spAutoFit/>
+          </a:bodyPr>
+          <a:lstStyle/>
+          <a:p>
+            <a:r>
+              <a:rPr lang="de-AT" sz="1200" b="1" dirty="0" smtClean="0">
+                <a:solidFill>
+                  <a:srgbClr val="FF0000"/>
+                </a:solidFill>
+              </a:rPr>
+              <a:t>&lt;100.000&gt;</a:t>
+            </a:r>
+            <a:endParaRPr lang="de-AT" sz="1200" b="1" dirty="0">
+              <a:solidFill>
+                <a:srgbClr val="FF0000"/>
+              </a:solidFill>
+            </a:endParaRPr>
+          </a:p>
+        </p:txBody>
+      </p:sp>
+      <p:sp>
+        <p:nvSpPr>
+          <p:cNvPr id="8" name="Textfeld 7"/>
+          <p:cNvSpPr txBox="1"/>
+          <p:nvPr/>
+        </p:nvSpPr>
+        <p:spPr>
+          <a:xfrm>
+            <a:off x="5506258" y="2852936"/>
+            <a:ext cx="1080120" cy="276999"/>
+          </a:xfrm>
+          <a:prstGeom prst="rect">
+            <a:avLst/>
+          </a:prstGeom>
+          <a:noFill/>
+        </p:spPr>
+        <p:txBody>
+          <a:bodyPr wrap="square" rtlCol="0">
+            <a:spAutoFit/>
+          </a:bodyPr>
+          <a:lstStyle/>
+          <a:p>
+            <a:r>
+              <a:rPr lang="de-AT" sz="1200" b="1" dirty="0" smtClean="0">
+                <a:solidFill>
+                  <a:srgbClr val="FF0000"/>
+                </a:solidFill>
+              </a:rPr>
+              <a:t>&lt;4&gt;</a:t>
+            </a:r>
+            <a:endParaRPr lang="de-AT" sz="1200" b="1" dirty="0">
+              <a:solidFill>
+                <a:srgbClr val="FF0000"/>
+              </a:solidFill>
+            </a:endParaRPr>
+          </a:p>
+        </p:txBody>
+      </p:sp>
+      <p:sp>
+        <p:nvSpPr>
+          <p:cNvPr id="9" name="Textfeld 8"/>
+          <p:cNvSpPr txBox="1"/>
+          <p:nvPr/>
+        </p:nvSpPr>
+        <p:spPr>
+          <a:xfrm>
+            <a:off x="5483825" y="4187309"/>
+            <a:ext cx="1080120" cy="276999"/>
+          </a:xfrm>
+          <a:prstGeom prst="rect">
+            <a:avLst/>
+          </a:prstGeom>
+          <a:noFill/>
+        </p:spPr>
+        <p:txBody>
+          <a:bodyPr wrap="square" rtlCol="0">
+            <a:spAutoFit/>
+          </a:bodyPr>
+          <a:lstStyle/>
+          <a:p>
+            <a:r>
+              <a:rPr lang="de-AT" sz="1200" b="1" dirty="0" smtClean="0">
+                <a:solidFill>
+                  <a:srgbClr val="FF0000"/>
+                </a:solidFill>
+              </a:rPr>
+              <a:t>&lt;20.000&gt;</a:t>
+            </a:r>
+            <a:endParaRPr lang="de-AT" sz="1200" b="1" dirty="0">
+              <a:solidFill>
+                <a:srgbClr val="FF0000"/>
+              </a:solidFill>
+            </a:endParaRPr>
           </a:p>
         </p:txBody>
       </p:sp>
     </p:spTree>
     <p:extLst>
       <p:ext uri="{BB962C8B-B14F-4D97-AF65-F5344CB8AC3E}">
-        <p14:creationId xmlns:p14="http://schemas.microsoft.com/office/powerpoint/2010/main" val="1138079737"/>
+        <p14:creationId xmlns:p14="http://schemas.microsoft.com/office/powerpoint/2010/main" val="1343703413"/>
       </p:ext>
     </p:extLst>
   </p:cSld>
@@ -4252,6 +4261,98 @@
             </a:r>
             <a:r>
               <a:rPr lang="de-AT" dirty="0" smtClean="0"/>
+              <a:t> 2 - Navigation</a:t>
+            </a:r>
+            <a:endParaRPr lang="de-AT" dirty="0"/>
+          </a:p>
+        </p:txBody>
+      </p:sp>
+      <p:sp>
+        <p:nvSpPr>
+          <p:cNvPr id="3" name="Inhaltsplatzhalter 2"/>
+          <p:cNvSpPr>
+            <a:spLocks noGrp="1"/>
+          </p:cNvSpPr>
+          <p:nvPr>
+            <p:ph sz="quarter" idx="1"/>
+          </p:nvPr>
+        </p:nvSpPr>
+        <p:spPr/>
+        <p:txBody>
+          <a:bodyPr/>
+          <a:lstStyle/>
+          <a:p>
+            <a:r>
+              <a:rPr lang="en-GB" dirty="0" smtClean="0"/>
+              <a:t>To get the result of a query or to execute an operation, multiple entity types and relations might have to be accessed.</a:t>
+            </a:r>
+          </a:p>
+          <a:p>
+            <a:r>
+              <a:rPr lang="en-GB" dirty="0" smtClean="0"/>
+              <a:t>Navigation path shows, which entity types and relations are accessed and in which order.</a:t>
+            </a:r>
+          </a:p>
+          <a:p>
+            <a:r>
+              <a:rPr lang="en-GB" dirty="0" smtClean="0"/>
+              <a:t>Necessary for evaluating costs of database operations</a:t>
+            </a:r>
+            <a:endParaRPr lang="en-GB" dirty="0"/>
+          </a:p>
+        </p:txBody>
+      </p:sp>
+    </p:spTree>
+    <p:extLst>
+      <p:ext uri="{BB962C8B-B14F-4D97-AF65-F5344CB8AC3E}">
+        <p14:creationId xmlns:p14="http://schemas.microsoft.com/office/powerpoint/2010/main" val="1138079737"/>
+      </p:ext>
+    </p:extLst>
+  </p:cSld>
+  <p:clrMapOvr>
+    <a:masterClrMapping/>
+  </p:clrMapOvr>
+</p:sld>
+</file>
+
+<file path=ppt/slides/slide13.xml><?xml version="1.0" encoding="utf-8"?>
+<p:sld xmlns:a="http://schemas.openxmlformats.org/drawingml/2006/main" xmlns:r="http://schemas.openxmlformats.org/officeDocument/2006/relationships" xmlns:p="http://schemas.openxmlformats.org/presentationml/2006/main">
+  <p:cSld>
+    <p:spTree>
+      <p:nvGrpSpPr>
+        <p:cNvPr id="1" name=""/>
+        <p:cNvGrpSpPr/>
+        <p:nvPr/>
+      </p:nvGrpSpPr>
+      <p:grpSpPr>
+        <a:xfrm>
+          <a:off x="0" y="0"/>
+          <a:ext cx="0" cy="0"/>
+          <a:chOff x="0" y="0"/>
+          <a:chExt cx="0" cy="0"/>
+        </a:xfrm>
+      </p:grpSpPr>
+      <p:sp>
+        <p:nvSpPr>
+          <p:cNvPr id="2" name="Titel 1"/>
+          <p:cNvSpPr>
+            <a:spLocks noGrp="1"/>
+          </p:cNvSpPr>
+          <p:nvPr>
+            <p:ph type="title"/>
+          </p:nvPr>
+        </p:nvSpPr>
+        <p:spPr/>
+        <p:txBody>
+          <a:bodyPr/>
+          <a:lstStyle/>
+          <a:p>
+            <a:r>
+              <a:rPr lang="de-AT" dirty="0" err="1" smtClean="0"/>
+              <a:t>Exercise</a:t>
+            </a:r>
+            <a:r>
+              <a:rPr lang="de-AT" dirty="0" smtClean="0"/>
               <a:t> 3 – </a:t>
             </a:r>
             <a:r>
@@ -4594,7 +4695,7 @@
 </p:sld>
 </file>
 
-<file path=ppt/slides/slide13.xml><?xml version="1.0" encoding="utf-8"?>
+<file path=ppt/slides/slide14.xml><?xml version="1.0" encoding="utf-8"?>
 <p:sld xmlns:a="http://schemas.openxmlformats.org/drawingml/2006/main" xmlns:r="http://schemas.openxmlformats.org/officeDocument/2006/relationships" xmlns:p="http://schemas.openxmlformats.org/presentationml/2006/main">
   <p:cSld>
     <p:spTree>
@@ -4981,7 +5082,7 @@
 </p:sld>
 </file>
 
-<file path=ppt/slides/slide14.xml><?xml version="1.0" encoding="utf-8"?>
+<file path=ppt/slides/slide15.xml><?xml version="1.0" encoding="utf-8"?>
 <p:sld xmlns:a="http://schemas.openxmlformats.org/drawingml/2006/main" xmlns:r="http://schemas.openxmlformats.org/officeDocument/2006/relationships" xmlns:p="http://schemas.openxmlformats.org/presentationml/2006/main">
   <p:cSld>
     <p:spTree>
@@ -5286,7 +5387,7 @@
 </p:sld>
 </file>
 
-<file path=ppt/slides/slide15.xml><?xml version="1.0" encoding="utf-8"?>
+<file path=ppt/slides/slide16.xml><?xml version="1.0" encoding="utf-8"?>
 <p:sld xmlns:a="http://schemas.openxmlformats.org/drawingml/2006/main" xmlns:r="http://schemas.openxmlformats.org/officeDocument/2006/relationships" xmlns:p="http://schemas.openxmlformats.org/presentationml/2006/main">
   <p:cSld>
     <p:spTree>
@@ -5597,7 +5698,7 @@
 </p:sld>
 </file>
 
-<file path=ppt/slides/slide16.xml><?xml version="1.0" encoding="utf-8"?>
+<file path=ppt/slides/slide17.xml><?xml version="1.0" encoding="utf-8"?>
 <p:sld xmlns:a="http://schemas.openxmlformats.org/drawingml/2006/main" xmlns:r="http://schemas.openxmlformats.org/officeDocument/2006/relationships" xmlns:p="http://schemas.openxmlformats.org/presentationml/2006/main">
   <p:cSld>
     <p:spTree>
@@ -5779,7 +5880,7 @@
 </p:sld>
 </file>
 
-<file path=ppt/slides/slide17.xml><?xml version="1.0" encoding="utf-8"?>
+<file path=ppt/slides/slide18.xml><?xml version="1.0" encoding="utf-8"?>
 <p:sld xmlns:a="http://schemas.openxmlformats.org/drawingml/2006/main" xmlns:r="http://schemas.openxmlformats.org/officeDocument/2006/relationships" xmlns:p="http://schemas.openxmlformats.org/presentationml/2006/main">
   <p:cSld>
     <p:spTree>
@@ -6528,7 +6629,7 @@
 </p:sld>
 </file>
 
-<file path=ppt/slides/slide18.xml><?xml version="1.0" encoding="utf-8"?>
+<file path=ppt/slides/slide19.xml><?xml version="1.0" encoding="utf-8"?>
 <p:sld xmlns:a="http://schemas.openxmlformats.org/drawingml/2006/main" xmlns:r="http://schemas.openxmlformats.org/officeDocument/2006/relationships" xmlns:p="http://schemas.openxmlformats.org/presentationml/2006/main">
   <p:cSld>
     <p:spTree>
@@ -7229,213 +7330,6 @@
 </p:sld>
 </file>
 
-<file path=ppt/slides/slide19.xml><?xml version="1.0" encoding="utf-8"?>
-<p:sld xmlns:a="http://schemas.openxmlformats.org/drawingml/2006/main" xmlns:r="http://schemas.openxmlformats.org/officeDocument/2006/relationships" xmlns:p="http://schemas.openxmlformats.org/presentationml/2006/main">
-  <p:cSld>
-    <p:spTree>
-      <p:nvGrpSpPr>
-        <p:cNvPr id="1" name=""/>
-        <p:cNvGrpSpPr/>
-        <p:nvPr/>
-      </p:nvGrpSpPr>
-      <p:grpSpPr>
-        <a:xfrm>
-          <a:off x="0" y="0"/>
-          <a:ext cx="0" cy="0"/>
-          <a:chOff x="0" y="0"/>
-          <a:chExt cx="0" cy="0"/>
-        </a:xfrm>
-      </p:grpSpPr>
-      <p:sp>
-        <p:nvSpPr>
-          <p:cNvPr id="2" name="Titel 1"/>
-          <p:cNvSpPr>
-            <a:spLocks noGrp="1"/>
-          </p:cNvSpPr>
-          <p:nvPr>
-            <p:ph type="title"/>
-          </p:nvPr>
-        </p:nvSpPr>
-        <p:spPr/>
-        <p:txBody>
-          <a:bodyPr/>
-          <a:lstStyle/>
-          <a:p>
-            <a:r>
-              <a:rPr lang="de-AT" dirty="0" err="1" smtClean="0"/>
-              <a:t>Exercise</a:t>
-            </a:r>
-            <a:r>
-              <a:rPr lang="de-AT" dirty="0" smtClean="0"/>
-              <a:t> 3b </a:t>
-            </a:r>
-            <a:r>
-              <a:rPr lang="de-AT" dirty="0"/>
-              <a:t>– </a:t>
-            </a:r>
-            <a:r>
-              <a:rPr lang="de-AT" dirty="0" err="1" smtClean="0"/>
-              <a:t>Conclusion</a:t>
-            </a:r>
-            <a:endParaRPr lang="de-AT" dirty="0"/>
-          </a:p>
-        </p:txBody>
-      </p:sp>
-      <p:sp>
-        <p:nvSpPr>
-          <p:cNvPr id="3" name="Inhaltsplatzhalter 2"/>
-          <p:cNvSpPr>
-            <a:spLocks noGrp="1"/>
-          </p:cNvSpPr>
-          <p:nvPr>
-            <p:ph sz="quarter" idx="1"/>
-          </p:nvPr>
-        </p:nvSpPr>
-        <p:spPr/>
-        <p:txBody>
-          <a:bodyPr/>
-          <a:lstStyle/>
-          <a:p>
-            <a:r>
-              <a:rPr lang="de-AT" dirty="0" err="1" smtClean="0"/>
-              <a:t>Accesses</a:t>
-            </a:r>
-            <a:r>
-              <a:rPr lang="de-AT" dirty="0" smtClean="0"/>
-              <a:t> per </a:t>
-            </a:r>
-            <a:r>
-              <a:rPr lang="de-AT" dirty="0" err="1" smtClean="0"/>
-              <a:t>month</a:t>
-            </a:r>
-            <a:r>
-              <a:rPr lang="de-AT" dirty="0" smtClean="0"/>
-              <a:t> </a:t>
-            </a:r>
-            <a:r>
-              <a:rPr lang="de-AT" dirty="0" err="1" smtClean="0"/>
-              <a:t>without</a:t>
-            </a:r>
-            <a:r>
-              <a:rPr lang="de-AT" dirty="0" smtClean="0"/>
-              <a:t> </a:t>
-            </a:r>
-            <a:r>
-              <a:rPr lang="de-AT" dirty="0" err="1" smtClean="0"/>
-              <a:t>redundancy</a:t>
-            </a:r>
-            <a:r>
-              <a:rPr lang="de-AT" dirty="0" smtClean="0"/>
-              <a:t>:</a:t>
-            </a:r>
-          </a:p>
-          <a:p>
-            <a:pPr marL="365760" lvl="1" indent="0" algn="ctr">
-              <a:buNone/>
-            </a:pPr>
-            <a:r>
-              <a:rPr lang="de-AT" b="1" dirty="0" smtClean="0">
-                <a:solidFill>
-                  <a:srgbClr val="FF0000"/>
-                </a:solidFill>
-              </a:rPr>
-              <a:t>40.402.110</a:t>
-            </a:r>
-            <a:endParaRPr lang="de-AT" b="1" dirty="0">
-              <a:solidFill>
-                <a:srgbClr val="FF0000"/>
-              </a:solidFill>
-            </a:endParaRPr>
-          </a:p>
-          <a:p>
-            <a:r>
-              <a:rPr lang="de-AT" dirty="0" err="1" smtClean="0"/>
-              <a:t>Accesses</a:t>
-            </a:r>
-            <a:r>
-              <a:rPr lang="de-AT" dirty="0" smtClean="0"/>
-              <a:t> per </a:t>
-            </a:r>
-            <a:r>
-              <a:rPr lang="de-AT" dirty="0" err="1" smtClean="0"/>
-              <a:t>month</a:t>
-            </a:r>
-            <a:r>
-              <a:rPr lang="de-AT" dirty="0" smtClean="0"/>
-              <a:t> </a:t>
-            </a:r>
-            <a:r>
-              <a:rPr lang="de-AT" dirty="0" err="1" smtClean="0"/>
-              <a:t>with</a:t>
-            </a:r>
-            <a:r>
-              <a:rPr lang="de-AT" dirty="0" smtClean="0"/>
-              <a:t> </a:t>
-            </a:r>
-            <a:r>
-              <a:rPr lang="de-AT" dirty="0" err="1" smtClean="0"/>
-              <a:t>redundancy</a:t>
-            </a:r>
-            <a:r>
-              <a:rPr lang="de-AT" dirty="0" smtClean="0"/>
-              <a:t>:</a:t>
-            </a:r>
-          </a:p>
-          <a:p>
-            <a:pPr marL="365760" lvl="1" indent="0" algn="ctr">
-              <a:buNone/>
-            </a:pPr>
-            <a:r>
-              <a:rPr lang="de-AT" b="1" u="sng" dirty="0" smtClean="0">
-                <a:solidFill>
-                  <a:srgbClr val="92D050"/>
-                </a:solidFill>
-              </a:rPr>
-              <a:t>405.110</a:t>
-            </a:r>
-            <a:endParaRPr lang="de-AT" b="1" u="sng" dirty="0">
-              <a:solidFill>
-                <a:srgbClr val="92D050"/>
-              </a:solidFill>
-            </a:endParaRPr>
-          </a:p>
-          <a:p>
-            <a:endParaRPr lang="de-AT" dirty="0" smtClean="0"/>
-          </a:p>
-          <a:p>
-            <a:r>
-              <a:rPr lang="de-AT" b="1" dirty="0" err="1" smtClean="0"/>
-              <a:t>Therefore</a:t>
-            </a:r>
-            <a:r>
-              <a:rPr lang="de-AT" b="1" dirty="0" smtClean="0"/>
-              <a:t>: Keep </a:t>
-            </a:r>
-            <a:r>
-              <a:rPr lang="de-AT" b="1" dirty="0" err="1" smtClean="0"/>
-              <a:t>redundancy</a:t>
-            </a:r>
-            <a:r>
-              <a:rPr lang="de-AT" b="1" dirty="0" smtClean="0"/>
-              <a:t>!</a:t>
-            </a:r>
-            <a:endParaRPr lang="de-AT" b="1" dirty="0"/>
-          </a:p>
-        </p:txBody>
-      </p:sp>
-    </p:spTree>
-    <p:extLst>
-      <p:ext uri="{BB962C8B-B14F-4D97-AF65-F5344CB8AC3E}">
-        <p14:creationId xmlns:p14="http://schemas.microsoft.com/office/powerpoint/2010/main" val="1532810805"/>
-      </p:ext>
-    </p:extLst>
-  </p:cSld>
-  <p:clrMapOvr>
-    <a:masterClrMapping/>
-  </p:clrMapOvr>
-</p:sld>
-</file>
-
 <file path=ppt/slides/slide2.xml><?xml version="1.0" encoding="utf-8"?>
 <p:sld xmlns:a="http://schemas.openxmlformats.org/drawingml/2006/main" xmlns:r="http://schemas.openxmlformats.org/officeDocument/2006/relationships" xmlns:p="http://schemas.openxmlformats.org/presentationml/2006/main">
   <p:cSld>
@@ -7652,6 +7546,213 @@
             </a:r>
             <a:r>
               <a:rPr lang="de-AT" dirty="0" smtClean="0"/>
+              <a:t> 3b </a:t>
+            </a:r>
+            <a:r>
+              <a:rPr lang="de-AT" dirty="0"/>
+              <a:t>– </a:t>
+            </a:r>
+            <a:r>
+              <a:rPr lang="de-AT" dirty="0" err="1" smtClean="0"/>
+              <a:t>Conclusion</a:t>
+            </a:r>
+            <a:endParaRPr lang="de-AT" dirty="0"/>
+          </a:p>
+        </p:txBody>
+      </p:sp>
+      <p:sp>
+        <p:nvSpPr>
+          <p:cNvPr id="3" name="Inhaltsplatzhalter 2"/>
+          <p:cNvSpPr>
+            <a:spLocks noGrp="1"/>
+          </p:cNvSpPr>
+          <p:nvPr>
+            <p:ph sz="quarter" idx="1"/>
+          </p:nvPr>
+        </p:nvSpPr>
+        <p:spPr/>
+        <p:txBody>
+          <a:bodyPr/>
+          <a:lstStyle/>
+          <a:p>
+            <a:r>
+              <a:rPr lang="de-AT" dirty="0" err="1" smtClean="0"/>
+              <a:t>Accesses</a:t>
+            </a:r>
+            <a:r>
+              <a:rPr lang="de-AT" dirty="0" smtClean="0"/>
+              <a:t> per </a:t>
+            </a:r>
+            <a:r>
+              <a:rPr lang="de-AT" dirty="0" err="1" smtClean="0"/>
+              <a:t>month</a:t>
+            </a:r>
+            <a:r>
+              <a:rPr lang="de-AT" dirty="0" smtClean="0"/>
+              <a:t> </a:t>
+            </a:r>
+            <a:r>
+              <a:rPr lang="de-AT" dirty="0" err="1" smtClean="0"/>
+              <a:t>without</a:t>
+            </a:r>
+            <a:r>
+              <a:rPr lang="de-AT" dirty="0" smtClean="0"/>
+              <a:t> </a:t>
+            </a:r>
+            <a:r>
+              <a:rPr lang="de-AT" dirty="0" err="1" smtClean="0"/>
+              <a:t>redundancy</a:t>
+            </a:r>
+            <a:r>
+              <a:rPr lang="de-AT" dirty="0" smtClean="0"/>
+              <a:t>:</a:t>
+            </a:r>
+          </a:p>
+          <a:p>
+            <a:pPr marL="365760" lvl="1" indent="0" algn="ctr">
+              <a:buNone/>
+            </a:pPr>
+            <a:r>
+              <a:rPr lang="de-AT" b="1" dirty="0" smtClean="0">
+                <a:solidFill>
+                  <a:srgbClr val="FF0000"/>
+                </a:solidFill>
+              </a:rPr>
+              <a:t>40.402.110</a:t>
+            </a:r>
+            <a:endParaRPr lang="de-AT" b="1" dirty="0">
+              <a:solidFill>
+                <a:srgbClr val="FF0000"/>
+              </a:solidFill>
+            </a:endParaRPr>
+          </a:p>
+          <a:p>
+            <a:r>
+              <a:rPr lang="de-AT" dirty="0" err="1" smtClean="0"/>
+              <a:t>Accesses</a:t>
+            </a:r>
+            <a:r>
+              <a:rPr lang="de-AT" dirty="0" smtClean="0"/>
+              <a:t> per </a:t>
+            </a:r>
+            <a:r>
+              <a:rPr lang="de-AT" dirty="0" err="1" smtClean="0"/>
+              <a:t>month</a:t>
+            </a:r>
+            <a:r>
+              <a:rPr lang="de-AT" dirty="0" smtClean="0"/>
+              <a:t> </a:t>
+            </a:r>
+            <a:r>
+              <a:rPr lang="de-AT" dirty="0" err="1" smtClean="0"/>
+              <a:t>with</a:t>
+            </a:r>
+            <a:r>
+              <a:rPr lang="de-AT" dirty="0" smtClean="0"/>
+              <a:t> </a:t>
+            </a:r>
+            <a:r>
+              <a:rPr lang="de-AT" dirty="0" err="1" smtClean="0"/>
+              <a:t>redundancy</a:t>
+            </a:r>
+            <a:r>
+              <a:rPr lang="de-AT" dirty="0" smtClean="0"/>
+              <a:t>:</a:t>
+            </a:r>
+          </a:p>
+          <a:p>
+            <a:pPr marL="365760" lvl="1" indent="0" algn="ctr">
+              <a:buNone/>
+            </a:pPr>
+            <a:r>
+              <a:rPr lang="de-AT" b="1" u="sng" dirty="0" smtClean="0">
+                <a:solidFill>
+                  <a:srgbClr val="92D050"/>
+                </a:solidFill>
+              </a:rPr>
+              <a:t>405.110</a:t>
+            </a:r>
+            <a:endParaRPr lang="de-AT" b="1" u="sng" dirty="0">
+              <a:solidFill>
+                <a:srgbClr val="92D050"/>
+              </a:solidFill>
+            </a:endParaRPr>
+          </a:p>
+          <a:p>
+            <a:endParaRPr lang="de-AT" dirty="0" smtClean="0"/>
+          </a:p>
+          <a:p>
+            <a:r>
+              <a:rPr lang="de-AT" b="1" dirty="0" err="1" smtClean="0"/>
+              <a:t>Therefore</a:t>
+            </a:r>
+            <a:r>
+              <a:rPr lang="de-AT" b="1" dirty="0" smtClean="0"/>
+              <a:t>: Keep </a:t>
+            </a:r>
+            <a:r>
+              <a:rPr lang="de-AT" b="1" dirty="0" err="1" smtClean="0"/>
+              <a:t>redundancy</a:t>
+            </a:r>
+            <a:r>
+              <a:rPr lang="de-AT" b="1" dirty="0" smtClean="0"/>
+              <a:t>!</a:t>
+            </a:r>
+            <a:endParaRPr lang="de-AT" b="1" dirty="0"/>
+          </a:p>
+        </p:txBody>
+      </p:sp>
+    </p:spTree>
+    <p:extLst>
+      <p:ext uri="{BB962C8B-B14F-4D97-AF65-F5344CB8AC3E}">
+        <p14:creationId xmlns:p14="http://schemas.microsoft.com/office/powerpoint/2010/main" val="1532810805"/>
+      </p:ext>
+    </p:extLst>
+  </p:cSld>
+  <p:clrMapOvr>
+    <a:masterClrMapping/>
+  </p:clrMapOvr>
+</p:sld>
+</file>
+
+<file path=ppt/slides/slide21.xml><?xml version="1.0" encoding="utf-8"?>
+<p:sld xmlns:a="http://schemas.openxmlformats.org/drawingml/2006/main" xmlns:r="http://schemas.openxmlformats.org/officeDocument/2006/relationships" xmlns:p="http://schemas.openxmlformats.org/presentationml/2006/main">
+  <p:cSld>
+    <p:spTree>
+      <p:nvGrpSpPr>
+        <p:cNvPr id="1" name=""/>
+        <p:cNvGrpSpPr/>
+        <p:nvPr/>
+      </p:nvGrpSpPr>
+      <p:grpSpPr>
+        <a:xfrm>
+          <a:off x="0" y="0"/>
+          <a:ext cx="0" cy="0"/>
+          <a:chOff x="0" y="0"/>
+          <a:chExt cx="0" cy="0"/>
+        </a:xfrm>
+      </p:grpSpPr>
+      <p:sp>
+        <p:nvSpPr>
+          <p:cNvPr id="2" name="Titel 1"/>
+          <p:cNvSpPr>
+            <a:spLocks noGrp="1"/>
+          </p:cNvSpPr>
+          <p:nvPr>
+            <p:ph type="title"/>
+          </p:nvPr>
+        </p:nvSpPr>
+        <p:spPr/>
+        <p:txBody>
+          <a:bodyPr/>
+          <a:lstStyle/>
+          <a:p>
+            <a:r>
+              <a:rPr lang="de-AT" dirty="0" err="1" smtClean="0"/>
+              <a:t>Exercise</a:t>
+            </a:r>
+            <a:r>
+              <a:rPr lang="de-AT" dirty="0" smtClean="0"/>
               <a:t> 4</a:t>
             </a:r>
             <a:endParaRPr lang="de-AT" dirty="0"/>
@@ -7735,7 +7836,7 @@
 </p:sld>
 </file>
 
-<file path=ppt/slides/slide21.xml><?xml version="1.0" encoding="utf-8"?>
+<file path=ppt/slides/slide22.xml><?xml version="1.0" encoding="utf-8"?>
 <p:sld xmlns:a="http://schemas.openxmlformats.org/drawingml/2006/main" xmlns:r="http://schemas.openxmlformats.org/officeDocument/2006/relationships" xmlns:p="http://schemas.openxmlformats.org/presentationml/2006/main">
   <p:cSld>
     <p:spTree>
@@ -8031,7 +8132,7 @@
 </p:sld>
 </file>
 
-<file path=ppt/slides/slide22.xml><?xml version="1.0" encoding="utf-8"?>
+<file path=ppt/slides/slide23.xml><?xml version="1.0" encoding="utf-8"?>
 <p:sld xmlns:a="http://schemas.openxmlformats.org/drawingml/2006/main" xmlns:r="http://schemas.openxmlformats.org/officeDocument/2006/relationships" xmlns:p="http://schemas.openxmlformats.org/presentationml/2006/main">
   <p:cSld>
     <p:spTree>
@@ -8351,7 +8452,7 @@
 </p:sld>
 </file>
 
-<file path=ppt/slides/slide23.xml><?xml version="1.0" encoding="utf-8"?>
+<file path=ppt/slides/slide24.xml><?xml version="1.0" encoding="utf-8"?>
 <p:sld xmlns:a="http://schemas.openxmlformats.org/drawingml/2006/main" xmlns:r="http://schemas.openxmlformats.org/officeDocument/2006/relationships" xmlns:p="http://schemas.openxmlformats.org/presentationml/2006/main">
   <p:cSld>
     <p:spTree>
@@ -8601,7 +8702,7 @@
 </p:sld>
 </file>
 
-<file path=ppt/slides/slide24.xml><?xml version="1.0" encoding="utf-8"?>
+<file path=ppt/slides/slide25.xml><?xml version="1.0" encoding="utf-8"?>
 <p:sld xmlns:a="http://schemas.openxmlformats.org/drawingml/2006/main" xmlns:r="http://schemas.openxmlformats.org/officeDocument/2006/relationships" xmlns:p="http://schemas.openxmlformats.org/presentationml/2006/main">
   <p:cSld>
     <p:spTree>
@@ -8845,7 +8946,7 @@
 </p:sld>
 </file>
 
-<file path=ppt/slides/slide25.xml><?xml version="1.0" encoding="utf-8"?>
+<file path=ppt/slides/slide26.xml><?xml version="1.0" encoding="utf-8"?>
 <p:sld xmlns:a="http://schemas.openxmlformats.org/drawingml/2006/main" xmlns:r="http://schemas.openxmlformats.org/officeDocument/2006/relationships" xmlns:p="http://schemas.openxmlformats.org/presentationml/2006/main">
   <p:cSld>
     <p:spTree>
@@ -9106,727 +9207,6 @@
 </p:sld>
 </file>
 
-<file path=ppt/slides/slide26.xml><?xml version="1.0" encoding="utf-8"?>
-<p:sld xmlns:a="http://schemas.openxmlformats.org/drawingml/2006/main" xmlns:r="http://schemas.openxmlformats.org/officeDocument/2006/relationships" xmlns:p="http://schemas.openxmlformats.org/presentationml/2006/main">
-  <p:cSld>
-    <p:spTree>
-      <p:nvGrpSpPr>
-        <p:cNvPr id="1" name=""/>
-        <p:cNvGrpSpPr/>
-        <p:nvPr/>
-      </p:nvGrpSpPr>
-      <p:grpSpPr>
-        <a:xfrm>
-          <a:off x="0" y="0"/>
-          <a:ext cx="0" cy="0"/>
-          <a:chOff x="0" y="0"/>
-          <a:chExt cx="0" cy="0"/>
-        </a:xfrm>
-      </p:grpSpPr>
-      <p:sp>
-        <p:nvSpPr>
-          <p:cNvPr id="2" name="Titel 1"/>
-          <p:cNvSpPr>
-            <a:spLocks noGrp="1"/>
-          </p:cNvSpPr>
-          <p:nvPr>
-            <p:ph type="title"/>
-          </p:nvPr>
-        </p:nvSpPr>
-        <p:spPr/>
-        <p:txBody>
-          <a:bodyPr/>
-          <a:lstStyle/>
-          <a:p>
-            <a:r>
-              <a:rPr lang="de-AT" dirty="0" err="1" smtClean="0"/>
-              <a:t>Which</a:t>
-            </a:r>
-            <a:r>
-              <a:rPr lang="de-AT" dirty="0" smtClean="0"/>
-              <a:t> </a:t>
-            </a:r>
-            <a:r>
-              <a:rPr lang="de-AT" dirty="0" err="1" smtClean="0"/>
-              <a:t>Flattening</a:t>
-            </a:r>
-            <a:r>
-              <a:rPr lang="de-AT" dirty="0" smtClean="0"/>
-              <a:t> </a:t>
-            </a:r>
-            <a:r>
-              <a:rPr lang="de-AT" dirty="0" err="1" smtClean="0"/>
-              <a:t>Strategy</a:t>
-            </a:r>
-            <a:r>
-              <a:rPr lang="de-AT" dirty="0" smtClean="0"/>
-              <a:t>?</a:t>
-            </a:r>
-            <a:endParaRPr lang="de-AT" dirty="0"/>
-          </a:p>
-        </p:txBody>
-      </p:sp>
-      <p:sp>
-        <p:nvSpPr>
-          <p:cNvPr id="3" name="Inhaltsplatzhalter 2"/>
-          <p:cNvSpPr>
-            <a:spLocks noGrp="1"/>
-          </p:cNvSpPr>
-          <p:nvPr>
-            <p:ph sz="quarter" idx="1"/>
-          </p:nvPr>
-        </p:nvSpPr>
-        <p:spPr/>
-        <p:txBody>
-          <a:bodyPr>
-            <a:normAutofit fontScale="92500" lnSpcReduction="20000"/>
-          </a:bodyPr>
-          <a:lstStyle/>
-          <a:p>
-            <a:pPr marL="514350" indent="-514350">
-              <a:buFont typeface="+mj-lt"/>
-              <a:buAutoNum type="arabicPeriod"/>
-            </a:pPr>
-            <a:r>
-              <a:rPr lang="de-AT" dirty="0" err="1" smtClean="0"/>
-              <a:t>Two</a:t>
-            </a:r>
-            <a:r>
-              <a:rPr lang="de-AT" dirty="0" smtClean="0"/>
-              <a:t> </a:t>
-            </a:r>
-            <a:r>
-              <a:rPr lang="de-AT" dirty="0" err="1" smtClean="0"/>
-              <a:t>operation</a:t>
-            </a:r>
-            <a:r>
-              <a:rPr lang="de-AT" dirty="0" smtClean="0"/>
-              <a:t> </a:t>
-            </a:r>
-            <a:r>
-              <a:rPr lang="de-AT" dirty="0" err="1" smtClean="0"/>
-              <a:t>sets</a:t>
-            </a:r>
-            <a:endParaRPr lang="de-AT" dirty="0" smtClean="0"/>
-          </a:p>
-          <a:p>
-            <a:pPr marL="914400" lvl="1" indent="-514350"/>
-            <a:r>
-              <a:rPr lang="de-AT" sz="1900" dirty="0" smtClean="0"/>
-              <a:t>S1 </a:t>
-            </a:r>
-            <a:r>
-              <a:rPr lang="de-AT" sz="1900" dirty="0" err="1" smtClean="0"/>
-              <a:t>set</a:t>
-            </a:r>
-            <a:r>
-              <a:rPr lang="de-AT" sz="1900" dirty="0" smtClean="0"/>
-              <a:t> </a:t>
-            </a:r>
-            <a:r>
-              <a:rPr lang="de-AT" sz="1900" dirty="0" err="1" smtClean="0"/>
-              <a:t>of</a:t>
-            </a:r>
-            <a:r>
-              <a:rPr lang="de-AT" sz="1900" dirty="0" smtClean="0"/>
-              <a:t> </a:t>
-            </a:r>
-            <a:r>
-              <a:rPr lang="de-AT" sz="1900" dirty="0" err="1" smtClean="0"/>
-              <a:t>operations</a:t>
-            </a:r>
-            <a:r>
-              <a:rPr lang="de-AT" sz="1900" dirty="0" smtClean="0"/>
-              <a:t>, </a:t>
-            </a:r>
-            <a:r>
-              <a:rPr lang="de-AT" sz="1900" dirty="0" err="1" smtClean="0"/>
-              <a:t>which</a:t>
-            </a:r>
-            <a:r>
-              <a:rPr lang="de-AT" sz="1900" dirty="0" smtClean="0"/>
-              <a:t> </a:t>
-            </a:r>
-            <a:r>
-              <a:rPr lang="de-AT" sz="1900" dirty="0" err="1" smtClean="0"/>
-              <a:t>access</a:t>
-            </a:r>
-            <a:r>
-              <a:rPr lang="de-AT" sz="1900" dirty="0" smtClean="0"/>
-              <a:t> </a:t>
-            </a:r>
-            <a:r>
-              <a:rPr lang="de-AT" sz="1900" dirty="0" err="1" smtClean="0"/>
-              <a:t>attributes</a:t>
-            </a:r>
-            <a:r>
-              <a:rPr lang="de-AT" sz="1900" dirty="0" smtClean="0"/>
-              <a:t> </a:t>
-            </a:r>
-            <a:r>
-              <a:rPr lang="de-AT" sz="1900" dirty="0" err="1" smtClean="0"/>
-              <a:t>of</a:t>
-            </a:r>
-            <a:r>
-              <a:rPr lang="de-AT" sz="1900" dirty="0" smtClean="0"/>
-              <a:t> </a:t>
-            </a:r>
-            <a:r>
-              <a:rPr lang="de-AT" sz="1900" dirty="0" err="1" smtClean="0"/>
-              <a:t>the</a:t>
-            </a:r>
-            <a:r>
-              <a:rPr lang="de-AT" sz="1900" dirty="0" smtClean="0"/>
-              <a:t> super-</a:t>
-            </a:r>
-            <a:r>
-              <a:rPr lang="de-AT" sz="1900" dirty="0" err="1" smtClean="0"/>
-              <a:t>class</a:t>
-            </a:r>
-            <a:endParaRPr lang="de-AT" sz="1900" dirty="0" smtClean="0"/>
-          </a:p>
-          <a:p>
-            <a:pPr marL="914400" lvl="1" indent="-514350"/>
-            <a:r>
-              <a:rPr lang="de-AT" sz="1900" dirty="0" smtClean="0"/>
-              <a:t>S2 </a:t>
-            </a:r>
-            <a:r>
-              <a:rPr lang="de-AT" sz="1900" dirty="0" err="1" smtClean="0"/>
-              <a:t>set</a:t>
-            </a:r>
-            <a:r>
-              <a:rPr lang="de-AT" sz="1900" dirty="0" smtClean="0"/>
-              <a:t> </a:t>
-            </a:r>
-            <a:r>
-              <a:rPr lang="de-AT" sz="1900" dirty="0" err="1" smtClean="0"/>
-              <a:t>of</a:t>
-            </a:r>
-            <a:r>
-              <a:rPr lang="de-AT" sz="1900" dirty="0" smtClean="0"/>
-              <a:t> </a:t>
-            </a:r>
-            <a:r>
-              <a:rPr lang="de-AT" sz="1900" dirty="0" err="1" smtClean="0"/>
-              <a:t>operations</a:t>
-            </a:r>
-            <a:r>
-              <a:rPr lang="de-AT" sz="1900" dirty="0" smtClean="0"/>
-              <a:t>, </a:t>
-            </a:r>
-            <a:r>
-              <a:rPr lang="de-AT" sz="1900" dirty="0" err="1" smtClean="0"/>
-              <a:t>which</a:t>
-            </a:r>
-            <a:r>
-              <a:rPr lang="de-AT" sz="1900" dirty="0" smtClean="0"/>
-              <a:t> </a:t>
-            </a:r>
-            <a:r>
-              <a:rPr lang="de-AT" sz="1900" dirty="0" err="1" smtClean="0"/>
-              <a:t>access</a:t>
-            </a:r>
-            <a:r>
-              <a:rPr lang="de-AT" sz="1900" dirty="0" smtClean="0"/>
-              <a:t> </a:t>
-            </a:r>
-            <a:r>
-              <a:rPr lang="de-AT" sz="1900" dirty="0" err="1" smtClean="0"/>
-              <a:t>attributes</a:t>
-            </a:r>
-            <a:r>
-              <a:rPr lang="de-AT" sz="1900" dirty="0" smtClean="0"/>
-              <a:t> </a:t>
-            </a:r>
-            <a:r>
-              <a:rPr lang="de-AT" sz="1900" dirty="0" err="1" smtClean="0"/>
-              <a:t>of</a:t>
-            </a:r>
-            <a:r>
-              <a:rPr lang="de-AT" sz="1900" dirty="0" smtClean="0"/>
-              <a:t> super-</a:t>
-            </a:r>
-            <a:r>
-              <a:rPr lang="de-AT" sz="1900" dirty="0" err="1" smtClean="0"/>
-              <a:t>class</a:t>
-            </a:r>
-            <a:r>
-              <a:rPr lang="de-AT" sz="1900" dirty="0" smtClean="0"/>
-              <a:t> </a:t>
-            </a:r>
-            <a:r>
-              <a:rPr lang="de-AT" sz="1900" dirty="0" err="1" smtClean="0"/>
-              <a:t>and</a:t>
-            </a:r>
-            <a:r>
-              <a:rPr lang="de-AT" sz="1900" dirty="0" smtClean="0"/>
-              <a:t> </a:t>
-            </a:r>
-            <a:r>
-              <a:rPr lang="de-AT" sz="1900" dirty="0" err="1" smtClean="0"/>
-              <a:t>one</a:t>
-            </a:r>
-            <a:r>
-              <a:rPr lang="de-AT" sz="1900" dirty="0" smtClean="0"/>
-              <a:t> sub-</a:t>
-            </a:r>
-            <a:r>
-              <a:rPr lang="de-AT" sz="1900" dirty="0" err="1" smtClean="0"/>
-              <a:t>class</a:t>
-            </a:r>
-            <a:endParaRPr lang="de-AT" sz="1900" dirty="0" smtClean="0"/>
-          </a:p>
-          <a:p>
-            <a:pPr marL="514350" indent="-514350">
-              <a:buFont typeface="+mj-lt"/>
-              <a:buAutoNum type="arabicPeriod"/>
-            </a:pPr>
-            <a:r>
-              <a:rPr lang="de-AT" dirty="0" err="1" smtClean="0"/>
-              <a:t>Calculate</a:t>
-            </a:r>
-            <a:r>
-              <a:rPr lang="de-AT" dirty="0" smtClean="0"/>
-              <a:t> </a:t>
-            </a:r>
-            <a:r>
-              <a:rPr lang="de-AT" dirty="0" err="1" smtClean="0"/>
-              <a:t>access</a:t>
-            </a:r>
-            <a:r>
-              <a:rPr lang="de-AT" dirty="0" smtClean="0"/>
-              <a:t> </a:t>
-            </a:r>
-            <a:r>
-              <a:rPr lang="de-AT" dirty="0" err="1" smtClean="0"/>
-              <a:t>counts</a:t>
-            </a:r>
-            <a:r>
-              <a:rPr lang="de-AT" dirty="0" smtClean="0"/>
-              <a:t> </a:t>
-            </a:r>
-            <a:r>
-              <a:rPr lang="de-AT" dirty="0" err="1" smtClean="0"/>
-              <a:t>for</a:t>
-            </a:r>
-            <a:r>
-              <a:rPr lang="de-AT" dirty="0" smtClean="0"/>
-              <a:t> S1 </a:t>
-            </a:r>
-            <a:r>
-              <a:rPr lang="de-AT" dirty="0" err="1" smtClean="0"/>
-              <a:t>and</a:t>
-            </a:r>
-            <a:r>
-              <a:rPr lang="de-AT" dirty="0" smtClean="0"/>
-              <a:t> S2</a:t>
-            </a:r>
-          </a:p>
-          <a:p>
-            <a:pPr marL="514350" indent="-514350">
-              <a:buFont typeface="+mj-lt"/>
-              <a:buAutoNum type="arabicPeriod"/>
-            </a:pPr>
-            <a:r>
-              <a:rPr lang="de-AT" dirty="0" err="1" smtClean="0"/>
-              <a:t>Decide</a:t>
-            </a:r>
-            <a:endParaRPr lang="de-AT" dirty="0" smtClean="0"/>
-          </a:p>
-          <a:p>
-            <a:pPr marL="400050" lvl="1" indent="0">
-              <a:buNone/>
-            </a:pPr>
-            <a:r>
-              <a:rPr lang="de-AT" dirty="0" err="1" smtClean="0"/>
-              <a:t>if</a:t>
-            </a:r>
-            <a:r>
-              <a:rPr lang="de-AT" dirty="0" smtClean="0"/>
-              <a:t> S2 </a:t>
-            </a:r>
-            <a:r>
-              <a:rPr lang="de-AT" dirty="0" err="1" smtClean="0"/>
-              <a:t>dominates</a:t>
-            </a:r>
-            <a:r>
-              <a:rPr lang="de-AT" dirty="0" smtClean="0"/>
-              <a:t> </a:t>
-            </a:r>
-            <a:r>
-              <a:rPr lang="de-AT" dirty="0" smtClean="0">
-                <a:sym typeface="Wingdings" panose="05000000000000000000" pitchFamily="2" charset="2"/>
-              </a:rPr>
-              <a:t> </a:t>
-            </a:r>
-            <a:r>
-              <a:rPr lang="de-AT" dirty="0" err="1" smtClean="0">
-                <a:sym typeface="Wingdings" panose="05000000000000000000" pitchFamily="2" charset="2"/>
-              </a:rPr>
-              <a:t>floor</a:t>
-            </a:r>
-            <a:endParaRPr lang="de-AT" dirty="0" smtClean="0">
-              <a:sym typeface="Wingdings" panose="05000000000000000000" pitchFamily="2" charset="2"/>
-            </a:endParaRPr>
-          </a:p>
-          <a:p>
-            <a:pPr marL="400050" lvl="1" indent="0">
-              <a:buNone/>
-            </a:pPr>
-            <a:r>
-              <a:rPr lang="de-AT" dirty="0" err="1" smtClean="0">
-                <a:sym typeface="Wingdings" panose="05000000000000000000" pitchFamily="2" charset="2"/>
-              </a:rPr>
-              <a:t>else</a:t>
-            </a:r>
-            <a:r>
-              <a:rPr lang="de-AT" dirty="0" smtClean="0">
-                <a:sym typeface="Wingdings" panose="05000000000000000000" pitchFamily="2" charset="2"/>
-              </a:rPr>
-              <a:t> </a:t>
-            </a:r>
-            <a:r>
-              <a:rPr lang="de-AT" dirty="0" err="1" smtClean="0">
-                <a:sym typeface="Wingdings" panose="05000000000000000000" pitchFamily="2" charset="2"/>
-              </a:rPr>
-              <a:t>analyse</a:t>
-            </a:r>
-            <a:r>
-              <a:rPr lang="de-AT" dirty="0" smtClean="0">
-                <a:sym typeface="Wingdings" panose="05000000000000000000" pitchFamily="2" charset="2"/>
-              </a:rPr>
-              <a:t> </a:t>
-            </a:r>
-            <a:r>
-              <a:rPr lang="de-AT" dirty="0" err="1" smtClean="0">
-                <a:sym typeface="Wingdings" panose="05000000000000000000" pitchFamily="2" charset="2"/>
-              </a:rPr>
-              <a:t>data</a:t>
-            </a:r>
-            <a:r>
-              <a:rPr lang="de-AT" dirty="0" smtClean="0">
-                <a:sym typeface="Wingdings" panose="05000000000000000000" pitchFamily="2" charset="2"/>
-              </a:rPr>
-              <a:t> </a:t>
-            </a:r>
-            <a:r>
-              <a:rPr lang="de-AT" dirty="0" err="1" smtClean="0">
-                <a:sym typeface="Wingdings" panose="05000000000000000000" pitchFamily="2" charset="2"/>
-              </a:rPr>
-              <a:t>manipulation</a:t>
-            </a:r>
-            <a:r>
-              <a:rPr lang="de-AT" dirty="0" smtClean="0">
-                <a:sym typeface="Wingdings" panose="05000000000000000000" pitchFamily="2" charset="2"/>
-              </a:rPr>
-              <a:t> </a:t>
-            </a:r>
-            <a:r>
-              <a:rPr lang="de-AT" dirty="0" err="1" smtClean="0">
-                <a:sym typeface="Wingdings" panose="05000000000000000000" pitchFamily="2" charset="2"/>
-              </a:rPr>
-              <a:t>operations</a:t>
-            </a:r>
-            <a:endParaRPr lang="de-AT" dirty="0" smtClean="0">
-              <a:sym typeface="Wingdings" panose="05000000000000000000" pitchFamily="2" charset="2"/>
-            </a:endParaRPr>
-          </a:p>
-          <a:p>
-            <a:pPr marL="400050" lvl="1" indent="0">
-              <a:buNone/>
-            </a:pPr>
-            <a:r>
-              <a:rPr lang="de-AT" dirty="0">
-                <a:sym typeface="Wingdings" panose="05000000000000000000" pitchFamily="2" charset="2"/>
-              </a:rPr>
-              <a:t>	</a:t>
-            </a:r>
-            <a:r>
-              <a:rPr lang="de-AT" dirty="0" err="1" smtClean="0">
-                <a:sym typeface="Wingdings" panose="05000000000000000000" pitchFamily="2" charset="2"/>
-              </a:rPr>
-              <a:t>if</a:t>
-            </a:r>
-            <a:r>
-              <a:rPr lang="de-AT" dirty="0" smtClean="0">
-                <a:sym typeface="Wingdings" panose="05000000000000000000" pitchFamily="2" charset="2"/>
-              </a:rPr>
-              <a:t> </a:t>
-            </a:r>
-            <a:r>
-              <a:rPr lang="de-AT" dirty="0" err="1" smtClean="0">
-                <a:sym typeface="Wingdings" panose="05000000000000000000" pitchFamily="2" charset="2"/>
-              </a:rPr>
-              <a:t>domination</a:t>
-            </a:r>
-            <a:r>
-              <a:rPr lang="de-AT" dirty="0" smtClean="0">
-                <a:sym typeface="Wingdings" panose="05000000000000000000" pitchFamily="2" charset="2"/>
-              </a:rPr>
-              <a:t> </a:t>
-            </a:r>
-            <a:r>
-              <a:rPr lang="de-AT" dirty="0" err="1" smtClean="0">
-                <a:sym typeface="Wingdings" panose="05000000000000000000" pitchFamily="2" charset="2"/>
-              </a:rPr>
-              <a:t>of</a:t>
-            </a:r>
-            <a:r>
-              <a:rPr lang="de-AT" dirty="0" smtClean="0">
-                <a:sym typeface="Wingdings" panose="05000000000000000000" pitchFamily="2" charset="2"/>
-              </a:rPr>
-              <a:t> </a:t>
-            </a:r>
-            <a:r>
-              <a:rPr lang="de-AT" dirty="0" err="1" smtClean="0">
-                <a:sym typeface="Wingdings" panose="05000000000000000000" pitchFamily="2" charset="2"/>
-              </a:rPr>
-              <a:t>operations</a:t>
-            </a:r>
-            <a:r>
-              <a:rPr lang="de-AT" dirty="0" smtClean="0">
-                <a:sym typeface="Wingdings" panose="05000000000000000000" pitchFamily="2" charset="2"/>
-              </a:rPr>
-              <a:t> </a:t>
-            </a:r>
-            <a:r>
-              <a:rPr lang="de-AT" dirty="0" err="1" smtClean="0">
-                <a:sym typeface="Wingdings" panose="05000000000000000000" pitchFamily="2" charset="2"/>
-              </a:rPr>
-              <a:t>that</a:t>
-            </a:r>
-            <a:r>
-              <a:rPr lang="de-AT" dirty="0" smtClean="0">
-                <a:sym typeface="Wingdings" panose="05000000000000000000" pitchFamily="2" charset="2"/>
-              </a:rPr>
-              <a:t> ..</a:t>
-            </a:r>
-          </a:p>
-          <a:p>
-            <a:pPr marL="400050" lvl="1" indent="0">
-              <a:buNone/>
-            </a:pPr>
-            <a:r>
-              <a:rPr lang="de-AT" dirty="0">
-                <a:sym typeface="Wingdings" panose="05000000000000000000" pitchFamily="2" charset="2"/>
-              </a:rPr>
-              <a:t>	</a:t>
-            </a:r>
-            <a:r>
-              <a:rPr lang="de-AT" dirty="0" smtClean="0">
-                <a:sym typeface="Wingdings" panose="05000000000000000000" pitchFamily="2" charset="2"/>
-              </a:rPr>
-              <a:t>    </a:t>
-            </a:r>
-            <a:r>
-              <a:rPr lang="de-AT" sz="2600" dirty="0" smtClean="0">
-                <a:sym typeface="Wingdings" panose="05000000000000000000" pitchFamily="2" charset="2"/>
-              </a:rPr>
-              <a:t>..</a:t>
-            </a:r>
-            <a:r>
-              <a:rPr lang="de-AT" sz="2600" dirty="0" err="1" smtClean="0">
-                <a:sym typeface="Wingdings" panose="05000000000000000000" pitchFamily="2" charset="2"/>
-              </a:rPr>
-              <a:t>access</a:t>
-            </a:r>
-            <a:r>
-              <a:rPr lang="de-AT" sz="2600" dirty="0" smtClean="0">
-                <a:sym typeface="Wingdings" panose="05000000000000000000" pitchFamily="2" charset="2"/>
-              </a:rPr>
-              <a:t> </a:t>
-            </a:r>
-            <a:r>
-              <a:rPr lang="de-AT" sz="2600" dirty="0" err="1" smtClean="0">
-                <a:sym typeface="Wingdings" panose="05000000000000000000" pitchFamily="2" charset="2"/>
-              </a:rPr>
-              <a:t>attributes</a:t>
-            </a:r>
-            <a:r>
-              <a:rPr lang="de-AT" sz="2600" dirty="0" smtClean="0">
-                <a:sym typeface="Wingdings" panose="05000000000000000000" pitchFamily="2" charset="2"/>
-              </a:rPr>
-              <a:t> </a:t>
-            </a:r>
-            <a:r>
-              <a:rPr lang="de-AT" sz="2600" dirty="0" err="1" smtClean="0">
-                <a:sym typeface="Wingdings" panose="05000000000000000000" pitchFamily="2" charset="2"/>
-              </a:rPr>
-              <a:t>of</a:t>
-            </a:r>
-            <a:r>
-              <a:rPr lang="de-AT" sz="2600" dirty="0" smtClean="0">
-                <a:sym typeface="Wingdings" panose="05000000000000000000" pitchFamily="2" charset="2"/>
-              </a:rPr>
-              <a:t> </a:t>
-            </a:r>
-            <a:r>
-              <a:rPr lang="de-AT" sz="2600" dirty="0" err="1" smtClean="0">
-                <a:sym typeface="Wingdings" panose="05000000000000000000" pitchFamily="2" charset="2"/>
-              </a:rPr>
-              <a:t>both</a:t>
-            </a:r>
-            <a:r>
-              <a:rPr lang="de-AT" sz="2600" dirty="0" smtClean="0">
-                <a:sym typeface="Wingdings" panose="05000000000000000000" pitchFamily="2" charset="2"/>
-              </a:rPr>
-              <a:t> super- </a:t>
-            </a:r>
-            <a:r>
-              <a:rPr lang="de-AT" sz="2600" dirty="0" err="1" smtClean="0">
-                <a:sym typeface="Wingdings" panose="05000000000000000000" pitchFamily="2" charset="2"/>
-              </a:rPr>
-              <a:t>and</a:t>
-            </a:r>
-            <a:r>
-              <a:rPr lang="de-AT" sz="2600" dirty="0" smtClean="0">
-                <a:sym typeface="Wingdings" panose="05000000000000000000" pitchFamily="2" charset="2"/>
-              </a:rPr>
-              <a:t> sub-</a:t>
-            </a:r>
-            <a:r>
-              <a:rPr lang="de-AT" sz="2600" dirty="0" err="1" smtClean="0">
-                <a:sym typeface="Wingdings" panose="05000000000000000000" pitchFamily="2" charset="2"/>
-              </a:rPr>
-              <a:t>class</a:t>
-            </a:r>
-            <a:r>
-              <a:rPr lang="de-AT" sz="2600" dirty="0" smtClean="0">
-                <a:sym typeface="Wingdings" panose="05000000000000000000" pitchFamily="2" charset="2"/>
-              </a:rPr>
-              <a:t>  </a:t>
-            </a:r>
-            <a:r>
-              <a:rPr lang="de-AT" sz="2600" dirty="0" err="1" smtClean="0">
-                <a:sym typeface="Wingdings" panose="05000000000000000000" pitchFamily="2" charset="2"/>
-              </a:rPr>
-              <a:t>ceiling</a:t>
-            </a:r>
-            <a:endParaRPr lang="de-AT" sz="2600" dirty="0" smtClean="0">
-              <a:sym typeface="Wingdings" panose="05000000000000000000" pitchFamily="2" charset="2"/>
-            </a:endParaRPr>
-          </a:p>
-          <a:p>
-            <a:pPr marL="400050" lvl="1" indent="0">
-              <a:buNone/>
-            </a:pPr>
-            <a:r>
-              <a:rPr lang="de-AT" sz="2600" dirty="0">
-                <a:sym typeface="Wingdings" panose="05000000000000000000" pitchFamily="2" charset="2"/>
-              </a:rPr>
-              <a:t>	 </a:t>
-            </a:r>
-            <a:r>
-              <a:rPr lang="de-AT" sz="2600" dirty="0" smtClean="0">
-                <a:sym typeface="Wingdings" panose="05000000000000000000" pitchFamily="2" charset="2"/>
-              </a:rPr>
-              <a:t>   ..</a:t>
-            </a:r>
-            <a:r>
-              <a:rPr lang="de-AT" sz="2600" dirty="0" err="1" smtClean="0">
-                <a:sym typeface="Wingdings" panose="05000000000000000000" pitchFamily="2" charset="2"/>
-              </a:rPr>
-              <a:t>access</a:t>
-            </a:r>
-            <a:r>
-              <a:rPr lang="de-AT" sz="2600" dirty="0" smtClean="0">
-                <a:sym typeface="Wingdings" panose="05000000000000000000" pitchFamily="2" charset="2"/>
-              </a:rPr>
-              <a:t> </a:t>
-            </a:r>
-            <a:r>
-              <a:rPr lang="de-AT" sz="2600" dirty="0" err="1" smtClean="0">
-                <a:sym typeface="Wingdings" panose="05000000000000000000" pitchFamily="2" charset="2"/>
-              </a:rPr>
-              <a:t>attributes</a:t>
-            </a:r>
-            <a:r>
-              <a:rPr lang="de-AT" sz="2600" dirty="0" smtClean="0">
-                <a:sym typeface="Wingdings" panose="05000000000000000000" pitchFamily="2" charset="2"/>
-              </a:rPr>
-              <a:t> </a:t>
-            </a:r>
-            <a:r>
-              <a:rPr lang="de-AT" sz="2600" dirty="0" err="1" smtClean="0">
-                <a:sym typeface="Wingdings" panose="05000000000000000000" pitchFamily="2" charset="2"/>
-              </a:rPr>
-              <a:t>of</a:t>
-            </a:r>
-            <a:r>
-              <a:rPr lang="de-AT" sz="2600" dirty="0" smtClean="0">
-                <a:sym typeface="Wingdings" panose="05000000000000000000" pitchFamily="2" charset="2"/>
-              </a:rPr>
-              <a:t> </a:t>
-            </a:r>
-            <a:r>
-              <a:rPr lang="de-AT" sz="2600" dirty="0" err="1" smtClean="0">
-                <a:sym typeface="Wingdings" panose="05000000000000000000" pitchFamily="2" charset="2"/>
-              </a:rPr>
-              <a:t>either</a:t>
-            </a:r>
-            <a:r>
-              <a:rPr lang="de-AT" sz="2600" dirty="0" smtClean="0">
-                <a:sym typeface="Wingdings" panose="05000000000000000000" pitchFamily="2" charset="2"/>
-              </a:rPr>
-              <a:t> super- </a:t>
-            </a:r>
-            <a:r>
-              <a:rPr lang="de-AT" sz="2600" dirty="0" err="1" smtClean="0">
-                <a:sym typeface="Wingdings" panose="05000000000000000000" pitchFamily="2" charset="2"/>
-              </a:rPr>
-              <a:t>or</a:t>
-            </a:r>
-            <a:r>
-              <a:rPr lang="de-AT" sz="2600" dirty="0" smtClean="0">
-                <a:sym typeface="Wingdings" panose="05000000000000000000" pitchFamily="2" charset="2"/>
-              </a:rPr>
-              <a:t> sub-</a:t>
-            </a:r>
-            <a:r>
-              <a:rPr lang="de-AT" sz="2600" dirty="0" err="1" smtClean="0">
-                <a:sym typeface="Wingdings" panose="05000000000000000000" pitchFamily="2" charset="2"/>
-              </a:rPr>
-              <a:t>class</a:t>
-            </a:r>
-            <a:r>
-              <a:rPr lang="de-AT" sz="2600" dirty="0" smtClean="0">
-                <a:sym typeface="Wingdings" panose="05000000000000000000" pitchFamily="2" charset="2"/>
-              </a:rPr>
-              <a:t>  </a:t>
-            </a:r>
-            <a:r>
-              <a:rPr lang="de-AT" sz="2600" dirty="0" err="1" smtClean="0">
-                <a:sym typeface="Wingdings" panose="05000000000000000000" pitchFamily="2" charset="2"/>
-              </a:rPr>
-              <a:t>cohesion</a:t>
-            </a:r>
-            <a:endParaRPr lang="de-AT" sz="2600" dirty="0" smtClean="0">
-              <a:sym typeface="Wingdings" panose="05000000000000000000" pitchFamily="2" charset="2"/>
-            </a:endParaRPr>
-          </a:p>
-        </p:txBody>
-      </p:sp>
-    </p:spTree>
-    <p:extLst>
-      <p:ext uri="{BB962C8B-B14F-4D97-AF65-F5344CB8AC3E}">
-        <p14:creationId xmlns:p14="http://schemas.microsoft.com/office/powerpoint/2010/main" val="1393091644"/>
-      </p:ext>
-    </p:extLst>
-  </p:cSld>
-  <p:clrMapOvr>
-    <a:masterClrMapping/>
-  </p:clrMapOvr>
-  <p:timing>
-    <p:tnLst>
-      <p:par>
-        <p:cTn id="1" dur="indefinite" restart="never" nodeType="tmRoot"/>
-      </p:par>
-    </p:tnLst>
-  </p:timing>
-</p:sld>
-</file>
-
 <file path=ppt/slides/slide27.xml><?xml version="1.0" encoding="utf-8"?>
 <p:sld xmlns:a="http://schemas.openxmlformats.org/drawingml/2006/main" xmlns:r="http://schemas.openxmlformats.org/officeDocument/2006/relationships" xmlns:p="http://schemas.openxmlformats.org/presentationml/2006/main">
   <p:cSld>
@@ -9861,11 +9241,27 @@
           <a:p>
             <a:r>
               <a:rPr lang="de-AT" dirty="0" err="1" smtClean="0"/>
-              <a:t>Exercise</a:t>
-            </a:r>
-            <a:r>
-              <a:rPr lang="de-AT" dirty="0" smtClean="0"/>
-              <a:t> 5</a:t>
+              <a:t>Which</a:t>
+            </a:r>
+            <a:r>
+              <a:rPr lang="de-AT" dirty="0" smtClean="0"/>
+              <a:t> </a:t>
+            </a:r>
+            <a:r>
+              <a:rPr lang="de-AT" dirty="0" err="1" smtClean="0"/>
+              <a:t>Flattening</a:t>
+            </a:r>
+            <a:r>
+              <a:rPr lang="de-AT" dirty="0" smtClean="0"/>
+              <a:t> </a:t>
+            </a:r>
+            <a:r>
+              <a:rPr lang="de-AT" dirty="0" err="1" smtClean="0"/>
+              <a:t>Strategy</a:t>
+            </a:r>
+            <a:r>
+              <a:rPr lang="de-AT" dirty="0" smtClean="0"/>
+              <a:t>?</a:t>
             </a:r>
             <a:endParaRPr lang="de-AT" dirty="0"/>
           </a:p>
@@ -9883,47 +9279,639 @@
         </p:nvSpPr>
         <p:spPr/>
         <p:txBody>
-          <a:bodyPr/>
+          <a:bodyPr>
+            <a:normAutofit fontScale="92500" lnSpcReduction="20000"/>
+          </a:bodyPr>
           <a:lstStyle/>
           <a:p>
-            <a:r>
-              <a:rPr lang="en-US" dirty="0" smtClean="0"/>
-              <a:t>What </a:t>
-            </a:r>
-            <a:r>
-              <a:rPr lang="en-US" dirty="0"/>
-              <a:t>is vertical partitioning, what is horizontal partitioning? Explain it with an example of your own. </a:t>
-            </a:r>
-          </a:p>
-          <a:p>
-            <a:r>
-              <a:rPr lang="en-US" dirty="0" smtClean="0"/>
-              <a:t>Why </a:t>
-            </a:r>
-            <a:r>
-              <a:rPr lang="en-US" dirty="0"/>
-              <a:t>might partitioning be necessary? </a:t>
-            </a:r>
-          </a:p>
-          <a:p>
-            <a:r>
-              <a:rPr lang="en-US" dirty="0" smtClean="0"/>
-              <a:t>What </a:t>
-            </a:r>
-            <a:r>
-              <a:rPr lang="en-US" dirty="0"/>
-              <a:t>do you have to consider before partitioning – how do you decide? </a:t>
-            </a:r>
-          </a:p>
-          <a:p>
-            <a:endParaRPr lang="de-AT" dirty="0"/>
+            <a:pPr marL="514350" indent="-514350">
+              <a:buFont typeface="+mj-lt"/>
+              <a:buAutoNum type="arabicPeriod"/>
+            </a:pPr>
+            <a:r>
+              <a:rPr lang="de-AT" dirty="0" err="1" smtClean="0"/>
+              <a:t>Two</a:t>
+            </a:r>
+            <a:r>
+              <a:rPr lang="de-AT" dirty="0" smtClean="0"/>
+              <a:t> </a:t>
+            </a:r>
+            <a:r>
+              <a:rPr lang="de-AT" dirty="0" err="1" smtClean="0"/>
+              <a:t>operation</a:t>
+            </a:r>
+            <a:r>
+              <a:rPr lang="de-AT" dirty="0" smtClean="0"/>
+              <a:t> </a:t>
+            </a:r>
+            <a:r>
+              <a:rPr lang="de-AT" dirty="0" err="1" smtClean="0"/>
+              <a:t>sets</a:t>
+            </a:r>
+            <a:endParaRPr lang="de-AT" dirty="0" smtClean="0"/>
+          </a:p>
+          <a:p>
+            <a:pPr marL="914400" lvl="1" indent="-514350"/>
+            <a:r>
+              <a:rPr lang="de-AT" sz="1900" dirty="0" smtClean="0"/>
+              <a:t>S1 </a:t>
+            </a:r>
+            <a:r>
+              <a:rPr lang="de-AT" sz="1900" dirty="0" err="1" smtClean="0"/>
+              <a:t>set</a:t>
+            </a:r>
+            <a:r>
+              <a:rPr lang="de-AT" sz="1900" dirty="0" smtClean="0"/>
+              <a:t> </a:t>
+            </a:r>
+            <a:r>
+              <a:rPr lang="de-AT" sz="1900" dirty="0" err="1" smtClean="0"/>
+              <a:t>of</a:t>
+            </a:r>
+            <a:r>
+              <a:rPr lang="de-AT" sz="1900" dirty="0" smtClean="0"/>
+              <a:t> </a:t>
+            </a:r>
+            <a:r>
+              <a:rPr lang="de-AT" sz="1900" dirty="0" err="1" smtClean="0"/>
+              <a:t>operations</a:t>
+            </a:r>
+            <a:r>
+              <a:rPr lang="de-AT" sz="1900" dirty="0" smtClean="0"/>
+              <a:t>, </a:t>
+            </a:r>
+            <a:r>
+              <a:rPr lang="de-AT" sz="1900" dirty="0" err="1" smtClean="0"/>
+              <a:t>which</a:t>
+            </a:r>
+            <a:r>
+              <a:rPr lang="de-AT" sz="1900" dirty="0" smtClean="0"/>
+              <a:t> </a:t>
+            </a:r>
+            <a:r>
+              <a:rPr lang="de-AT" sz="1900" dirty="0" err="1" smtClean="0"/>
+              <a:t>access</a:t>
+            </a:r>
+            <a:r>
+              <a:rPr lang="de-AT" sz="1900" dirty="0" smtClean="0"/>
+              <a:t> </a:t>
+            </a:r>
+            <a:r>
+              <a:rPr lang="de-AT" sz="1900" dirty="0" err="1" smtClean="0"/>
+              <a:t>attributes</a:t>
+            </a:r>
+            <a:r>
+              <a:rPr lang="de-AT" sz="1900" dirty="0" smtClean="0"/>
+              <a:t> </a:t>
+            </a:r>
+            <a:r>
+              <a:rPr lang="de-AT" sz="1900" dirty="0" err="1" smtClean="0"/>
+              <a:t>of</a:t>
+            </a:r>
+            <a:r>
+              <a:rPr lang="de-AT" sz="1900" dirty="0" smtClean="0"/>
+              <a:t> </a:t>
+            </a:r>
+            <a:r>
+              <a:rPr lang="de-AT" sz="1900" dirty="0" err="1" smtClean="0"/>
+              <a:t>the</a:t>
+            </a:r>
+            <a:r>
+              <a:rPr lang="de-AT" sz="1900" dirty="0" smtClean="0"/>
+              <a:t> super-</a:t>
+            </a:r>
+            <a:r>
+              <a:rPr lang="de-AT" sz="1900" dirty="0" err="1" smtClean="0"/>
+              <a:t>class</a:t>
+            </a:r>
+            <a:endParaRPr lang="de-AT" sz="1900" dirty="0" smtClean="0"/>
+          </a:p>
+          <a:p>
+            <a:pPr marL="914400" lvl="1" indent="-514350"/>
+            <a:r>
+              <a:rPr lang="de-AT" sz="1900" dirty="0" smtClean="0"/>
+              <a:t>S2 </a:t>
+            </a:r>
+            <a:r>
+              <a:rPr lang="de-AT" sz="1900" dirty="0" err="1" smtClean="0"/>
+              <a:t>set</a:t>
+            </a:r>
+            <a:r>
+              <a:rPr lang="de-AT" sz="1900" dirty="0" smtClean="0"/>
+              <a:t> </a:t>
+            </a:r>
+            <a:r>
+              <a:rPr lang="de-AT" sz="1900" dirty="0" err="1" smtClean="0"/>
+              <a:t>of</a:t>
+            </a:r>
+            <a:r>
+              <a:rPr lang="de-AT" sz="1900" dirty="0" smtClean="0"/>
+              <a:t> </a:t>
+            </a:r>
+            <a:r>
+              <a:rPr lang="de-AT" sz="1900" dirty="0" err="1" smtClean="0"/>
+              <a:t>operations</a:t>
+            </a:r>
+            <a:r>
+              <a:rPr lang="de-AT" sz="1900" dirty="0" smtClean="0"/>
+              <a:t>, </a:t>
+            </a:r>
+            <a:r>
+              <a:rPr lang="de-AT" sz="1900" dirty="0" err="1" smtClean="0"/>
+              <a:t>which</a:t>
+            </a:r>
+            <a:r>
+              <a:rPr lang="de-AT" sz="1900" dirty="0" smtClean="0"/>
+              <a:t> </a:t>
+            </a:r>
+            <a:r>
+              <a:rPr lang="de-AT" sz="1900" dirty="0" err="1" smtClean="0"/>
+              <a:t>access</a:t>
+            </a:r>
+            <a:r>
+              <a:rPr lang="de-AT" sz="1900" dirty="0" smtClean="0"/>
+              <a:t> </a:t>
+            </a:r>
+            <a:r>
+              <a:rPr lang="de-AT" sz="1900" dirty="0" err="1" smtClean="0"/>
+              <a:t>attributes</a:t>
+            </a:r>
+            <a:r>
+              <a:rPr lang="de-AT" sz="1900" dirty="0" smtClean="0"/>
+              <a:t> </a:t>
+            </a:r>
+            <a:r>
+              <a:rPr lang="de-AT" sz="1900" dirty="0" err="1" smtClean="0"/>
+              <a:t>of</a:t>
+            </a:r>
+            <a:r>
+              <a:rPr lang="de-AT" sz="1900" dirty="0" smtClean="0"/>
+              <a:t> super-</a:t>
+            </a:r>
+            <a:r>
+              <a:rPr lang="de-AT" sz="1900" dirty="0" err="1" smtClean="0"/>
+              <a:t>class</a:t>
+            </a:r>
+            <a:r>
+              <a:rPr lang="de-AT" sz="1900" dirty="0" smtClean="0"/>
+              <a:t> </a:t>
+            </a:r>
+            <a:r>
+              <a:rPr lang="de-AT" sz="1900" dirty="0" err="1" smtClean="0"/>
+              <a:t>and</a:t>
+            </a:r>
+            <a:r>
+              <a:rPr lang="de-AT" sz="1900" dirty="0" smtClean="0"/>
+              <a:t> </a:t>
+            </a:r>
+            <a:r>
+              <a:rPr lang="de-AT" sz="1900" dirty="0" err="1" smtClean="0"/>
+              <a:t>one</a:t>
+            </a:r>
+            <a:r>
+              <a:rPr lang="de-AT" sz="1900" dirty="0" smtClean="0"/>
+              <a:t> sub-</a:t>
+            </a:r>
+            <a:r>
+              <a:rPr lang="de-AT" sz="1900" dirty="0" err="1" smtClean="0"/>
+              <a:t>class</a:t>
+            </a:r>
+            <a:endParaRPr lang="de-AT" sz="1900" dirty="0" smtClean="0"/>
+          </a:p>
+          <a:p>
+            <a:pPr marL="514350" indent="-514350">
+              <a:buFont typeface="+mj-lt"/>
+              <a:buAutoNum type="arabicPeriod"/>
+            </a:pPr>
+            <a:r>
+              <a:rPr lang="de-AT" dirty="0" err="1" smtClean="0"/>
+              <a:t>Calculate</a:t>
+            </a:r>
+            <a:r>
+              <a:rPr lang="de-AT" dirty="0" smtClean="0"/>
+              <a:t> </a:t>
+            </a:r>
+            <a:r>
+              <a:rPr lang="de-AT" dirty="0" err="1" smtClean="0"/>
+              <a:t>access</a:t>
+            </a:r>
+            <a:r>
+              <a:rPr lang="de-AT" dirty="0" smtClean="0"/>
+              <a:t> </a:t>
+            </a:r>
+            <a:r>
+              <a:rPr lang="de-AT" dirty="0" err="1" smtClean="0"/>
+              <a:t>counts</a:t>
+            </a:r>
+            <a:r>
+              <a:rPr lang="de-AT" dirty="0" smtClean="0"/>
+              <a:t> </a:t>
+            </a:r>
+            <a:r>
+              <a:rPr lang="de-AT" dirty="0" err="1" smtClean="0"/>
+              <a:t>for</a:t>
+            </a:r>
+            <a:r>
+              <a:rPr lang="de-AT" dirty="0" smtClean="0"/>
+              <a:t> S1 </a:t>
+            </a:r>
+            <a:r>
+              <a:rPr lang="de-AT" dirty="0" err="1" smtClean="0"/>
+              <a:t>and</a:t>
+            </a:r>
+            <a:r>
+              <a:rPr lang="de-AT" dirty="0" smtClean="0"/>
+              <a:t> S2</a:t>
+            </a:r>
+          </a:p>
+          <a:p>
+            <a:pPr marL="514350" indent="-514350">
+              <a:buFont typeface="+mj-lt"/>
+              <a:buAutoNum type="arabicPeriod"/>
+            </a:pPr>
+            <a:r>
+              <a:rPr lang="de-AT" dirty="0" err="1" smtClean="0"/>
+              <a:t>Decide</a:t>
+            </a:r>
+            <a:endParaRPr lang="de-AT" dirty="0" smtClean="0"/>
+          </a:p>
+          <a:p>
+            <a:pPr marL="400050" lvl="1" indent="0">
+              <a:buNone/>
+            </a:pPr>
+            <a:r>
+              <a:rPr lang="de-AT" dirty="0" err="1" smtClean="0"/>
+              <a:t>if</a:t>
+            </a:r>
+            <a:r>
+              <a:rPr lang="de-AT" dirty="0" smtClean="0"/>
+              <a:t> S2 </a:t>
+            </a:r>
+            <a:r>
+              <a:rPr lang="de-AT" dirty="0" err="1" smtClean="0"/>
+              <a:t>dominates</a:t>
+            </a:r>
+            <a:r>
+              <a:rPr lang="de-AT" dirty="0" smtClean="0"/>
+              <a:t> </a:t>
+            </a:r>
+            <a:r>
+              <a:rPr lang="de-AT" dirty="0" smtClean="0">
+                <a:sym typeface="Wingdings" panose="05000000000000000000" pitchFamily="2" charset="2"/>
+              </a:rPr>
+              <a:t> </a:t>
+            </a:r>
+            <a:r>
+              <a:rPr lang="de-AT" dirty="0" err="1" smtClean="0">
+                <a:sym typeface="Wingdings" panose="05000000000000000000" pitchFamily="2" charset="2"/>
+              </a:rPr>
+              <a:t>floor</a:t>
+            </a:r>
+            <a:endParaRPr lang="de-AT" dirty="0" smtClean="0">
+              <a:sym typeface="Wingdings" panose="05000000000000000000" pitchFamily="2" charset="2"/>
+            </a:endParaRPr>
+          </a:p>
+          <a:p>
+            <a:pPr marL="400050" lvl="1" indent="0">
+              <a:buNone/>
+            </a:pPr>
+            <a:r>
+              <a:rPr lang="de-AT" dirty="0" err="1" smtClean="0">
+                <a:sym typeface="Wingdings" panose="05000000000000000000" pitchFamily="2" charset="2"/>
+              </a:rPr>
+              <a:t>else</a:t>
+            </a:r>
+            <a:r>
+              <a:rPr lang="de-AT" dirty="0" smtClean="0">
+                <a:sym typeface="Wingdings" panose="05000000000000000000" pitchFamily="2" charset="2"/>
+              </a:rPr>
+              <a:t> </a:t>
+            </a:r>
+            <a:r>
+              <a:rPr lang="de-AT" dirty="0" err="1" smtClean="0">
+                <a:sym typeface="Wingdings" panose="05000000000000000000" pitchFamily="2" charset="2"/>
+              </a:rPr>
+              <a:t>analyse</a:t>
+            </a:r>
+            <a:r>
+              <a:rPr lang="de-AT" dirty="0" smtClean="0">
+                <a:sym typeface="Wingdings" panose="05000000000000000000" pitchFamily="2" charset="2"/>
+              </a:rPr>
+              <a:t> </a:t>
+            </a:r>
+            <a:r>
+              <a:rPr lang="de-AT" dirty="0" err="1" smtClean="0">
+                <a:sym typeface="Wingdings" panose="05000000000000000000" pitchFamily="2" charset="2"/>
+              </a:rPr>
+              <a:t>data</a:t>
+            </a:r>
+            <a:r>
+              <a:rPr lang="de-AT" dirty="0" smtClean="0">
+                <a:sym typeface="Wingdings" panose="05000000000000000000" pitchFamily="2" charset="2"/>
+              </a:rPr>
+              <a:t> </a:t>
+            </a:r>
+            <a:r>
+              <a:rPr lang="de-AT" dirty="0" err="1" smtClean="0">
+                <a:sym typeface="Wingdings" panose="05000000000000000000" pitchFamily="2" charset="2"/>
+              </a:rPr>
+              <a:t>manipulation</a:t>
+            </a:r>
+            <a:r>
+              <a:rPr lang="de-AT" dirty="0" smtClean="0">
+                <a:sym typeface="Wingdings" panose="05000000000000000000" pitchFamily="2" charset="2"/>
+              </a:rPr>
+              <a:t> </a:t>
+            </a:r>
+            <a:r>
+              <a:rPr lang="de-AT" dirty="0" err="1" smtClean="0">
+                <a:sym typeface="Wingdings" panose="05000000000000000000" pitchFamily="2" charset="2"/>
+              </a:rPr>
+              <a:t>operations</a:t>
+            </a:r>
+            <a:endParaRPr lang="de-AT" dirty="0" smtClean="0">
+              <a:sym typeface="Wingdings" panose="05000000000000000000" pitchFamily="2" charset="2"/>
+            </a:endParaRPr>
+          </a:p>
+          <a:p>
+            <a:pPr marL="400050" lvl="1" indent="0">
+              <a:buNone/>
+            </a:pPr>
+            <a:r>
+              <a:rPr lang="de-AT" dirty="0">
+                <a:sym typeface="Wingdings" panose="05000000000000000000" pitchFamily="2" charset="2"/>
+              </a:rPr>
+              <a:t>	</a:t>
+            </a:r>
+            <a:r>
+              <a:rPr lang="de-AT" dirty="0" err="1" smtClean="0">
+                <a:sym typeface="Wingdings" panose="05000000000000000000" pitchFamily="2" charset="2"/>
+              </a:rPr>
+              <a:t>if</a:t>
+            </a:r>
+            <a:r>
+              <a:rPr lang="de-AT" dirty="0" smtClean="0">
+                <a:sym typeface="Wingdings" panose="05000000000000000000" pitchFamily="2" charset="2"/>
+              </a:rPr>
+              <a:t> </a:t>
+            </a:r>
+            <a:r>
+              <a:rPr lang="de-AT" dirty="0" err="1" smtClean="0">
+                <a:sym typeface="Wingdings" panose="05000000000000000000" pitchFamily="2" charset="2"/>
+              </a:rPr>
+              <a:t>domination</a:t>
+            </a:r>
+            <a:r>
+              <a:rPr lang="de-AT" dirty="0" smtClean="0">
+                <a:sym typeface="Wingdings" panose="05000000000000000000" pitchFamily="2" charset="2"/>
+              </a:rPr>
+              <a:t> </a:t>
+            </a:r>
+            <a:r>
+              <a:rPr lang="de-AT" dirty="0" err="1" smtClean="0">
+                <a:sym typeface="Wingdings" panose="05000000000000000000" pitchFamily="2" charset="2"/>
+              </a:rPr>
+              <a:t>of</a:t>
+            </a:r>
+            <a:r>
+              <a:rPr lang="de-AT" dirty="0" smtClean="0">
+                <a:sym typeface="Wingdings" panose="05000000000000000000" pitchFamily="2" charset="2"/>
+              </a:rPr>
+              <a:t> </a:t>
+            </a:r>
+            <a:r>
+              <a:rPr lang="de-AT" dirty="0" err="1" smtClean="0">
+                <a:sym typeface="Wingdings" panose="05000000000000000000" pitchFamily="2" charset="2"/>
+              </a:rPr>
+              <a:t>operations</a:t>
+            </a:r>
+            <a:r>
+              <a:rPr lang="de-AT" dirty="0" smtClean="0">
+                <a:sym typeface="Wingdings" panose="05000000000000000000" pitchFamily="2" charset="2"/>
+              </a:rPr>
+              <a:t> </a:t>
+            </a:r>
+            <a:r>
+              <a:rPr lang="de-AT" dirty="0" err="1" smtClean="0">
+                <a:sym typeface="Wingdings" panose="05000000000000000000" pitchFamily="2" charset="2"/>
+              </a:rPr>
+              <a:t>that</a:t>
+            </a:r>
+            <a:r>
+              <a:rPr lang="de-AT" dirty="0" smtClean="0">
+                <a:sym typeface="Wingdings" panose="05000000000000000000" pitchFamily="2" charset="2"/>
+              </a:rPr>
+              <a:t> ..</a:t>
+            </a:r>
+          </a:p>
+          <a:p>
+            <a:pPr marL="400050" lvl="1" indent="0">
+              <a:buNone/>
+            </a:pPr>
+            <a:r>
+              <a:rPr lang="de-AT" dirty="0">
+                <a:sym typeface="Wingdings" panose="05000000000000000000" pitchFamily="2" charset="2"/>
+              </a:rPr>
+              <a:t>	</a:t>
+            </a:r>
+            <a:r>
+              <a:rPr lang="de-AT" dirty="0" smtClean="0">
+                <a:sym typeface="Wingdings" panose="05000000000000000000" pitchFamily="2" charset="2"/>
+              </a:rPr>
+              <a:t>    </a:t>
+            </a:r>
+            <a:r>
+              <a:rPr lang="de-AT" sz="2600" dirty="0" smtClean="0">
+                <a:sym typeface="Wingdings" panose="05000000000000000000" pitchFamily="2" charset="2"/>
+              </a:rPr>
+              <a:t>..</a:t>
+            </a:r>
+            <a:r>
+              <a:rPr lang="de-AT" sz="2600" dirty="0" err="1" smtClean="0">
+                <a:sym typeface="Wingdings" panose="05000000000000000000" pitchFamily="2" charset="2"/>
+              </a:rPr>
+              <a:t>access</a:t>
+            </a:r>
+            <a:r>
+              <a:rPr lang="de-AT" sz="2600" dirty="0" smtClean="0">
+                <a:sym typeface="Wingdings" panose="05000000000000000000" pitchFamily="2" charset="2"/>
+              </a:rPr>
+              <a:t> </a:t>
+            </a:r>
+            <a:r>
+              <a:rPr lang="de-AT" sz="2600" dirty="0" err="1" smtClean="0">
+                <a:sym typeface="Wingdings" panose="05000000000000000000" pitchFamily="2" charset="2"/>
+              </a:rPr>
+              <a:t>attributes</a:t>
+            </a:r>
+            <a:r>
+              <a:rPr lang="de-AT" sz="2600" dirty="0" smtClean="0">
+                <a:sym typeface="Wingdings" panose="05000000000000000000" pitchFamily="2" charset="2"/>
+              </a:rPr>
+              <a:t> </a:t>
+            </a:r>
+            <a:r>
+              <a:rPr lang="de-AT" sz="2600" dirty="0" err="1" smtClean="0">
+                <a:sym typeface="Wingdings" panose="05000000000000000000" pitchFamily="2" charset="2"/>
+              </a:rPr>
+              <a:t>of</a:t>
+            </a:r>
+            <a:r>
+              <a:rPr lang="de-AT" sz="2600" dirty="0" smtClean="0">
+                <a:sym typeface="Wingdings" panose="05000000000000000000" pitchFamily="2" charset="2"/>
+              </a:rPr>
+              <a:t> </a:t>
+            </a:r>
+            <a:r>
+              <a:rPr lang="de-AT" sz="2600" dirty="0" err="1" smtClean="0">
+                <a:sym typeface="Wingdings" panose="05000000000000000000" pitchFamily="2" charset="2"/>
+              </a:rPr>
+              <a:t>both</a:t>
+            </a:r>
+            <a:r>
+              <a:rPr lang="de-AT" sz="2600" dirty="0" smtClean="0">
+                <a:sym typeface="Wingdings" panose="05000000000000000000" pitchFamily="2" charset="2"/>
+              </a:rPr>
+              <a:t> super- </a:t>
+            </a:r>
+            <a:r>
+              <a:rPr lang="de-AT" sz="2600" dirty="0" err="1" smtClean="0">
+                <a:sym typeface="Wingdings" panose="05000000000000000000" pitchFamily="2" charset="2"/>
+              </a:rPr>
+              <a:t>and</a:t>
+            </a:r>
+            <a:r>
+              <a:rPr lang="de-AT" sz="2600" dirty="0" smtClean="0">
+                <a:sym typeface="Wingdings" panose="05000000000000000000" pitchFamily="2" charset="2"/>
+              </a:rPr>
+              <a:t> sub-</a:t>
+            </a:r>
+            <a:r>
+              <a:rPr lang="de-AT" sz="2600" dirty="0" err="1" smtClean="0">
+                <a:sym typeface="Wingdings" panose="05000000000000000000" pitchFamily="2" charset="2"/>
+              </a:rPr>
+              <a:t>class</a:t>
+            </a:r>
+            <a:r>
+              <a:rPr lang="de-AT" sz="2600" dirty="0" smtClean="0">
+                <a:sym typeface="Wingdings" panose="05000000000000000000" pitchFamily="2" charset="2"/>
+              </a:rPr>
+              <a:t>  </a:t>
+            </a:r>
+            <a:r>
+              <a:rPr lang="de-AT" sz="2600" dirty="0" err="1" smtClean="0">
+                <a:sym typeface="Wingdings" panose="05000000000000000000" pitchFamily="2" charset="2"/>
+              </a:rPr>
+              <a:t>ceiling</a:t>
+            </a:r>
+            <a:endParaRPr lang="de-AT" sz="2600" dirty="0" smtClean="0">
+              <a:sym typeface="Wingdings" panose="05000000000000000000" pitchFamily="2" charset="2"/>
+            </a:endParaRPr>
+          </a:p>
+          <a:p>
+            <a:pPr marL="400050" lvl="1" indent="0">
+              <a:buNone/>
+            </a:pPr>
+            <a:r>
+              <a:rPr lang="de-AT" sz="2600" dirty="0">
+                <a:sym typeface="Wingdings" panose="05000000000000000000" pitchFamily="2" charset="2"/>
+              </a:rPr>
+              <a:t>	 </a:t>
+            </a:r>
+            <a:r>
+              <a:rPr lang="de-AT" sz="2600" dirty="0" smtClean="0">
+                <a:sym typeface="Wingdings" panose="05000000000000000000" pitchFamily="2" charset="2"/>
+              </a:rPr>
+              <a:t>   ..</a:t>
+            </a:r>
+            <a:r>
+              <a:rPr lang="de-AT" sz="2600" dirty="0" err="1" smtClean="0">
+                <a:sym typeface="Wingdings" panose="05000000000000000000" pitchFamily="2" charset="2"/>
+              </a:rPr>
+              <a:t>access</a:t>
+            </a:r>
+            <a:r>
+              <a:rPr lang="de-AT" sz="2600" dirty="0" smtClean="0">
+                <a:sym typeface="Wingdings" panose="05000000000000000000" pitchFamily="2" charset="2"/>
+              </a:rPr>
+              <a:t> </a:t>
+            </a:r>
+            <a:r>
+              <a:rPr lang="de-AT" sz="2600" dirty="0" err="1" smtClean="0">
+                <a:sym typeface="Wingdings" panose="05000000000000000000" pitchFamily="2" charset="2"/>
+              </a:rPr>
+              <a:t>attributes</a:t>
+            </a:r>
+            <a:r>
+              <a:rPr lang="de-AT" sz="2600" dirty="0" smtClean="0">
+                <a:sym typeface="Wingdings" panose="05000000000000000000" pitchFamily="2" charset="2"/>
+              </a:rPr>
+              <a:t> </a:t>
+            </a:r>
+            <a:r>
+              <a:rPr lang="de-AT" sz="2600" dirty="0" err="1" smtClean="0">
+                <a:sym typeface="Wingdings" panose="05000000000000000000" pitchFamily="2" charset="2"/>
+              </a:rPr>
+              <a:t>of</a:t>
+            </a:r>
+            <a:r>
+              <a:rPr lang="de-AT" sz="2600" dirty="0" smtClean="0">
+                <a:sym typeface="Wingdings" panose="05000000000000000000" pitchFamily="2" charset="2"/>
+              </a:rPr>
+              <a:t> </a:t>
+            </a:r>
+            <a:r>
+              <a:rPr lang="de-AT" sz="2600" dirty="0" err="1" smtClean="0">
+                <a:sym typeface="Wingdings" panose="05000000000000000000" pitchFamily="2" charset="2"/>
+              </a:rPr>
+              <a:t>either</a:t>
+            </a:r>
+            <a:r>
+              <a:rPr lang="de-AT" sz="2600" dirty="0" smtClean="0">
+                <a:sym typeface="Wingdings" panose="05000000000000000000" pitchFamily="2" charset="2"/>
+              </a:rPr>
+              <a:t> super- </a:t>
+            </a:r>
+            <a:r>
+              <a:rPr lang="de-AT" sz="2600" dirty="0" err="1" smtClean="0">
+                <a:sym typeface="Wingdings" panose="05000000000000000000" pitchFamily="2" charset="2"/>
+              </a:rPr>
+              <a:t>or</a:t>
+            </a:r>
+            <a:r>
+              <a:rPr lang="de-AT" sz="2600" dirty="0" smtClean="0">
+                <a:sym typeface="Wingdings" panose="05000000000000000000" pitchFamily="2" charset="2"/>
+              </a:rPr>
+              <a:t> sub-</a:t>
+            </a:r>
+            <a:r>
+              <a:rPr lang="de-AT" sz="2600" dirty="0" err="1" smtClean="0">
+                <a:sym typeface="Wingdings" panose="05000000000000000000" pitchFamily="2" charset="2"/>
+              </a:rPr>
+              <a:t>class</a:t>
+            </a:r>
+            <a:r>
+              <a:rPr lang="de-AT" sz="2600" dirty="0" smtClean="0">
+                <a:sym typeface="Wingdings" panose="05000000000000000000" pitchFamily="2" charset="2"/>
+              </a:rPr>
+              <a:t>  </a:t>
+            </a:r>
+            <a:r>
+              <a:rPr lang="de-AT" sz="2600" dirty="0" err="1" smtClean="0">
+                <a:sym typeface="Wingdings" panose="05000000000000000000" pitchFamily="2" charset="2"/>
+              </a:rPr>
+              <a:t>cohesion</a:t>
+            </a:r>
+            <a:endParaRPr lang="de-AT" sz="2600" dirty="0" smtClean="0">
+              <a:sym typeface="Wingdings" panose="05000000000000000000" pitchFamily="2" charset="2"/>
+            </a:endParaRPr>
           </a:p>
         </p:txBody>
       </p:sp>
     </p:spTree>
     <p:extLst>
       <p:ext uri="{BB962C8B-B14F-4D97-AF65-F5344CB8AC3E}">
-        <p14:creationId xmlns:p14="http://schemas.microsoft.com/office/powerpoint/2010/main" val="4170754018"/>
+        <p14:creationId xmlns:p14="http://schemas.microsoft.com/office/powerpoint/2010/main" val="1393091644"/>
       </p:ext>
     </p:extLst>
   </p:cSld>
@@ -9974,19 +9962,11 @@
           <a:p>
             <a:r>
               <a:rPr lang="de-AT" dirty="0" err="1" smtClean="0"/>
-              <a:t>Vertical</a:t>
-            </a:r>
-            <a:r>
-              <a:rPr lang="de-AT" dirty="0" smtClean="0"/>
-              <a:t> </a:t>
-            </a:r>
-            <a:r>
-              <a:rPr lang="de-AT" dirty="0" err="1" smtClean="0"/>
-              <a:t>partitioning</a:t>
-            </a:r>
-            <a:r>
-              <a:rPr lang="de-AT" dirty="0" smtClean="0"/>
-              <a:t>(1/2)</a:t>
+              <a:t>Exercise</a:t>
+            </a:r>
+            <a:r>
+              <a:rPr lang="de-AT" dirty="0" smtClean="0"/>
+              <a:t> 5</a:t>
             </a:r>
             <a:endParaRPr lang="de-AT" dirty="0"/>
           </a:p>
@@ -10008,29 +9988,35 @@
           <a:lstStyle/>
           <a:p>
             <a:r>
+              <a:rPr lang="en-US" dirty="0" smtClean="0"/>
+              <a:t>What </a:t>
+            </a:r>
+            <a:r>
               <a:rPr lang="en-US" dirty="0"/>
-              <a:t>split class vertically </a:t>
+              <a:t>is vertical partitioning, what is horizontal partitioning? Explain it with an example of your own. </a:t>
             </a:r>
           </a:p>
           <a:p>
             <a:r>
               <a:rPr lang="en-US" dirty="0" smtClean="0"/>
-              <a:t>new </a:t>
+              <a:t>Why </a:t>
             </a:r>
             <a:r>
               <a:rPr lang="en-US" dirty="0"/>
-              <a:t>classes have different set of attributes </a:t>
+              <a:t>might partitioning be necessary? </a:t>
             </a:r>
           </a:p>
           <a:p>
             <a:r>
               <a:rPr lang="en-US" dirty="0" smtClean="0"/>
-              <a:t>needs </a:t>
+              <a:t>What </a:t>
             </a:r>
             <a:r>
               <a:rPr lang="en-US" dirty="0"/>
-              <a:t>join operation to retrieve original set of instances </a:t>
-            </a:r>
+              <a:t>do you have to consider before partitioning – how do you decide? </a:t>
+            </a:r>
+          </a:p>
+          <a:p>
             <a:endParaRPr lang="de-AT" dirty="0"/>
           </a:p>
         </p:txBody>
@@ -10038,7 +10024,7 @@
     </p:spTree>
     <p:extLst>
       <p:ext uri="{BB962C8B-B14F-4D97-AF65-F5344CB8AC3E}">
-        <p14:creationId xmlns:p14="http://schemas.microsoft.com/office/powerpoint/2010/main" val="1457252602"/>
+        <p14:creationId xmlns:p14="http://schemas.microsoft.com/office/powerpoint/2010/main" val="4170754018"/>
       </p:ext>
     </p:extLst>
   </p:cSld>
@@ -10088,12 +10074,20 @@
           <a:lstStyle/>
           <a:p>
             <a:r>
-              <a:rPr lang="de-AT" dirty="0" smtClean="0"/>
-              <a:t>Horizontal </a:t>
+              <a:rPr lang="de-AT" dirty="0" err="1" smtClean="0"/>
+              <a:t>Vertical</a:t>
+            </a:r>
+            <a:r>
+              <a:rPr lang="de-AT" dirty="0" smtClean="0"/>
+              <a:t> </a:t>
             </a:r>
             <a:r>
               <a:rPr lang="de-AT" dirty="0" err="1" smtClean="0"/>
               <a:t>partitioning</a:t>
+            </a:r>
+            <a:r>
+              <a:rPr lang="de-AT" dirty="0" smtClean="0"/>
+              <a:t>(1/2)</a:t>
             </a:r>
             <a:endParaRPr lang="de-AT" dirty="0"/>
           </a:p>
@@ -10116,9 +10110,8 @@
           <a:p>
             <a:r>
               <a:rPr lang="en-US" dirty="0"/>
-              <a:t>split class horizontally </a:t>
-            </a:r>
-            <a:endParaRPr lang="en-US" dirty="0" smtClean="0"/>
+              <a:t>split class vertically </a:t>
+            </a:r>
           </a:p>
           <a:p>
             <a:r>
@@ -10127,17 +10120,7 @@
             </a:r>
             <a:r>
               <a:rPr lang="en-US" dirty="0"/>
-              <a:t>classes have same set of attributes </a:t>
-            </a:r>
-          </a:p>
-          <a:p>
-            <a:r>
-              <a:rPr lang="en-US" dirty="0" smtClean="0"/>
-              <a:t>multiplication </a:t>
-            </a:r>
-            <a:r>
-              <a:rPr lang="en-US" dirty="0"/>
-              <a:t>of original associations required </a:t>
+              <a:t>classes have different set of attributes </a:t>
             </a:r>
           </a:p>
           <a:p>
@@ -10147,7 +10130,7 @@
             </a:r>
             <a:r>
               <a:rPr lang="en-US" dirty="0"/>
-              <a:t>union operation to retrieve original set of instances </a:t>
+              <a:t>join operation to retrieve original set of instances </a:t>
             </a:r>
             <a:endParaRPr lang="de-AT" dirty="0"/>
           </a:p>
@@ -10156,7 +10139,7 @@
     </p:spTree>
     <p:extLst>
       <p:ext uri="{BB962C8B-B14F-4D97-AF65-F5344CB8AC3E}">
-        <p14:creationId xmlns:p14="http://schemas.microsoft.com/office/powerpoint/2010/main" val="1628158091"/>
+        <p14:creationId xmlns:p14="http://schemas.microsoft.com/office/powerpoint/2010/main" val="1457252602"/>
       </p:ext>
     </p:extLst>
   </p:cSld>
@@ -10523,6 +10506,124 @@
 </file>
 
 <file path=ppt/slides/slide30.xml><?xml version="1.0" encoding="utf-8"?>
+<p:sld xmlns:a="http://schemas.openxmlformats.org/drawingml/2006/main" xmlns:r="http://schemas.openxmlformats.org/officeDocument/2006/relationships" xmlns:p="http://schemas.openxmlformats.org/presentationml/2006/main">
+  <p:cSld>
+    <p:spTree>
+      <p:nvGrpSpPr>
+        <p:cNvPr id="1" name=""/>
+        <p:cNvGrpSpPr/>
+        <p:nvPr/>
+      </p:nvGrpSpPr>
+      <p:grpSpPr>
+        <a:xfrm>
+          <a:off x="0" y="0"/>
+          <a:ext cx="0" cy="0"/>
+          <a:chOff x="0" y="0"/>
+          <a:chExt cx="0" cy="0"/>
+        </a:xfrm>
+      </p:grpSpPr>
+      <p:sp>
+        <p:nvSpPr>
+          <p:cNvPr id="2" name="Titel 1"/>
+          <p:cNvSpPr>
+            <a:spLocks noGrp="1"/>
+          </p:cNvSpPr>
+          <p:nvPr>
+            <p:ph type="title"/>
+          </p:nvPr>
+        </p:nvSpPr>
+        <p:spPr/>
+        <p:txBody>
+          <a:bodyPr/>
+          <a:lstStyle/>
+          <a:p>
+            <a:r>
+              <a:rPr lang="de-AT" dirty="0" smtClean="0"/>
+              <a:t>Horizontal </a:t>
+            </a:r>
+            <a:r>
+              <a:rPr lang="de-AT" dirty="0" err="1" smtClean="0"/>
+              <a:t>partitioning</a:t>
+            </a:r>
+            <a:endParaRPr lang="de-AT" dirty="0"/>
+          </a:p>
+        </p:txBody>
+      </p:sp>
+      <p:sp>
+        <p:nvSpPr>
+          <p:cNvPr id="3" name="Inhaltsplatzhalter 2"/>
+          <p:cNvSpPr>
+            <a:spLocks noGrp="1"/>
+          </p:cNvSpPr>
+          <p:nvPr>
+            <p:ph sz="quarter" idx="1"/>
+          </p:nvPr>
+        </p:nvSpPr>
+        <p:spPr/>
+        <p:txBody>
+          <a:bodyPr/>
+          <a:lstStyle/>
+          <a:p>
+            <a:r>
+              <a:rPr lang="en-US" dirty="0"/>
+              <a:t>split class horizontally </a:t>
+            </a:r>
+            <a:endParaRPr lang="en-US" dirty="0" smtClean="0"/>
+          </a:p>
+          <a:p>
+            <a:r>
+              <a:rPr lang="en-US" dirty="0" smtClean="0"/>
+              <a:t>new </a:t>
+            </a:r>
+            <a:r>
+              <a:rPr lang="en-US" dirty="0"/>
+              <a:t>classes have same set of attributes </a:t>
+            </a:r>
+          </a:p>
+          <a:p>
+            <a:r>
+              <a:rPr lang="en-US" dirty="0" smtClean="0"/>
+              <a:t>multiplication </a:t>
+            </a:r>
+            <a:r>
+              <a:rPr lang="en-US" dirty="0"/>
+              <a:t>of original associations required </a:t>
+            </a:r>
+          </a:p>
+          <a:p>
+            <a:r>
+              <a:rPr lang="en-US" dirty="0" smtClean="0"/>
+              <a:t>needs </a:t>
+            </a:r>
+            <a:r>
+              <a:rPr lang="en-US" dirty="0"/>
+              <a:t>union operation to retrieve original set of instances </a:t>
+            </a:r>
+            <a:endParaRPr lang="de-AT" dirty="0"/>
+          </a:p>
+        </p:txBody>
+      </p:sp>
+    </p:spTree>
+    <p:extLst>
+      <p:ext uri="{BB962C8B-B14F-4D97-AF65-F5344CB8AC3E}">
+        <p14:creationId xmlns:p14="http://schemas.microsoft.com/office/powerpoint/2010/main" val="1628158091"/>
+      </p:ext>
+    </p:extLst>
+  </p:cSld>
+  <p:clrMapOvr>
+    <a:masterClrMapping/>
+  </p:clrMapOvr>
+  <p:timing>
+    <p:tnLst>
+      <p:par>
+        <p:cTn id="1" dur="indefinite" restart="never" nodeType="tmRoot"/>
+      </p:par>
+    </p:tnLst>
+  </p:timing>
+</p:sld>
+</file>
+
+<file path=ppt/slides/slide31.xml><?xml version="1.0" encoding="utf-8"?>
 <p:sld xmlns:a="http://schemas.openxmlformats.org/drawingml/2006/main" xmlns:r="http://schemas.openxmlformats.org/officeDocument/2006/relationships" xmlns:p="http://schemas.openxmlformats.org/presentationml/2006/main">
   <p:cSld>
     <p:spTree>
@@ -10649,7 +10750,7 @@
 </p:sld>
 </file>
 
-<file path=ppt/slides/slide31.xml><?xml version="1.0" encoding="utf-8"?>
+<file path=ppt/slides/slide32.xml><?xml version="1.0" encoding="utf-8"?>
 <p:sld xmlns:a="http://schemas.openxmlformats.org/drawingml/2006/main" xmlns:r="http://schemas.openxmlformats.org/officeDocument/2006/relationships" xmlns:p="http://schemas.openxmlformats.org/presentationml/2006/main">
   <p:cSld>
     <p:spTree>
@@ -10814,7 +10915,7 @@
 </p:sld>
 </file>
 
-<file path=ppt/slides/slide32.xml><?xml version="1.0" encoding="utf-8"?>
+<file path=ppt/slides/slide33.xml><?xml version="1.0" encoding="utf-8"?>
 <p:sld xmlns:a="http://schemas.openxmlformats.org/drawingml/2006/main" xmlns:r="http://schemas.openxmlformats.org/officeDocument/2006/relationships" xmlns:p="http://schemas.openxmlformats.org/presentationml/2006/main">
   <p:cSld>
     <p:spTree>
@@ -11428,11 +11529,7 @@
             </a:r>
             <a:r>
               <a:rPr lang="de-AT" dirty="0" smtClean="0"/>
-              <a:t>: </a:t>
-            </a:r>
-            <a:r>
-              <a:rPr lang="de-AT" dirty="0" smtClean="0"/>
-              <a:t>(</a:t>
+              <a:t>: (</a:t>
             </a:r>
             <a:r>
               <a:rPr lang="de-AT" dirty="0" err="1" smtClean="0"/>
@@ -11498,6 +11595,193 @@
 </file>
 
 <file path=ppt/slides/slide7.xml><?xml version="1.0" encoding="utf-8"?>
+<p:sld xmlns:a="http://schemas.openxmlformats.org/drawingml/2006/main" xmlns:r="http://schemas.openxmlformats.org/officeDocument/2006/relationships" xmlns:p="http://schemas.openxmlformats.org/presentationml/2006/main">
+  <p:cSld>
+    <p:spTree>
+      <p:nvGrpSpPr>
+        <p:cNvPr id="1" name=""/>
+        <p:cNvGrpSpPr/>
+        <p:nvPr/>
+      </p:nvGrpSpPr>
+      <p:grpSpPr>
+        <a:xfrm>
+          <a:off x="0" y="0"/>
+          <a:ext cx="0" cy="0"/>
+          <a:chOff x="0" y="0"/>
+          <a:chExt cx="0" cy="0"/>
+        </a:xfrm>
+      </p:grpSpPr>
+      <p:sp>
+        <p:nvSpPr>
+          <p:cNvPr id="2" name="Titel 1"/>
+          <p:cNvSpPr>
+            <a:spLocks noGrp="1"/>
+          </p:cNvSpPr>
+          <p:nvPr>
+            <p:ph type="title"/>
+          </p:nvPr>
+        </p:nvSpPr>
+        <p:spPr/>
+        <p:txBody>
+          <a:bodyPr>
+            <a:normAutofit fontScale="90000"/>
+          </a:bodyPr>
+          <a:lstStyle/>
+          <a:p>
+            <a:r>
+              <a:rPr lang="de-AT" dirty="0" err="1"/>
+              <a:t>scenarios</a:t>
+            </a:r>
+            <a:r>
+              <a:rPr lang="de-AT" dirty="0"/>
+              <a:t> </a:t>
+            </a:r>
+            <a:r>
+              <a:rPr lang="de-AT" dirty="0" err="1"/>
+              <a:t>and</a:t>
+            </a:r>
+            <a:r>
+              <a:rPr lang="de-AT" dirty="0"/>
+              <a:t> </a:t>
+            </a:r>
+            <a:r>
+              <a:rPr lang="de-AT" dirty="0" err="1"/>
+              <a:t>interschema</a:t>
+            </a:r>
+            <a:r>
+              <a:rPr lang="de-AT" dirty="0"/>
+              <a:t> </a:t>
+            </a:r>
+            <a:r>
+              <a:rPr lang="de-AT" dirty="0" err="1"/>
+              <a:t>properties</a:t>
+            </a:r>
+            <a:endParaRPr lang="de-AT" dirty="0"/>
+          </a:p>
+        </p:txBody>
+      </p:sp>
+      <p:pic>
+        <p:nvPicPr>
+          <p:cNvPr id="1027" name="Picture 3"/>
+          <p:cNvPicPr>
+            <a:picLocks noChangeAspect="1" noChangeArrowheads="1"/>
+          </p:cNvPicPr>
+          <p:nvPr/>
+        </p:nvPicPr>
+        <p:blipFill>
+          <a:blip r:embed="rId2">
+            <a:extLst>
+              <a:ext uri="{28A0092B-C50C-407E-A947-70E740481C1C}">
+                <a14:useLocalDpi xmlns:a14="http://schemas.microsoft.com/office/drawing/2010/main" val="0"/>
+              </a:ext>
+            </a:extLst>
+          </a:blip>
+          <a:srcRect/>
+          <a:stretch>
+            <a:fillRect/>
+          </a:stretch>
+        </p:blipFill>
+        <p:spPr bwMode="auto">
+          <a:xfrm>
+            <a:off x="683568" y="1772816"/>
+            <a:ext cx="3156570" cy="4713135"/>
+          </a:xfrm>
+          <a:prstGeom prst="rect">
+            <a:avLst/>
+          </a:prstGeom>
+          <a:noFill/>
+          <a:ln>
+            <a:noFill/>
+          </a:ln>
+          <a:extLst>
+            <a:ext uri="{909E8E84-426E-40DD-AFC4-6F175D3DCCD1}">
+              <a14:hiddenFill xmlns:a14="http://schemas.microsoft.com/office/drawing/2010/main">
+                <a:solidFill>
+                  <a:schemeClr val="accent1"/>
+                </a:solidFill>
+              </a14:hiddenFill>
+            </a:ext>
+            <a:ext uri="{91240B29-F687-4F45-9708-019B960494DF}">
+              <a14:hiddenLine xmlns:a14="http://schemas.microsoft.com/office/drawing/2010/main" w="9525">
+                <a:solidFill>
+                  <a:schemeClr val="tx1"/>
+                </a:solidFill>
+                <a:miter lim="800000"/>
+                <a:headEnd/>
+                <a:tailEnd/>
+              </a14:hiddenLine>
+            </a:ext>
+          </a:extLst>
+        </p:spPr>
+      </p:pic>
+      <p:pic>
+        <p:nvPicPr>
+          <p:cNvPr id="1028" name="Picture 4"/>
+          <p:cNvPicPr>
+            <a:picLocks noChangeAspect="1" noChangeArrowheads="1"/>
+          </p:cNvPicPr>
+          <p:nvPr/>
+        </p:nvPicPr>
+        <p:blipFill>
+          <a:blip r:embed="rId3">
+            <a:extLst>
+              <a:ext uri="{28A0092B-C50C-407E-A947-70E740481C1C}">
+                <a14:useLocalDpi xmlns:a14="http://schemas.microsoft.com/office/drawing/2010/main" val="0"/>
+              </a:ext>
+            </a:extLst>
+          </a:blip>
+          <a:srcRect/>
+          <a:stretch>
+            <a:fillRect/>
+          </a:stretch>
+        </p:blipFill>
+        <p:spPr bwMode="auto">
+          <a:xfrm>
+            <a:off x="4355976" y="1787716"/>
+            <a:ext cx="4169295" cy="4698235"/>
+          </a:xfrm>
+          <a:prstGeom prst="rect">
+            <a:avLst/>
+          </a:prstGeom>
+          <a:noFill/>
+          <a:ln>
+            <a:noFill/>
+          </a:ln>
+          <a:extLst>
+            <a:ext uri="{909E8E84-426E-40DD-AFC4-6F175D3DCCD1}">
+              <a14:hiddenFill xmlns:a14="http://schemas.microsoft.com/office/drawing/2010/main">
+                <a:solidFill>
+                  <a:schemeClr val="accent1"/>
+                </a:solidFill>
+              </a14:hiddenFill>
+            </a:ext>
+            <a:ext uri="{91240B29-F687-4F45-9708-019B960494DF}">
+              <a14:hiddenLine xmlns:a14="http://schemas.microsoft.com/office/drawing/2010/main" w="9525">
+                <a:solidFill>
+                  <a:schemeClr val="tx1"/>
+                </a:solidFill>
+                <a:miter lim="800000"/>
+                <a:headEnd/>
+                <a:tailEnd/>
+              </a14:hiddenLine>
+            </a:ext>
+          </a:extLst>
+        </p:spPr>
+      </p:pic>
+    </p:spTree>
+    <p:extLst>
+      <p:ext uri="{BB962C8B-B14F-4D97-AF65-F5344CB8AC3E}">
+        <p14:creationId xmlns:p14="http://schemas.microsoft.com/office/powerpoint/2010/main" val="680704576"/>
+      </p:ext>
+    </p:extLst>
+  </p:cSld>
+  <p:clrMapOvr>
+    <a:masterClrMapping/>
+  </p:clrMapOvr>
+</p:sld>
+</file>
+
+<file path=ppt/slides/slide8.xml><?xml version="1.0" encoding="utf-8"?>
 <p:sld xmlns:a="http://schemas.openxmlformats.org/drawingml/2006/main" xmlns:r="http://schemas.openxmlformats.org/officeDocument/2006/relationships" xmlns:p="http://schemas.openxmlformats.org/presentationml/2006/main">
   <p:cSld>
     <p:spTree>
@@ -11611,7 +11895,7 @@
 </p:sld>
 </file>
 
-<file path=ppt/slides/slide8.xml><?xml version="1.0" encoding="utf-8"?>
+<file path=ppt/slides/slide9.xml><?xml version="1.0" encoding="utf-8"?>
 <p:sld xmlns:a="http://schemas.openxmlformats.org/drawingml/2006/main" xmlns:r="http://schemas.openxmlformats.org/officeDocument/2006/relationships" xmlns:p="http://schemas.openxmlformats.org/presentationml/2006/main">
   <p:cSld>
     <p:spTree>
@@ -11911,106 +12195,6 @@
     <p:extLst>
       <p:ext uri="{BB962C8B-B14F-4D97-AF65-F5344CB8AC3E}">
         <p14:creationId xmlns:p14="http://schemas.microsoft.com/office/powerpoint/2010/main" val="4027580963"/>
-      </p:ext>
-    </p:extLst>
-  </p:cSld>
-  <p:clrMapOvr>
-    <a:masterClrMapping/>
-  </p:clrMapOvr>
-</p:sld>
-</file>
-
-<file path=ppt/slides/slide9.xml><?xml version="1.0" encoding="utf-8"?>
-<p:sld xmlns:a="http://schemas.openxmlformats.org/drawingml/2006/main" xmlns:r="http://schemas.openxmlformats.org/officeDocument/2006/relationships" xmlns:p="http://schemas.openxmlformats.org/presentationml/2006/main">
-  <p:cSld>
-    <p:spTree>
-      <p:nvGrpSpPr>
-        <p:cNvPr id="1" name=""/>
-        <p:cNvGrpSpPr/>
-        <p:nvPr/>
-      </p:nvGrpSpPr>
-      <p:grpSpPr>
-        <a:xfrm>
-          <a:off x="0" y="0"/>
-          <a:ext cx="0" cy="0"/>
-          <a:chOff x="0" y="0"/>
-          <a:chExt cx="0" cy="0"/>
-        </a:xfrm>
-      </p:grpSpPr>
-      <p:sp>
-        <p:nvSpPr>
-          <p:cNvPr id="2" name="Titel 1"/>
-          <p:cNvSpPr>
-            <a:spLocks noGrp="1"/>
-          </p:cNvSpPr>
-          <p:nvPr>
-            <p:ph type="title"/>
-          </p:nvPr>
-        </p:nvSpPr>
-        <p:spPr/>
-        <p:txBody>
-          <a:bodyPr>
-            <a:normAutofit/>
-          </a:bodyPr>
-          <a:lstStyle/>
-          <a:p>
-            <a:r>
-              <a:rPr lang="de-AT" dirty="0" err="1" smtClean="0"/>
-              <a:t>Exercise</a:t>
-            </a:r>
-            <a:r>
-              <a:rPr lang="de-AT" dirty="0" smtClean="0"/>
-              <a:t> 2 – </a:t>
-            </a:r>
-            <a:r>
-              <a:rPr lang="de-AT" dirty="0" err="1" smtClean="0"/>
-              <a:t>Calculation</a:t>
-            </a:r>
-            <a:r>
-              <a:rPr lang="de-AT" dirty="0" smtClean="0"/>
-              <a:t> </a:t>
-            </a:r>
-            <a:r>
-              <a:rPr lang="de-AT" dirty="0" err="1" smtClean="0"/>
-              <a:t>rules</a:t>
-            </a:r>
-            <a:endParaRPr lang="de-AT" dirty="0"/>
-          </a:p>
-        </p:txBody>
-      </p:sp>
-      <p:pic>
-        <p:nvPicPr>
-          <p:cNvPr id="4" name="Inhaltsplatzhalter 3"/>
-          <p:cNvPicPr>
-            <a:picLocks noGrp="1" noChangeAspect="1"/>
-          </p:cNvPicPr>
-          <p:nvPr>
-            <p:ph sz="quarter" idx="1"/>
-          </p:nvPr>
-        </p:nvPicPr>
-        <p:blipFill>
-          <a:blip r:embed="rId2">
-            <a:extLst>
-              <a:ext uri="{28A0092B-C50C-407E-A947-70E740481C1C}">
-                <a14:useLocalDpi xmlns:a14="http://schemas.microsoft.com/office/drawing/2010/main" val="0"/>
-              </a:ext>
-            </a:extLst>
-          </a:blip>
-          <a:stretch>
-            <a:fillRect/>
-          </a:stretch>
-        </p:blipFill>
-        <p:spPr>
-          <a:xfrm>
-            <a:off x="2213340" y="1600200"/>
-            <a:ext cx="4952270" cy="4495800"/>
-          </a:xfrm>
-        </p:spPr>
-      </p:pic>
-    </p:spTree>
-    <p:extLst>
-      <p:ext uri="{BB962C8B-B14F-4D97-AF65-F5344CB8AC3E}">
-        <p14:creationId xmlns:p14="http://schemas.microsoft.com/office/powerpoint/2010/main" val="3460682268"/>
       </p:ext>
     </p:extLst>
   </p:cSld>

--- a/Assignment_4.pptx
+++ b/Assignment_4.pptx
@@ -12,32 +12,33 @@
     <p:sldId id="289" r:id="rId6"/>
     <p:sldId id="271" r:id="rId7"/>
     <p:sldId id="290" r:id="rId8"/>
-    <p:sldId id="273" r:id="rId9"/>
-    <p:sldId id="285" r:id="rId10"/>
-    <p:sldId id="286" r:id="rId11"/>
-    <p:sldId id="274" r:id="rId12"/>
-    <p:sldId id="275" r:id="rId13"/>
-    <p:sldId id="276" r:id="rId14"/>
-    <p:sldId id="277" r:id="rId15"/>
-    <p:sldId id="278" r:id="rId16"/>
-    <p:sldId id="279" r:id="rId17"/>
-    <p:sldId id="280" r:id="rId18"/>
-    <p:sldId id="282" r:id="rId19"/>
-    <p:sldId id="281" r:id="rId20"/>
-    <p:sldId id="283" r:id="rId21"/>
-    <p:sldId id="257" r:id="rId22"/>
-    <p:sldId id="258" r:id="rId23"/>
-    <p:sldId id="259" r:id="rId24"/>
-    <p:sldId id="260" r:id="rId25"/>
-    <p:sldId id="261" r:id="rId26"/>
-    <p:sldId id="262" r:id="rId27"/>
-    <p:sldId id="263" r:id="rId28"/>
-    <p:sldId id="264" r:id="rId29"/>
-    <p:sldId id="265" r:id="rId30"/>
-    <p:sldId id="266" r:id="rId31"/>
-    <p:sldId id="267" r:id="rId32"/>
-    <p:sldId id="268" r:id="rId33"/>
-    <p:sldId id="269" r:id="rId34"/>
+    <p:sldId id="291" r:id="rId9"/>
+    <p:sldId id="273" r:id="rId10"/>
+    <p:sldId id="285" r:id="rId11"/>
+    <p:sldId id="286" r:id="rId12"/>
+    <p:sldId id="274" r:id="rId13"/>
+    <p:sldId id="275" r:id="rId14"/>
+    <p:sldId id="276" r:id="rId15"/>
+    <p:sldId id="277" r:id="rId16"/>
+    <p:sldId id="278" r:id="rId17"/>
+    <p:sldId id="279" r:id="rId18"/>
+    <p:sldId id="280" r:id="rId19"/>
+    <p:sldId id="282" r:id="rId20"/>
+    <p:sldId id="281" r:id="rId21"/>
+    <p:sldId id="283" r:id="rId22"/>
+    <p:sldId id="257" r:id="rId23"/>
+    <p:sldId id="258" r:id="rId24"/>
+    <p:sldId id="259" r:id="rId25"/>
+    <p:sldId id="260" r:id="rId26"/>
+    <p:sldId id="261" r:id="rId27"/>
+    <p:sldId id="262" r:id="rId28"/>
+    <p:sldId id="263" r:id="rId29"/>
+    <p:sldId id="264" r:id="rId30"/>
+    <p:sldId id="265" r:id="rId31"/>
+    <p:sldId id="266" r:id="rId32"/>
+    <p:sldId id="267" r:id="rId33"/>
+    <p:sldId id="268" r:id="rId34"/>
+    <p:sldId id="269" r:id="rId35"/>
   </p:sldIdLst>
   <p:sldSz cx="9144000" cy="6858000" type="screen4x3"/>
   <p:notesSz cx="6858000" cy="9144000"/>
@@ -430,7 +431,7 @@
           <a:p>
             <a:fld id="{1BA50D42-C9CD-4801-B293-61D1F53EC57E}" type="datetimeFigureOut">
               <a:rPr lang="de-DE" smtClean="0"/>
-              <a:t>15.04.2016</a:t>
+              <a:t>18.04.2016</a:t>
             </a:fld>
             <a:endParaRPr lang="de-DE"/>
           </a:p>
@@ -621,7 +622,7 @@
           <a:p>
             <a:fld id="{1BA50D42-C9CD-4801-B293-61D1F53EC57E}" type="datetimeFigureOut">
               <a:rPr lang="de-DE" smtClean="0"/>
-              <a:t>15.04.2016</a:t>
+              <a:t>18.04.2016</a:t>
             </a:fld>
             <a:endParaRPr lang="de-DE"/>
           </a:p>
@@ -806,7 +807,7 @@
           <a:p>
             <a:fld id="{1BA50D42-C9CD-4801-B293-61D1F53EC57E}" type="datetimeFigureOut">
               <a:rPr lang="de-DE" smtClean="0"/>
-              <a:t>15.04.2016</a:t>
+              <a:t>18.04.2016</a:t>
             </a:fld>
             <a:endParaRPr lang="de-DE"/>
           </a:p>
@@ -1069,7 +1070,7 @@
           <a:p>
             <a:fld id="{1BA50D42-C9CD-4801-B293-61D1F53EC57E}" type="datetimeFigureOut">
               <a:rPr lang="de-DE" smtClean="0"/>
-              <a:t>15.04.2016</a:t>
+              <a:t>18.04.2016</a:t>
             </a:fld>
             <a:endParaRPr lang="de-DE"/>
           </a:p>
@@ -1485,7 +1486,7 @@
           <a:p>
             <a:fld id="{1BA50D42-C9CD-4801-B293-61D1F53EC57E}" type="datetimeFigureOut">
               <a:rPr lang="de-DE" smtClean="0"/>
-              <a:t>15.04.2016</a:t>
+              <a:t>18.04.2016</a:t>
             </a:fld>
             <a:endParaRPr lang="de-DE"/>
           </a:p>
@@ -1727,7 +1728,7 @@
           <a:p>
             <a:fld id="{1BA50D42-C9CD-4801-B293-61D1F53EC57E}" type="datetimeFigureOut">
               <a:rPr lang="de-DE" smtClean="0"/>
-              <a:t>15.04.2016</a:t>
+              <a:t>18.04.2016</a:t>
             </a:fld>
             <a:endParaRPr lang="de-DE"/>
           </a:p>
@@ -1963,7 +1964,7 @@
           <a:p>
             <a:fld id="{1BA50D42-C9CD-4801-B293-61D1F53EC57E}" type="datetimeFigureOut">
               <a:rPr lang="de-DE" smtClean="0"/>
-              <a:t>15.04.2016</a:t>
+              <a:t>18.04.2016</a:t>
             </a:fld>
             <a:endParaRPr lang="de-DE"/>
           </a:p>
@@ -2158,7 +2159,7 @@
           <a:p>
             <a:fld id="{1BA50D42-C9CD-4801-B293-61D1F53EC57E}" type="datetimeFigureOut">
               <a:rPr lang="de-DE" smtClean="0"/>
-              <a:t>15.04.2016</a:t>
+              <a:t>18.04.2016</a:t>
             </a:fld>
             <a:endParaRPr lang="de-DE"/>
           </a:p>
@@ -2256,7 +2257,7 @@
           <a:p>
             <a:fld id="{1BA50D42-C9CD-4801-B293-61D1F53EC57E}" type="datetimeFigureOut">
               <a:rPr lang="de-DE" smtClean="0"/>
-              <a:t>15.04.2016</a:t>
+              <a:t>18.04.2016</a:t>
             </a:fld>
             <a:endParaRPr lang="de-DE"/>
           </a:p>
@@ -2392,7 +2393,7 @@
           <a:p>
             <a:fld id="{1BA50D42-C9CD-4801-B293-61D1F53EC57E}" type="datetimeFigureOut">
               <a:rPr lang="de-DE" smtClean="0"/>
-              <a:t>15.04.2016</a:t>
+              <a:t>18.04.2016</a:t>
             </a:fld>
             <a:endParaRPr lang="de-DE"/>
           </a:p>
@@ -2910,7 +2911,7 @@
           <a:p>
             <a:fld id="{1BA50D42-C9CD-4801-B293-61D1F53EC57E}" type="datetimeFigureOut">
               <a:rPr lang="de-DE" smtClean="0"/>
-              <a:t>15.04.2016</a:t>
+              <a:t>18.04.2016</a:t>
             </a:fld>
             <a:endParaRPr lang="de-DE"/>
           </a:p>
@@ -3171,7 +3172,7 @@
           <a:p>
             <a:fld id="{1BA50D42-C9CD-4801-B293-61D1F53EC57E}" type="datetimeFigureOut">
               <a:rPr lang="de-DE" smtClean="0"/>
-              <a:t>15.04.2016</a:t>
+              <a:t>18.04.2016</a:t>
             </a:fld>
             <a:endParaRPr lang="de-DE"/>
           </a:p>
@@ -3803,6 +3804,315 @@
         <p:spPr/>
         <p:txBody>
           <a:bodyPr>
+            <a:normAutofit fontScale="90000"/>
+          </a:bodyPr>
+          <a:lstStyle/>
+          <a:p>
+            <a:r>
+              <a:rPr lang="de-AT" dirty="0" err="1" smtClean="0"/>
+              <a:t>Exercise</a:t>
+            </a:r>
+            <a:r>
+              <a:rPr lang="de-AT" dirty="0" smtClean="0"/>
+              <a:t> 2 – </a:t>
+            </a:r>
+            <a:br>
+              <a:rPr lang="de-AT" dirty="0" smtClean="0"/>
+            </a:br>
+            <a:r>
+              <a:rPr lang="de-AT" dirty="0" smtClean="0"/>
+              <a:t>Determination </a:t>
+            </a:r>
+            <a:r>
+              <a:rPr lang="de-AT" dirty="0" err="1" smtClean="0"/>
+              <a:t>of</a:t>
+            </a:r>
+            <a:r>
+              <a:rPr lang="de-AT" dirty="0" smtClean="0"/>
+              <a:t> </a:t>
+            </a:r>
+            <a:r>
+              <a:rPr lang="de-AT" dirty="0" err="1" smtClean="0"/>
+              <a:t>Quantities</a:t>
+            </a:r>
+            <a:endParaRPr lang="de-AT" dirty="0"/>
+          </a:p>
+        </p:txBody>
+      </p:sp>
+      <p:pic>
+        <p:nvPicPr>
+          <p:cNvPr id="4" name="Inhaltsplatzhalter 3"/>
+          <p:cNvPicPr>
+            <a:picLocks noGrp="1" noChangeAspect="1"/>
+          </p:cNvPicPr>
+          <p:nvPr>
+            <p:ph sz="quarter" idx="1"/>
+          </p:nvPr>
+        </p:nvPicPr>
+        <p:blipFill>
+          <a:blip r:embed="rId2">
+            <a:extLst>
+              <a:ext uri="{28A0092B-C50C-407E-A947-70E740481C1C}">
+                <a14:useLocalDpi xmlns:a14="http://schemas.microsoft.com/office/drawing/2010/main" val="0"/>
+              </a:ext>
+            </a:extLst>
+          </a:blip>
+          <a:stretch>
+            <a:fillRect/>
+          </a:stretch>
+        </p:blipFill>
+        <p:spPr>
+          <a:xfrm>
+            <a:off x="1979712" y="1844824"/>
+            <a:ext cx="5468114" cy="895475"/>
+          </a:xfrm>
+        </p:spPr>
+      </p:pic>
+      <p:sp>
+        <p:nvSpPr>
+          <p:cNvPr id="5" name="Textfeld 4"/>
+          <p:cNvSpPr txBox="1"/>
+          <p:nvPr/>
+        </p:nvSpPr>
+        <p:spPr>
+          <a:xfrm>
+            <a:off x="899592" y="2924944"/>
+            <a:ext cx="7344816" cy="1477328"/>
+          </a:xfrm>
+          <a:prstGeom prst="rect">
+            <a:avLst/>
+          </a:prstGeom>
+          <a:noFill/>
+        </p:spPr>
+        <p:txBody>
+          <a:bodyPr wrap="square" rtlCol="0">
+            <a:spAutoFit/>
+          </a:bodyPr>
+          <a:lstStyle/>
+          <a:p>
+            <a:r>
+              <a:rPr lang="de-AT" dirty="0" smtClean="0"/>
+              <a:t>N(C</a:t>
+            </a:r>
+            <a:r>
+              <a:rPr lang="de-AT" dirty="0"/>
+              <a:t>) = </a:t>
+            </a:r>
+            <a:r>
+              <a:rPr lang="de-AT" dirty="0" err="1" smtClean="0"/>
+              <a:t>average</a:t>
+            </a:r>
+            <a:r>
+              <a:rPr lang="de-AT" dirty="0" smtClean="0"/>
+              <a:t> </a:t>
+            </a:r>
+            <a:r>
+              <a:rPr lang="de-AT" dirty="0" err="1" smtClean="0"/>
+              <a:t>number</a:t>
+            </a:r>
+            <a:r>
+              <a:rPr lang="de-AT" dirty="0" smtClean="0"/>
+              <a:t> </a:t>
+            </a:r>
+            <a:r>
+              <a:rPr lang="de-AT" dirty="0" err="1" smtClean="0"/>
+              <a:t>of</a:t>
+            </a:r>
+            <a:r>
+              <a:rPr lang="de-AT" dirty="0" smtClean="0"/>
+              <a:t> </a:t>
+            </a:r>
+            <a:r>
+              <a:rPr lang="de-AT" dirty="0" err="1" smtClean="0"/>
+              <a:t>instances</a:t>
+            </a:r>
+            <a:r>
+              <a:rPr lang="de-AT" dirty="0" smtClean="0"/>
+              <a:t> per </a:t>
+            </a:r>
+            <a:r>
+              <a:rPr lang="de-AT" dirty="0" err="1" smtClean="0"/>
+              <a:t>class</a:t>
+            </a:r>
+            <a:endParaRPr lang="de-AT" dirty="0"/>
+          </a:p>
+          <a:p>
+            <a:r>
+              <a:rPr lang="de-AT" dirty="0" smtClean="0"/>
+              <a:t>N(A</a:t>
+            </a:r>
+            <a:r>
+              <a:rPr lang="de-AT" dirty="0"/>
+              <a:t>) = </a:t>
+            </a:r>
+            <a:r>
+              <a:rPr lang="de-AT" dirty="0" err="1" smtClean="0"/>
+              <a:t>average</a:t>
+            </a:r>
+            <a:r>
+              <a:rPr lang="de-AT" dirty="0" smtClean="0"/>
+              <a:t> </a:t>
+            </a:r>
+            <a:r>
+              <a:rPr lang="de-AT" dirty="0" err="1" smtClean="0"/>
+              <a:t>number</a:t>
+            </a:r>
+            <a:r>
+              <a:rPr lang="de-AT" dirty="0" smtClean="0"/>
+              <a:t> </a:t>
+            </a:r>
+            <a:r>
+              <a:rPr lang="de-AT" dirty="0" err="1" smtClean="0"/>
+              <a:t>of</a:t>
+            </a:r>
+            <a:r>
+              <a:rPr lang="de-AT" dirty="0" smtClean="0"/>
+              <a:t> </a:t>
+            </a:r>
+            <a:r>
+              <a:rPr lang="de-AT" dirty="0" err="1" smtClean="0"/>
+              <a:t>association</a:t>
+            </a:r>
+            <a:r>
+              <a:rPr lang="de-AT" dirty="0" smtClean="0"/>
+              <a:t> </a:t>
+            </a:r>
+            <a:r>
+              <a:rPr lang="de-AT" dirty="0" err="1" smtClean="0"/>
+              <a:t>instances</a:t>
+            </a:r>
+            <a:r>
+              <a:rPr lang="de-AT" dirty="0" smtClean="0"/>
+              <a:t> per </a:t>
+            </a:r>
+            <a:r>
+              <a:rPr lang="de-AT" dirty="0" err="1" smtClean="0"/>
+              <a:t>association</a:t>
+            </a:r>
+            <a:endParaRPr lang="de-AT" dirty="0"/>
+          </a:p>
+          <a:p>
+            <a:r>
+              <a:rPr lang="de-AT" dirty="0" smtClean="0"/>
+              <a:t>N(C,A</a:t>
+            </a:r>
+            <a:r>
+              <a:rPr lang="de-AT" dirty="0"/>
+              <a:t>) = </a:t>
+            </a:r>
+            <a:r>
+              <a:rPr lang="de-AT" dirty="0" err="1" smtClean="0"/>
+              <a:t>average</a:t>
+            </a:r>
+            <a:r>
+              <a:rPr lang="de-AT" dirty="0" smtClean="0"/>
+              <a:t> </a:t>
+            </a:r>
+            <a:r>
+              <a:rPr lang="de-AT" dirty="0" err="1" smtClean="0"/>
+              <a:t>number</a:t>
+            </a:r>
+            <a:r>
+              <a:rPr lang="de-AT" dirty="0" smtClean="0"/>
+              <a:t> </a:t>
+            </a:r>
+            <a:r>
+              <a:rPr lang="de-AT" dirty="0" err="1" smtClean="0"/>
+              <a:t>of</a:t>
+            </a:r>
+            <a:r>
+              <a:rPr lang="de-AT" dirty="0" smtClean="0"/>
+              <a:t> </a:t>
+            </a:r>
+            <a:r>
+              <a:rPr lang="de-AT" dirty="0" err="1" smtClean="0"/>
+              <a:t>class</a:t>
+            </a:r>
+            <a:r>
+              <a:rPr lang="de-AT" dirty="0" smtClean="0"/>
+              <a:t> </a:t>
+            </a:r>
+            <a:r>
+              <a:rPr lang="de-AT" dirty="0" err="1" smtClean="0"/>
+              <a:t>instances</a:t>
+            </a:r>
+            <a:r>
+              <a:rPr lang="de-AT" dirty="0" smtClean="0"/>
+              <a:t> per </a:t>
+            </a:r>
+            <a:r>
+              <a:rPr lang="de-AT" dirty="0" err="1" smtClean="0"/>
+              <a:t>association</a:t>
+            </a:r>
+            <a:endParaRPr lang="de-AT" dirty="0" smtClean="0"/>
+          </a:p>
+          <a:p>
+            <a:endParaRPr lang="de-AT" dirty="0"/>
+          </a:p>
+          <a:p>
+            <a:r>
+              <a:rPr lang="de-AT" dirty="0"/>
+              <a:t>N(C1) x N(C1,A) </a:t>
+            </a:r>
+            <a:r>
+              <a:rPr lang="de-AT" dirty="0" smtClean="0"/>
+              <a:t>=	 N(A)  = 	N(C2</a:t>
+            </a:r>
+            <a:r>
+              <a:rPr lang="de-AT" dirty="0"/>
+              <a:t>) x N(C2,A</a:t>
+            </a:r>
+            <a:r>
+              <a:rPr lang="de-AT" dirty="0" smtClean="0"/>
+              <a:t>)</a:t>
+            </a:r>
+            <a:endParaRPr lang="de-AT" dirty="0"/>
+          </a:p>
+        </p:txBody>
+      </p:sp>
+    </p:spTree>
+    <p:extLst>
+      <p:ext uri="{BB962C8B-B14F-4D97-AF65-F5344CB8AC3E}">
+        <p14:creationId xmlns:p14="http://schemas.microsoft.com/office/powerpoint/2010/main" val="4027580963"/>
+      </p:ext>
+    </p:extLst>
+  </p:cSld>
+  <p:clrMapOvr>
+    <a:masterClrMapping/>
+  </p:clrMapOvr>
+</p:sld>
+</file>
+
+<file path=ppt/slides/slide11.xml><?xml version="1.0" encoding="utf-8"?>
+<p:sld xmlns:a="http://schemas.openxmlformats.org/drawingml/2006/main" xmlns:r="http://schemas.openxmlformats.org/officeDocument/2006/relationships" xmlns:p="http://schemas.openxmlformats.org/presentationml/2006/main">
+  <p:cSld>
+    <p:spTree>
+      <p:nvGrpSpPr>
+        <p:cNvPr id="1" name=""/>
+        <p:cNvGrpSpPr/>
+        <p:nvPr/>
+      </p:nvGrpSpPr>
+      <p:grpSpPr>
+        <a:xfrm>
+          <a:off x="0" y="0"/>
+          <a:ext cx="0" cy="0"/>
+          <a:chOff x="0" y="0"/>
+          <a:chExt cx="0" cy="0"/>
+        </a:xfrm>
+      </p:grpSpPr>
+      <p:sp>
+        <p:nvSpPr>
+          <p:cNvPr id="2" name="Titel 1"/>
+          <p:cNvSpPr>
+            <a:spLocks noGrp="1"/>
+          </p:cNvSpPr>
+          <p:nvPr>
+            <p:ph type="title"/>
+          </p:nvPr>
+        </p:nvSpPr>
+        <p:spPr/>
+        <p:txBody>
+          <a:bodyPr>
             <a:normAutofit/>
           </a:bodyPr>
           <a:lstStyle/>
@@ -3873,7 +4183,7 @@
 </p:sld>
 </file>
 
-<file path=ppt/slides/slide11.xml><?xml version="1.0" encoding="utf-8"?>
+<file path=ppt/slides/slide12.xml><?xml version="1.0" encoding="utf-8"?>
 <p:sld xmlns:a="http://schemas.openxmlformats.org/drawingml/2006/main" xmlns:r="http://schemas.openxmlformats.org/officeDocument/2006/relationships" xmlns:p="http://schemas.openxmlformats.org/presentationml/2006/main">
   <p:cSld>
     <p:spTree>
@@ -4223,98 +4533,6 @@
 </p:sld>
 </file>
 
-<file path=ppt/slides/slide12.xml><?xml version="1.0" encoding="utf-8"?>
-<p:sld xmlns:a="http://schemas.openxmlformats.org/drawingml/2006/main" xmlns:r="http://schemas.openxmlformats.org/officeDocument/2006/relationships" xmlns:p="http://schemas.openxmlformats.org/presentationml/2006/main">
-  <p:cSld>
-    <p:spTree>
-      <p:nvGrpSpPr>
-        <p:cNvPr id="1" name=""/>
-        <p:cNvGrpSpPr/>
-        <p:nvPr/>
-      </p:nvGrpSpPr>
-      <p:grpSpPr>
-        <a:xfrm>
-          <a:off x="0" y="0"/>
-          <a:ext cx="0" cy="0"/>
-          <a:chOff x="0" y="0"/>
-          <a:chExt cx="0" cy="0"/>
-        </a:xfrm>
-      </p:grpSpPr>
-      <p:sp>
-        <p:nvSpPr>
-          <p:cNvPr id="2" name="Titel 1"/>
-          <p:cNvSpPr>
-            <a:spLocks noGrp="1"/>
-          </p:cNvSpPr>
-          <p:nvPr>
-            <p:ph type="title"/>
-          </p:nvPr>
-        </p:nvSpPr>
-        <p:spPr/>
-        <p:txBody>
-          <a:bodyPr/>
-          <a:lstStyle/>
-          <a:p>
-            <a:r>
-              <a:rPr lang="de-AT" dirty="0" err="1" smtClean="0"/>
-              <a:t>Exercise</a:t>
-            </a:r>
-            <a:r>
-              <a:rPr lang="de-AT" dirty="0" smtClean="0"/>
-              <a:t> 2 - Navigation</a:t>
-            </a:r>
-            <a:endParaRPr lang="de-AT" dirty="0"/>
-          </a:p>
-        </p:txBody>
-      </p:sp>
-      <p:sp>
-        <p:nvSpPr>
-          <p:cNvPr id="3" name="Inhaltsplatzhalter 2"/>
-          <p:cNvSpPr>
-            <a:spLocks noGrp="1"/>
-          </p:cNvSpPr>
-          <p:nvPr>
-            <p:ph sz="quarter" idx="1"/>
-          </p:nvPr>
-        </p:nvSpPr>
-        <p:spPr/>
-        <p:txBody>
-          <a:bodyPr/>
-          <a:lstStyle/>
-          <a:p>
-            <a:r>
-              <a:rPr lang="en-GB" dirty="0" smtClean="0"/>
-              <a:t>To get the result of a query or to execute an operation, multiple entity types and relations might have to be accessed.</a:t>
-            </a:r>
-          </a:p>
-          <a:p>
-            <a:r>
-              <a:rPr lang="en-GB" dirty="0" smtClean="0"/>
-              <a:t>Navigation path shows, which entity types and relations are accessed and in which order.</a:t>
-            </a:r>
-          </a:p>
-          <a:p>
-            <a:r>
-              <a:rPr lang="en-GB" dirty="0" smtClean="0"/>
-              <a:t>Necessary for evaluating costs of database operations</a:t>
-            </a:r>
-            <a:endParaRPr lang="en-GB" dirty="0"/>
-          </a:p>
-        </p:txBody>
-      </p:sp>
-    </p:spTree>
-    <p:extLst>
-      <p:ext uri="{BB962C8B-B14F-4D97-AF65-F5344CB8AC3E}">
-        <p14:creationId xmlns:p14="http://schemas.microsoft.com/office/powerpoint/2010/main" val="1138079737"/>
-      </p:ext>
-    </p:extLst>
-  </p:cSld>
-  <p:clrMapOvr>
-    <a:masterClrMapping/>
-  </p:clrMapOvr>
-</p:sld>
-</file>
-
 <file path=ppt/slides/slide13.xml><?xml version="1.0" encoding="utf-8"?>
 <p:sld xmlns:a="http://schemas.openxmlformats.org/drawingml/2006/main" xmlns:r="http://schemas.openxmlformats.org/officeDocument/2006/relationships" xmlns:p="http://schemas.openxmlformats.org/presentationml/2006/main">
   <p:cSld>
@@ -4353,6 +4571,98 @@
             </a:r>
             <a:r>
               <a:rPr lang="de-AT" dirty="0" smtClean="0"/>
+              <a:t> 2 - Navigation</a:t>
+            </a:r>
+            <a:endParaRPr lang="de-AT" dirty="0"/>
+          </a:p>
+        </p:txBody>
+      </p:sp>
+      <p:sp>
+        <p:nvSpPr>
+          <p:cNvPr id="3" name="Inhaltsplatzhalter 2"/>
+          <p:cNvSpPr>
+            <a:spLocks noGrp="1"/>
+          </p:cNvSpPr>
+          <p:nvPr>
+            <p:ph sz="quarter" idx="1"/>
+          </p:nvPr>
+        </p:nvSpPr>
+        <p:spPr/>
+        <p:txBody>
+          <a:bodyPr/>
+          <a:lstStyle/>
+          <a:p>
+            <a:r>
+              <a:rPr lang="en-GB" dirty="0" smtClean="0"/>
+              <a:t>To get the result of a query or to execute an operation, multiple entity types and relations might have to be accessed.</a:t>
+            </a:r>
+          </a:p>
+          <a:p>
+            <a:r>
+              <a:rPr lang="en-GB" dirty="0" smtClean="0"/>
+              <a:t>Navigation path shows, which entity types and relations are accessed and in which order.</a:t>
+            </a:r>
+          </a:p>
+          <a:p>
+            <a:r>
+              <a:rPr lang="en-GB" dirty="0" smtClean="0"/>
+              <a:t>Necessary for evaluating costs of database operations</a:t>
+            </a:r>
+            <a:endParaRPr lang="en-GB" dirty="0"/>
+          </a:p>
+        </p:txBody>
+      </p:sp>
+    </p:spTree>
+    <p:extLst>
+      <p:ext uri="{BB962C8B-B14F-4D97-AF65-F5344CB8AC3E}">
+        <p14:creationId xmlns:p14="http://schemas.microsoft.com/office/powerpoint/2010/main" val="1138079737"/>
+      </p:ext>
+    </p:extLst>
+  </p:cSld>
+  <p:clrMapOvr>
+    <a:masterClrMapping/>
+  </p:clrMapOvr>
+</p:sld>
+</file>
+
+<file path=ppt/slides/slide14.xml><?xml version="1.0" encoding="utf-8"?>
+<p:sld xmlns:a="http://schemas.openxmlformats.org/drawingml/2006/main" xmlns:r="http://schemas.openxmlformats.org/officeDocument/2006/relationships" xmlns:p="http://schemas.openxmlformats.org/presentationml/2006/main">
+  <p:cSld>
+    <p:spTree>
+      <p:nvGrpSpPr>
+        <p:cNvPr id="1" name=""/>
+        <p:cNvGrpSpPr/>
+        <p:nvPr/>
+      </p:nvGrpSpPr>
+      <p:grpSpPr>
+        <a:xfrm>
+          <a:off x="0" y="0"/>
+          <a:ext cx="0" cy="0"/>
+          <a:chOff x="0" y="0"/>
+          <a:chExt cx="0" cy="0"/>
+        </a:xfrm>
+      </p:grpSpPr>
+      <p:sp>
+        <p:nvSpPr>
+          <p:cNvPr id="2" name="Titel 1"/>
+          <p:cNvSpPr>
+            <a:spLocks noGrp="1"/>
+          </p:cNvSpPr>
+          <p:nvPr>
+            <p:ph type="title"/>
+          </p:nvPr>
+        </p:nvSpPr>
+        <p:spPr/>
+        <p:txBody>
+          <a:bodyPr/>
+          <a:lstStyle/>
+          <a:p>
+            <a:r>
+              <a:rPr lang="de-AT" dirty="0" err="1" smtClean="0"/>
+              <a:t>Exercise</a:t>
+            </a:r>
+            <a:r>
+              <a:rPr lang="de-AT" dirty="0" smtClean="0"/>
               <a:t> 3 – </a:t>
             </a:r>
             <a:r>
@@ -4695,7 +5005,7 @@
 </p:sld>
 </file>
 
-<file path=ppt/slides/slide14.xml><?xml version="1.0" encoding="utf-8"?>
+<file path=ppt/slides/slide15.xml><?xml version="1.0" encoding="utf-8"?>
 <p:sld xmlns:a="http://schemas.openxmlformats.org/drawingml/2006/main" xmlns:r="http://schemas.openxmlformats.org/officeDocument/2006/relationships" xmlns:p="http://schemas.openxmlformats.org/presentationml/2006/main">
   <p:cSld>
     <p:spTree>
@@ -5082,7 +5392,7 @@
 </p:sld>
 </file>
 
-<file path=ppt/slides/slide15.xml><?xml version="1.0" encoding="utf-8"?>
+<file path=ppt/slides/slide16.xml><?xml version="1.0" encoding="utf-8"?>
 <p:sld xmlns:a="http://schemas.openxmlformats.org/drawingml/2006/main" xmlns:r="http://schemas.openxmlformats.org/officeDocument/2006/relationships" xmlns:p="http://schemas.openxmlformats.org/presentationml/2006/main">
   <p:cSld>
     <p:spTree>
@@ -5387,7 +5697,7 @@
 </p:sld>
 </file>
 
-<file path=ppt/slides/slide16.xml><?xml version="1.0" encoding="utf-8"?>
+<file path=ppt/slides/slide17.xml><?xml version="1.0" encoding="utf-8"?>
 <p:sld xmlns:a="http://schemas.openxmlformats.org/drawingml/2006/main" xmlns:r="http://schemas.openxmlformats.org/officeDocument/2006/relationships" xmlns:p="http://schemas.openxmlformats.org/presentationml/2006/main">
   <p:cSld>
     <p:spTree>
@@ -5698,7 +6008,7 @@
 </p:sld>
 </file>
 
-<file path=ppt/slides/slide17.xml><?xml version="1.0" encoding="utf-8"?>
+<file path=ppt/slides/slide18.xml><?xml version="1.0" encoding="utf-8"?>
 <p:sld xmlns:a="http://schemas.openxmlformats.org/drawingml/2006/main" xmlns:r="http://schemas.openxmlformats.org/officeDocument/2006/relationships" xmlns:p="http://schemas.openxmlformats.org/presentationml/2006/main">
   <p:cSld>
     <p:spTree>
@@ -5880,7 +6190,7 @@
 </p:sld>
 </file>
 
-<file path=ppt/slides/slide18.xml><?xml version="1.0" encoding="utf-8"?>
+<file path=ppt/slides/slide19.xml><?xml version="1.0" encoding="utf-8"?>
 <p:sld xmlns:a="http://schemas.openxmlformats.org/drawingml/2006/main" xmlns:r="http://schemas.openxmlformats.org/officeDocument/2006/relationships" xmlns:p="http://schemas.openxmlformats.org/presentationml/2006/main">
   <p:cSld>
     <p:spTree>
@@ -6629,7 +6939,185 @@
 </p:sld>
 </file>
 
-<file path=ppt/slides/slide19.xml><?xml version="1.0" encoding="utf-8"?>
+<file path=ppt/slides/slide2.xml><?xml version="1.0" encoding="utf-8"?>
+<p:sld xmlns:a="http://schemas.openxmlformats.org/drawingml/2006/main" xmlns:r="http://schemas.openxmlformats.org/officeDocument/2006/relationships" xmlns:p="http://schemas.openxmlformats.org/presentationml/2006/main">
+  <p:cSld>
+    <p:spTree>
+      <p:nvGrpSpPr>
+        <p:cNvPr id="1" name=""/>
+        <p:cNvGrpSpPr/>
+        <p:nvPr/>
+      </p:nvGrpSpPr>
+      <p:grpSpPr>
+        <a:xfrm>
+          <a:off x="0" y="0"/>
+          <a:ext cx="0" cy="0"/>
+          <a:chOff x="0" y="0"/>
+          <a:chExt cx="0" cy="0"/>
+        </a:xfrm>
+      </p:grpSpPr>
+      <p:sp>
+        <p:nvSpPr>
+          <p:cNvPr id="2" name="Titel 1"/>
+          <p:cNvSpPr>
+            <a:spLocks noGrp="1"/>
+          </p:cNvSpPr>
+          <p:nvPr>
+            <p:ph type="title"/>
+          </p:nvPr>
+        </p:nvSpPr>
+        <p:spPr/>
+        <p:txBody>
+          <a:bodyPr/>
+          <a:lstStyle/>
+          <a:p>
+            <a:r>
+              <a:rPr lang="de-AT" dirty="0" err="1" smtClean="0"/>
+              <a:t>Exercise</a:t>
+            </a:r>
+            <a:r>
+              <a:rPr lang="de-AT" dirty="0" smtClean="0"/>
+              <a:t> 1</a:t>
+            </a:r>
+            <a:endParaRPr lang="de-AT" dirty="0"/>
+          </a:p>
+        </p:txBody>
+      </p:sp>
+      <p:sp>
+        <p:nvSpPr>
+          <p:cNvPr id="3" name="Inhaltsplatzhalter 2"/>
+          <p:cNvSpPr>
+            <a:spLocks noGrp="1"/>
+          </p:cNvSpPr>
+          <p:nvPr>
+            <p:ph sz="quarter" idx="1"/>
+          </p:nvPr>
+        </p:nvSpPr>
+        <p:spPr/>
+        <p:txBody>
+          <a:bodyPr/>
+          <a:lstStyle/>
+          <a:p>
+            <a:r>
+              <a:rPr lang="de-AT" dirty="0" smtClean="0"/>
+              <a:t> </a:t>
+            </a:r>
+            <a:r>
+              <a:rPr lang="de-AT" dirty="0" err="1"/>
+              <a:t>Integrate</a:t>
+            </a:r>
+            <a:r>
+              <a:rPr lang="de-AT" dirty="0"/>
+              <a:t> </a:t>
+            </a:r>
+            <a:r>
+              <a:rPr lang="de-AT" dirty="0" err="1"/>
+              <a:t>these</a:t>
+            </a:r>
+            <a:r>
+              <a:rPr lang="de-AT" dirty="0"/>
+              <a:t> </a:t>
+            </a:r>
+            <a:r>
+              <a:rPr lang="de-AT" dirty="0" err="1"/>
+              <a:t>views</a:t>
+            </a:r>
+            <a:r>
+              <a:rPr lang="de-AT" dirty="0"/>
+              <a:t>: </a:t>
+            </a:r>
+          </a:p>
+          <a:p>
+            <a:pPr marL="914400" lvl="1" indent="-514350">
+              <a:buFont typeface="+mj-lt"/>
+              <a:buAutoNum type="alphaLcParenR"/>
+            </a:pPr>
+            <a:r>
+              <a:rPr lang="en-US" dirty="0" smtClean="0"/>
+              <a:t>identify </a:t>
+            </a:r>
+            <a:r>
+              <a:rPr lang="en-US" dirty="0"/>
+              <a:t>conflicts (and their conflict types) </a:t>
+            </a:r>
+          </a:p>
+          <a:p>
+            <a:pPr marL="914400" lvl="1" indent="-514350">
+              <a:buFont typeface="+mj-lt"/>
+              <a:buAutoNum type="alphaLcParenR"/>
+            </a:pPr>
+            <a:r>
+              <a:rPr lang="de-AT" dirty="0" err="1" smtClean="0"/>
+              <a:t>propose</a:t>
+            </a:r>
+            <a:r>
+              <a:rPr lang="de-AT" dirty="0" smtClean="0"/>
+              <a:t> </a:t>
+            </a:r>
+            <a:r>
+              <a:rPr lang="de-AT" dirty="0" err="1"/>
+              <a:t>scenarios</a:t>
+            </a:r>
+            <a:r>
+              <a:rPr lang="de-AT" dirty="0"/>
+              <a:t> </a:t>
+            </a:r>
+            <a:r>
+              <a:rPr lang="de-AT" dirty="0" err="1"/>
+              <a:t>and</a:t>
+            </a:r>
+            <a:r>
+              <a:rPr lang="de-AT" dirty="0"/>
+              <a:t> </a:t>
+            </a:r>
+            <a:r>
+              <a:rPr lang="de-AT" dirty="0" err="1"/>
+              <a:t>interschema</a:t>
+            </a:r>
+            <a:r>
+              <a:rPr lang="de-AT" dirty="0"/>
+              <a:t> </a:t>
+            </a:r>
+            <a:r>
+              <a:rPr lang="de-AT" dirty="0" err="1"/>
+              <a:t>properties</a:t>
+            </a:r>
+            <a:r>
+              <a:rPr lang="de-AT" dirty="0"/>
+              <a:t> </a:t>
+            </a:r>
+          </a:p>
+          <a:p>
+            <a:pPr marL="914400" lvl="1" indent="-514350">
+              <a:buFont typeface="+mj-lt"/>
+              <a:buAutoNum type="alphaLcParenR"/>
+            </a:pPr>
+            <a:r>
+              <a:rPr lang="en-US" dirty="0" smtClean="0"/>
+              <a:t>integrate </a:t>
+            </a:r>
+            <a:r>
+              <a:rPr lang="en-US" dirty="0"/>
+              <a:t>the schemas into one schema. </a:t>
+            </a:r>
+            <a:endParaRPr lang="de-AT" dirty="0"/>
+          </a:p>
+        </p:txBody>
+      </p:sp>
+    </p:spTree>
+    <p:extLst>
+      <p:ext uri="{BB962C8B-B14F-4D97-AF65-F5344CB8AC3E}">
+        <p14:creationId xmlns:p14="http://schemas.microsoft.com/office/powerpoint/2010/main" val="3160386597"/>
+      </p:ext>
+    </p:extLst>
+  </p:cSld>
+  <p:clrMapOvr>
+    <a:masterClrMapping/>
+  </p:clrMapOvr>
+</p:sld>
+</file>
+
+<file path=ppt/slides/slide20.xml><?xml version="1.0" encoding="utf-8"?>
 <p:sld xmlns:a="http://schemas.openxmlformats.org/drawingml/2006/main" xmlns:r="http://schemas.openxmlformats.org/officeDocument/2006/relationships" xmlns:p="http://schemas.openxmlformats.org/presentationml/2006/main">
   <p:cSld>
     <p:spTree>
@@ -7330,7 +7818,7 @@
 </p:sld>
 </file>
 
-<file path=ppt/slides/slide2.xml><?xml version="1.0" encoding="utf-8"?>
+<file path=ppt/slides/slide21.xml><?xml version="1.0" encoding="utf-8"?>
 <p:sld xmlns:a="http://schemas.openxmlformats.org/drawingml/2006/main" xmlns:r="http://schemas.openxmlformats.org/officeDocument/2006/relationships" xmlns:p="http://schemas.openxmlformats.org/presentationml/2006/main">
   <p:cSld>
     <p:spTree>
@@ -7368,184 +7856,6 @@
             </a:r>
             <a:r>
               <a:rPr lang="de-AT" dirty="0" smtClean="0"/>
-              <a:t> 1</a:t>
-            </a:r>
-            <a:endParaRPr lang="de-AT" dirty="0"/>
-          </a:p>
-        </p:txBody>
-      </p:sp>
-      <p:sp>
-        <p:nvSpPr>
-          <p:cNvPr id="3" name="Inhaltsplatzhalter 2"/>
-          <p:cNvSpPr>
-            <a:spLocks noGrp="1"/>
-          </p:cNvSpPr>
-          <p:nvPr>
-            <p:ph sz="quarter" idx="1"/>
-          </p:nvPr>
-        </p:nvSpPr>
-        <p:spPr/>
-        <p:txBody>
-          <a:bodyPr/>
-          <a:lstStyle/>
-          <a:p>
-            <a:r>
-              <a:rPr lang="de-AT" dirty="0" smtClean="0"/>
-              <a:t> </a:t>
-            </a:r>
-            <a:r>
-              <a:rPr lang="de-AT" dirty="0" err="1"/>
-              <a:t>Integrate</a:t>
-            </a:r>
-            <a:r>
-              <a:rPr lang="de-AT" dirty="0"/>
-              <a:t> </a:t>
-            </a:r>
-            <a:r>
-              <a:rPr lang="de-AT" dirty="0" err="1"/>
-              <a:t>these</a:t>
-            </a:r>
-            <a:r>
-              <a:rPr lang="de-AT" dirty="0"/>
-              <a:t> </a:t>
-            </a:r>
-            <a:r>
-              <a:rPr lang="de-AT" dirty="0" err="1"/>
-              <a:t>views</a:t>
-            </a:r>
-            <a:r>
-              <a:rPr lang="de-AT" dirty="0"/>
-              <a:t>: </a:t>
-            </a:r>
-          </a:p>
-          <a:p>
-            <a:pPr marL="914400" lvl="1" indent="-514350">
-              <a:buFont typeface="+mj-lt"/>
-              <a:buAutoNum type="alphaLcParenR"/>
-            </a:pPr>
-            <a:r>
-              <a:rPr lang="en-US" dirty="0" smtClean="0"/>
-              <a:t>identify </a:t>
-            </a:r>
-            <a:r>
-              <a:rPr lang="en-US" dirty="0"/>
-              <a:t>conflicts (and their conflict types) </a:t>
-            </a:r>
-          </a:p>
-          <a:p>
-            <a:pPr marL="914400" lvl="1" indent="-514350">
-              <a:buFont typeface="+mj-lt"/>
-              <a:buAutoNum type="alphaLcParenR"/>
-            </a:pPr>
-            <a:r>
-              <a:rPr lang="de-AT" dirty="0" err="1" smtClean="0"/>
-              <a:t>propose</a:t>
-            </a:r>
-            <a:r>
-              <a:rPr lang="de-AT" dirty="0" smtClean="0"/>
-              <a:t> </a:t>
-            </a:r>
-            <a:r>
-              <a:rPr lang="de-AT" dirty="0" err="1"/>
-              <a:t>scenarios</a:t>
-            </a:r>
-            <a:r>
-              <a:rPr lang="de-AT" dirty="0"/>
-              <a:t> </a:t>
-            </a:r>
-            <a:r>
-              <a:rPr lang="de-AT" dirty="0" err="1"/>
-              <a:t>and</a:t>
-            </a:r>
-            <a:r>
-              <a:rPr lang="de-AT" dirty="0"/>
-              <a:t> </a:t>
-            </a:r>
-            <a:r>
-              <a:rPr lang="de-AT" dirty="0" err="1"/>
-              <a:t>interschema</a:t>
-            </a:r>
-            <a:r>
-              <a:rPr lang="de-AT" dirty="0"/>
-              <a:t> </a:t>
-            </a:r>
-            <a:r>
-              <a:rPr lang="de-AT" dirty="0" err="1"/>
-              <a:t>properties</a:t>
-            </a:r>
-            <a:r>
-              <a:rPr lang="de-AT" dirty="0"/>
-              <a:t> </a:t>
-            </a:r>
-          </a:p>
-          <a:p>
-            <a:pPr marL="914400" lvl="1" indent="-514350">
-              <a:buFont typeface="+mj-lt"/>
-              <a:buAutoNum type="alphaLcParenR"/>
-            </a:pPr>
-            <a:r>
-              <a:rPr lang="en-US" dirty="0" smtClean="0"/>
-              <a:t>integrate </a:t>
-            </a:r>
-            <a:r>
-              <a:rPr lang="en-US" dirty="0"/>
-              <a:t>the schemas into one schema. </a:t>
-            </a:r>
-            <a:endParaRPr lang="de-AT" dirty="0"/>
-          </a:p>
-        </p:txBody>
-      </p:sp>
-    </p:spTree>
-    <p:extLst>
-      <p:ext uri="{BB962C8B-B14F-4D97-AF65-F5344CB8AC3E}">
-        <p14:creationId xmlns:p14="http://schemas.microsoft.com/office/powerpoint/2010/main" val="3160386597"/>
-      </p:ext>
-    </p:extLst>
-  </p:cSld>
-  <p:clrMapOvr>
-    <a:masterClrMapping/>
-  </p:clrMapOvr>
-</p:sld>
-</file>
-
-<file path=ppt/slides/slide20.xml><?xml version="1.0" encoding="utf-8"?>
-<p:sld xmlns:a="http://schemas.openxmlformats.org/drawingml/2006/main" xmlns:r="http://schemas.openxmlformats.org/officeDocument/2006/relationships" xmlns:p="http://schemas.openxmlformats.org/presentationml/2006/main">
-  <p:cSld>
-    <p:spTree>
-      <p:nvGrpSpPr>
-        <p:cNvPr id="1" name=""/>
-        <p:cNvGrpSpPr/>
-        <p:nvPr/>
-      </p:nvGrpSpPr>
-      <p:grpSpPr>
-        <a:xfrm>
-          <a:off x="0" y="0"/>
-          <a:ext cx="0" cy="0"/>
-          <a:chOff x="0" y="0"/>
-          <a:chExt cx="0" cy="0"/>
-        </a:xfrm>
-      </p:grpSpPr>
-      <p:sp>
-        <p:nvSpPr>
-          <p:cNvPr id="2" name="Titel 1"/>
-          <p:cNvSpPr>
-            <a:spLocks noGrp="1"/>
-          </p:cNvSpPr>
-          <p:nvPr>
-            <p:ph type="title"/>
-          </p:nvPr>
-        </p:nvSpPr>
-        <p:spPr/>
-        <p:txBody>
-          <a:bodyPr/>
-          <a:lstStyle/>
-          <a:p>
-            <a:r>
-              <a:rPr lang="de-AT" dirty="0" err="1" smtClean="0"/>
-              <a:t>Exercise</a:t>
-            </a:r>
-            <a:r>
-              <a:rPr lang="de-AT" dirty="0" smtClean="0"/>
               <a:t> 3b </a:t>
             </a:r>
             <a:r>
@@ -7715,7 +8025,7 @@
 </p:sld>
 </file>
 
-<file path=ppt/slides/slide21.xml><?xml version="1.0" encoding="utf-8"?>
+<file path=ppt/slides/slide22.xml><?xml version="1.0" encoding="utf-8"?>
 <p:sld xmlns:a="http://schemas.openxmlformats.org/drawingml/2006/main" xmlns:r="http://schemas.openxmlformats.org/officeDocument/2006/relationships" xmlns:p="http://schemas.openxmlformats.org/presentationml/2006/main">
   <p:cSld>
     <p:spTree>
@@ -7836,7 +8146,7 @@
 </p:sld>
 </file>
 
-<file path=ppt/slides/slide22.xml><?xml version="1.0" encoding="utf-8"?>
+<file path=ppt/slides/slide23.xml><?xml version="1.0" encoding="utf-8"?>
 <p:sld xmlns:a="http://schemas.openxmlformats.org/drawingml/2006/main" xmlns:r="http://schemas.openxmlformats.org/officeDocument/2006/relationships" xmlns:p="http://schemas.openxmlformats.org/presentationml/2006/main">
   <p:cSld>
     <p:spTree>
@@ -8132,7 +8442,7 @@
 </p:sld>
 </file>
 
-<file path=ppt/slides/slide23.xml><?xml version="1.0" encoding="utf-8"?>
+<file path=ppt/slides/slide24.xml><?xml version="1.0" encoding="utf-8"?>
 <p:sld xmlns:a="http://schemas.openxmlformats.org/drawingml/2006/main" xmlns:r="http://schemas.openxmlformats.org/officeDocument/2006/relationships" xmlns:p="http://schemas.openxmlformats.org/presentationml/2006/main">
   <p:cSld>
     <p:spTree>
@@ -8452,7 +8762,7 @@
 </p:sld>
 </file>
 
-<file path=ppt/slides/slide24.xml><?xml version="1.0" encoding="utf-8"?>
+<file path=ppt/slides/slide25.xml><?xml version="1.0" encoding="utf-8"?>
 <p:sld xmlns:a="http://schemas.openxmlformats.org/drawingml/2006/main" xmlns:r="http://schemas.openxmlformats.org/officeDocument/2006/relationships" xmlns:p="http://schemas.openxmlformats.org/presentationml/2006/main">
   <p:cSld>
     <p:spTree>
@@ -8702,7 +9012,7 @@
 </p:sld>
 </file>
 
-<file path=ppt/slides/slide25.xml><?xml version="1.0" encoding="utf-8"?>
+<file path=ppt/slides/slide26.xml><?xml version="1.0" encoding="utf-8"?>
 <p:sld xmlns:a="http://schemas.openxmlformats.org/drawingml/2006/main" xmlns:r="http://schemas.openxmlformats.org/officeDocument/2006/relationships" xmlns:p="http://schemas.openxmlformats.org/presentationml/2006/main">
   <p:cSld>
     <p:spTree>
@@ -8946,7 +9256,7 @@
 </p:sld>
 </file>
 
-<file path=ppt/slides/slide26.xml><?xml version="1.0" encoding="utf-8"?>
+<file path=ppt/slides/slide27.xml><?xml version="1.0" encoding="utf-8"?>
 <p:sld xmlns:a="http://schemas.openxmlformats.org/drawingml/2006/main" xmlns:r="http://schemas.openxmlformats.org/officeDocument/2006/relationships" xmlns:p="http://schemas.openxmlformats.org/presentationml/2006/main">
   <p:cSld>
     <p:spTree>
@@ -9207,727 +9517,6 @@
 </p:sld>
 </file>
 
-<file path=ppt/slides/slide27.xml><?xml version="1.0" encoding="utf-8"?>
-<p:sld xmlns:a="http://schemas.openxmlformats.org/drawingml/2006/main" xmlns:r="http://schemas.openxmlformats.org/officeDocument/2006/relationships" xmlns:p="http://schemas.openxmlformats.org/presentationml/2006/main">
-  <p:cSld>
-    <p:spTree>
-      <p:nvGrpSpPr>
-        <p:cNvPr id="1" name=""/>
-        <p:cNvGrpSpPr/>
-        <p:nvPr/>
-      </p:nvGrpSpPr>
-      <p:grpSpPr>
-        <a:xfrm>
-          <a:off x="0" y="0"/>
-          <a:ext cx="0" cy="0"/>
-          <a:chOff x="0" y="0"/>
-          <a:chExt cx="0" cy="0"/>
-        </a:xfrm>
-      </p:grpSpPr>
-      <p:sp>
-        <p:nvSpPr>
-          <p:cNvPr id="2" name="Titel 1"/>
-          <p:cNvSpPr>
-            <a:spLocks noGrp="1"/>
-          </p:cNvSpPr>
-          <p:nvPr>
-            <p:ph type="title"/>
-          </p:nvPr>
-        </p:nvSpPr>
-        <p:spPr/>
-        <p:txBody>
-          <a:bodyPr/>
-          <a:lstStyle/>
-          <a:p>
-            <a:r>
-              <a:rPr lang="de-AT" dirty="0" err="1" smtClean="0"/>
-              <a:t>Which</a:t>
-            </a:r>
-            <a:r>
-              <a:rPr lang="de-AT" dirty="0" smtClean="0"/>
-              <a:t> </a:t>
-            </a:r>
-            <a:r>
-              <a:rPr lang="de-AT" dirty="0" err="1" smtClean="0"/>
-              <a:t>Flattening</a:t>
-            </a:r>
-            <a:r>
-              <a:rPr lang="de-AT" dirty="0" smtClean="0"/>
-              <a:t> </a:t>
-            </a:r>
-            <a:r>
-              <a:rPr lang="de-AT" dirty="0" err="1" smtClean="0"/>
-              <a:t>Strategy</a:t>
-            </a:r>
-            <a:r>
-              <a:rPr lang="de-AT" dirty="0" smtClean="0"/>
-              <a:t>?</a:t>
-            </a:r>
-            <a:endParaRPr lang="de-AT" dirty="0"/>
-          </a:p>
-        </p:txBody>
-      </p:sp>
-      <p:sp>
-        <p:nvSpPr>
-          <p:cNvPr id="3" name="Inhaltsplatzhalter 2"/>
-          <p:cNvSpPr>
-            <a:spLocks noGrp="1"/>
-          </p:cNvSpPr>
-          <p:nvPr>
-            <p:ph sz="quarter" idx="1"/>
-          </p:nvPr>
-        </p:nvSpPr>
-        <p:spPr/>
-        <p:txBody>
-          <a:bodyPr>
-            <a:normAutofit fontScale="92500" lnSpcReduction="20000"/>
-          </a:bodyPr>
-          <a:lstStyle/>
-          <a:p>
-            <a:pPr marL="514350" indent="-514350">
-              <a:buFont typeface="+mj-lt"/>
-              <a:buAutoNum type="arabicPeriod"/>
-            </a:pPr>
-            <a:r>
-              <a:rPr lang="de-AT" dirty="0" err="1" smtClean="0"/>
-              <a:t>Two</a:t>
-            </a:r>
-            <a:r>
-              <a:rPr lang="de-AT" dirty="0" smtClean="0"/>
-              <a:t> </a:t>
-            </a:r>
-            <a:r>
-              <a:rPr lang="de-AT" dirty="0" err="1" smtClean="0"/>
-              <a:t>operation</a:t>
-            </a:r>
-            <a:r>
-              <a:rPr lang="de-AT" dirty="0" smtClean="0"/>
-              <a:t> </a:t>
-            </a:r>
-            <a:r>
-              <a:rPr lang="de-AT" dirty="0" err="1" smtClean="0"/>
-              <a:t>sets</a:t>
-            </a:r>
-            <a:endParaRPr lang="de-AT" dirty="0" smtClean="0"/>
-          </a:p>
-          <a:p>
-            <a:pPr marL="914400" lvl="1" indent="-514350"/>
-            <a:r>
-              <a:rPr lang="de-AT" sz="1900" dirty="0" smtClean="0"/>
-              <a:t>S1 </a:t>
-            </a:r>
-            <a:r>
-              <a:rPr lang="de-AT" sz="1900" dirty="0" err="1" smtClean="0"/>
-              <a:t>set</a:t>
-            </a:r>
-            <a:r>
-              <a:rPr lang="de-AT" sz="1900" dirty="0" smtClean="0"/>
-              <a:t> </a:t>
-            </a:r>
-            <a:r>
-              <a:rPr lang="de-AT" sz="1900" dirty="0" err="1" smtClean="0"/>
-              <a:t>of</a:t>
-            </a:r>
-            <a:r>
-              <a:rPr lang="de-AT" sz="1900" dirty="0" smtClean="0"/>
-              <a:t> </a:t>
-            </a:r>
-            <a:r>
-              <a:rPr lang="de-AT" sz="1900" dirty="0" err="1" smtClean="0"/>
-              <a:t>operations</a:t>
-            </a:r>
-            <a:r>
-              <a:rPr lang="de-AT" sz="1900" dirty="0" smtClean="0"/>
-              <a:t>, </a:t>
-            </a:r>
-            <a:r>
-              <a:rPr lang="de-AT" sz="1900" dirty="0" err="1" smtClean="0"/>
-              <a:t>which</a:t>
-            </a:r>
-            <a:r>
-              <a:rPr lang="de-AT" sz="1900" dirty="0" smtClean="0"/>
-              <a:t> </a:t>
-            </a:r>
-            <a:r>
-              <a:rPr lang="de-AT" sz="1900" dirty="0" err="1" smtClean="0"/>
-              <a:t>access</a:t>
-            </a:r>
-            <a:r>
-              <a:rPr lang="de-AT" sz="1900" dirty="0" smtClean="0"/>
-              <a:t> </a:t>
-            </a:r>
-            <a:r>
-              <a:rPr lang="de-AT" sz="1900" dirty="0" err="1" smtClean="0"/>
-              <a:t>attributes</a:t>
-            </a:r>
-            <a:r>
-              <a:rPr lang="de-AT" sz="1900" dirty="0" smtClean="0"/>
-              <a:t> </a:t>
-            </a:r>
-            <a:r>
-              <a:rPr lang="de-AT" sz="1900" dirty="0" err="1" smtClean="0"/>
-              <a:t>of</a:t>
-            </a:r>
-            <a:r>
-              <a:rPr lang="de-AT" sz="1900" dirty="0" smtClean="0"/>
-              <a:t> </a:t>
-            </a:r>
-            <a:r>
-              <a:rPr lang="de-AT" sz="1900" dirty="0" err="1" smtClean="0"/>
-              <a:t>the</a:t>
-            </a:r>
-            <a:r>
-              <a:rPr lang="de-AT" sz="1900" dirty="0" smtClean="0"/>
-              <a:t> super-</a:t>
-            </a:r>
-            <a:r>
-              <a:rPr lang="de-AT" sz="1900" dirty="0" err="1" smtClean="0"/>
-              <a:t>class</a:t>
-            </a:r>
-            <a:endParaRPr lang="de-AT" sz="1900" dirty="0" smtClean="0"/>
-          </a:p>
-          <a:p>
-            <a:pPr marL="914400" lvl="1" indent="-514350"/>
-            <a:r>
-              <a:rPr lang="de-AT" sz="1900" dirty="0" smtClean="0"/>
-              <a:t>S2 </a:t>
-            </a:r>
-            <a:r>
-              <a:rPr lang="de-AT" sz="1900" dirty="0" err="1" smtClean="0"/>
-              <a:t>set</a:t>
-            </a:r>
-            <a:r>
-              <a:rPr lang="de-AT" sz="1900" dirty="0" smtClean="0"/>
-              <a:t> </a:t>
-            </a:r>
-            <a:r>
-              <a:rPr lang="de-AT" sz="1900" dirty="0" err="1" smtClean="0"/>
-              <a:t>of</a:t>
-            </a:r>
-            <a:r>
-              <a:rPr lang="de-AT" sz="1900" dirty="0" smtClean="0"/>
-              <a:t> </a:t>
-            </a:r>
-            <a:r>
-              <a:rPr lang="de-AT" sz="1900" dirty="0" err="1" smtClean="0"/>
-              <a:t>operations</a:t>
-            </a:r>
-            <a:r>
-              <a:rPr lang="de-AT" sz="1900" dirty="0" smtClean="0"/>
-              <a:t>, </a:t>
-            </a:r>
-            <a:r>
-              <a:rPr lang="de-AT" sz="1900" dirty="0" err="1" smtClean="0"/>
-              <a:t>which</a:t>
-            </a:r>
-            <a:r>
-              <a:rPr lang="de-AT" sz="1900" dirty="0" smtClean="0"/>
-              <a:t> </a:t>
-            </a:r>
-            <a:r>
-              <a:rPr lang="de-AT" sz="1900" dirty="0" err="1" smtClean="0"/>
-              <a:t>access</a:t>
-            </a:r>
-            <a:r>
-              <a:rPr lang="de-AT" sz="1900" dirty="0" smtClean="0"/>
-              <a:t> </a:t>
-            </a:r>
-            <a:r>
-              <a:rPr lang="de-AT" sz="1900" dirty="0" err="1" smtClean="0"/>
-              <a:t>attributes</a:t>
-            </a:r>
-            <a:r>
-              <a:rPr lang="de-AT" sz="1900" dirty="0" smtClean="0"/>
-              <a:t> </a:t>
-            </a:r>
-            <a:r>
-              <a:rPr lang="de-AT" sz="1900" dirty="0" err="1" smtClean="0"/>
-              <a:t>of</a:t>
-            </a:r>
-            <a:r>
-              <a:rPr lang="de-AT" sz="1900" dirty="0" smtClean="0"/>
-              <a:t> super-</a:t>
-            </a:r>
-            <a:r>
-              <a:rPr lang="de-AT" sz="1900" dirty="0" err="1" smtClean="0"/>
-              <a:t>class</a:t>
-            </a:r>
-            <a:r>
-              <a:rPr lang="de-AT" sz="1900" dirty="0" smtClean="0"/>
-              <a:t> </a:t>
-            </a:r>
-            <a:r>
-              <a:rPr lang="de-AT" sz="1900" dirty="0" err="1" smtClean="0"/>
-              <a:t>and</a:t>
-            </a:r>
-            <a:r>
-              <a:rPr lang="de-AT" sz="1900" dirty="0" smtClean="0"/>
-              <a:t> </a:t>
-            </a:r>
-            <a:r>
-              <a:rPr lang="de-AT" sz="1900" dirty="0" err="1" smtClean="0"/>
-              <a:t>one</a:t>
-            </a:r>
-            <a:r>
-              <a:rPr lang="de-AT" sz="1900" dirty="0" smtClean="0"/>
-              <a:t> sub-</a:t>
-            </a:r>
-            <a:r>
-              <a:rPr lang="de-AT" sz="1900" dirty="0" err="1" smtClean="0"/>
-              <a:t>class</a:t>
-            </a:r>
-            <a:endParaRPr lang="de-AT" sz="1900" dirty="0" smtClean="0"/>
-          </a:p>
-          <a:p>
-            <a:pPr marL="514350" indent="-514350">
-              <a:buFont typeface="+mj-lt"/>
-              <a:buAutoNum type="arabicPeriod"/>
-            </a:pPr>
-            <a:r>
-              <a:rPr lang="de-AT" dirty="0" err="1" smtClean="0"/>
-              <a:t>Calculate</a:t>
-            </a:r>
-            <a:r>
-              <a:rPr lang="de-AT" dirty="0" smtClean="0"/>
-              <a:t> </a:t>
-            </a:r>
-            <a:r>
-              <a:rPr lang="de-AT" dirty="0" err="1" smtClean="0"/>
-              <a:t>access</a:t>
-            </a:r>
-            <a:r>
-              <a:rPr lang="de-AT" dirty="0" smtClean="0"/>
-              <a:t> </a:t>
-            </a:r>
-            <a:r>
-              <a:rPr lang="de-AT" dirty="0" err="1" smtClean="0"/>
-              <a:t>counts</a:t>
-            </a:r>
-            <a:r>
-              <a:rPr lang="de-AT" dirty="0" smtClean="0"/>
-              <a:t> </a:t>
-            </a:r>
-            <a:r>
-              <a:rPr lang="de-AT" dirty="0" err="1" smtClean="0"/>
-              <a:t>for</a:t>
-            </a:r>
-            <a:r>
-              <a:rPr lang="de-AT" dirty="0" smtClean="0"/>
-              <a:t> S1 </a:t>
-            </a:r>
-            <a:r>
-              <a:rPr lang="de-AT" dirty="0" err="1" smtClean="0"/>
-              <a:t>and</a:t>
-            </a:r>
-            <a:r>
-              <a:rPr lang="de-AT" dirty="0" smtClean="0"/>
-              <a:t> S2</a:t>
-            </a:r>
-          </a:p>
-          <a:p>
-            <a:pPr marL="514350" indent="-514350">
-              <a:buFont typeface="+mj-lt"/>
-              <a:buAutoNum type="arabicPeriod"/>
-            </a:pPr>
-            <a:r>
-              <a:rPr lang="de-AT" dirty="0" err="1" smtClean="0"/>
-              <a:t>Decide</a:t>
-            </a:r>
-            <a:endParaRPr lang="de-AT" dirty="0" smtClean="0"/>
-          </a:p>
-          <a:p>
-            <a:pPr marL="400050" lvl="1" indent="0">
-              <a:buNone/>
-            </a:pPr>
-            <a:r>
-              <a:rPr lang="de-AT" dirty="0" err="1" smtClean="0"/>
-              <a:t>if</a:t>
-            </a:r>
-            <a:r>
-              <a:rPr lang="de-AT" dirty="0" smtClean="0"/>
-              <a:t> S2 </a:t>
-            </a:r>
-            <a:r>
-              <a:rPr lang="de-AT" dirty="0" err="1" smtClean="0"/>
-              <a:t>dominates</a:t>
-            </a:r>
-            <a:r>
-              <a:rPr lang="de-AT" dirty="0" smtClean="0"/>
-              <a:t> </a:t>
-            </a:r>
-            <a:r>
-              <a:rPr lang="de-AT" dirty="0" smtClean="0">
-                <a:sym typeface="Wingdings" panose="05000000000000000000" pitchFamily="2" charset="2"/>
-              </a:rPr>
-              <a:t> </a:t>
-            </a:r>
-            <a:r>
-              <a:rPr lang="de-AT" dirty="0" err="1" smtClean="0">
-                <a:sym typeface="Wingdings" panose="05000000000000000000" pitchFamily="2" charset="2"/>
-              </a:rPr>
-              <a:t>floor</a:t>
-            </a:r>
-            <a:endParaRPr lang="de-AT" dirty="0" smtClean="0">
-              <a:sym typeface="Wingdings" panose="05000000000000000000" pitchFamily="2" charset="2"/>
-            </a:endParaRPr>
-          </a:p>
-          <a:p>
-            <a:pPr marL="400050" lvl="1" indent="0">
-              <a:buNone/>
-            </a:pPr>
-            <a:r>
-              <a:rPr lang="de-AT" dirty="0" err="1" smtClean="0">
-                <a:sym typeface="Wingdings" panose="05000000000000000000" pitchFamily="2" charset="2"/>
-              </a:rPr>
-              <a:t>else</a:t>
-            </a:r>
-            <a:r>
-              <a:rPr lang="de-AT" dirty="0" smtClean="0">
-                <a:sym typeface="Wingdings" panose="05000000000000000000" pitchFamily="2" charset="2"/>
-              </a:rPr>
-              <a:t> </a:t>
-            </a:r>
-            <a:r>
-              <a:rPr lang="de-AT" dirty="0" err="1" smtClean="0">
-                <a:sym typeface="Wingdings" panose="05000000000000000000" pitchFamily="2" charset="2"/>
-              </a:rPr>
-              <a:t>analyse</a:t>
-            </a:r>
-            <a:r>
-              <a:rPr lang="de-AT" dirty="0" smtClean="0">
-                <a:sym typeface="Wingdings" panose="05000000000000000000" pitchFamily="2" charset="2"/>
-              </a:rPr>
-              <a:t> </a:t>
-            </a:r>
-            <a:r>
-              <a:rPr lang="de-AT" dirty="0" err="1" smtClean="0">
-                <a:sym typeface="Wingdings" panose="05000000000000000000" pitchFamily="2" charset="2"/>
-              </a:rPr>
-              <a:t>data</a:t>
-            </a:r>
-            <a:r>
-              <a:rPr lang="de-AT" dirty="0" smtClean="0">
-                <a:sym typeface="Wingdings" panose="05000000000000000000" pitchFamily="2" charset="2"/>
-              </a:rPr>
-              <a:t> </a:t>
-            </a:r>
-            <a:r>
-              <a:rPr lang="de-AT" dirty="0" err="1" smtClean="0">
-                <a:sym typeface="Wingdings" panose="05000000000000000000" pitchFamily="2" charset="2"/>
-              </a:rPr>
-              <a:t>manipulation</a:t>
-            </a:r>
-            <a:r>
-              <a:rPr lang="de-AT" dirty="0" smtClean="0">
-                <a:sym typeface="Wingdings" panose="05000000000000000000" pitchFamily="2" charset="2"/>
-              </a:rPr>
-              <a:t> </a:t>
-            </a:r>
-            <a:r>
-              <a:rPr lang="de-AT" dirty="0" err="1" smtClean="0">
-                <a:sym typeface="Wingdings" panose="05000000000000000000" pitchFamily="2" charset="2"/>
-              </a:rPr>
-              <a:t>operations</a:t>
-            </a:r>
-            <a:endParaRPr lang="de-AT" dirty="0" smtClean="0">
-              <a:sym typeface="Wingdings" panose="05000000000000000000" pitchFamily="2" charset="2"/>
-            </a:endParaRPr>
-          </a:p>
-          <a:p>
-            <a:pPr marL="400050" lvl="1" indent="0">
-              <a:buNone/>
-            </a:pPr>
-            <a:r>
-              <a:rPr lang="de-AT" dirty="0">
-                <a:sym typeface="Wingdings" panose="05000000000000000000" pitchFamily="2" charset="2"/>
-              </a:rPr>
-              <a:t>	</a:t>
-            </a:r>
-            <a:r>
-              <a:rPr lang="de-AT" dirty="0" err="1" smtClean="0">
-                <a:sym typeface="Wingdings" panose="05000000000000000000" pitchFamily="2" charset="2"/>
-              </a:rPr>
-              <a:t>if</a:t>
-            </a:r>
-            <a:r>
-              <a:rPr lang="de-AT" dirty="0" smtClean="0">
-                <a:sym typeface="Wingdings" panose="05000000000000000000" pitchFamily="2" charset="2"/>
-              </a:rPr>
-              <a:t> </a:t>
-            </a:r>
-            <a:r>
-              <a:rPr lang="de-AT" dirty="0" err="1" smtClean="0">
-                <a:sym typeface="Wingdings" panose="05000000000000000000" pitchFamily="2" charset="2"/>
-              </a:rPr>
-              <a:t>domination</a:t>
-            </a:r>
-            <a:r>
-              <a:rPr lang="de-AT" dirty="0" smtClean="0">
-                <a:sym typeface="Wingdings" panose="05000000000000000000" pitchFamily="2" charset="2"/>
-              </a:rPr>
-              <a:t> </a:t>
-            </a:r>
-            <a:r>
-              <a:rPr lang="de-AT" dirty="0" err="1" smtClean="0">
-                <a:sym typeface="Wingdings" panose="05000000000000000000" pitchFamily="2" charset="2"/>
-              </a:rPr>
-              <a:t>of</a:t>
-            </a:r>
-            <a:r>
-              <a:rPr lang="de-AT" dirty="0" smtClean="0">
-                <a:sym typeface="Wingdings" panose="05000000000000000000" pitchFamily="2" charset="2"/>
-              </a:rPr>
-              <a:t> </a:t>
-            </a:r>
-            <a:r>
-              <a:rPr lang="de-AT" dirty="0" err="1" smtClean="0">
-                <a:sym typeface="Wingdings" panose="05000000000000000000" pitchFamily="2" charset="2"/>
-              </a:rPr>
-              <a:t>operations</a:t>
-            </a:r>
-            <a:r>
-              <a:rPr lang="de-AT" dirty="0" smtClean="0">
-                <a:sym typeface="Wingdings" panose="05000000000000000000" pitchFamily="2" charset="2"/>
-              </a:rPr>
-              <a:t> </a:t>
-            </a:r>
-            <a:r>
-              <a:rPr lang="de-AT" dirty="0" err="1" smtClean="0">
-                <a:sym typeface="Wingdings" panose="05000000000000000000" pitchFamily="2" charset="2"/>
-              </a:rPr>
-              <a:t>that</a:t>
-            </a:r>
-            <a:r>
-              <a:rPr lang="de-AT" dirty="0" smtClean="0">
-                <a:sym typeface="Wingdings" panose="05000000000000000000" pitchFamily="2" charset="2"/>
-              </a:rPr>
-              <a:t> ..</a:t>
-            </a:r>
-          </a:p>
-          <a:p>
-            <a:pPr marL="400050" lvl="1" indent="0">
-              <a:buNone/>
-            </a:pPr>
-            <a:r>
-              <a:rPr lang="de-AT" dirty="0">
-                <a:sym typeface="Wingdings" panose="05000000000000000000" pitchFamily="2" charset="2"/>
-              </a:rPr>
-              <a:t>	</a:t>
-            </a:r>
-            <a:r>
-              <a:rPr lang="de-AT" dirty="0" smtClean="0">
-                <a:sym typeface="Wingdings" panose="05000000000000000000" pitchFamily="2" charset="2"/>
-              </a:rPr>
-              <a:t>    </a:t>
-            </a:r>
-            <a:r>
-              <a:rPr lang="de-AT" sz="2600" dirty="0" smtClean="0">
-                <a:sym typeface="Wingdings" panose="05000000000000000000" pitchFamily="2" charset="2"/>
-              </a:rPr>
-              <a:t>..</a:t>
-            </a:r>
-            <a:r>
-              <a:rPr lang="de-AT" sz="2600" dirty="0" err="1" smtClean="0">
-                <a:sym typeface="Wingdings" panose="05000000000000000000" pitchFamily="2" charset="2"/>
-              </a:rPr>
-              <a:t>access</a:t>
-            </a:r>
-            <a:r>
-              <a:rPr lang="de-AT" sz="2600" dirty="0" smtClean="0">
-                <a:sym typeface="Wingdings" panose="05000000000000000000" pitchFamily="2" charset="2"/>
-              </a:rPr>
-              <a:t> </a:t>
-            </a:r>
-            <a:r>
-              <a:rPr lang="de-AT" sz="2600" dirty="0" err="1" smtClean="0">
-                <a:sym typeface="Wingdings" panose="05000000000000000000" pitchFamily="2" charset="2"/>
-              </a:rPr>
-              <a:t>attributes</a:t>
-            </a:r>
-            <a:r>
-              <a:rPr lang="de-AT" sz="2600" dirty="0" smtClean="0">
-                <a:sym typeface="Wingdings" panose="05000000000000000000" pitchFamily="2" charset="2"/>
-              </a:rPr>
-              <a:t> </a:t>
-            </a:r>
-            <a:r>
-              <a:rPr lang="de-AT" sz="2600" dirty="0" err="1" smtClean="0">
-                <a:sym typeface="Wingdings" panose="05000000000000000000" pitchFamily="2" charset="2"/>
-              </a:rPr>
-              <a:t>of</a:t>
-            </a:r>
-            <a:r>
-              <a:rPr lang="de-AT" sz="2600" dirty="0" smtClean="0">
-                <a:sym typeface="Wingdings" panose="05000000000000000000" pitchFamily="2" charset="2"/>
-              </a:rPr>
-              <a:t> </a:t>
-            </a:r>
-            <a:r>
-              <a:rPr lang="de-AT" sz="2600" dirty="0" err="1" smtClean="0">
-                <a:sym typeface="Wingdings" panose="05000000000000000000" pitchFamily="2" charset="2"/>
-              </a:rPr>
-              <a:t>both</a:t>
-            </a:r>
-            <a:r>
-              <a:rPr lang="de-AT" sz="2600" dirty="0" smtClean="0">
-                <a:sym typeface="Wingdings" panose="05000000000000000000" pitchFamily="2" charset="2"/>
-              </a:rPr>
-              <a:t> super- </a:t>
-            </a:r>
-            <a:r>
-              <a:rPr lang="de-AT" sz="2600" dirty="0" err="1" smtClean="0">
-                <a:sym typeface="Wingdings" panose="05000000000000000000" pitchFamily="2" charset="2"/>
-              </a:rPr>
-              <a:t>and</a:t>
-            </a:r>
-            <a:r>
-              <a:rPr lang="de-AT" sz="2600" dirty="0" smtClean="0">
-                <a:sym typeface="Wingdings" panose="05000000000000000000" pitchFamily="2" charset="2"/>
-              </a:rPr>
-              <a:t> sub-</a:t>
-            </a:r>
-            <a:r>
-              <a:rPr lang="de-AT" sz="2600" dirty="0" err="1" smtClean="0">
-                <a:sym typeface="Wingdings" panose="05000000000000000000" pitchFamily="2" charset="2"/>
-              </a:rPr>
-              <a:t>class</a:t>
-            </a:r>
-            <a:r>
-              <a:rPr lang="de-AT" sz="2600" dirty="0" smtClean="0">
-                <a:sym typeface="Wingdings" panose="05000000000000000000" pitchFamily="2" charset="2"/>
-              </a:rPr>
-              <a:t>  </a:t>
-            </a:r>
-            <a:r>
-              <a:rPr lang="de-AT" sz="2600" dirty="0" err="1" smtClean="0">
-                <a:sym typeface="Wingdings" panose="05000000000000000000" pitchFamily="2" charset="2"/>
-              </a:rPr>
-              <a:t>ceiling</a:t>
-            </a:r>
-            <a:endParaRPr lang="de-AT" sz="2600" dirty="0" smtClean="0">
-              <a:sym typeface="Wingdings" panose="05000000000000000000" pitchFamily="2" charset="2"/>
-            </a:endParaRPr>
-          </a:p>
-          <a:p>
-            <a:pPr marL="400050" lvl="1" indent="0">
-              <a:buNone/>
-            </a:pPr>
-            <a:r>
-              <a:rPr lang="de-AT" sz="2600" dirty="0">
-                <a:sym typeface="Wingdings" panose="05000000000000000000" pitchFamily="2" charset="2"/>
-              </a:rPr>
-              <a:t>	 </a:t>
-            </a:r>
-            <a:r>
-              <a:rPr lang="de-AT" sz="2600" dirty="0" smtClean="0">
-                <a:sym typeface="Wingdings" panose="05000000000000000000" pitchFamily="2" charset="2"/>
-              </a:rPr>
-              <a:t>   ..</a:t>
-            </a:r>
-            <a:r>
-              <a:rPr lang="de-AT" sz="2600" dirty="0" err="1" smtClean="0">
-                <a:sym typeface="Wingdings" panose="05000000000000000000" pitchFamily="2" charset="2"/>
-              </a:rPr>
-              <a:t>access</a:t>
-            </a:r>
-            <a:r>
-              <a:rPr lang="de-AT" sz="2600" dirty="0" smtClean="0">
-                <a:sym typeface="Wingdings" panose="05000000000000000000" pitchFamily="2" charset="2"/>
-              </a:rPr>
-              <a:t> </a:t>
-            </a:r>
-            <a:r>
-              <a:rPr lang="de-AT" sz="2600" dirty="0" err="1" smtClean="0">
-                <a:sym typeface="Wingdings" panose="05000000000000000000" pitchFamily="2" charset="2"/>
-              </a:rPr>
-              <a:t>attributes</a:t>
-            </a:r>
-            <a:r>
-              <a:rPr lang="de-AT" sz="2600" dirty="0" smtClean="0">
-                <a:sym typeface="Wingdings" panose="05000000000000000000" pitchFamily="2" charset="2"/>
-              </a:rPr>
-              <a:t> </a:t>
-            </a:r>
-            <a:r>
-              <a:rPr lang="de-AT" sz="2600" dirty="0" err="1" smtClean="0">
-                <a:sym typeface="Wingdings" panose="05000000000000000000" pitchFamily="2" charset="2"/>
-              </a:rPr>
-              <a:t>of</a:t>
-            </a:r>
-            <a:r>
-              <a:rPr lang="de-AT" sz="2600" dirty="0" smtClean="0">
-                <a:sym typeface="Wingdings" panose="05000000000000000000" pitchFamily="2" charset="2"/>
-              </a:rPr>
-              <a:t> </a:t>
-            </a:r>
-            <a:r>
-              <a:rPr lang="de-AT" sz="2600" dirty="0" err="1" smtClean="0">
-                <a:sym typeface="Wingdings" panose="05000000000000000000" pitchFamily="2" charset="2"/>
-              </a:rPr>
-              <a:t>either</a:t>
-            </a:r>
-            <a:r>
-              <a:rPr lang="de-AT" sz="2600" dirty="0" smtClean="0">
-                <a:sym typeface="Wingdings" panose="05000000000000000000" pitchFamily="2" charset="2"/>
-              </a:rPr>
-              <a:t> super- </a:t>
-            </a:r>
-            <a:r>
-              <a:rPr lang="de-AT" sz="2600" dirty="0" err="1" smtClean="0">
-                <a:sym typeface="Wingdings" panose="05000000000000000000" pitchFamily="2" charset="2"/>
-              </a:rPr>
-              <a:t>or</a:t>
-            </a:r>
-            <a:r>
-              <a:rPr lang="de-AT" sz="2600" dirty="0" smtClean="0">
-                <a:sym typeface="Wingdings" panose="05000000000000000000" pitchFamily="2" charset="2"/>
-              </a:rPr>
-              <a:t> sub-</a:t>
-            </a:r>
-            <a:r>
-              <a:rPr lang="de-AT" sz="2600" dirty="0" err="1" smtClean="0">
-                <a:sym typeface="Wingdings" panose="05000000000000000000" pitchFamily="2" charset="2"/>
-              </a:rPr>
-              <a:t>class</a:t>
-            </a:r>
-            <a:r>
-              <a:rPr lang="de-AT" sz="2600" dirty="0" smtClean="0">
-                <a:sym typeface="Wingdings" panose="05000000000000000000" pitchFamily="2" charset="2"/>
-              </a:rPr>
-              <a:t>  </a:t>
-            </a:r>
-            <a:r>
-              <a:rPr lang="de-AT" sz="2600" dirty="0" err="1" smtClean="0">
-                <a:sym typeface="Wingdings" panose="05000000000000000000" pitchFamily="2" charset="2"/>
-              </a:rPr>
-              <a:t>cohesion</a:t>
-            </a:r>
-            <a:endParaRPr lang="de-AT" sz="2600" dirty="0" smtClean="0">
-              <a:sym typeface="Wingdings" panose="05000000000000000000" pitchFamily="2" charset="2"/>
-            </a:endParaRPr>
-          </a:p>
-        </p:txBody>
-      </p:sp>
-    </p:spTree>
-    <p:extLst>
-      <p:ext uri="{BB962C8B-B14F-4D97-AF65-F5344CB8AC3E}">
-        <p14:creationId xmlns:p14="http://schemas.microsoft.com/office/powerpoint/2010/main" val="1393091644"/>
-      </p:ext>
-    </p:extLst>
-  </p:cSld>
-  <p:clrMapOvr>
-    <a:masterClrMapping/>
-  </p:clrMapOvr>
-  <p:timing>
-    <p:tnLst>
-      <p:par>
-        <p:cTn id="1" dur="indefinite" restart="never" nodeType="tmRoot"/>
-      </p:par>
-    </p:tnLst>
-  </p:timing>
-</p:sld>
-</file>
-
 <file path=ppt/slides/slide28.xml><?xml version="1.0" encoding="utf-8"?>
 <p:sld xmlns:a="http://schemas.openxmlformats.org/drawingml/2006/main" xmlns:r="http://schemas.openxmlformats.org/officeDocument/2006/relationships" xmlns:p="http://schemas.openxmlformats.org/presentationml/2006/main">
   <p:cSld>
@@ -9962,11 +9551,27 @@
           <a:p>
             <a:r>
               <a:rPr lang="de-AT" dirty="0" err="1" smtClean="0"/>
-              <a:t>Exercise</a:t>
-            </a:r>
-            <a:r>
-              <a:rPr lang="de-AT" dirty="0" smtClean="0"/>
-              <a:t> 5</a:t>
+              <a:t>Which</a:t>
+            </a:r>
+            <a:r>
+              <a:rPr lang="de-AT" dirty="0" smtClean="0"/>
+              <a:t> </a:t>
+            </a:r>
+            <a:r>
+              <a:rPr lang="de-AT" dirty="0" err="1" smtClean="0"/>
+              <a:t>Flattening</a:t>
+            </a:r>
+            <a:r>
+              <a:rPr lang="de-AT" dirty="0" smtClean="0"/>
+              <a:t> </a:t>
+            </a:r>
+            <a:r>
+              <a:rPr lang="de-AT" dirty="0" err="1" smtClean="0"/>
+              <a:t>Strategy</a:t>
+            </a:r>
+            <a:r>
+              <a:rPr lang="de-AT" dirty="0" smtClean="0"/>
+              <a:t>?</a:t>
             </a:r>
             <a:endParaRPr lang="de-AT" dirty="0"/>
           </a:p>
@@ -9984,47 +9589,639 @@
         </p:nvSpPr>
         <p:spPr/>
         <p:txBody>
-          <a:bodyPr/>
+          <a:bodyPr>
+            <a:normAutofit fontScale="92500" lnSpcReduction="20000"/>
+          </a:bodyPr>
           <a:lstStyle/>
           <a:p>
-            <a:r>
-              <a:rPr lang="en-US" dirty="0" smtClean="0"/>
-              <a:t>What </a:t>
-            </a:r>
-            <a:r>
-              <a:rPr lang="en-US" dirty="0"/>
-              <a:t>is vertical partitioning, what is horizontal partitioning? Explain it with an example of your own. </a:t>
-            </a:r>
-          </a:p>
-          <a:p>
-            <a:r>
-              <a:rPr lang="en-US" dirty="0" smtClean="0"/>
-              <a:t>Why </a:t>
-            </a:r>
-            <a:r>
-              <a:rPr lang="en-US" dirty="0"/>
-              <a:t>might partitioning be necessary? </a:t>
-            </a:r>
-          </a:p>
-          <a:p>
-            <a:r>
-              <a:rPr lang="en-US" dirty="0" smtClean="0"/>
-              <a:t>What </a:t>
-            </a:r>
-            <a:r>
-              <a:rPr lang="en-US" dirty="0"/>
-              <a:t>do you have to consider before partitioning – how do you decide? </a:t>
-            </a:r>
-          </a:p>
-          <a:p>
-            <a:endParaRPr lang="de-AT" dirty="0"/>
+            <a:pPr marL="514350" indent="-514350">
+              <a:buFont typeface="+mj-lt"/>
+              <a:buAutoNum type="arabicPeriod"/>
+            </a:pPr>
+            <a:r>
+              <a:rPr lang="de-AT" dirty="0" err="1" smtClean="0"/>
+              <a:t>Two</a:t>
+            </a:r>
+            <a:r>
+              <a:rPr lang="de-AT" dirty="0" smtClean="0"/>
+              <a:t> </a:t>
+            </a:r>
+            <a:r>
+              <a:rPr lang="de-AT" dirty="0" err="1" smtClean="0"/>
+              <a:t>operation</a:t>
+            </a:r>
+            <a:r>
+              <a:rPr lang="de-AT" dirty="0" smtClean="0"/>
+              <a:t> </a:t>
+            </a:r>
+            <a:r>
+              <a:rPr lang="de-AT" dirty="0" err="1" smtClean="0"/>
+              <a:t>sets</a:t>
+            </a:r>
+            <a:endParaRPr lang="de-AT" dirty="0" smtClean="0"/>
+          </a:p>
+          <a:p>
+            <a:pPr marL="914400" lvl="1" indent="-514350"/>
+            <a:r>
+              <a:rPr lang="de-AT" sz="1900" dirty="0" smtClean="0"/>
+              <a:t>S1 </a:t>
+            </a:r>
+            <a:r>
+              <a:rPr lang="de-AT" sz="1900" dirty="0" err="1" smtClean="0"/>
+              <a:t>set</a:t>
+            </a:r>
+            <a:r>
+              <a:rPr lang="de-AT" sz="1900" dirty="0" smtClean="0"/>
+              <a:t> </a:t>
+            </a:r>
+            <a:r>
+              <a:rPr lang="de-AT" sz="1900" dirty="0" err="1" smtClean="0"/>
+              <a:t>of</a:t>
+            </a:r>
+            <a:r>
+              <a:rPr lang="de-AT" sz="1900" dirty="0" smtClean="0"/>
+              <a:t> </a:t>
+            </a:r>
+            <a:r>
+              <a:rPr lang="de-AT" sz="1900" dirty="0" err="1" smtClean="0"/>
+              <a:t>operations</a:t>
+            </a:r>
+            <a:r>
+              <a:rPr lang="de-AT" sz="1900" dirty="0" smtClean="0"/>
+              <a:t>, </a:t>
+            </a:r>
+            <a:r>
+              <a:rPr lang="de-AT" sz="1900" dirty="0" err="1" smtClean="0"/>
+              <a:t>which</a:t>
+            </a:r>
+            <a:r>
+              <a:rPr lang="de-AT" sz="1900" dirty="0" smtClean="0"/>
+              <a:t> </a:t>
+            </a:r>
+            <a:r>
+              <a:rPr lang="de-AT" sz="1900" dirty="0" err="1" smtClean="0"/>
+              <a:t>access</a:t>
+            </a:r>
+            <a:r>
+              <a:rPr lang="de-AT" sz="1900" dirty="0" smtClean="0"/>
+              <a:t> </a:t>
+            </a:r>
+            <a:r>
+              <a:rPr lang="de-AT" sz="1900" dirty="0" err="1" smtClean="0"/>
+              <a:t>attributes</a:t>
+            </a:r>
+            <a:r>
+              <a:rPr lang="de-AT" sz="1900" dirty="0" smtClean="0"/>
+              <a:t> </a:t>
+            </a:r>
+            <a:r>
+              <a:rPr lang="de-AT" sz="1900" dirty="0" err="1" smtClean="0"/>
+              <a:t>of</a:t>
+            </a:r>
+            <a:r>
+              <a:rPr lang="de-AT" sz="1900" dirty="0" smtClean="0"/>
+              <a:t> </a:t>
+            </a:r>
+            <a:r>
+              <a:rPr lang="de-AT" sz="1900" dirty="0" err="1" smtClean="0"/>
+              <a:t>the</a:t>
+            </a:r>
+            <a:r>
+              <a:rPr lang="de-AT" sz="1900" dirty="0" smtClean="0"/>
+              <a:t> super-</a:t>
+            </a:r>
+            <a:r>
+              <a:rPr lang="de-AT" sz="1900" dirty="0" err="1" smtClean="0"/>
+              <a:t>class</a:t>
+            </a:r>
+            <a:endParaRPr lang="de-AT" sz="1900" dirty="0" smtClean="0"/>
+          </a:p>
+          <a:p>
+            <a:pPr marL="914400" lvl="1" indent="-514350"/>
+            <a:r>
+              <a:rPr lang="de-AT" sz="1900" dirty="0" smtClean="0"/>
+              <a:t>S2 </a:t>
+            </a:r>
+            <a:r>
+              <a:rPr lang="de-AT" sz="1900" dirty="0" err="1" smtClean="0"/>
+              <a:t>set</a:t>
+            </a:r>
+            <a:r>
+              <a:rPr lang="de-AT" sz="1900" dirty="0" smtClean="0"/>
+              <a:t> </a:t>
+            </a:r>
+            <a:r>
+              <a:rPr lang="de-AT" sz="1900" dirty="0" err="1" smtClean="0"/>
+              <a:t>of</a:t>
+            </a:r>
+            <a:r>
+              <a:rPr lang="de-AT" sz="1900" dirty="0" smtClean="0"/>
+              <a:t> </a:t>
+            </a:r>
+            <a:r>
+              <a:rPr lang="de-AT" sz="1900" dirty="0" err="1" smtClean="0"/>
+              <a:t>operations</a:t>
+            </a:r>
+            <a:r>
+              <a:rPr lang="de-AT" sz="1900" dirty="0" smtClean="0"/>
+              <a:t>, </a:t>
+            </a:r>
+            <a:r>
+              <a:rPr lang="de-AT" sz="1900" dirty="0" err="1" smtClean="0"/>
+              <a:t>which</a:t>
+            </a:r>
+            <a:r>
+              <a:rPr lang="de-AT" sz="1900" dirty="0" smtClean="0"/>
+              <a:t> </a:t>
+            </a:r>
+            <a:r>
+              <a:rPr lang="de-AT" sz="1900" dirty="0" err="1" smtClean="0"/>
+              <a:t>access</a:t>
+            </a:r>
+            <a:r>
+              <a:rPr lang="de-AT" sz="1900" dirty="0" smtClean="0"/>
+              <a:t> </a:t>
+            </a:r>
+            <a:r>
+              <a:rPr lang="de-AT" sz="1900" dirty="0" err="1" smtClean="0"/>
+              <a:t>attributes</a:t>
+            </a:r>
+            <a:r>
+              <a:rPr lang="de-AT" sz="1900" dirty="0" smtClean="0"/>
+              <a:t> </a:t>
+            </a:r>
+            <a:r>
+              <a:rPr lang="de-AT" sz="1900" dirty="0" err="1" smtClean="0"/>
+              <a:t>of</a:t>
+            </a:r>
+            <a:r>
+              <a:rPr lang="de-AT" sz="1900" dirty="0" smtClean="0"/>
+              <a:t> super-</a:t>
+            </a:r>
+            <a:r>
+              <a:rPr lang="de-AT" sz="1900" dirty="0" err="1" smtClean="0"/>
+              <a:t>class</a:t>
+            </a:r>
+            <a:r>
+              <a:rPr lang="de-AT" sz="1900" dirty="0" smtClean="0"/>
+              <a:t> </a:t>
+            </a:r>
+            <a:r>
+              <a:rPr lang="de-AT" sz="1900" dirty="0" err="1" smtClean="0"/>
+              <a:t>and</a:t>
+            </a:r>
+            <a:r>
+              <a:rPr lang="de-AT" sz="1900" dirty="0" smtClean="0"/>
+              <a:t> </a:t>
+            </a:r>
+            <a:r>
+              <a:rPr lang="de-AT" sz="1900" dirty="0" err="1" smtClean="0"/>
+              <a:t>one</a:t>
+            </a:r>
+            <a:r>
+              <a:rPr lang="de-AT" sz="1900" dirty="0" smtClean="0"/>
+              <a:t> sub-</a:t>
+            </a:r>
+            <a:r>
+              <a:rPr lang="de-AT" sz="1900" dirty="0" err="1" smtClean="0"/>
+              <a:t>class</a:t>
+            </a:r>
+            <a:endParaRPr lang="de-AT" sz="1900" dirty="0" smtClean="0"/>
+          </a:p>
+          <a:p>
+            <a:pPr marL="514350" indent="-514350">
+              <a:buFont typeface="+mj-lt"/>
+              <a:buAutoNum type="arabicPeriod"/>
+            </a:pPr>
+            <a:r>
+              <a:rPr lang="de-AT" dirty="0" err="1" smtClean="0"/>
+              <a:t>Calculate</a:t>
+            </a:r>
+            <a:r>
+              <a:rPr lang="de-AT" dirty="0" smtClean="0"/>
+              <a:t> </a:t>
+            </a:r>
+            <a:r>
+              <a:rPr lang="de-AT" dirty="0" err="1" smtClean="0"/>
+              <a:t>access</a:t>
+            </a:r>
+            <a:r>
+              <a:rPr lang="de-AT" dirty="0" smtClean="0"/>
+              <a:t> </a:t>
+            </a:r>
+            <a:r>
+              <a:rPr lang="de-AT" dirty="0" err="1" smtClean="0"/>
+              <a:t>counts</a:t>
+            </a:r>
+            <a:r>
+              <a:rPr lang="de-AT" dirty="0" smtClean="0"/>
+              <a:t> </a:t>
+            </a:r>
+            <a:r>
+              <a:rPr lang="de-AT" dirty="0" err="1" smtClean="0"/>
+              <a:t>for</a:t>
+            </a:r>
+            <a:r>
+              <a:rPr lang="de-AT" dirty="0" smtClean="0"/>
+              <a:t> S1 </a:t>
+            </a:r>
+            <a:r>
+              <a:rPr lang="de-AT" dirty="0" err="1" smtClean="0"/>
+              <a:t>and</a:t>
+            </a:r>
+            <a:r>
+              <a:rPr lang="de-AT" dirty="0" smtClean="0"/>
+              <a:t> S2</a:t>
+            </a:r>
+          </a:p>
+          <a:p>
+            <a:pPr marL="514350" indent="-514350">
+              <a:buFont typeface="+mj-lt"/>
+              <a:buAutoNum type="arabicPeriod"/>
+            </a:pPr>
+            <a:r>
+              <a:rPr lang="de-AT" dirty="0" err="1" smtClean="0"/>
+              <a:t>Decide</a:t>
+            </a:r>
+            <a:endParaRPr lang="de-AT" dirty="0" smtClean="0"/>
+          </a:p>
+          <a:p>
+            <a:pPr marL="400050" lvl="1" indent="0">
+              <a:buNone/>
+            </a:pPr>
+            <a:r>
+              <a:rPr lang="de-AT" dirty="0" err="1" smtClean="0"/>
+              <a:t>if</a:t>
+            </a:r>
+            <a:r>
+              <a:rPr lang="de-AT" dirty="0" smtClean="0"/>
+              <a:t> S2 </a:t>
+            </a:r>
+            <a:r>
+              <a:rPr lang="de-AT" dirty="0" err="1" smtClean="0"/>
+              <a:t>dominates</a:t>
+            </a:r>
+            <a:r>
+              <a:rPr lang="de-AT" dirty="0" smtClean="0"/>
+              <a:t> </a:t>
+            </a:r>
+            <a:r>
+              <a:rPr lang="de-AT" dirty="0" smtClean="0">
+                <a:sym typeface="Wingdings" panose="05000000000000000000" pitchFamily="2" charset="2"/>
+              </a:rPr>
+              <a:t> </a:t>
+            </a:r>
+            <a:r>
+              <a:rPr lang="de-AT" dirty="0" err="1" smtClean="0">
+                <a:sym typeface="Wingdings" panose="05000000000000000000" pitchFamily="2" charset="2"/>
+              </a:rPr>
+              <a:t>floor</a:t>
+            </a:r>
+            <a:endParaRPr lang="de-AT" dirty="0" smtClean="0">
+              <a:sym typeface="Wingdings" panose="05000000000000000000" pitchFamily="2" charset="2"/>
+            </a:endParaRPr>
+          </a:p>
+          <a:p>
+            <a:pPr marL="400050" lvl="1" indent="0">
+              <a:buNone/>
+            </a:pPr>
+            <a:r>
+              <a:rPr lang="de-AT" dirty="0" err="1" smtClean="0">
+                <a:sym typeface="Wingdings" panose="05000000000000000000" pitchFamily="2" charset="2"/>
+              </a:rPr>
+              <a:t>else</a:t>
+            </a:r>
+            <a:r>
+              <a:rPr lang="de-AT" dirty="0" smtClean="0">
+                <a:sym typeface="Wingdings" panose="05000000000000000000" pitchFamily="2" charset="2"/>
+              </a:rPr>
+              <a:t> </a:t>
+            </a:r>
+            <a:r>
+              <a:rPr lang="de-AT" dirty="0" err="1" smtClean="0">
+                <a:sym typeface="Wingdings" panose="05000000000000000000" pitchFamily="2" charset="2"/>
+              </a:rPr>
+              <a:t>analyse</a:t>
+            </a:r>
+            <a:r>
+              <a:rPr lang="de-AT" dirty="0" smtClean="0">
+                <a:sym typeface="Wingdings" panose="05000000000000000000" pitchFamily="2" charset="2"/>
+              </a:rPr>
+              <a:t> </a:t>
+            </a:r>
+            <a:r>
+              <a:rPr lang="de-AT" dirty="0" err="1" smtClean="0">
+                <a:sym typeface="Wingdings" panose="05000000000000000000" pitchFamily="2" charset="2"/>
+              </a:rPr>
+              <a:t>data</a:t>
+            </a:r>
+            <a:r>
+              <a:rPr lang="de-AT" dirty="0" smtClean="0">
+                <a:sym typeface="Wingdings" panose="05000000000000000000" pitchFamily="2" charset="2"/>
+              </a:rPr>
+              <a:t> </a:t>
+            </a:r>
+            <a:r>
+              <a:rPr lang="de-AT" dirty="0" err="1" smtClean="0">
+                <a:sym typeface="Wingdings" panose="05000000000000000000" pitchFamily="2" charset="2"/>
+              </a:rPr>
+              <a:t>manipulation</a:t>
+            </a:r>
+            <a:r>
+              <a:rPr lang="de-AT" dirty="0" smtClean="0">
+                <a:sym typeface="Wingdings" panose="05000000000000000000" pitchFamily="2" charset="2"/>
+              </a:rPr>
+              <a:t> </a:t>
+            </a:r>
+            <a:r>
+              <a:rPr lang="de-AT" dirty="0" err="1" smtClean="0">
+                <a:sym typeface="Wingdings" panose="05000000000000000000" pitchFamily="2" charset="2"/>
+              </a:rPr>
+              <a:t>operations</a:t>
+            </a:r>
+            <a:endParaRPr lang="de-AT" dirty="0" smtClean="0">
+              <a:sym typeface="Wingdings" panose="05000000000000000000" pitchFamily="2" charset="2"/>
+            </a:endParaRPr>
+          </a:p>
+          <a:p>
+            <a:pPr marL="400050" lvl="1" indent="0">
+              <a:buNone/>
+            </a:pPr>
+            <a:r>
+              <a:rPr lang="de-AT" dirty="0">
+                <a:sym typeface="Wingdings" panose="05000000000000000000" pitchFamily="2" charset="2"/>
+              </a:rPr>
+              <a:t>	</a:t>
+            </a:r>
+            <a:r>
+              <a:rPr lang="de-AT" dirty="0" err="1" smtClean="0">
+                <a:sym typeface="Wingdings" panose="05000000000000000000" pitchFamily="2" charset="2"/>
+              </a:rPr>
+              <a:t>if</a:t>
+            </a:r>
+            <a:r>
+              <a:rPr lang="de-AT" dirty="0" smtClean="0">
+                <a:sym typeface="Wingdings" panose="05000000000000000000" pitchFamily="2" charset="2"/>
+              </a:rPr>
+              <a:t> </a:t>
+            </a:r>
+            <a:r>
+              <a:rPr lang="de-AT" dirty="0" err="1" smtClean="0">
+                <a:sym typeface="Wingdings" panose="05000000000000000000" pitchFamily="2" charset="2"/>
+              </a:rPr>
+              <a:t>domination</a:t>
+            </a:r>
+            <a:r>
+              <a:rPr lang="de-AT" dirty="0" smtClean="0">
+                <a:sym typeface="Wingdings" panose="05000000000000000000" pitchFamily="2" charset="2"/>
+              </a:rPr>
+              <a:t> </a:t>
+            </a:r>
+            <a:r>
+              <a:rPr lang="de-AT" dirty="0" err="1" smtClean="0">
+                <a:sym typeface="Wingdings" panose="05000000000000000000" pitchFamily="2" charset="2"/>
+              </a:rPr>
+              <a:t>of</a:t>
+            </a:r>
+            <a:r>
+              <a:rPr lang="de-AT" dirty="0" smtClean="0">
+                <a:sym typeface="Wingdings" panose="05000000000000000000" pitchFamily="2" charset="2"/>
+              </a:rPr>
+              <a:t> </a:t>
+            </a:r>
+            <a:r>
+              <a:rPr lang="de-AT" dirty="0" err="1" smtClean="0">
+                <a:sym typeface="Wingdings" panose="05000000000000000000" pitchFamily="2" charset="2"/>
+              </a:rPr>
+              <a:t>operations</a:t>
+            </a:r>
+            <a:r>
+              <a:rPr lang="de-AT" dirty="0" smtClean="0">
+                <a:sym typeface="Wingdings" panose="05000000000000000000" pitchFamily="2" charset="2"/>
+              </a:rPr>
+              <a:t> </a:t>
+            </a:r>
+            <a:r>
+              <a:rPr lang="de-AT" dirty="0" err="1" smtClean="0">
+                <a:sym typeface="Wingdings" panose="05000000000000000000" pitchFamily="2" charset="2"/>
+              </a:rPr>
+              <a:t>that</a:t>
+            </a:r>
+            <a:r>
+              <a:rPr lang="de-AT" dirty="0" smtClean="0">
+                <a:sym typeface="Wingdings" panose="05000000000000000000" pitchFamily="2" charset="2"/>
+              </a:rPr>
+              <a:t> ..</a:t>
+            </a:r>
+          </a:p>
+          <a:p>
+            <a:pPr marL="400050" lvl="1" indent="0">
+              <a:buNone/>
+            </a:pPr>
+            <a:r>
+              <a:rPr lang="de-AT" dirty="0">
+                <a:sym typeface="Wingdings" panose="05000000000000000000" pitchFamily="2" charset="2"/>
+              </a:rPr>
+              <a:t>	</a:t>
+            </a:r>
+            <a:r>
+              <a:rPr lang="de-AT" dirty="0" smtClean="0">
+                <a:sym typeface="Wingdings" panose="05000000000000000000" pitchFamily="2" charset="2"/>
+              </a:rPr>
+              <a:t>    </a:t>
+            </a:r>
+            <a:r>
+              <a:rPr lang="de-AT" sz="2600" dirty="0" smtClean="0">
+                <a:sym typeface="Wingdings" panose="05000000000000000000" pitchFamily="2" charset="2"/>
+              </a:rPr>
+              <a:t>..</a:t>
+            </a:r>
+            <a:r>
+              <a:rPr lang="de-AT" sz="2600" dirty="0" err="1" smtClean="0">
+                <a:sym typeface="Wingdings" panose="05000000000000000000" pitchFamily="2" charset="2"/>
+              </a:rPr>
+              <a:t>access</a:t>
+            </a:r>
+            <a:r>
+              <a:rPr lang="de-AT" sz="2600" dirty="0" smtClean="0">
+                <a:sym typeface="Wingdings" panose="05000000000000000000" pitchFamily="2" charset="2"/>
+              </a:rPr>
+              <a:t> </a:t>
+            </a:r>
+            <a:r>
+              <a:rPr lang="de-AT" sz="2600" dirty="0" err="1" smtClean="0">
+                <a:sym typeface="Wingdings" panose="05000000000000000000" pitchFamily="2" charset="2"/>
+              </a:rPr>
+              <a:t>attributes</a:t>
+            </a:r>
+            <a:r>
+              <a:rPr lang="de-AT" sz="2600" dirty="0" smtClean="0">
+                <a:sym typeface="Wingdings" panose="05000000000000000000" pitchFamily="2" charset="2"/>
+              </a:rPr>
+              <a:t> </a:t>
+            </a:r>
+            <a:r>
+              <a:rPr lang="de-AT" sz="2600" dirty="0" err="1" smtClean="0">
+                <a:sym typeface="Wingdings" panose="05000000000000000000" pitchFamily="2" charset="2"/>
+              </a:rPr>
+              <a:t>of</a:t>
+            </a:r>
+            <a:r>
+              <a:rPr lang="de-AT" sz="2600" dirty="0" smtClean="0">
+                <a:sym typeface="Wingdings" panose="05000000000000000000" pitchFamily="2" charset="2"/>
+              </a:rPr>
+              <a:t> </a:t>
+            </a:r>
+            <a:r>
+              <a:rPr lang="de-AT" sz="2600" dirty="0" err="1" smtClean="0">
+                <a:sym typeface="Wingdings" panose="05000000000000000000" pitchFamily="2" charset="2"/>
+              </a:rPr>
+              <a:t>both</a:t>
+            </a:r>
+            <a:r>
+              <a:rPr lang="de-AT" sz="2600" dirty="0" smtClean="0">
+                <a:sym typeface="Wingdings" panose="05000000000000000000" pitchFamily="2" charset="2"/>
+              </a:rPr>
+              <a:t> super- </a:t>
+            </a:r>
+            <a:r>
+              <a:rPr lang="de-AT" sz="2600" dirty="0" err="1" smtClean="0">
+                <a:sym typeface="Wingdings" panose="05000000000000000000" pitchFamily="2" charset="2"/>
+              </a:rPr>
+              <a:t>and</a:t>
+            </a:r>
+            <a:r>
+              <a:rPr lang="de-AT" sz="2600" dirty="0" smtClean="0">
+                <a:sym typeface="Wingdings" panose="05000000000000000000" pitchFamily="2" charset="2"/>
+              </a:rPr>
+              <a:t> sub-</a:t>
+            </a:r>
+            <a:r>
+              <a:rPr lang="de-AT" sz="2600" dirty="0" err="1" smtClean="0">
+                <a:sym typeface="Wingdings" panose="05000000000000000000" pitchFamily="2" charset="2"/>
+              </a:rPr>
+              <a:t>class</a:t>
+            </a:r>
+            <a:r>
+              <a:rPr lang="de-AT" sz="2600" dirty="0" smtClean="0">
+                <a:sym typeface="Wingdings" panose="05000000000000000000" pitchFamily="2" charset="2"/>
+              </a:rPr>
+              <a:t>  </a:t>
+            </a:r>
+            <a:r>
+              <a:rPr lang="de-AT" sz="2600" dirty="0" err="1" smtClean="0">
+                <a:sym typeface="Wingdings" panose="05000000000000000000" pitchFamily="2" charset="2"/>
+              </a:rPr>
+              <a:t>ceiling</a:t>
+            </a:r>
+            <a:endParaRPr lang="de-AT" sz="2600" dirty="0" smtClean="0">
+              <a:sym typeface="Wingdings" panose="05000000000000000000" pitchFamily="2" charset="2"/>
+            </a:endParaRPr>
+          </a:p>
+          <a:p>
+            <a:pPr marL="400050" lvl="1" indent="0">
+              <a:buNone/>
+            </a:pPr>
+            <a:r>
+              <a:rPr lang="de-AT" sz="2600" dirty="0">
+                <a:sym typeface="Wingdings" panose="05000000000000000000" pitchFamily="2" charset="2"/>
+              </a:rPr>
+              <a:t>	 </a:t>
+            </a:r>
+            <a:r>
+              <a:rPr lang="de-AT" sz="2600" dirty="0" smtClean="0">
+                <a:sym typeface="Wingdings" panose="05000000000000000000" pitchFamily="2" charset="2"/>
+              </a:rPr>
+              <a:t>   ..</a:t>
+            </a:r>
+            <a:r>
+              <a:rPr lang="de-AT" sz="2600" dirty="0" err="1" smtClean="0">
+                <a:sym typeface="Wingdings" panose="05000000000000000000" pitchFamily="2" charset="2"/>
+              </a:rPr>
+              <a:t>access</a:t>
+            </a:r>
+            <a:r>
+              <a:rPr lang="de-AT" sz="2600" dirty="0" smtClean="0">
+                <a:sym typeface="Wingdings" panose="05000000000000000000" pitchFamily="2" charset="2"/>
+              </a:rPr>
+              <a:t> </a:t>
+            </a:r>
+            <a:r>
+              <a:rPr lang="de-AT" sz="2600" dirty="0" err="1" smtClean="0">
+                <a:sym typeface="Wingdings" panose="05000000000000000000" pitchFamily="2" charset="2"/>
+              </a:rPr>
+              <a:t>attributes</a:t>
+            </a:r>
+            <a:r>
+              <a:rPr lang="de-AT" sz="2600" dirty="0" smtClean="0">
+                <a:sym typeface="Wingdings" panose="05000000000000000000" pitchFamily="2" charset="2"/>
+              </a:rPr>
+              <a:t> </a:t>
+            </a:r>
+            <a:r>
+              <a:rPr lang="de-AT" sz="2600" dirty="0" err="1" smtClean="0">
+                <a:sym typeface="Wingdings" panose="05000000000000000000" pitchFamily="2" charset="2"/>
+              </a:rPr>
+              <a:t>of</a:t>
+            </a:r>
+            <a:r>
+              <a:rPr lang="de-AT" sz="2600" dirty="0" smtClean="0">
+                <a:sym typeface="Wingdings" panose="05000000000000000000" pitchFamily="2" charset="2"/>
+              </a:rPr>
+              <a:t> </a:t>
+            </a:r>
+            <a:r>
+              <a:rPr lang="de-AT" sz="2600" dirty="0" err="1" smtClean="0">
+                <a:sym typeface="Wingdings" panose="05000000000000000000" pitchFamily="2" charset="2"/>
+              </a:rPr>
+              <a:t>either</a:t>
+            </a:r>
+            <a:r>
+              <a:rPr lang="de-AT" sz="2600" dirty="0" smtClean="0">
+                <a:sym typeface="Wingdings" panose="05000000000000000000" pitchFamily="2" charset="2"/>
+              </a:rPr>
+              <a:t> super- </a:t>
+            </a:r>
+            <a:r>
+              <a:rPr lang="de-AT" sz="2600" dirty="0" err="1" smtClean="0">
+                <a:sym typeface="Wingdings" panose="05000000000000000000" pitchFamily="2" charset="2"/>
+              </a:rPr>
+              <a:t>or</a:t>
+            </a:r>
+            <a:r>
+              <a:rPr lang="de-AT" sz="2600" dirty="0" smtClean="0">
+                <a:sym typeface="Wingdings" panose="05000000000000000000" pitchFamily="2" charset="2"/>
+              </a:rPr>
+              <a:t> sub-</a:t>
+            </a:r>
+            <a:r>
+              <a:rPr lang="de-AT" sz="2600" dirty="0" err="1" smtClean="0">
+                <a:sym typeface="Wingdings" panose="05000000000000000000" pitchFamily="2" charset="2"/>
+              </a:rPr>
+              <a:t>class</a:t>
+            </a:r>
+            <a:r>
+              <a:rPr lang="de-AT" sz="2600" dirty="0" smtClean="0">
+                <a:sym typeface="Wingdings" panose="05000000000000000000" pitchFamily="2" charset="2"/>
+              </a:rPr>
+              <a:t>  </a:t>
+            </a:r>
+            <a:r>
+              <a:rPr lang="de-AT" sz="2600" dirty="0" err="1" smtClean="0">
+                <a:sym typeface="Wingdings" panose="05000000000000000000" pitchFamily="2" charset="2"/>
+              </a:rPr>
+              <a:t>cohesion</a:t>
+            </a:r>
+            <a:endParaRPr lang="de-AT" sz="2600" dirty="0" smtClean="0">
+              <a:sym typeface="Wingdings" panose="05000000000000000000" pitchFamily="2" charset="2"/>
+            </a:endParaRPr>
           </a:p>
         </p:txBody>
       </p:sp>
     </p:spTree>
     <p:extLst>
       <p:ext uri="{BB962C8B-B14F-4D97-AF65-F5344CB8AC3E}">
-        <p14:creationId xmlns:p14="http://schemas.microsoft.com/office/powerpoint/2010/main" val="4170754018"/>
+        <p14:creationId xmlns:p14="http://schemas.microsoft.com/office/powerpoint/2010/main" val="1393091644"/>
       </p:ext>
     </p:extLst>
   </p:cSld>
@@ -10075,19 +10272,11 @@
           <a:p>
             <a:r>
               <a:rPr lang="de-AT" dirty="0" err="1" smtClean="0"/>
-              <a:t>Vertical</a:t>
-            </a:r>
-            <a:r>
-              <a:rPr lang="de-AT" dirty="0" smtClean="0"/>
-              <a:t> </a:t>
-            </a:r>
-            <a:r>
-              <a:rPr lang="de-AT" dirty="0" err="1" smtClean="0"/>
-              <a:t>partitioning</a:t>
-            </a:r>
-            <a:r>
-              <a:rPr lang="de-AT" dirty="0" smtClean="0"/>
-              <a:t>(1/2)</a:t>
+              <a:t>Exercise</a:t>
+            </a:r>
+            <a:r>
+              <a:rPr lang="de-AT" dirty="0" smtClean="0"/>
+              <a:t> 5</a:t>
             </a:r>
             <a:endParaRPr lang="de-AT" dirty="0"/>
           </a:p>
@@ -10109,29 +10298,35 @@
           <a:lstStyle/>
           <a:p>
             <a:r>
+              <a:rPr lang="en-US" dirty="0" smtClean="0"/>
+              <a:t>What </a:t>
+            </a:r>
+            <a:r>
               <a:rPr lang="en-US" dirty="0"/>
-              <a:t>split class vertically </a:t>
+              <a:t>is vertical partitioning, what is horizontal partitioning? Explain it with an example of your own. </a:t>
             </a:r>
           </a:p>
           <a:p>
             <a:r>
               <a:rPr lang="en-US" dirty="0" smtClean="0"/>
-              <a:t>new </a:t>
+              <a:t>Why </a:t>
             </a:r>
             <a:r>
               <a:rPr lang="en-US" dirty="0"/>
-              <a:t>classes have different set of attributes </a:t>
+              <a:t>might partitioning be necessary? </a:t>
             </a:r>
           </a:p>
           <a:p>
             <a:r>
               <a:rPr lang="en-US" dirty="0" smtClean="0"/>
-              <a:t>needs </a:t>
+              <a:t>What </a:t>
             </a:r>
             <a:r>
               <a:rPr lang="en-US" dirty="0"/>
-              <a:t>join operation to retrieve original set of instances </a:t>
-            </a:r>
+              <a:t>do you have to consider before partitioning – how do you decide? </a:t>
+            </a:r>
+          </a:p>
+          <a:p>
             <a:endParaRPr lang="de-AT" dirty="0"/>
           </a:p>
         </p:txBody>
@@ -10139,7 +10334,7 @@
     </p:spTree>
     <p:extLst>
       <p:ext uri="{BB962C8B-B14F-4D97-AF65-F5344CB8AC3E}">
-        <p14:creationId xmlns:p14="http://schemas.microsoft.com/office/powerpoint/2010/main" val="1457252602"/>
+        <p14:creationId xmlns:p14="http://schemas.microsoft.com/office/powerpoint/2010/main" val="4170754018"/>
       </p:ext>
     </p:extLst>
   </p:cSld>
@@ -10538,6 +10733,121 @@
           <a:lstStyle/>
           <a:p>
             <a:r>
+              <a:rPr lang="de-AT" dirty="0" err="1" smtClean="0"/>
+              <a:t>Vertical</a:t>
+            </a:r>
+            <a:r>
+              <a:rPr lang="de-AT" dirty="0" smtClean="0"/>
+              <a:t> </a:t>
+            </a:r>
+            <a:r>
+              <a:rPr lang="de-AT" dirty="0" err="1" smtClean="0"/>
+              <a:t>partitioning</a:t>
+            </a:r>
+            <a:r>
+              <a:rPr lang="de-AT" dirty="0" smtClean="0"/>
+              <a:t>(1/2)</a:t>
+            </a:r>
+            <a:endParaRPr lang="de-AT" dirty="0"/>
+          </a:p>
+        </p:txBody>
+      </p:sp>
+      <p:sp>
+        <p:nvSpPr>
+          <p:cNvPr id="3" name="Inhaltsplatzhalter 2"/>
+          <p:cNvSpPr>
+            <a:spLocks noGrp="1"/>
+          </p:cNvSpPr>
+          <p:nvPr>
+            <p:ph sz="quarter" idx="1"/>
+          </p:nvPr>
+        </p:nvSpPr>
+        <p:spPr/>
+        <p:txBody>
+          <a:bodyPr/>
+          <a:lstStyle/>
+          <a:p>
+            <a:r>
+              <a:rPr lang="en-US" dirty="0"/>
+              <a:t>split class vertically </a:t>
+            </a:r>
+          </a:p>
+          <a:p>
+            <a:r>
+              <a:rPr lang="en-US" dirty="0" smtClean="0"/>
+              <a:t>new </a:t>
+            </a:r>
+            <a:r>
+              <a:rPr lang="en-US" dirty="0"/>
+              <a:t>classes have different set of attributes </a:t>
+            </a:r>
+          </a:p>
+          <a:p>
+            <a:r>
+              <a:rPr lang="en-US" dirty="0" smtClean="0"/>
+              <a:t>needs </a:t>
+            </a:r>
+            <a:r>
+              <a:rPr lang="en-US" dirty="0"/>
+              <a:t>join operation to retrieve original set of instances </a:t>
+            </a:r>
+            <a:endParaRPr lang="de-AT" dirty="0"/>
+          </a:p>
+        </p:txBody>
+      </p:sp>
+    </p:spTree>
+    <p:extLst>
+      <p:ext uri="{BB962C8B-B14F-4D97-AF65-F5344CB8AC3E}">
+        <p14:creationId xmlns:p14="http://schemas.microsoft.com/office/powerpoint/2010/main" val="1457252602"/>
+      </p:ext>
+    </p:extLst>
+  </p:cSld>
+  <p:clrMapOvr>
+    <a:masterClrMapping/>
+  </p:clrMapOvr>
+  <p:timing>
+    <p:tnLst>
+      <p:par>
+        <p:cTn id="1" dur="indefinite" restart="never" nodeType="tmRoot"/>
+      </p:par>
+    </p:tnLst>
+  </p:timing>
+</p:sld>
+</file>
+
+<file path=ppt/slides/slide31.xml><?xml version="1.0" encoding="utf-8"?>
+<p:sld xmlns:a="http://schemas.openxmlformats.org/drawingml/2006/main" xmlns:r="http://schemas.openxmlformats.org/officeDocument/2006/relationships" xmlns:p="http://schemas.openxmlformats.org/presentationml/2006/main">
+  <p:cSld>
+    <p:spTree>
+      <p:nvGrpSpPr>
+        <p:cNvPr id="1" name=""/>
+        <p:cNvGrpSpPr/>
+        <p:nvPr/>
+      </p:nvGrpSpPr>
+      <p:grpSpPr>
+        <a:xfrm>
+          <a:off x="0" y="0"/>
+          <a:ext cx="0" cy="0"/>
+          <a:chOff x="0" y="0"/>
+          <a:chExt cx="0" cy="0"/>
+        </a:xfrm>
+      </p:grpSpPr>
+      <p:sp>
+        <p:nvSpPr>
+          <p:cNvPr id="2" name="Titel 1"/>
+          <p:cNvSpPr>
+            <a:spLocks noGrp="1"/>
+          </p:cNvSpPr>
+          <p:nvPr>
+            <p:ph type="title"/>
+          </p:nvPr>
+        </p:nvSpPr>
+        <p:spPr/>
+        <p:txBody>
+          <a:bodyPr/>
+          <a:lstStyle/>
+          <a:p>
+            <a:r>
               <a:rPr lang="de-AT" dirty="0" smtClean="0"/>
               <a:t>Horizontal </a:t>
             </a:r>
@@ -10623,7 +10933,7 @@
 </p:sld>
 </file>
 
-<file path=ppt/slides/slide31.xml><?xml version="1.0" encoding="utf-8"?>
+<file path=ppt/slides/slide32.xml><?xml version="1.0" encoding="utf-8"?>
 <p:sld xmlns:a="http://schemas.openxmlformats.org/drawingml/2006/main" xmlns:r="http://schemas.openxmlformats.org/officeDocument/2006/relationships" xmlns:p="http://schemas.openxmlformats.org/presentationml/2006/main">
   <p:cSld>
     <p:spTree>
@@ -10750,7 +11060,7 @@
 </p:sld>
 </file>
 
-<file path=ppt/slides/slide32.xml><?xml version="1.0" encoding="utf-8"?>
+<file path=ppt/slides/slide33.xml><?xml version="1.0" encoding="utf-8"?>
 <p:sld xmlns:a="http://schemas.openxmlformats.org/drawingml/2006/main" xmlns:r="http://schemas.openxmlformats.org/officeDocument/2006/relationships" xmlns:p="http://schemas.openxmlformats.org/presentationml/2006/main">
   <p:cSld>
     <p:spTree>
@@ -10915,7 +11225,7 @@
 </p:sld>
 </file>
 
-<file path=ppt/slides/slide33.xml><?xml version="1.0" encoding="utf-8"?>
+<file path=ppt/slides/slide34.xml><?xml version="1.0" encoding="utf-8"?>
 <p:sld xmlns:a="http://schemas.openxmlformats.org/drawingml/2006/main" xmlns:r="http://schemas.openxmlformats.org/officeDocument/2006/relationships" xmlns:p="http://schemas.openxmlformats.org/presentationml/2006/main">
   <p:cSld>
     <p:spTree>
@@ -11624,39 +11934,43 @@
         <p:spPr/>
         <p:txBody>
           <a:bodyPr>
-            <a:normAutofit fontScale="90000"/>
+            <a:normAutofit/>
           </a:bodyPr>
           <a:lstStyle/>
           <a:p>
             <a:r>
-              <a:rPr lang="de-AT" dirty="0" err="1"/>
+              <a:rPr lang="de-AT" sz="3600" dirty="0" err="1"/>
               <a:t>scenarios</a:t>
             </a:r>
             <a:r>
-              <a:rPr lang="de-AT" dirty="0"/>
-              <a:t> </a:t>
-            </a:r>
-            <a:r>
-              <a:rPr lang="de-AT" dirty="0" err="1"/>
+              <a:rPr lang="de-AT" sz="3600" dirty="0"/>
+              <a:t> </a:t>
+            </a:r>
+            <a:r>
+              <a:rPr lang="de-AT" sz="3600" dirty="0" err="1"/>
               <a:t>and</a:t>
             </a:r>
             <a:r>
-              <a:rPr lang="de-AT" dirty="0"/>
-              <a:t> </a:t>
-            </a:r>
-            <a:r>
-              <a:rPr lang="de-AT" dirty="0" err="1"/>
+              <a:rPr lang="de-AT" sz="3600" dirty="0"/>
+              <a:t> </a:t>
+            </a:r>
+            <a:r>
+              <a:rPr lang="de-AT" sz="3600" dirty="0" err="1"/>
               <a:t>interschema</a:t>
             </a:r>
             <a:r>
-              <a:rPr lang="de-AT" dirty="0"/>
-              <a:t> </a:t>
-            </a:r>
-            <a:r>
-              <a:rPr lang="de-AT" dirty="0" err="1"/>
+              <a:rPr lang="de-AT" sz="3600" dirty="0"/>
+              <a:t> </a:t>
+            </a:r>
+            <a:r>
+              <a:rPr lang="de-AT" sz="3600" dirty="0" err="1" smtClean="0"/>
               <a:t>properties</a:t>
             </a:r>
-            <a:endParaRPr lang="de-AT" dirty="0"/>
+            <a:r>
+              <a:rPr lang="de-AT" sz="3600" dirty="0" smtClean="0"/>
+              <a:t> (1/2)</a:t>
+            </a:r>
+            <a:endParaRPr lang="de-AT" sz="3600" dirty="0"/>
           </a:p>
         </p:txBody>
       </p:sp>
@@ -11683,7 +11997,7 @@
         </p:blipFill>
         <p:spPr bwMode="auto">
           <a:xfrm>
-            <a:off x="683568" y="1772816"/>
+            <a:off x="2483768" y="1628800"/>
             <a:ext cx="3156570" cy="4713135"/>
           </a:xfrm>
           <a:prstGeom prst="rect">
@@ -11714,16 +12028,166 @@
           </a:extLst>
         </p:spPr>
       </p:pic>
+      <p:cxnSp>
+        <p:nvCxnSpPr>
+          <p:cNvPr id="4" name="Gerade Verbindung 3"/>
+          <p:cNvCxnSpPr/>
+          <p:nvPr/>
+        </p:nvCxnSpPr>
+        <p:spPr>
+          <a:xfrm>
+            <a:off x="2555776" y="3068960"/>
+            <a:ext cx="2952328" cy="0"/>
+          </a:xfrm>
+          <a:prstGeom prst="line">
+            <a:avLst/>
+          </a:prstGeom>
+        </p:spPr>
+        <p:style>
+          <a:lnRef idx="1">
+            <a:schemeClr val="accent1"/>
+          </a:lnRef>
+          <a:fillRef idx="0">
+            <a:schemeClr val="accent1"/>
+          </a:fillRef>
+          <a:effectRef idx="0">
+            <a:schemeClr val="accent1"/>
+          </a:effectRef>
+          <a:fontRef idx="minor">
+            <a:schemeClr val="tx1"/>
+          </a:fontRef>
+        </p:style>
+      </p:cxnSp>
+      <p:cxnSp>
+        <p:nvCxnSpPr>
+          <p:cNvPr id="7" name="Gerade Verbindung 6"/>
+          <p:cNvCxnSpPr/>
+          <p:nvPr/>
+        </p:nvCxnSpPr>
+        <p:spPr>
+          <a:xfrm>
+            <a:off x="2585889" y="4509120"/>
+            <a:ext cx="2952328" cy="0"/>
+          </a:xfrm>
+          <a:prstGeom prst="line">
+            <a:avLst/>
+          </a:prstGeom>
+        </p:spPr>
+        <p:style>
+          <a:lnRef idx="1">
+            <a:schemeClr val="accent1"/>
+          </a:lnRef>
+          <a:fillRef idx="0">
+            <a:schemeClr val="accent1"/>
+          </a:fillRef>
+          <a:effectRef idx="0">
+            <a:schemeClr val="accent1"/>
+          </a:effectRef>
+          <a:fontRef idx="minor">
+            <a:schemeClr val="tx1"/>
+          </a:fontRef>
+        </p:style>
+      </p:cxnSp>
+    </p:spTree>
+    <p:extLst>
+      <p:ext uri="{BB962C8B-B14F-4D97-AF65-F5344CB8AC3E}">
+        <p14:creationId xmlns:p14="http://schemas.microsoft.com/office/powerpoint/2010/main" val="680704576"/>
+      </p:ext>
+    </p:extLst>
+  </p:cSld>
+  <p:clrMapOvr>
+    <a:masterClrMapping/>
+  </p:clrMapOvr>
+</p:sld>
+</file>
+
+<file path=ppt/slides/slide8.xml><?xml version="1.0" encoding="utf-8"?>
+<p:sld xmlns:a="http://schemas.openxmlformats.org/drawingml/2006/main" xmlns:r="http://schemas.openxmlformats.org/officeDocument/2006/relationships" xmlns:p="http://schemas.openxmlformats.org/presentationml/2006/main">
+  <p:cSld>
+    <p:spTree>
+      <p:nvGrpSpPr>
+        <p:cNvPr id="1" name=""/>
+        <p:cNvGrpSpPr/>
+        <p:nvPr/>
+      </p:nvGrpSpPr>
+      <p:grpSpPr>
+        <a:xfrm>
+          <a:off x="0" y="0"/>
+          <a:ext cx="0" cy="0"/>
+          <a:chOff x="0" y="0"/>
+          <a:chExt cx="0" cy="0"/>
+        </a:xfrm>
+      </p:grpSpPr>
+      <p:sp>
+        <p:nvSpPr>
+          <p:cNvPr id="2" name="Titel 1"/>
+          <p:cNvSpPr>
+            <a:spLocks noGrp="1"/>
+          </p:cNvSpPr>
+          <p:nvPr>
+            <p:ph type="title"/>
+          </p:nvPr>
+        </p:nvSpPr>
+        <p:spPr/>
+        <p:txBody>
+          <a:bodyPr>
+            <a:normAutofit/>
+          </a:bodyPr>
+          <a:lstStyle/>
+          <a:p>
+            <a:r>
+              <a:rPr lang="de-AT" sz="3600" dirty="0" err="1"/>
+              <a:t>scenarios</a:t>
+            </a:r>
+            <a:r>
+              <a:rPr lang="de-AT" sz="3600" dirty="0"/>
+              <a:t> </a:t>
+            </a:r>
+            <a:r>
+              <a:rPr lang="de-AT" sz="3600" dirty="0" err="1"/>
+              <a:t>and</a:t>
+            </a:r>
+            <a:r>
+              <a:rPr lang="de-AT" sz="3600" dirty="0"/>
+              <a:t> </a:t>
+            </a:r>
+            <a:r>
+              <a:rPr lang="de-AT" sz="3600" dirty="0" err="1"/>
+              <a:t>interschema</a:t>
+            </a:r>
+            <a:r>
+              <a:rPr lang="de-AT" sz="3600" dirty="0"/>
+              <a:t> </a:t>
+            </a:r>
+            <a:r>
+              <a:rPr lang="de-AT" sz="3600" dirty="0" err="1"/>
+              <a:t>properties</a:t>
+            </a:r>
+            <a:r>
+              <a:rPr lang="de-AT" sz="3600" dirty="0"/>
+              <a:t> </a:t>
+            </a:r>
+            <a:r>
+              <a:rPr lang="de-AT" sz="3600" dirty="0" smtClean="0"/>
+              <a:t>(2/2</a:t>
+            </a:r>
+            <a:r>
+              <a:rPr lang="de-AT" sz="3600" dirty="0"/>
+              <a:t>)</a:t>
+            </a:r>
+          </a:p>
+        </p:txBody>
+      </p:sp>
       <p:pic>
         <p:nvPicPr>
-          <p:cNvPr id="1028" name="Picture 4"/>
+          <p:cNvPr id="4" name="Picture 4"/>
           <p:cNvPicPr>
             <a:picLocks noChangeAspect="1" noChangeArrowheads="1"/>
           </p:cNvPicPr>
           <p:nvPr/>
         </p:nvPicPr>
         <p:blipFill>
-          <a:blip r:embed="rId3">
+          <a:blip r:embed="rId2">
             <a:extLst>
               <a:ext uri="{28A0092B-C50C-407E-A947-70E740481C1C}">
                 <a14:useLocalDpi xmlns:a14="http://schemas.microsoft.com/office/drawing/2010/main" val="0"/>
@@ -11737,7 +12201,7 @@
         </p:blipFill>
         <p:spPr bwMode="auto">
           <a:xfrm>
-            <a:off x="4355976" y="1787716"/>
+            <a:off x="2483768" y="1556792"/>
             <a:ext cx="4169295" cy="4698235"/>
           </a:xfrm>
           <a:prstGeom prst="rect">
@@ -11768,10 +12232,40 @@
           </a:extLst>
         </p:spPr>
       </p:pic>
+      <p:cxnSp>
+        <p:nvCxnSpPr>
+          <p:cNvPr id="5" name="Gerade Verbindung 4"/>
+          <p:cNvCxnSpPr/>
+          <p:nvPr/>
+        </p:nvCxnSpPr>
+        <p:spPr>
+          <a:xfrm>
+            <a:off x="2660203" y="4509120"/>
+            <a:ext cx="3816424" cy="0"/>
+          </a:xfrm>
+          <a:prstGeom prst="line">
+            <a:avLst/>
+          </a:prstGeom>
+        </p:spPr>
+        <p:style>
+          <a:lnRef idx="1">
+            <a:schemeClr val="accent1"/>
+          </a:lnRef>
+          <a:fillRef idx="0">
+            <a:schemeClr val="accent1"/>
+          </a:fillRef>
+          <a:effectRef idx="0">
+            <a:schemeClr val="accent1"/>
+          </a:effectRef>
+          <a:fontRef idx="minor">
+            <a:schemeClr val="tx1"/>
+          </a:fontRef>
+        </p:style>
+      </p:cxnSp>
     </p:spTree>
     <p:extLst>
       <p:ext uri="{BB962C8B-B14F-4D97-AF65-F5344CB8AC3E}">
-        <p14:creationId xmlns:p14="http://schemas.microsoft.com/office/powerpoint/2010/main" val="680704576"/>
+        <p14:creationId xmlns:p14="http://schemas.microsoft.com/office/powerpoint/2010/main" val="2689177308"/>
       </p:ext>
     </p:extLst>
   </p:cSld>
@@ -11781,7 +12275,7 @@
 </p:sld>
 </file>
 
-<file path=ppt/slides/slide8.xml><?xml version="1.0" encoding="utf-8"?>
+<file path=ppt/slides/slide9.xml><?xml version="1.0" encoding="utf-8"?>
 <p:sld xmlns:a="http://schemas.openxmlformats.org/drawingml/2006/main" xmlns:r="http://schemas.openxmlformats.org/officeDocument/2006/relationships" xmlns:p="http://schemas.openxmlformats.org/presentationml/2006/main">
   <p:cSld>
     <p:spTree>
@@ -11892,315 +12386,6 @@
       </p:par>
     </p:tnLst>
   </p:timing>
-</p:sld>
-</file>
-
-<file path=ppt/slides/slide9.xml><?xml version="1.0" encoding="utf-8"?>
-<p:sld xmlns:a="http://schemas.openxmlformats.org/drawingml/2006/main" xmlns:r="http://schemas.openxmlformats.org/officeDocument/2006/relationships" xmlns:p="http://schemas.openxmlformats.org/presentationml/2006/main">
-  <p:cSld>
-    <p:spTree>
-      <p:nvGrpSpPr>
-        <p:cNvPr id="1" name=""/>
-        <p:cNvGrpSpPr/>
-        <p:nvPr/>
-      </p:nvGrpSpPr>
-      <p:grpSpPr>
-        <a:xfrm>
-          <a:off x="0" y="0"/>
-          <a:ext cx="0" cy="0"/>
-          <a:chOff x="0" y="0"/>
-          <a:chExt cx="0" cy="0"/>
-        </a:xfrm>
-      </p:grpSpPr>
-      <p:sp>
-        <p:nvSpPr>
-          <p:cNvPr id="2" name="Titel 1"/>
-          <p:cNvSpPr>
-            <a:spLocks noGrp="1"/>
-          </p:cNvSpPr>
-          <p:nvPr>
-            <p:ph type="title"/>
-          </p:nvPr>
-        </p:nvSpPr>
-        <p:spPr/>
-        <p:txBody>
-          <a:bodyPr>
-            <a:normAutofit fontScale="90000"/>
-          </a:bodyPr>
-          <a:lstStyle/>
-          <a:p>
-            <a:r>
-              <a:rPr lang="de-AT" dirty="0" err="1" smtClean="0"/>
-              <a:t>Exercise</a:t>
-            </a:r>
-            <a:r>
-              <a:rPr lang="de-AT" dirty="0" smtClean="0"/>
-              <a:t> 2 – </a:t>
-            </a:r>
-            <a:br>
-              <a:rPr lang="de-AT" dirty="0" smtClean="0"/>
-            </a:br>
-            <a:r>
-              <a:rPr lang="de-AT" dirty="0" smtClean="0"/>
-              <a:t>Determination </a:t>
-            </a:r>
-            <a:r>
-              <a:rPr lang="de-AT" dirty="0" err="1" smtClean="0"/>
-              <a:t>of</a:t>
-            </a:r>
-            <a:r>
-              <a:rPr lang="de-AT" dirty="0" smtClean="0"/>
-              <a:t> </a:t>
-            </a:r>
-            <a:r>
-              <a:rPr lang="de-AT" dirty="0" err="1" smtClean="0"/>
-              <a:t>Quantities</a:t>
-            </a:r>
-            <a:endParaRPr lang="de-AT" dirty="0"/>
-          </a:p>
-        </p:txBody>
-      </p:sp>
-      <p:pic>
-        <p:nvPicPr>
-          <p:cNvPr id="4" name="Inhaltsplatzhalter 3"/>
-          <p:cNvPicPr>
-            <a:picLocks noGrp="1" noChangeAspect="1"/>
-          </p:cNvPicPr>
-          <p:nvPr>
-            <p:ph sz="quarter" idx="1"/>
-          </p:nvPr>
-        </p:nvPicPr>
-        <p:blipFill>
-          <a:blip r:embed="rId2">
-            <a:extLst>
-              <a:ext uri="{28A0092B-C50C-407E-A947-70E740481C1C}">
-                <a14:useLocalDpi xmlns:a14="http://schemas.microsoft.com/office/drawing/2010/main" val="0"/>
-              </a:ext>
-            </a:extLst>
-          </a:blip>
-          <a:stretch>
-            <a:fillRect/>
-          </a:stretch>
-        </p:blipFill>
-        <p:spPr>
-          <a:xfrm>
-            <a:off x="1979712" y="1844824"/>
-            <a:ext cx="5468114" cy="895475"/>
-          </a:xfrm>
-        </p:spPr>
-      </p:pic>
-      <p:sp>
-        <p:nvSpPr>
-          <p:cNvPr id="5" name="Textfeld 4"/>
-          <p:cNvSpPr txBox="1"/>
-          <p:nvPr/>
-        </p:nvSpPr>
-        <p:spPr>
-          <a:xfrm>
-            <a:off x="899592" y="2924944"/>
-            <a:ext cx="7344816" cy="1477328"/>
-          </a:xfrm>
-          <a:prstGeom prst="rect">
-            <a:avLst/>
-          </a:prstGeom>
-          <a:noFill/>
-        </p:spPr>
-        <p:txBody>
-          <a:bodyPr wrap="square" rtlCol="0">
-            <a:spAutoFit/>
-          </a:bodyPr>
-          <a:lstStyle/>
-          <a:p>
-            <a:r>
-              <a:rPr lang="de-AT" dirty="0" smtClean="0"/>
-              <a:t>N(C</a:t>
-            </a:r>
-            <a:r>
-              <a:rPr lang="de-AT" dirty="0"/>
-              <a:t>) = </a:t>
-            </a:r>
-            <a:r>
-              <a:rPr lang="de-AT" dirty="0" err="1" smtClean="0"/>
-              <a:t>average</a:t>
-            </a:r>
-            <a:r>
-              <a:rPr lang="de-AT" dirty="0" smtClean="0"/>
-              <a:t> </a:t>
-            </a:r>
-            <a:r>
-              <a:rPr lang="de-AT" dirty="0" err="1" smtClean="0"/>
-              <a:t>number</a:t>
-            </a:r>
-            <a:r>
-              <a:rPr lang="de-AT" dirty="0" smtClean="0"/>
-              <a:t> </a:t>
-            </a:r>
-            <a:r>
-              <a:rPr lang="de-AT" dirty="0" err="1" smtClean="0"/>
-              <a:t>of</a:t>
-            </a:r>
-            <a:r>
-              <a:rPr lang="de-AT" dirty="0" smtClean="0"/>
-              <a:t> </a:t>
-            </a:r>
-            <a:r>
-              <a:rPr lang="de-AT" dirty="0" err="1" smtClean="0"/>
-              <a:t>instances</a:t>
-            </a:r>
-            <a:r>
-              <a:rPr lang="de-AT" dirty="0" smtClean="0"/>
-              <a:t> per </a:t>
-            </a:r>
-            <a:r>
-              <a:rPr lang="de-AT" dirty="0" err="1" smtClean="0"/>
-              <a:t>class</a:t>
-            </a:r>
-            <a:endParaRPr lang="de-AT" dirty="0"/>
-          </a:p>
-          <a:p>
-            <a:r>
-              <a:rPr lang="de-AT" dirty="0" smtClean="0"/>
-              <a:t>N(A</a:t>
-            </a:r>
-            <a:r>
-              <a:rPr lang="de-AT" dirty="0"/>
-              <a:t>) = </a:t>
-            </a:r>
-            <a:r>
-              <a:rPr lang="de-AT" dirty="0" err="1" smtClean="0"/>
-              <a:t>average</a:t>
-            </a:r>
-            <a:r>
-              <a:rPr lang="de-AT" dirty="0" smtClean="0"/>
-              <a:t> </a:t>
-            </a:r>
-            <a:r>
-              <a:rPr lang="de-AT" dirty="0" err="1" smtClean="0"/>
-              <a:t>number</a:t>
-            </a:r>
-            <a:r>
-              <a:rPr lang="de-AT" dirty="0" smtClean="0"/>
-              <a:t> </a:t>
-            </a:r>
-            <a:r>
-              <a:rPr lang="de-AT" dirty="0" err="1" smtClean="0"/>
-              <a:t>of</a:t>
-            </a:r>
-            <a:r>
-              <a:rPr lang="de-AT" dirty="0" smtClean="0"/>
-              <a:t> </a:t>
-            </a:r>
-            <a:r>
-              <a:rPr lang="de-AT" dirty="0" err="1" smtClean="0"/>
-              <a:t>association</a:t>
-            </a:r>
-            <a:r>
-              <a:rPr lang="de-AT" dirty="0" smtClean="0"/>
-              <a:t> </a:t>
-            </a:r>
-            <a:r>
-              <a:rPr lang="de-AT" dirty="0" err="1" smtClean="0"/>
-              <a:t>instances</a:t>
-            </a:r>
-            <a:r>
-              <a:rPr lang="de-AT" dirty="0" smtClean="0"/>
-              <a:t> per </a:t>
-            </a:r>
-            <a:r>
-              <a:rPr lang="de-AT" dirty="0" err="1" smtClean="0"/>
-              <a:t>association</a:t>
-            </a:r>
-            <a:endParaRPr lang="de-AT" dirty="0"/>
-          </a:p>
-          <a:p>
-            <a:r>
-              <a:rPr lang="de-AT" dirty="0" smtClean="0"/>
-              <a:t>N(C,A</a:t>
-            </a:r>
-            <a:r>
-              <a:rPr lang="de-AT" dirty="0"/>
-              <a:t>) = </a:t>
-            </a:r>
-            <a:r>
-              <a:rPr lang="de-AT" dirty="0" err="1" smtClean="0"/>
-              <a:t>average</a:t>
-            </a:r>
-            <a:r>
-              <a:rPr lang="de-AT" dirty="0" smtClean="0"/>
-              <a:t> </a:t>
-            </a:r>
-            <a:r>
-              <a:rPr lang="de-AT" dirty="0" err="1" smtClean="0"/>
-              <a:t>number</a:t>
-            </a:r>
-            <a:r>
-              <a:rPr lang="de-AT" dirty="0" smtClean="0"/>
-              <a:t> </a:t>
-            </a:r>
-            <a:r>
-              <a:rPr lang="de-AT" dirty="0" err="1" smtClean="0"/>
-              <a:t>of</a:t>
-            </a:r>
-            <a:r>
-              <a:rPr lang="de-AT" dirty="0" smtClean="0"/>
-              <a:t> </a:t>
-            </a:r>
-            <a:r>
-              <a:rPr lang="de-AT" dirty="0" err="1" smtClean="0"/>
-              <a:t>class</a:t>
-            </a:r>
-            <a:r>
-              <a:rPr lang="de-AT" dirty="0" smtClean="0"/>
-              <a:t> </a:t>
-            </a:r>
-            <a:r>
-              <a:rPr lang="de-AT" dirty="0" err="1" smtClean="0"/>
-              <a:t>instances</a:t>
-            </a:r>
-            <a:r>
-              <a:rPr lang="de-AT" dirty="0" smtClean="0"/>
-              <a:t> per </a:t>
-            </a:r>
-            <a:r>
-              <a:rPr lang="de-AT" dirty="0" err="1" smtClean="0"/>
-              <a:t>association</a:t>
-            </a:r>
-            <a:endParaRPr lang="de-AT" dirty="0" smtClean="0"/>
-          </a:p>
-          <a:p>
-            <a:endParaRPr lang="de-AT" dirty="0"/>
-          </a:p>
-          <a:p>
-            <a:r>
-              <a:rPr lang="de-AT" dirty="0"/>
-              <a:t>N(C1) x N(C1,A) </a:t>
-            </a:r>
-            <a:r>
-              <a:rPr lang="de-AT" dirty="0" smtClean="0"/>
-              <a:t>=	 N(A)  = 	N(C2</a:t>
-            </a:r>
-            <a:r>
-              <a:rPr lang="de-AT" dirty="0"/>
-              <a:t>) x N(C2,A</a:t>
-            </a:r>
-            <a:r>
-              <a:rPr lang="de-AT" dirty="0" smtClean="0"/>
-              <a:t>)</a:t>
-            </a:r>
-            <a:endParaRPr lang="de-AT" dirty="0"/>
-          </a:p>
-        </p:txBody>
-      </p:sp>
-    </p:spTree>
-    <p:extLst>
-      <p:ext uri="{BB962C8B-B14F-4D97-AF65-F5344CB8AC3E}">
-        <p14:creationId xmlns:p14="http://schemas.microsoft.com/office/powerpoint/2010/main" val="4027580963"/>
-      </p:ext>
-    </p:extLst>
-  </p:cSld>
-  <p:clrMapOvr>
-    <a:masterClrMapping/>
-  </p:clrMapOvr>
 </p:sld>
 </file>
 

--- a/Assignment_4.pptx
+++ b/Assignment_4.pptx
@@ -4,6 +4,9 @@
   <p:sldMasterIdLst>
     <p:sldMasterId id="2147483744" r:id="rId1"/>
   </p:sldMasterIdLst>
+  <p:notesMasterIdLst>
+    <p:notesMasterId r:id="rId36"/>
+  </p:notesMasterIdLst>
   <p:sldIdLst>
     <p:sldId id="256" r:id="rId2"/>
     <p:sldId id="270" r:id="rId3"/>
@@ -138,6 +141,774 @@
     </a:lvl9pPr>
   </p:defaultTextStyle>
 </p:presentation>
+</file>
+
+<file path=ppt/notesMasters/notesMaster1.xml><?xml version="1.0" encoding="utf-8"?>
+<p:notesMaster xmlns:a="http://schemas.openxmlformats.org/drawingml/2006/main" xmlns:r="http://schemas.openxmlformats.org/officeDocument/2006/relationships" xmlns:p="http://schemas.openxmlformats.org/presentationml/2006/main">
+  <p:cSld>
+    <p:bg>
+      <p:bgRef idx="1001">
+        <a:schemeClr val="bg1"/>
+      </p:bgRef>
+    </p:bg>
+    <p:spTree>
+      <p:nvGrpSpPr>
+        <p:cNvPr id="1" name=""/>
+        <p:cNvGrpSpPr/>
+        <p:nvPr/>
+      </p:nvGrpSpPr>
+      <p:grpSpPr>
+        <a:xfrm>
+          <a:off x="0" y="0"/>
+          <a:ext cx="0" cy="0"/>
+          <a:chOff x="0" y="0"/>
+          <a:chExt cx="0" cy="0"/>
+        </a:xfrm>
+      </p:grpSpPr>
+      <p:sp>
+        <p:nvSpPr>
+          <p:cNvPr id="2" name="Kopfzeilenplatzhalter 1"/>
+          <p:cNvSpPr>
+            <a:spLocks noGrp="1"/>
+          </p:cNvSpPr>
+          <p:nvPr>
+            <p:ph type="hdr" sz="quarter"/>
+          </p:nvPr>
+        </p:nvSpPr>
+        <p:spPr>
+          <a:xfrm>
+            <a:off x="0" y="0"/>
+            <a:ext cx="2971800" cy="457200"/>
+          </a:xfrm>
+          <a:prstGeom prst="rect">
+            <a:avLst/>
+          </a:prstGeom>
+        </p:spPr>
+        <p:txBody>
+          <a:bodyPr vert="horz" lIns="91440" tIns="45720" rIns="91440" bIns="45720" rtlCol="0"/>
+          <a:lstStyle>
+            <a:lvl1pPr algn="l">
+              <a:defRPr sz="1200"/>
+            </a:lvl1pPr>
+          </a:lstStyle>
+          <a:p>
+            <a:endParaRPr lang="de-AT"/>
+          </a:p>
+        </p:txBody>
+      </p:sp>
+      <p:sp>
+        <p:nvSpPr>
+          <p:cNvPr id="3" name="Datumsplatzhalter 2"/>
+          <p:cNvSpPr>
+            <a:spLocks noGrp="1"/>
+          </p:cNvSpPr>
+          <p:nvPr>
+            <p:ph type="dt" idx="1"/>
+          </p:nvPr>
+        </p:nvSpPr>
+        <p:spPr>
+          <a:xfrm>
+            <a:off x="3884613" y="0"/>
+            <a:ext cx="2971800" cy="457200"/>
+          </a:xfrm>
+          <a:prstGeom prst="rect">
+            <a:avLst/>
+          </a:prstGeom>
+        </p:spPr>
+        <p:txBody>
+          <a:bodyPr vert="horz" lIns="91440" tIns="45720" rIns="91440" bIns="45720" rtlCol="0"/>
+          <a:lstStyle>
+            <a:lvl1pPr algn="r">
+              <a:defRPr sz="1200"/>
+            </a:lvl1pPr>
+          </a:lstStyle>
+          <a:p>
+            <a:fld id="{9AAE77E4-B6E2-4C72-BF75-BE4AC4EFD795}" type="datetimeFigureOut">
+              <a:rPr lang="de-AT" smtClean="0"/>
+              <a:t>18.04.2016</a:t>
+            </a:fld>
+            <a:endParaRPr lang="de-AT"/>
+          </a:p>
+        </p:txBody>
+      </p:sp>
+      <p:sp>
+        <p:nvSpPr>
+          <p:cNvPr id="4" name="Folienbildplatzhalter 3"/>
+          <p:cNvSpPr>
+            <a:spLocks noGrp="1" noRot="1" noChangeAspect="1"/>
+          </p:cNvSpPr>
+          <p:nvPr>
+            <p:ph type="sldImg" idx="2"/>
+          </p:nvPr>
+        </p:nvSpPr>
+        <p:spPr>
+          <a:xfrm>
+            <a:off x="1143000" y="685800"/>
+            <a:ext cx="4572000" cy="3429000"/>
+          </a:xfrm>
+          <a:prstGeom prst="rect">
+            <a:avLst/>
+          </a:prstGeom>
+          <a:noFill/>
+          <a:ln w="12700">
+            <a:solidFill>
+              <a:prstClr val="black"/>
+            </a:solidFill>
+          </a:ln>
+        </p:spPr>
+        <p:txBody>
+          <a:bodyPr vert="horz" lIns="91440" tIns="45720" rIns="91440" bIns="45720" rtlCol="0" anchor="ctr"/>
+          <a:lstStyle/>
+          <a:p>
+            <a:endParaRPr lang="de-AT"/>
+          </a:p>
+        </p:txBody>
+      </p:sp>
+      <p:sp>
+        <p:nvSpPr>
+          <p:cNvPr id="5" name="Notizenplatzhalter 4"/>
+          <p:cNvSpPr>
+            <a:spLocks noGrp="1"/>
+          </p:cNvSpPr>
+          <p:nvPr>
+            <p:ph type="body" sz="quarter" idx="3"/>
+          </p:nvPr>
+        </p:nvSpPr>
+        <p:spPr>
+          <a:xfrm>
+            <a:off x="685800" y="4343400"/>
+            <a:ext cx="5486400" cy="4114800"/>
+          </a:xfrm>
+          <a:prstGeom prst="rect">
+            <a:avLst/>
+          </a:prstGeom>
+        </p:spPr>
+        <p:txBody>
+          <a:bodyPr vert="horz" lIns="91440" tIns="45720" rIns="91440" bIns="45720" rtlCol="0"/>
+          <a:lstStyle/>
+          <a:p>
+            <a:pPr lvl="0"/>
+            <a:r>
+              <a:rPr lang="de-DE" smtClean="0"/>
+              <a:t>Textmasterformat bearbeiten</a:t>
+            </a:r>
+          </a:p>
+          <a:p>
+            <a:pPr lvl="1"/>
+            <a:r>
+              <a:rPr lang="de-DE" smtClean="0"/>
+              <a:t>Zweite Ebene</a:t>
+            </a:r>
+          </a:p>
+          <a:p>
+            <a:pPr lvl="2"/>
+            <a:r>
+              <a:rPr lang="de-DE" smtClean="0"/>
+              <a:t>Dritte Ebene</a:t>
+            </a:r>
+          </a:p>
+          <a:p>
+            <a:pPr lvl="3"/>
+            <a:r>
+              <a:rPr lang="de-DE" smtClean="0"/>
+              <a:t>Vierte Ebene</a:t>
+            </a:r>
+          </a:p>
+          <a:p>
+            <a:pPr lvl="4"/>
+            <a:r>
+              <a:rPr lang="de-DE" smtClean="0"/>
+              <a:t>Fünfte Ebene</a:t>
+            </a:r>
+            <a:endParaRPr lang="de-AT"/>
+          </a:p>
+        </p:txBody>
+      </p:sp>
+      <p:sp>
+        <p:nvSpPr>
+          <p:cNvPr id="6" name="Fußzeilenplatzhalter 5"/>
+          <p:cNvSpPr>
+            <a:spLocks noGrp="1"/>
+          </p:cNvSpPr>
+          <p:nvPr>
+            <p:ph type="ftr" sz="quarter" idx="4"/>
+          </p:nvPr>
+        </p:nvSpPr>
+        <p:spPr>
+          <a:xfrm>
+            <a:off x="0" y="8685213"/>
+            <a:ext cx="2971800" cy="457200"/>
+          </a:xfrm>
+          <a:prstGeom prst="rect">
+            <a:avLst/>
+          </a:prstGeom>
+        </p:spPr>
+        <p:txBody>
+          <a:bodyPr vert="horz" lIns="91440" tIns="45720" rIns="91440" bIns="45720" rtlCol="0" anchor="b"/>
+          <a:lstStyle>
+            <a:lvl1pPr algn="l">
+              <a:defRPr sz="1200"/>
+            </a:lvl1pPr>
+          </a:lstStyle>
+          <a:p>
+            <a:endParaRPr lang="de-AT"/>
+          </a:p>
+        </p:txBody>
+      </p:sp>
+      <p:sp>
+        <p:nvSpPr>
+          <p:cNvPr id="7" name="Foliennummernplatzhalter 6"/>
+          <p:cNvSpPr>
+            <a:spLocks noGrp="1"/>
+          </p:cNvSpPr>
+          <p:nvPr>
+            <p:ph type="sldNum" sz="quarter" idx="5"/>
+          </p:nvPr>
+        </p:nvSpPr>
+        <p:spPr>
+          <a:xfrm>
+            <a:off x="3884613" y="8685213"/>
+            <a:ext cx="2971800" cy="457200"/>
+          </a:xfrm>
+          <a:prstGeom prst="rect">
+            <a:avLst/>
+          </a:prstGeom>
+        </p:spPr>
+        <p:txBody>
+          <a:bodyPr vert="horz" lIns="91440" tIns="45720" rIns="91440" bIns="45720" rtlCol="0" anchor="b"/>
+          <a:lstStyle>
+            <a:lvl1pPr algn="r">
+              <a:defRPr sz="1200"/>
+            </a:lvl1pPr>
+          </a:lstStyle>
+          <a:p>
+            <a:fld id="{25CB7867-6FF7-4B48-B2D3-C840CD13B883}" type="slidenum">
+              <a:rPr lang="de-AT" smtClean="0"/>
+              <a:t>‹Nr.›</a:t>
+            </a:fld>
+            <a:endParaRPr lang="de-AT"/>
+          </a:p>
+        </p:txBody>
+      </p:sp>
+    </p:spTree>
+    <p:extLst>
+      <p:ext uri="{BB962C8B-B14F-4D97-AF65-F5344CB8AC3E}">
+        <p14:creationId xmlns:p14="http://schemas.microsoft.com/office/powerpoint/2010/main" val="1941645980"/>
+      </p:ext>
+    </p:extLst>
+  </p:cSld>
+  <p:clrMap bg1="lt1" tx1="dk1" bg2="lt2" tx2="dk2" accent1="accent1" accent2="accent2" accent3="accent3" accent4="accent4" accent5="accent5" accent6="accent6" hlink="hlink" folHlink="folHlink"/>
+  <p:notesStyle>
+    <a:lvl1pPr marL="0" algn="l" defTabSz="914400" rtl="0" eaLnBrk="1" latinLnBrk="0" hangingPunct="1">
+      <a:defRPr sz="1200" kern="1200">
+        <a:solidFill>
+          <a:schemeClr val="tx1"/>
+        </a:solidFill>
+        <a:latin typeface="+mn-lt"/>
+        <a:ea typeface="+mn-ea"/>
+        <a:cs typeface="+mn-cs"/>
+      </a:defRPr>
+    </a:lvl1pPr>
+    <a:lvl2pPr marL="457200" algn="l" defTabSz="914400" rtl="0" eaLnBrk="1" latinLnBrk="0" hangingPunct="1">
+      <a:defRPr sz="1200" kern="1200">
+        <a:solidFill>
+          <a:schemeClr val="tx1"/>
+        </a:solidFill>
+        <a:latin typeface="+mn-lt"/>
+        <a:ea typeface="+mn-ea"/>
+        <a:cs typeface="+mn-cs"/>
+      </a:defRPr>
+    </a:lvl2pPr>
+    <a:lvl3pPr marL="914400" algn="l" defTabSz="914400" rtl="0" eaLnBrk="1" latinLnBrk="0" hangingPunct="1">
+      <a:defRPr sz="1200" kern="1200">
+        <a:solidFill>
+          <a:schemeClr val="tx1"/>
+        </a:solidFill>
+        <a:latin typeface="+mn-lt"/>
+        <a:ea typeface="+mn-ea"/>
+        <a:cs typeface="+mn-cs"/>
+      </a:defRPr>
+    </a:lvl3pPr>
+    <a:lvl4pPr marL="1371600" algn="l" defTabSz="914400" rtl="0" eaLnBrk="1" latinLnBrk="0" hangingPunct="1">
+      <a:defRPr sz="1200" kern="1200">
+        <a:solidFill>
+          <a:schemeClr val="tx1"/>
+        </a:solidFill>
+        <a:latin typeface="+mn-lt"/>
+        <a:ea typeface="+mn-ea"/>
+        <a:cs typeface="+mn-cs"/>
+      </a:defRPr>
+    </a:lvl4pPr>
+    <a:lvl5pPr marL="1828800" algn="l" defTabSz="914400" rtl="0" eaLnBrk="1" latinLnBrk="0" hangingPunct="1">
+      <a:defRPr sz="1200" kern="1200">
+        <a:solidFill>
+          <a:schemeClr val="tx1"/>
+        </a:solidFill>
+        <a:latin typeface="+mn-lt"/>
+        <a:ea typeface="+mn-ea"/>
+        <a:cs typeface="+mn-cs"/>
+      </a:defRPr>
+    </a:lvl5pPr>
+    <a:lvl6pPr marL="2286000" algn="l" defTabSz="914400" rtl="0" eaLnBrk="1" latinLnBrk="0" hangingPunct="1">
+      <a:defRPr sz="1200" kern="1200">
+        <a:solidFill>
+          <a:schemeClr val="tx1"/>
+        </a:solidFill>
+        <a:latin typeface="+mn-lt"/>
+        <a:ea typeface="+mn-ea"/>
+        <a:cs typeface="+mn-cs"/>
+      </a:defRPr>
+    </a:lvl6pPr>
+    <a:lvl7pPr marL="2743200" algn="l" defTabSz="914400" rtl="0" eaLnBrk="1" latinLnBrk="0" hangingPunct="1">
+      <a:defRPr sz="1200" kern="1200">
+        <a:solidFill>
+          <a:schemeClr val="tx1"/>
+        </a:solidFill>
+        <a:latin typeface="+mn-lt"/>
+        <a:ea typeface="+mn-ea"/>
+        <a:cs typeface="+mn-cs"/>
+      </a:defRPr>
+    </a:lvl7pPr>
+    <a:lvl8pPr marL="3200400" algn="l" defTabSz="914400" rtl="0" eaLnBrk="1" latinLnBrk="0" hangingPunct="1">
+      <a:defRPr sz="1200" kern="1200">
+        <a:solidFill>
+          <a:schemeClr val="tx1"/>
+        </a:solidFill>
+        <a:latin typeface="+mn-lt"/>
+        <a:ea typeface="+mn-ea"/>
+        <a:cs typeface="+mn-cs"/>
+      </a:defRPr>
+    </a:lvl8pPr>
+    <a:lvl9pPr marL="3657600" algn="l" defTabSz="914400" rtl="0" eaLnBrk="1" latinLnBrk="0" hangingPunct="1">
+      <a:defRPr sz="1200" kern="1200">
+        <a:solidFill>
+          <a:schemeClr val="tx1"/>
+        </a:solidFill>
+        <a:latin typeface="+mn-lt"/>
+        <a:ea typeface="+mn-ea"/>
+        <a:cs typeface="+mn-cs"/>
+      </a:defRPr>
+    </a:lvl9pPr>
+  </p:notesStyle>
+</p:notesMaster>
+</file>
+
+<file path=ppt/notesSlides/notesSlide1.xml><?xml version="1.0" encoding="utf-8"?>
+<p:notes xmlns:a="http://schemas.openxmlformats.org/drawingml/2006/main" xmlns:r="http://schemas.openxmlformats.org/officeDocument/2006/relationships" xmlns:p="http://schemas.openxmlformats.org/presentationml/2006/main">
+  <p:cSld>
+    <p:spTree>
+      <p:nvGrpSpPr>
+        <p:cNvPr id="1" name=""/>
+        <p:cNvGrpSpPr/>
+        <p:nvPr/>
+      </p:nvGrpSpPr>
+      <p:grpSpPr>
+        <a:xfrm>
+          <a:off x="0" y="0"/>
+          <a:ext cx="0" cy="0"/>
+          <a:chOff x="0" y="0"/>
+          <a:chExt cx="0" cy="0"/>
+        </a:xfrm>
+      </p:grpSpPr>
+      <p:sp>
+        <p:nvSpPr>
+          <p:cNvPr id="2" name="Folienbildplatzhalter 1"/>
+          <p:cNvSpPr>
+            <a:spLocks noGrp="1" noRot="1" noChangeAspect="1"/>
+          </p:cNvSpPr>
+          <p:nvPr>
+            <p:ph type="sldImg"/>
+          </p:nvPr>
+        </p:nvSpPr>
+        <p:spPr/>
+      </p:sp>
+      <p:sp>
+        <p:nvSpPr>
+          <p:cNvPr id="3" name="Notizenplatzhalter 2"/>
+          <p:cNvSpPr>
+            <a:spLocks noGrp="1"/>
+          </p:cNvSpPr>
+          <p:nvPr>
+            <p:ph type="body" idx="1"/>
+          </p:nvPr>
+        </p:nvSpPr>
+        <p:spPr/>
+        <p:txBody>
+          <a:bodyPr/>
+          <a:lstStyle/>
+          <a:p>
+            <a:r>
+              <a:rPr lang="de-AT" dirty="0" smtClean="0"/>
+              <a:t>+ eine klasse beinhaltet</a:t>
+            </a:r>
+            <a:r>
+              <a:rPr lang="de-AT" baseline="0" dirty="0" smtClean="0"/>
+              <a:t> alle </a:t>
+            </a:r>
+            <a:r>
+              <a:rPr lang="de-AT" baseline="0" dirty="0" err="1" smtClean="0"/>
+              <a:t>attribute</a:t>
+            </a:r>
+            <a:endParaRPr lang="de-AT" baseline="0" dirty="0" smtClean="0"/>
+          </a:p>
+          <a:p>
+            <a:pPr marL="171450" indent="-171450">
+              <a:buFontTx/>
+              <a:buChar char="-"/>
+            </a:pPr>
+            <a:r>
+              <a:rPr lang="de-AT" baseline="0" dirty="0" smtClean="0"/>
+              <a:t>viele </a:t>
+            </a:r>
+            <a:r>
+              <a:rPr lang="de-AT" baseline="0" dirty="0" err="1" smtClean="0"/>
+              <a:t>attrrubute</a:t>
+            </a:r>
+            <a:r>
+              <a:rPr lang="de-AT" baseline="0" dirty="0" smtClean="0"/>
+              <a:t> bleiben leer</a:t>
+            </a:r>
+          </a:p>
+          <a:p>
+            <a:pPr marL="171450" indent="-171450">
+              <a:buFontTx/>
+              <a:buChar char="-"/>
+            </a:pPr>
+            <a:r>
+              <a:rPr lang="de-AT" baseline="0" dirty="0" smtClean="0"/>
+              <a:t>Beziehungen gehen verloren</a:t>
+            </a:r>
+          </a:p>
+          <a:p>
+            <a:endParaRPr lang="de-AT" dirty="0"/>
+          </a:p>
+        </p:txBody>
+      </p:sp>
+      <p:sp>
+        <p:nvSpPr>
+          <p:cNvPr id="4" name="Foliennummernplatzhalter 3"/>
+          <p:cNvSpPr>
+            <a:spLocks noGrp="1"/>
+          </p:cNvSpPr>
+          <p:nvPr>
+            <p:ph type="sldNum" sz="quarter" idx="10"/>
+          </p:nvPr>
+        </p:nvSpPr>
+        <p:spPr/>
+        <p:txBody>
+          <a:bodyPr/>
+          <a:lstStyle/>
+          <a:p>
+            <a:fld id="{25CB7867-6FF7-4B48-B2D3-C840CD13B883}" type="slidenum">
+              <a:rPr lang="de-AT" smtClean="0"/>
+              <a:t>25</a:t>
+            </a:fld>
+            <a:endParaRPr lang="de-AT"/>
+          </a:p>
+        </p:txBody>
+      </p:sp>
+    </p:spTree>
+    <p:extLst>
+      <p:ext uri="{BB962C8B-B14F-4D97-AF65-F5344CB8AC3E}">
+        <p14:creationId xmlns:p14="http://schemas.microsoft.com/office/powerpoint/2010/main" val="2877552345"/>
+      </p:ext>
+    </p:extLst>
+  </p:cSld>
+  <p:clrMapOvr>
+    <a:masterClrMapping/>
+  </p:clrMapOvr>
+</p:notes>
+</file>
+
+<file path=ppt/notesSlides/notesSlide2.xml><?xml version="1.0" encoding="utf-8"?>
+<p:notes xmlns:a="http://schemas.openxmlformats.org/drawingml/2006/main" xmlns:r="http://schemas.openxmlformats.org/officeDocument/2006/relationships" xmlns:p="http://schemas.openxmlformats.org/presentationml/2006/main">
+  <p:cSld>
+    <p:spTree>
+      <p:nvGrpSpPr>
+        <p:cNvPr id="1" name=""/>
+        <p:cNvGrpSpPr/>
+        <p:nvPr/>
+      </p:nvGrpSpPr>
+      <p:grpSpPr>
+        <a:xfrm>
+          <a:off x="0" y="0"/>
+          <a:ext cx="0" cy="0"/>
+          <a:chOff x="0" y="0"/>
+          <a:chExt cx="0" cy="0"/>
+        </a:xfrm>
+      </p:grpSpPr>
+      <p:sp>
+        <p:nvSpPr>
+          <p:cNvPr id="2" name="Folienbildplatzhalter 1"/>
+          <p:cNvSpPr>
+            <a:spLocks noGrp="1" noRot="1" noChangeAspect="1"/>
+          </p:cNvSpPr>
+          <p:nvPr>
+            <p:ph type="sldImg"/>
+          </p:nvPr>
+        </p:nvSpPr>
+        <p:spPr/>
+      </p:sp>
+      <p:sp>
+        <p:nvSpPr>
+          <p:cNvPr id="3" name="Notizenplatzhalter 2"/>
+          <p:cNvSpPr>
+            <a:spLocks noGrp="1"/>
+          </p:cNvSpPr>
+          <p:nvPr>
+            <p:ph type="body" idx="1"/>
+          </p:nvPr>
+        </p:nvSpPr>
+        <p:spPr/>
+        <p:txBody>
+          <a:bodyPr/>
+          <a:lstStyle/>
+          <a:p>
+            <a:r>
+              <a:rPr lang="de-AT" dirty="0" smtClean="0"/>
+              <a:t>+</a:t>
+            </a:r>
+            <a:r>
+              <a:rPr lang="de-AT" baseline="0" dirty="0" smtClean="0"/>
+              <a:t> es gibt eine klasse pro typ</a:t>
+            </a:r>
+          </a:p>
+          <a:p>
+            <a:r>
+              <a:rPr lang="de-AT" baseline="0" dirty="0" smtClean="0"/>
+              <a:t>- </a:t>
+            </a:r>
+            <a:r>
+              <a:rPr lang="de-AT" baseline="0" dirty="0" err="1" smtClean="0"/>
+              <a:t>mman</a:t>
+            </a:r>
+            <a:r>
+              <a:rPr lang="de-AT" baseline="0" dirty="0" smtClean="0"/>
+              <a:t> benötigt </a:t>
+            </a:r>
+            <a:r>
+              <a:rPr lang="de-AT" baseline="0" dirty="0" err="1" smtClean="0"/>
+              <a:t>union</a:t>
+            </a:r>
+            <a:r>
+              <a:rPr lang="de-AT" baseline="0" dirty="0" smtClean="0"/>
+              <a:t> </a:t>
+            </a:r>
+            <a:r>
+              <a:rPr lang="de-AT" baseline="0" dirty="0" err="1" smtClean="0"/>
+              <a:t>operation</a:t>
+            </a:r>
+            <a:r>
+              <a:rPr lang="de-AT" baseline="0" dirty="0" smtClean="0"/>
+              <a:t> damit man alle </a:t>
+            </a:r>
+            <a:r>
+              <a:rPr lang="de-AT" baseline="0" dirty="0" err="1" smtClean="0"/>
+              <a:t>instanzein</a:t>
+            </a:r>
+            <a:r>
+              <a:rPr lang="de-AT" baseline="0" dirty="0" smtClean="0"/>
+              <a:t> einer superklasse erhält</a:t>
+            </a:r>
+            <a:endParaRPr lang="de-AT" dirty="0"/>
+          </a:p>
+        </p:txBody>
+      </p:sp>
+      <p:sp>
+        <p:nvSpPr>
+          <p:cNvPr id="4" name="Foliennummernplatzhalter 3"/>
+          <p:cNvSpPr>
+            <a:spLocks noGrp="1"/>
+          </p:cNvSpPr>
+          <p:nvPr>
+            <p:ph type="sldNum" sz="quarter" idx="10"/>
+          </p:nvPr>
+        </p:nvSpPr>
+        <p:spPr/>
+        <p:txBody>
+          <a:bodyPr/>
+          <a:lstStyle/>
+          <a:p>
+            <a:fld id="{25CB7867-6FF7-4B48-B2D3-C840CD13B883}" type="slidenum">
+              <a:rPr lang="de-AT" smtClean="0"/>
+              <a:t>26</a:t>
+            </a:fld>
+            <a:endParaRPr lang="de-AT"/>
+          </a:p>
+        </p:txBody>
+      </p:sp>
+    </p:spTree>
+    <p:extLst>
+      <p:ext uri="{BB962C8B-B14F-4D97-AF65-F5344CB8AC3E}">
+        <p14:creationId xmlns:p14="http://schemas.microsoft.com/office/powerpoint/2010/main" val="2785463071"/>
+      </p:ext>
+    </p:extLst>
+  </p:cSld>
+  <p:clrMapOvr>
+    <a:masterClrMapping/>
+  </p:clrMapOvr>
+</p:notes>
+</file>
+
+<file path=ppt/notesSlides/notesSlide3.xml><?xml version="1.0" encoding="utf-8"?>
+<p:notes xmlns:a="http://schemas.openxmlformats.org/drawingml/2006/main" xmlns:r="http://schemas.openxmlformats.org/officeDocument/2006/relationships" xmlns:p="http://schemas.openxmlformats.org/presentationml/2006/main">
+  <p:cSld>
+    <p:spTree>
+      <p:nvGrpSpPr>
+        <p:cNvPr id="1" name=""/>
+        <p:cNvGrpSpPr/>
+        <p:nvPr/>
+      </p:nvGrpSpPr>
+      <p:grpSpPr>
+        <a:xfrm>
+          <a:off x="0" y="0"/>
+          <a:ext cx="0" cy="0"/>
+          <a:chOff x="0" y="0"/>
+          <a:chExt cx="0" cy="0"/>
+        </a:xfrm>
+      </p:grpSpPr>
+      <p:sp>
+        <p:nvSpPr>
+          <p:cNvPr id="2" name="Folienbildplatzhalter 1"/>
+          <p:cNvSpPr>
+            <a:spLocks noGrp="1" noRot="1" noChangeAspect="1"/>
+          </p:cNvSpPr>
+          <p:nvPr>
+            <p:ph type="sldImg"/>
+          </p:nvPr>
+        </p:nvSpPr>
+        <p:spPr/>
+      </p:sp>
+      <p:sp>
+        <p:nvSpPr>
+          <p:cNvPr id="3" name="Notizenplatzhalter 2"/>
+          <p:cNvSpPr>
+            <a:spLocks noGrp="1"/>
+          </p:cNvSpPr>
+          <p:nvPr>
+            <p:ph type="body" idx="1"/>
+          </p:nvPr>
+        </p:nvSpPr>
+        <p:spPr/>
+        <p:txBody>
+          <a:bodyPr/>
+          <a:lstStyle/>
+          <a:p>
+            <a:r>
+              <a:rPr lang="de-AT" baseline="0" dirty="0" smtClean="0"/>
+              <a:t>+ alle </a:t>
+            </a:r>
+            <a:r>
+              <a:rPr lang="de-AT" baseline="0" dirty="0" err="1" smtClean="0"/>
+              <a:t>klassen</a:t>
+            </a:r>
+            <a:r>
+              <a:rPr lang="de-AT" baseline="0" dirty="0" smtClean="0"/>
+              <a:t> bleiben bestehen mit </a:t>
+            </a:r>
+            <a:r>
+              <a:rPr lang="de-AT" baseline="0" dirty="0" err="1" smtClean="0"/>
+              <a:t>assoziationen</a:t>
+            </a:r>
+            <a:endParaRPr lang="de-AT" baseline="0" dirty="0" smtClean="0"/>
+          </a:p>
+          <a:p>
+            <a:pPr marL="171450" indent="-171450">
+              <a:buFontTx/>
+              <a:buChar char="-"/>
+            </a:pPr>
+            <a:r>
+              <a:rPr lang="de-AT" baseline="0" dirty="0" smtClean="0"/>
+              <a:t>benötigt </a:t>
+            </a:r>
+            <a:r>
+              <a:rPr lang="de-AT" baseline="0" dirty="0" err="1" smtClean="0"/>
+              <a:t>join</a:t>
+            </a:r>
+            <a:r>
+              <a:rPr lang="de-AT" baseline="0" dirty="0" smtClean="0"/>
+              <a:t> </a:t>
+            </a:r>
+            <a:r>
+              <a:rPr lang="de-AT" baseline="0" dirty="0" err="1" smtClean="0"/>
+              <a:t>operation</a:t>
+            </a:r>
+            <a:r>
+              <a:rPr lang="de-AT" baseline="0" dirty="0" smtClean="0"/>
+              <a:t> um alle </a:t>
+            </a:r>
+            <a:r>
+              <a:rPr lang="de-AT" baseline="0" dirty="0" err="1" smtClean="0"/>
+              <a:t>instanzen</a:t>
+            </a:r>
+            <a:r>
+              <a:rPr lang="de-AT" baseline="0" dirty="0" smtClean="0"/>
+              <a:t> einer superklasse zu bekommen</a:t>
+            </a:r>
+          </a:p>
+          <a:p>
+            <a:pPr marL="171450" indent="-171450">
+              <a:buFontTx/>
+              <a:buChar char="-"/>
+            </a:pPr>
+            <a:r>
+              <a:rPr lang="de-AT" baseline="0" dirty="0" err="1" smtClean="0"/>
+              <a:t>semantik</a:t>
+            </a:r>
+            <a:r>
+              <a:rPr lang="de-AT" baseline="0" dirty="0" smtClean="0"/>
+              <a:t> der </a:t>
+            </a:r>
+            <a:r>
+              <a:rPr lang="de-AT" baseline="0" dirty="0" err="1" smtClean="0"/>
+              <a:t>generalisierung</a:t>
+            </a:r>
+            <a:r>
+              <a:rPr lang="de-AT" baseline="0" dirty="0" smtClean="0"/>
+              <a:t> </a:t>
+            </a:r>
+            <a:r>
+              <a:rPr lang="de-AT" baseline="0" smtClean="0"/>
+              <a:t>geht verloren</a:t>
+            </a:r>
+            <a:endParaRPr lang="de-AT" baseline="0" dirty="0" smtClean="0"/>
+          </a:p>
+        </p:txBody>
+      </p:sp>
+      <p:sp>
+        <p:nvSpPr>
+          <p:cNvPr id="4" name="Foliennummernplatzhalter 3"/>
+          <p:cNvSpPr>
+            <a:spLocks noGrp="1"/>
+          </p:cNvSpPr>
+          <p:nvPr>
+            <p:ph type="sldNum" sz="quarter" idx="10"/>
+          </p:nvPr>
+        </p:nvSpPr>
+        <p:spPr/>
+        <p:txBody>
+          <a:bodyPr/>
+          <a:lstStyle/>
+          <a:p>
+            <a:fld id="{25CB7867-6FF7-4B48-B2D3-C840CD13B883}" type="slidenum">
+              <a:rPr lang="de-AT" smtClean="0"/>
+              <a:t>27</a:t>
+            </a:fld>
+            <a:endParaRPr lang="de-AT"/>
+          </a:p>
+        </p:txBody>
+      </p:sp>
+    </p:spTree>
+    <p:extLst>
+      <p:ext uri="{BB962C8B-B14F-4D97-AF65-F5344CB8AC3E}">
+        <p14:creationId xmlns:p14="http://schemas.microsoft.com/office/powerpoint/2010/main" val="465950933"/>
+      </p:ext>
+    </p:extLst>
+  </p:cSld>
+  <p:clrMapOvr>
+    <a:masterClrMapping/>
+  </p:clrMapOvr>
+</p:notes>
 </file>
 
 <file path=ppt/slideLayouts/slideLayout1.xml><?xml version="1.0" encoding="utf-8"?>
@@ -8860,74 +9631,38 @@
               <a:rPr lang="de-AT" dirty="0" err="1" smtClean="0"/>
               <a:t>Subclassen</a:t>
             </a:r>
+            <a:endParaRPr lang="de-AT" dirty="0" smtClean="0"/>
+          </a:p>
+          <a:p>
+            <a:pPr lvl="1"/>
+            <a:r>
+              <a:rPr lang="de-AT" dirty="0" err="1"/>
+              <a:t>o</a:t>
+            </a:r>
+            <a:r>
+              <a:rPr lang="de-AT" dirty="0" err="1" smtClean="0"/>
+              <a:t>verlapping</a:t>
+            </a:r>
+            <a:r>
+              <a:rPr lang="de-AT" dirty="0" smtClean="0"/>
+              <a:t> </a:t>
+            </a:r>
+            <a:r>
+              <a:rPr lang="de-AT" dirty="0"/>
+              <a:t>oder</a:t>
+            </a:r>
+            <a:r>
+              <a:rPr lang="de-AT" dirty="0" smtClean="0"/>
+              <a:t> partiale Generalisierung</a:t>
+            </a:r>
+            <a:endParaRPr lang="de-AT" dirty="0" smtClean="0"/>
+          </a:p>
+          <a:p>
+            <a:pPr lvl="1"/>
             <a:endParaRPr lang="de-AT" dirty="0"/>
           </a:p>
         </p:txBody>
       </p:sp>
-      <p:pic>
-        <p:nvPicPr>
-          <p:cNvPr id="1026" name="Picture 2"/>
-          <p:cNvPicPr>
-            <a:picLocks noChangeAspect="1" noChangeArrowheads="1"/>
-          </p:cNvPicPr>
-          <p:nvPr/>
-        </p:nvPicPr>
-        <p:blipFill>
-          <a:blip r:embed="rId2">
-            <a:extLst>
-              <a:ext uri="{28A0092B-C50C-407E-A947-70E740481C1C}">
-                <a14:useLocalDpi xmlns:a14="http://schemas.microsoft.com/office/drawing/2010/main" val="0"/>
-              </a:ext>
-            </a:extLst>
-          </a:blip>
-          <a:srcRect/>
-          <a:stretch>
-            <a:fillRect/>
-          </a:stretch>
-        </p:blipFill>
-        <p:spPr bwMode="auto">
-          <a:xfrm>
-            <a:off x="416358" y="3284984"/>
-            <a:ext cx="3003514" cy="3511151"/>
-          </a:xfrm>
-          <a:prstGeom prst="rect">
-            <a:avLst/>
-          </a:prstGeom>
-          <a:noFill/>
-          <a:ln>
-            <a:noFill/>
-          </a:ln>
-          <a:effectLst/>
-          <a:extLst>
-            <a:ext uri="{909E8E84-426E-40DD-AFC4-6F175D3DCCD1}">
-              <a14:hiddenFill xmlns:a14="http://schemas.microsoft.com/office/drawing/2010/main">
-                <a:solidFill>
-                  <a:schemeClr val="accent1"/>
-                </a:solidFill>
-              </a14:hiddenFill>
-            </a:ext>
-            <a:ext uri="{91240B29-F687-4F45-9708-019B960494DF}">
-              <a14:hiddenLine xmlns:a14="http://schemas.microsoft.com/office/drawing/2010/main" w="9525">
-                <a:solidFill>
-                  <a:schemeClr val="tx1"/>
-                </a:solidFill>
-                <a:miter lim="800000"/>
-                <a:headEnd/>
-                <a:tailEnd/>
-              </a14:hiddenLine>
-            </a:ext>
-            <a:ext uri="{AF507438-7753-43E0-B8FC-AC1667EBCBE1}">
-              <a14:hiddenEffects xmlns:a14="http://schemas.microsoft.com/office/drawing/2010/main">
-                <a:effectLst>
-                  <a:outerShdw dist="35921" dir="2700000" algn="ctr" rotWithShape="0">
-                    <a:schemeClr val="bg2"/>
-                  </a:outerShdw>
-                </a:effectLst>
-              </a14:hiddenEffects>
-            </a:ext>
-          </a:extLst>
-        </p:spPr>
-      </p:pic>
       <p:pic>
         <p:nvPicPr>
           <p:cNvPr id="1027" name="Picture 3"/>
@@ -9112,76 +9847,31 @@
             </a:r>
             <a:r>
               <a:rPr lang="de-AT" dirty="0" smtClean="0"/>
-              <a:t> sind</a:t>
+              <a:t> </a:t>
+            </a:r>
+            <a:r>
+              <a:rPr lang="de-AT" dirty="0" smtClean="0"/>
+              <a:t>sind</a:t>
+            </a:r>
+          </a:p>
+          <a:p>
+            <a:pPr lvl="1"/>
+            <a:r>
+              <a:rPr lang="de-AT" dirty="0"/>
+              <a:t>t</a:t>
+            </a:r>
+            <a:r>
+              <a:rPr lang="de-AT" dirty="0" smtClean="0"/>
+              <a:t>otaler oder exklusiver </a:t>
+            </a:r>
+            <a:r>
+              <a:rPr lang="de-AT" dirty="0" err="1" smtClean="0"/>
+              <a:t>Generaliseirung</a:t>
             </a:r>
             <a:endParaRPr lang="de-AT" dirty="0"/>
           </a:p>
         </p:txBody>
       </p:sp>
-      <p:pic>
-        <p:nvPicPr>
-          <p:cNvPr id="4" name="Picture 2"/>
-          <p:cNvPicPr>
-            <a:picLocks noChangeAspect="1" noChangeArrowheads="1"/>
-          </p:cNvPicPr>
-          <p:nvPr/>
-        </p:nvPicPr>
-        <p:blipFill>
-          <a:blip r:embed="rId2">
-            <a:extLst>
-              <a:ext uri="{28A0092B-C50C-407E-A947-70E740481C1C}">
-                <a14:useLocalDpi xmlns:a14="http://schemas.microsoft.com/office/drawing/2010/main" val="0"/>
-              </a:ext>
-            </a:extLst>
-          </a:blip>
-          <a:srcRect/>
-          <a:stretch>
-            <a:fillRect/>
-          </a:stretch>
-        </p:blipFill>
-        <p:spPr bwMode="auto">
-          <a:xfrm>
-            <a:off x="416358" y="3284984"/>
-            <a:ext cx="3003514" cy="3511151"/>
-          </a:xfrm>
-          <a:prstGeom prst="rect">
-            <a:avLst/>
-          </a:prstGeom>
-          <a:noFill/>
-          <a:ln>
-            <a:noFill/>
-          </a:ln>
-          <a:effectLst/>
-          <a:extLst>
-            <a:ext uri="{909E8E84-426E-40DD-AFC4-6F175D3DCCD1}">
-              <a14:hiddenFill xmlns:a14="http://schemas.microsoft.com/office/drawing/2010/main">
-                <a:solidFill>
-                  <a:schemeClr val="accent1"/>
-                </a:solidFill>
-              </a14:hiddenFill>
-            </a:ext>
-            <a:ext uri="{91240B29-F687-4F45-9708-019B960494DF}">
-              <a14:hiddenLine xmlns:a14="http://schemas.microsoft.com/office/drawing/2010/main" w="9525">
-                <a:solidFill>
-                  <a:schemeClr val="tx1"/>
-                </a:solidFill>
-                <a:miter lim="800000"/>
-                <a:headEnd/>
-                <a:tailEnd/>
-              </a14:hiddenLine>
-            </a:ext>
-            <a:ext uri="{AF507438-7753-43E0-B8FC-AC1667EBCBE1}">
-              <a14:hiddenEffects xmlns:a14="http://schemas.microsoft.com/office/drawing/2010/main">
-                <a:effectLst>
-                  <a:outerShdw dist="35921" dir="2700000" algn="ctr" rotWithShape="0">
-                    <a:schemeClr val="bg2"/>
-                  </a:outerShdw>
-                </a:effectLst>
-              </a14:hiddenEffects>
-            </a:ext>
-          </a:extLst>
-        </p:spPr>
-      </p:pic>
       <p:pic>
         <p:nvPicPr>
           <p:cNvPr id="2050" name="Picture 2"/>
@@ -9205,7 +9895,7 @@
         </p:blipFill>
         <p:spPr bwMode="auto">
           <a:xfrm>
-            <a:off x="4572000" y="3140968"/>
+            <a:off x="2987824" y="3382446"/>
             <a:ext cx="3590925" cy="3448050"/>
           </a:xfrm>
           <a:prstGeom prst="rect">
@@ -9388,7 +10078,7 @@
           <p:nvPr/>
         </p:nvPicPr>
         <p:blipFill>
-          <a:blip r:embed="rId2">
+          <a:blip r:embed="rId3">
             <a:extLst>
               <a:ext uri="{28A0092B-C50C-407E-A947-70E740481C1C}">
                 <a14:useLocalDpi xmlns:a14="http://schemas.microsoft.com/office/drawing/2010/main" val="0"/>
@@ -9452,7 +10142,7 @@
           <p:nvPr/>
         </p:nvPicPr>
         <p:blipFill>
-          <a:blip r:embed="rId3">
+          <a:blip r:embed="rId4">
             <a:extLst>
               <a:ext uri="{28A0092B-C50C-407E-A947-70E740481C1C}">
                 <a14:useLocalDpi xmlns:a14="http://schemas.microsoft.com/office/drawing/2010/main" val="0"/>
@@ -12621,4 +13311,289 @@
   <a:objectDefaults/>
   <a:extraClrSchemeLst/>
 </a:theme>
+</file>
+
+<file path=ppt/theme/theme2.xml><?xml version="1.0" encoding="utf-8"?>
+<a:theme xmlns:a="http://schemas.openxmlformats.org/drawingml/2006/main" name="Larissa">
+  <a:themeElements>
+    <a:clrScheme name="Larissa">
+      <a:dk1>
+        <a:sysClr val="windowText" lastClr="000000"/>
+      </a:dk1>
+      <a:lt1>
+        <a:sysClr val="window" lastClr="FFFFFF"/>
+      </a:lt1>
+      <a:dk2>
+        <a:srgbClr val="1F497D"/>
+      </a:dk2>
+      <a:lt2>
+        <a:srgbClr val="EEECE1"/>
+      </a:lt2>
+      <a:accent1>
+        <a:srgbClr val="4F81BD"/>
+      </a:accent1>
+      <a:accent2>
+        <a:srgbClr val="C0504D"/>
+      </a:accent2>
+      <a:accent3>
+        <a:srgbClr val="9BBB59"/>
+      </a:accent3>
+      <a:accent4>
+        <a:srgbClr val="8064A2"/>
+      </a:accent4>
+      <a:accent5>
+        <a:srgbClr val="4BACC6"/>
+      </a:accent5>
+      <a:accent6>
+        <a:srgbClr val="F79646"/>
+      </a:accent6>
+      <a:hlink>
+        <a:srgbClr val="0000FF"/>
+      </a:hlink>
+      <a:folHlink>
+        <a:srgbClr val="800080"/>
+      </a:folHlink>
+    </a:clrScheme>
+    <a:fontScheme name="Larissa">
+      <a:majorFont>
+        <a:latin typeface="Calibri"/>
+        <a:ea typeface=""/>
+        <a:cs typeface=""/>
+        <a:font script="Jpan" typeface="ＭＳ Ｐゴシック"/>
+        <a:font script="Hang" typeface="맑은 고딕"/>
+        <a:font script="Hans" typeface="宋体"/>
+        <a:font script="Hant" typeface="新細明體"/>
+        <a:font script="Arab" typeface="Times New Roman"/>
+        <a:font script="Hebr" typeface="Times New Roman"/>
+        <a:font script="Thai" typeface="Angsana New"/>
+        <a:font script="Ethi" typeface="Nyala"/>
+        <a:font script="Beng" typeface="Vrinda"/>
+        <a:font script="Gujr" typeface="Shruti"/>
+        <a:font script="Khmr" typeface="MoolBoran"/>
+        <a:font script="Knda" typeface="Tunga"/>
+        <a:font script="Guru" typeface="Raavi"/>
+        <a:font script="Cans" typeface="Euphemia"/>
+        <a:font script="Cher" typeface="Plantagenet Cherokee"/>
+        <a:font script="Yiii" typeface="Microsoft Yi Baiti"/>
+        <a:font script="Tibt" typeface="Microsoft Himalaya"/>
+        <a:font script="Thaa" typeface="MV Boli"/>
+        <a:font script="Deva" typeface="Mangal"/>
+        <a:font script="Telu" typeface="Gautami"/>
+        <a:font script="Taml" typeface="Latha"/>
+        <a:font script="Syrc" typeface="Estrangelo Edessa"/>
+        <a:font script="Orya" typeface="Kalinga"/>
+        <a:font script="Mlym" typeface="Kartika"/>
+        <a:font script="Laoo" typeface="DokChampa"/>
+        <a:font script="Sinh" typeface="Iskoola Pota"/>
+        <a:font script="Mong" typeface="Mongolian Baiti"/>
+        <a:font script="Viet" typeface="Times New Roman"/>
+        <a:font script="Uigh" typeface="Microsoft Uighur"/>
+        <a:font script="Geor" typeface="Sylfaen"/>
+      </a:majorFont>
+      <a:minorFont>
+        <a:latin typeface="Calibri"/>
+        <a:ea typeface=""/>
+        <a:cs typeface=""/>
+        <a:font script="Jpan" typeface="ＭＳ Ｐゴシック"/>
+        <a:font script="Hang" typeface="맑은 고딕"/>
+        <a:font script="Hans" typeface="宋体"/>
+        <a:font script="Hant" typeface="新細明體"/>
+        <a:font script="Arab" typeface="Arial"/>
+        <a:font script="Hebr" typeface="Arial"/>
+        <a:font script="Thai" typeface="Cordia New"/>
+        <a:font script="Ethi" typeface="Nyala"/>
+        <a:font script="Beng" typeface="Vrinda"/>
+        <a:font script="Gujr" typeface="Shruti"/>
+        <a:font script="Khmr" typeface="DaunPenh"/>
+        <a:font script="Knda" typeface="Tunga"/>
+        <a:font script="Guru" typeface="Raavi"/>
+        <a:font script="Cans" typeface="Euphemia"/>
+        <a:font script="Cher" typeface="Plantagenet Cherokee"/>
+        <a:font script="Yiii" typeface="Microsoft Yi Baiti"/>
+        <a:font script="Tibt" typeface="Microsoft Himalaya"/>
+        <a:font script="Thaa" typeface="MV Boli"/>
+        <a:font script="Deva" typeface="Mangal"/>
+        <a:font script="Telu" typeface="Gautami"/>
+        <a:font script="Taml" typeface="Latha"/>
+        <a:font script="Syrc" typeface="Estrangelo Edessa"/>
+        <a:font script="Orya" typeface="Kalinga"/>
+        <a:font script="Mlym" typeface="Kartika"/>
+        <a:font script="Laoo" typeface="DokChampa"/>
+        <a:font script="Sinh" typeface="Iskoola Pota"/>
+        <a:font script="Mong" typeface="Mongolian Baiti"/>
+        <a:font script="Viet" typeface="Arial"/>
+        <a:font script="Uigh" typeface="Microsoft Uighur"/>
+        <a:font script="Geor" typeface="Sylfaen"/>
+      </a:minorFont>
+    </a:fontScheme>
+    <a:fmtScheme name="Larissa">
+      <a:fillStyleLst>
+        <a:solidFill>
+          <a:schemeClr val="phClr"/>
+        </a:solidFill>
+        <a:gradFill rotWithShape="1">
+          <a:gsLst>
+            <a:gs pos="0">
+              <a:schemeClr val="phClr">
+                <a:tint val="50000"/>
+                <a:satMod val="300000"/>
+              </a:schemeClr>
+            </a:gs>
+            <a:gs pos="35000">
+              <a:schemeClr val="phClr">
+                <a:tint val="37000"/>
+                <a:satMod val="300000"/>
+              </a:schemeClr>
+            </a:gs>
+            <a:gs pos="100000">
+              <a:schemeClr val="phClr">
+                <a:tint val="15000"/>
+                <a:satMod val="350000"/>
+              </a:schemeClr>
+            </a:gs>
+          </a:gsLst>
+          <a:lin ang="16200000" scaled="1"/>
+        </a:gradFill>
+        <a:gradFill rotWithShape="1">
+          <a:gsLst>
+            <a:gs pos="0">
+              <a:schemeClr val="phClr">
+                <a:shade val="51000"/>
+                <a:satMod val="130000"/>
+              </a:schemeClr>
+            </a:gs>
+            <a:gs pos="80000">
+              <a:schemeClr val="phClr">
+                <a:shade val="93000"/>
+                <a:satMod val="130000"/>
+              </a:schemeClr>
+            </a:gs>
+            <a:gs pos="100000">
+              <a:schemeClr val="phClr">
+                <a:shade val="94000"/>
+                <a:satMod val="135000"/>
+              </a:schemeClr>
+            </a:gs>
+          </a:gsLst>
+          <a:lin ang="16200000" scaled="0"/>
+        </a:gradFill>
+      </a:fillStyleLst>
+      <a:lnStyleLst>
+        <a:ln w="9525" cap="flat" cmpd="sng" algn="ctr">
+          <a:solidFill>
+            <a:schemeClr val="phClr">
+              <a:shade val="95000"/>
+              <a:satMod val="105000"/>
+            </a:schemeClr>
+          </a:solidFill>
+          <a:prstDash val="solid"/>
+        </a:ln>
+        <a:ln w="25400" cap="flat" cmpd="sng" algn="ctr">
+          <a:solidFill>
+            <a:schemeClr val="phClr"/>
+          </a:solidFill>
+          <a:prstDash val="solid"/>
+        </a:ln>
+        <a:ln w="38100" cap="flat" cmpd="sng" algn="ctr">
+          <a:solidFill>
+            <a:schemeClr val="phClr"/>
+          </a:solidFill>
+          <a:prstDash val="solid"/>
+        </a:ln>
+      </a:lnStyleLst>
+      <a:effectStyleLst>
+        <a:effectStyle>
+          <a:effectLst>
+            <a:outerShdw blurRad="40000" dist="20000" dir="5400000" rotWithShape="0">
+              <a:srgbClr val="000000">
+                <a:alpha val="38000"/>
+              </a:srgbClr>
+            </a:outerShdw>
+          </a:effectLst>
+        </a:effectStyle>
+        <a:effectStyle>
+          <a:effectLst>
+            <a:outerShdw blurRad="40000" dist="23000" dir="5400000" rotWithShape="0">
+              <a:srgbClr val="000000">
+                <a:alpha val="35000"/>
+              </a:srgbClr>
+            </a:outerShdw>
+          </a:effectLst>
+        </a:effectStyle>
+        <a:effectStyle>
+          <a:effectLst>
+            <a:outerShdw blurRad="40000" dist="23000" dir="5400000" rotWithShape="0">
+              <a:srgbClr val="000000">
+                <a:alpha val="35000"/>
+              </a:srgbClr>
+            </a:outerShdw>
+          </a:effectLst>
+          <a:scene3d>
+            <a:camera prst="orthographicFront">
+              <a:rot lat="0" lon="0" rev="0"/>
+            </a:camera>
+            <a:lightRig rig="threePt" dir="t">
+              <a:rot lat="0" lon="0" rev="1200000"/>
+            </a:lightRig>
+          </a:scene3d>
+          <a:sp3d>
+            <a:bevelT w="63500" h="25400"/>
+          </a:sp3d>
+        </a:effectStyle>
+      </a:effectStyleLst>
+      <a:bgFillStyleLst>
+        <a:solidFill>
+          <a:schemeClr val="phClr"/>
+        </a:solidFill>
+        <a:gradFill rotWithShape="1">
+          <a:gsLst>
+            <a:gs pos="0">
+              <a:schemeClr val="phClr">
+                <a:tint val="40000"/>
+                <a:satMod val="350000"/>
+              </a:schemeClr>
+            </a:gs>
+            <a:gs pos="40000">
+              <a:schemeClr val="phClr">
+                <a:tint val="45000"/>
+                <a:shade val="99000"/>
+                <a:satMod val="350000"/>
+              </a:schemeClr>
+            </a:gs>
+            <a:gs pos="100000">
+              <a:schemeClr val="phClr">
+                <a:shade val="20000"/>
+                <a:satMod val="255000"/>
+              </a:schemeClr>
+            </a:gs>
+          </a:gsLst>
+          <a:path path="circle">
+            <a:fillToRect l="50000" t="-80000" r="50000" b="180000"/>
+          </a:path>
+        </a:gradFill>
+        <a:gradFill rotWithShape="1">
+          <a:gsLst>
+            <a:gs pos="0">
+              <a:schemeClr val="phClr">
+                <a:tint val="80000"/>
+                <a:satMod val="300000"/>
+              </a:schemeClr>
+            </a:gs>
+            <a:gs pos="100000">
+              <a:schemeClr val="phClr">
+                <a:shade val="30000"/>
+                <a:satMod val="200000"/>
+              </a:schemeClr>
+            </a:gs>
+          </a:gsLst>
+          <a:path path="circle">
+            <a:fillToRect l="50000" t="50000" r="50000" b="50000"/>
+          </a:path>
+        </a:gradFill>
+      </a:bgFillStyleLst>
+    </a:fmtScheme>
+  </a:themeElements>
+  <a:objectDefaults/>
+  <a:extraClrSchemeLst/>
+</a:theme>
 </file>
--- a/Assignment_4.pptx
+++ b/Assignment_4.pptx
@@ -5,43 +5,58 @@
     <p:sldMasterId id="2147483744" r:id="rId1"/>
   </p:sldMasterIdLst>
   <p:notesMasterIdLst>
-    <p:notesMasterId r:id="rId36"/>
+    <p:notesMasterId r:id="rId51"/>
   </p:notesMasterIdLst>
   <p:sldIdLst>
     <p:sldId id="256" r:id="rId2"/>
     <p:sldId id="270" r:id="rId3"/>
     <p:sldId id="287" r:id="rId4"/>
-    <p:sldId id="288" r:id="rId5"/>
-    <p:sldId id="289" r:id="rId6"/>
-    <p:sldId id="271" r:id="rId7"/>
-    <p:sldId id="290" r:id="rId8"/>
-    <p:sldId id="291" r:id="rId9"/>
-    <p:sldId id="273" r:id="rId10"/>
-    <p:sldId id="285" r:id="rId11"/>
-    <p:sldId id="286" r:id="rId12"/>
-    <p:sldId id="274" r:id="rId13"/>
-    <p:sldId id="275" r:id="rId14"/>
-    <p:sldId id="276" r:id="rId15"/>
-    <p:sldId id="277" r:id="rId16"/>
-    <p:sldId id="278" r:id="rId17"/>
-    <p:sldId id="279" r:id="rId18"/>
-    <p:sldId id="280" r:id="rId19"/>
-    <p:sldId id="282" r:id="rId20"/>
-    <p:sldId id="281" r:id="rId21"/>
-    <p:sldId id="283" r:id="rId22"/>
-    <p:sldId id="257" r:id="rId23"/>
-    <p:sldId id="258" r:id="rId24"/>
-    <p:sldId id="259" r:id="rId25"/>
-    <p:sldId id="260" r:id="rId26"/>
-    <p:sldId id="261" r:id="rId27"/>
-    <p:sldId id="262" r:id="rId28"/>
-    <p:sldId id="263" r:id="rId29"/>
-    <p:sldId id="264" r:id="rId30"/>
-    <p:sldId id="265" r:id="rId31"/>
-    <p:sldId id="266" r:id="rId32"/>
-    <p:sldId id="267" r:id="rId33"/>
-    <p:sldId id="268" r:id="rId34"/>
-    <p:sldId id="269" r:id="rId35"/>
+    <p:sldId id="292" r:id="rId5"/>
+    <p:sldId id="288" r:id="rId6"/>
+    <p:sldId id="300" r:id="rId7"/>
+    <p:sldId id="299" r:id="rId8"/>
+    <p:sldId id="298" r:id="rId9"/>
+    <p:sldId id="297" r:id="rId10"/>
+    <p:sldId id="296" r:id="rId11"/>
+    <p:sldId id="295" r:id="rId12"/>
+    <p:sldId id="294" r:id="rId13"/>
+    <p:sldId id="293" r:id="rId14"/>
+    <p:sldId id="301" r:id="rId15"/>
+    <p:sldId id="302" r:id="rId16"/>
+    <p:sldId id="306" r:id="rId17"/>
+    <p:sldId id="305" r:id="rId18"/>
+    <p:sldId id="303" r:id="rId19"/>
+    <p:sldId id="304" r:id="rId20"/>
+    <p:sldId id="273" r:id="rId21"/>
+    <p:sldId id="307" r:id="rId22"/>
+    <p:sldId id="310" r:id="rId23"/>
+    <p:sldId id="290" r:id="rId24"/>
+    <p:sldId id="311" r:id="rId25"/>
+    <p:sldId id="285" r:id="rId26"/>
+    <p:sldId id="286" r:id="rId27"/>
+    <p:sldId id="274" r:id="rId28"/>
+    <p:sldId id="275" r:id="rId29"/>
+    <p:sldId id="276" r:id="rId30"/>
+    <p:sldId id="277" r:id="rId31"/>
+    <p:sldId id="278" r:id="rId32"/>
+    <p:sldId id="279" r:id="rId33"/>
+    <p:sldId id="280" r:id="rId34"/>
+    <p:sldId id="282" r:id="rId35"/>
+    <p:sldId id="281" r:id="rId36"/>
+    <p:sldId id="283" r:id="rId37"/>
+    <p:sldId id="257" r:id="rId38"/>
+    <p:sldId id="258" r:id="rId39"/>
+    <p:sldId id="259" r:id="rId40"/>
+    <p:sldId id="260" r:id="rId41"/>
+    <p:sldId id="261" r:id="rId42"/>
+    <p:sldId id="262" r:id="rId43"/>
+    <p:sldId id="263" r:id="rId44"/>
+    <p:sldId id="264" r:id="rId45"/>
+    <p:sldId id="265" r:id="rId46"/>
+    <p:sldId id="266" r:id="rId47"/>
+    <p:sldId id="267" r:id="rId48"/>
+    <p:sldId id="268" r:id="rId49"/>
+    <p:sldId id="269" r:id="rId50"/>
   </p:sldIdLst>
   <p:sldSz cx="9144000" cy="6858000" type="screen4x3"/>
   <p:notesSz cx="6858000" cy="9144000"/>
@@ -537,49 +552,6 @@
           <a:bodyPr/>
           <a:lstStyle/>
           <a:p>
-            <a:r>
-              <a:rPr lang="de-AT" dirty="0" smtClean="0"/>
-              <a:t>+ eine klasse beinhaltet</a:t>
-            </a:r>
-            <a:r>
-              <a:rPr lang="de-AT" baseline="0" dirty="0" smtClean="0"/>
-              <a:t> alle </a:t>
-            </a:r>
-            <a:r>
-              <a:rPr lang="de-AT" baseline="0" dirty="0" err="1" smtClean="0"/>
-              <a:t>attribute</a:t>
-            </a:r>
-            <a:endParaRPr lang="de-AT" baseline="0" dirty="0" smtClean="0"/>
-          </a:p>
-          <a:p>
-            <a:pPr marL="171450" indent="-171450">
-              <a:buFontTx/>
-              <a:buChar char="-"/>
-            </a:pPr>
-            <a:r>
-              <a:rPr lang="de-AT" baseline="0" dirty="0" smtClean="0"/>
-              <a:t>viele </a:t>
-            </a:r>
-            <a:r>
-              <a:rPr lang="de-AT" baseline="0" dirty="0" err="1" smtClean="0"/>
-              <a:t>attrrubute</a:t>
-            </a:r>
-            <a:r>
-              <a:rPr lang="de-AT" baseline="0" dirty="0" smtClean="0"/>
-              <a:t> bleiben leer</a:t>
-            </a:r>
-          </a:p>
-          <a:p>
-            <a:pPr marL="171450" indent="-171450">
-              <a:buFontTx/>
-              <a:buChar char="-"/>
-            </a:pPr>
-            <a:r>
-              <a:rPr lang="de-AT" baseline="0" dirty="0" smtClean="0"/>
-              <a:t>Beziehungen gehen verloren</a:t>
-            </a:r>
-          </a:p>
-          <a:p>
             <a:endParaRPr lang="de-AT" dirty="0"/>
           </a:p>
         </p:txBody>
@@ -601,7 +573,7 @@
           <a:p>
             <a:fld id="{25CB7867-6FF7-4B48-B2D3-C840CD13B883}" type="slidenum">
               <a:rPr lang="de-AT" smtClean="0"/>
-              <a:t>25</a:t>
+              <a:t>5</a:t>
             </a:fld>
             <a:endParaRPr lang="de-AT"/>
           </a:p>
@@ -610,7 +582,7 @@
     </p:spTree>
     <p:extLst>
       <p:ext uri="{BB962C8B-B14F-4D97-AF65-F5344CB8AC3E}">
-        <p14:creationId xmlns:p14="http://schemas.microsoft.com/office/powerpoint/2010/main" val="2877552345"/>
+        <p14:creationId xmlns:p14="http://schemas.microsoft.com/office/powerpoint/2010/main" val="2653984393"/>
       </p:ext>
     </p:extLst>
   </p:cSld>
@@ -666,50 +638,47 @@
           <a:p>
             <a:r>
               <a:rPr lang="de-AT" dirty="0" smtClean="0"/>
-              <a:t>+</a:t>
+              <a:t>+ eine klasse beinhaltet</a:t>
             </a:r>
             <a:r>
               <a:rPr lang="de-AT" baseline="0" dirty="0" smtClean="0"/>
-              <a:t> es gibt eine klasse pro typ</a:t>
-            </a:r>
-          </a:p>
-          <a:p>
+              <a:t> alle </a:t>
+            </a:r>
+            <a:r>
+              <a:rPr lang="de-AT" baseline="0" dirty="0" err="1" smtClean="0"/>
+              <a:t>attribute</a:t>
+            </a:r>
+            <a:endParaRPr lang="de-AT" baseline="0" dirty="0" smtClean="0"/>
+          </a:p>
+          <a:p>
+            <a:pPr marL="171450" indent="-171450">
+              <a:buFontTx/>
+              <a:buChar char="-"/>
+            </a:pPr>
             <a:r>
               <a:rPr lang="de-AT" baseline="0" dirty="0" smtClean="0"/>
-              <a:t>- </a:t>
+              <a:t>viele </a:t>
             </a:r>
             <a:r>
               <a:rPr lang="de-AT" baseline="0" dirty="0" err="1" smtClean="0"/>
-              <a:t>mman</a:t>
+              <a:t>attrrubute</a:t>
             </a:r>
             <a:r>
               <a:rPr lang="de-AT" baseline="0" dirty="0" smtClean="0"/>
-              <a:t> benötigt </a:t>
-            </a:r>
-            <a:r>
-              <a:rPr lang="de-AT" baseline="0" dirty="0" err="1" smtClean="0"/>
-              <a:t>union</a:t>
-            </a:r>
+              <a:t> bleiben leer</a:t>
+            </a:r>
+          </a:p>
+          <a:p>
+            <a:pPr marL="171450" indent="-171450">
+              <a:buFontTx/>
+              <a:buChar char="-"/>
+            </a:pPr>
             <a:r>
               <a:rPr lang="de-AT" baseline="0" dirty="0" smtClean="0"/>
-              <a:t> </a:t>
-            </a:r>
-            <a:r>
-              <a:rPr lang="de-AT" baseline="0" dirty="0" err="1" smtClean="0"/>
-              <a:t>operation</a:t>
-            </a:r>
-            <a:r>
-              <a:rPr lang="de-AT" baseline="0" dirty="0" smtClean="0"/>
-              <a:t> damit man alle </a:t>
-            </a:r>
-            <a:r>
-              <a:rPr lang="de-AT" baseline="0" dirty="0" err="1" smtClean="0"/>
-              <a:t>instanzein</a:t>
-            </a:r>
-            <a:r>
-              <a:rPr lang="de-AT" baseline="0" dirty="0" smtClean="0"/>
-              <a:t> einer superklasse erhält</a:t>
-            </a:r>
+              <a:t>Beziehungen gehen verloren</a:t>
+            </a:r>
+          </a:p>
+          <a:p>
             <a:endParaRPr lang="de-AT" dirty="0"/>
           </a:p>
         </p:txBody>
@@ -731,7 +700,7 @@
           <a:p>
             <a:fld id="{25CB7867-6FF7-4B48-B2D3-C840CD13B883}" type="slidenum">
               <a:rPr lang="de-AT" smtClean="0"/>
-              <a:t>26</a:t>
+              <a:t>40</a:t>
             </a:fld>
             <a:endParaRPr lang="de-AT"/>
           </a:p>
@@ -740,7 +709,7 @@
     </p:spTree>
     <p:extLst>
       <p:ext uri="{BB962C8B-B14F-4D97-AF65-F5344CB8AC3E}">
-        <p14:creationId xmlns:p14="http://schemas.microsoft.com/office/powerpoint/2010/main" val="2785463071"/>
+        <p14:creationId xmlns:p14="http://schemas.microsoft.com/office/powerpoint/2010/main" val="2877552345"/>
       </p:ext>
     </p:extLst>
   </p:cSld>
@@ -795,6 +764,136 @@
           <a:lstStyle/>
           <a:p>
             <a:r>
+              <a:rPr lang="de-AT" dirty="0" smtClean="0"/>
+              <a:t>+</a:t>
+            </a:r>
+            <a:r>
+              <a:rPr lang="de-AT" baseline="0" dirty="0" smtClean="0"/>
+              <a:t> es gibt eine klasse pro typ</a:t>
+            </a:r>
+          </a:p>
+          <a:p>
+            <a:r>
+              <a:rPr lang="de-AT" baseline="0" dirty="0" smtClean="0"/>
+              <a:t>- </a:t>
+            </a:r>
+            <a:r>
+              <a:rPr lang="de-AT" baseline="0" dirty="0" err="1" smtClean="0"/>
+              <a:t>mman</a:t>
+            </a:r>
+            <a:r>
+              <a:rPr lang="de-AT" baseline="0" dirty="0" smtClean="0"/>
+              <a:t> benötigt </a:t>
+            </a:r>
+            <a:r>
+              <a:rPr lang="de-AT" baseline="0" dirty="0" err="1" smtClean="0"/>
+              <a:t>union</a:t>
+            </a:r>
+            <a:r>
+              <a:rPr lang="de-AT" baseline="0" dirty="0" smtClean="0"/>
+              <a:t> </a:t>
+            </a:r>
+            <a:r>
+              <a:rPr lang="de-AT" baseline="0" dirty="0" err="1" smtClean="0"/>
+              <a:t>operation</a:t>
+            </a:r>
+            <a:r>
+              <a:rPr lang="de-AT" baseline="0" dirty="0" smtClean="0"/>
+              <a:t> damit man alle </a:t>
+            </a:r>
+            <a:r>
+              <a:rPr lang="de-AT" baseline="0" dirty="0" err="1" smtClean="0"/>
+              <a:t>instanzein</a:t>
+            </a:r>
+            <a:r>
+              <a:rPr lang="de-AT" baseline="0" dirty="0" smtClean="0"/>
+              <a:t> einer superklasse erhält</a:t>
+            </a:r>
+            <a:endParaRPr lang="de-AT" dirty="0"/>
+          </a:p>
+        </p:txBody>
+      </p:sp>
+      <p:sp>
+        <p:nvSpPr>
+          <p:cNvPr id="4" name="Foliennummernplatzhalter 3"/>
+          <p:cNvSpPr>
+            <a:spLocks noGrp="1"/>
+          </p:cNvSpPr>
+          <p:nvPr>
+            <p:ph type="sldNum" sz="quarter" idx="10"/>
+          </p:nvPr>
+        </p:nvSpPr>
+        <p:spPr/>
+        <p:txBody>
+          <a:bodyPr/>
+          <a:lstStyle/>
+          <a:p>
+            <a:fld id="{25CB7867-6FF7-4B48-B2D3-C840CD13B883}" type="slidenum">
+              <a:rPr lang="de-AT" smtClean="0"/>
+              <a:t>41</a:t>
+            </a:fld>
+            <a:endParaRPr lang="de-AT"/>
+          </a:p>
+        </p:txBody>
+      </p:sp>
+    </p:spTree>
+    <p:extLst>
+      <p:ext uri="{BB962C8B-B14F-4D97-AF65-F5344CB8AC3E}">
+        <p14:creationId xmlns:p14="http://schemas.microsoft.com/office/powerpoint/2010/main" val="2785463071"/>
+      </p:ext>
+    </p:extLst>
+  </p:cSld>
+  <p:clrMapOvr>
+    <a:masterClrMapping/>
+  </p:clrMapOvr>
+</p:notes>
+</file>
+
+<file path=ppt/notesSlides/notesSlide4.xml><?xml version="1.0" encoding="utf-8"?>
+<p:notes xmlns:a="http://schemas.openxmlformats.org/drawingml/2006/main" xmlns:r="http://schemas.openxmlformats.org/officeDocument/2006/relationships" xmlns:p="http://schemas.openxmlformats.org/presentationml/2006/main">
+  <p:cSld>
+    <p:spTree>
+      <p:nvGrpSpPr>
+        <p:cNvPr id="1" name=""/>
+        <p:cNvGrpSpPr/>
+        <p:nvPr/>
+      </p:nvGrpSpPr>
+      <p:grpSpPr>
+        <a:xfrm>
+          <a:off x="0" y="0"/>
+          <a:ext cx="0" cy="0"/>
+          <a:chOff x="0" y="0"/>
+          <a:chExt cx="0" cy="0"/>
+        </a:xfrm>
+      </p:grpSpPr>
+      <p:sp>
+        <p:nvSpPr>
+          <p:cNvPr id="2" name="Folienbildplatzhalter 1"/>
+          <p:cNvSpPr>
+            <a:spLocks noGrp="1" noRot="1" noChangeAspect="1"/>
+          </p:cNvSpPr>
+          <p:nvPr>
+            <p:ph type="sldImg"/>
+          </p:nvPr>
+        </p:nvSpPr>
+        <p:spPr/>
+      </p:sp>
+      <p:sp>
+        <p:nvSpPr>
+          <p:cNvPr id="3" name="Notizenplatzhalter 2"/>
+          <p:cNvSpPr>
+            <a:spLocks noGrp="1"/>
+          </p:cNvSpPr>
+          <p:nvPr>
+            <p:ph type="body" idx="1"/>
+          </p:nvPr>
+        </p:nvSpPr>
+        <p:spPr/>
+        <p:txBody>
+          <a:bodyPr/>
+          <a:lstStyle/>
+          <a:p>
+            <a:r>
               <a:rPr lang="de-AT" baseline="0" dirty="0" smtClean="0"/>
               <a:t>+ alle </a:t>
             </a:r>
@@ -892,7 +991,7 @@
           <a:p>
             <a:fld id="{25CB7867-6FF7-4B48-B2D3-C840CD13B883}" type="slidenum">
               <a:rPr lang="de-AT" smtClean="0"/>
-              <a:t>27</a:t>
+              <a:t>42</a:t>
             </a:fld>
             <a:endParaRPr lang="de-AT"/>
           </a:p>
@@ -4526,7 +4625,11 @@
             </a:r>
             <a:r>
               <a:rPr lang="de-AT" dirty="0" smtClean="0"/>
-              <a:t> Weinberger</a:t>
+              <a:t>, </a:t>
+            </a:r>
+            <a:r>
+              <a:rPr lang="de-AT" dirty="0" smtClean="0"/>
+              <a:t>Weinberger</a:t>
             </a:r>
             <a:endParaRPr lang="de-AT" dirty="0"/>
           </a:p>
@@ -4542,6 +4645,13 @@
   <p:clrMapOvr>
     <a:masterClrMapping/>
   </p:clrMapOvr>
+  <p:timing>
+    <p:tnLst>
+      <p:par>
+        <p:cTn id="1" dur="indefinite" restart="never" nodeType="tmRoot"/>
+      </p:par>
+    </p:tnLst>
+  </p:timing>
 </p:sld>
 </file>
 
@@ -4574,6 +4684,2197 @@
         </p:nvSpPr>
         <p:spPr/>
         <p:txBody>
+          <a:bodyPr/>
+          <a:lstStyle/>
+          <a:p>
+            <a:r>
+              <a:rPr lang="de-AT" dirty="0" err="1"/>
+              <a:t>Exercise</a:t>
+            </a:r>
+            <a:r>
+              <a:rPr lang="de-AT" dirty="0"/>
+              <a:t> 1 – </a:t>
+            </a:r>
+            <a:r>
+              <a:rPr lang="de-AT" dirty="0" err="1"/>
+              <a:t>Identify</a:t>
+            </a:r>
+            <a:r>
+              <a:rPr lang="de-AT" dirty="0"/>
+              <a:t> </a:t>
+            </a:r>
+            <a:r>
+              <a:rPr lang="de-AT" dirty="0" err="1"/>
+              <a:t>Conflicts</a:t>
+            </a:r>
+            <a:r>
+              <a:rPr lang="de-AT" dirty="0"/>
+              <a:t> </a:t>
+            </a:r>
+            <a:r>
+              <a:rPr lang="de-AT" dirty="0" smtClean="0"/>
+              <a:t>3a</a:t>
+            </a:r>
+            <a:endParaRPr lang="de-AT" dirty="0"/>
+          </a:p>
+        </p:txBody>
+      </p:sp>
+      <p:pic>
+        <p:nvPicPr>
+          <p:cNvPr id="4" name="Inhaltsplatzhalter 3"/>
+          <p:cNvPicPr>
+            <a:picLocks noGrp="1" noChangeAspect="1"/>
+          </p:cNvPicPr>
+          <p:nvPr>
+            <p:ph sz="quarter" idx="1"/>
+          </p:nvPr>
+        </p:nvPicPr>
+        <p:blipFill>
+          <a:blip r:embed="rId2">
+            <a:extLst>
+              <a:ext uri="{28A0092B-C50C-407E-A947-70E740481C1C}">
+                <a14:useLocalDpi xmlns:a14="http://schemas.microsoft.com/office/drawing/2010/main" val="0"/>
+              </a:ext>
+            </a:extLst>
+          </a:blip>
+          <a:stretch>
+            <a:fillRect/>
+          </a:stretch>
+        </p:blipFill>
+        <p:spPr>
+          <a:xfrm>
+            <a:off x="323528" y="1556792"/>
+            <a:ext cx="8496944" cy="5040560"/>
+          </a:xfrm>
+        </p:spPr>
+      </p:pic>
+    </p:spTree>
+    <p:extLst>
+      <p:ext uri="{BB962C8B-B14F-4D97-AF65-F5344CB8AC3E}">
+        <p14:creationId xmlns:p14="http://schemas.microsoft.com/office/powerpoint/2010/main" val="4064426607"/>
+      </p:ext>
+    </p:extLst>
+  </p:cSld>
+  <p:clrMapOvr>
+    <a:masterClrMapping/>
+  </p:clrMapOvr>
+  <p:timing>
+    <p:tnLst>
+      <p:par>
+        <p:cTn id="1" dur="indefinite" restart="never" nodeType="tmRoot"/>
+      </p:par>
+    </p:tnLst>
+  </p:timing>
+</p:sld>
+</file>
+
+<file path=ppt/slides/slide11.xml><?xml version="1.0" encoding="utf-8"?>
+<p:sld xmlns:a="http://schemas.openxmlformats.org/drawingml/2006/main" xmlns:r="http://schemas.openxmlformats.org/officeDocument/2006/relationships" xmlns:p="http://schemas.openxmlformats.org/presentationml/2006/main">
+  <p:cSld>
+    <p:spTree>
+      <p:nvGrpSpPr>
+        <p:cNvPr id="1" name=""/>
+        <p:cNvGrpSpPr/>
+        <p:nvPr/>
+      </p:nvGrpSpPr>
+      <p:grpSpPr>
+        <a:xfrm>
+          <a:off x="0" y="0"/>
+          <a:ext cx="0" cy="0"/>
+          <a:chOff x="0" y="0"/>
+          <a:chExt cx="0" cy="0"/>
+        </a:xfrm>
+      </p:grpSpPr>
+      <p:sp>
+        <p:nvSpPr>
+          <p:cNvPr id="2" name="Titel 1"/>
+          <p:cNvSpPr>
+            <a:spLocks noGrp="1"/>
+          </p:cNvSpPr>
+          <p:nvPr>
+            <p:ph type="title"/>
+          </p:nvPr>
+        </p:nvSpPr>
+        <p:spPr/>
+        <p:txBody>
+          <a:bodyPr/>
+          <a:lstStyle/>
+          <a:p>
+            <a:r>
+              <a:rPr lang="de-AT" dirty="0" err="1"/>
+              <a:t>Exercise</a:t>
+            </a:r>
+            <a:r>
+              <a:rPr lang="de-AT" dirty="0"/>
+              <a:t> 1 – </a:t>
+            </a:r>
+            <a:r>
+              <a:rPr lang="de-AT" dirty="0" err="1"/>
+              <a:t>Identify</a:t>
+            </a:r>
+            <a:r>
+              <a:rPr lang="de-AT" dirty="0"/>
+              <a:t> </a:t>
+            </a:r>
+            <a:r>
+              <a:rPr lang="de-AT" dirty="0" err="1"/>
+              <a:t>Conflicts</a:t>
+            </a:r>
+            <a:r>
+              <a:rPr lang="de-AT" dirty="0"/>
+              <a:t> </a:t>
+            </a:r>
+            <a:r>
+              <a:rPr lang="de-AT" dirty="0" smtClean="0"/>
+              <a:t>3b</a:t>
+            </a:r>
+            <a:endParaRPr lang="de-AT" dirty="0"/>
+          </a:p>
+        </p:txBody>
+      </p:sp>
+      <p:pic>
+        <p:nvPicPr>
+          <p:cNvPr id="4" name="Inhaltsplatzhalter 3"/>
+          <p:cNvPicPr>
+            <a:picLocks noGrp="1" noChangeAspect="1"/>
+          </p:cNvPicPr>
+          <p:nvPr>
+            <p:ph sz="quarter" idx="1"/>
+          </p:nvPr>
+        </p:nvPicPr>
+        <p:blipFill>
+          <a:blip r:embed="rId2">
+            <a:extLst>
+              <a:ext uri="{28A0092B-C50C-407E-A947-70E740481C1C}">
+                <a14:useLocalDpi xmlns:a14="http://schemas.microsoft.com/office/drawing/2010/main" val="0"/>
+              </a:ext>
+            </a:extLst>
+          </a:blip>
+          <a:stretch>
+            <a:fillRect/>
+          </a:stretch>
+        </p:blipFill>
+        <p:spPr>
+          <a:xfrm>
+            <a:off x="323528" y="1556792"/>
+            <a:ext cx="8496944" cy="5040560"/>
+          </a:xfrm>
+        </p:spPr>
+      </p:pic>
+    </p:spTree>
+    <p:extLst>
+      <p:ext uri="{BB962C8B-B14F-4D97-AF65-F5344CB8AC3E}">
+        <p14:creationId xmlns:p14="http://schemas.microsoft.com/office/powerpoint/2010/main" val="710602127"/>
+      </p:ext>
+    </p:extLst>
+  </p:cSld>
+  <p:clrMapOvr>
+    <a:masterClrMapping/>
+  </p:clrMapOvr>
+  <p:timing>
+    <p:tnLst>
+      <p:par>
+        <p:cTn id="1" dur="indefinite" restart="never" nodeType="tmRoot"/>
+      </p:par>
+    </p:tnLst>
+  </p:timing>
+</p:sld>
+</file>
+
+<file path=ppt/slides/slide12.xml><?xml version="1.0" encoding="utf-8"?>
+<p:sld xmlns:a="http://schemas.openxmlformats.org/drawingml/2006/main" xmlns:r="http://schemas.openxmlformats.org/officeDocument/2006/relationships" xmlns:p="http://schemas.openxmlformats.org/presentationml/2006/main">
+  <p:cSld>
+    <p:spTree>
+      <p:nvGrpSpPr>
+        <p:cNvPr id="1" name=""/>
+        <p:cNvGrpSpPr/>
+        <p:nvPr/>
+      </p:nvGrpSpPr>
+      <p:grpSpPr>
+        <a:xfrm>
+          <a:off x="0" y="0"/>
+          <a:ext cx="0" cy="0"/>
+          <a:chOff x="0" y="0"/>
+          <a:chExt cx="0" cy="0"/>
+        </a:xfrm>
+      </p:grpSpPr>
+      <p:sp>
+        <p:nvSpPr>
+          <p:cNvPr id="2" name="Titel 1"/>
+          <p:cNvSpPr>
+            <a:spLocks noGrp="1"/>
+          </p:cNvSpPr>
+          <p:nvPr>
+            <p:ph type="title"/>
+          </p:nvPr>
+        </p:nvSpPr>
+        <p:spPr/>
+        <p:txBody>
+          <a:bodyPr/>
+          <a:lstStyle/>
+          <a:p>
+            <a:r>
+              <a:rPr lang="de-AT" dirty="0" err="1"/>
+              <a:t>Exercise</a:t>
+            </a:r>
+            <a:r>
+              <a:rPr lang="de-AT" dirty="0"/>
+              <a:t> 1 – </a:t>
+            </a:r>
+            <a:r>
+              <a:rPr lang="de-AT" dirty="0" err="1"/>
+              <a:t>Identify</a:t>
+            </a:r>
+            <a:r>
+              <a:rPr lang="de-AT" dirty="0"/>
+              <a:t> </a:t>
+            </a:r>
+            <a:r>
+              <a:rPr lang="de-AT" dirty="0" err="1"/>
+              <a:t>Conflicts</a:t>
+            </a:r>
+            <a:r>
+              <a:rPr lang="de-AT" dirty="0"/>
+              <a:t> </a:t>
+            </a:r>
+            <a:r>
+              <a:rPr lang="de-AT" dirty="0" smtClean="0"/>
+              <a:t>4a</a:t>
+            </a:r>
+            <a:endParaRPr lang="de-AT" dirty="0"/>
+          </a:p>
+        </p:txBody>
+      </p:sp>
+      <p:pic>
+        <p:nvPicPr>
+          <p:cNvPr id="4" name="Inhaltsplatzhalter 3"/>
+          <p:cNvPicPr>
+            <a:picLocks noGrp="1" noChangeAspect="1"/>
+          </p:cNvPicPr>
+          <p:nvPr>
+            <p:ph sz="quarter" idx="1"/>
+          </p:nvPr>
+        </p:nvPicPr>
+        <p:blipFill>
+          <a:blip r:embed="rId2">
+            <a:extLst>
+              <a:ext uri="{28A0092B-C50C-407E-A947-70E740481C1C}">
+                <a14:useLocalDpi xmlns:a14="http://schemas.microsoft.com/office/drawing/2010/main" val="0"/>
+              </a:ext>
+            </a:extLst>
+          </a:blip>
+          <a:stretch>
+            <a:fillRect/>
+          </a:stretch>
+        </p:blipFill>
+        <p:spPr>
+          <a:xfrm>
+            <a:off x="323528" y="1556792"/>
+            <a:ext cx="8496944" cy="5040560"/>
+          </a:xfrm>
+        </p:spPr>
+      </p:pic>
+    </p:spTree>
+    <p:extLst>
+      <p:ext uri="{BB962C8B-B14F-4D97-AF65-F5344CB8AC3E}">
+        <p14:creationId xmlns:p14="http://schemas.microsoft.com/office/powerpoint/2010/main" val="1144577648"/>
+      </p:ext>
+    </p:extLst>
+  </p:cSld>
+  <p:clrMapOvr>
+    <a:masterClrMapping/>
+  </p:clrMapOvr>
+  <p:timing>
+    <p:tnLst>
+      <p:par>
+        <p:cTn id="1" dur="indefinite" restart="never" nodeType="tmRoot"/>
+      </p:par>
+    </p:tnLst>
+  </p:timing>
+</p:sld>
+</file>
+
+<file path=ppt/slides/slide13.xml><?xml version="1.0" encoding="utf-8"?>
+<p:sld xmlns:a="http://schemas.openxmlformats.org/drawingml/2006/main" xmlns:r="http://schemas.openxmlformats.org/officeDocument/2006/relationships" xmlns:p="http://schemas.openxmlformats.org/presentationml/2006/main">
+  <p:cSld>
+    <p:spTree>
+      <p:nvGrpSpPr>
+        <p:cNvPr id="1" name=""/>
+        <p:cNvGrpSpPr/>
+        <p:nvPr/>
+      </p:nvGrpSpPr>
+      <p:grpSpPr>
+        <a:xfrm>
+          <a:off x="0" y="0"/>
+          <a:ext cx="0" cy="0"/>
+          <a:chOff x="0" y="0"/>
+          <a:chExt cx="0" cy="0"/>
+        </a:xfrm>
+      </p:grpSpPr>
+      <p:sp>
+        <p:nvSpPr>
+          <p:cNvPr id="2" name="Titel 1"/>
+          <p:cNvSpPr>
+            <a:spLocks noGrp="1"/>
+          </p:cNvSpPr>
+          <p:nvPr>
+            <p:ph type="title"/>
+          </p:nvPr>
+        </p:nvSpPr>
+        <p:spPr/>
+        <p:txBody>
+          <a:bodyPr/>
+          <a:lstStyle/>
+          <a:p>
+            <a:r>
+              <a:rPr lang="de-AT" dirty="0" err="1"/>
+              <a:t>Exercise</a:t>
+            </a:r>
+            <a:r>
+              <a:rPr lang="de-AT" dirty="0"/>
+              <a:t> 1 – </a:t>
+            </a:r>
+            <a:r>
+              <a:rPr lang="de-AT" dirty="0" err="1"/>
+              <a:t>Identify</a:t>
+            </a:r>
+            <a:r>
+              <a:rPr lang="de-AT" dirty="0"/>
+              <a:t> </a:t>
+            </a:r>
+            <a:r>
+              <a:rPr lang="de-AT" dirty="0" err="1"/>
+              <a:t>Conflicts</a:t>
+            </a:r>
+            <a:r>
+              <a:rPr lang="de-AT" dirty="0"/>
+              <a:t> </a:t>
+            </a:r>
+            <a:r>
+              <a:rPr lang="de-AT" dirty="0" smtClean="0"/>
+              <a:t>4b</a:t>
+            </a:r>
+            <a:endParaRPr lang="de-AT" dirty="0"/>
+          </a:p>
+        </p:txBody>
+      </p:sp>
+      <p:pic>
+        <p:nvPicPr>
+          <p:cNvPr id="4" name="Inhaltsplatzhalter 3"/>
+          <p:cNvPicPr>
+            <a:picLocks noGrp="1" noChangeAspect="1"/>
+          </p:cNvPicPr>
+          <p:nvPr>
+            <p:ph sz="quarter" idx="1"/>
+          </p:nvPr>
+        </p:nvPicPr>
+        <p:blipFill>
+          <a:blip r:embed="rId2">
+            <a:extLst>
+              <a:ext uri="{28A0092B-C50C-407E-A947-70E740481C1C}">
+                <a14:useLocalDpi xmlns:a14="http://schemas.microsoft.com/office/drawing/2010/main" val="0"/>
+              </a:ext>
+            </a:extLst>
+          </a:blip>
+          <a:stretch>
+            <a:fillRect/>
+          </a:stretch>
+        </p:blipFill>
+        <p:spPr>
+          <a:xfrm>
+            <a:off x="323528" y="1556792"/>
+            <a:ext cx="8496944" cy="5040560"/>
+          </a:xfrm>
+        </p:spPr>
+      </p:pic>
+    </p:spTree>
+    <p:extLst>
+      <p:ext uri="{BB962C8B-B14F-4D97-AF65-F5344CB8AC3E}">
+        <p14:creationId xmlns:p14="http://schemas.microsoft.com/office/powerpoint/2010/main" val="2923063917"/>
+      </p:ext>
+    </p:extLst>
+  </p:cSld>
+  <p:clrMapOvr>
+    <a:masterClrMapping/>
+  </p:clrMapOvr>
+  <p:timing>
+    <p:tnLst>
+      <p:par>
+        <p:cTn id="1" dur="indefinite" restart="never" nodeType="tmRoot"/>
+      </p:par>
+    </p:tnLst>
+  </p:timing>
+</p:sld>
+</file>
+
+<file path=ppt/slides/slide14.xml><?xml version="1.0" encoding="utf-8"?>
+<p:sld xmlns:a="http://schemas.openxmlformats.org/drawingml/2006/main" xmlns:r="http://schemas.openxmlformats.org/officeDocument/2006/relationships" xmlns:p="http://schemas.openxmlformats.org/presentationml/2006/main">
+  <p:cSld>
+    <p:spTree>
+      <p:nvGrpSpPr>
+        <p:cNvPr id="1" name=""/>
+        <p:cNvGrpSpPr/>
+        <p:nvPr/>
+      </p:nvGrpSpPr>
+      <p:grpSpPr>
+        <a:xfrm>
+          <a:off x="0" y="0"/>
+          <a:ext cx="0" cy="0"/>
+          <a:chOff x="0" y="0"/>
+          <a:chExt cx="0" cy="0"/>
+        </a:xfrm>
+      </p:grpSpPr>
+      <p:sp>
+        <p:nvSpPr>
+          <p:cNvPr id="2" name="Titel 1"/>
+          <p:cNvSpPr>
+            <a:spLocks noGrp="1"/>
+          </p:cNvSpPr>
+          <p:nvPr>
+            <p:ph type="title"/>
+          </p:nvPr>
+        </p:nvSpPr>
+        <p:spPr/>
+        <p:txBody>
+          <a:bodyPr/>
+          <a:lstStyle/>
+          <a:p>
+            <a:r>
+              <a:rPr lang="de-AT" dirty="0" err="1"/>
+              <a:t>Exercise</a:t>
+            </a:r>
+            <a:r>
+              <a:rPr lang="de-AT" dirty="0"/>
+              <a:t> 1 – </a:t>
+            </a:r>
+            <a:r>
+              <a:rPr lang="de-AT" dirty="0" err="1"/>
+              <a:t>Identify</a:t>
+            </a:r>
+            <a:r>
+              <a:rPr lang="de-AT" dirty="0"/>
+              <a:t> </a:t>
+            </a:r>
+            <a:r>
+              <a:rPr lang="de-AT" dirty="0" err="1"/>
+              <a:t>Conflicts</a:t>
+            </a:r>
+            <a:r>
+              <a:rPr lang="de-AT" dirty="0"/>
+              <a:t> </a:t>
+            </a:r>
+            <a:r>
+              <a:rPr lang="de-AT" dirty="0" smtClean="0"/>
+              <a:t>5a</a:t>
+            </a:r>
+            <a:endParaRPr lang="de-AT" dirty="0"/>
+          </a:p>
+        </p:txBody>
+      </p:sp>
+      <p:pic>
+        <p:nvPicPr>
+          <p:cNvPr id="4" name="Inhaltsplatzhalter 3"/>
+          <p:cNvPicPr>
+            <a:picLocks noGrp="1" noChangeAspect="1"/>
+          </p:cNvPicPr>
+          <p:nvPr>
+            <p:ph sz="quarter" idx="1"/>
+          </p:nvPr>
+        </p:nvPicPr>
+        <p:blipFill>
+          <a:blip r:embed="rId2">
+            <a:extLst>
+              <a:ext uri="{28A0092B-C50C-407E-A947-70E740481C1C}">
+                <a14:useLocalDpi xmlns:a14="http://schemas.microsoft.com/office/drawing/2010/main" val="0"/>
+              </a:ext>
+            </a:extLst>
+          </a:blip>
+          <a:stretch>
+            <a:fillRect/>
+          </a:stretch>
+        </p:blipFill>
+        <p:spPr>
+          <a:xfrm>
+            <a:off x="323528" y="1556792"/>
+            <a:ext cx="8496944" cy="5040560"/>
+          </a:xfrm>
+        </p:spPr>
+      </p:pic>
+    </p:spTree>
+    <p:extLst>
+      <p:ext uri="{BB962C8B-B14F-4D97-AF65-F5344CB8AC3E}">
+        <p14:creationId xmlns:p14="http://schemas.microsoft.com/office/powerpoint/2010/main" val="2191994334"/>
+      </p:ext>
+    </p:extLst>
+  </p:cSld>
+  <p:clrMapOvr>
+    <a:masterClrMapping/>
+  </p:clrMapOvr>
+  <p:timing>
+    <p:tnLst>
+      <p:par>
+        <p:cTn id="1" dur="indefinite" restart="never" nodeType="tmRoot"/>
+      </p:par>
+    </p:tnLst>
+  </p:timing>
+</p:sld>
+</file>
+
+<file path=ppt/slides/slide15.xml><?xml version="1.0" encoding="utf-8"?>
+<p:sld xmlns:a="http://schemas.openxmlformats.org/drawingml/2006/main" xmlns:r="http://schemas.openxmlformats.org/officeDocument/2006/relationships" xmlns:p="http://schemas.openxmlformats.org/presentationml/2006/main">
+  <p:cSld>
+    <p:spTree>
+      <p:nvGrpSpPr>
+        <p:cNvPr id="1" name=""/>
+        <p:cNvGrpSpPr/>
+        <p:nvPr/>
+      </p:nvGrpSpPr>
+      <p:grpSpPr>
+        <a:xfrm>
+          <a:off x="0" y="0"/>
+          <a:ext cx="0" cy="0"/>
+          <a:chOff x="0" y="0"/>
+          <a:chExt cx="0" cy="0"/>
+        </a:xfrm>
+      </p:grpSpPr>
+      <p:sp>
+        <p:nvSpPr>
+          <p:cNvPr id="2" name="Titel 1"/>
+          <p:cNvSpPr>
+            <a:spLocks noGrp="1"/>
+          </p:cNvSpPr>
+          <p:nvPr>
+            <p:ph type="title"/>
+          </p:nvPr>
+        </p:nvSpPr>
+        <p:spPr/>
+        <p:txBody>
+          <a:bodyPr/>
+          <a:lstStyle/>
+          <a:p>
+            <a:r>
+              <a:rPr lang="de-AT" dirty="0" err="1"/>
+              <a:t>Exercise</a:t>
+            </a:r>
+            <a:r>
+              <a:rPr lang="de-AT" dirty="0"/>
+              <a:t> 1 – </a:t>
+            </a:r>
+            <a:r>
+              <a:rPr lang="de-AT" dirty="0" err="1"/>
+              <a:t>Identify</a:t>
+            </a:r>
+            <a:r>
+              <a:rPr lang="de-AT" dirty="0"/>
+              <a:t> </a:t>
+            </a:r>
+            <a:r>
+              <a:rPr lang="de-AT" dirty="0" err="1"/>
+              <a:t>Conflicts</a:t>
+            </a:r>
+            <a:r>
+              <a:rPr lang="de-AT" dirty="0"/>
+              <a:t> </a:t>
+            </a:r>
+            <a:r>
+              <a:rPr lang="de-AT" dirty="0" smtClean="0"/>
+              <a:t>5b</a:t>
+            </a:r>
+            <a:endParaRPr lang="de-AT" dirty="0"/>
+          </a:p>
+        </p:txBody>
+      </p:sp>
+      <p:pic>
+        <p:nvPicPr>
+          <p:cNvPr id="4" name="Inhaltsplatzhalter 3"/>
+          <p:cNvPicPr>
+            <a:picLocks noGrp="1" noChangeAspect="1"/>
+          </p:cNvPicPr>
+          <p:nvPr>
+            <p:ph sz="quarter" idx="1"/>
+          </p:nvPr>
+        </p:nvPicPr>
+        <p:blipFill>
+          <a:blip r:embed="rId2">
+            <a:extLst>
+              <a:ext uri="{28A0092B-C50C-407E-A947-70E740481C1C}">
+                <a14:useLocalDpi xmlns:a14="http://schemas.microsoft.com/office/drawing/2010/main" val="0"/>
+              </a:ext>
+            </a:extLst>
+          </a:blip>
+          <a:stretch>
+            <a:fillRect/>
+          </a:stretch>
+        </p:blipFill>
+        <p:spPr>
+          <a:xfrm>
+            <a:off x="323528" y="1556792"/>
+            <a:ext cx="8496944" cy="5040560"/>
+          </a:xfrm>
+        </p:spPr>
+      </p:pic>
+    </p:spTree>
+    <p:extLst>
+      <p:ext uri="{BB962C8B-B14F-4D97-AF65-F5344CB8AC3E}">
+        <p14:creationId xmlns:p14="http://schemas.microsoft.com/office/powerpoint/2010/main" val="3491913315"/>
+      </p:ext>
+    </p:extLst>
+  </p:cSld>
+  <p:clrMapOvr>
+    <a:masterClrMapping/>
+  </p:clrMapOvr>
+  <p:timing>
+    <p:tnLst>
+      <p:par>
+        <p:cTn id="1" dur="indefinite" restart="never" nodeType="tmRoot"/>
+      </p:par>
+    </p:tnLst>
+  </p:timing>
+</p:sld>
+</file>
+
+<file path=ppt/slides/slide16.xml><?xml version="1.0" encoding="utf-8"?>
+<p:sld xmlns:a="http://schemas.openxmlformats.org/drawingml/2006/main" xmlns:r="http://schemas.openxmlformats.org/officeDocument/2006/relationships" xmlns:p="http://schemas.openxmlformats.org/presentationml/2006/main">
+  <p:cSld>
+    <p:spTree>
+      <p:nvGrpSpPr>
+        <p:cNvPr id="1" name=""/>
+        <p:cNvGrpSpPr/>
+        <p:nvPr/>
+      </p:nvGrpSpPr>
+      <p:grpSpPr>
+        <a:xfrm>
+          <a:off x="0" y="0"/>
+          <a:ext cx="0" cy="0"/>
+          <a:chOff x="0" y="0"/>
+          <a:chExt cx="0" cy="0"/>
+        </a:xfrm>
+      </p:grpSpPr>
+      <p:sp>
+        <p:nvSpPr>
+          <p:cNvPr id="2" name="Titel 1"/>
+          <p:cNvSpPr>
+            <a:spLocks noGrp="1"/>
+          </p:cNvSpPr>
+          <p:nvPr>
+            <p:ph type="title"/>
+          </p:nvPr>
+        </p:nvSpPr>
+        <p:spPr/>
+        <p:txBody>
+          <a:bodyPr/>
+          <a:lstStyle/>
+          <a:p>
+            <a:r>
+              <a:rPr lang="de-AT" dirty="0" err="1"/>
+              <a:t>Exercise</a:t>
+            </a:r>
+            <a:r>
+              <a:rPr lang="de-AT" dirty="0"/>
+              <a:t> 1 – </a:t>
+            </a:r>
+            <a:r>
+              <a:rPr lang="de-AT" dirty="0" err="1"/>
+              <a:t>Identify</a:t>
+            </a:r>
+            <a:r>
+              <a:rPr lang="de-AT" dirty="0"/>
+              <a:t> </a:t>
+            </a:r>
+            <a:r>
+              <a:rPr lang="de-AT" dirty="0" err="1"/>
+              <a:t>Conflicts</a:t>
+            </a:r>
+            <a:r>
+              <a:rPr lang="de-AT" dirty="0"/>
+              <a:t> </a:t>
+            </a:r>
+            <a:r>
+              <a:rPr lang="de-AT" dirty="0" smtClean="0"/>
+              <a:t>6a</a:t>
+            </a:r>
+            <a:endParaRPr lang="de-AT" dirty="0"/>
+          </a:p>
+        </p:txBody>
+      </p:sp>
+      <p:pic>
+        <p:nvPicPr>
+          <p:cNvPr id="4" name="Inhaltsplatzhalter 3"/>
+          <p:cNvPicPr>
+            <a:picLocks noGrp="1" noChangeAspect="1"/>
+          </p:cNvPicPr>
+          <p:nvPr>
+            <p:ph sz="quarter" idx="1"/>
+          </p:nvPr>
+        </p:nvPicPr>
+        <p:blipFill>
+          <a:blip r:embed="rId2">
+            <a:extLst>
+              <a:ext uri="{28A0092B-C50C-407E-A947-70E740481C1C}">
+                <a14:useLocalDpi xmlns:a14="http://schemas.microsoft.com/office/drawing/2010/main" val="0"/>
+              </a:ext>
+            </a:extLst>
+          </a:blip>
+          <a:stretch>
+            <a:fillRect/>
+          </a:stretch>
+        </p:blipFill>
+        <p:spPr>
+          <a:xfrm>
+            <a:off x="323528" y="1556792"/>
+            <a:ext cx="8496944" cy="5040560"/>
+          </a:xfrm>
+        </p:spPr>
+      </p:pic>
+    </p:spTree>
+    <p:extLst>
+      <p:ext uri="{BB962C8B-B14F-4D97-AF65-F5344CB8AC3E}">
+        <p14:creationId xmlns:p14="http://schemas.microsoft.com/office/powerpoint/2010/main" val="842438654"/>
+      </p:ext>
+    </p:extLst>
+  </p:cSld>
+  <p:clrMapOvr>
+    <a:masterClrMapping/>
+  </p:clrMapOvr>
+  <p:timing>
+    <p:tnLst>
+      <p:par>
+        <p:cTn id="1" dur="indefinite" restart="never" nodeType="tmRoot"/>
+      </p:par>
+    </p:tnLst>
+  </p:timing>
+</p:sld>
+</file>
+
+<file path=ppt/slides/slide17.xml><?xml version="1.0" encoding="utf-8"?>
+<p:sld xmlns:a="http://schemas.openxmlformats.org/drawingml/2006/main" xmlns:r="http://schemas.openxmlformats.org/officeDocument/2006/relationships" xmlns:p="http://schemas.openxmlformats.org/presentationml/2006/main">
+  <p:cSld>
+    <p:spTree>
+      <p:nvGrpSpPr>
+        <p:cNvPr id="1" name=""/>
+        <p:cNvGrpSpPr/>
+        <p:nvPr/>
+      </p:nvGrpSpPr>
+      <p:grpSpPr>
+        <a:xfrm>
+          <a:off x="0" y="0"/>
+          <a:ext cx="0" cy="0"/>
+          <a:chOff x="0" y="0"/>
+          <a:chExt cx="0" cy="0"/>
+        </a:xfrm>
+      </p:grpSpPr>
+      <p:sp>
+        <p:nvSpPr>
+          <p:cNvPr id="2" name="Titel 1"/>
+          <p:cNvSpPr>
+            <a:spLocks noGrp="1"/>
+          </p:cNvSpPr>
+          <p:nvPr>
+            <p:ph type="title"/>
+          </p:nvPr>
+        </p:nvSpPr>
+        <p:spPr/>
+        <p:txBody>
+          <a:bodyPr/>
+          <a:lstStyle/>
+          <a:p>
+            <a:r>
+              <a:rPr lang="de-AT" dirty="0" err="1"/>
+              <a:t>Exercise</a:t>
+            </a:r>
+            <a:r>
+              <a:rPr lang="de-AT" dirty="0"/>
+              <a:t> 1 – </a:t>
+            </a:r>
+            <a:r>
+              <a:rPr lang="de-AT" dirty="0" err="1"/>
+              <a:t>Identify</a:t>
+            </a:r>
+            <a:r>
+              <a:rPr lang="de-AT" dirty="0"/>
+              <a:t> </a:t>
+            </a:r>
+            <a:r>
+              <a:rPr lang="de-AT" dirty="0" err="1"/>
+              <a:t>Conflicts</a:t>
+            </a:r>
+            <a:r>
+              <a:rPr lang="de-AT" dirty="0"/>
+              <a:t> </a:t>
+            </a:r>
+            <a:r>
+              <a:rPr lang="de-AT" dirty="0" smtClean="0"/>
+              <a:t>6b</a:t>
+            </a:r>
+            <a:endParaRPr lang="de-AT" dirty="0"/>
+          </a:p>
+        </p:txBody>
+      </p:sp>
+      <p:pic>
+        <p:nvPicPr>
+          <p:cNvPr id="4" name="Inhaltsplatzhalter 3"/>
+          <p:cNvPicPr>
+            <a:picLocks noGrp="1" noChangeAspect="1"/>
+          </p:cNvPicPr>
+          <p:nvPr>
+            <p:ph sz="quarter" idx="1"/>
+          </p:nvPr>
+        </p:nvPicPr>
+        <p:blipFill>
+          <a:blip r:embed="rId2">
+            <a:extLst>
+              <a:ext uri="{28A0092B-C50C-407E-A947-70E740481C1C}">
+                <a14:useLocalDpi xmlns:a14="http://schemas.microsoft.com/office/drawing/2010/main" val="0"/>
+              </a:ext>
+            </a:extLst>
+          </a:blip>
+          <a:stretch>
+            <a:fillRect/>
+          </a:stretch>
+        </p:blipFill>
+        <p:spPr>
+          <a:xfrm>
+            <a:off x="323528" y="1556792"/>
+            <a:ext cx="8496943" cy="5040560"/>
+          </a:xfrm>
+        </p:spPr>
+      </p:pic>
+    </p:spTree>
+    <p:extLst>
+      <p:ext uri="{BB962C8B-B14F-4D97-AF65-F5344CB8AC3E}">
+        <p14:creationId xmlns:p14="http://schemas.microsoft.com/office/powerpoint/2010/main" val="2220925051"/>
+      </p:ext>
+    </p:extLst>
+  </p:cSld>
+  <p:clrMapOvr>
+    <a:masterClrMapping/>
+  </p:clrMapOvr>
+  <p:timing>
+    <p:tnLst>
+      <p:par>
+        <p:cTn id="1" dur="indefinite" restart="never" nodeType="tmRoot"/>
+      </p:par>
+    </p:tnLst>
+  </p:timing>
+</p:sld>
+</file>
+
+<file path=ppt/slides/slide18.xml><?xml version="1.0" encoding="utf-8"?>
+<p:sld xmlns:a="http://schemas.openxmlformats.org/drawingml/2006/main" xmlns:r="http://schemas.openxmlformats.org/officeDocument/2006/relationships" xmlns:p="http://schemas.openxmlformats.org/presentationml/2006/main">
+  <p:cSld>
+    <p:spTree>
+      <p:nvGrpSpPr>
+        <p:cNvPr id="1" name=""/>
+        <p:cNvGrpSpPr/>
+        <p:nvPr/>
+      </p:nvGrpSpPr>
+      <p:grpSpPr>
+        <a:xfrm>
+          <a:off x="0" y="0"/>
+          <a:ext cx="0" cy="0"/>
+          <a:chOff x="0" y="0"/>
+          <a:chExt cx="0" cy="0"/>
+        </a:xfrm>
+      </p:grpSpPr>
+      <p:sp>
+        <p:nvSpPr>
+          <p:cNvPr id="2" name="Titel 1"/>
+          <p:cNvSpPr>
+            <a:spLocks noGrp="1"/>
+          </p:cNvSpPr>
+          <p:nvPr>
+            <p:ph type="title"/>
+          </p:nvPr>
+        </p:nvSpPr>
+        <p:spPr/>
+        <p:txBody>
+          <a:bodyPr/>
+          <a:lstStyle/>
+          <a:p>
+            <a:r>
+              <a:rPr lang="de-AT" dirty="0" err="1"/>
+              <a:t>Exercise</a:t>
+            </a:r>
+            <a:r>
+              <a:rPr lang="de-AT" dirty="0"/>
+              <a:t> 1 – </a:t>
+            </a:r>
+            <a:r>
+              <a:rPr lang="de-AT" dirty="0" err="1"/>
+              <a:t>Identify</a:t>
+            </a:r>
+            <a:r>
+              <a:rPr lang="de-AT" dirty="0"/>
+              <a:t> </a:t>
+            </a:r>
+            <a:r>
+              <a:rPr lang="de-AT" dirty="0" err="1"/>
+              <a:t>Conflicts</a:t>
+            </a:r>
+            <a:r>
+              <a:rPr lang="de-AT" dirty="0"/>
+              <a:t> </a:t>
+            </a:r>
+            <a:r>
+              <a:rPr lang="de-AT" dirty="0" smtClean="0"/>
+              <a:t>7a</a:t>
+            </a:r>
+            <a:endParaRPr lang="de-AT" dirty="0"/>
+          </a:p>
+        </p:txBody>
+      </p:sp>
+      <p:pic>
+        <p:nvPicPr>
+          <p:cNvPr id="4" name="Inhaltsplatzhalter 3"/>
+          <p:cNvPicPr>
+            <a:picLocks noGrp="1" noChangeAspect="1"/>
+          </p:cNvPicPr>
+          <p:nvPr>
+            <p:ph sz="quarter" idx="1"/>
+          </p:nvPr>
+        </p:nvPicPr>
+        <p:blipFill>
+          <a:blip r:embed="rId2">
+            <a:extLst>
+              <a:ext uri="{28A0092B-C50C-407E-A947-70E740481C1C}">
+                <a14:useLocalDpi xmlns:a14="http://schemas.microsoft.com/office/drawing/2010/main" val="0"/>
+              </a:ext>
+            </a:extLst>
+          </a:blip>
+          <a:stretch>
+            <a:fillRect/>
+          </a:stretch>
+        </p:blipFill>
+        <p:spPr>
+          <a:xfrm>
+            <a:off x="323528" y="1556792"/>
+            <a:ext cx="8496944" cy="5040560"/>
+          </a:xfrm>
+        </p:spPr>
+      </p:pic>
+    </p:spTree>
+    <p:extLst>
+      <p:ext uri="{BB962C8B-B14F-4D97-AF65-F5344CB8AC3E}">
+        <p14:creationId xmlns:p14="http://schemas.microsoft.com/office/powerpoint/2010/main" val="44138163"/>
+      </p:ext>
+    </p:extLst>
+  </p:cSld>
+  <p:clrMapOvr>
+    <a:masterClrMapping/>
+  </p:clrMapOvr>
+  <p:timing>
+    <p:tnLst>
+      <p:par>
+        <p:cTn id="1" dur="indefinite" restart="never" nodeType="tmRoot"/>
+      </p:par>
+    </p:tnLst>
+  </p:timing>
+</p:sld>
+</file>
+
+<file path=ppt/slides/slide19.xml><?xml version="1.0" encoding="utf-8"?>
+<p:sld xmlns:a="http://schemas.openxmlformats.org/drawingml/2006/main" xmlns:r="http://schemas.openxmlformats.org/officeDocument/2006/relationships" xmlns:p="http://schemas.openxmlformats.org/presentationml/2006/main">
+  <p:cSld>
+    <p:spTree>
+      <p:nvGrpSpPr>
+        <p:cNvPr id="1" name=""/>
+        <p:cNvGrpSpPr/>
+        <p:nvPr/>
+      </p:nvGrpSpPr>
+      <p:grpSpPr>
+        <a:xfrm>
+          <a:off x="0" y="0"/>
+          <a:ext cx="0" cy="0"/>
+          <a:chOff x="0" y="0"/>
+          <a:chExt cx="0" cy="0"/>
+        </a:xfrm>
+      </p:grpSpPr>
+      <p:sp>
+        <p:nvSpPr>
+          <p:cNvPr id="2" name="Titel 1"/>
+          <p:cNvSpPr>
+            <a:spLocks noGrp="1"/>
+          </p:cNvSpPr>
+          <p:nvPr>
+            <p:ph type="title"/>
+          </p:nvPr>
+        </p:nvSpPr>
+        <p:spPr/>
+        <p:txBody>
+          <a:bodyPr/>
+          <a:lstStyle/>
+          <a:p>
+            <a:r>
+              <a:rPr lang="de-AT" dirty="0" err="1"/>
+              <a:t>Exercise</a:t>
+            </a:r>
+            <a:r>
+              <a:rPr lang="de-AT" dirty="0"/>
+              <a:t> 1 – </a:t>
+            </a:r>
+            <a:r>
+              <a:rPr lang="de-AT" dirty="0" err="1"/>
+              <a:t>Identify</a:t>
+            </a:r>
+            <a:r>
+              <a:rPr lang="de-AT" dirty="0"/>
+              <a:t> </a:t>
+            </a:r>
+            <a:r>
+              <a:rPr lang="de-AT" dirty="0" err="1"/>
+              <a:t>Conflicts</a:t>
+            </a:r>
+            <a:r>
+              <a:rPr lang="de-AT" dirty="0"/>
+              <a:t> </a:t>
+            </a:r>
+            <a:r>
+              <a:rPr lang="de-AT" dirty="0" smtClean="0"/>
+              <a:t>7b</a:t>
+            </a:r>
+            <a:endParaRPr lang="de-AT" dirty="0"/>
+          </a:p>
+        </p:txBody>
+      </p:sp>
+      <p:pic>
+        <p:nvPicPr>
+          <p:cNvPr id="4" name="Inhaltsplatzhalter 3"/>
+          <p:cNvPicPr>
+            <a:picLocks noGrp="1" noChangeAspect="1"/>
+          </p:cNvPicPr>
+          <p:nvPr>
+            <p:ph sz="quarter" idx="1"/>
+          </p:nvPr>
+        </p:nvPicPr>
+        <p:blipFill>
+          <a:blip r:embed="rId2">
+            <a:extLst>
+              <a:ext uri="{28A0092B-C50C-407E-A947-70E740481C1C}">
+                <a14:useLocalDpi xmlns:a14="http://schemas.microsoft.com/office/drawing/2010/main" val="0"/>
+              </a:ext>
+            </a:extLst>
+          </a:blip>
+          <a:stretch>
+            <a:fillRect/>
+          </a:stretch>
+        </p:blipFill>
+        <p:spPr>
+          <a:xfrm>
+            <a:off x="323528" y="1556792"/>
+            <a:ext cx="8496944" cy="5040560"/>
+          </a:xfrm>
+        </p:spPr>
+      </p:pic>
+    </p:spTree>
+    <p:extLst>
+      <p:ext uri="{BB962C8B-B14F-4D97-AF65-F5344CB8AC3E}">
+        <p14:creationId xmlns:p14="http://schemas.microsoft.com/office/powerpoint/2010/main" val="751457204"/>
+      </p:ext>
+    </p:extLst>
+  </p:cSld>
+  <p:clrMapOvr>
+    <a:masterClrMapping/>
+  </p:clrMapOvr>
+  <p:timing>
+    <p:tnLst>
+      <p:par>
+        <p:cTn id="1" dur="indefinite" restart="never" nodeType="tmRoot"/>
+      </p:par>
+    </p:tnLst>
+  </p:timing>
+</p:sld>
+</file>
+
+<file path=ppt/slides/slide2.xml><?xml version="1.0" encoding="utf-8"?>
+<p:sld xmlns:a="http://schemas.openxmlformats.org/drawingml/2006/main" xmlns:r="http://schemas.openxmlformats.org/officeDocument/2006/relationships" xmlns:p="http://schemas.openxmlformats.org/presentationml/2006/main">
+  <p:cSld>
+    <p:spTree>
+      <p:nvGrpSpPr>
+        <p:cNvPr id="1" name=""/>
+        <p:cNvGrpSpPr/>
+        <p:nvPr/>
+      </p:nvGrpSpPr>
+      <p:grpSpPr>
+        <a:xfrm>
+          <a:off x="0" y="0"/>
+          <a:ext cx="0" cy="0"/>
+          <a:chOff x="0" y="0"/>
+          <a:chExt cx="0" cy="0"/>
+        </a:xfrm>
+      </p:grpSpPr>
+      <p:sp>
+        <p:nvSpPr>
+          <p:cNvPr id="2" name="Titel 1"/>
+          <p:cNvSpPr>
+            <a:spLocks noGrp="1"/>
+          </p:cNvSpPr>
+          <p:nvPr>
+            <p:ph type="title"/>
+          </p:nvPr>
+        </p:nvSpPr>
+        <p:spPr/>
+        <p:txBody>
+          <a:bodyPr/>
+          <a:lstStyle/>
+          <a:p>
+            <a:r>
+              <a:rPr lang="de-AT" dirty="0" err="1" smtClean="0"/>
+              <a:t>Exercise</a:t>
+            </a:r>
+            <a:r>
+              <a:rPr lang="de-AT" dirty="0" smtClean="0"/>
+              <a:t> 1</a:t>
+            </a:r>
+            <a:endParaRPr lang="de-AT" dirty="0"/>
+          </a:p>
+        </p:txBody>
+      </p:sp>
+      <p:sp>
+        <p:nvSpPr>
+          <p:cNvPr id="3" name="Inhaltsplatzhalter 2"/>
+          <p:cNvSpPr>
+            <a:spLocks noGrp="1"/>
+          </p:cNvSpPr>
+          <p:nvPr>
+            <p:ph sz="quarter" idx="1"/>
+          </p:nvPr>
+        </p:nvSpPr>
+        <p:spPr/>
+        <p:txBody>
+          <a:bodyPr/>
+          <a:lstStyle/>
+          <a:p>
+            <a:r>
+              <a:rPr lang="de-AT" dirty="0" smtClean="0"/>
+              <a:t> </a:t>
+            </a:r>
+            <a:r>
+              <a:rPr lang="de-AT" dirty="0" err="1"/>
+              <a:t>Integrate</a:t>
+            </a:r>
+            <a:r>
+              <a:rPr lang="de-AT" dirty="0"/>
+              <a:t> </a:t>
+            </a:r>
+            <a:r>
+              <a:rPr lang="de-AT" dirty="0" err="1"/>
+              <a:t>these</a:t>
+            </a:r>
+            <a:r>
+              <a:rPr lang="de-AT" dirty="0"/>
+              <a:t> </a:t>
+            </a:r>
+            <a:r>
+              <a:rPr lang="de-AT" dirty="0" err="1"/>
+              <a:t>views</a:t>
+            </a:r>
+            <a:r>
+              <a:rPr lang="de-AT" dirty="0"/>
+              <a:t>: </a:t>
+            </a:r>
+          </a:p>
+          <a:p>
+            <a:pPr marL="914400" lvl="1" indent="-514350">
+              <a:buFont typeface="+mj-lt"/>
+              <a:buAutoNum type="alphaLcParenR"/>
+            </a:pPr>
+            <a:r>
+              <a:rPr lang="en-US" dirty="0" smtClean="0"/>
+              <a:t>identify </a:t>
+            </a:r>
+            <a:r>
+              <a:rPr lang="en-US" dirty="0"/>
+              <a:t>conflicts (and their conflict types) </a:t>
+            </a:r>
+          </a:p>
+          <a:p>
+            <a:pPr marL="914400" lvl="1" indent="-514350">
+              <a:buFont typeface="+mj-lt"/>
+              <a:buAutoNum type="alphaLcParenR"/>
+            </a:pPr>
+            <a:r>
+              <a:rPr lang="de-AT" dirty="0" err="1" smtClean="0"/>
+              <a:t>propose</a:t>
+            </a:r>
+            <a:r>
+              <a:rPr lang="de-AT" dirty="0" smtClean="0"/>
+              <a:t> </a:t>
+            </a:r>
+            <a:r>
+              <a:rPr lang="de-AT" dirty="0" err="1"/>
+              <a:t>scenarios</a:t>
+            </a:r>
+            <a:r>
+              <a:rPr lang="de-AT" dirty="0"/>
+              <a:t> </a:t>
+            </a:r>
+            <a:r>
+              <a:rPr lang="de-AT" dirty="0" err="1"/>
+              <a:t>and</a:t>
+            </a:r>
+            <a:r>
+              <a:rPr lang="de-AT" dirty="0"/>
+              <a:t> </a:t>
+            </a:r>
+            <a:r>
+              <a:rPr lang="de-AT" dirty="0" err="1"/>
+              <a:t>interschema</a:t>
+            </a:r>
+            <a:r>
+              <a:rPr lang="de-AT" dirty="0"/>
+              <a:t> </a:t>
+            </a:r>
+            <a:r>
+              <a:rPr lang="de-AT" dirty="0" err="1"/>
+              <a:t>properties</a:t>
+            </a:r>
+            <a:r>
+              <a:rPr lang="de-AT" dirty="0"/>
+              <a:t> </a:t>
+            </a:r>
+          </a:p>
+          <a:p>
+            <a:pPr marL="914400" lvl="1" indent="-514350">
+              <a:buFont typeface="+mj-lt"/>
+              <a:buAutoNum type="alphaLcParenR"/>
+            </a:pPr>
+            <a:r>
+              <a:rPr lang="en-US" dirty="0" smtClean="0"/>
+              <a:t>integrate </a:t>
+            </a:r>
+            <a:r>
+              <a:rPr lang="en-US" dirty="0"/>
+              <a:t>the schemas into one schema. </a:t>
+            </a:r>
+            <a:endParaRPr lang="de-AT" dirty="0"/>
+          </a:p>
+        </p:txBody>
+      </p:sp>
+    </p:spTree>
+    <p:extLst>
+      <p:ext uri="{BB962C8B-B14F-4D97-AF65-F5344CB8AC3E}">
+        <p14:creationId xmlns:p14="http://schemas.microsoft.com/office/powerpoint/2010/main" val="3160386597"/>
+      </p:ext>
+    </p:extLst>
+  </p:cSld>
+  <p:clrMapOvr>
+    <a:masterClrMapping/>
+  </p:clrMapOvr>
+  <p:timing>
+    <p:tnLst>
+      <p:par>
+        <p:cTn id="1" dur="indefinite" restart="never" nodeType="tmRoot"/>
+      </p:par>
+    </p:tnLst>
+  </p:timing>
+</p:sld>
+</file>
+
+<file path=ppt/slides/slide20.xml><?xml version="1.0" encoding="utf-8"?>
+<p:sld xmlns:a="http://schemas.openxmlformats.org/drawingml/2006/main" xmlns:r="http://schemas.openxmlformats.org/officeDocument/2006/relationships" xmlns:p="http://schemas.openxmlformats.org/presentationml/2006/main">
+  <p:cSld>
+    <p:spTree>
+      <p:nvGrpSpPr>
+        <p:cNvPr id="1" name=""/>
+        <p:cNvGrpSpPr/>
+        <p:nvPr/>
+      </p:nvGrpSpPr>
+      <p:grpSpPr>
+        <a:xfrm>
+          <a:off x="0" y="0"/>
+          <a:ext cx="0" cy="0"/>
+          <a:chOff x="0" y="0"/>
+          <a:chExt cx="0" cy="0"/>
+        </a:xfrm>
+      </p:grpSpPr>
+      <p:sp>
+        <p:nvSpPr>
+          <p:cNvPr id="2" name="Titel 1"/>
+          <p:cNvSpPr>
+            <a:spLocks noGrp="1"/>
+          </p:cNvSpPr>
+          <p:nvPr>
+            <p:ph type="title"/>
+          </p:nvPr>
+        </p:nvSpPr>
+        <p:spPr/>
+        <p:txBody>
+          <a:bodyPr>
+            <a:normAutofit fontScale="90000"/>
+          </a:bodyPr>
+          <a:lstStyle/>
+          <a:p>
+            <a:r>
+              <a:rPr lang="de-AT" dirty="0" err="1"/>
+              <a:t>Exercise</a:t>
+            </a:r>
+            <a:r>
+              <a:rPr lang="de-AT" dirty="0"/>
+              <a:t> 1 – Schema </a:t>
+            </a:r>
+            <a:r>
+              <a:rPr lang="de-AT" dirty="0" err="1"/>
+              <a:t>without</a:t>
+            </a:r>
+            <a:r>
+              <a:rPr lang="de-AT" dirty="0"/>
+              <a:t> </a:t>
+            </a:r>
+            <a:r>
+              <a:rPr lang="de-AT" dirty="0" err="1"/>
+              <a:t>conflicts</a:t>
+            </a:r>
+            <a:endParaRPr lang="de-AT" dirty="0"/>
+          </a:p>
+        </p:txBody>
+      </p:sp>
+      <p:pic>
+        <p:nvPicPr>
+          <p:cNvPr id="3" name="Picture 2"/>
+          <p:cNvPicPr>
+            <a:picLocks noChangeAspect="1" noChangeArrowheads="1"/>
+          </p:cNvPicPr>
+          <p:nvPr/>
+        </p:nvPicPr>
+        <p:blipFill>
+          <a:blip r:embed="rId2">
+            <a:extLst>
+              <a:ext uri="{28A0092B-C50C-407E-A947-70E740481C1C}">
+                <a14:useLocalDpi xmlns:a14="http://schemas.microsoft.com/office/drawing/2010/main" val="0"/>
+              </a:ext>
+            </a:extLst>
+          </a:blip>
+          <a:srcRect/>
+          <a:stretch>
+            <a:fillRect/>
+          </a:stretch>
+        </p:blipFill>
+        <p:spPr bwMode="auto">
+          <a:xfrm>
+            <a:off x="114300" y="1628800"/>
+            <a:ext cx="8928100" cy="4502150"/>
+          </a:xfrm>
+          <a:prstGeom prst="rect">
+            <a:avLst/>
+          </a:prstGeom>
+          <a:noFill/>
+          <a:ln>
+            <a:noFill/>
+          </a:ln>
+          <a:extLst>
+            <a:ext uri="{909E8E84-426E-40DD-AFC4-6F175D3DCCD1}">
+              <a14:hiddenFill xmlns:a14="http://schemas.microsoft.com/office/drawing/2010/main">
+                <a:solidFill>
+                  <a:schemeClr val="accent1"/>
+                </a:solidFill>
+              </a14:hiddenFill>
+            </a:ext>
+            <a:ext uri="{91240B29-F687-4F45-9708-019B960494DF}">
+              <a14:hiddenLine xmlns:a14="http://schemas.microsoft.com/office/drawing/2010/main" w="9525">
+                <a:solidFill>
+                  <a:schemeClr val="tx1"/>
+                </a:solidFill>
+                <a:miter lim="800000"/>
+                <a:headEnd/>
+                <a:tailEnd/>
+              </a14:hiddenLine>
+            </a:ext>
+          </a:extLst>
+        </p:spPr>
+      </p:pic>
+    </p:spTree>
+    <p:extLst>
+      <p:ext uri="{BB962C8B-B14F-4D97-AF65-F5344CB8AC3E}">
+        <p14:creationId xmlns:p14="http://schemas.microsoft.com/office/powerpoint/2010/main" val="1436579645"/>
+      </p:ext>
+    </p:extLst>
+  </p:cSld>
+  <p:clrMapOvr>
+    <a:masterClrMapping/>
+  </p:clrMapOvr>
+  <p:timing>
+    <p:tnLst>
+      <p:par>
+        <p:cTn id="1" dur="indefinite" restart="never" nodeType="tmRoot"/>
+      </p:par>
+    </p:tnLst>
+  </p:timing>
+</p:sld>
+</file>
+
+<file path=ppt/slides/slide21.xml><?xml version="1.0" encoding="utf-8"?>
+<p:sld xmlns:a="http://schemas.openxmlformats.org/drawingml/2006/main" xmlns:r="http://schemas.openxmlformats.org/officeDocument/2006/relationships" xmlns:p="http://schemas.openxmlformats.org/presentationml/2006/main">
+  <p:cSld>
+    <p:spTree>
+      <p:nvGrpSpPr>
+        <p:cNvPr id="1" name=""/>
+        <p:cNvGrpSpPr/>
+        <p:nvPr/>
+      </p:nvGrpSpPr>
+      <p:grpSpPr>
+        <a:xfrm>
+          <a:off x="0" y="0"/>
+          <a:ext cx="0" cy="0"/>
+          <a:chOff x="0" y="0"/>
+          <a:chExt cx="0" cy="0"/>
+        </a:xfrm>
+      </p:grpSpPr>
+      <p:sp>
+        <p:nvSpPr>
+          <p:cNvPr id="2" name="Titel 1"/>
+          <p:cNvSpPr>
+            <a:spLocks noGrp="1"/>
+          </p:cNvSpPr>
+          <p:nvPr>
+            <p:ph type="title"/>
+          </p:nvPr>
+        </p:nvSpPr>
+        <p:spPr/>
+        <p:txBody>
+          <a:bodyPr>
+            <a:normAutofit/>
+          </a:bodyPr>
+          <a:lstStyle/>
+          <a:p>
+            <a:r>
+              <a:rPr lang="de-AT" sz="3600" dirty="0" err="1"/>
+              <a:t>scenarios</a:t>
+            </a:r>
+            <a:r>
+              <a:rPr lang="de-AT" sz="3600" dirty="0"/>
+              <a:t> </a:t>
+            </a:r>
+            <a:r>
+              <a:rPr lang="de-AT" sz="3600" dirty="0" err="1"/>
+              <a:t>and</a:t>
+            </a:r>
+            <a:r>
+              <a:rPr lang="de-AT" sz="3600" dirty="0"/>
+              <a:t> </a:t>
+            </a:r>
+            <a:r>
+              <a:rPr lang="de-AT" sz="3600" dirty="0" err="1"/>
+              <a:t>interschema</a:t>
+            </a:r>
+            <a:r>
+              <a:rPr lang="de-AT" sz="3600" dirty="0"/>
+              <a:t> </a:t>
+            </a:r>
+            <a:r>
+              <a:rPr lang="de-AT" sz="3600" dirty="0" err="1"/>
+              <a:t>properties</a:t>
+            </a:r>
+            <a:r>
+              <a:rPr lang="de-AT" sz="3600" dirty="0"/>
+              <a:t> (1/2)</a:t>
+            </a:r>
+          </a:p>
+        </p:txBody>
+      </p:sp>
+      <p:sp>
+        <p:nvSpPr>
+          <p:cNvPr id="3" name="Inhaltsplatzhalter 2"/>
+          <p:cNvSpPr>
+            <a:spLocks noGrp="1"/>
+          </p:cNvSpPr>
+          <p:nvPr>
+            <p:ph sz="quarter" idx="1"/>
+          </p:nvPr>
+        </p:nvSpPr>
+        <p:spPr/>
+        <p:txBody>
+          <a:bodyPr/>
+          <a:lstStyle/>
+          <a:p>
+            <a:r>
+              <a:rPr lang="de-AT" dirty="0" smtClean="0"/>
+              <a:t>Interschema </a:t>
+            </a:r>
+            <a:r>
+              <a:rPr lang="de-AT" dirty="0" err="1" smtClean="0"/>
+              <a:t>properties</a:t>
+            </a:r>
+            <a:r>
+              <a:rPr lang="de-AT" dirty="0" smtClean="0"/>
+              <a:t> </a:t>
+            </a:r>
+            <a:r>
+              <a:rPr lang="de-AT" dirty="0" err="1" smtClean="0"/>
+              <a:t>are</a:t>
+            </a:r>
+            <a:r>
+              <a:rPr lang="de-AT" dirty="0" smtClean="0"/>
+              <a:t> …</a:t>
+            </a:r>
+          </a:p>
+          <a:p>
+            <a:pPr lvl="1"/>
+            <a:r>
+              <a:rPr lang="de-AT" dirty="0" smtClean="0"/>
+              <a:t>… </a:t>
+            </a:r>
+            <a:r>
+              <a:rPr lang="de-AT" dirty="0" err="1" smtClean="0"/>
+              <a:t>semantic</a:t>
+            </a:r>
+            <a:r>
+              <a:rPr lang="de-AT" dirty="0" smtClean="0"/>
+              <a:t> </a:t>
+            </a:r>
+            <a:r>
+              <a:rPr lang="de-AT" dirty="0" err="1"/>
+              <a:t>relationships</a:t>
+            </a:r>
+            <a:r>
+              <a:rPr lang="de-AT" dirty="0"/>
+              <a:t> </a:t>
+            </a:r>
+            <a:r>
+              <a:rPr lang="de-AT" dirty="0" err="1" smtClean="0"/>
+              <a:t>holding</a:t>
+            </a:r>
+            <a:r>
+              <a:rPr lang="de-AT" dirty="0" smtClean="0"/>
+              <a:t> </a:t>
+            </a:r>
+            <a:r>
+              <a:rPr lang="en-US" dirty="0" smtClean="0"/>
+              <a:t>between </a:t>
+            </a:r>
+            <a:r>
+              <a:rPr lang="en-US" dirty="0"/>
+              <a:t>a set of objects in one schema </a:t>
+            </a:r>
+            <a:r>
+              <a:rPr lang="en-US" dirty="0" smtClean="0"/>
+              <a:t>and a </a:t>
+            </a:r>
+            <a:r>
+              <a:rPr lang="en-US" dirty="0"/>
+              <a:t>different set of objects in another </a:t>
+            </a:r>
+            <a:r>
+              <a:rPr lang="en-US" dirty="0" smtClean="0"/>
+              <a:t>schema</a:t>
+            </a:r>
+          </a:p>
+          <a:p>
+            <a:pPr lvl="1"/>
+            <a:r>
+              <a:rPr lang="en-US" dirty="0" smtClean="0"/>
+              <a:t>… realized as part of generalization hierarchy or relation</a:t>
+            </a:r>
+            <a:endParaRPr lang="de-AT" dirty="0"/>
+          </a:p>
+        </p:txBody>
+      </p:sp>
+    </p:spTree>
+    <p:extLst>
+      <p:ext uri="{BB962C8B-B14F-4D97-AF65-F5344CB8AC3E}">
+        <p14:creationId xmlns:p14="http://schemas.microsoft.com/office/powerpoint/2010/main" val="2657784076"/>
+      </p:ext>
+    </p:extLst>
+  </p:cSld>
+  <p:clrMapOvr>
+    <a:masterClrMapping/>
+  </p:clrMapOvr>
+  <p:timing>
+    <p:tnLst>
+      <p:par>
+        <p:cTn id="1" dur="indefinite" restart="never" nodeType="tmRoot"/>
+      </p:par>
+    </p:tnLst>
+  </p:timing>
+</p:sld>
+</file>
+
+<file path=ppt/slides/slide22.xml><?xml version="1.0" encoding="utf-8"?>
+<p:sld xmlns:a="http://schemas.openxmlformats.org/drawingml/2006/main" xmlns:r="http://schemas.openxmlformats.org/officeDocument/2006/relationships" xmlns:p="http://schemas.openxmlformats.org/presentationml/2006/main">
+  <p:cSld>
+    <p:spTree>
+      <p:nvGrpSpPr>
+        <p:cNvPr id="1" name=""/>
+        <p:cNvGrpSpPr/>
+        <p:nvPr/>
+      </p:nvGrpSpPr>
+      <p:grpSpPr>
+        <a:xfrm>
+          <a:off x="0" y="0"/>
+          <a:ext cx="0" cy="0"/>
+          <a:chOff x="0" y="0"/>
+          <a:chExt cx="0" cy="0"/>
+        </a:xfrm>
+      </p:grpSpPr>
+      <p:sp>
+        <p:nvSpPr>
+          <p:cNvPr id="2" name="Titel 1"/>
+          <p:cNvSpPr>
+            <a:spLocks noGrp="1"/>
+          </p:cNvSpPr>
+          <p:nvPr>
+            <p:ph type="title"/>
+          </p:nvPr>
+        </p:nvSpPr>
+        <p:spPr/>
+        <p:txBody>
+          <a:bodyPr>
+            <a:normAutofit/>
+          </a:bodyPr>
+          <a:lstStyle/>
+          <a:p>
+            <a:r>
+              <a:rPr lang="de-AT" sz="3600" dirty="0" smtClean="0"/>
+              <a:t>Interschema </a:t>
+            </a:r>
+            <a:r>
+              <a:rPr lang="de-AT" sz="3600" dirty="0" err="1" smtClean="0"/>
+              <a:t>properties</a:t>
+            </a:r>
+            <a:r>
+              <a:rPr lang="de-AT" sz="3600" dirty="0" smtClean="0"/>
+              <a:t> – Player/Customer</a:t>
+            </a:r>
+            <a:endParaRPr lang="de-AT" sz="3600" dirty="0"/>
+          </a:p>
+        </p:txBody>
+      </p:sp>
+      <p:pic>
+        <p:nvPicPr>
+          <p:cNvPr id="4" name="Inhaltsplatzhalter 3"/>
+          <p:cNvPicPr>
+            <a:picLocks noGrp="1" noChangeAspect="1"/>
+          </p:cNvPicPr>
+          <p:nvPr>
+            <p:ph sz="quarter" idx="1"/>
+          </p:nvPr>
+        </p:nvPicPr>
+        <p:blipFill>
+          <a:blip r:embed="rId2">
+            <a:extLst>
+              <a:ext uri="{28A0092B-C50C-407E-A947-70E740481C1C}">
+                <a14:useLocalDpi xmlns:a14="http://schemas.microsoft.com/office/drawing/2010/main" val="0"/>
+              </a:ext>
+            </a:extLst>
+          </a:blip>
+          <a:stretch>
+            <a:fillRect/>
+          </a:stretch>
+        </p:blipFill>
+        <p:spPr>
+          <a:xfrm>
+            <a:off x="323528" y="1628800"/>
+            <a:ext cx="8568951" cy="4968552"/>
+          </a:xfrm>
+        </p:spPr>
+      </p:pic>
+    </p:spTree>
+    <p:extLst>
+      <p:ext uri="{BB962C8B-B14F-4D97-AF65-F5344CB8AC3E}">
+        <p14:creationId xmlns:p14="http://schemas.microsoft.com/office/powerpoint/2010/main" val="2155996418"/>
+      </p:ext>
+    </p:extLst>
+  </p:cSld>
+  <p:clrMapOvr>
+    <a:masterClrMapping/>
+  </p:clrMapOvr>
+  <p:timing>
+    <p:tnLst>
+      <p:par>
+        <p:cTn id="1" dur="indefinite" restart="never" nodeType="tmRoot"/>
+      </p:par>
+    </p:tnLst>
+  </p:timing>
+</p:sld>
+</file>
+
+<file path=ppt/slides/slide23.xml><?xml version="1.0" encoding="utf-8"?>
+<p:sld xmlns:a="http://schemas.openxmlformats.org/drawingml/2006/main" xmlns:r="http://schemas.openxmlformats.org/officeDocument/2006/relationships" xmlns:p="http://schemas.openxmlformats.org/presentationml/2006/main">
+  <p:cSld>
+    <p:spTree>
+      <p:nvGrpSpPr>
+        <p:cNvPr id="1" name=""/>
+        <p:cNvGrpSpPr/>
+        <p:nvPr/>
+      </p:nvGrpSpPr>
+      <p:grpSpPr>
+        <a:xfrm>
+          <a:off x="0" y="0"/>
+          <a:ext cx="0" cy="0"/>
+          <a:chOff x="0" y="0"/>
+          <a:chExt cx="0" cy="0"/>
+        </a:xfrm>
+      </p:grpSpPr>
+      <p:sp>
+        <p:nvSpPr>
+          <p:cNvPr id="2" name="Titel 1"/>
+          <p:cNvSpPr>
+            <a:spLocks noGrp="1"/>
+          </p:cNvSpPr>
+          <p:nvPr>
+            <p:ph type="title"/>
+          </p:nvPr>
+        </p:nvSpPr>
+        <p:spPr/>
+        <p:txBody>
+          <a:bodyPr>
+            <a:normAutofit/>
+          </a:bodyPr>
+          <a:lstStyle/>
+          <a:p>
+            <a:r>
+              <a:rPr lang="de-AT" sz="3600" dirty="0" err="1"/>
+              <a:t>scenarios</a:t>
+            </a:r>
+            <a:r>
+              <a:rPr lang="de-AT" sz="3600" dirty="0"/>
+              <a:t> </a:t>
+            </a:r>
+            <a:r>
+              <a:rPr lang="de-AT" sz="3600" dirty="0" err="1"/>
+              <a:t>and</a:t>
+            </a:r>
+            <a:r>
+              <a:rPr lang="de-AT" sz="3600" dirty="0"/>
+              <a:t> </a:t>
+            </a:r>
+            <a:r>
+              <a:rPr lang="de-AT" sz="3600" dirty="0" err="1"/>
+              <a:t>interschema</a:t>
+            </a:r>
+            <a:r>
+              <a:rPr lang="de-AT" sz="3600" dirty="0"/>
+              <a:t> </a:t>
+            </a:r>
+            <a:r>
+              <a:rPr lang="de-AT" sz="3600" dirty="0" err="1" smtClean="0"/>
+              <a:t>properties</a:t>
+            </a:r>
+            <a:r>
+              <a:rPr lang="de-AT" sz="3600" dirty="0" smtClean="0"/>
+              <a:t> (1/2)</a:t>
+            </a:r>
+            <a:endParaRPr lang="de-AT" sz="3600" dirty="0"/>
+          </a:p>
+        </p:txBody>
+      </p:sp>
+      <p:pic>
+        <p:nvPicPr>
+          <p:cNvPr id="1027" name="Picture 3"/>
+          <p:cNvPicPr>
+            <a:picLocks noChangeAspect="1" noChangeArrowheads="1"/>
+          </p:cNvPicPr>
+          <p:nvPr/>
+        </p:nvPicPr>
+        <p:blipFill>
+          <a:blip r:embed="rId2">
+            <a:extLst>
+              <a:ext uri="{28A0092B-C50C-407E-A947-70E740481C1C}">
+                <a14:useLocalDpi xmlns:a14="http://schemas.microsoft.com/office/drawing/2010/main" val="0"/>
+              </a:ext>
+            </a:extLst>
+          </a:blip>
+          <a:srcRect/>
+          <a:stretch>
+            <a:fillRect/>
+          </a:stretch>
+        </p:blipFill>
+        <p:spPr bwMode="auto">
+          <a:xfrm>
+            <a:off x="2123728" y="1628799"/>
+            <a:ext cx="3156570" cy="4713135"/>
+          </a:xfrm>
+          <a:prstGeom prst="rect">
+            <a:avLst/>
+          </a:prstGeom>
+          <a:noFill/>
+          <a:ln>
+            <a:noFill/>
+          </a:ln>
+          <a:extLst>
+            <a:ext uri="{909E8E84-426E-40DD-AFC4-6F175D3DCCD1}">
+              <a14:hiddenFill xmlns:a14="http://schemas.microsoft.com/office/drawing/2010/main">
+                <a:solidFill>
+                  <a:schemeClr val="accent1"/>
+                </a:solidFill>
+              </a14:hiddenFill>
+            </a:ext>
+            <a:ext uri="{91240B29-F687-4F45-9708-019B960494DF}">
+              <a14:hiddenLine xmlns:a14="http://schemas.microsoft.com/office/drawing/2010/main" w="9525">
+                <a:solidFill>
+                  <a:schemeClr val="tx1"/>
+                </a:solidFill>
+                <a:miter lim="800000"/>
+                <a:headEnd/>
+                <a:tailEnd/>
+              </a14:hiddenLine>
+            </a:ext>
+          </a:extLst>
+        </p:spPr>
+      </p:pic>
+      <p:cxnSp>
+        <p:nvCxnSpPr>
+          <p:cNvPr id="4" name="Gerade Verbindung 3"/>
+          <p:cNvCxnSpPr/>
+          <p:nvPr/>
+        </p:nvCxnSpPr>
+        <p:spPr>
+          <a:xfrm>
+            <a:off x="2555776" y="3068960"/>
+            <a:ext cx="2952328" cy="0"/>
+          </a:xfrm>
+          <a:prstGeom prst="line">
+            <a:avLst/>
+          </a:prstGeom>
+        </p:spPr>
+        <p:style>
+          <a:lnRef idx="1">
+            <a:schemeClr val="accent1"/>
+          </a:lnRef>
+          <a:fillRef idx="0">
+            <a:schemeClr val="accent1"/>
+          </a:fillRef>
+          <a:effectRef idx="0">
+            <a:schemeClr val="accent1"/>
+          </a:effectRef>
+          <a:fontRef idx="minor">
+            <a:schemeClr val="tx1"/>
+          </a:fontRef>
+        </p:style>
+      </p:cxnSp>
+      <p:cxnSp>
+        <p:nvCxnSpPr>
+          <p:cNvPr id="7" name="Gerade Verbindung 6"/>
+          <p:cNvCxnSpPr/>
+          <p:nvPr/>
+        </p:nvCxnSpPr>
+        <p:spPr>
+          <a:xfrm>
+            <a:off x="2585889" y="4509120"/>
+            <a:ext cx="2952328" cy="0"/>
+          </a:xfrm>
+          <a:prstGeom prst="line">
+            <a:avLst/>
+          </a:prstGeom>
+        </p:spPr>
+        <p:style>
+          <a:lnRef idx="1">
+            <a:schemeClr val="accent1"/>
+          </a:lnRef>
+          <a:fillRef idx="0">
+            <a:schemeClr val="accent1"/>
+          </a:fillRef>
+          <a:effectRef idx="0">
+            <a:schemeClr val="accent1"/>
+          </a:effectRef>
+          <a:fontRef idx="minor">
+            <a:schemeClr val="tx1"/>
+          </a:fontRef>
+        </p:style>
+      </p:cxnSp>
+      <p:sp>
+        <p:nvSpPr>
+          <p:cNvPr id="3" name="Textfeld 2"/>
+          <p:cNvSpPr txBox="1"/>
+          <p:nvPr/>
+        </p:nvSpPr>
+        <p:spPr>
+          <a:xfrm>
+            <a:off x="5796136" y="3501008"/>
+            <a:ext cx="2736304" cy="646331"/>
+          </a:xfrm>
+          <a:prstGeom prst="rect">
+            <a:avLst/>
+          </a:prstGeom>
+          <a:noFill/>
+        </p:spPr>
+        <p:txBody>
+          <a:bodyPr wrap="square" rtlCol="0">
+            <a:spAutoFit/>
+          </a:bodyPr>
+          <a:lstStyle/>
+          <a:p>
+            <a:r>
+              <a:rPr lang="de-AT" dirty="0" err="1" smtClean="0"/>
+              <a:t>One</a:t>
+            </a:r>
+            <a:r>
+              <a:rPr lang="de-AT" dirty="0" smtClean="0"/>
+              <a:t> </a:t>
+            </a:r>
+            <a:r>
+              <a:rPr lang="de-AT" dirty="0" err="1" smtClean="0"/>
+              <a:t>possibility</a:t>
+            </a:r>
+            <a:r>
+              <a:rPr lang="de-AT" dirty="0" smtClean="0"/>
+              <a:t>: </a:t>
+            </a:r>
+            <a:r>
+              <a:rPr lang="de-AT" dirty="0" err="1" smtClean="0"/>
+              <a:t>leave</a:t>
+            </a:r>
+            <a:r>
+              <a:rPr lang="de-AT" dirty="0" smtClean="0"/>
+              <a:t> </a:t>
+            </a:r>
+            <a:r>
+              <a:rPr lang="de-AT" dirty="0" err="1" smtClean="0"/>
+              <a:t>both</a:t>
+            </a:r>
+            <a:r>
+              <a:rPr lang="de-AT" dirty="0" smtClean="0"/>
+              <a:t> </a:t>
+            </a:r>
+            <a:r>
+              <a:rPr lang="de-AT" dirty="0" err="1" smtClean="0"/>
+              <a:t>entity</a:t>
+            </a:r>
+            <a:r>
+              <a:rPr lang="de-AT" dirty="0" smtClean="0"/>
+              <a:t> </a:t>
+            </a:r>
+            <a:r>
+              <a:rPr lang="de-AT" dirty="0" err="1" smtClean="0"/>
+              <a:t>types</a:t>
+            </a:r>
+            <a:r>
+              <a:rPr lang="de-AT" dirty="0" smtClean="0"/>
+              <a:t> </a:t>
+            </a:r>
+            <a:r>
+              <a:rPr lang="de-AT" dirty="0" err="1" smtClean="0"/>
+              <a:t>as</a:t>
+            </a:r>
+            <a:r>
+              <a:rPr lang="de-AT" dirty="0" smtClean="0"/>
+              <a:t> </a:t>
+            </a:r>
+            <a:r>
+              <a:rPr lang="de-AT" dirty="0" err="1" smtClean="0"/>
+              <a:t>they</a:t>
+            </a:r>
+            <a:r>
+              <a:rPr lang="de-AT" dirty="0" smtClean="0"/>
+              <a:t> </a:t>
+            </a:r>
+            <a:r>
+              <a:rPr lang="de-AT" dirty="0" err="1" smtClean="0"/>
+              <a:t>are</a:t>
+            </a:r>
+            <a:endParaRPr lang="de-AT" dirty="0"/>
+          </a:p>
+        </p:txBody>
+      </p:sp>
+      <p:sp>
+        <p:nvSpPr>
+          <p:cNvPr id="8" name="Textfeld 7"/>
+          <p:cNvSpPr txBox="1"/>
+          <p:nvPr/>
+        </p:nvSpPr>
+        <p:spPr>
+          <a:xfrm>
+            <a:off x="5929598" y="4653136"/>
+            <a:ext cx="2736304" cy="646331"/>
+          </a:xfrm>
+          <a:prstGeom prst="rect">
+            <a:avLst/>
+          </a:prstGeom>
+          <a:noFill/>
+        </p:spPr>
+        <p:txBody>
+          <a:bodyPr wrap="square" rtlCol="0">
+            <a:spAutoFit/>
+          </a:bodyPr>
+          <a:lstStyle/>
+          <a:p>
+            <a:r>
+              <a:rPr lang="de-AT" dirty="0" err="1" smtClean="0"/>
+              <a:t>Another</a:t>
+            </a:r>
+            <a:r>
+              <a:rPr lang="de-AT" dirty="0" smtClean="0"/>
+              <a:t> </a:t>
+            </a:r>
+            <a:r>
+              <a:rPr lang="de-AT" dirty="0" err="1" smtClean="0"/>
+              <a:t>possibility</a:t>
+            </a:r>
+            <a:r>
+              <a:rPr lang="de-AT" dirty="0" smtClean="0"/>
+              <a:t>: </a:t>
+            </a:r>
+            <a:r>
+              <a:rPr lang="de-AT" dirty="0" err="1" smtClean="0"/>
+              <a:t>create</a:t>
+            </a:r>
+            <a:r>
+              <a:rPr lang="de-AT" dirty="0" smtClean="0"/>
+              <a:t> </a:t>
+            </a:r>
+            <a:r>
+              <a:rPr lang="de-AT" dirty="0" err="1" smtClean="0"/>
+              <a:t>generalization</a:t>
+            </a:r>
+            <a:r>
+              <a:rPr lang="de-AT" dirty="0" smtClean="0"/>
+              <a:t> </a:t>
+            </a:r>
+            <a:r>
+              <a:rPr lang="de-AT" dirty="0" err="1" smtClean="0"/>
+              <a:t>hierarchy</a:t>
+            </a:r>
+            <a:endParaRPr lang="de-AT" dirty="0"/>
+          </a:p>
+        </p:txBody>
+      </p:sp>
+    </p:spTree>
+    <p:extLst>
+      <p:ext uri="{BB962C8B-B14F-4D97-AF65-F5344CB8AC3E}">
+        <p14:creationId xmlns:p14="http://schemas.microsoft.com/office/powerpoint/2010/main" val="680704576"/>
+      </p:ext>
+    </p:extLst>
+  </p:cSld>
+  <p:clrMapOvr>
+    <a:masterClrMapping/>
+  </p:clrMapOvr>
+  <p:timing>
+    <p:tnLst>
+      <p:par>
+        <p:cTn id="1" dur="indefinite" restart="never" nodeType="tmRoot"/>
+      </p:par>
+    </p:tnLst>
+  </p:timing>
+</p:sld>
+</file>
+
+<file path=ppt/slides/slide24.xml><?xml version="1.0" encoding="utf-8"?>
+<p:sld xmlns:a="http://schemas.openxmlformats.org/drawingml/2006/main" xmlns:r="http://schemas.openxmlformats.org/officeDocument/2006/relationships" xmlns:p="http://schemas.openxmlformats.org/presentationml/2006/main">
+  <p:cSld>
+    <p:spTree>
+      <p:nvGrpSpPr>
+        <p:cNvPr id="1" name=""/>
+        <p:cNvGrpSpPr/>
+        <p:nvPr/>
+      </p:nvGrpSpPr>
+      <p:grpSpPr>
+        <a:xfrm>
+          <a:off x="0" y="0"/>
+          <a:ext cx="0" cy="0"/>
+          <a:chOff x="0" y="0"/>
+          <a:chExt cx="0" cy="0"/>
+        </a:xfrm>
+      </p:grpSpPr>
+      <p:sp>
+        <p:nvSpPr>
+          <p:cNvPr id="2" name="Titel 1"/>
+          <p:cNvSpPr>
+            <a:spLocks noGrp="1"/>
+          </p:cNvSpPr>
+          <p:nvPr>
+            <p:ph type="title"/>
+          </p:nvPr>
+        </p:nvSpPr>
+        <p:spPr/>
+        <p:txBody>
+          <a:bodyPr>
+            <a:normAutofit fontScale="90000"/>
+          </a:bodyPr>
+          <a:lstStyle/>
+          <a:p>
+            <a:r>
+              <a:rPr lang="de-AT" dirty="0" smtClean="0"/>
+              <a:t>Interschema </a:t>
+            </a:r>
+            <a:r>
+              <a:rPr lang="de-AT" dirty="0" err="1" smtClean="0"/>
+              <a:t>properties</a:t>
+            </a:r>
+            <a:r>
+              <a:rPr lang="de-AT" dirty="0" smtClean="0"/>
+              <a:t> – Scenario 2</a:t>
+            </a:r>
+            <a:endParaRPr lang="de-AT" dirty="0"/>
+          </a:p>
+        </p:txBody>
+      </p:sp>
+      <p:pic>
+        <p:nvPicPr>
+          <p:cNvPr id="5" name="Inhaltsplatzhalter 4"/>
+          <p:cNvPicPr>
+            <a:picLocks noGrp="1" noChangeAspect="1"/>
+          </p:cNvPicPr>
+          <p:nvPr>
+            <p:ph sz="quarter" idx="1"/>
+          </p:nvPr>
+        </p:nvPicPr>
+        <p:blipFill>
+          <a:blip r:embed="rId2">
+            <a:extLst>
+              <a:ext uri="{28A0092B-C50C-407E-A947-70E740481C1C}">
+                <a14:useLocalDpi xmlns:a14="http://schemas.microsoft.com/office/drawing/2010/main" val="0"/>
+              </a:ext>
+            </a:extLst>
+          </a:blip>
+          <a:stretch>
+            <a:fillRect/>
+          </a:stretch>
+        </p:blipFill>
+        <p:spPr>
+          <a:xfrm>
+            <a:off x="251520" y="1556792"/>
+            <a:ext cx="8568952" cy="5184576"/>
+          </a:xfrm>
+        </p:spPr>
+      </p:pic>
+    </p:spTree>
+    <p:extLst>
+      <p:ext uri="{BB962C8B-B14F-4D97-AF65-F5344CB8AC3E}">
+        <p14:creationId xmlns:p14="http://schemas.microsoft.com/office/powerpoint/2010/main" val="2840099453"/>
+      </p:ext>
+    </p:extLst>
+  </p:cSld>
+  <p:clrMapOvr>
+    <a:masterClrMapping/>
+  </p:clrMapOvr>
+  <p:timing>
+    <p:tnLst>
+      <p:par>
+        <p:cTn id="1" dur="indefinite" restart="never" nodeType="tmRoot"/>
+      </p:par>
+    </p:tnLst>
+  </p:timing>
+</p:sld>
+</file>
+
+<file path=ppt/slides/slide25.xml><?xml version="1.0" encoding="utf-8"?>
+<p:sld xmlns:a="http://schemas.openxmlformats.org/drawingml/2006/main" xmlns:r="http://schemas.openxmlformats.org/officeDocument/2006/relationships" xmlns:p="http://schemas.openxmlformats.org/presentationml/2006/main">
+  <p:cSld>
+    <p:spTree>
+      <p:nvGrpSpPr>
+        <p:cNvPr id="1" name=""/>
+        <p:cNvGrpSpPr/>
+        <p:nvPr/>
+      </p:nvGrpSpPr>
+      <p:grpSpPr>
+        <a:xfrm>
+          <a:off x="0" y="0"/>
+          <a:ext cx="0" cy="0"/>
+          <a:chOff x="0" y="0"/>
+          <a:chExt cx="0" cy="0"/>
+        </a:xfrm>
+      </p:grpSpPr>
+      <p:sp>
+        <p:nvSpPr>
+          <p:cNvPr id="2" name="Titel 1"/>
+          <p:cNvSpPr>
+            <a:spLocks noGrp="1"/>
+          </p:cNvSpPr>
+          <p:nvPr>
+            <p:ph type="title"/>
+          </p:nvPr>
+        </p:nvSpPr>
+        <p:spPr/>
+        <p:txBody>
           <a:bodyPr>
             <a:normAutofit fontScale="90000"/>
           </a:bodyPr>
@@ -4851,10 +7152,17 @@
   <p:clrMapOvr>
     <a:masterClrMapping/>
   </p:clrMapOvr>
+  <p:timing>
+    <p:tnLst>
+      <p:par>
+        <p:cTn id="1" dur="indefinite" restart="never" nodeType="tmRoot"/>
+      </p:par>
+    </p:tnLst>
+  </p:timing>
 </p:sld>
 </file>
 
-<file path=ppt/slides/slide11.xml><?xml version="1.0" encoding="utf-8"?>
+<file path=ppt/slides/slide26.xml><?xml version="1.0" encoding="utf-8"?>
 <p:sld xmlns:a="http://schemas.openxmlformats.org/drawingml/2006/main" xmlns:r="http://schemas.openxmlformats.org/officeDocument/2006/relationships" xmlns:p="http://schemas.openxmlformats.org/presentationml/2006/main">
   <p:cSld>
     <p:spTree>
@@ -4951,10 +7259,17 @@
   <p:clrMapOvr>
     <a:masterClrMapping/>
   </p:clrMapOvr>
+  <p:timing>
+    <p:tnLst>
+      <p:par>
+        <p:cTn id="1" dur="indefinite" restart="never" nodeType="tmRoot"/>
+      </p:par>
+    </p:tnLst>
+  </p:timing>
 </p:sld>
 </file>
 
-<file path=ppt/slides/slide12.xml><?xml version="1.0" encoding="utf-8"?>
+<file path=ppt/slides/slide27.xml><?xml version="1.0" encoding="utf-8"?>
 <p:sld xmlns:a="http://schemas.openxmlformats.org/drawingml/2006/main" xmlns:r="http://schemas.openxmlformats.org/officeDocument/2006/relationships" xmlns:p="http://schemas.openxmlformats.org/presentationml/2006/main">
   <p:cSld>
     <p:spTree>
@@ -5301,10 +7616,448 @@
   <p:clrMapOvr>
     <a:masterClrMapping/>
   </p:clrMapOvr>
+  <p:timing>
+    <p:tnLst>
+      <p:par>
+        <p:cTn id="1" dur="indefinite" restart="never" nodeType="tmRoot">
+          <p:childTnLst>
+            <p:seq concurrent="1" nextAc="seek">
+              <p:cTn id="2" dur="indefinite" nodeType="mainSeq">
+                <p:childTnLst>
+                  <p:par>
+                    <p:cTn id="3" fill="hold">
+                      <p:stCondLst>
+                        <p:cond delay="indefinite"/>
+                      </p:stCondLst>
+                      <p:childTnLst>
+                        <p:par>
+                          <p:cTn id="4" fill="hold">
+                            <p:stCondLst>
+                              <p:cond delay="0"/>
+                            </p:stCondLst>
+                            <p:childTnLst>
+                              <p:par>
+                                <p:cTn id="5" presetID="1" presetClass="entr" presetSubtype="0" fill="hold" nodeType="clickEffect">
+                                  <p:stCondLst>
+                                    <p:cond delay="0"/>
+                                  </p:stCondLst>
+                                  <p:childTnLst>
+                                    <p:set>
+                                      <p:cBhvr>
+                                        <p:cTn id="6" dur="1" fill="hold">
+                                          <p:stCondLst>
+                                            <p:cond delay="0"/>
+                                          </p:stCondLst>
+                                        </p:cTn>
+                                        <p:tgtEl>
+                                          <p:spTgt spid="5">
+                                            <p:txEl>
+                                              <p:pRg st="0" end="0"/>
+                                            </p:txEl>
+                                          </p:spTgt>
+                                        </p:tgtEl>
+                                        <p:attrNameLst>
+                                          <p:attrName>style.visibility</p:attrName>
+                                        </p:attrNameLst>
+                                      </p:cBhvr>
+                                      <p:to>
+                                        <p:strVal val="visible"/>
+                                      </p:to>
+                                    </p:set>
+                                  </p:childTnLst>
+                                </p:cTn>
+                              </p:par>
+                              <p:par>
+                                <p:cTn id="7" presetID="1" presetClass="entr" presetSubtype="0" fill="hold" nodeType="withEffect">
+                                  <p:stCondLst>
+                                    <p:cond delay="0"/>
+                                  </p:stCondLst>
+                                  <p:childTnLst>
+                                    <p:set>
+                                      <p:cBhvr>
+                                        <p:cTn id="8" dur="1" fill="hold">
+                                          <p:stCondLst>
+                                            <p:cond delay="0"/>
+                                          </p:stCondLst>
+                                        </p:cTn>
+                                        <p:tgtEl>
+                                          <p:spTgt spid="5">
+                                            <p:txEl>
+                                              <p:pRg st="1" end="1"/>
+                                            </p:txEl>
+                                          </p:spTgt>
+                                        </p:tgtEl>
+                                        <p:attrNameLst>
+                                          <p:attrName>style.visibility</p:attrName>
+                                        </p:attrNameLst>
+                                      </p:cBhvr>
+                                      <p:to>
+                                        <p:strVal val="visible"/>
+                                      </p:to>
+                                    </p:set>
+                                  </p:childTnLst>
+                                </p:cTn>
+                              </p:par>
+                            </p:childTnLst>
+                          </p:cTn>
+                        </p:par>
+                      </p:childTnLst>
+                    </p:cTn>
+                  </p:par>
+                  <p:par>
+                    <p:cTn id="9" fill="hold">
+                      <p:stCondLst>
+                        <p:cond delay="indefinite"/>
+                      </p:stCondLst>
+                      <p:childTnLst>
+                        <p:par>
+                          <p:cTn id="10" fill="hold">
+                            <p:stCondLst>
+                              <p:cond delay="0"/>
+                            </p:stCondLst>
+                            <p:childTnLst>
+                              <p:par>
+                                <p:cTn id="11" presetID="1" presetClass="entr" presetSubtype="0" fill="hold" grpId="0" nodeType="clickEffect">
+                                  <p:stCondLst>
+                                    <p:cond delay="0"/>
+                                  </p:stCondLst>
+                                  <p:childTnLst>
+                                    <p:set>
+                                      <p:cBhvr>
+                                        <p:cTn id="12" dur="1" fill="hold">
+                                          <p:stCondLst>
+                                            <p:cond delay="0"/>
+                                          </p:stCondLst>
+                                        </p:cTn>
+                                        <p:tgtEl>
+                                          <p:spTgt spid="6"/>
+                                        </p:tgtEl>
+                                        <p:attrNameLst>
+                                          <p:attrName>style.visibility</p:attrName>
+                                        </p:attrNameLst>
+                                      </p:cBhvr>
+                                      <p:to>
+                                        <p:strVal val="visible"/>
+                                      </p:to>
+                                    </p:set>
+                                  </p:childTnLst>
+                                </p:cTn>
+                              </p:par>
+                              <p:par>
+                                <p:cTn id="13" presetID="1" presetClass="entr" presetSubtype="0" fill="hold" grpId="0" nodeType="withEffect">
+                                  <p:stCondLst>
+                                    <p:cond delay="0"/>
+                                  </p:stCondLst>
+                                  <p:childTnLst>
+                                    <p:set>
+                                      <p:cBhvr>
+                                        <p:cTn id="14" dur="1" fill="hold">
+                                          <p:stCondLst>
+                                            <p:cond delay="0"/>
+                                          </p:stCondLst>
+                                        </p:cTn>
+                                        <p:tgtEl>
+                                          <p:spTgt spid="7"/>
+                                        </p:tgtEl>
+                                        <p:attrNameLst>
+                                          <p:attrName>style.visibility</p:attrName>
+                                        </p:attrNameLst>
+                                      </p:cBhvr>
+                                      <p:to>
+                                        <p:strVal val="visible"/>
+                                      </p:to>
+                                    </p:set>
+                                  </p:childTnLst>
+                                </p:cTn>
+                              </p:par>
+                            </p:childTnLst>
+                          </p:cTn>
+                        </p:par>
+                      </p:childTnLst>
+                    </p:cTn>
+                  </p:par>
+                  <p:par>
+                    <p:cTn id="15" fill="hold">
+                      <p:stCondLst>
+                        <p:cond delay="indefinite"/>
+                      </p:stCondLst>
+                      <p:childTnLst>
+                        <p:par>
+                          <p:cTn id="16" fill="hold">
+                            <p:stCondLst>
+                              <p:cond delay="0"/>
+                            </p:stCondLst>
+                            <p:childTnLst>
+                              <p:par>
+                                <p:cTn id="17" presetID="1" presetClass="entr" presetSubtype="0" fill="hold" nodeType="clickEffect">
+                                  <p:stCondLst>
+                                    <p:cond delay="0"/>
+                                  </p:stCondLst>
+                                  <p:childTnLst>
+                                    <p:set>
+                                      <p:cBhvr>
+                                        <p:cTn id="18" dur="1" fill="hold">
+                                          <p:stCondLst>
+                                            <p:cond delay="0"/>
+                                          </p:stCondLst>
+                                        </p:cTn>
+                                        <p:tgtEl>
+                                          <p:spTgt spid="5">
+                                            <p:txEl>
+                                              <p:pRg st="3" end="3"/>
+                                            </p:txEl>
+                                          </p:spTgt>
+                                        </p:tgtEl>
+                                        <p:attrNameLst>
+                                          <p:attrName>style.visibility</p:attrName>
+                                        </p:attrNameLst>
+                                      </p:cBhvr>
+                                      <p:to>
+                                        <p:strVal val="visible"/>
+                                      </p:to>
+                                    </p:set>
+                                  </p:childTnLst>
+                                </p:cTn>
+                              </p:par>
+                              <p:par>
+                                <p:cTn id="19" presetID="1" presetClass="entr" presetSubtype="0" fill="hold" nodeType="withEffect">
+                                  <p:stCondLst>
+                                    <p:cond delay="0"/>
+                                  </p:stCondLst>
+                                  <p:childTnLst>
+                                    <p:set>
+                                      <p:cBhvr>
+                                        <p:cTn id="20" dur="1" fill="hold">
+                                          <p:stCondLst>
+                                            <p:cond delay="0"/>
+                                          </p:stCondLst>
+                                        </p:cTn>
+                                        <p:tgtEl>
+                                          <p:spTgt spid="5">
+                                            <p:txEl>
+                                              <p:pRg st="4" end="4"/>
+                                            </p:txEl>
+                                          </p:spTgt>
+                                        </p:tgtEl>
+                                        <p:attrNameLst>
+                                          <p:attrName>style.visibility</p:attrName>
+                                        </p:attrNameLst>
+                                      </p:cBhvr>
+                                      <p:to>
+                                        <p:strVal val="visible"/>
+                                      </p:to>
+                                    </p:set>
+                                  </p:childTnLst>
+                                </p:cTn>
+                              </p:par>
+                            </p:childTnLst>
+                          </p:cTn>
+                        </p:par>
+                      </p:childTnLst>
+                    </p:cTn>
+                  </p:par>
+                  <p:par>
+                    <p:cTn id="21" fill="hold">
+                      <p:stCondLst>
+                        <p:cond delay="indefinite"/>
+                      </p:stCondLst>
+                      <p:childTnLst>
+                        <p:par>
+                          <p:cTn id="22" fill="hold">
+                            <p:stCondLst>
+                              <p:cond delay="0"/>
+                            </p:stCondLst>
+                            <p:childTnLst>
+                              <p:par>
+                                <p:cTn id="23" presetID="1" presetClass="entr" presetSubtype="0" fill="hold" grpId="0" nodeType="clickEffect">
+                                  <p:stCondLst>
+                                    <p:cond delay="0"/>
+                                  </p:stCondLst>
+                                  <p:childTnLst>
+                                    <p:set>
+                                      <p:cBhvr>
+                                        <p:cTn id="24" dur="1" fill="hold">
+                                          <p:stCondLst>
+                                            <p:cond delay="0"/>
+                                          </p:stCondLst>
+                                        </p:cTn>
+                                        <p:tgtEl>
+                                          <p:spTgt spid="9"/>
+                                        </p:tgtEl>
+                                        <p:attrNameLst>
+                                          <p:attrName>style.visibility</p:attrName>
+                                        </p:attrNameLst>
+                                      </p:cBhvr>
+                                      <p:to>
+                                        <p:strVal val="visible"/>
+                                      </p:to>
+                                    </p:set>
+                                  </p:childTnLst>
+                                </p:cTn>
+                              </p:par>
+                            </p:childTnLst>
+                          </p:cTn>
+                        </p:par>
+                      </p:childTnLst>
+                    </p:cTn>
+                  </p:par>
+                  <p:par>
+                    <p:cTn id="25" fill="hold">
+                      <p:stCondLst>
+                        <p:cond delay="indefinite"/>
+                      </p:stCondLst>
+                      <p:childTnLst>
+                        <p:par>
+                          <p:cTn id="26" fill="hold">
+                            <p:stCondLst>
+                              <p:cond delay="0"/>
+                            </p:stCondLst>
+                            <p:childTnLst>
+                              <p:par>
+                                <p:cTn id="27" presetID="1" presetClass="entr" presetSubtype="0" fill="hold" nodeType="clickEffect">
+                                  <p:stCondLst>
+                                    <p:cond delay="0"/>
+                                  </p:stCondLst>
+                                  <p:childTnLst>
+                                    <p:set>
+                                      <p:cBhvr>
+                                        <p:cTn id="28" dur="1" fill="hold">
+                                          <p:stCondLst>
+                                            <p:cond delay="0"/>
+                                          </p:stCondLst>
+                                        </p:cTn>
+                                        <p:tgtEl>
+                                          <p:spTgt spid="5">
+                                            <p:txEl>
+                                              <p:pRg st="6" end="6"/>
+                                            </p:txEl>
+                                          </p:spTgt>
+                                        </p:tgtEl>
+                                        <p:attrNameLst>
+                                          <p:attrName>style.visibility</p:attrName>
+                                        </p:attrNameLst>
+                                      </p:cBhvr>
+                                      <p:to>
+                                        <p:strVal val="visible"/>
+                                      </p:to>
+                                    </p:set>
+                                  </p:childTnLst>
+                                </p:cTn>
+                              </p:par>
+                              <p:par>
+                                <p:cTn id="29" presetID="1" presetClass="entr" presetSubtype="0" fill="hold" nodeType="withEffect">
+                                  <p:stCondLst>
+                                    <p:cond delay="0"/>
+                                  </p:stCondLst>
+                                  <p:childTnLst>
+                                    <p:set>
+                                      <p:cBhvr>
+                                        <p:cTn id="30" dur="1" fill="hold">
+                                          <p:stCondLst>
+                                            <p:cond delay="0"/>
+                                          </p:stCondLst>
+                                        </p:cTn>
+                                        <p:tgtEl>
+                                          <p:spTgt spid="5">
+                                            <p:txEl>
+                                              <p:pRg st="7" end="7"/>
+                                            </p:txEl>
+                                          </p:spTgt>
+                                        </p:tgtEl>
+                                        <p:attrNameLst>
+                                          <p:attrName>style.visibility</p:attrName>
+                                        </p:attrNameLst>
+                                      </p:cBhvr>
+                                      <p:to>
+                                        <p:strVal val="visible"/>
+                                      </p:to>
+                                    </p:set>
+                                  </p:childTnLst>
+                                </p:cTn>
+                              </p:par>
+                            </p:childTnLst>
+                          </p:cTn>
+                        </p:par>
+                      </p:childTnLst>
+                    </p:cTn>
+                  </p:par>
+                  <p:par>
+                    <p:cTn id="31" fill="hold">
+                      <p:stCondLst>
+                        <p:cond delay="indefinite"/>
+                      </p:stCondLst>
+                      <p:childTnLst>
+                        <p:par>
+                          <p:cTn id="32" fill="hold">
+                            <p:stCondLst>
+                              <p:cond delay="0"/>
+                            </p:stCondLst>
+                            <p:childTnLst>
+                              <p:par>
+                                <p:cTn id="33" presetID="1" presetClass="entr" presetSubtype="0" fill="hold" grpId="0" nodeType="clickEffect">
+                                  <p:stCondLst>
+                                    <p:cond delay="0"/>
+                                  </p:stCondLst>
+                                  <p:childTnLst>
+                                    <p:set>
+                                      <p:cBhvr>
+                                        <p:cTn id="34" dur="1" fill="hold">
+                                          <p:stCondLst>
+                                            <p:cond delay="0"/>
+                                          </p:stCondLst>
+                                        </p:cTn>
+                                        <p:tgtEl>
+                                          <p:spTgt spid="8"/>
+                                        </p:tgtEl>
+                                        <p:attrNameLst>
+                                          <p:attrName>style.visibility</p:attrName>
+                                        </p:attrNameLst>
+                                      </p:cBhvr>
+                                      <p:to>
+                                        <p:strVal val="visible"/>
+                                      </p:to>
+                                    </p:set>
+                                  </p:childTnLst>
+                                </p:cTn>
+                              </p:par>
+                            </p:childTnLst>
+                          </p:cTn>
+                        </p:par>
+                      </p:childTnLst>
+                    </p:cTn>
+                  </p:par>
+                </p:childTnLst>
+              </p:cTn>
+              <p:prevCondLst>
+                <p:cond evt="onPrev" delay="0">
+                  <p:tgtEl>
+                    <p:sldTgt/>
+                  </p:tgtEl>
+                </p:cond>
+              </p:prevCondLst>
+              <p:nextCondLst>
+                <p:cond evt="onNext" delay="0">
+                  <p:tgtEl>
+                    <p:sldTgt/>
+                  </p:tgtEl>
+                </p:cond>
+              </p:nextCondLst>
+            </p:seq>
+          </p:childTnLst>
+        </p:cTn>
+      </p:par>
+    </p:tnLst>
+    <p:bldLst>
+      <p:bldP spid="6" grpId="0"/>
+      <p:bldP spid="7" grpId="0"/>
+      <p:bldP spid="8" grpId="0"/>
+      <p:bldP spid="9" grpId="0"/>
+    </p:bldLst>
+  </p:timing>
 </p:sld>
 </file>
 
-<file path=ppt/slides/slide13.xml><?xml version="1.0" encoding="utf-8"?>
+<file path=ppt/slides/slide28.xml><?xml version="1.0" encoding="utf-8"?>
 <p:sld xmlns:a="http://schemas.openxmlformats.org/drawingml/2006/main" xmlns:r="http://schemas.openxmlformats.org/officeDocument/2006/relationships" xmlns:p="http://schemas.openxmlformats.org/presentationml/2006/main">
   <p:cSld>
     <p:spTree>
@@ -5393,10 +8146,17 @@
   <p:clrMapOvr>
     <a:masterClrMapping/>
   </p:clrMapOvr>
+  <p:timing>
+    <p:tnLst>
+      <p:par>
+        <p:cTn id="1" dur="indefinite" restart="never" nodeType="tmRoot"/>
+      </p:par>
+    </p:tnLst>
+  </p:timing>
 </p:sld>
 </file>
 
-<file path=ppt/slides/slide14.xml><?xml version="1.0" encoding="utf-8"?>
+<file path=ppt/slides/slide29.xml><?xml version="1.0" encoding="utf-8"?>
 <p:sld xmlns:a="http://schemas.openxmlformats.org/drawingml/2006/main" xmlns:r="http://schemas.openxmlformats.org/officeDocument/2006/relationships" xmlns:p="http://schemas.openxmlformats.org/presentationml/2006/main">
   <p:cSld>
     <p:spTree>
@@ -5773,10 +8533,411 @@
   <p:clrMapOvr>
     <a:masterClrMapping/>
   </p:clrMapOvr>
+  <p:timing>
+    <p:tnLst>
+      <p:par>
+        <p:cTn id="1" dur="indefinite" restart="never" nodeType="tmRoot"/>
+      </p:par>
+    </p:tnLst>
+  </p:timing>
 </p:sld>
 </file>
 
-<file path=ppt/slides/slide15.xml><?xml version="1.0" encoding="utf-8"?>
+<file path=ppt/slides/slide3.xml><?xml version="1.0" encoding="utf-8"?>
+<p:sld xmlns:a="http://schemas.openxmlformats.org/drawingml/2006/main" xmlns:r="http://schemas.openxmlformats.org/officeDocument/2006/relationships" xmlns:p="http://schemas.openxmlformats.org/presentationml/2006/main">
+  <p:cSld>
+    <p:spTree>
+      <p:nvGrpSpPr>
+        <p:cNvPr id="1" name=""/>
+        <p:cNvGrpSpPr/>
+        <p:nvPr/>
+      </p:nvGrpSpPr>
+      <p:grpSpPr>
+        <a:xfrm>
+          <a:off x="0" y="0"/>
+          <a:ext cx="0" cy="0"/>
+          <a:chOff x="0" y="0"/>
+          <a:chExt cx="0" cy="0"/>
+        </a:xfrm>
+      </p:grpSpPr>
+      <p:sp>
+        <p:nvSpPr>
+          <p:cNvPr id="2" name="Titel 1"/>
+          <p:cNvSpPr>
+            <a:spLocks noGrp="1"/>
+          </p:cNvSpPr>
+          <p:nvPr>
+            <p:ph type="title"/>
+          </p:nvPr>
+        </p:nvSpPr>
+        <p:spPr/>
+        <p:txBody>
+          <a:bodyPr/>
+          <a:lstStyle/>
+          <a:p>
+            <a:r>
+              <a:rPr lang="de-AT" dirty="0" err="1" smtClean="0"/>
+              <a:t>Exercise</a:t>
+            </a:r>
+            <a:r>
+              <a:rPr lang="de-AT" dirty="0" smtClean="0"/>
+              <a:t> 1 - </a:t>
+            </a:r>
+            <a:r>
+              <a:rPr lang="de-AT" dirty="0" err="1" smtClean="0"/>
+              <a:t>Conflicts</a:t>
+            </a:r>
+            <a:endParaRPr lang="de-AT" dirty="0"/>
+          </a:p>
+        </p:txBody>
+      </p:sp>
+      <p:sp>
+        <p:nvSpPr>
+          <p:cNvPr id="3" name="Inhaltsplatzhalter 2"/>
+          <p:cNvSpPr>
+            <a:spLocks noGrp="1"/>
+          </p:cNvSpPr>
+          <p:nvPr>
+            <p:ph sz="quarter" idx="1"/>
+          </p:nvPr>
+        </p:nvSpPr>
+        <p:spPr/>
+        <p:txBody>
+          <a:bodyPr>
+            <a:normAutofit fontScale="92500"/>
+          </a:bodyPr>
+          <a:lstStyle/>
+          <a:p>
+            <a:r>
+              <a:rPr lang="de-AT" dirty="0" err="1" smtClean="0"/>
+              <a:t>Naming</a:t>
+            </a:r>
+            <a:r>
+              <a:rPr lang="de-AT" dirty="0" smtClean="0"/>
+              <a:t> </a:t>
+            </a:r>
+            <a:r>
+              <a:rPr lang="de-AT" dirty="0" err="1" smtClean="0"/>
+              <a:t>conflicts</a:t>
+            </a:r>
+            <a:endParaRPr lang="de-AT" dirty="0" smtClean="0"/>
+          </a:p>
+          <a:p>
+            <a:pPr lvl="1"/>
+            <a:r>
+              <a:rPr lang="de-AT" dirty="0" err="1" smtClean="0"/>
+              <a:t>homonyms</a:t>
+            </a:r>
+            <a:r>
+              <a:rPr lang="de-AT" dirty="0" smtClean="0"/>
+              <a:t>: </a:t>
+            </a:r>
+            <a:r>
+              <a:rPr lang="de-AT" dirty="0" err="1" smtClean="0"/>
+              <a:t>one</a:t>
+            </a:r>
+            <a:r>
+              <a:rPr lang="de-AT" dirty="0" smtClean="0"/>
+              <a:t> </a:t>
+            </a:r>
+            <a:r>
+              <a:rPr lang="de-AT" dirty="0" err="1" smtClean="0"/>
+              <a:t>word</a:t>
+            </a:r>
+            <a:r>
+              <a:rPr lang="de-AT" dirty="0" smtClean="0"/>
+              <a:t> </a:t>
+            </a:r>
+            <a:r>
+              <a:rPr lang="de-AT" dirty="0" err="1" smtClean="0"/>
+              <a:t>used</a:t>
+            </a:r>
+            <a:r>
+              <a:rPr lang="de-AT" dirty="0" smtClean="0"/>
+              <a:t> </a:t>
+            </a:r>
+            <a:r>
+              <a:rPr lang="de-AT" dirty="0" err="1" smtClean="0"/>
+              <a:t>for</a:t>
+            </a:r>
+            <a:r>
+              <a:rPr lang="de-AT" dirty="0" smtClean="0"/>
+              <a:t> </a:t>
+            </a:r>
+            <a:r>
+              <a:rPr lang="de-AT" dirty="0" err="1" smtClean="0"/>
+              <a:t>two</a:t>
+            </a:r>
+            <a:r>
+              <a:rPr lang="de-AT" dirty="0" smtClean="0"/>
+              <a:t> different </a:t>
+            </a:r>
+            <a:r>
+              <a:rPr lang="de-AT" dirty="0" err="1" smtClean="0"/>
+              <a:t>concepts</a:t>
+            </a:r>
+            <a:endParaRPr lang="de-AT" dirty="0" smtClean="0"/>
+          </a:p>
+          <a:p>
+            <a:pPr lvl="1"/>
+            <a:r>
+              <a:rPr lang="de-AT" dirty="0" err="1" smtClean="0"/>
+              <a:t>synonyms</a:t>
+            </a:r>
+            <a:r>
+              <a:rPr lang="de-AT" dirty="0" smtClean="0"/>
+              <a:t>: </a:t>
+            </a:r>
+            <a:r>
+              <a:rPr lang="de-AT" dirty="0" err="1" smtClean="0"/>
+              <a:t>two</a:t>
+            </a:r>
+            <a:r>
+              <a:rPr lang="de-AT" dirty="0" smtClean="0"/>
+              <a:t> different </a:t>
+            </a:r>
+            <a:r>
+              <a:rPr lang="de-AT" dirty="0" err="1" smtClean="0"/>
+              <a:t>words</a:t>
+            </a:r>
+            <a:r>
+              <a:rPr lang="de-AT" dirty="0" smtClean="0"/>
+              <a:t> </a:t>
+            </a:r>
+            <a:r>
+              <a:rPr lang="de-AT" dirty="0" err="1" smtClean="0"/>
+              <a:t>used</a:t>
+            </a:r>
+            <a:r>
+              <a:rPr lang="de-AT" dirty="0" smtClean="0"/>
+              <a:t> </a:t>
+            </a:r>
+            <a:r>
+              <a:rPr lang="de-AT" dirty="0" err="1" smtClean="0"/>
+              <a:t>for</a:t>
+            </a:r>
+            <a:r>
+              <a:rPr lang="de-AT" dirty="0" smtClean="0"/>
+              <a:t> </a:t>
+            </a:r>
+            <a:r>
+              <a:rPr lang="de-AT" dirty="0" err="1" smtClean="0"/>
+              <a:t>the</a:t>
+            </a:r>
+            <a:r>
+              <a:rPr lang="de-AT" dirty="0" smtClean="0"/>
+              <a:t> same </a:t>
+            </a:r>
+            <a:r>
+              <a:rPr lang="de-AT" dirty="0" err="1" smtClean="0"/>
+              <a:t>concept</a:t>
+            </a:r>
+            <a:endParaRPr lang="de-AT" dirty="0"/>
+          </a:p>
+          <a:p>
+            <a:pPr lvl="1"/>
+            <a:endParaRPr lang="de-AT" dirty="0" smtClean="0"/>
+          </a:p>
+          <a:p>
+            <a:r>
+              <a:rPr lang="de-AT" dirty="0" err="1" smtClean="0"/>
+              <a:t>Conflict</a:t>
+            </a:r>
+            <a:r>
+              <a:rPr lang="de-AT" dirty="0" smtClean="0"/>
+              <a:t> </a:t>
+            </a:r>
+            <a:r>
+              <a:rPr lang="de-AT" dirty="0" err="1" smtClean="0"/>
+              <a:t>resolution</a:t>
+            </a:r>
+            <a:endParaRPr lang="de-AT" dirty="0" smtClean="0"/>
+          </a:p>
+          <a:p>
+            <a:pPr lvl="1"/>
+            <a:r>
+              <a:rPr lang="de-AT" dirty="0" err="1" smtClean="0"/>
+              <a:t>similarity</a:t>
+            </a:r>
+            <a:r>
+              <a:rPr lang="de-AT" dirty="0" smtClean="0"/>
+              <a:t>: different </a:t>
+            </a:r>
+            <a:r>
+              <a:rPr lang="de-AT" dirty="0" err="1" smtClean="0"/>
+              <a:t>names</a:t>
+            </a:r>
+            <a:r>
+              <a:rPr lang="de-AT" dirty="0" smtClean="0"/>
+              <a:t>, same </a:t>
+            </a:r>
+            <a:r>
+              <a:rPr lang="de-AT" dirty="0" err="1" smtClean="0"/>
+              <a:t>neighbours</a:t>
+            </a:r>
+            <a:r>
+              <a:rPr lang="de-AT" dirty="0" smtClean="0"/>
+              <a:t>/</a:t>
+            </a:r>
+            <a:r>
+              <a:rPr lang="de-AT" dirty="0" err="1" smtClean="0"/>
+              <a:t>constraints</a:t>
+            </a:r>
+            <a:endParaRPr lang="de-AT" dirty="0" smtClean="0"/>
+          </a:p>
+          <a:p>
+            <a:pPr lvl="2"/>
+            <a:r>
+              <a:rPr lang="de-AT" dirty="0" err="1" smtClean="0"/>
+              <a:t>If</a:t>
+            </a:r>
+            <a:r>
+              <a:rPr lang="de-AT" dirty="0" smtClean="0"/>
+              <a:t> synonym </a:t>
+            </a:r>
+            <a:r>
+              <a:rPr lang="de-AT" dirty="0" smtClean="0">
+                <a:sym typeface="Wingdings" panose="05000000000000000000" pitchFamily="2" charset="2"/>
+              </a:rPr>
+              <a:t> </a:t>
+            </a:r>
+            <a:r>
+              <a:rPr lang="de-AT" dirty="0" err="1" smtClean="0"/>
+              <a:t>rename</a:t>
+            </a:r>
+            <a:endParaRPr lang="de-AT" dirty="0" smtClean="0"/>
+          </a:p>
+          <a:p>
+            <a:pPr lvl="1"/>
+            <a:r>
+              <a:rPr lang="de-AT" dirty="0" err="1" smtClean="0"/>
+              <a:t>mismatch</a:t>
+            </a:r>
+            <a:r>
+              <a:rPr lang="de-AT" dirty="0" smtClean="0"/>
+              <a:t>: same </a:t>
+            </a:r>
+            <a:r>
+              <a:rPr lang="de-AT" dirty="0" err="1" smtClean="0"/>
+              <a:t>name</a:t>
+            </a:r>
+            <a:r>
+              <a:rPr lang="de-AT" dirty="0" smtClean="0"/>
+              <a:t>, different </a:t>
+            </a:r>
+            <a:r>
+              <a:rPr lang="de-AT" dirty="0" err="1" smtClean="0"/>
+              <a:t>neighbours</a:t>
+            </a:r>
+            <a:r>
+              <a:rPr lang="de-AT" dirty="0" smtClean="0"/>
+              <a:t> /</a:t>
+            </a:r>
+            <a:r>
+              <a:rPr lang="de-AT" dirty="0" err="1" smtClean="0"/>
+              <a:t>constraints</a:t>
+            </a:r>
+            <a:endParaRPr lang="de-AT" dirty="0" smtClean="0"/>
+          </a:p>
+          <a:p>
+            <a:pPr lvl="2"/>
+            <a:r>
+              <a:rPr lang="de-AT" dirty="0" err="1" smtClean="0"/>
+              <a:t>If</a:t>
+            </a:r>
+            <a:r>
+              <a:rPr lang="de-AT" dirty="0" smtClean="0"/>
+              <a:t> homonym </a:t>
+            </a:r>
+            <a:r>
+              <a:rPr lang="de-AT" dirty="0">
+                <a:sym typeface="Wingdings" panose="05000000000000000000" pitchFamily="2" charset="2"/>
+              </a:rPr>
+              <a:t> </a:t>
+            </a:r>
+            <a:r>
+              <a:rPr lang="de-AT" dirty="0" err="1" smtClean="0"/>
+              <a:t>rename</a:t>
+            </a:r>
+            <a:endParaRPr lang="de-AT" dirty="0" smtClean="0"/>
+          </a:p>
+          <a:p>
+            <a:pPr lvl="2"/>
+            <a:r>
+              <a:rPr lang="de-AT" dirty="0" err="1" smtClean="0"/>
+              <a:t>Otherwise</a:t>
+            </a:r>
+            <a:r>
+              <a:rPr lang="de-AT" dirty="0" smtClean="0"/>
+              <a:t> </a:t>
+            </a:r>
+            <a:r>
+              <a:rPr lang="de-AT" dirty="0">
+                <a:sym typeface="Wingdings" panose="05000000000000000000" pitchFamily="2" charset="2"/>
+              </a:rPr>
+              <a:t> </a:t>
+            </a:r>
+            <a:r>
+              <a:rPr lang="de-AT" dirty="0" err="1" smtClean="0"/>
+              <a:t>maybe</a:t>
+            </a:r>
+            <a:r>
+              <a:rPr lang="de-AT" dirty="0" smtClean="0"/>
+              <a:t> </a:t>
+            </a:r>
+            <a:r>
+              <a:rPr lang="de-AT" dirty="0" err="1" smtClean="0"/>
+              <a:t>generalization</a:t>
+            </a:r>
+            <a:r>
+              <a:rPr lang="de-AT" dirty="0" smtClean="0"/>
+              <a:t> </a:t>
+            </a:r>
+            <a:r>
+              <a:rPr lang="de-AT" dirty="0" err="1" smtClean="0"/>
+              <a:t>or</a:t>
+            </a:r>
+            <a:r>
+              <a:rPr lang="de-AT" dirty="0" smtClean="0"/>
+              <a:t> </a:t>
+            </a:r>
+            <a:r>
+              <a:rPr lang="de-AT" dirty="0" err="1" smtClean="0"/>
+              <a:t>structural</a:t>
+            </a:r>
+            <a:r>
+              <a:rPr lang="de-AT" dirty="0" smtClean="0"/>
+              <a:t> </a:t>
+            </a:r>
+            <a:r>
+              <a:rPr lang="de-AT" dirty="0" err="1" smtClean="0"/>
+              <a:t>conflict</a:t>
+            </a:r>
+            <a:endParaRPr lang="de-AT" dirty="0" smtClean="0"/>
+          </a:p>
+        </p:txBody>
+      </p:sp>
+    </p:spTree>
+    <p:extLst>
+      <p:ext uri="{BB962C8B-B14F-4D97-AF65-F5344CB8AC3E}">
+        <p14:creationId xmlns:p14="http://schemas.microsoft.com/office/powerpoint/2010/main" val="180451916"/>
+      </p:ext>
+    </p:extLst>
+  </p:cSld>
+  <p:clrMapOvr>
+    <a:masterClrMapping/>
+  </p:clrMapOvr>
+  <p:timing>
+    <p:tnLst>
+      <p:par>
+        <p:cTn id="1" dur="indefinite" restart="never" nodeType="tmRoot"/>
+      </p:par>
+    </p:tnLst>
+  </p:timing>
+</p:sld>
+</file>
+
+<file path=ppt/slides/slide30.xml><?xml version="1.0" encoding="utf-8"?>
 <p:sld xmlns:a="http://schemas.openxmlformats.org/drawingml/2006/main" xmlns:r="http://schemas.openxmlformats.org/officeDocument/2006/relationships" xmlns:p="http://schemas.openxmlformats.org/presentationml/2006/main">
   <p:cSld>
     <p:spTree>
@@ -6160,10 +9321,115 @@
   <p:clrMapOvr>
     <a:masterClrMapping/>
   </p:clrMapOvr>
+  <p:timing>
+    <p:tnLst>
+      <p:par>
+        <p:cTn id="1" dur="indefinite" restart="never" nodeType="tmRoot">
+          <p:childTnLst>
+            <p:seq concurrent="1" nextAc="seek">
+              <p:cTn id="2" dur="indefinite" nodeType="mainSeq">
+                <p:childTnLst>
+                  <p:par>
+                    <p:cTn id="3" fill="hold">
+                      <p:stCondLst>
+                        <p:cond delay="indefinite"/>
+                      </p:stCondLst>
+                      <p:childTnLst>
+                        <p:par>
+                          <p:cTn id="4" fill="hold">
+                            <p:stCondLst>
+                              <p:cond delay="0"/>
+                            </p:stCondLst>
+                            <p:childTnLst>
+                              <p:par>
+                                <p:cTn id="5" presetID="1" presetClass="entr" presetSubtype="0" fill="hold" nodeType="clickEffect">
+                                  <p:stCondLst>
+                                    <p:cond delay="0"/>
+                                  </p:stCondLst>
+                                  <p:childTnLst>
+                                    <p:set>
+                                      <p:cBhvr>
+                                        <p:cTn id="6" dur="1" fill="hold">
+                                          <p:stCondLst>
+                                            <p:cond delay="0"/>
+                                          </p:stCondLst>
+                                        </p:cTn>
+                                        <p:tgtEl>
+                                          <p:spTgt spid="5"/>
+                                        </p:tgtEl>
+                                        <p:attrNameLst>
+                                          <p:attrName>style.visibility</p:attrName>
+                                        </p:attrNameLst>
+                                      </p:cBhvr>
+                                      <p:to>
+                                        <p:strVal val="visible"/>
+                                      </p:to>
+                                    </p:set>
+                                  </p:childTnLst>
+                                </p:cTn>
+                              </p:par>
+                              <p:par>
+                                <p:cTn id="7" presetID="1" presetClass="entr" presetSubtype="0" fill="hold" grpId="0" nodeType="withEffect">
+                                  <p:stCondLst>
+                                    <p:cond delay="0"/>
+                                  </p:stCondLst>
+                                  <p:childTnLst>
+                                    <p:set>
+                                      <p:cBhvr>
+                                        <p:cTn id="8" dur="1" fill="hold">
+                                          <p:stCondLst>
+                                            <p:cond delay="0"/>
+                                          </p:stCondLst>
+                                        </p:cTn>
+                                        <p:tgtEl>
+                                          <p:spTgt spid="6"/>
+                                        </p:tgtEl>
+                                        <p:attrNameLst>
+                                          <p:attrName>style.visibility</p:attrName>
+                                        </p:attrNameLst>
+                                      </p:cBhvr>
+                                      <p:to>
+                                        <p:strVal val="visible"/>
+                                      </p:to>
+                                    </p:set>
+                                  </p:childTnLst>
+                                </p:cTn>
+                              </p:par>
+                            </p:childTnLst>
+                          </p:cTn>
+                        </p:par>
+                      </p:childTnLst>
+                    </p:cTn>
+                  </p:par>
+                </p:childTnLst>
+              </p:cTn>
+              <p:prevCondLst>
+                <p:cond evt="onPrev" delay="0">
+                  <p:tgtEl>
+                    <p:sldTgt/>
+                  </p:tgtEl>
+                </p:cond>
+              </p:prevCondLst>
+              <p:nextCondLst>
+                <p:cond evt="onNext" delay="0">
+                  <p:tgtEl>
+                    <p:sldTgt/>
+                  </p:tgtEl>
+                </p:cond>
+              </p:nextCondLst>
+            </p:seq>
+          </p:childTnLst>
+        </p:cTn>
+      </p:par>
+    </p:tnLst>
+    <p:bldLst>
+      <p:bldP spid="6" grpId="0"/>
+    </p:bldLst>
+  </p:timing>
 </p:sld>
 </file>
 
-<file path=ppt/slides/slide16.xml><?xml version="1.0" encoding="utf-8"?>
+<file path=ppt/slides/slide31.xml><?xml version="1.0" encoding="utf-8"?>
 <p:sld xmlns:a="http://schemas.openxmlformats.org/drawingml/2006/main" xmlns:r="http://schemas.openxmlformats.org/officeDocument/2006/relationships" xmlns:p="http://schemas.openxmlformats.org/presentationml/2006/main">
   <p:cSld>
     <p:spTree>
@@ -6465,10 +9731,115 @@
   <p:clrMapOvr>
     <a:masterClrMapping/>
   </p:clrMapOvr>
+  <p:timing>
+    <p:tnLst>
+      <p:par>
+        <p:cTn id="1" dur="indefinite" restart="never" nodeType="tmRoot">
+          <p:childTnLst>
+            <p:seq concurrent="1" nextAc="seek">
+              <p:cTn id="2" dur="indefinite" nodeType="mainSeq">
+                <p:childTnLst>
+                  <p:par>
+                    <p:cTn id="3" fill="hold">
+                      <p:stCondLst>
+                        <p:cond delay="indefinite"/>
+                      </p:stCondLst>
+                      <p:childTnLst>
+                        <p:par>
+                          <p:cTn id="4" fill="hold">
+                            <p:stCondLst>
+                              <p:cond delay="0"/>
+                            </p:stCondLst>
+                            <p:childTnLst>
+                              <p:par>
+                                <p:cTn id="5" presetID="1" presetClass="entr" presetSubtype="0" fill="hold" nodeType="clickEffect">
+                                  <p:stCondLst>
+                                    <p:cond delay="0"/>
+                                  </p:stCondLst>
+                                  <p:childTnLst>
+                                    <p:set>
+                                      <p:cBhvr>
+                                        <p:cTn id="6" dur="1" fill="hold">
+                                          <p:stCondLst>
+                                            <p:cond delay="0"/>
+                                          </p:stCondLst>
+                                        </p:cTn>
+                                        <p:tgtEl>
+                                          <p:spTgt spid="6"/>
+                                        </p:tgtEl>
+                                        <p:attrNameLst>
+                                          <p:attrName>style.visibility</p:attrName>
+                                        </p:attrNameLst>
+                                      </p:cBhvr>
+                                      <p:to>
+                                        <p:strVal val="visible"/>
+                                      </p:to>
+                                    </p:set>
+                                  </p:childTnLst>
+                                </p:cTn>
+                              </p:par>
+                              <p:par>
+                                <p:cTn id="7" presetID="1" presetClass="entr" presetSubtype="0" fill="hold" grpId="0" nodeType="withEffect">
+                                  <p:stCondLst>
+                                    <p:cond delay="0"/>
+                                  </p:stCondLst>
+                                  <p:childTnLst>
+                                    <p:set>
+                                      <p:cBhvr>
+                                        <p:cTn id="8" dur="1" fill="hold">
+                                          <p:stCondLst>
+                                            <p:cond delay="0"/>
+                                          </p:stCondLst>
+                                        </p:cTn>
+                                        <p:tgtEl>
+                                          <p:spTgt spid="8"/>
+                                        </p:tgtEl>
+                                        <p:attrNameLst>
+                                          <p:attrName>style.visibility</p:attrName>
+                                        </p:attrNameLst>
+                                      </p:cBhvr>
+                                      <p:to>
+                                        <p:strVal val="visible"/>
+                                      </p:to>
+                                    </p:set>
+                                  </p:childTnLst>
+                                </p:cTn>
+                              </p:par>
+                            </p:childTnLst>
+                          </p:cTn>
+                        </p:par>
+                      </p:childTnLst>
+                    </p:cTn>
+                  </p:par>
+                </p:childTnLst>
+              </p:cTn>
+              <p:prevCondLst>
+                <p:cond evt="onPrev" delay="0">
+                  <p:tgtEl>
+                    <p:sldTgt/>
+                  </p:tgtEl>
+                </p:cond>
+              </p:prevCondLst>
+              <p:nextCondLst>
+                <p:cond evt="onNext" delay="0">
+                  <p:tgtEl>
+                    <p:sldTgt/>
+                  </p:tgtEl>
+                </p:cond>
+              </p:nextCondLst>
+            </p:seq>
+          </p:childTnLst>
+        </p:cTn>
+      </p:par>
+    </p:tnLst>
+    <p:bldLst>
+      <p:bldP spid="8" grpId="0"/>
+    </p:bldLst>
+  </p:timing>
 </p:sld>
 </file>
 
-<file path=ppt/slides/slide17.xml><?xml version="1.0" encoding="utf-8"?>
+<file path=ppt/slides/slide32.xml><?xml version="1.0" encoding="utf-8"?>
 <p:sld xmlns:a="http://schemas.openxmlformats.org/drawingml/2006/main" xmlns:r="http://schemas.openxmlformats.org/officeDocument/2006/relationships" xmlns:p="http://schemas.openxmlformats.org/presentationml/2006/main">
   <p:cSld>
     <p:spTree>
@@ -6776,10 +10147,17 @@
   <p:clrMapOvr>
     <a:masterClrMapping/>
   </p:clrMapOvr>
+  <p:timing>
+    <p:tnLst>
+      <p:par>
+        <p:cTn id="1" dur="indefinite" restart="never" nodeType="tmRoot"/>
+      </p:par>
+    </p:tnLst>
+  </p:timing>
 </p:sld>
 </file>
 
-<file path=ppt/slides/slide18.xml><?xml version="1.0" encoding="utf-8"?>
+<file path=ppt/slides/slide33.xml><?xml version="1.0" encoding="utf-8"?>
 <p:sld xmlns:a="http://schemas.openxmlformats.org/drawingml/2006/main" xmlns:r="http://schemas.openxmlformats.org/officeDocument/2006/relationships" xmlns:p="http://schemas.openxmlformats.org/presentationml/2006/main">
   <p:cSld>
     <p:spTree>
@@ -6958,10 +10336,17 @@
   <p:clrMapOvr>
     <a:masterClrMapping/>
   </p:clrMapOvr>
+  <p:timing>
+    <p:tnLst>
+      <p:par>
+        <p:cTn id="1" dur="indefinite" restart="never" nodeType="tmRoot"/>
+      </p:par>
+    </p:tnLst>
+  </p:timing>
 </p:sld>
 </file>
 
-<file path=ppt/slides/slide19.xml><?xml version="1.0" encoding="utf-8"?>
+<file path=ppt/slides/slide34.xml><?xml version="1.0" encoding="utf-8"?>
 <p:sld xmlns:a="http://schemas.openxmlformats.org/drawingml/2006/main" xmlns:r="http://schemas.openxmlformats.org/officeDocument/2006/relationships" xmlns:p="http://schemas.openxmlformats.org/presentationml/2006/main">
   <p:cSld>
     <p:spTree>
@@ -7707,188 +11092,17 @@
   <p:clrMapOvr>
     <a:masterClrMapping/>
   </p:clrMapOvr>
+  <p:timing>
+    <p:tnLst>
+      <p:par>
+        <p:cTn id="1" dur="indefinite" restart="never" nodeType="tmRoot"/>
+      </p:par>
+    </p:tnLst>
+  </p:timing>
 </p:sld>
 </file>
 
-<file path=ppt/slides/slide2.xml><?xml version="1.0" encoding="utf-8"?>
-<p:sld xmlns:a="http://schemas.openxmlformats.org/drawingml/2006/main" xmlns:r="http://schemas.openxmlformats.org/officeDocument/2006/relationships" xmlns:p="http://schemas.openxmlformats.org/presentationml/2006/main">
-  <p:cSld>
-    <p:spTree>
-      <p:nvGrpSpPr>
-        <p:cNvPr id="1" name=""/>
-        <p:cNvGrpSpPr/>
-        <p:nvPr/>
-      </p:nvGrpSpPr>
-      <p:grpSpPr>
-        <a:xfrm>
-          <a:off x="0" y="0"/>
-          <a:ext cx="0" cy="0"/>
-          <a:chOff x="0" y="0"/>
-          <a:chExt cx="0" cy="0"/>
-        </a:xfrm>
-      </p:grpSpPr>
-      <p:sp>
-        <p:nvSpPr>
-          <p:cNvPr id="2" name="Titel 1"/>
-          <p:cNvSpPr>
-            <a:spLocks noGrp="1"/>
-          </p:cNvSpPr>
-          <p:nvPr>
-            <p:ph type="title"/>
-          </p:nvPr>
-        </p:nvSpPr>
-        <p:spPr/>
-        <p:txBody>
-          <a:bodyPr/>
-          <a:lstStyle/>
-          <a:p>
-            <a:r>
-              <a:rPr lang="de-AT" dirty="0" err="1" smtClean="0"/>
-              <a:t>Exercise</a:t>
-            </a:r>
-            <a:r>
-              <a:rPr lang="de-AT" dirty="0" smtClean="0"/>
-              <a:t> 1</a:t>
-            </a:r>
-            <a:endParaRPr lang="de-AT" dirty="0"/>
-          </a:p>
-        </p:txBody>
-      </p:sp>
-      <p:sp>
-        <p:nvSpPr>
-          <p:cNvPr id="3" name="Inhaltsplatzhalter 2"/>
-          <p:cNvSpPr>
-            <a:spLocks noGrp="1"/>
-          </p:cNvSpPr>
-          <p:nvPr>
-            <p:ph sz="quarter" idx="1"/>
-          </p:nvPr>
-        </p:nvSpPr>
-        <p:spPr/>
-        <p:txBody>
-          <a:bodyPr/>
-          <a:lstStyle/>
-          <a:p>
-            <a:r>
-              <a:rPr lang="de-AT" dirty="0" smtClean="0"/>
-              <a:t> </a:t>
-            </a:r>
-            <a:r>
-              <a:rPr lang="de-AT" dirty="0" err="1"/>
-              <a:t>Integrate</a:t>
-            </a:r>
-            <a:r>
-              <a:rPr lang="de-AT" dirty="0"/>
-              <a:t> </a:t>
-            </a:r>
-            <a:r>
-              <a:rPr lang="de-AT" dirty="0" err="1"/>
-              <a:t>these</a:t>
-            </a:r>
-            <a:r>
-              <a:rPr lang="de-AT" dirty="0"/>
-              <a:t> </a:t>
-            </a:r>
-            <a:r>
-              <a:rPr lang="de-AT" dirty="0" err="1"/>
-              <a:t>views</a:t>
-            </a:r>
-            <a:r>
-              <a:rPr lang="de-AT" dirty="0"/>
-              <a:t>: </a:t>
-            </a:r>
-          </a:p>
-          <a:p>
-            <a:pPr marL="914400" lvl="1" indent="-514350">
-              <a:buFont typeface="+mj-lt"/>
-              <a:buAutoNum type="alphaLcParenR"/>
-            </a:pPr>
-            <a:r>
-              <a:rPr lang="en-US" dirty="0" smtClean="0"/>
-              <a:t>identify </a:t>
-            </a:r>
-            <a:r>
-              <a:rPr lang="en-US" dirty="0"/>
-              <a:t>conflicts (and their conflict types) </a:t>
-            </a:r>
-          </a:p>
-          <a:p>
-            <a:pPr marL="914400" lvl="1" indent="-514350">
-              <a:buFont typeface="+mj-lt"/>
-              <a:buAutoNum type="alphaLcParenR"/>
-            </a:pPr>
-            <a:r>
-              <a:rPr lang="de-AT" dirty="0" err="1" smtClean="0"/>
-              <a:t>propose</a:t>
-            </a:r>
-            <a:r>
-              <a:rPr lang="de-AT" dirty="0" smtClean="0"/>
-              <a:t> </a:t>
-            </a:r>
-            <a:r>
-              <a:rPr lang="de-AT" dirty="0" err="1"/>
-              <a:t>scenarios</a:t>
-            </a:r>
-            <a:r>
-              <a:rPr lang="de-AT" dirty="0"/>
-              <a:t> </a:t>
-            </a:r>
-            <a:r>
-              <a:rPr lang="de-AT" dirty="0" err="1"/>
-              <a:t>and</a:t>
-            </a:r>
-            <a:r>
-              <a:rPr lang="de-AT" dirty="0"/>
-              <a:t> </a:t>
-            </a:r>
-            <a:r>
-              <a:rPr lang="de-AT" dirty="0" err="1"/>
-              <a:t>interschema</a:t>
-            </a:r>
-            <a:r>
-              <a:rPr lang="de-AT" dirty="0"/>
-              <a:t> </a:t>
-            </a:r>
-            <a:r>
-              <a:rPr lang="de-AT" dirty="0" err="1"/>
-              <a:t>properties</a:t>
-            </a:r>
-            <a:r>
-              <a:rPr lang="de-AT" dirty="0"/>
-              <a:t> </a:t>
-            </a:r>
-          </a:p>
-          <a:p>
-            <a:pPr marL="914400" lvl="1" indent="-514350">
-              <a:buFont typeface="+mj-lt"/>
-              <a:buAutoNum type="alphaLcParenR"/>
-            </a:pPr>
-            <a:r>
-              <a:rPr lang="en-US" dirty="0" smtClean="0"/>
-              <a:t>integrate </a:t>
-            </a:r>
-            <a:r>
-              <a:rPr lang="en-US" dirty="0"/>
-              <a:t>the schemas into one schema. </a:t>
-            </a:r>
-            <a:endParaRPr lang="de-AT" dirty="0"/>
-          </a:p>
-        </p:txBody>
-      </p:sp>
-    </p:spTree>
-    <p:extLst>
-      <p:ext uri="{BB962C8B-B14F-4D97-AF65-F5344CB8AC3E}">
-        <p14:creationId xmlns:p14="http://schemas.microsoft.com/office/powerpoint/2010/main" val="3160386597"/>
-      </p:ext>
-    </p:extLst>
-  </p:cSld>
-  <p:clrMapOvr>
-    <a:masterClrMapping/>
-  </p:clrMapOvr>
-</p:sld>
-</file>
-
-<file path=ppt/slides/slide20.xml><?xml version="1.0" encoding="utf-8"?>
+<file path=ppt/slides/slide35.xml><?xml version="1.0" encoding="utf-8"?>
 <p:sld xmlns:a="http://schemas.openxmlformats.org/drawingml/2006/main" xmlns:r="http://schemas.openxmlformats.org/officeDocument/2006/relationships" xmlns:p="http://schemas.openxmlformats.org/presentationml/2006/main">
   <p:cSld>
     <p:spTree>
@@ -8586,10 +11800,17 @@
   <p:clrMapOvr>
     <a:masterClrMapping/>
   </p:clrMapOvr>
+  <p:timing>
+    <p:tnLst>
+      <p:par>
+        <p:cTn id="1" dur="indefinite" restart="never" nodeType="tmRoot"/>
+      </p:par>
+    </p:tnLst>
+  </p:timing>
 </p:sld>
 </file>
 
-<file path=ppt/slides/slide21.xml><?xml version="1.0" encoding="utf-8"?>
+<file path=ppt/slides/slide36.xml><?xml version="1.0" encoding="utf-8"?>
 <p:sld xmlns:a="http://schemas.openxmlformats.org/drawingml/2006/main" xmlns:r="http://schemas.openxmlformats.org/officeDocument/2006/relationships" xmlns:p="http://schemas.openxmlformats.org/presentationml/2006/main">
   <p:cSld>
     <p:spTree>
@@ -8793,10 +12014,17 @@
   <p:clrMapOvr>
     <a:masterClrMapping/>
   </p:clrMapOvr>
+  <p:timing>
+    <p:tnLst>
+      <p:par>
+        <p:cTn id="1" dur="indefinite" restart="never" nodeType="tmRoot"/>
+      </p:par>
+    </p:tnLst>
+  </p:timing>
 </p:sld>
 </file>
 
-<file path=ppt/slides/slide22.xml><?xml version="1.0" encoding="utf-8"?>
+<file path=ppt/slides/slide37.xml><?xml version="1.0" encoding="utf-8"?>
 <p:sld xmlns:a="http://schemas.openxmlformats.org/drawingml/2006/main" xmlns:r="http://schemas.openxmlformats.org/officeDocument/2006/relationships" xmlns:p="http://schemas.openxmlformats.org/presentationml/2006/main">
   <p:cSld>
     <p:spTree>
@@ -8917,7 +12145,7 @@
 </p:sld>
 </file>
 
-<file path=ppt/slides/slide23.xml><?xml version="1.0" encoding="utf-8"?>
+<file path=ppt/slides/slide38.xml><?xml version="1.0" encoding="utf-8"?>
 <p:sld xmlns:a="http://schemas.openxmlformats.org/drawingml/2006/main" xmlns:r="http://schemas.openxmlformats.org/officeDocument/2006/relationships" xmlns:p="http://schemas.openxmlformats.org/presentationml/2006/main">
   <p:cSld>
     <p:spTree>
@@ -9213,7 +12441,7 @@
 </p:sld>
 </file>
 
-<file path=ppt/slides/slide24.xml><?xml version="1.0" encoding="utf-8"?>
+<file path=ppt/slides/slide39.xml><?xml version="1.0" encoding="utf-8"?>
 <p:sld xmlns:a="http://schemas.openxmlformats.org/drawingml/2006/main" xmlns:r="http://schemas.openxmlformats.org/officeDocument/2006/relationships" xmlns:p="http://schemas.openxmlformats.org/presentationml/2006/main">
   <p:cSld>
     <p:spTree>
@@ -9533,7 +12761,7 @@
 </p:sld>
 </file>
 
-<file path=ppt/slides/slide25.xml><?xml version="1.0" encoding="utf-8"?>
+<file path=ppt/slides/slide4.xml><?xml version="1.0" encoding="utf-8"?>
 <p:sld xmlns:a="http://schemas.openxmlformats.org/drawingml/2006/main" xmlns:r="http://schemas.openxmlformats.org/officeDocument/2006/relationships" xmlns:p="http://schemas.openxmlformats.org/presentationml/2006/main">
   <p:cSld>
     <p:spTree>
@@ -9566,17 +12794,18 @@
           <a:lstStyle/>
           <a:p>
             <a:r>
-              <a:rPr lang="de-AT" dirty="0" err="1" smtClean="0"/>
-              <a:t>Flattening</a:t>
-            </a:r>
-            <a:r>
-              <a:rPr lang="de-AT" dirty="0" smtClean="0"/>
-              <a:t>(1</a:t>
+              <a:rPr lang="de-AT" dirty="0" err="1"/>
+              <a:t>Exercise</a:t>
             </a:r>
             <a:r>
               <a:rPr lang="de-AT" dirty="0"/>
-              <a:t>/3)</a:t>
-            </a:r>
+              <a:t> 1 - </a:t>
+            </a:r>
+            <a:r>
+              <a:rPr lang="de-AT" dirty="0" err="1"/>
+              <a:t>Conflicts</a:t>
+            </a:r>
+            <a:endParaRPr lang="de-AT" dirty="0"/>
           </a:p>
         </p:txBody>
       </p:sp>
@@ -9596,6 +12825,455 @@
           <a:lstStyle/>
           <a:p>
             <a:r>
+              <a:rPr lang="de-AT" dirty="0" err="1"/>
+              <a:t>Structural</a:t>
+            </a:r>
+            <a:r>
+              <a:rPr lang="de-AT" dirty="0"/>
+              <a:t> </a:t>
+            </a:r>
+            <a:r>
+              <a:rPr lang="de-AT" dirty="0" err="1"/>
+              <a:t>conflicts</a:t>
+            </a:r>
+            <a:endParaRPr lang="de-AT" dirty="0"/>
+          </a:p>
+          <a:p>
+            <a:pPr lvl="1"/>
+            <a:r>
+              <a:rPr lang="de-AT" dirty="0" err="1"/>
+              <a:t>Identical</a:t>
+            </a:r>
+            <a:r>
+              <a:rPr lang="de-AT" dirty="0"/>
+              <a:t> </a:t>
+            </a:r>
+            <a:r>
+              <a:rPr lang="de-AT" dirty="0" err="1"/>
+              <a:t>concepts</a:t>
+            </a:r>
+            <a:r>
+              <a:rPr lang="de-AT" dirty="0"/>
+              <a:t>: same </a:t>
+            </a:r>
+            <a:r>
+              <a:rPr lang="de-AT" dirty="0" err="1"/>
+              <a:t>structure</a:t>
+            </a:r>
+            <a:r>
+              <a:rPr lang="de-AT" dirty="0"/>
+              <a:t> </a:t>
+            </a:r>
+            <a:r>
+              <a:rPr lang="de-AT" dirty="0" err="1"/>
+              <a:t>and</a:t>
+            </a:r>
+            <a:r>
+              <a:rPr lang="de-AT" dirty="0"/>
+              <a:t> </a:t>
+            </a:r>
+            <a:r>
+              <a:rPr lang="de-AT" dirty="0" err="1" smtClean="0"/>
+              <a:t>neighbours</a:t>
+            </a:r>
+            <a:endParaRPr lang="de-AT" dirty="0" smtClean="0"/>
+          </a:p>
+          <a:p>
+            <a:pPr lvl="2"/>
+            <a:r>
+              <a:rPr lang="de-AT" dirty="0" smtClean="0">
+                <a:sym typeface="Wingdings" panose="05000000000000000000" pitchFamily="2" charset="2"/>
+              </a:rPr>
+              <a:t> </a:t>
+            </a:r>
+            <a:r>
+              <a:rPr lang="de-AT" dirty="0" smtClean="0"/>
+              <a:t>Great! Do </a:t>
+            </a:r>
+            <a:r>
+              <a:rPr lang="de-AT" dirty="0" err="1" smtClean="0"/>
+              <a:t>nothing</a:t>
+            </a:r>
+            <a:r>
+              <a:rPr lang="de-AT" dirty="0" smtClean="0"/>
+              <a:t>!</a:t>
+            </a:r>
+            <a:endParaRPr lang="de-AT" dirty="0"/>
+          </a:p>
+          <a:p>
+            <a:pPr lvl="1"/>
+            <a:r>
+              <a:rPr lang="de-AT" dirty="0" err="1"/>
+              <a:t>Compatible</a:t>
+            </a:r>
+            <a:r>
+              <a:rPr lang="de-AT" dirty="0"/>
+              <a:t> </a:t>
+            </a:r>
+            <a:r>
+              <a:rPr lang="de-AT" dirty="0" err="1"/>
+              <a:t>concepts</a:t>
+            </a:r>
+            <a:r>
+              <a:rPr lang="de-AT" dirty="0"/>
+              <a:t>: different </a:t>
+            </a:r>
+            <a:r>
+              <a:rPr lang="de-AT" dirty="0" err="1"/>
+              <a:t>structure</a:t>
+            </a:r>
+            <a:r>
+              <a:rPr lang="de-AT" dirty="0"/>
+              <a:t> /</a:t>
+            </a:r>
+            <a:r>
+              <a:rPr lang="de-AT" dirty="0" err="1"/>
+              <a:t>neighbours</a:t>
+            </a:r>
+            <a:r>
+              <a:rPr lang="de-AT" dirty="0"/>
+              <a:t>, but </a:t>
+            </a:r>
+            <a:r>
+              <a:rPr lang="de-AT" dirty="0" err="1"/>
+              <a:t>no</a:t>
+            </a:r>
+            <a:r>
+              <a:rPr lang="de-AT" dirty="0"/>
+              <a:t> </a:t>
+            </a:r>
+            <a:r>
+              <a:rPr lang="de-AT" dirty="0" err="1" smtClean="0"/>
+              <a:t>contradiction</a:t>
+            </a:r>
+            <a:endParaRPr lang="de-AT" dirty="0"/>
+          </a:p>
+          <a:p>
+            <a:pPr lvl="2"/>
+            <a:r>
+              <a:rPr lang="de-AT" dirty="0" smtClean="0">
+                <a:sym typeface="Wingdings" panose="05000000000000000000" pitchFamily="2" charset="2"/>
+              </a:rPr>
+              <a:t> </a:t>
+            </a:r>
+            <a:r>
+              <a:rPr lang="de-AT" dirty="0" err="1" smtClean="0">
+                <a:sym typeface="Wingdings" panose="05000000000000000000" pitchFamily="2" charset="2"/>
+              </a:rPr>
+              <a:t>Adapt</a:t>
+            </a:r>
+            <a:r>
+              <a:rPr lang="de-AT" dirty="0" smtClean="0">
+                <a:sym typeface="Wingdings" panose="05000000000000000000" pitchFamily="2" charset="2"/>
+              </a:rPr>
+              <a:t> </a:t>
+            </a:r>
+            <a:r>
+              <a:rPr lang="de-AT" dirty="0" err="1" smtClean="0">
+                <a:sym typeface="Wingdings" panose="05000000000000000000" pitchFamily="2" charset="2"/>
+              </a:rPr>
+              <a:t>one</a:t>
+            </a:r>
+            <a:r>
+              <a:rPr lang="de-AT" dirty="0" smtClean="0">
+                <a:sym typeface="Wingdings" panose="05000000000000000000" pitchFamily="2" charset="2"/>
+              </a:rPr>
+              <a:t> </a:t>
+            </a:r>
+            <a:r>
+              <a:rPr lang="de-AT" dirty="0" err="1" smtClean="0">
+                <a:sym typeface="Wingdings" panose="05000000000000000000" pitchFamily="2" charset="2"/>
+              </a:rPr>
+              <a:t>input</a:t>
+            </a:r>
+            <a:r>
+              <a:rPr lang="de-AT" dirty="0" smtClean="0">
+                <a:sym typeface="Wingdings" panose="05000000000000000000" pitchFamily="2" charset="2"/>
+              </a:rPr>
+              <a:t> </a:t>
+            </a:r>
+            <a:r>
+              <a:rPr lang="de-AT" dirty="0" err="1" smtClean="0">
+                <a:sym typeface="Wingdings" panose="05000000000000000000" pitchFamily="2" charset="2"/>
+              </a:rPr>
+              <a:t>schema</a:t>
+            </a:r>
+            <a:endParaRPr lang="de-AT" dirty="0"/>
+          </a:p>
+          <a:p>
+            <a:pPr lvl="1"/>
+            <a:r>
+              <a:rPr lang="de-AT" dirty="0" err="1"/>
+              <a:t>Incompatible</a:t>
+            </a:r>
+            <a:r>
+              <a:rPr lang="de-AT" dirty="0"/>
+              <a:t> </a:t>
+            </a:r>
+            <a:r>
+              <a:rPr lang="de-AT" dirty="0" err="1"/>
+              <a:t>concepts</a:t>
+            </a:r>
+            <a:r>
+              <a:rPr lang="de-AT" dirty="0"/>
+              <a:t>: </a:t>
+            </a:r>
+            <a:r>
+              <a:rPr lang="de-AT" dirty="0" err="1"/>
+              <a:t>structural</a:t>
+            </a:r>
+            <a:r>
+              <a:rPr lang="de-AT" dirty="0"/>
+              <a:t> </a:t>
+            </a:r>
+            <a:r>
+              <a:rPr lang="de-AT" dirty="0" err="1" smtClean="0"/>
+              <a:t>contradiction</a:t>
+            </a:r>
+            <a:endParaRPr lang="de-AT" dirty="0" smtClean="0"/>
+          </a:p>
+          <a:p>
+            <a:pPr lvl="2"/>
+            <a:r>
+              <a:rPr lang="de-AT" dirty="0" smtClean="0">
+                <a:sym typeface="Wingdings" panose="05000000000000000000" pitchFamily="2" charset="2"/>
+              </a:rPr>
+              <a:t> </a:t>
+            </a:r>
+            <a:r>
+              <a:rPr lang="de-AT" dirty="0" err="1" smtClean="0">
+                <a:sym typeface="Wingdings" panose="05000000000000000000" pitchFamily="2" charset="2"/>
+              </a:rPr>
+              <a:t>If</a:t>
+            </a:r>
+            <a:r>
+              <a:rPr lang="de-AT" dirty="0" smtClean="0">
+                <a:sym typeface="Wingdings" panose="05000000000000000000" pitchFamily="2" charset="2"/>
+              </a:rPr>
+              <a:t> design </a:t>
+            </a:r>
+            <a:r>
+              <a:rPr lang="de-AT" dirty="0" err="1" smtClean="0">
+                <a:sym typeface="Wingdings" panose="05000000000000000000" pitchFamily="2" charset="2"/>
+              </a:rPr>
+              <a:t>error</a:t>
+            </a:r>
+            <a:r>
+              <a:rPr lang="de-AT" dirty="0" smtClean="0">
+                <a:sym typeface="Wingdings" panose="05000000000000000000" pitchFamily="2" charset="2"/>
+              </a:rPr>
+              <a:t>: </a:t>
+            </a:r>
+            <a:r>
+              <a:rPr lang="de-AT" dirty="0" err="1" smtClean="0">
+                <a:sym typeface="Wingdings" panose="05000000000000000000" pitchFamily="2" charset="2"/>
+              </a:rPr>
+              <a:t>adjust</a:t>
+            </a:r>
+            <a:endParaRPr lang="de-AT" dirty="0" smtClean="0">
+              <a:sym typeface="Wingdings" panose="05000000000000000000" pitchFamily="2" charset="2"/>
+            </a:endParaRPr>
+          </a:p>
+          <a:p>
+            <a:pPr lvl="2"/>
+            <a:r>
+              <a:rPr lang="de-AT" dirty="0" smtClean="0">
+                <a:sym typeface="Wingdings" panose="05000000000000000000" pitchFamily="2" charset="2"/>
+              </a:rPr>
+              <a:t> </a:t>
+            </a:r>
+            <a:r>
+              <a:rPr lang="de-AT" dirty="0" err="1" smtClean="0">
+                <a:sym typeface="Wingdings" panose="05000000000000000000" pitchFamily="2" charset="2"/>
+              </a:rPr>
+              <a:t>otherwise</a:t>
+            </a:r>
+            <a:r>
+              <a:rPr lang="de-AT" dirty="0" smtClean="0">
+                <a:sym typeface="Wingdings" panose="05000000000000000000" pitchFamily="2" charset="2"/>
+              </a:rPr>
+              <a:t>: </a:t>
+            </a:r>
+            <a:r>
+              <a:rPr lang="de-AT" dirty="0" err="1" smtClean="0">
+                <a:sym typeface="Wingdings" panose="05000000000000000000" pitchFamily="2" charset="2"/>
+              </a:rPr>
+              <a:t>choose</a:t>
+            </a:r>
+            <a:r>
+              <a:rPr lang="de-AT" dirty="0">
+                <a:sym typeface="Wingdings" panose="05000000000000000000" pitchFamily="2" charset="2"/>
+              </a:rPr>
+              <a:t> </a:t>
+            </a:r>
+            <a:r>
+              <a:rPr lang="de-AT" dirty="0" err="1" smtClean="0">
+                <a:sym typeface="Wingdings" panose="05000000000000000000" pitchFamily="2" charset="2"/>
+              </a:rPr>
+              <a:t>one</a:t>
+            </a:r>
+            <a:r>
+              <a:rPr lang="de-AT" dirty="0" smtClean="0">
+                <a:sym typeface="Wingdings" panose="05000000000000000000" pitchFamily="2" charset="2"/>
+              </a:rPr>
+              <a:t> variant! </a:t>
+            </a:r>
+            <a:r>
+              <a:rPr lang="de-AT" dirty="0" err="1" smtClean="0">
+                <a:sym typeface="Wingdings" panose="05000000000000000000" pitchFamily="2" charset="2"/>
+              </a:rPr>
+              <a:t>Ideally</a:t>
+            </a:r>
+            <a:r>
+              <a:rPr lang="de-AT" dirty="0" smtClean="0">
+                <a:sym typeface="Wingdings" panose="05000000000000000000" pitchFamily="2" charset="2"/>
+              </a:rPr>
+              <a:t> </a:t>
+            </a:r>
+            <a:r>
+              <a:rPr lang="de-AT" dirty="0" err="1" smtClean="0">
+                <a:sym typeface="Wingdings" panose="05000000000000000000" pitchFamily="2" charset="2"/>
+              </a:rPr>
+              <a:t>the</a:t>
+            </a:r>
+            <a:r>
+              <a:rPr lang="de-AT" dirty="0" smtClean="0">
+                <a:sym typeface="Wingdings" panose="05000000000000000000" pitchFamily="2" charset="2"/>
+              </a:rPr>
+              <a:t> </a:t>
+            </a:r>
+            <a:r>
+              <a:rPr lang="de-AT" dirty="0" err="1" smtClean="0">
+                <a:sym typeface="Wingdings" panose="05000000000000000000" pitchFamily="2" charset="2"/>
+              </a:rPr>
+              <a:t>one</a:t>
+            </a:r>
+            <a:r>
+              <a:rPr lang="de-AT" dirty="0" smtClean="0">
+                <a:sym typeface="Wingdings" panose="05000000000000000000" pitchFamily="2" charset="2"/>
+              </a:rPr>
+              <a:t> </a:t>
+            </a:r>
+            <a:r>
+              <a:rPr lang="de-AT" dirty="0" err="1" smtClean="0">
+                <a:sym typeface="Wingdings" panose="05000000000000000000" pitchFamily="2" charset="2"/>
+              </a:rPr>
+              <a:t>that</a:t>
+            </a:r>
+            <a:r>
+              <a:rPr lang="de-AT" dirty="0" smtClean="0">
+                <a:sym typeface="Wingdings" panose="05000000000000000000" pitchFamily="2" charset="2"/>
+              </a:rPr>
+              <a:t> </a:t>
+            </a:r>
+            <a:r>
+              <a:rPr lang="de-AT" dirty="0" err="1" smtClean="0">
+                <a:sym typeface="Wingdings" panose="05000000000000000000" pitchFamily="2" charset="2"/>
+              </a:rPr>
+              <a:t>covers</a:t>
+            </a:r>
+            <a:r>
+              <a:rPr lang="de-AT" dirty="0" smtClean="0">
+                <a:sym typeface="Wingdings" panose="05000000000000000000" pitchFamily="2" charset="2"/>
+              </a:rPr>
+              <a:t> all </a:t>
+            </a:r>
+            <a:r>
+              <a:rPr lang="de-AT" dirty="0" err="1" smtClean="0">
+                <a:sym typeface="Wingdings" panose="05000000000000000000" pitchFamily="2" charset="2"/>
+              </a:rPr>
+              <a:t>cases</a:t>
+            </a:r>
+            <a:endParaRPr lang="de-AT" dirty="0"/>
+          </a:p>
+          <a:p>
+            <a:endParaRPr lang="de-AT" dirty="0"/>
+          </a:p>
+        </p:txBody>
+      </p:sp>
+    </p:spTree>
+    <p:extLst>
+      <p:ext uri="{BB962C8B-B14F-4D97-AF65-F5344CB8AC3E}">
+        <p14:creationId xmlns:p14="http://schemas.microsoft.com/office/powerpoint/2010/main" val="12854107"/>
+      </p:ext>
+    </p:extLst>
+  </p:cSld>
+  <p:clrMapOvr>
+    <a:masterClrMapping/>
+  </p:clrMapOvr>
+  <p:timing>
+    <p:tnLst>
+      <p:par>
+        <p:cTn id="1" dur="indefinite" restart="never" nodeType="tmRoot"/>
+      </p:par>
+    </p:tnLst>
+  </p:timing>
+</p:sld>
+</file>
+
+<file path=ppt/slides/slide40.xml><?xml version="1.0" encoding="utf-8"?>
+<p:sld xmlns:a="http://schemas.openxmlformats.org/drawingml/2006/main" xmlns:r="http://schemas.openxmlformats.org/officeDocument/2006/relationships" xmlns:p="http://schemas.openxmlformats.org/presentationml/2006/main">
+  <p:cSld>
+    <p:spTree>
+      <p:nvGrpSpPr>
+        <p:cNvPr id="1" name=""/>
+        <p:cNvGrpSpPr/>
+        <p:nvPr/>
+      </p:nvGrpSpPr>
+      <p:grpSpPr>
+        <a:xfrm>
+          <a:off x="0" y="0"/>
+          <a:ext cx="0" cy="0"/>
+          <a:chOff x="0" y="0"/>
+          <a:chExt cx="0" cy="0"/>
+        </a:xfrm>
+      </p:grpSpPr>
+      <p:sp>
+        <p:nvSpPr>
+          <p:cNvPr id="2" name="Titel 1"/>
+          <p:cNvSpPr>
+            <a:spLocks noGrp="1"/>
+          </p:cNvSpPr>
+          <p:nvPr>
+            <p:ph type="title"/>
+          </p:nvPr>
+        </p:nvSpPr>
+        <p:spPr/>
+        <p:txBody>
+          <a:bodyPr/>
+          <a:lstStyle/>
+          <a:p>
+            <a:r>
+              <a:rPr lang="de-AT" dirty="0" err="1" smtClean="0"/>
+              <a:t>Flattening</a:t>
+            </a:r>
+            <a:r>
+              <a:rPr lang="de-AT" dirty="0" smtClean="0"/>
+              <a:t>(1</a:t>
+            </a:r>
+            <a:r>
+              <a:rPr lang="de-AT" dirty="0"/>
+              <a:t>/3)</a:t>
+            </a:r>
+          </a:p>
+        </p:txBody>
+      </p:sp>
+      <p:sp>
+        <p:nvSpPr>
+          <p:cNvPr id="3" name="Inhaltsplatzhalter 2"/>
+          <p:cNvSpPr>
+            <a:spLocks noGrp="1"/>
+          </p:cNvSpPr>
+          <p:nvPr>
+            <p:ph sz="quarter" idx="1"/>
+          </p:nvPr>
+        </p:nvSpPr>
+        <p:spPr/>
+        <p:txBody>
+          <a:bodyPr/>
+          <a:lstStyle/>
+          <a:p>
+            <a:r>
               <a:rPr lang="de-AT" dirty="0" err="1" smtClean="0"/>
               <a:t>Ceiling</a:t>
             </a:r>
@@ -9604,32 +13282,48 @@
           <a:p>
             <a:pPr lvl="1"/>
             <a:r>
-              <a:rPr lang="de-AT" dirty="0" smtClean="0"/>
-              <a:t>nur </a:t>
-            </a:r>
-            <a:r>
-              <a:rPr lang="de-AT" dirty="0" err="1" smtClean="0"/>
-              <a:t>Superclasse</a:t>
+              <a:rPr lang="de-AT" dirty="0" err="1" smtClean="0"/>
+              <a:t>Only</a:t>
+            </a:r>
+            <a:r>
+              <a:rPr lang="de-AT" dirty="0" smtClean="0"/>
+              <a:t> super-</a:t>
+            </a:r>
+            <a:r>
+              <a:rPr lang="de-AT" dirty="0" err="1" smtClean="0"/>
+              <a:t>class</a:t>
             </a:r>
             <a:endParaRPr lang="de-AT" dirty="0" smtClean="0"/>
           </a:p>
           <a:p>
             <a:pPr lvl="1"/>
             <a:r>
-              <a:rPr lang="de-AT" dirty="0" smtClean="0"/>
-              <a:t>hat alle </a:t>
-            </a:r>
-            <a:r>
-              <a:rPr lang="de-AT" dirty="0" err="1" smtClean="0"/>
-              <a:t>Attrubute</a:t>
-            </a:r>
-            <a:r>
-              <a:rPr lang="de-AT" dirty="0" smtClean="0"/>
-              <a:t> von </a:t>
-            </a:r>
-            <a:r>
-              <a:rPr lang="de-AT" dirty="0" err="1" smtClean="0"/>
-              <a:t>Subclassen</a:t>
+              <a:rPr lang="de-AT" dirty="0" err="1" smtClean="0"/>
+              <a:t>Has</a:t>
+            </a:r>
+            <a:r>
+              <a:rPr lang="de-AT" dirty="0" smtClean="0"/>
+              <a:t> all </a:t>
+            </a:r>
+            <a:r>
+              <a:rPr lang="de-AT" dirty="0" err="1" smtClean="0"/>
+              <a:t>attributes</a:t>
+            </a:r>
+            <a:r>
+              <a:rPr lang="de-AT" dirty="0" smtClean="0"/>
+              <a:t> </a:t>
+            </a:r>
+            <a:r>
+              <a:rPr lang="de-AT" dirty="0" err="1" smtClean="0"/>
+              <a:t>of</a:t>
+            </a:r>
+            <a:r>
+              <a:rPr lang="de-AT" dirty="0" smtClean="0"/>
+              <a:t> sub-</a:t>
+            </a:r>
+            <a:r>
+              <a:rPr lang="de-AT" dirty="0" err="1" smtClean="0"/>
+              <a:t>classes</a:t>
             </a:r>
             <a:endParaRPr lang="de-AT" dirty="0" smtClean="0"/>
           </a:p>
@@ -9648,12 +13342,16 @@
               <a:t> </a:t>
             </a:r>
             <a:r>
-              <a:rPr lang="de-AT" dirty="0"/>
-              <a:t>oder</a:t>
-            </a:r>
-            <a:r>
-              <a:rPr lang="de-AT" dirty="0" smtClean="0"/>
-              <a:t> partiale Generalisierung</a:t>
+              <a:rPr lang="de-AT" dirty="0" err="1" smtClean="0"/>
+              <a:t>or</a:t>
+            </a:r>
+            <a:r>
+              <a:rPr lang="de-AT" dirty="0" smtClean="0"/>
+              <a:t> partial </a:t>
+            </a:r>
+            <a:r>
+              <a:rPr lang="de-AT" dirty="0" err="1" smtClean="0"/>
+              <a:t>generalization</a:t>
             </a:r>
             <a:endParaRPr lang="de-AT" dirty="0" smtClean="0"/>
           </a:p>
@@ -9747,7 +13445,7 @@
 </p:sld>
 </file>
 
-<file path=ppt/slides/slide26.xml><?xml version="1.0" encoding="utf-8"?>
+<file path=ppt/slides/slide41.xml><?xml version="1.0" encoding="utf-8"?>
 <p:sld xmlns:a="http://schemas.openxmlformats.org/drawingml/2006/main" xmlns:r="http://schemas.openxmlformats.org/officeDocument/2006/relationships" xmlns:p="http://schemas.openxmlformats.org/presentationml/2006/main">
   <p:cSld>
     <p:spTree>
@@ -9818,24 +13516,56 @@
           <a:p>
             <a:pPr lvl="1"/>
             <a:r>
-              <a:rPr lang="de-AT" dirty="0" smtClean="0"/>
-              <a:t>nur Klassen die Blätter im </a:t>
-            </a:r>
-            <a:r>
-              <a:rPr lang="de-AT" dirty="0" err="1"/>
-              <a:t>g</a:t>
-            </a:r>
-            <a:r>
-              <a:rPr lang="de-AT" dirty="0" err="1" smtClean="0"/>
-              <a:t>eneralization</a:t>
-            </a:r>
-            <a:r>
-              <a:rPr lang="de-AT" dirty="0" smtClean="0"/>
-              <a:t> </a:t>
-            </a:r>
-            <a:r>
-              <a:rPr lang="de-AT" dirty="0" err="1" smtClean="0"/>
-              <a:t>hirarchy</a:t>
+              <a:rPr lang="de-AT" dirty="0" err="1" smtClean="0"/>
+              <a:t>Only</a:t>
+            </a:r>
+            <a:r>
+              <a:rPr lang="de-AT" dirty="0" smtClean="0"/>
+              <a:t> </a:t>
+            </a:r>
+            <a:r>
+              <a:rPr lang="de-AT" dirty="0" err="1" smtClean="0"/>
+              <a:t>classes</a:t>
+            </a:r>
+            <a:r>
+              <a:rPr lang="de-AT" dirty="0"/>
+              <a:t> </a:t>
+            </a:r>
+            <a:r>
+              <a:rPr lang="de-AT" dirty="0" err="1" smtClean="0"/>
+              <a:t>which</a:t>
+            </a:r>
+            <a:r>
+              <a:rPr lang="de-AT" dirty="0" smtClean="0"/>
+              <a:t> </a:t>
+            </a:r>
+            <a:r>
+              <a:rPr lang="de-AT" dirty="0" err="1" smtClean="0"/>
+              <a:t>are</a:t>
+            </a:r>
+            <a:r>
+              <a:rPr lang="de-AT" dirty="0" smtClean="0"/>
+              <a:t> </a:t>
+            </a:r>
+            <a:r>
+              <a:rPr lang="de-AT" dirty="0" err="1" smtClean="0"/>
+              <a:t>leaves</a:t>
+            </a:r>
+            <a:r>
+              <a:rPr lang="de-AT" dirty="0" smtClean="0"/>
+              <a:t> in </a:t>
+            </a:r>
+            <a:r>
+              <a:rPr lang="de-AT" dirty="0" err="1" smtClean="0"/>
+              <a:t>generalization</a:t>
+            </a:r>
+            <a:r>
+              <a:rPr lang="de-AT" dirty="0" smtClean="0"/>
+              <a:t> </a:t>
+            </a:r>
+            <a:r>
+              <a:rPr lang="de-AT" dirty="0" err="1" smtClean="0"/>
+              <a:t>hierarchy</a:t>
             </a:r>
             <a:r>
               <a:rPr lang="de-AT" dirty="0" smtClean="0"/>
@@ -9845,28 +13575,33 @@
               <a:rPr lang="de-AT" dirty="0" err="1" smtClean="0"/>
               <a:t>tree</a:t>
             </a:r>
-            <a:r>
-              <a:rPr lang="de-AT" dirty="0" smtClean="0"/>
-              <a:t> </a:t>
-            </a:r>
-            <a:r>
-              <a:rPr lang="de-AT" dirty="0" smtClean="0"/>
-              <a:t>sind</a:t>
-            </a:r>
+            <a:endParaRPr lang="de-AT" dirty="0" smtClean="0"/>
           </a:p>
           <a:p>
             <a:pPr lvl="1"/>
             <a:r>
-              <a:rPr lang="de-AT" dirty="0"/>
-              <a:t>t</a:t>
-            </a:r>
-            <a:r>
-              <a:rPr lang="de-AT" dirty="0" smtClean="0"/>
-              <a:t>otaler oder exklusiver </a:t>
-            </a:r>
-            <a:r>
-              <a:rPr lang="de-AT" dirty="0" err="1" smtClean="0"/>
-              <a:t>Generaliseirung</a:t>
+              <a:rPr lang="de-AT" dirty="0" smtClean="0"/>
+              <a:t>Total </a:t>
+            </a:r>
+            <a:r>
+              <a:rPr lang="de-AT" dirty="0" err="1" smtClean="0"/>
+              <a:t>or</a:t>
+            </a:r>
+            <a:r>
+              <a:rPr lang="de-AT" dirty="0" smtClean="0"/>
+              <a:t> </a:t>
+            </a:r>
+            <a:r>
+              <a:rPr lang="de-AT" dirty="0" err="1" smtClean="0"/>
+              <a:t>exclusive</a:t>
+            </a:r>
+            <a:r>
+              <a:rPr lang="de-AT" dirty="0" smtClean="0"/>
+              <a:t> </a:t>
+            </a:r>
+            <a:r>
+              <a:rPr lang="de-AT" dirty="0" err="1" smtClean="0"/>
+              <a:t>generalization</a:t>
             </a:r>
             <a:endParaRPr lang="de-AT" dirty="0"/>
           </a:p>
@@ -9946,7 +13681,7 @@
 </p:sld>
 </file>
 
-<file path=ppt/slides/slide27.xml><?xml version="1.0" encoding="utf-8"?>
+<file path=ppt/slides/slide42.xml><?xml version="1.0" encoding="utf-8"?>
 <p:sld xmlns:a="http://schemas.openxmlformats.org/drawingml/2006/main" xmlns:r="http://schemas.openxmlformats.org/officeDocument/2006/relationships" xmlns:p="http://schemas.openxmlformats.org/presentationml/2006/main">
   <p:cSld>
     <p:spTree>
@@ -10207,7 +13942,7 @@
 </p:sld>
 </file>
 
-<file path=ppt/slides/slide28.xml><?xml version="1.0" encoding="utf-8"?>
+<file path=ppt/slides/slide43.xml><?xml version="1.0" encoding="utf-8"?>
 <p:sld xmlns:a="http://schemas.openxmlformats.org/drawingml/2006/main" xmlns:r="http://schemas.openxmlformats.org/officeDocument/2006/relationships" xmlns:p="http://schemas.openxmlformats.org/presentationml/2006/main">
   <p:cSld>
     <p:spTree>
@@ -10928,7 +14663,7 @@
 </p:sld>
 </file>
 
-<file path=ppt/slides/slide29.xml><?xml version="1.0" encoding="utf-8"?>
+<file path=ppt/slides/slide44.xml><?xml version="1.0" encoding="utf-8"?>
 <p:sld xmlns:a="http://schemas.openxmlformats.org/drawingml/2006/main" xmlns:r="http://schemas.openxmlformats.org/officeDocument/2006/relationships" xmlns:p="http://schemas.openxmlformats.org/presentationml/2006/main">
   <p:cSld>
     <p:spTree>
@@ -11041,356 +14776,7 @@
 </p:sld>
 </file>
 
-<file path=ppt/slides/slide3.xml><?xml version="1.0" encoding="utf-8"?>
-<p:sld xmlns:a="http://schemas.openxmlformats.org/drawingml/2006/main" xmlns:r="http://schemas.openxmlformats.org/officeDocument/2006/relationships" xmlns:p="http://schemas.openxmlformats.org/presentationml/2006/main">
-  <p:cSld>
-    <p:spTree>
-      <p:nvGrpSpPr>
-        <p:cNvPr id="1" name=""/>
-        <p:cNvGrpSpPr/>
-        <p:nvPr/>
-      </p:nvGrpSpPr>
-      <p:grpSpPr>
-        <a:xfrm>
-          <a:off x="0" y="0"/>
-          <a:ext cx="0" cy="0"/>
-          <a:chOff x="0" y="0"/>
-          <a:chExt cx="0" cy="0"/>
-        </a:xfrm>
-      </p:grpSpPr>
-      <p:sp>
-        <p:nvSpPr>
-          <p:cNvPr id="2" name="Titel 1"/>
-          <p:cNvSpPr>
-            <a:spLocks noGrp="1"/>
-          </p:cNvSpPr>
-          <p:nvPr>
-            <p:ph type="title"/>
-          </p:nvPr>
-        </p:nvSpPr>
-        <p:spPr/>
-        <p:txBody>
-          <a:bodyPr/>
-          <a:lstStyle/>
-          <a:p>
-            <a:r>
-              <a:rPr lang="de-AT" dirty="0" err="1" smtClean="0"/>
-              <a:t>Exercise</a:t>
-            </a:r>
-            <a:r>
-              <a:rPr lang="de-AT" dirty="0" smtClean="0"/>
-              <a:t> 1 - </a:t>
-            </a:r>
-            <a:r>
-              <a:rPr lang="de-AT" dirty="0" err="1" smtClean="0"/>
-              <a:t>Conflicts</a:t>
-            </a:r>
-            <a:endParaRPr lang="de-AT" dirty="0"/>
-          </a:p>
-        </p:txBody>
-      </p:sp>
-      <p:sp>
-        <p:nvSpPr>
-          <p:cNvPr id="3" name="Inhaltsplatzhalter 2"/>
-          <p:cNvSpPr>
-            <a:spLocks noGrp="1"/>
-          </p:cNvSpPr>
-          <p:nvPr>
-            <p:ph sz="quarter" idx="1"/>
-          </p:nvPr>
-        </p:nvSpPr>
-        <p:spPr/>
-        <p:txBody>
-          <a:bodyPr>
-            <a:normAutofit lnSpcReduction="10000"/>
-          </a:bodyPr>
-          <a:lstStyle/>
-          <a:p>
-            <a:r>
-              <a:rPr lang="de-AT" dirty="0" err="1" smtClean="0"/>
-              <a:t>Naming</a:t>
-            </a:r>
-            <a:r>
-              <a:rPr lang="de-AT" dirty="0" smtClean="0"/>
-              <a:t> </a:t>
-            </a:r>
-            <a:r>
-              <a:rPr lang="de-AT" dirty="0" err="1" smtClean="0"/>
-              <a:t>conflicts</a:t>
-            </a:r>
-            <a:endParaRPr lang="de-AT" dirty="0" smtClean="0"/>
-          </a:p>
-          <a:p>
-            <a:pPr lvl="1"/>
-            <a:r>
-              <a:rPr lang="de-AT" dirty="0" err="1" smtClean="0"/>
-              <a:t>homonyms</a:t>
-            </a:r>
-            <a:r>
-              <a:rPr lang="de-AT" dirty="0" smtClean="0"/>
-              <a:t>: </a:t>
-            </a:r>
-            <a:r>
-              <a:rPr lang="de-AT" dirty="0" err="1" smtClean="0"/>
-              <a:t>one</a:t>
-            </a:r>
-            <a:r>
-              <a:rPr lang="de-AT" dirty="0" smtClean="0"/>
-              <a:t> </a:t>
-            </a:r>
-            <a:r>
-              <a:rPr lang="de-AT" dirty="0" err="1" smtClean="0"/>
-              <a:t>word</a:t>
-            </a:r>
-            <a:r>
-              <a:rPr lang="de-AT" dirty="0" smtClean="0"/>
-              <a:t>, different </a:t>
-            </a:r>
-            <a:r>
-              <a:rPr lang="de-AT" dirty="0" err="1" smtClean="0"/>
-              <a:t>meaning</a:t>
-            </a:r>
-            <a:endParaRPr lang="de-AT" dirty="0" smtClean="0"/>
-          </a:p>
-          <a:p>
-            <a:pPr lvl="1"/>
-            <a:r>
-              <a:rPr lang="de-AT" dirty="0" err="1" smtClean="0"/>
-              <a:t>synonyms</a:t>
-            </a:r>
-            <a:r>
-              <a:rPr lang="de-AT" dirty="0" smtClean="0"/>
-              <a:t>: different </a:t>
-            </a:r>
-            <a:r>
-              <a:rPr lang="de-AT" dirty="0" err="1" smtClean="0"/>
-              <a:t>words</a:t>
-            </a:r>
-            <a:r>
-              <a:rPr lang="de-AT" dirty="0" smtClean="0"/>
-              <a:t>, same </a:t>
-            </a:r>
-            <a:r>
-              <a:rPr lang="de-AT" dirty="0" err="1" smtClean="0"/>
-              <a:t>meaning</a:t>
-            </a:r>
-            <a:endParaRPr lang="de-AT" dirty="0" smtClean="0"/>
-          </a:p>
-          <a:p>
-            <a:pPr lvl="1"/>
-            <a:r>
-              <a:rPr lang="de-AT" dirty="0" err="1" smtClean="0"/>
-              <a:t>Similarity</a:t>
-            </a:r>
-            <a:r>
-              <a:rPr lang="de-AT" dirty="0" smtClean="0"/>
-              <a:t>: different </a:t>
-            </a:r>
-            <a:r>
-              <a:rPr lang="de-AT" dirty="0" err="1" smtClean="0"/>
-              <a:t>names</a:t>
-            </a:r>
-            <a:r>
-              <a:rPr lang="de-AT" dirty="0" smtClean="0"/>
-              <a:t>, same </a:t>
-            </a:r>
-            <a:r>
-              <a:rPr lang="de-AT" dirty="0" err="1" smtClean="0"/>
-              <a:t>neighbours</a:t>
-            </a:r>
-            <a:r>
-              <a:rPr lang="de-AT" dirty="0"/>
-              <a:t>/</a:t>
-            </a:r>
-            <a:r>
-              <a:rPr lang="de-AT" dirty="0" err="1" smtClean="0"/>
-              <a:t>constraints</a:t>
-            </a:r>
-            <a:endParaRPr lang="de-AT" dirty="0" smtClean="0"/>
-          </a:p>
-          <a:p>
-            <a:pPr lvl="1"/>
-            <a:r>
-              <a:rPr lang="de-AT" dirty="0" err="1" smtClean="0"/>
-              <a:t>Mismatch</a:t>
-            </a:r>
-            <a:r>
-              <a:rPr lang="de-AT" dirty="0" smtClean="0"/>
-              <a:t>: same </a:t>
-            </a:r>
-            <a:r>
-              <a:rPr lang="de-AT" dirty="0" err="1" smtClean="0"/>
-              <a:t>name</a:t>
-            </a:r>
-            <a:r>
-              <a:rPr lang="de-AT" dirty="0" smtClean="0"/>
-              <a:t>, different </a:t>
-            </a:r>
-            <a:r>
-              <a:rPr lang="de-AT" dirty="0" err="1" smtClean="0"/>
-              <a:t>neighbours</a:t>
-            </a:r>
-            <a:r>
-              <a:rPr lang="de-AT" dirty="0" smtClean="0"/>
-              <a:t> /</a:t>
-            </a:r>
-            <a:r>
-              <a:rPr lang="de-AT" dirty="0" err="1" smtClean="0"/>
-              <a:t>constraints</a:t>
-            </a:r>
-            <a:endParaRPr lang="de-AT" dirty="0" smtClean="0"/>
-          </a:p>
-          <a:p>
-            <a:r>
-              <a:rPr lang="de-AT" dirty="0" err="1" smtClean="0"/>
-              <a:t>Structural</a:t>
-            </a:r>
-            <a:r>
-              <a:rPr lang="de-AT" dirty="0" smtClean="0"/>
-              <a:t> </a:t>
-            </a:r>
-            <a:r>
-              <a:rPr lang="de-AT" dirty="0" err="1" smtClean="0"/>
-              <a:t>conflicts</a:t>
-            </a:r>
-            <a:endParaRPr lang="de-AT" dirty="0"/>
-          </a:p>
-          <a:p>
-            <a:pPr lvl="1"/>
-            <a:r>
-              <a:rPr lang="de-AT" dirty="0" err="1" smtClean="0"/>
-              <a:t>Identical</a:t>
-            </a:r>
-            <a:r>
-              <a:rPr lang="de-AT" dirty="0" smtClean="0"/>
-              <a:t> </a:t>
-            </a:r>
-            <a:r>
-              <a:rPr lang="de-AT" dirty="0" err="1" smtClean="0"/>
-              <a:t>concepts</a:t>
-            </a:r>
-            <a:r>
-              <a:rPr lang="de-AT" dirty="0" smtClean="0"/>
-              <a:t>: same </a:t>
-            </a:r>
-            <a:r>
-              <a:rPr lang="de-AT" dirty="0" err="1" smtClean="0"/>
-              <a:t>structure</a:t>
-            </a:r>
-            <a:r>
-              <a:rPr lang="de-AT" dirty="0" smtClean="0"/>
-              <a:t> </a:t>
-            </a:r>
-            <a:r>
-              <a:rPr lang="de-AT" dirty="0" err="1" smtClean="0"/>
-              <a:t>and</a:t>
-            </a:r>
-            <a:r>
-              <a:rPr lang="de-AT" dirty="0" smtClean="0"/>
-              <a:t> </a:t>
-            </a:r>
-            <a:r>
-              <a:rPr lang="de-AT" dirty="0" err="1" smtClean="0"/>
-              <a:t>neighbours</a:t>
-            </a:r>
-            <a:endParaRPr lang="de-AT" dirty="0" smtClean="0"/>
-          </a:p>
-          <a:p>
-            <a:pPr lvl="1"/>
-            <a:r>
-              <a:rPr lang="de-AT" dirty="0" err="1" smtClean="0"/>
-              <a:t>Compatible</a:t>
-            </a:r>
-            <a:r>
-              <a:rPr lang="de-AT" dirty="0" smtClean="0"/>
-              <a:t> </a:t>
-            </a:r>
-            <a:r>
-              <a:rPr lang="de-AT" dirty="0" err="1" smtClean="0"/>
-              <a:t>concepts</a:t>
-            </a:r>
-            <a:r>
-              <a:rPr lang="de-AT" dirty="0" smtClean="0"/>
-              <a:t>: different </a:t>
-            </a:r>
-            <a:r>
-              <a:rPr lang="de-AT" dirty="0" err="1" smtClean="0"/>
-              <a:t>structure</a:t>
-            </a:r>
-            <a:r>
-              <a:rPr lang="de-AT" dirty="0" smtClean="0"/>
-              <a:t> /</a:t>
-            </a:r>
-            <a:r>
-              <a:rPr lang="de-AT" dirty="0" err="1" smtClean="0"/>
-              <a:t>neighbours</a:t>
-            </a:r>
-            <a:r>
-              <a:rPr lang="de-AT" dirty="0" smtClean="0"/>
-              <a:t>, but </a:t>
-            </a:r>
-            <a:r>
-              <a:rPr lang="de-AT" dirty="0" err="1" smtClean="0"/>
-              <a:t>no</a:t>
-            </a:r>
-            <a:r>
-              <a:rPr lang="de-AT" dirty="0" smtClean="0"/>
-              <a:t> </a:t>
-            </a:r>
-            <a:r>
-              <a:rPr lang="de-AT" dirty="0" err="1" smtClean="0"/>
-              <a:t>contradiction</a:t>
-            </a:r>
-            <a:endParaRPr lang="de-AT" dirty="0" smtClean="0"/>
-          </a:p>
-          <a:p>
-            <a:pPr lvl="1"/>
-            <a:r>
-              <a:rPr lang="de-AT" dirty="0" err="1" smtClean="0"/>
-              <a:t>Incompatible</a:t>
-            </a:r>
-            <a:r>
-              <a:rPr lang="de-AT" dirty="0" smtClean="0"/>
-              <a:t> </a:t>
-            </a:r>
-            <a:r>
-              <a:rPr lang="de-AT" dirty="0" err="1" smtClean="0"/>
-              <a:t>concepts</a:t>
-            </a:r>
-            <a:r>
-              <a:rPr lang="de-AT" dirty="0" smtClean="0"/>
-              <a:t>: </a:t>
-            </a:r>
-            <a:r>
-              <a:rPr lang="de-AT" dirty="0" err="1" smtClean="0"/>
-              <a:t>structural</a:t>
-            </a:r>
-            <a:r>
-              <a:rPr lang="de-AT" dirty="0" smtClean="0"/>
-              <a:t> </a:t>
-            </a:r>
-            <a:r>
-              <a:rPr lang="de-AT" dirty="0" err="1" smtClean="0"/>
-              <a:t>contradiction</a:t>
-            </a:r>
-            <a:endParaRPr lang="de-AT" dirty="0"/>
-          </a:p>
-        </p:txBody>
-      </p:sp>
-    </p:spTree>
-    <p:extLst>
-      <p:ext uri="{BB962C8B-B14F-4D97-AF65-F5344CB8AC3E}">
-        <p14:creationId xmlns:p14="http://schemas.microsoft.com/office/powerpoint/2010/main" val="180451916"/>
-      </p:ext>
-    </p:extLst>
-  </p:cSld>
-  <p:clrMapOvr>
-    <a:masterClrMapping/>
-  </p:clrMapOvr>
-</p:sld>
-</file>
-
-<file path=ppt/slides/slide30.xml><?xml version="1.0" encoding="utf-8"?>
+<file path=ppt/slides/slide45.xml><?xml version="1.0" encoding="utf-8"?>
 <p:sld xmlns:a="http://schemas.openxmlformats.org/drawingml/2006/main" xmlns:r="http://schemas.openxmlformats.org/officeDocument/2006/relationships" xmlns:p="http://schemas.openxmlformats.org/presentationml/2006/main">
   <p:cSld>
     <p:spTree>
@@ -11505,7 +14891,7 @@
 </p:sld>
 </file>
 
-<file path=ppt/slides/slide31.xml><?xml version="1.0" encoding="utf-8"?>
+<file path=ppt/slides/slide46.xml><?xml version="1.0" encoding="utf-8"?>
 <p:sld xmlns:a="http://schemas.openxmlformats.org/drawingml/2006/main" xmlns:r="http://schemas.openxmlformats.org/officeDocument/2006/relationships" xmlns:p="http://schemas.openxmlformats.org/presentationml/2006/main">
   <p:cSld>
     <p:spTree>
@@ -11623,7 +15009,7 @@
 </p:sld>
 </file>
 
-<file path=ppt/slides/slide32.xml><?xml version="1.0" encoding="utf-8"?>
+<file path=ppt/slides/slide47.xml><?xml version="1.0" encoding="utf-8"?>
 <p:sld xmlns:a="http://schemas.openxmlformats.org/drawingml/2006/main" xmlns:r="http://schemas.openxmlformats.org/officeDocument/2006/relationships" xmlns:p="http://schemas.openxmlformats.org/presentationml/2006/main">
   <p:cSld>
     <p:spTree>
@@ -11750,7 +15136,7 @@
 </p:sld>
 </file>
 
-<file path=ppt/slides/slide33.xml><?xml version="1.0" encoding="utf-8"?>
+<file path=ppt/slides/slide48.xml><?xml version="1.0" encoding="utf-8"?>
 <p:sld xmlns:a="http://schemas.openxmlformats.org/drawingml/2006/main" xmlns:r="http://schemas.openxmlformats.org/officeDocument/2006/relationships" xmlns:p="http://schemas.openxmlformats.org/presentationml/2006/main">
   <p:cSld>
     <p:spTree>
@@ -11915,7 +15301,7 @@
 </p:sld>
 </file>
 
-<file path=ppt/slides/slide34.xml><?xml version="1.0" encoding="utf-8"?>
+<file path=ppt/slides/slide49.xml><?xml version="1.0" encoding="utf-8"?>
 <p:sld xmlns:a="http://schemas.openxmlformats.org/drawingml/2006/main" xmlns:r="http://schemas.openxmlformats.org/officeDocument/2006/relationships" xmlns:p="http://schemas.openxmlformats.org/presentationml/2006/main">
   <p:cSld>
     <p:spTree>
@@ -12164,7 +15550,7 @@
 </p:sld>
 </file>
 
-<file path=ppt/slides/slide4.xml><?xml version="1.0" encoding="utf-8"?>
+<file path=ppt/slides/slide5.xml><?xml version="1.0" encoding="utf-8"?>
 <p:sld xmlns:a="http://schemas.openxmlformats.org/drawingml/2006/main" xmlns:r="http://schemas.openxmlformats.org/officeDocument/2006/relationships" xmlns:p="http://schemas.openxmlformats.org/presentationml/2006/main">
   <p:cSld>
     <p:spTree>
@@ -12216,10 +15602,6 @@
               <a:rPr lang="de-AT" dirty="0" err="1" smtClean="0"/>
               <a:t>Conflicts</a:t>
             </a:r>
-            <a:r>
-              <a:rPr lang="de-AT" dirty="0" smtClean="0"/>
-              <a:t> 1</a:t>
-            </a:r>
             <a:endParaRPr lang="de-AT" dirty="0"/>
           </a:p>
         </p:txBody>
@@ -12235,7 +15617,7 @@
           </p:nvPr>
         </p:nvPicPr>
         <p:blipFill>
-          <a:blip r:embed="rId2">
+          <a:blip r:embed="rId3">
             <a:extLst>
               <a:ext uri="{28A0092B-C50C-407E-A947-70E740481C1C}">
                 <a14:useLocalDpi xmlns:a14="http://schemas.microsoft.com/office/drawing/2010/main" val="0"/>
@@ -12263,122 +15645,13 @@
   <p:clrMapOvr>
     <a:masterClrMapping/>
   </p:clrMapOvr>
-</p:sld>
-</file>
-
-<file path=ppt/slides/slide5.xml><?xml version="1.0" encoding="utf-8"?>
-<p:sld xmlns:a="http://schemas.openxmlformats.org/drawingml/2006/main" xmlns:r="http://schemas.openxmlformats.org/officeDocument/2006/relationships" xmlns:p="http://schemas.openxmlformats.org/presentationml/2006/main">
-  <p:cSld>
-    <p:spTree>
-      <p:nvGrpSpPr>
-        <p:cNvPr id="1" name=""/>
-        <p:cNvGrpSpPr/>
-        <p:nvPr/>
-      </p:nvGrpSpPr>
-      <p:grpSpPr>
-        <a:xfrm>
-          <a:off x="0" y="0"/>
-          <a:ext cx="0" cy="0"/>
-          <a:chOff x="0" y="0"/>
-          <a:chExt cx="0" cy="0"/>
-        </a:xfrm>
-      </p:grpSpPr>
-      <p:sp>
-        <p:nvSpPr>
-          <p:cNvPr id="2" name="Titel 1"/>
-          <p:cNvSpPr>
-            <a:spLocks noGrp="1"/>
-          </p:cNvSpPr>
-          <p:nvPr>
-            <p:ph type="title"/>
-          </p:nvPr>
-        </p:nvSpPr>
-        <p:spPr/>
-        <p:txBody>
-          <a:bodyPr/>
-          <a:lstStyle/>
-          <a:p>
-            <a:r>
-              <a:rPr lang="de-AT" dirty="0" err="1" smtClean="0"/>
-              <a:t>Exercise</a:t>
-            </a:r>
-            <a:r>
-              <a:rPr lang="de-AT" dirty="0" smtClean="0"/>
-              <a:t> 1 – </a:t>
-            </a:r>
-            <a:r>
-              <a:rPr lang="de-AT" dirty="0" err="1" smtClean="0"/>
-              <a:t>Identify</a:t>
-            </a:r>
-            <a:r>
-              <a:rPr lang="de-AT" dirty="0" smtClean="0"/>
-              <a:t> </a:t>
-            </a:r>
-            <a:r>
-              <a:rPr lang="de-AT" dirty="0" err="1" smtClean="0"/>
-              <a:t>Conflicts</a:t>
-            </a:r>
-            <a:r>
-              <a:rPr lang="de-AT" dirty="0" smtClean="0"/>
-              <a:t> 2</a:t>
-            </a:r>
-            <a:endParaRPr lang="de-AT" dirty="0"/>
-          </a:p>
-        </p:txBody>
-      </p:sp>
-      <p:pic>
-        <p:nvPicPr>
-          <p:cNvPr id="1026" name="Picture 2" descr="F:\Daten\Universitaet\6. Semester\Datenbanktechnologie\UE\Assignment_4\Exercise_1_full_picture_painted.png"/>
-          <p:cNvPicPr>
-            <a:picLocks noGrp="1" noChangeAspect="1" noChangeArrowheads="1"/>
-          </p:cNvPicPr>
-          <p:nvPr>
-            <p:ph sz="quarter" idx="1"/>
-          </p:nvPr>
-        </p:nvPicPr>
-        <p:blipFill>
-          <a:blip r:embed="rId2">
-            <a:extLst>
-              <a:ext uri="{28A0092B-C50C-407E-A947-70E740481C1C}">
-                <a14:useLocalDpi xmlns:a14="http://schemas.microsoft.com/office/drawing/2010/main" val="0"/>
-              </a:ext>
-            </a:extLst>
-          </a:blip>
-          <a:srcRect/>
-          <a:stretch>
-            <a:fillRect/>
-          </a:stretch>
-        </p:blipFill>
-        <p:spPr bwMode="auto">
-          <a:xfrm>
-            <a:off x="138466" y="1484784"/>
-            <a:ext cx="8993356" cy="5112568"/>
-          </a:xfrm>
-          <a:prstGeom prst="rect">
-            <a:avLst/>
-          </a:prstGeom>
-          <a:noFill/>
-          <a:extLst>
-            <a:ext uri="{909E8E84-426E-40DD-AFC4-6F175D3DCCD1}">
-              <a14:hiddenFill xmlns:a14="http://schemas.microsoft.com/office/drawing/2010/main">
-                <a:solidFill>
-                  <a:srgbClr val="FFFFFF"/>
-                </a:solidFill>
-              </a14:hiddenFill>
-            </a:ext>
-          </a:extLst>
-        </p:spPr>
-      </p:pic>
-    </p:spTree>
-    <p:extLst>
-      <p:ext uri="{BB962C8B-B14F-4D97-AF65-F5344CB8AC3E}">
-        <p14:creationId xmlns:p14="http://schemas.microsoft.com/office/powerpoint/2010/main" val="4233051216"/>
-      </p:ext>
-    </p:extLst>
-  </p:cSld>
-  <p:clrMapOvr>
-    <a:masterClrMapping/>
-  </p:clrMapOvr>
+  <p:timing>
+    <p:tnLst>
+      <p:par>
+        <p:cTn id="1" dur="indefinite" restart="never" nodeType="tmRoot"/>
+      </p:par>
+    </p:tnLst>
+  </p:timing>
 </p:sld>
 </file>
 
@@ -12415,182 +15688,83 @@
           <a:lstStyle/>
           <a:p>
             <a:r>
-              <a:rPr lang="en-US" dirty="0" smtClean="0"/>
-              <a:t>Example 1 – Identify Conflicts 3</a:t>
+              <a:rPr lang="de-AT" dirty="0" err="1"/>
+              <a:t>Exercise</a:t>
+            </a:r>
+            <a:r>
+              <a:rPr lang="de-AT" dirty="0"/>
+              <a:t> 1 – </a:t>
+            </a:r>
+            <a:r>
+              <a:rPr lang="de-AT" dirty="0" err="1"/>
+              <a:t>Identify</a:t>
+            </a:r>
+            <a:r>
+              <a:rPr lang="de-AT" dirty="0"/>
+              <a:t> </a:t>
+            </a:r>
+            <a:r>
+              <a:rPr lang="de-AT" dirty="0" err="1"/>
+              <a:t>Conflicts</a:t>
+            </a:r>
+            <a:r>
+              <a:rPr lang="de-AT" dirty="0"/>
+              <a:t> </a:t>
+            </a:r>
+            <a:r>
+              <a:rPr lang="de-AT" dirty="0" smtClean="0"/>
+              <a:t>1a</a:t>
             </a:r>
             <a:endParaRPr lang="de-AT" dirty="0"/>
           </a:p>
         </p:txBody>
       </p:sp>
-      <p:sp>
-        <p:nvSpPr>
-          <p:cNvPr id="3" name="Inhaltsplatzhalter 2"/>
-          <p:cNvSpPr>
-            <a:spLocks noGrp="1"/>
-          </p:cNvSpPr>
+      <p:pic>
+        <p:nvPicPr>
+          <p:cNvPr id="4" name="Inhaltsplatzhalter 3"/>
+          <p:cNvPicPr>
+            <a:picLocks noGrp="1" noChangeAspect="1"/>
+          </p:cNvPicPr>
           <p:nvPr>
             <p:ph sz="quarter" idx="1"/>
           </p:nvPr>
-        </p:nvSpPr>
-        <p:spPr/>
-        <p:txBody>
-          <a:bodyPr>
-            <a:normAutofit/>
-          </a:bodyPr>
-          <a:lstStyle/>
-          <a:p>
-            <a:r>
-              <a:rPr lang="de-AT" dirty="0" smtClean="0"/>
-              <a:t>Stadium – Stadium: (</a:t>
-            </a:r>
-            <a:r>
-              <a:rPr lang="de-AT" dirty="0" err="1" smtClean="0"/>
-              <a:t>Mismatch</a:t>
-            </a:r>
-            <a:r>
-              <a:rPr lang="de-AT" dirty="0" smtClean="0"/>
-              <a:t>, </a:t>
-            </a:r>
-            <a:r>
-              <a:rPr lang="de-AT" dirty="0" err="1" smtClean="0"/>
-              <a:t>Compatible</a:t>
-            </a:r>
-            <a:r>
-              <a:rPr lang="de-AT" dirty="0" smtClean="0"/>
-              <a:t> </a:t>
-            </a:r>
-            <a:r>
-              <a:rPr lang="de-AT" dirty="0" err="1" smtClean="0"/>
-              <a:t>Concepts</a:t>
-            </a:r>
-            <a:r>
-              <a:rPr lang="de-AT" dirty="0" smtClean="0"/>
-              <a:t>)</a:t>
-            </a:r>
-          </a:p>
-          <a:p>
-            <a:r>
-              <a:rPr lang="de-AT" dirty="0" err="1" smtClean="0"/>
-              <a:t>Injury</a:t>
-            </a:r>
-            <a:r>
-              <a:rPr lang="de-AT" dirty="0" smtClean="0"/>
-              <a:t> &amp; MT – </a:t>
-            </a:r>
-            <a:r>
-              <a:rPr lang="de-AT" dirty="0" err="1" smtClean="0"/>
-              <a:t>Injury</a:t>
-            </a:r>
-            <a:r>
-              <a:rPr lang="de-AT" dirty="0" smtClean="0"/>
-              <a:t> &amp; MT: (Synonym, </a:t>
-            </a:r>
-            <a:r>
-              <a:rPr lang="de-AT" dirty="0" err="1" smtClean="0"/>
-              <a:t>Identical</a:t>
-            </a:r>
-            <a:r>
-              <a:rPr lang="de-AT" dirty="0" smtClean="0"/>
-              <a:t> </a:t>
-            </a:r>
-            <a:r>
-              <a:rPr lang="de-AT" dirty="0" err="1" smtClean="0"/>
-              <a:t>Concepts</a:t>
-            </a:r>
-            <a:r>
-              <a:rPr lang="de-AT" dirty="0" smtClean="0"/>
-              <a:t>)</a:t>
-            </a:r>
-          </a:p>
-          <a:p>
-            <a:r>
-              <a:rPr lang="de-AT" dirty="0" smtClean="0"/>
-              <a:t>Game, Event, </a:t>
-            </a:r>
-            <a:r>
-              <a:rPr lang="de-AT" dirty="0" err="1" smtClean="0"/>
-              <a:t>Injury</a:t>
-            </a:r>
-            <a:r>
-              <a:rPr lang="de-AT" dirty="0" smtClean="0"/>
-              <a:t>, Player – </a:t>
-            </a:r>
-            <a:r>
-              <a:rPr lang="de-AT" dirty="0" err="1" smtClean="0"/>
-              <a:t>Injury</a:t>
-            </a:r>
-            <a:r>
-              <a:rPr lang="de-AT" dirty="0" smtClean="0"/>
-              <a:t>, Player, </a:t>
-            </a:r>
-            <a:r>
-              <a:rPr lang="de-AT" dirty="0" err="1" smtClean="0"/>
-              <a:t>Competition</a:t>
-            </a:r>
-            <a:r>
-              <a:rPr lang="de-AT" dirty="0" smtClean="0"/>
-              <a:t>: (</a:t>
-            </a:r>
-            <a:r>
-              <a:rPr lang="de-AT" dirty="0" err="1" smtClean="0"/>
-              <a:t>Incompatible</a:t>
-            </a:r>
-            <a:r>
-              <a:rPr lang="de-AT" dirty="0" smtClean="0"/>
-              <a:t> </a:t>
-            </a:r>
-            <a:r>
-              <a:rPr lang="de-AT" dirty="0" err="1" smtClean="0"/>
-              <a:t>Concepts</a:t>
-            </a:r>
-            <a:r>
-              <a:rPr lang="de-AT" dirty="0" smtClean="0"/>
-              <a:t>)</a:t>
-            </a:r>
-          </a:p>
-          <a:p>
-            <a:r>
-              <a:rPr lang="de-AT" dirty="0" smtClean="0"/>
-              <a:t>Player, Soccer Team – Player: (</a:t>
-            </a:r>
-            <a:r>
-              <a:rPr lang="de-AT" dirty="0" err="1" smtClean="0"/>
-              <a:t>Mismatch</a:t>
-            </a:r>
-            <a:r>
-              <a:rPr lang="de-AT" dirty="0" smtClean="0"/>
-              <a:t>, </a:t>
-            </a:r>
-            <a:r>
-              <a:rPr lang="de-AT" dirty="0" err="1" smtClean="0"/>
-              <a:t>Compatible</a:t>
-            </a:r>
-            <a:r>
-              <a:rPr lang="de-AT" dirty="0" smtClean="0"/>
-              <a:t> </a:t>
-            </a:r>
-            <a:r>
-              <a:rPr lang="de-AT" dirty="0" err="1" smtClean="0"/>
-              <a:t>Concepts</a:t>
-            </a:r>
-            <a:r>
-              <a:rPr lang="de-AT" smtClean="0"/>
-              <a:t>)</a:t>
-            </a:r>
-            <a:endParaRPr lang="de-AT" dirty="0"/>
-          </a:p>
-        </p:txBody>
-      </p:sp>
+        </p:nvPicPr>
+        <p:blipFill>
+          <a:blip r:embed="rId2">
+            <a:extLst>
+              <a:ext uri="{28A0092B-C50C-407E-A947-70E740481C1C}">
+                <a14:useLocalDpi xmlns:a14="http://schemas.microsoft.com/office/drawing/2010/main" val="0"/>
+              </a:ext>
+            </a:extLst>
+          </a:blip>
+          <a:stretch>
+            <a:fillRect/>
+          </a:stretch>
+        </p:blipFill>
+        <p:spPr>
+          <a:xfrm>
+            <a:off x="323528" y="1556792"/>
+            <a:ext cx="8496944" cy="5040560"/>
+          </a:xfrm>
+        </p:spPr>
+      </p:pic>
     </p:spTree>
     <p:extLst>
       <p:ext uri="{BB962C8B-B14F-4D97-AF65-F5344CB8AC3E}">
-        <p14:creationId xmlns:p14="http://schemas.microsoft.com/office/powerpoint/2010/main" val="3995392337"/>
+        <p14:creationId xmlns:p14="http://schemas.microsoft.com/office/powerpoint/2010/main" val="538514025"/>
       </p:ext>
     </p:extLst>
   </p:cSld>
   <p:clrMapOvr>
     <a:masterClrMapping/>
   </p:clrMapOvr>
+  <p:timing>
+    <p:tnLst>
+      <p:par>
+        <p:cTn id="1" dur="indefinite" restart="never" nodeType="tmRoot"/>
+      </p:par>
+    </p:tnLst>
+  </p:timing>
 </p:sld>
 </file>
 
@@ -12623,54 +15797,50 @@
         </p:nvSpPr>
         <p:spPr/>
         <p:txBody>
-          <a:bodyPr>
-            <a:normAutofit/>
-          </a:bodyPr>
+          <a:bodyPr/>
           <a:lstStyle/>
           <a:p>
             <a:r>
-              <a:rPr lang="de-AT" sz="3600" dirty="0" err="1"/>
-              <a:t>scenarios</a:t>
-            </a:r>
-            <a:r>
-              <a:rPr lang="de-AT" sz="3600" dirty="0"/>
-              <a:t> </a:t>
-            </a:r>
-            <a:r>
-              <a:rPr lang="de-AT" sz="3600" dirty="0" err="1"/>
-              <a:t>and</a:t>
-            </a:r>
-            <a:r>
-              <a:rPr lang="de-AT" sz="3600" dirty="0"/>
-              <a:t> </a:t>
-            </a:r>
-            <a:r>
-              <a:rPr lang="de-AT" sz="3600" dirty="0" err="1"/>
-              <a:t>interschema</a:t>
-            </a:r>
-            <a:r>
-              <a:rPr lang="de-AT" sz="3600" dirty="0"/>
-              <a:t> </a:t>
-            </a:r>
-            <a:r>
-              <a:rPr lang="de-AT" sz="3600" dirty="0" err="1" smtClean="0"/>
-              <a:t>properties</a:t>
-            </a:r>
-            <a:r>
-              <a:rPr lang="de-AT" sz="3600" dirty="0" smtClean="0"/>
-              <a:t> (1/2)</a:t>
-            </a:r>
-            <a:endParaRPr lang="de-AT" sz="3600" dirty="0"/>
+              <a:rPr lang="de-AT" dirty="0" err="1"/>
+              <a:t>Exercise</a:t>
+            </a:r>
+            <a:r>
+              <a:rPr lang="de-AT" dirty="0"/>
+              <a:t> 1 – </a:t>
+            </a:r>
+            <a:r>
+              <a:rPr lang="de-AT" dirty="0" err="1"/>
+              <a:t>Identify</a:t>
+            </a:r>
+            <a:r>
+              <a:rPr lang="de-AT" dirty="0"/>
+              <a:t> </a:t>
+            </a:r>
+            <a:r>
+              <a:rPr lang="de-AT" dirty="0" err="1"/>
+              <a:t>Conflicts</a:t>
+            </a:r>
+            <a:r>
+              <a:rPr lang="de-AT" dirty="0"/>
+              <a:t> </a:t>
+            </a:r>
+            <a:r>
+              <a:rPr lang="de-AT" dirty="0" smtClean="0"/>
+              <a:t>1b</a:t>
+            </a:r>
+            <a:endParaRPr lang="de-AT" dirty="0"/>
           </a:p>
         </p:txBody>
       </p:sp>
       <p:pic>
         <p:nvPicPr>
-          <p:cNvPr id="1027" name="Picture 3"/>
+          <p:cNvPr id="4" name="Inhaltsplatzhalter 3"/>
           <p:cNvPicPr>
-            <a:picLocks noChangeAspect="1" noChangeArrowheads="1"/>
+            <a:picLocks noGrp="1" noChangeAspect="1"/>
           </p:cNvPicPr>
-          <p:nvPr/>
+          <p:nvPr>
+            <p:ph sz="quarter" idx="1"/>
+          </p:nvPr>
         </p:nvPicPr>
         <p:blipFill>
           <a:blip r:embed="rId2">
@@ -12680,114 +15850,34 @@
               </a:ext>
             </a:extLst>
           </a:blip>
-          <a:srcRect/>
           <a:stretch>
             <a:fillRect/>
           </a:stretch>
         </p:blipFill>
-        <p:spPr bwMode="auto">
+        <p:spPr>
           <a:xfrm>
-            <a:off x="2483768" y="1628800"/>
-            <a:ext cx="3156570" cy="4713135"/>
+            <a:off x="323528" y="1556792"/>
+            <a:ext cx="8496944" cy="5040560"/>
           </a:xfrm>
-          <a:prstGeom prst="rect">
-            <a:avLst/>
-          </a:prstGeom>
-          <a:noFill/>
-          <a:ln>
-            <a:noFill/>
-          </a:ln>
-          <a:extLst>
-            <a:ext uri="{909E8E84-426E-40DD-AFC4-6F175D3DCCD1}">
-              <a14:hiddenFill xmlns:a14="http://schemas.microsoft.com/office/drawing/2010/main">
-                <a:solidFill>
-                  <a:schemeClr val="accent1"/>
-                </a:solidFill>
-              </a14:hiddenFill>
-            </a:ext>
-            <a:ext uri="{91240B29-F687-4F45-9708-019B960494DF}">
-              <a14:hiddenLine xmlns:a14="http://schemas.microsoft.com/office/drawing/2010/main" w="9525">
-                <a:solidFill>
-                  <a:schemeClr val="tx1"/>
-                </a:solidFill>
-                <a:miter lim="800000"/>
-                <a:headEnd/>
-                <a:tailEnd/>
-              </a14:hiddenLine>
-            </a:ext>
-          </a:extLst>
         </p:spPr>
       </p:pic>
-      <p:cxnSp>
-        <p:nvCxnSpPr>
-          <p:cNvPr id="4" name="Gerade Verbindung 3"/>
-          <p:cNvCxnSpPr/>
-          <p:nvPr/>
-        </p:nvCxnSpPr>
-        <p:spPr>
-          <a:xfrm>
-            <a:off x="2555776" y="3068960"/>
-            <a:ext cx="2952328" cy="0"/>
-          </a:xfrm>
-          <a:prstGeom prst="line">
-            <a:avLst/>
-          </a:prstGeom>
-        </p:spPr>
-        <p:style>
-          <a:lnRef idx="1">
-            <a:schemeClr val="accent1"/>
-          </a:lnRef>
-          <a:fillRef idx="0">
-            <a:schemeClr val="accent1"/>
-          </a:fillRef>
-          <a:effectRef idx="0">
-            <a:schemeClr val="accent1"/>
-          </a:effectRef>
-          <a:fontRef idx="minor">
-            <a:schemeClr val="tx1"/>
-          </a:fontRef>
-        </p:style>
-      </p:cxnSp>
-      <p:cxnSp>
-        <p:nvCxnSpPr>
-          <p:cNvPr id="7" name="Gerade Verbindung 6"/>
-          <p:cNvCxnSpPr/>
-          <p:nvPr/>
-        </p:nvCxnSpPr>
-        <p:spPr>
-          <a:xfrm>
-            <a:off x="2585889" y="4509120"/>
-            <a:ext cx="2952328" cy="0"/>
-          </a:xfrm>
-          <a:prstGeom prst="line">
-            <a:avLst/>
-          </a:prstGeom>
-        </p:spPr>
-        <p:style>
-          <a:lnRef idx="1">
-            <a:schemeClr val="accent1"/>
-          </a:lnRef>
-          <a:fillRef idx="0">
-            <a:schemeClr val="accent1"/>
-          </a:fillRef>
-          <a:effectRef idx="0">
-            <a:schemeClr val="accent1"/>
-          </a:effectRef>
-          <a:fontRef idx="minor">
-            <a:schemeClr val="tx1"/>
-          </a:fontRef>
-        </p:style>
-      </p:cxnSp>
     </p:spTree>
     <p:extLst>
       <p:ext uri="{BB962C8B-B14F-4D97-AF65-F5344CB8AC3E}">
-        <p14:creationId xmlns:p14="http://schemas.microsoft.com/office/powerpoint/2010/main" val="680704576"/>
+        <p14:creationId xmlns:p14="http://schemas.microsoft.com/office/powerpoint/2010/main" val="2203273452"/>
       </p:ext>
     </p:extLst>
   </p:cSld>
   <p:clrMapOvr>
     <a:masterClrMapping/>
   </p:clrMapOvr>
+  <p:timing>
+    <p:tnLst>
+      <p:par>
+        <p:cTn id="1" dur="indefinite" restart="never" nodeType="tmRoot"/>
+      </p:par>
+    </p:tnLst>
+  </p:timing>
 </p:sld>
 </file>
 
@@ -12820,61 +15910,50 @@
         </p:nvSpPr>
         <p:spPr/>
         <p:txBody>
-          <a:bodyPr>
-            <a:normAutofit/>
-          </a:bodyPr>
+          <a:bodyPr/>
           <a:lstStyle/>
           <a:p>
             <a:r>
-              <a:rPr lang="de-AT" sz="3600" dirty="0" err="1"/>
-              <a:t>scenarios</a:t>
-            </a:r>
-            <a:r>
-              <a:rPr lang="de-AT" sz="3600" dirty="0"/>
-              <a:t> </a:t>
-            </a:r>
-            <a:r>
-              <a:rPr lang="de-AT" sz="3600" dirty="0" err="1"/>
-              <a:t>and</a:t>
-            </a:r>
-            <a:r>
-              <a:rPr lang="de-AT" sz="3600" dirty="0"/>
-              <a:t> </a:t>
-            </a:r>
-            <a:r>
-              <a:rPr lang="de-AT" sz="3600" dirty="0" err="1"/>
-              <a:t>interschema</a:t>
-            </a:r>
-            <a:r>
-              <a:rPr lang="de-AT" sz="3600" dirty="0"/>
-              <a:t> </a:t>
-            </a:r>
-            <a:r>
-              <a:rPr lang="de-AT" sz="3600" dirty="0" err="1"/>
-              <a:t>properties</a:t>
-            </a:r>
-            <a:r>
-              <a:rPr lang="de-AT" sz="3600" dirty="0"/>
-              <a:t> </a:t>
-            </a:r>
-            <a:r>
-              <a:rPr lang="de-AT" sz="3600" dirty="0" smtClean="0"/>
-              <a:t>(2/2</a:t>
-            </a:r>
-            <a:r>
-              <a:rPr lang="de-AT" sz="3600" dirty="0"/>
-              <a:t>)</a:t>
-            </a:r>
+              <a:rPr lang="de-AT" dirty="0" err="1"/>
+              <a:t>Exercise</a:t>
+            </a:r>
+            <a:r>
+              <a:rPr lang="de-AT" dirty="0"/>
+              <a:t> 1 – </a:t>
+            </a:r>
+            <a:r>
+              <a:rPr lang="de-AT" dirty="0" err="1"/>
+              <a:t>Identify</a:t>
+            </a:r>
+            <a:r>
+              <a:rPr lang="de-AT" dirty="0"/>
+              <a:t> </a:t>
+            </a:r>
+            <a:r>
+              <a:rPr lang="de-AT" dirty="0" err="1"/>
+              <a:t>Conflicts</a:t>
+            </a:r>
+            <a:r>
+              <a:rPr lang="de-AT" dirty="0"/>
+              <a:t> </a:t>
+            </a:r>
+            <a:r>
+              <a:rPr lang="de-AT" dirty="0" smtClean="0"/>
+              <a:t>2a</a:t>
+            </a:r>
+            <a:endParaRPr lang="de-AT" dirty="0"/>
           </a:p>
         </p:txBody>
       </p:sp>
       <p:pic>
         <p:nvPicPr>
-          <p:cNvPr id="4" name="Picture 4"/>
+          <p:cNvPr id="4" name="Inhaltsplatzhalter 3"/>
           <p:cNvPicPr>
-            <a:picLocks noChangeAspect="1" noChangeArrowheads="1"/>
+            <a:picLocks noGrp="1" noChangeAspect="1"/>
           </p:cNvPicPr>
-          <p:nvPr/>
+          <p:nvPr>
+            <p:ph sz="quarter" idx="1"/>
+          </p:nvPr>
         </p:nvPicPr>
         <p:blipFill>
           <a:blip r:embed="rId2">
@@ -12884,84 +15963,34 @@
               </a:ext>
             </a:extLst>
           </a:blip>
-          <a:srcRect/>
           <a:stretch>
             <a:fillRect/>
           </a:stretch>
         </p:blipFill>
-        <p:spPr bwMode="auto">
+        <p:spPr>
           <a:xfrm>
-            <a:off x="2483768" y="1556792"/>
-            <a:ext cx="4169295" cy="4698235"/>
+            <a:off x="323528" y="1556792"/>
+            <a:ext cx="8496944" cy="5040560"/>
           </a:xfrm>
-          <a:prstGeom prst="rect">
-            <a:avLst/>
-          </a:prstGeom>
-          <a:noFill/>
-          <a:ln>
-            <a:noFill/>
-          </a:ln>
-          <a:extLst>
-            <a:ext uri="{909E8E84-426E-40DD-AFC4-6F175D3DCCD1}">
-              <a14:hiddenFill xmlns:a14="http://schemas.microsoft.com/office/drawing/2010/main">
-                <a:solidFill>
-                  <a:schemeClr val="accent1"/>
-                </a:solidFill>
-              </a14:hiddenFill>
-            </a:ext>
-            <a:ext uri="{91240B29-F687-4F45-9708-019B960494DF}">
-              <a14:hiddenLine xmlns:a14="http://schemas.microsoft.com/office/drawing/2010/main" w="9525">
-                <a:solidFill>
-                  <a:schemeClr val="tx1"/>
-                </a:solidFill>
-                <a:miter lim="800000"/>
-                <a:headEnd/>
-                <a:tailEnd/>
-              </a14:hiddenLine>
-            </a:ext>
-          </a:extLst>
         </p:spPr>
       </p:pic>
-      <p:cxnSp>
-        <p:nvCxnSpPr>
-          <p:cNvPr id="5" name="Gerade Verbindung 4"/>
-          <p:cNvCxnSpPr/>
-          <p:nvPr/>
-        </p:nvCxnSpPr>
-        <p:spPr>
-          <a:xfrm>
-            <a:off x="2660203" y="4509120"/>
-            <a:ext cx="3816424" cy="0"/>
-          </a:xfrm>
-          <a:prstGeom prst="line">
-            <a:avLst/>
-          </a:prstGeom>
-        </p:spPr>
-        <p:style>
-          <a:lnRef idx="1">
-            <a:schemeClr val="accent1"/>
-          </a:lnRef>
-          <a:fillRef idx="0">
-            <a:schemeClr val="accent1"/>
-          </a:fillRef>
-          <a:effectRef idx="0">
-            <a:schemeClr val="accent1"/>
-          </a:effectRef>
-          <a:fontRef idx="minor">
-            <a:schemeClr val="tx1"/>
-          </a:fontRef>
-        </p:style>
-      </p:cxnSp>
     </p:spTree>
     <p:extLst>
       <p:ext uri="{BB962C8B-B14F-4D97-AF65-F5344CB8AC3E}">
-        <p14:creationId xmlns:p14="http://schemas.microsoft.com/office/powerpoint/2010/main" val="2689177308"/>
+        <p14:creationId xmlns:p14="http://schemas.microsoft.com/office/powerpoint/2010/main" val="4196951952"/>
       </p:ext>
     </p:extLst>
   </p:cSld>
   <p:clrMapOvr>
     <a:masterClrMapping/>
   </p:clrMapOvr>
+  <p:timing>
+    <p:tnLst>
+      <p:par>
+        <p:cTn id="1" dur="indefinite" restart="never" nodeType="tmRoot"/>
+      </p:par>
+    </p:tnLst>
+  </p:timing>
 </p:sld>
 </file>
 
@@ -12998,8 +16027,32 @@
           <a:lstStyle/>
           <a:p>
             <a:r>
-              <a:rPr lang="en-US" dirty="0"/>
-              <a:t>integrate the schemas</a:t>
+              <a:rPr lang="de-AT" dirty="0" err="1"/>
+              <a:t>Exercise</a:t>
+            </a:r>
+            <a:r>
+              <a:rPr lang="de-AT" dirty="0"/>
+              <a:t> 1 – </a:t>
+            </a:r>
+            <a:r>
+              <a:rPr lang="de-AT" dirty="0" err="1"/>
+              <a:t>Identify</a:t>
+            </a:r>
+            <a:r>
+              <a:rPr lang="de-AT" dirty="0"/>
+              <a:t> </a:t>
+            </a:r>
+            <a:r>
+              <a:rPr lang="de-AT" dirty="0" err="1"/>
+              <a:t>Conflicts</a:t>
+            </a:r>
+            <a:r>
+              <a:rPr lang="de-AT" dirty="0"/>
+              <a:t> </a:t>
+            </a:r>
+            <a:r>
+              <a:rPr lang="de-AT" dirty="0" smtClean="0"/>
+              <a:t>2b</a:t>
             </a:r>
             <a:endParaRPr lang="de-AT" dirty="0"/>
           </a:p>
@@ -13007,11 +16060,13 @@
       </p:sp>
       <p:pic>
         <p:nvPicPr>
-          <p:cNvPr id="3" name="Picture 2"/>
+          <p:cNvPr id="4" name="Inhaltsplatzhalter 3"/>
           <p:cNvPicPr>
-            <a:picLocks noChangeAspect="1" noChangeArrowheads="1"/>
+            <a:picLocks noGrp="1" noChangeAspect="1"/>
           </p:cNvPicPr>
-          <p:nvPr/>
+          <p:nvPr>
+            <p:ph sz="quarter" idx="1"/>
+          </p:nvPr>
         </p:nvPicPr>
         <p:blipFill>
           <a:blip r:embed="rId2">
@@ -13021,48 +16076,21 @@
               </a:ext>
             </a:extLst>
           </a:blip>
-          <a:srcRect/>
           <a:stretch>
             <a:fillRect/>
           </a:stretch>
         </p:blipFill>
-        <p:spPr bwMode="auto">
+        <p:spPr>
           <a:xfrm>
-            <a:off x="114300" y="1628800"/>
-            <a:ext cx="8928100" cy="4502150"/>
+            <a:off x="323528" y="1556792"/>
+            <a:ext cx="8496944" cy="5040560"/>
           </a:xfrm>
-          <a:prstGeom prst="rect">
-            <a:avLst/>
-          </a:prstGeom>
-          <a:noFill/>
-          <a:ln>
-            <a:noFill/>
-          </a:ln>
-          <a:extLst>
-            <a:ext uri="{909E8E84-426E-40DD-AFC4-6F175D3DCCD1}">
-              <a14:hiddenFill xmlns:a14="http://schemas.microsoft.com/office/drawing/2010/main">
-                <a:solidFill>
-                  <a:schemeClr val="accent1"/>
-                </a:solidFill>
-              </a14:hiddenFill>
-            </a:ext>
-            <a:ext uri="{91240B29-F687-4F45-9708-019B960494DF}">
-              <a14:hiddenLine xmlns:a14="http://schemas.microsoft.com/office/drawing/2010/main" w="9525">
-                <a:solidFill>
-                  <a:schemeClr val="tx1"/>
-                </a:solidFill>
-                <a:miter lim="800000"/>
-                <a:headEnd/>
-                <a:tailEnd/>
-              </a14:hiddenLine>
-            </a:ext>
-          </a:extLst>
         </p:spPr>
       </p:pic>
     </p:spTree>
     <p:extLst>
       <p:ext uri="{BB962C8B-B14F-4D97-AF65-F5344CB8AC3E}">
-        <p14:creationId xmlns:p14="http://schemas.microsoft.com/office/powerpoint/2010/main" val="1436579645"/>
+        <p14:creationId xmlns:p14="http://schemas.microsoft.com/office/powerpoint/2010/main" val="4078306819"/>
       </p:ext>
     </p:extLst>
   </p:cSld>

--- a/Assignment_4.pptx
+++ b/Assignment_4.pptx
@@ -240,7 +240,7 @@
           <a:p>
             <a:fld id="{9AAE77E4-B6E2-4C72-BF75-BE4AC4EFD795}" type="datetimeFigureOut">
               <a:rPr lang="de-AT" smtClean="0"/>
-              <a:t>18.04.2016</a:t>
+              <a:t>19.04.2016</a:t>
             </a:fld>
             <a:endParaRPr lang="de-AT"/>
           </a:p>
@@ -1301,7 +1301,7 @@
           <a:p>
             <a:fld id="{1BA50D42-C9CD-4801-B293-61D1F53EC57E}" type="datetimeFigureOut">
               <a:rPr lang="de-DE" smtClean="0"/>
-              <a:t>18.04.2016</a:t>
+              <a:t>19.04.2016</a:t>
             </a:fld>
             <a:endParaRPr lang="de-DE"/>
           </a:p>
@@ -1492,7 +1492,7 @@
           <a:p>
             <a:fld id="{1BA50D42-C9CD-4801-B293-61D1F53EC57E}" type="datetimeFigureOut">
               <a:rPr lang="de-DE" smtClean="0"/>
-              <a:t>18.04.2016</a:t>
+              <a:t>19.04.2016</a:t>
             </a:fld>
             <a:endParaRPr lang="de-DE"/>
           </a:p>
@@ -1677,7 +1677,7 @@
           <a:p>
             <a:fld id="{1BA50D42-C9CD-4801-B293-61D1F53EC57E}" type="datetimeFigureOut">
               <a:rPr lang="de-DE" smtClean="0"/>
-              <a:t>18.04.2016</a:t>
+              <a:t>19.04.2016</a:t>
             </a:fld>
             <a:endParaRPr lang="de-DE"/>
           </a:p>
@@ -1940,7 +1940,7 @@
           <a:p>
             <a:fld id="{1BA50D42-C9CD-4801-B293-61D1F53EC57E}" type="datetimeFigureOut">
               <a:rPr lang="de-DE" smtClean="0"/>
-              <a:t>18.04.2016</a:t>
+              <a:t>19.04.2016</a:t>
             </a:fld>
             <a:endParaRPr lang="de-DE"/>
           </a:p>
@@ -2356,7 +2356,7 @@
           <a:p>
             <a:fld id="{1BA50D42-C9CD-4801-B293-61D1F53EC57E}" type="datetimeFigureOut">
               <a:rPr lang="de-DE" smtClean="0"/>
-              <a:t>18.04.2016</a:t>
+              <a:t>19.04.2016</a:t>
             </a:fld>
             <a:endParaRPr lang="de-DE"/>
           </a:p>
@@ -2598,7 +2598,7 @@
           <a:p>
             <a:fld id="{1BA50D42-C9CD-4801-B293-61D1F53EC57E}" type="datetimeFigureOut">
               <a:rPr lang="de-DE" smtClean="0"/>
-              <a:t>18.04.2016</a:t>
+              <a:t>19.04.2016</a:t>
             </a:fld>
             <a:endParaRPr lang="de-DE"/>
           </a:p>
@@ -2834,7 +2834,7 @@
           <a:p>
             <a:fld id="{1BA50D42-C9CD-4801-B293-61D1F53EC57E}" type="datetimeFigureOut">
               <a:rPr lang="de-DE" smtClean="0"/>
-              <a:t>18.04.2016</a:t>
+              <a:t>19.04.2016</a:t>
             </a:fld>
             <a:endParaRPr lang="de-DE"/>
           </a:p>
@@ -3029,7 +3029,7 @@
           <a:p>
             <a:fld id="{1BA50D42-C9CD-4801-B293-61D1F53EC57E}" type="datetimeFigureOut">
               <a:rPr lang="de-DE" smtClean="0"/>
-              <a:t>18.04.2016</a:t>
+              <a:t>19.04.2016</a:t>
             </a:fld>
             <a:endParaRPr lang="de-DE"/>
           </a:p>
@@ -3127,7 +3127,7 @@
           <a:p>
             <a:fld id="{1BA50D42-C9CD-4801-B293-61D1F53EC57E}" type="datetimeFigureOut">
               <a:rPr lang="de-DE" smtClean="0"/>
-              <a:t>18.04.2016</a:t>
+              <a:t>19.04.2016</a:t>
             </a:fld>
             <a:endParaRPr lang="de-DE"/>
           </a:p>
@@ -3263,7 +3263,7 @@
           <a:p>
             <a:fld id="{1BA50D42-C9CD-4801-B293-61D1F53EC57E}" type="datetimeFigureOut">
               <a:rPr lang="de-DE" smtClean="0"/>
-              <a:t>18.04.2016</a:t>
+              <a:t>19.04.2016</a:t>
             </a:fld>
             <a:endParaRPr lang="de-DE"/>
           </a:p>
@@ -3781,7 +3781,7 @@
           <a:p>
             <a:fld id="{1BA50D42-C9CD-4801-B293-61D1F53EC57E}" type="datetimeFigureOut">
               <a:rPr lang="de-DE" smtClean="0"/>
-              <a:t>18.04.2016</a:t>
+              <a:t>19.04.2016</a:t>
             </a:fld>
             <a:endParaRPr lang="de-DE"/>
           </a:p>
@@ -4042,7 +4042,7 @@
           <a:p>
             <a:fld id="{1BA50D42-C9CD-4801-B293-61D1F53EC57E}" type="datetimeFigureOut">
               <a:rPr lang="de-DE" smtClean="0"/>
-              <a:t>18.04.2016</a:t>
+              <a:t>19.04.2016</a:t>
             </a:fld>
             <a:endParaRPr lang="de-DE"/>
           </a:p>
@@ -4625,11 +4625,7 @@
             </a:r>
             <a:r>
               <a:rPr lang="de-AT" dirty="0" smtClean="0"/>
-              <a:t>, </a:t>
-            </a:r>
-            <a:r>
-              <a:rPr lang="de-AT" dirty="0" smtClean="0"/>
-              <a:t>Weinberger</a:t>
+              <a:t>, Weinberger</a:t>
             </a:r>
             <a:endParaRPr lang="de-AT" dirty="0"/>
           </a:p>
@@ -6161,13 +6157,10 @@
               <a:t> </a:t>
             </a:r>
             <a:r>
-              <a:rPr lang="de-AT" sz="3600" dirty="0" err="1"/>
+              <a:rPr lang="de-AT" sz="3600" dirty="0" err="1" smtClean="0"/>
               <a:t>properties</a:t>
             </a:r>
-            <a:r>
-              <a:rPr lang="de-AT" sz="3600" dirty="0"/>
-              <a:t> (1/2)</a:t>
-            </a:r>
+            <a:endParaRPr lang="de-AT" sz="3600" dirty="0"/>
           </a:p>
         </p:txBody>
       </p:sp>
@@ -6448,10 +6441,6 @@
             <a:r>
               <a:rPr lang="de-AT" sz="3600" dirty="0" err="1" smtClean="0"/>
               <a:t>properties</a:t>
-            </a:r>
-            <a:r>
-              <a:rPr lang="de-AT" sz="3600" dirty="0" smtClean="0"/>
-              <a:t> (1/2)</a:t>
             </a:r>
             <a:endParaRPr lang="de-AT" sz="3600" dirty="0"/>
           </a:p>
@@ -12081,15 +12070,9 @@
         <p:spPr/>
         <p:txBody>
           <a:bodyPr>
-            <a:normAutofit fontScale="92500" lnSpcReduction="10000"/>
+            <a:normAutofit/>
           </a:bodyPr>
           <a:lstStyle/>
-          <a:p>
-            <a:endParaRPr lang="de-AT" dirty="0"/>
-          </a:p>
-          <a:p>
-            <a:endParaRPr lang="de-AT" dirty="0"/>
-          </a:p>
           <a:p>
             <a:r>
               <a:rPr lang="en-US" dirty="0" smtClean="0"/>
@@ -13425,6 +13408,70 @@
           </a:extLst>
         </p:spPr>
       </p:pic>
+      <p:pic>
+        <p:nvPicPr>
+          <p:cNvPr id="5" name="Picture 2"/>
+          <p:cNvPicPr>
+            <a:picLocks noChangeAspect="1" noChangeArrowheads="1"/>
+          </p:cNvPicPr>
+          <p:nvPr/>
+        </p:nvPicPr>
+        <p:blipFill>
+          <a:blip r:embed="rId4">
+            <a:extLst>
+              <a:ext uri="{28A0092B-C50C-407E-A947-70E740481C1C}">
+                <a14:useLocalDpi xmlns:a14="http://schemas.microsoft.com/office/drawing/2010/main" val="0"/>
+              </a:ext>
+            </a:extLst>
+          </a:blip>
+          <a:srcRect/>
+          <a:stretch>
+            <a:fillRect/>
+          </a:stretch>
+        </p:blipFill>
+        <p:spPr bwMode="auto">
+          <a:xfrm>
+            <a:off x="1169733" y="3861048"/>
+            <a:ext cx="2227617" cy="2604116"/>
+          </a:xfrm>
+          <a:prstGeom prst="rect">
+            <a:avLst/>
+          </a:prstGeom>
+          <a:noFill/>
+          <a:ln>
+            <a:noFill/>
+          </a:ln>
+          <a:effectLst/>
+          <a:extLst>
+            <a:ext uri="{909E8E84-426E-40DD-AFC4-6F175D3DCCD1}">
+              <a14:hiddenFill xmlns:a14="http://schemas.microsoft.com/office/drawing/2010/main">
+                <a:solidFill>
+                  <a:schemeClr val="accent1"/>
+                </a:solidFill>
+              </a14:hiddenFill>
+            </a:ext>
+            <a:ext uri="{91240B29-F687-4F45-9708-019B960494DF}">
+              <a14:hiddenLine xmlns:a14="http://schemas.microsoft.com/office/drawing/2010/main" w="9525">
+                <a:solidFill>
+                  <a:schemeClr val="tx1"/>
+                </a:solidFill>
+                <a:miter lim="800000"/>
+                <a:headEnd/>
+                <a:tailEnd/>
+              </a14:hiddenLine>
+            </a:ext>
+            <a:ext uri="{AF507438-7753-43E0-B8FC-AC1667EBCBE1}">
+              <a14:hiddenEffects xmlns:a14="http://schemas.microsoft.com/office/drawing/2010/main">
+                <a:effectLst>
+                  <a:outerShdw dist="35921" dir="2700000" algn="ctr" rotWithShape="0">
+                    <a:schemeClr val="bg2"/>
+                  </a:outerShdw>
+                </a:effectLst>
+              </a14:hiddenEffects>
+            </a:ext>
+          </a:extLst>
+        </p:spPr>
+      </p:pic>
     </p:spTree>
     <p:extLst>
       <p:ext uri="{BB962C8B-B14F-4D97-AF65-F5344CB8AC3E}">
@@ -13630,7 +13677,7 @@
         </p:blipFill>
         <p:spPr bwMode="auto">
           <a:xfrm>
-            <a:off x="2987824" y="3382446"/>
+            <a:off x="4211960" y="3409950"/>
             <a:ext cx="3590925" cy="3448050"/>
           </a:xfrm>
           <a:prstGeom prst="rect">
@@ -13657,6 +13704,70 @@
                 <a:headEnd/>
                 <a:tailEnd/>
               </a14:hiddenLine>
+            </a:ext>
+          </a:extLst>
+        </p:spPr>
+      </p:pic>
+      <p:pic>
+        <p:nvPicPr>
+          <p:cNvPr id="5" name="Picture 2"/>
+          <p:cNvPicPr>
+            <a:picLocks noChangeAspect="1" noChangeArrowheads="1"/>
+          </p:cNvPicPr>
+          <p:nvPr/>
+        </p:nvPicPr>
+        <p:blipFill>
+          <a:blip r:embed="rId4">
+            <a:extLst>
+              <a:ext uri="{28A0092B-C50C-407E-A947-70E740481C1C}">
+                <a14:useLocalDpi xmlns:a14="http://schemas.microsoft.com/office/drawing/2010/main" val="0"/>
+              </a:ext>
+            </a:extLst>
+          </a:blip>
+          <a:srcRect/>
+          <a:stretch>
+            <a:fillRect/>
+          </a:stretch>
+        </p:blipFill>
+        <p:spPr bwMode="auto">
+          <a:xfrm>
+            <a:off x="1169733" y="3861048"/>
+            <a:ext cx="2227617" cy="2604116"/>
+          </a:xfrm>
+          <a:prstGeom prst="rect">
+            <a:avLst/>
+          </a:prstGeom>
+          <a:noFill/>
+          <a:ln>
+            <a:noFill/>
+          </a:ln>
+          <a:effectLst/>
+          <a:extLst>
+            <a:ext uri="{909E8E84-426E-40DD-AFC4-6F175D3DCCD1}">
+              <a14:hiddenFill xmlns:a14="http://schemas.microsoft.com/office/drawing/2010/main">
+                <a:solidFill>
+                  <a:schemeClr val="accent1"/>
+                </a:solidFill>
+              </a14:hiddenFill>
+            </a:ext>
+            <a:ext uri="{91240B29-F687-4F45-9708-019B960494DF}">
+              <a14:hiddenLine xmlns:a14="http://schemas.microsoft.com/office/drawing/2010/main" w="9525">
+                <a:solidFill>
+                  <a:schemeClr val="tx1"/>
+                </a:solidFill>
+                <a:miter lim="800000"/>
+                <a:headEnd/>
+                <a:tailEnd/>
+              </a14:hiddenLine>
+            </a:ext>
+            <a:ext uri="{AF507438-7753-43E0-B8FC-AC1667EBCBE1}">
+              <a14:hiddenEffects xmlns:a14="http://schemas.microsoft.com/office/drawing/2010/main">
+                <a:effectLst>
+                  <a:outerShdw dist="35921" dir="2700000" algn="ctr" rotWithShape="0">
+                    <a:schemeClr val="bg2"/>
+                  </a:outerShdw>
+                </a:effectLst>
+              </a14:hiddenEffects>
             </a:ext>
           </a:extLst>
         </p:spPr>
@@ -14819,10 +14930,6 @@
             <a:r>
               <a:rPr lang="de-AT" dirty="0" err="1" smtClean="0"/>
               <a:t>partitioning</a:t>
-            </a:r>
-            <a:r>
-              <a:rPr lang="de-AT" dirty="0" smtClean="0"/>
-              <a:t>(1/2)</a:t>
             </a:r>
             <a:endParaRPr lang="de-AT" dirty="0"/>
           </a:p>
